--- a/Strömungslehre 2/images/SL2-Images.pptx
+++ b/Strömungslehre 2/images/SL2-Images.pptx
@@ -11,6 +11,7 @@
     <p:sldId id="259" r:id="rId5"/>
     <p:sldId id="260" r:id="rId6"/>
     <p:sldId id="261" r:id="rId7"/>
+    <p:sldId id="262" r:id="rId8"/>
   </p:sldIdLst>
   <p:sldSz cx="3600450" cy="3600450"/>
   <p:notesSz cx="6858000" cy="9144000"/>
@@ -14091,6 +14092,3673 @@
 </p:sld>
 </file>
 
+<file path=ppt/slides/slide7.xml><?xml version="1.0" encoding="utf-8"?>
+<p:sld xmlns:a="http://schemas.openxmlformats.org/drawingml/2006/main" xmlns:r="http://schemas.openxmlformats.org/officeDocument/2006/relationships" xmlns:p="http://schemas.openxmlformats.org/presentationml/2006/main">
+  <p:cSld>
+    <p:spTree>
+      <p:nvGrpSpPr>
+        <p:cNvPr id="1" name="">
+          <a:extLst>
+            <a:ext uri="{FF2B5EF4-FFF2-40B4-BE49-F238E27FC236}">
+              <a16:creationId xmlns:a16="http://schemas.microsoft.com/office/drawing/2014/main" id="{D7D42841-1AF1-9EA1-1BAA-B00A6B8E06FE}"/>
+            </a:ext>
+          </a:extLst>
+        </p:cNvPr>
+        <p:cNvGrpSpPr/>
+        <p:nvPr/>
+      </p:nvGrpSpPr>
+      <p:grpSpPr>
+        <a:xfrm>
+          <a:off x="0" y="0"/>
+          <a:ext cx="0" cy="0"/>
+          <a:chOff x="0" y="0"/>
+          <a:chExt cx="0" cy="0"/>
+        </a:xfrm>
+      </p:grpSpPr>
+      <p:sp>
+        <p:nvSpPr>
+          <p:cNvPr id="8" name="Textfeld 7">
+            <a:extLst>
+              <a:ext uri="{FF2B5EF4-FFF2-40B4-BE49-F238E27FC236}">
+                <a16:creationId xmlns:a16="http://schemas.microsoft.com/office/drawing/2014/main" id="{A571117E-A7C6-A7C6-6F39-7C89F4F53678}"/>
+              </a:ext>
+            </a:extLst>
+          </p:cNvPr>
+          <p:cNvSpPr txBox="1"/>
+          <p:nvPr/>
+        </p:nvSpPr>
+        <p:spPr>
+          <a:xfrm>
+            <a:off x="2791800" y="2091580"/>
+            <a:ext cx="484119" cy="369332"/>
+          </a:xfrm>
+          <a:prstGeom prst="rect">
+            <a:avLst/>
+          </a:prstGeom>
+          <a:noFill/>
+        </p:spPr>
+        <p:txBody>
+          <a:bodyPr wrap="square" rtlCol="0">
+            <a:spAutoFit/>
+          </a:bodyPr>
+          <a:lstStyle/>
+          <a:p>
+            <a:pPr algn="ctr"/>
+            <a:r>
+              <a:rPr lang="de-DE" i="1" dirty="0">
+                <a:latin typeface="CMU Serif" panose="02000603000000000000" pitchFamily="2" charset="0"/>
+                <a:ea typeface="CMU Serif" panose="02000603000000000000" pitchFamily="2" charset="0"/>
+                <a:cs typeface="CMU Serif" panose="02000603000000000000" pitchFamily="2" charset="0"/>
+              </a:rPr>
+              <a:t>x</a:t>
+            </a:r>
+          </a:p>
+        </p:txBody>
+      </p:sp>
+      <p:sp>
+        <p:nvSpPr>
+          <p:cNvPr id="36" name="Textfeld 35">
+            <a:extLst>
+              <a:ext uri="{FF2B5EF4-FFF2-40B4-BE49-F238E27FC236}">
+                <a16:creationId xmlns:a16="http://schemas.microsoft.com/office/drawing/2014/main" id="{F1E1E5CA-3D6B-71D3-B083-F7C2808B7863}"/>
+              </a:ext>
+            </a:extLst>
+          </p:cNvPr>
+          <p:cNvSpPr txBox="1"/>
+          <p:nvPr/>
+        </p:nvSpPr>
+        <p:spPr>
+          <a:xfrm>
+            <a:off x="734724" y="1912227"/>
+            <a:ext cx="353054" cy="369332"/>
+          </a:xfrm>
+          <a:prstGeom prst="rect">
+            <a:avLst/>
+          </a:prstGeom>
+          <a:noFill/>
+        </p:spPr>
+        <p:txBody>
+          <a:bodyPr wrap="square" rtlCol="0">
+            <a:spAutoFit/>
+          </a:bodyPr>
+          <a:lstStyle/>
+          <a:p>
+            <a:pPr algn="ctr"/>
+            <a:r>
+              <a:rPr lang="el-GR" i="1" dirty="0">
+                <a:solidFill>
+                  <a:schemeClr val="tx1">
+                    <a:lumMod val="65000"/>
+                    <a:lumOff val="35000"/>
+                  </a:schemeClr>
+                </a:solidFill>
+                <a:latin typeface="CMU Serif Extra" panose="02000603000000000000" pitchFamily="2" charset="0"/>
+                <a:ea typeface="CMU Serif Extra" panose="02000603000000000000" pitchFamily="2" charset="0"/>
+                <a:cs typeface="CMU Serif Extra" panose="02000603000000000000" pitchFamily="2" charset="0"/>
+              </a:rPr>
+              <a:t>ϑ</a:t>
+            </a:r>
+            <a:endParaRPr lang="de-DE" i="1" u="sng" dirty="0">
+              <a:solidFill>
+                <a:schemeClr val="tx1">
+                  <a:lumMod val="65000"/>
+                  <a:lumOff val="35000"/>
+                </a:schemeClr>
+              </a:solidFill>
+              <a:latin typeface="CMU Serif Extra" panose="02000603000000000000" pitchFamily="2" charset="0"/>
+              <a:ea typeface="CMU Serif Extra" panose="02000603000000000000" pitchFamily="2" charset="0"/>
+              <a:cs typeface="CMU Serif Extra" panose="02000603000000000000" pitchFamily="2" charset="0"/>
+            </a:endParaRPr>
+          </a:p>
+        </p:txBody>
+      </p:sp>
+      <p:cxnSp>
+        <p:nvCxnSpPr>
+          <p:cNvPr id="55" name="Gerader Verbinder 54">
+            <a:extLst>
+              <a:ext uri="{FF2B5EF4-FFF2-40B4-BE49-F238E27FC236}">
+                <a16:creationId xmlns:a16="http://schemas.microsoft.com/office/drawing/2014/main" id="{A3A7E3FB-1441-FFCB-59F0-AF8C9CBBD68C}"/>
+              </a:ext>
+            </a:extLst>
+          </p:cNvPr>
+          <p:cNvCxnSpPr>
+            <a:cxnSpLocks/>
+          </p:cNvCxnSpPr>
+          <p:nvPr/>
+        </p:nvCxnSpPr>
+        <p:spPr>
+          <a:xfrm>
+            <a:off x="1133632" y="2282248"/>
+            <a:ext cx="127820" cy="195448"/>
+          </a:xfrm>
+          <a:prstGeom prst="line">
+            <a:avLst/>
+          </a:prstGeom>
+          <a:ln w="12700" cap="rnd">
+            <a:solidFill>
+              <a:schemeClr val="tx1"/>
+            </a:solidFill>
+            <a:round/>
+          </a:ln>
+        </p:spPr>
+        <p:style>
+          <a:lnRef idx="2">
+            <a:schemeClr val="accent1"/>
+          </a:lnRef>
+          <a:fillRef idx="0">
+            <a:schemeClr val="accent1"/>
+          </a:fillRef>
+          <a:effectRef idx="1">
+            <a:schemeClr val="accent1"/>
+          </a:effectRef>
+          <a:fontRef idx="minor">
+            <a:schemeClr val="tx1"/>
+          </a:fontRef>
+        </p:style>
+      </p:cxnSp>
+      <p:cxnSp>
+        <p:nvCxnSpPr>
+          <p:cNvPr id="5" name="Gerader Verbinder 4">
+            <a:extLst>
+              <a:ext uri="{FF2B5EF4-FFF2-40B4-BE49-F238E27FC236}">
+                <a16:creationId xmlns:a16="http://schemas.microsoft.com/office/drawing/2014/main" id="{B0C2C4EB-812A-90F4-8AD9-A127A9632895}"/>
+              </a:ext>
+            </a:extLst>
+          </p:cNvPr>
+          <p:cNvCxnSpPr>
+            <a:cxnSpLocks/>
+          </p:cNvCxnSpPr>
+          <p:nvPr/>
+        </p:nvCxnSpPr>
+        <p:spPr>
+          <a:xfrm flipH="1">
+            <a:off x="329391" y="2280826"/>
+            <a:ext cx="804241" cy="0"/>
+          </a:xfrm>
+          <a:prstGeom prst="line">
+            <a:avLst/>
+          </a:prstGeom>
+          <a:ln w="12700" cap="rnd">
+            <a:solidFill>
+              <a:schemeClr val="tx1">
+                <a:lumMod val="65000"/>
+                <a:lumOff val="35000"/>
+              </a:schemeClr>
+            </a:solidFill>
+            <a:round/>
+          </a:ln>
+        </p:spPr>
+        <p:style>
+          <a:lnRef idx="2">
+            <a:schemeClr val="accent1"/>
+          </a:lnRef>
+          <a:fillRef idx="0">
+            <a:schemeClr val="accent1"/>
+          </a:fillRef>
+          <a:effectRef idx="1">
+            <a:schemeClr val="accent1"/>
+          </a:effectRef>
+          <a:fontRef idx="minor">
+            <a:schemeClr val="tx1"/>
+          </a:fontRef>
+        </p:style>
+      </p:cxnSp>
+      <p:sp>
+        <p:nvSpPr>
+          <p:cNvPr id="35" name="Bogen 34">
+            <a:extLst>
+              <a:ext uri="{FF2B5EF4-FFF2-40B4-BE49-F238E27FC236}">
+                <a16:creationId xmlns:a16="http://schemas.microsoft.com/office/drawing/2014/main" id="{A7FB58F3-80D4-2913-F3FD-49E3CD46E0B2}"/>
+              </a:ext>
+            </a:extLst>
+          </p:cNvPr>
+          <p:cNvSpPr/>
+          <p:nvPr/>
+        </p:nvSpPr>
+        <p:spPr>
+          <a:xfrm>
+            <a:off x="669513" y="1849946"/>
+            <a:ext cx="876546" cy="861914"/>
+          </a:xfrm>
+          <a:prstGeom prst="arc">
+            <a:avLst>
+              <a:gd name="adj1" fmla="val 10800594"/>
+              <a:gd name="adj2" fmla="val 17776719"/>
+            </a:avLst>
+          </a:prstGeom>
+          <a:noFill/>
+          <a:ln w="12700" cap="rnd">
+            <a:solidFill>
+              <a:schemeClr val="tx1">
+                <a:lumMod val="65000"/>
+                <a:lumOff val="35000"/>
+              </a:schemeClr>
+            </a:solidFill>
+            <a:round/>
+            <a:headEnd type="stealth" w="med" len="med"/>
+            <a:tailEnd type="stealth" w="med" len="med"/>
+          </a:ln>
+        </p:spPr>
+        <p:style>
+          <a:lnRef idx="2">
+            <a:schemeClr val="dk1"/>
+          </a:lnRef>
+          <a:fillRef idx="0">
+            <a:schemeClr val="dk1"/>
+          </a:fillRef>
+          <a:effectRef idx="1">
+            <a:schemeClr val="dk1"/>
+          </a:effectRef>
+          <a:fontRef idx="minor">
+            <a:schemeClr val="tx1"/>
+          </a:fontRef>
+        </p:style>
+        <p:txBody>
+          <a:bodyPr rtlCol="0" anchor="ctr"/>
+          <a:lstStyle/>
+          <a:p>
+            <a:pPr algn="ctr"/>
+            <a:endParaRPr lang="de-DE"/>
+          </a:p>
+        </p:txBody>
+      </p:sp>
+      <p:cxnSp>
+        <p:nvCxnSpPr>
+          <p:cNvPr id="6" name="Gerader Verbinder 5">
+            <a:extLst>
+              <a:ext uri="{FF2B5EF4-FFF2-40B4-BE49-F238E27FC236}">
+                <a16:creationId xmlns:a16="http://schemas.microsoft.com/office/drawing/2014/main" id="{C68A3746-682B-EEB3-446B-8169FA97A567}"/>
+              </a:ext>
+            </a:extLst>
+          </p:cNvPr>
+          <p:cNvCxnSpPr>
+            <a:cxnSpLocks/>
+          </p:cNvCxnSpPr>
+          <p:nvPr/>
+        </p:nvCxnSpPr>
+        <p:spPr>
+          <a:xfrm flipH="1">
+            <a:off x="1102711" y="1029717"/>
+            <a:ext cx="655761" cy="1250447"/>
+          </a:xfrm>
+          <a:prstGeom prst="line">
+            <a:avLst/>
+          </a:prstGeom>
+          <a:ln cap="rnd">
+            <a:round/>
+          </a:ln>
+        </p:spPr>
+        <p:style>
+          <a:lnRef idx="2">
+            <a:schemeClr val="dk1"/>
+          </a:lnRef>
+          <a:fillRef idx="0">
+            <a:schemeClr val="dk1"/>
+          </a:fillRef>
+          <a:effectRef idx="1">
+            <a:schemeClr val="dk1"/>
+          </a:effectRef>
+          <a:fontRef idx="minor">
+            <a:schemeClr val="tx1"/>
+          </a:fontRef>
+        </p:style>
+      </p:cxnSp>
+      <p:cxnSp>
+        <p:nvCxnSpPr>
+          <p:cNvPr id="7" name="Gerader Verbinder 6">
+            <a:extLst>
+              <a:ext uri="{FF2B5EF4-FFF2-40B4-BE49-F238E27FC236}">
+                <a16:creationId xmlns:a16="http://schemas.microsoft.com/office/drawing/2014/main" id="{3CA28803-7D69-49C5-4131-67F574D73EC5}"/>
+              </a:ext>
+            </a:extLst>
+          </p:cNvPr>
+          <p:cNvCxnSpPr>
+            <a:cxnSpLocks/>
+          </p:cNvCxnSpPr>
+          <p:nvPr/>
+        </p:nvCxnSpPr>
+        <p:spPr>
+          <a:xfrm flipH="1">
+            <a:off x="1102711" y="2281642"/>
+            <a:ext cx="1803328" cy="0"/>
+          </a:xfrm>
+          <a:prstGeom prst="line">
+            <a:avLst/>
+          </a:prstGeom>
+          <a:ln cap="rnd">
+            <a:round/>
+            <a:headEnd type="stealth" w="lg" len="lg"/>
+          </a:ln>
+        </p:spPr>
+        <p:style>
+          <a:lnRef idx="2">
+            <a:schemeClr val="dk1"/>
+          </a:lnRef>
+          <a:fillRef idx="0">
+            <a:schemeClr val="dk1"/>
+          </a:fillRef>
+          <a:effectRef idx="1">
+            <a:schemeClr val="dk1"/>
+          </a:effectRef>
+          <a:fontRef idx="minor">
+            <a:schemeClr val="tx1"/>
+          </a:fontRef>
+        </p:style>
+      </p:cxnSp>
+      <p:sp>
+        <p:nvSpPr>
+          <p:cNvPr id="11" name="Bogen 10">
+            <a:extLst>
+              <a:ext uri="{FF2B5EF4-FFF2-40B4-BE49-F238E27FC236}">
+                <a16:creationId xmlns:a16="http://schemas.microsoft.com/office/drawing/2014/main" id="{353DCCA2-EAF4-F3A1-164B-6DD68A85A52C}"/>
+              </a:ext>
+            </a:extLst>
+          </p:cNvPr>
+          <p:cNvSpPr/>
+          <p:nvPr/>
+        </p:nvSpPr>
+        <p:spPr>
+          <a:xfrm>
+            <a:off x="669513" y="1849946"/>
+            <a:ext cx="876546" cy="861914"/>
+          </a:xfrm>
+          <a:prstGeom prst="arc">
+            <a:avLst>
+              <a:gd name="adj1" fmla="val 17842812"/>
+              <a:gd name="adj2" fmla="val 21551453"/>
+            </a:avLst>
+          </a:prstGeom>
+          <a:noFill/>
+          <a:ln w="12700" cap="rnd">
+            <a:solidFill>
+              <a:schemeClr val="tx1">
+                <a:lumMod val="65000"/>
+                <a:lumOff val="35000"/>
+              </a:schemeClr>
+            </a:solidFill>
+            <a:round/>
+            <a:headEnd type="stealth" w="med" len="med"/>
+            <a:tailEnd type="stealth" w="med" len="med"/>
+          </a:ln>
+        </p:spPr>
+        <p:style>
+          <a:lnRef idx="2">
+            <a:schemeClr val="dk1"/>
+          </a:lnRef>
+          <a:fillRef idx="0">
+            <a:schemeClr val="dk1"/>
+          </a:fillRef>
+          <a:effectRef idx="1">
+            <a:schemeClr val="dk1"/>
+          </a:effectRef>
+          <a:fontRef idx="minor">
+            <a:schemeClr val="tx1"/>
+          </a:fontRef>
+        </p:style>
+        <p:txBody>
+          <a:bodyPr rtlCol="0" anchor="ctr"/>
+          <a:lstStyle/>
+          <a:p>
+            <a:pPr algn="ctr"/>
+            <a:endParaRPr lang="de-DE"/>
+          </a:p>
+        </p:txBody>
+      </p:sp>
+      <p:cxnSp>
+        <p:nvCxnSpPr>
+          <p:cNvPr id="14" name="Gerader Verbinder 13">
+            <a:extLst>
+              <a:ext uri="{FF2B5EF4-FFF2-40B4-BE49-F238E27FC236}">
+                <a16:creationId xmlns:a16="http://schemas.microsoft.com/office/drawing/2014/main" id="{1944F6FE-5F88-6505-4B9F-2F24F08A76C7}"/>
+              </a:ext>
+            </a:extLst>
+          </p:cNvPr>
+          <p:cNvCxnSpPr>
+            <a:cxnSpLocks/>
+          </p:cNvCxnSpPr>
+          <p:nvPr/>
+        </p:nvCxnSpPr>
+        <p:spPr>
+          <a:xfrm>
+            <a:off x="1197542" y="2280835"/>
+            <a:ext cx="127820" cy="195448"/>
+          </a:xfrm>
+          <a:prstGeom prst="line">
+            <a:avLst/>
+          </a:prstGeom>
+          <a:ln w="12700" cap="rnd">
+            <a:solidFill>
+              <a:schemeClr val="tx1"/>
+            </a:solidFill>
+            <a:round/>
+          </a:ln>
+        </p:spPr>
+        <p:style>
+          <a:lnRef idx="2">
+            <a:schemeClr val="accent1"/>
+          </a:lnRef>
+          <a:fillRef idx="0">
+            <a:schemeClr val="accent1"/>
+          </a:fillRef>
+          <a:effectRef idx="1">
+            <a:schemeClr val="accent1"/>
+          </a:effectRef>
+          <a:fontRef idx="minor">
+            <a:schemeClr val="tx1"/>
+          </a:fontRef>
+        </p:style>
+      </p:cxnSp>
+      <p:cxnSp>
+        <p:nvCxnSpPr>
+          <p:cNvPr id="15" name="Gerader Verbinder 14">
+            <a:extLst>
+              <a:ext uri="{FF2B5EF4-FFF2-40B4-BE49-F238E27FC236}">
+                <a16:creationId xmlns:a16="http://schemas.microsoft.com/office/drawing/2014/main" id="{84958F9E-6EEF-C3DF-1142-1C411B33276A}"/>
+              </a:ext>
+            </a:extLst>
+          </p:cNvPr>
+          <p:cNvCxnSpPr>
+            <a:cxnSpLocks/>
+          </p:cNvCxnSpPr>
+          <p:nvPr/>
+        </p:nvCxnSpPr>
+        <p:spPr>
+          <a:xfrm>
+            <a:off x="1261452" y="2281844"/>
+            <a:ext cx="127820" cy="195448"/>
+          </a:xfrm>
+          <a:prstGeom prst="line">
+            <a:avLst/>
+          </a:prstGeom>
+          <a:ln w="12700" cap="rnd">
+            <a:solidFill>
+              <a:schemeClr val="tx1"/>
+            </a:solidFill>
+            <a:round/>
+          </a:ln>
+        </p:spPr>
+        <p:style>
+          <a:lnRef idx="2">
+            <a:schemeClr val="accent1"/>
+          </a:lnRef>
+          <a:fillRef idx="0">
+            <a:schemeClr val="accent1"/>
+          </a:fillRef>
+          <a:effectRef idx="1">
+            <a:schemeClr val="accent1"/>
+          </a:effectRef>
+          <a:fontRef idx="minor">
+            <a:schemeClr val="tx1"/>
+          </a:fontRef>
+        </p:style>
+      </p:cxnSp>
+      <p:cxnSp>
+        <p:nvCxnSpPr>
+          <p:cNvPr id="16" name="Gerader Verbinder 15">
+            <a:extLst>
+              <a:ext uri="{FF2B5EF4-FFF2-40B4-BE49-F238E27FC236}">
+                <a16:creationId xmlns:a16="http://schemas.microsoft.com/office/drawing/2014/main" id="{345FCB7A-290F-B84D-FE87-3D9BA91732BD}"/>
+              </a:ext>
+            </a:extLst>
+          </p:cNvPr>
+          <p:cNvCxnSpPr>
+            <a:cxnSpLocks/>
+          </p:cNvCxnSpPr>
+          <p:nvPr/>
+        </p:nvCxnSpPr>
+        <p:spPr>
+          <a:xfrm>
+            <a:off x="1325362" y="2280431"/>
+            <a:ext cx="127820" cy="195448"/>
+          </a:xfrm>
+          <a:prstGeom prst="line">
+            <a:avLst/>
+          </a:prstGeom>
+          <a:ln w="12700" cap="rnd">
+            <a:solidFill>
+              <a:schemeClr val="tx1"/>
+            </a:solidFill>
+            <a:round/>
+          </a:ln>
+        </p:spPr>
+        <p:style>
+          <a:lnRef idx="2">
+            <a:schemeClr val="accent1"/>
+          </a:lnRef>
+          <a:fillRef idx="0">
+            <a:schemeClr val="accent1"/>
+          </a:fillRef>
+          <a:effectRef idx="1">
+            <a:schemeClr val="accent1"/>
+          </a:effectRef>
+          <a:fontRef idx="minor">
+            <a:schemeClr val="tx1"/>
+          </a:fontRef>
+        </p:style>
+      </p:cxnSp>
+      <p:cxnSp>
+        <p:nvCxnSpPr>
+          <p:cNvPr id="17" name="Gerader Verbinder 16">
+            <a:extLst>
+              <a:ext uri="{FF2B5EF4-FFF2-40B4-BE49-F238E27FC236}">
+                <a16:creationId xmlns:a16="http://schemas.microsoft.com/office/drawing/2014/main" id="{04EB07F2-97EA-2AD5-4251-048E5A7179BB}"/>
+              </a:ext>
+            </a:extLst>
+          </p:cNvPr>
+          <p:cNvCxnSpPr>
+            <a:cxnSpLocks/>
+          </p:cNvCxnSpPr>
+          <p:nvPr/>
+        </p:nvCxnSpPr>
+        <p:spPr>
+          <a:xfrm>
+            <a:off x="1390979" y="2279511"/>
+            <a:ext cx="127820" cy="195448"/>
+          </a:xfrm>
+          <a:prstGeom prst="line">
+            <a:avLst/>
+          </a:prstGeom>
+          <a:ln w="12700" cap="rnd">
+            <a:solidFill>
+              <a:schemeClr val="tx1"/>
+            </a:solidFill>
+            <a:round/>
+          </a:ln>
+        </p:spPr>
+        <p:style>
+          <a:lnRef idx="2">
+            <a:schemeClr val="accent1"/>
+          </a:lnRef>
+          <a:fillRef idx="0">
+            <a:schemeClr val="accent1"/>
+          </a:fillRef>
+          <a:effectRef idx="1">
+            <a:schemeClr val="accent1"/>
+          </a:effectRef>
+          <a:fontRef idx="minor">
+            <a:schemeClr val="tx1"/>
+          </a:fontRef>
+        </p:style>
+      </p:cxnSp>
+      <p:cxnSp>
+        <p:nvCxnSpPr>
+          <p:cNvPr id="18" name="Gerader Verbinder 17">
+            <a:extLst>
+              <a:ext uri="{FF2B5EF4-FFF2-40B4-BE49-F238E27FC236}">
+                <a16:creationId xmlns:a16="http://schemas.microsoft.com/office/drawing/2014/main" id="{DA94BD58-1502-42C9-25BC-738079F85600}"/>
+              </a:ext>
+            </a:extLst>
+          </p:cNvPr>
+          <p:cNvCxnSpPr>
+            <a:cxnSpLocks/>
+          </p:cNvCxnSpPr>
+          <p:nvPr/>
+        </p:nvCxnSpPr>
+        <p:spPr>
+          <a:xfrm>
+            <a:off x="1454889" y="2281230"/>
+            <a:ext cx="127820" cy="195448"/>
+          </a:xfrm>
+          <a:prstGeom prst="line">
+            <a:avLst/>
+          </a:prstGeom>
+          <a:ln w="12700" cap="rnd">
+            <a:solidFill>
+              <a:schemeClr val="tx1"/>
+            </a:solidFill>
+            <a:round/>
+          </a:ln>
+        </p:spPr>
+        <p:style>
+          <a:lnRef idx="2">
+            <a:schemeClr val="accent1"/>
+          </a:lnRef>
+          <a:fillRef idx="0">
+            <a:schemeClr val="accent1"/>
+          </a:fillRef>
+          <a:effectRef idx="1">
+            <a:schemeClr val="accent1"/>
+          </a:effectRef>
+          <a:fontRef idx="minor">
+            <a:schemeClr val="tx1"/>
+          </a:fontRef>
+        </p:style>
+      </p:cxnSp>
+      <p:cxnSp>
+        <p:nvCxnSpPr>
+          <p:cNvPr id="19" name="Gerader Verbinder 18">
+            <a:extLst>
+              <a:ext uri="{FF2B5EF4-FFF2-40B4-BE49-F238E27FC236}">
+                <a16:creationId xmlns:a16="http://schemas.microsoft.com/office/drawing/2014/main" id="{0C6AF491-D1B6-25D2-F82F-8A83200BE55E}"/>
+              </a:ext>
+            </a:extLst>
+          </p:cNvPr>
+          <p:cNvCxnSpPr>
+            <a:cxnSpLocks/>
+          </p:cNvCxnSpPr>
+          <p:nvPr/>
+        </p:nvCxnSpPr>
+        <p:spPr>
+          <a:xfrm>
+            <a:off x="1518799" y="2279107"/>
+            <a:ext cx="127820" cy="195448"/>
+          </a:xfrm>
+          <a:prstGeom prst="line">
+            <a:avLst/>
+          </a:prstGeom>
+          <a:ln w="12700" cap="rnd">
+            <a:solidFill>
+              <a:schemeClr val="tx1"/>
+            </a:solidFill>
+            <a:round/>
+          </a:ln>
+        </p:spPr>
+        <p:style>
+          <a:lnRef idx="2">
+            <a:schemeClr val="accent1"/>
+          </a:lnRef>
+          <a:fillRef idx="0">
+            <a:schemeClr val="accent1"/>
+          </a:fillRef>
+          <a:effectRef idx="1">
+            <a:schemeClr val="accent1"/>
+          </a:effectRef>
+          <a:fontRef idx="minor">
+            <a:schemeClr val="tx1"/>
+          </a:fontRef>
+        </p:style>
+      </p:cxnSp>
+      <p:cxnSp>
+        <p:nvCxnSpPr>
+          <p:cNvPr id="20" name="Gerader Verbinder 19">
+            <a:extLst>
+              <a:ext uri="{FF2B5EF4-FFF2-40B4-BE49-F238E27FC236}">
+                <a16:creationId xmlns:a16="http://schemas.microsoft.com/office/drawing/2014/main" id="{9386175E-DD22-37EA-F5B1-047947F646F3}"/>
+              </a:ext>
+            </a:extLst>
+          </p:cNvPr>
+          <p:cNvCxnSpPr>
+            <a:cxnSpLocks/>
+          </p:cNvCxnSpPr>
+          <p:nvPr/>
+        </p:nvCxnSpPr>
+        <p:spPr>
+          <a:xfrm>
+            <a:off x="1582709" y="2280826"/>
+            <a:ext cx="127820" cy="195448"/>
+          </a:xfrm>
+          <a:prstGeom prst="line">
+            <a:avLst/>
+          </a:prstGeom>
+          <a:ln w="12700" cap="rnd">
+            <a:solidFill>
+              <a:schemeClr val="tx1"/>
+            </a:solidFill>
+            <a:round/>
+          </a:ln>
+        </p:spPr>
+        <p:style>
+          <a:lnRef idx="2">
+            <a:schemeClr val="accent1"/>
+          </a:lnRef>
+          <a:fillRef idx="0">
+            <a:schemeClr val="accent1"/>
+          </a:fillRef>
+          <a:effectRef idx="1">
+            <a:schemeClr val="accent1"/>
+          </a:effectRef>
+          <a:fontRef idx="minor">
+            <a:schemeClr val="tx1"/>
+          </a:fontRef>
+        </p:style>
+      </p:cxnSp>
+      <p:cxnSp>
+        <p:nvCxnSpPr>
+          <p:cNvPr id="21" name="Gerader Verbinder 20">
+            <a:extLst>
+              <a:ext uri="{FF2B5EF4-FFF2-40B4-BE49-F238E27FC236}">
+                <a16:creationId xmlns:a16="http://schemas.microsoft.com/office/drawing/2014/main" id="{E109B9D9-D053-6AC2-4537-A098D19F1065}"/>
+              </a:ext>
+            </a:extLst>
+          </p:cNvPr>
+          <p:cNvCxnSpPr>
+            <a:cxnSpLocks/>
+          </p:cNvCxnSpPr>
+          <p:nvPr/>
+        </p:nvCxnSpPr>
+        <p:spPr>
+          <a:xfrm>
+            <a:off x="1647041" y="2281504"/>
+            <a:ext cx="127820" cy="195448"/>
+          </a:xfrm>
+          <a:prstGeom prst="line">
+            <a:avLst/>
+          </a:prstGeom>
+          <a:ln w="12700" cap="rnd">
+            <a:solidFill>
+              <a:schemeClr val="tx1"/>
+            </a:solidFill>
+            <a:round/>
+          </a:ln>
+        </p:spPr>
+        <p:style>
+          <a:lnRef idx="2">
+            <a:schemeClr val="accent1"/>
+          </a:lnRef>
+          <a:fillRef idx="0">
+            <a:schemeClr val="accent1"/>
+          </a:fillRef>
+          <a:effectRef idx="1">
+            <a:schemeClr val="accent1"/>
+          </a:effectRef>
+          <a:fontRef idx="minor">
+            <a:schemeClr val="tx1"/>
+          </a:fontRef>
+        </p:style>
+      </p:cxnSp>
+      <p:cxnSp>
+        <p:nvCxnSpPr>
+          <p:cNvPr id="22" name="Gerader Verbinder 21">
+            <a:extLst>
+              <a:ext uri="{FF2B5EF4-FFF2-40B4-BE49-F238E27FC236}">
+                <a16:creationId xmlns:a16="http://schemas.microsoft.com/office/drawing/2014/main" id="{7A32A71E-1B8B-DC5C-E4F8-73A830C867A6}"/>
+              </a:ext>
+            </a:extLst>
+          </p:cNvPr>
+          <p:cNvCxnSpPr>
+            <a:cxnSpLocks/>
+          </p:cNvCxnSpPr>
+          <p:nvPr/>
+        </p:nvCxnSpPr>
+        <p:spPr>
+          <a:xfrm>
+            <a:off x="1710951" y="2280091"/>
+            <a:ext cx="127820" cy="195448"/>
+          </a:xfrm>
+          <a:prstGeom prst="line">
+            <a:avLst/>
+          </a:prstGeom>
+          <a:ln w="12700" cap="rnd">
+            <a:solidFill>
+              <a:schemeClr val="tx1"/>
+            </a:solidFill>
+            <a:round/>
+          </a:ln>
+        </p:spPr>
+        <p:style>
+          <a:lnRef idx="2">
+            <a:schemeClr val="accent1"/>
+          </a:lnRef>
+          <a:fillRef idx="0">
+            <a:schemeClr val="accent1"/>
+          </a:fillRef>
+          <a:effectRef idx="1">
+            <a:schemeClr val="accent1"/>
+          </a:effectRef>
+          <a:fontRef idx="minor">
+            <a:schemeClr val="tx1"/>
+          </a:fontRef>
+        </p:style>
+      </p:cxnSp>
+      <p:cxnSp>
+        <p:nvCxnSpPr>
+          <p:cNvPr id="23" name="Gerader Verbinder 22">
+            <a:extLst>
+              <a:ext uri="{FF2B5EF4-FFF2-40B4-BE49-F238E27FC236}">
+                <a16:creationId xmlns:a16="http://schemas.microsoft.com/office/drawing/2014/main" id="{E5EBE5CC-63BD-120A-4744-68928B25133D}"/>
+              </a:ext>
+            </a:extLst>
+          </p:cNvPr>
+          <p:cNvCxnSpPr>
+            <a:cxnSpLocks/>
+          </p:cNvCxnSpPr>
+          <p:nvPr/>
+        </p:nvCxnSpPr>
+        <p:spPr>
+          <a:xfrm>
+            <a:off x="1774861" y="2281100"/>
+            <a:ext cx="127820" cy="195448"/>
+          </a:xfrm>
+          <a:prstGeom prst="line">
+            <a:avLst/>
+          </a:prstGeom>
+          <a:ln w="12700" cap="rnd">
+            <a:solidFill>
+              <a:schemeClr val="tx1"/>
+            </a:solidFill>
+            <a:round/>
+          </a:ln>
+        </p:spPr>
+        <p:style>
+          <a:lnRef idx="2">
+            <a:schemeClr val="accent1"/>
+          </a:lnRef>
+          <a:fillRef idx="0">
+            <a:schemeClr val="accent1"/>
+          </a:fillRef>
+          <a:effectRef idx="1">
+            <a:schemeClr val="accent1"/>
+          </a:effectRef>
+          <a:fontRef idx="minor">
+            <a:schemeClr val="tx1"/>
+          </a:fontRef>
+        </p:style>
+      </p:cxnSp>
+      <p:cxnSp>
+        <p:nvCxnSpPr>
+          <p:cNvPr id="24" name="Gerader Verbinder 23">
+            <a:extLst>
+              <a:ext uri="{FF2B5EF4-FFF2-40B4-BE49-F238E27FC236}">
+                <a16:creationId xmlns:a16="http://schemas.microsoft.com/office/drawing/2014/main" id="{B7EBB11C-1CCE-1DC8-59FF-804CB4653D4E}"/>
+              </a:ext>
+            </a:extLst>
+          </p:cNvPr>
+          <p:cNvCxnSpPr>
+            <a:cxnSpLocks/>
+          </p:cNvCxnSpPr>
+          <p:nvPr/>
+        </p:nvCxnSpPr>
+        <p:spPr>
+          <a:xfrm>
+            <a:off x="1838771" y="2279687"/>
+            <a:ext cx="127820" cy="195448"/>
+          </a:xfrm>
+          <a:prstGeom prst="line">
+            <a:avLst/>
+          </a:prstGeom>
+          <a:ln w="12700" cap="rnd">
+            <a:solidFill>
+              <a:schemeClr val="tx1"/>
+            </a:solidFill>
+            <a:round/>
+          </a:ln>
+        </p:spPr>
+        <p:style>
+          <a:lnRef idx="2">
+            <a:schemeClr val="accent1"/>
+          </a:lnRef>
+          <a:fillRef idx="0">
+            <a:schemeClr val="accent1"/>
+          </a:fillRef>
+          <a:effectRef idx="1">
+            <a:schemeClr val="accent1"/>
+          </a:effectRef>
+          <a:fontRef idx="minor">
+            <a:schemeClr val="tx1"/>
+          </a:fontRef>
+        </p:style>
+      </p:cxnSp>
+      <p:cxnSp>
+        <p:nvCxnSpPr>
+          <p:cNvPr id="25" name="Gerader Verbinder 24">
+            <a:extLst>
+              <a:ext uri="{FF2B5EF4-FFF2-40B4-BE49-F238E27FC236}">
+                <a16:creationId xmlns:a16="http://schemas.microsoft.com/office/drawing/2014/main" id="{C8D6B262-6FC2-F747-880F-C024301B1265}"/>
+              </a:ext>
+            </a:extLst>
+          </p:cNvPr>
+          <p:cNvCxnSpPr>
+            <a:cxnSpLocks/>
+          </p:cNvCxnSpPr>
+          <p:nvPr/>
+        </p:nvCxnSpPr>
+        <p:spPr>
+          <a:xfrm>
+            <a:off x="1903988" y="2282248"/>
+            <a:ext cx="127820" cy="195448"/>
+          </a:xfrm>
+          <a:prstGeom prst="line">
+            <a:avLst/>
+          </a:prstGeom>
+          <a:ln w="12700" cap="rnd">
+            <a:solidFill>
+              <a:schemeClr val="tx1"/>
+            </a:solidFill>
+            <a:round/>
+          </a:ln>
+        </p:spPr>
+        <p:style>
+          <a:lnRef idx="2">
+            <a:schemeClr val="accent1"/>
+          </a:lnRef>
+          <a:fillRef idx="0">
+            <a:schemeClr val="accent1"/>
+          </a:fillRef>
+          <a:effectRef idx="1">
+            <a:schemeClr val="accent1"/>
+          </a:effectRef>
+          <a:fontRef idx="minor">
+            <a:schemeClr val="tx1"/>
+          </a:fontRef>
+        </p:style>
+      </p:cxnSp>
+      <p:cxnSp>
+        <p:nvCxnSpPr>
+          <p:cNvPr id="26" name="Gerader Verbinder 25">
+            <a:extLst>
+              <a:ext uri="{FF2B5EF4-FFF2-40B4-BE49-F238E27FC236}">
+                <a16:creationId xmlns:a16="http://schemas.microsoft.com/office/drawing/2014/main" id="{669D9F79-5475-6756-E4D6-4358B24922E8}"/>
+              </a:ext>
+            </a:extLst>
+          </p:cNvPr>
+          <p:cNvCxnSpPr>
+            <a:cxnSpLocks/>
+          </p:cNvCxnSpPr>
+          <p:nvPr/>
+        </p:nvCxnSpPr>
+        <p:spPr>
+          <a:xfrm>
+            <a:off x="1967898" y="2280835"/>
+            <a:ext cx="127820" cy="195448"/>
+          </a:xfrm>
+          <a:prstGeom prst="line">
+            <a:avLst/>
+          </a:prstGeom>
+          <a:ln w="12700" cap="rnd">
+            <a:solidFill>
+              <a:schemeClr val="tx1"/>
+            </a:solidFill>
+            <a:round/>
+          </a:ln>
+        </p:spPr>
+        <p:style>
+          <a:lnRef idx="2">
+            <a:schemeClr val="accent1"/>
+          </a:lnRef>
+          <a:fillRef idx="0">
+            <a:schemeClr val="accent1"/>
+          </a:fillRef>
+          <a:effectRef idx="1">
+            <a:schemeClr val="accent1"/>
+          </a:effectRef>
+          <a:fontRef idx="minor">
+            <a:schemeClr val="tx1"/>
+          </a:fontRef>
+        </p:style>
+      </p:cxnSp>
+      <p:cxnSp>
+        <p:nvCxnSpPr>
+          <p:cNvPr id="27" name="Gerader Verbinder 26">
+            <a:extLst>
+              <a:ext uri="{FF2B5EF4-FFF2-40B4-BE49-F238E27FC236}">
+                <a16:creationId xmlns:a16="http://schemas.microsoft.com/office/drawing/2014/main" id="{F5E3C8A6-A1C1-C783-2A4B-30FAF2B83268}"/>
+              </a:ext>
+            </a:extLst>
+          </p:cNvPr>
+          <p:cNvCxnSpPr>
+            <a:cxnSpLocks/>
+          </p:cNvCxnSpPr>
+          <p:nvPr/>
+        </p:nvCxnSpPr>
+        <p:spPr>
+          <a:xfrm>
+            <a:off x="2031808" y="2281844"/>
+            <a:ext cx="127820" cy="195448"/>
+          </a:xfrm>
+          <a:prstGeom prst="line">
+            <a:avLst/>
+          </a:prstGeom>
+          <a:ln w="12700" cap="rnd">
+            <a:solidFill>
+              <a:schemeClr val="tx1"/>
+            </a:solidFill>
+            <a:round/>
+          </a:ln>
+        </p:spPr>
+        <p:style>
+          <a:lnRef idx="2">
+            <a:schemeClr val="accent1"/>
+          </a:lnRef>
+          <a:fillRef idx="0">
+            <a:schemeClr val="accent1"/>
+          </a:fillRef>
+          <a:effectRef idx="1">
+            <a:schemeClr val="accent1"/>
+          </a:effectRef>
+          <a:fontRef idx="minor">
+            <a:schemeClr val="tx1"/>
+          </a:fontRef>
+        </p:style>
+      </p:cxnSp>
+      <p:cxnSp>
+        <p:nvCxnSpPr>
+          <p:cNvPr id="28" name="Gerader Verbinder 27">
+            <a:extLst>
+              <a:ext uri="{FF2B5EF4-FFF2-40B4-BE49-F238E27FC236}">
+                <a16:creationId xmlns:a16="http://schemas.microsoft.com/office/drawing/2014/main" id="{D8C1FE2B-552E-A6F6-6845-E28C6DE1D0CF}"/>
+              </a:ext>
+            </a:extLst>
+          </p:cNvPr>
+          <p:cNvCxnSpPr>
+            <a:cxnSpLocks/>
+          </p:cNvCxnSpPr>
+          <p:nvPr/>
+        </p:nvCxnSpPr>
+        <p:spPr>
+          <a:xfrm>
+            <a:off x="2095718" y="2280431"/>
+            <a:ext cx="127820" cy="195448"/>
+          </a:xfrm>
+          <a:prstGeom prst="line">
+            <a:avLst/>
+          </a:prstGeom>
+          <a:ln w="12700" cap="rnd">
+            <a:solidFill>
+              <a:schemeClr val="tx1"/>
+            </a:solidFill>
+            <a:round/>
+          </a:ln>
+        </p:spPr>
+        <p:style>
+          <a:lnRef idx="2">
+            <a:schemeClr val="accent1"/>
+          </a:lnRef>
+          <a:fillRef idx="0">
+            <a:schemeClr val="accent1"/>
+          </a:fillRef>
+          <a:effectRef idx="1">
+            <a:schemeClr val="accent1"/>
+          </a:effectRef>
+          <a:fontRef idx="minor">
+            <a:schemeClr val="tx1"/>
+          </a:fontRef>
+        </p:style>
+      </p:cxnSp>
+      <p:cxnSp>
+        <p:nvCxnSpPr>
+          <p:cNvPr id="29" name="Gerader Verbinder 28">
+            <a:extLst>
+              <a:ext uri="{FF2B5EF4-FFF2-40B4-BE49-F238E27FC236}">
+                <a16:creationId xmlns:a16="http://schemas.microsoft.com/office/drawing/2014/main" id="{B4866CDB-B46C-6DAE-BA52-F9DB4CA3D611}"/>
+              </a:ext>
+            </a:extLst>
+          </p:cNvPr>
+          <p:cNvCxnSpPr>
+            <a:cxnSpLocks/>
+          </p:cNvCxnSpPr>
+          <p:nvPr/>
+        </p:nvCxnSpPr>
+        <p:spPr>
+          <a:xfrm>
+            <a:off x="2159628" y="2281542"/>
+            <a:ext cx="127820" cy="195448"/>
+          </a:xfrm>
+          <a:prstGeom prst="line">
+            <a:avLst/>
+          </a:prstGeom>
+          <a:ln w="12700" cap="rnd">
+            <a:solidFill>
+              <a:schemeClr val="tx1"/>
+            </a:solidFill>
+            <a:round/>
+          </a:ln>
+        </p:spPr>
+        <p:style>
+          <a:lnRef idx="2">
+            <a:schemeClr val="accent1"/>
+          </a:lnRef>
+          <a:fillRef idx="0">
+            <a:schemeClr val="accent1"/>
+          </a:fillRef>
+          <a:effectRef idx="1">
+            <a:schemeClr val="accent1"/>
+          </a:effectRef>
+          <a:fontRef idx="minor">
+            <a:schemeClr val="tx1"/>
+          </a:fontRef>
+        </p:style>
+      </p:cxnSp>
+      <p:cxnSp>
+        <p:nvCxnSpPr>
+          <p:cNvPr id="30" name="Gerader Verbinder 29">
+            <a:extLst>
+              <a:ext uri="{FF2B5EF4-FFF2-40B4-BE49-F238E27FC236}">
+                <a16:creationId xmlns:a16="http://schemas.microsoft.com/office/drawing/2014/main" id="{2BA26B25-E09B-56FB-80E5-42D17C71F69B}"/>
+              </a:ext>
+            </a:extLst>
+          </p:cNvPr>
+          <p:cNvCxnSpPr>
+            <a:cxnSpLocks/>
+          </p:cNvCxnSpPr>
+          <p:nvPr/>
+        </p:nvCxnSpPr>
+        <p:spPr>
+          <a:xfrm>
+            <a:off x="2223538" y="2280129"/>
+            <a:ext cx="127820" cy="195448"/>
+          </a:xfrm>
+          <a:prstGeom prst="line">
+            <a:avLst/>
+          </a:prstGeom>
+          <a:ln w="12700" cap="rnd">
+            <a:solidFill>
+              <a:schemeClr val="tx1"/>
+            </a:solidFill>
+            <a:round/>
+          </a:ln>
+        </p:spPr>
+        <p:style>
+          <a:lnRef idx="2">
+            <a:schemeClr val="accent1"/>
+          </a:lnRef>
+          <a:fillRef idx="0">
+            <a:schemeClr val="accent1"/>
+          </a:fillRef>
+          <a:effectRef idx="1">
+            <a:schemeClr val="accent1"/>
+          </a:effectRef>
+          <a:fontRef idx="minor">
+            <a:schemeClr val="tx1"/>
+          </a:fontRef>
+        </p:style>
+      </p:cxnSp>
+      <p:cxnSp>
+        <p:nvCxnSpPr>
+          <p:cNvPr id="31" name="Gerader Verbinder 30">
+            <a:extLst>
+              <a:ext uri="{FF2B5EF4-FFF2-40B4-BE49-F238E27FC236}">
+                <a16:creationId xmlns:a16="http://schemas.microsoft.com/office/drawing/2014/main" id="{EC88E4D0-F749-085E-85C1-C65A4685EE1B}"/>
+              </a:ext>
+            </a:extLst>
+          </p:cNvPr>
+          <p:cNvCxnSpPr>
+            <a:cxnSpLocks/>
+          </p:cNvCxnSpPr>
+          <p:nvPr/>
+        </p:nvCxnSpPr>
+        <p:spPr>
+          <a:xfrm>
+            <a:off x="2287448" y="2281138"/>
+            <a:ext cx="127820" cy="195448"/>
+          </a:xfrm>
+          <a:prstGeom prst="line">
+            <a:avLst/>
+          </a:prstGeom>
+          <a:ln w="12700" cap="rnd">
+            <a:solidFill>
+              <a:schemeClr val="tx1"/>
+            </a:solidFill>
+            <a:round/>
+          </a:ln>
+        </p:spPr>
+        <p:style>
+          <a:lnRef idx="2">
+            <a:schemeClr val="accent1"/>
+          </a:lnRef>
+          <a:fillRef idx="0">
+            <a:schemeClr val="accent1"/>
+          </a:fillRef>
+          <a:effectRef idx="1">
+            <a:schemeClr val="accent1"/>
+          </a:effectRef>
+          <a:fontRef idx="minor">
+            <a:schemeClr val="tx1"/>
+          </a:fontRef>
+        </p:style>
+      </p:cxnSp>
+      <p:cxnSp>
+        <p:nvCxnSpPr>
+          <p:cNvPr id="32" name="Gerader Verbinder 31">
+            <a:extLst>
+              <a:ext uri="{FF2B5EF4-FFF2-40B4-BE49-F238E27FC236}">
+                <a16:creationId xmlns:a16="http://schemas.microsoft.com/office/drawing/2014/main" id="{D080EB0C-C238-E2EE-FAD2-36AC3C0EAA05}"/>
+              </a:ext>
+            </a:extLst>
+          </p:cNvPr>
+          <p:cNvCxnSpPr>
+            <a:cxnSpLocks/>
+          </p:cNvCxnSpPr>
+          <p:nvPr/>
+        </p:nvCxnSpPr>
+        <p:spPr>
+          <a:xfrm>
+            <a:off x="2351358" y="2279725"/>
+            <a:ext cx="127820" cy="195448"/>
+          </a:xfrm>
+          <a:prstGeom prst="line">
+            <a:avLst/>
+          </a:prstGeom>
+          <a:ln w="12700" cap="rnd">
+            <a:solidFill>
+              <a:schemeClr val="tx1"/>
+            </a:solidFill>
+            <a:round/>
+          </a:ln>
+        </p:spPr>
+        <p:style>
+          <a:lnRef idx="2">
+            <a:schemeClr val="accent1"/>
+          </a:lnRef>
+          <a:fillRef idx="0">
+            <a:schemeClr val="accent1"/>
+          </a:fillRef>
+          <a:effectRef idx="1">
+            <a:schemeClr val="accent1"/>
+          </a:effectRef>
+          <a:fontRef idx="minor">
+            <a:schemeClr val="tx1"/>
+          </a:fontRef>
+        </p:style>
+      </p:cxnSp>
+      <p:cxnSp>
+        <p:nvCxnSpPr>
+          <p:cNvPr id="33" name="Gerader Verbinder 32">
+            <a:extLst>
+              <a:ext uri="{FF2B5EF4-FFF2-40B4-BE49-F238E27FC236}">
+                <a16:creationId xmlns:a16="http://schemas.microsoft.com/office/drawing/2014/main" id="{C2DFB181-4D24-B0F2-CDDF-741E3DA171CD}"/>
+              </a:ext>
+            </a:extLst>
+          </p:cNvPr>
+          <p:cNvCxnSpPr>
+            <a:cxnSpLocks/>
+          </p:cNvCxnSpPr>
+          <p:nvPr/>
+        </p:nvCxnSpPr>
+        <p:spPr>
+          <a:xfrm>
+            <a:off x="2415268" y="2279511"/>
+            <a:ext cx="127820" cy="195448"/>
+          </a:xfrm>
+          <a:prstGeom prst="line">
+            <a:avLst/>
+          </a:prstGeom>
+          <a:ln w="12700" cap="rnd">
+            <a:solidFill>
+              <a:schemeClr val="tx1"/>
+            </a:solidFill>
+            <a:round/>
+          </a:ln>
+        </p:spPr>
+        <p:style>
+          <a:lnRef idx="2">
+            <a:schemeClr val="accent1"/>
+          </a:lnRef>
+          <a:fillRef idx="0">
+            <a:schemeClr val="accent1"/>
+          </a:fillRef>
+          <a:effectRef idx="1">
+            <a:schemeClr val="accent1"/>
+          </a:effectRef>
+          <a:fontRef idx="minor">
+            <a:schemeClr val="tx1"/>
+          </a:fontRef>
+        </p:style>
+      </p:cxnSp>
+      <p:cxnSp>
+        <p:nvCxnSpPr>
+          <p:cNvPr id="37" name="Gerader Verbinder 36">
+            <a:extLst>
+              <a:ext uri="{FF2B5EF4-FFF2-40B4-BE49-F238E27FC236}">
+                <a16:creationId xmlns:a16="http://schemas.microsoft.com/office/drawing/2014/main" id="{26818B5B-BA27-A418-E06F-079152E0A8CF}"/>
+              </a:ext>
+            </a:extLst>
+          </p:cNvPr>
+          <p:cNvCxnSpPr>
+            <a:cxnSpLocks/>
+          </p:cNvCxnSpPr>
+          <p:nvPr/>
+        </p:nvCxnSpPr>
+        <p:spPr>
+          <a:xfrm>
+            <a:off x="2479178" y="2281230"/>
+            <a:ext cx="127820" cy="195448"/>
+          </a:xfrm>
+          <a:prstGeom prst="line">
+            <a:avLst/>
+          </a:prstGeom>
+          <a:ln w="12700" cap="rnd">
+            <a:solidFill>
+              <a:schemeClr val="tx1"/>
+            </a:solidFill>
+            <a:round/>
+          </a:ln>
+        </p:spPr>
+        <p:style>
+          <a:lnRef idx="2">
+            <a:schemeClr val="accent1"/>
+          </a:lnRef>
+          <a:fillRef idx="0">
+            <a:schemeClr val="accent1"/>
+          </a:fillRef>
+          <a:effectRef idx="1">
+            <a:schemeClr val="accent1"/>
+          </a:effectRef>
+          <a:fontRef idx="minor">
+            <a:schemeClr val="tx1"/>
+          </a:fontRef>
+        </p:style>
+      </p:cxnSp>
+      <p:cxnSp>
+        <p:nvCxnSpPr>
+          <p:cNvPr id="38" name="Gerader Verbinder 37">
+            <a:extLst>
+              <a:ext uri="{FF2B5EF4-FFF2-40B4-BE49-F238E27FC236}">
+                <a16:creationId xmlns:a16="http://schemas.microsoft.com/office/drawing/2014/main" id="{2B137F74-F0EB-6AA4-3D28-A250FD348284}"/>
+              </a:ext>
+            </a:extLst>
+          </p:cNvPr>
+          <p:cNvCxnSpPr>
+            <a:cxnSpLocks/>
+          </p:cNvCxnSpPr>
+          <p:nvPr/>
+        </p:nvCxnSpPr>
+        <p:spPr>
+          <a:xfrm>
+            <a:off x="2543088" y="2279107"/>
+            <a:ext cx="127820" cy="195448"/>
+          </a:xfrm>
+          <a:prstGeom prst="line">
+            <a:avLst/>
+          </a:prstGeom>
+          <a:ln w="12700" cap="rnd">
+            <a:solidFill>
+              <a:schemeClr val="tx1"/>
+            </a:solidFill>
+            <a:round/>
+          </a:ln>
+        </p:spPr>
+        <p:style>
+          <a:lnRef idx="2">
+            <a:schemeClr val="accent1"/>
+          </a:lnRef>
+          <a:fillRef idx="0">
+            <a:schemeClr val="accent1"/>
+          </a:fillRef>
+          <a:effectRef idx="1">
+            <a:schemeClr val="accent1"/>
+          </a:effectRef>
+          <a:fontRef idx="minor">
+            <a:schemeClr val="tx1"/>
+          </a:fontRef>
+        </p:style>
+      </p:cxnSp>
+      <p:cxnSp>
+        <p:nvCxnSpPr>
+          <p:cNvPr id="57" name="Gerader Verbinder 56">
+            <a:extLst>
+              <a:ext uri="{FF2B5EF4-FFF2-40B4-BE49-F238E27FC236}">
+                <a16:creationId xmlns:a16="http://schemas.microsoft.com/office/drawing/2014/main" id="{EEECA183-4DD5-6C0F-2BA4-19E19B4365B4}"/>
+              </a:ext>
+            </a:extLst>
+          </p:cNvPr>
+          <p:cNvCxnSpPr>
+            <a:cxnSpLocks/>
+          </p:cNvCxnSpPr>
+          <p:nvPr/>
+        </p:nvCxnSpPr>
+        <p:spPr>
+          <a:xfrm>
+            <a:off x="2606998" y="2280826"/>
+            <a:ext cx="127820" cy="195448"/>
+          </a:xfrm>
+          <a:prstGeom prst="line">
+            <a:avLst/>
+          </a:prstGeom>
+          <a:ln w="12700" cap="rnd">
+            <a:solidFill>
+              <a:schemeClr val="tx1"/>
+            </a:solidFill>
+            <a:round/>
+          </a:ln>
+        </p:spPr>
+        <p:style>
+          <a:lnRef idx="2">
+            <a:schemeClr val="accent1"/>
+          </a:lnRef>
+          <a:fillRef idx="0">
+            <a:schemeClr val="accent1"/>
+          </a:fillRef>
+          <a:effectRef idx="1">
+            <a:schemeClr val="accent1"/>
+          </a:effectRef>
+          <a:fontRef idx="minor">
+            <a:schemeClr val="tx1"/>
+          </a:fontRef>
+        </p:style>
+      </p:cxnSp>
+      <p:cxnSp>
+        <p:nvCxnSpPr>
+          <p:cNvPr id="58" name="Gerader Verbinder 57">
+            <a:extLst>
+              <a:ext uri="{FF2B5EF4-FFF2-40B4-BE49-F238E27FC236}">
+                <a16:creationId xmlns:a16="http://schemas.microsoft.com/office/drawing/2014/main" id="{99D03819-1D77-95C9-0420-279C4B17583A}"/>
+              </a:ext>
+            </a:extLst>
+          </p:cNvPr>
+          <p:cNvCxnSpPr>
+            <a:cxnSpLocks/>
+          </p:cNvCxnSpPr>
+          <p:nvPr/>
+        </p:nvCxnSpPr>
+        <p:spPr>
+          <a:xfrm>
+            <a:off x="1196584" y="1656315"/>
+            <a:ext cx="127820" cy="195448"/>
+          </a:xfrm>
+          <a:prstGeom prst="line">
+            <a:avLst/>
+          </a:prstGeom>
+          <a:ln w="12700" cap="rnd">
+            <a:solidFill>
+              <a:schemeClr val="tx1"/>
+            </a:solidFill>
+            <a:round/>
+          </a:ln>
+        </p:spPr>
+        <p:style>
+          <a:lnRef idx="2">
+            <a:schemeClr val="accent1"/>
+          </a:lnRef>
+          <a:fillRef idx="0">
+            <a:schemeClr val="accent1"/>
+          </a:fillRef>
+          <a:effectRef idx="1">
+            <a:schemeClr val="accent1"/>
+          </a:effectRef>
+          <a:fontRef idx="minor">
+            <a:schemeClr val="tx1"/>
+          </a:fontRef>
+        </p:style>
+      </p:cxnSp>
+      <p:cxnSp>
+        <p:nvCxnSpPr>
+          <p:cNvPr id="59" name="Gerader Verbinder 58">
+            <a:extLst>
+              <a:ext uri="{FF2B5EF4-FFF2-40B4-BE49-F238E27FC236}">
+                <a16:creationId xmlns:a16="http://schemas.microsoft.com/office/drawing/2014/main" id="{A23E2C8B-1826-F69C-50EC-8172C0DF4B91}"/>
+              </a:ext>
+            </a:extLst>
+          </p:cNvPr>
+          <p:cNvCxnSpPr>
+            <a:cxnSpLocks/>
+          </p:cNvCxnSpPr>
+          <p:nvPr/>
+        </p:nvCxnSpPr>
+        <p:spPr>
+          <a:xfrm>
+            <a:off x="1225260" y="1603467"/>
+            <a:ext cx="127820" cy="195448"/>
+          </a:xfrm>
+          <a:prstGeom prst="line">
+            <a:avLst/>
+          </a:prstGeom>
+          <a:ln w="12700" cap="rnd">
+            <a:solidFill>
+              <a:schemeClr val="tx1"/>
+            </a:solidFill>
+            <a:round/>
+          </a:ln>
+        </p:spPr>
+        <p:style>
+          <a:lnRef idx="2">
+            <a:schemeClr val="accent1"/>
+          </a:lnRef>
+          <a:fillRef idx="0">
+            <a:schemeClr val="accent1"/>
+          </a:fillRef>
+          <a:effectRef idx="1">
+            <a:schemeClr val="accent1"/>
+          </a:effectRef>
+          <a:fontRef idx="minor">
+            <a:schemeClr val="tx1"/>
+          </a:fontRef>
+        </p:style>
+      </p:cxnSp>
+      <p:cxnSp>
+        <p:nvCxnSpPr>
+          <p:cNvPr id="60" name="Gerader Verbinder 59">
+            <a:extLst>
+              <a:ext uri="{FF2B5EF4-FFF2-40B4-BE49-F238E27FC236}">
+                <a16:creationId xmlns:a16="http://schemas.microsoft.com/office/drawing/2014/main" id="{79EBC6B8-BDBD-6B8E-E254-A7CC38B977BD}"/>
+              </a:ext>
+            </a:extLst>
+          </p:cNvPr>
+          <p:cNvCxnSpPr>
+            <a:cxnSpLocks/>
+          </p:cNvCxnSpPr>
+          <p:nvPr/>
+        </p:nvCxnSpPr>
+        <p:spPr>
+          <a:xfrm>
+            <a:off x="1253843" y="1551764"/>
+            <a:ext cx="127820" cy="195448"/>
+          </a:xfrm>
+          <a:prstGeom prst="line">
+            <a:avLst/>
+          </a:prstGeom>
+          <a:ln w="12700" cap="rnd">
+            <a:solidFill>
+              <a:schemeClr val="tx1"/>
+            </a:solidFill>
+            <a:round/>
+          </a:ln>
+        </p:spPr>
+        <p:style>
+          <a:lnRef idx="2">
+            <a:schemeClr val="accent1"/>
+          </a:lnRef>
+          <a:fillRef idx="0">
+            <a:schemeClr val="accent1"/>
+          </a:fillRef>
+          <a:effectRef idx="1">
+            <a:schemeClr val="accent1"/>
+          </a:effectRef>
+          <a:fontRef idx="minor">
+            <a:schemeClr val="tx1"/>
+          </a:fontRef>
+        </p:style>
+      </p:cxnSp>
+      <p:cxnSp>
+        <p:nvCxnSpPr>
+          <p:cNvPr id="61" name="Gerader Verbinder 60">
+            <a:extLst>
+              <a:ext uri="{FF2B5EF4-FFF2-40B4-BE49-F238E27FC236}">
+                <a16:creationId xmlns:a16="http://schemas.microsoft.com/office/drawing/2014/main" id="{42D29C0A-219E-F318-C70B-265CB8B37434}"/>
+              </a:ext>
+            </a:extLst>
+          </p:cNvPr>
+          <p:cNvCxnSpPr>
+            <a:cxnSpLocks/>
+          </p:cNvCxnSpPr>
+          <p:nvPr/>
+        </p:nvCxnSpPr>
+        <p:spPr>
+          <a:xfrm>
+            <a:off x="1282426" y="1500061"/>
+            <a:ext cx="127820" cy="195448"/>
+          </a:xfrm>
+          <a:prstGeom prst="line">
+            <a:avLst/>
+          </a:prstGeom>
+          <a:ln w="12700" cap="rnd">
+            <a:solidFill>
+              <a:schemeClr val="tx1"/>
+            </a:solidFill>
+            <a:round/>
+          </a:ln>
+        </p:spPr>
+        <p:style>
+          <a:lnRef idx="2">
+            <a:schemeClr val="accent1"/>
+          </a:lnRef>
+          <a:fillRef idx="0">
+            <a:schemeClr val="accent1"/>
+          </a:fillRef>
+          <a:effectRef idx="1">
+            <a:schemeClr val="accent1"/>
+          </a:effectRef>
+          <a:fontRef idx="minor">
+            <a:schemeClr val="tx1"/>
+          </a:fontRef>
+        </p:style>
+      </p:cxnSp>
+      <p:cxnSp>
+        <p:nvCxnSpPr>
+          <p:cNvPr id="69" name="Gerader Verbinder 68">
+            <a:extLst>
+              <a:ext uri="{FF2B5EF4-FFF2-40B4-BE49-F238E27FC236}">
+                <a16:creationId xmlns:a16="http://schemas.microsoft.com/office/drawing/2014/main" id="{D01692FF-1BAD-799A-A58F-AF8C1B3832D3}"/>
+              </a:ext>
+            </a:extLst>
+          </p:cNvPr>
+          <p:cNvCxnSpPr>
+            <a:cxnSpLocks/>
+          </p:cNvCxnSpPr>
+          <p:nvPr/>
+        </p:nvCxnSpPr>
+        <p:spPr>
+          <a:xfrm>
+            <a:off x="1037374" y="2233783"/>
+            <a:ext cx="159515" cy="243913"/>
+          </a:xfrm>
+          <a:prstGeom prst="line">
+            <a:avLst/>
+          </a:prstGeom>
+          <a:ln w="12700" cap="rnd">
+            <a:solidFill>
+              <a:schemeClr val="tx1"/>
+            </a:solidFill>
+            <a:round/>
+          </a:ln>
+        </p:spPr>
+        <p:style>
+          <a:lnRef idx="2">
+            <a:schemeClr val="accent1"/>
+          </a:lnRef>
+          <a:fillRef idx="0">
+            <a:schemeClr val="accent1"/>
+          </a:fillRef>
+          <a:effectRef idx="1">
+            <a:schemeClr val="accent1"/>
+          </a:effectRef>
+          <a:fontRef idx="minor">
+            <a:schemeClr val="tx1"/>
+          </a:fontRef>
+        </p:style>
+      </p:cxnSp>
+      <p:cxnSp>
+        <p:nvCxnSpPr>
+          <p:cNvPr id="74" name="Gerader Verbinder 73">
+            <a:extLst>
+              <a:ext uri="{FF2B5EF4-FFF2-40B4-BE49-F238E27FC236}">
+                <a16:creationId xmlns:a16="http://schemas.microsoft.com/office/drawing/2014/main" id="{477B70E3-4779-8CD2-9320-C3922DDD30D9}"/>
+              </a:ext>
+            </a:extLst>
+          </p:cNvPr>
+          <p:cNvCxnSpPr>
+            <a:cxnSpLocks/>
+          </p:cNvCxnSpPr>
+          <p:nvPr/>
+        </p:nvCxnSpPr>
+        <p:spPr>
+          <a:xfrm>
+            <a:off x="974891" y="2238575"/>
+            <a:ext cx="156381" cy="239121"/>
+          </a:xfrm>
+          <a:prstGeom prst="line">
+            <a:avLst/>
+          </a:prstGeom>
+          <a:ln w="12700" cap="rnd">
+            <a:solidFill>
+              <a:schemeClr val="tx1"/>
+            </a:solidFill>
+            <a:round/>
+          </a:ln>
+        </p:spPr>
+        <p:style>
+          <a:lnRef idx="2">
+            <a:schemeClr val="accent1"/>
+          </a:lnRef>
+          <a:fillRef idx="0">
+            <a:schemeClr val="accent1"/>
+          </a:fillRef>
+          <a:effectRef idx="1">
+            <a:schemeClr val="accent1"/>
+          </a:effectRef>
+          <a:fontRef idx="minor">
+            <a:schemeClr val="tx1"/>
+          </a:fontRef>
+        </p:style>
+      </p:cxnSp>
+      <p:cxnSp>
+        <p:nvCxnSpPr>
+          <p:cNvPr id="77" name="Gerader Verbinder 76">
+            <a:extLst>
+              <a:ext uri="{FF2B5EF4-FFF2-40B4-BE49-F238E27FC236}">
+                <a16:creationId xmlns:a16="http://schemas.microsoft.com/office/drawing/2014/main" id="{473C7F89-3AE6-5507-1FA8-A7CF37FF7CA3}"/>
+              </a:ext>
+            </a:extLst>
+          </p:cNvPr>
+          <p:cNvCxnSpPr>
+            <a:cxnSpLocks/>
+          </p:cNvCxnSpPr>
+          <p:nvPr/>
+        </p:nvCxnSpPr>
+        <p:spPr>
+          <a:xfrm>
+            <a:off x="909141" y="2238575"/>
+            <a:ext cx="156381" cy="239121"/>
+          </a:xfrm>
+          <a:prstGeom prst="line">
+            <a:avLst/>
+          </a:prstGeom>
+          <a:ln w="12700" cap="rnd">
+            <a:solidFill>
+              <a:schemeClr val="tx1"/>
+            </a:solidFill>
+            <a:round/>
+          </a:ln>
+        </p:spPr>
+        <p:style>
+          <a:lnRef idx="2">
+            <a:schemeClr val="accent1"/>
+          </a:lnRef>
+          <a:fillRef idx="0">
+            <a:schemeClr val="accent1"/>
+          </a:fillRef>
+          <a:effectRef idx="1">
+            <a:schemeClr val="accent1"/>
+          </a:effectRef>
+          <a:fontRef idx="minor">
+            <a:schemeClr val="tx1"/>
+          </a:fontRef>
+        </p:style>
+      </p:cxnSp>
+      <p:cxnSp>
+        <p:nvCxnSpPr>
+          <p:cNvPr id="85" name="Gerader Verbinder 84">
+            <a:extLst>
+              <a:ext uri="{FF2B5EF4-FFF2-40B4-BE49-F238E27FC236}">
+                <a16:creationId xmlns:a16="http://schemas.microsoft.com/office/drawing/2014/main" id="{65B14C8F-3F77-D3A1-5EE2-ED7EA7BEE2CA}"/>
+              </a:ext>
+            </a:extLst>
+          </p:cNvPr>
+          <p:cNvCxnSpPr>
+            <a:cxnSpLocks/>
+          </p:cNvCxnSpPr>
+          <p:nvPr/>
+        </p:nvCxnSpPr>
+        <p:spPr>
+          <a:xfrm>
+            <a:off x="870877" y="2283207"/>
+            <a:ext cx="127192" cy="194489"/>
+          </a:xfrm>
+          <a:prstGeom prst="line">
+            <a:avLst/>
+          </a:prstGeom>
+          <a:ln w="12700" cap="rnd">
+            <a:solidFill>
+              <a:schemeClr val="tx1"/>
+            </a:solidFill>
+            <a:round/>
+          </a:ln>
+        </p:spPr>
+        <p:style>
+          <a:lnRef idx="2">
+            <a:schemeClr val="accent1"/>
+          </a:lnRef>
+          <a:fillRef idx="0">
+            <a:schemeClr val="accent1"/>
+          </a:fillRef>
+          <a:effectRef idx="1">
+            <a:schemeClr val="accent1"/>
+          </a:effectRef>
+          <a:fontRef idx="minor">
+            <a:schemeClr val="tx1"/>
+          </a:fontRef>
+        </p:style>
+      </p:cxnSp>
+      <p:cxnSp>
+        <p:nvCxnSpPr>
+          <p:cNvPr id="91" name="Gerader Verbinder 90">
+            <a:extLst>
+              <a:ext uri="{FF2B5EF4-FFF2-40B4-BE49-F238E27FC236}">
+                <a16:creationId xmlns:a16="http://schemas.microsoft.com/office/drawing/2014/main" id="{76E50349-030E-5D55-04AF-BE81CB908616}"/>
+              </a:ext>
+            </a:extLst>
+          </p:cNvPr>
+          <p:cNvCxnSpPr>
+            <a:cxnSpLocks/>
+          </p:cNvCxnSpPr>
+          <p:nvPr/>
+        </p:nvCxnSpPr>
+        <p:spPr>
+          <a:xfrm>
+            <a:off x="841688" y="2337050"/>
+            <a:ext cx="89967" cy="137568"/>
+          </a:xfrm>
+          <a:prstGeom prst="line">
+            <a:avLst/>
+          </a:prstGeom>
+          <a:ln w="12700" cap="rnd">
+            <a:solidFill>
+              <a:schemeClr val="tx1"/>
+            </a:solidFill>
+            <a:round/>
+          </a:ln>
+        </p:spPr>
+        <p:style>
+          <a:lnRef idx="2">
+            <a:schemeClr val="accent1"/>
+          </a:lnRef>
+          <a:fillRef idx="0">
+            <a:schemeClr val="accent1"/>
+          </a:fillRef>
+          <a:effectRef idx="1">
+            <a:schemeClr val="accent1"/>
+          </a:effectRef>
+          <a:fontRef idx="minor">
+            <a:schemeClr val="tx1"/>
+          </a:fontRef>
+        </p:style>
+      </p:cxnSp>
+      <p:cxnSp>
+        <p:nvCxnSpPr>
+          <p:cNvPr id="93" name="Gerader Verbinder 92">
+            <a:extLst>
+              <a:ext uri="{FF2B5EF4-FFF2-40B4-BE49-F238E27FC236}">
+                <a16:creationId xmlns:a16="http://schemas.microsoft.com/office/drawing/2014/main" id="{0FF937FE-542B-0AF5-EDFB-D9A07DDC58B8}"/>
+              </a:ext>
+            </a:extLst>
+          </p:cNvPr>
+          <p:cNvCxnSpPr>
+            <a:cxnSpLocks/>
+          </p:cNvCxnSpPr>
+          <p:nvPr/>
+        </p:nvCxnSpPr>
+        <p:spPr>
+          <a:xfrm>
+            <a:off x="813592" y="2393811"/>
+            <a:ext cx="52846" cy="80807"/>
+          </a:xfrm>
+          <a:prstGeom prst="line">
+            <a:avLst/>
+          </a:prstGeom>
+          <a:ln w="12700" cap="rnd">
+            <a:solidFill>
+              <a:schemeClr val="tx1"/>
+            </a:solidFill>
+            <a:round/>
+          </a:ln>
+        </p:spPr>
+        <p:style>
+          <a:lnRef idx="2">
+            <a:schemeClr val="accent1"/>
+          </a:lnRef>
+          <a:fillRef idx="0">
+            <a:schemeClr val="accent1"/>
+          </a:fillRef>
+          <a:effectRef idx="1">
+            <a:schemeClr val="accent1"/>
+          </a:effectRef>
+          <a:fontRef idx="minor">
+            <a:schemeClr val="tx1"/>
+          </a:fontRef>
+        </p:style>
+      </p:cxnSp>
+      <p:cxnSp>
+        <p:nvCxnSpPr>
+          <p:cNvPr id="95" name="Gerader Verbinder 94">
+            <a:extLst>
+              <a:ext uri="{FF2B5EF4-FFF2-40B4-BE49-F238E27FC236}">
+                <a16:creationId xmlns:a16="http://schemas.microsoft.com/office/drawing/2014/main" id="{F668BF2D-AD45-00BF-B15D-3994E110C1B7}"/>
+              </a:ext>
+            </a:extLst>
+          </p:cNvPr>
+          <p:cNvCxnSpPr>
+            <a:cxnSpLocks/>
+          </p:cNvCxnSpPr>
+          <p:nvPr/>
+        </p:nvCxnSpPr>
+        <p:spPr>
+          <a:xfrm>
+            <a:off x="1168256" y="1713635"/>
+            <a:ext cx="54378" cy="83150"/>
+          </a:xfrm>
+          <a:prstGeom prst="line">
+            <a:avLst/>
+          </a:prstGeom>
+          <a:ln w="12700" cap="rnd">
+            <a:solidFill>
+              <a:schemeClr val="tx1"/>
+            </a:solidFill>
+            <a:round/>
+          </a:ln>
+        </p:spPr>
+        <p:style>
+          <a:lnRef idx="2">
+            <a:schemeClr val="accent1"/>
+          </a:lnRef>
+          <a:fillRef idx="0">
+            <a:schemeClr val="accent1"/>
+          </a:fillRef>
+          <a:effectRef idx="1">
+            <a:schemeClr val="accent1"/>
+          </a:effectRef>
+          <a:fontRef idx="minor">
+            <a:schemeClr val="tx1"/>
+          </a:fontRef>
+        </p:style>
+      </p:cxnSp>
+      <p:cxnSp>
+        <p:nvCxnSpPr>
+          <p:cNvPr id="97" name="Gerader Verbinder 96">
+            <a:extLst>
+              <a:ext uri="{FF2B5EF4-FFF2-40B4-BE49-F238E27FC236}">
+                <a16:creationId xmlns:a16="http://schemas.microsoft.com/office/drawing/2014/main" id="{EEC47DF1-801B-EB6D-0757-2354E9674287}"/>
+              </a:ext>
+            </a:extLst>
+          </p:cNvPr>
+          <p:cNvCxnSpPr>
+            <a:cxnSpLocks/>
+          </p:cNvCxnSpPr>
+          <p:nvPr/>
+        </p:nvCxnSpPr>
+        <p:spPr>
+          <a:xfrm>
+            <a:off x="1084514" y="2206600"/>
+            <a:ext cx="31693" cy="48462"/>
+          </a:xfrm>
+          <a:prstGeom prst="line">
+            <a:avLst/>
+          </a:prstGeom>
+          <a:ln w="12700" cap="rnd">
+            <a:solidFill>
+              <a:schemeClr val="tx1"/>
+            </a:solidFill>
+            <a:round/>
+          </a:ln>
+        </p:spPr>
+        <p:style>
+          <a:lnRef idx="2">
+            <a:schemeClr val="accent1"/>
+          </a:lnRef>
+          <a:fillRef idx="0">
+            <a:schemeClr val="accent1"/>
+          </a:fillRef>
+          <a:effectRef idx="1">
+            <a:schemeClr val="accent1"/>
+          </a:effectRef>
+          <a:fontRef idx="minor">
+            <a:schemeClr val="tx1"/>
+          </a:fontRef>
+        </p:style>
+      </p:cxnSp>
+      <p:cxnSp>
+        <p:nvCxnSpPr>
+          <p:cNvPr id="100" name="Gerader Verbinder 99">
+            <a:extLst>
+              <a:ext uri="{FF2B5EF4-FFF2-40B4-BE49-F238E27FC236}">
+                <a16:creationId xmlns:a16="http://schemas.microsoft.com/office/drawing/2014/main" id="{C8BE03CC-18E1-5B8F-2ADA-DED3C8A51DDA}"/>
+              </a:ext>
+            </a:extLst>
+          </p:cNvPr>
+          <p:cNvCxnSpPr>
+            <a:cxnSpLocks/>
+          </p:cNvCxnSpPr>
+          <p:nvPr/>
+        </p:nvCxnSpPr>
+        <p:spPr>
+          <a:xfrm>
+            <a:off x="1112823" y="2151859"/>
+            <a:ext cx="31693" cy="48462"/>
+          </a:xfrm>
+          <a:prstGeom prst="line">
+            <a:avLst/>
+          </a:prstGeom>
+          <a:ln w="12700" cap="rnd">
+            <a:solidFill>
+              <a:schemeClr val="tx1"/>
+            </a:solidFill>
+            <a:round/>
+          </a:ln>
+        </p:spPr>
+        <p:style>
+          <a:lnRef idx="2">
+            <a:schemeClr val="accent1"/>
+          </a:lnRef>
+          <a:fillRef idx="0">
+            <a:schemeClr val="accent1"/>
+          </a:fillRef>
+          <a:effectRef idx="1">
+            <a:schemeClr val="accent1"/>
+          </a:effectRef>
+          <a:fontRef idx="minor">
+            <a:schemeClr val="tx1"/>
+          </a:fontRef>
+        </p:style>
+      </p:cxnSp>
+      <p:cxnSp>
+        <p:nvCxnSpPr>
+          <p:cNvPr id="101" name="Gerader Verbinder 100">
+            <a:extLst>
+              <a:ext uri="{FF2B5EF4-FFF2-40B4-BE49-F238E27FC236}">
+                <a16:creationId xmlns:a16="http://schemas.microsoft.com/office/drawing/2014/main" id="{4A65D8BD-DC28-81FD-F090-8A9F49B355E7}"/>
+              </a:ext>
+            </a:extLst>
+          </p:cNvPr>
+          <p:cNvCxnSpPr>
+            <a:cxnSpLocks/>
+          </p:cNvCxnSpPr>
+          <p:nvPr/>
+        </p:nvCxnSpPr>
+        <p:spPr>
+          <a:xfrm>
+            <a:off x="1138781" y="2099023"/>
+            <a:ext cx="31693" cy="48462"/>
+          </a:xfrm>
+          <a:prstGeom prst="line">
+            <a:avLst/>
+          </a:prstGeom>
+          <a:ln w="12700" cap="rnd">
+            <a:solidFill>
+              <a:schemeClr val="tx1"/>
+            </a:solidFill>
+            <a:round/>
+          </a:ln>
+        </p:spPr>
+        <p:style>
+          <a:lnRef idx="2">
+            <a:schemeClr val="accent1"/>
+          </a:lnRef>
+          <a:fillRef idx="0">
+            <a:schemeClr val="accent1"/>
+          </a:fillRef>
+          <a:effectRef idx="1">
+            <a:schemeClr val="accent1"/>
+          </a:effectRef>
+          <a:fontRef idx="minor">
+            <a:schemeClr val="tx1"/>
+          </a:fontRef>
+        </p:style>
+      </p:cxnSp>
+      <p:cxnSp>
+        <p:nvCxnSpPr>
+          <p:cNvPr id="102" name="Gerader Verbinder 101">
+            <a:extLst>
+              <a:ext uri="{FF2B5EF4-FFF2-40B4-BE49-F238E27FC236}">
+                <a16:creationId xmlns:a16="http://schemas.microsoft.com/office/drawing/2014/main" id="{9B529AC9-7A0C-4924-AD00-CBFD3280473C}"/>
+              </a:ext>
+            </a:extLst>
+          </p:cNvPr>
+          <p:cNvCxnSpPr>
+            <a:cxnSpLocks/>
+          </p:cNvCxnSpPr>
+          <p:nvPr/>
+        </p:nvCxnSpPr>
+        <p:spPr>
+          <a:xfrm>
+            <a:off x="1168460" y="2040379"/>
+            <a:ext cx="31693" cy="48462"/>
+          </a:xfrm>
+          <a:prstGeom prst="line">
+            <a:avLst/>
+          </a:prstGeom>
+          <a:ln w="12700" cap="rnd">
+            <a:solidFill>
+              <a:schemeClr val="tx1"/>
+            </a:solidFill>
+            <a:round/>
+          </a:ln>
+        </p:spPr>
+        <p:style>
+          <a:lnRef idx="2">
+            <a:schemeClr val="accent1"/>
+          </a:lnRef>
+          <a:fillRef idx="0">
+            <a:schemeClr val="accent1"/>
+          </a:fillRef>
+          <a:effectRef idx="1">
+            <a:schemeClr val="accent1"/>
+          </a:effectRef>
+          <a:fontRef idx="minor">
+            <a:schemeClr val="tx1"/>
+          </a:fontRef>
+        </p:style>
+      </p:cxnSp>
+      <p:cxnSp>
+        <p:nvCxnSpPr>
+          <p:cNvPr id="103" name="Gerader Verbinder 102">
+            <a:extLst>
+              <a:ext uri="{FF2B5EF4-FFF2-40B4-BE49-F238E27FC236}">
+                <a16:creationId xmlns:a16="http://schemas.microsoft.com/office/drawing/2014/main" id="{2194F1F0-570E-7F9C-2EF9-31F4C1A0F596}"/>
+              </a:ext>
+            </a:extLst>
+          </p:cNvPr>
+          <p:cNvCxnSpPr>
+            <a:cxnSpLocks/>
+          </p:cNvCxnSpPr>
+          <p:nvPr/>
+        </p:nvCxnSpPr>
+        <p:spPr>
+          <a:xfrm>
+            <a:off x="1196788" y="1987953"/>
+            <a:ext cx="31693" cy="48462"/>
+          </a:xfrm>
+          <a:prstGeom prst="line">
+            <a:avLst/>
+          </a:prstGeom>
+          <a:ln w="12700" cap="rnd">
+            <a:solidFill>
+              <a:schemeClr val="tx1"/>
+            </a:solidFill>
+            <a:round/>
+          </a:ln>
+        </p:spPr>
+        <p:style>
+          <a:lnRef idx="2">
+            <a:schemeClr val="accent1"/>
+          </a:lnRef>
+          <a:fillRef idx="0">
+            <a:schemeClr val="accent1"/>
+          </a:fillRef>
+          <a:effectRef idx="1">
+            <a:schemeClr val="accent1"/>
+          </a:effectRef>
+          <a:fontRef idx="minor">
+            <a:schemeClr val="tx1"/>
+          </a:fontRef>
+        </p:style>
+      </p:cxnSp>
+      <p:cxnSp>
+        <p:nvCxnSpPr>
+          <p:cNvPr id="104" name="Gerader Verbinder 103">
+            <a:extLst>
+              <a:ext uri="{FF2B5EF4-FFF2-40B4-BE49-F238E27FC236}">
+                <a16:creationId xmlns:a16="http://schemas.microsoft.com/office/drawing/2014/main" id="{0E60EA62-D4F1-93D2-410B-53817F770D69}"/>
+              </a:ext>
+            </a:extLst>
+          </p:cNvPr>
+          <p:cNvCxnSpPr>
+            <a:cxnSpLocks/>
+          </p:cNvCxnSpPr>
+          <p:nvPr/>
+        </p:nvCxnSpPr>
+        <p:spPr>
+          <a:xfrm>
+            <a:off x="1240282" y="1957950"/>
+            <a:ext cx="16606" cy="25392"/>
+          </a:xfrm>
+          <a:prstGeom prst="line">
+            <a:avLst/>
+          </a:prstGeom>
+          <a:ln w="12700" cap="rnd">
+            <a:solidFill>
+              <a:schemeClr val="tx1"/>
+            </a:solidFill>
+            <a:round/>
+          </a:ln>
+        </p:spPr>
+        <p:style>
+          <a:lnRef idx="2">
+            <a:schemeClr val="accent1"/>
+          </a:lnRef>
+          <a:fillRef idx="0">
+            <a:schemeClr val="accent1"/>
+          </a:fillRef>
+          <a:effectRef idx="1">
+            <a:schemeClr val="accent1"/>
+          </a:effectRef>
+          <a:fontRef idx="minor">
+            <a:schemeClr val="tx1"/>
+          </a:fontRef>
+        </p:style>
+      </p:cxnSp>
+      <p:cxnSp>
+        <p:nvCxnSpPr>
+          <p:cNvPr id="106" name="Gerader Verbinder 105">
+            <a:extLst>
+              <a:ext uri="{FF2B5EF4-FFF2-40B4-BE49-F238E27FC236}">
+                <a16:creationId xmlns:a16="http://schemas.microsoft.com/office/drawing/2014/main" id="{E4D5367B-47C2-5AF7-3D35-3DDB763AA01B}"/>
+              </a:ext>
+            </a:extLst>
+          </p:cNvPr>
+          <p:cNvCxnSpPr>
+            <a:cxnSpLocks/>
+          </p:cNvCxnSpPr>
+          <p:nvPr/>
+        </p:nvCxnSpPr>
+        <p:spPr>
+          <a:xfrm>
+            <a:off x="1308947" y="1440768"/>
+            <a:ext cx="127820" cy="195448"/>
+          </a:xfrm>
+          <a:prstGeom prst="line">
+            <a:avLst/>
+          </a:prstGeom>
+          <a:ln w="12700" cap="rnd">
+            <a:solidFill>
+              <a:schemeClr val="tx1"/>
+            </a:solidFill>
+            <a:round/>
+          </a:ln>
+        </p:spPr>
+        <p:style>
+          <a:lnRef idx="2">
+            <a:schemeClr val="accent1"/>
+          </a:lnRef>
+          <a:fillRef idx="0">
+            <a:schemeClr val="accent1"/>
+          </a:fillRef>
+          <a:effectRef idx="1">
+            <a:schemeClr val="accent1"/>
+          </a:effectRef>
+          <a:fontRef idx="minor">
+            <a:schemeClr val="tx1"/>
+          </a:fontRef>
+        </p:style>
+      </p:cxnSp>
+      <p:cxnSp>
+        <p:nvCxnSpPr>
+          <p:cNvPr id="107" name="Gerader Verbinder 106">
+            <a:extLst>
+              <a:ext uri="{FF2B5EF4-FFF2-40B4-BE49-F238E27FC236}">
+                <a16:creationId xmlns:a16="http://schemas.microsoft.com/office/drawing/2014/main" id="{1FFAD302-A4AF-4B03-FFDA-BAB01E22481F}"/>
+              </a:ext>
+            </a:extLst>
+          </p:cNvPr>
+          <p:cNvCxnSpPr>
+            <a:cxnSpLocks/>
+          </p:cNvCxnSpPr>
+          <p:nvPr/>
+        </p:nvCxnSpPr>
+        <p:spPr>
+          <a:xfrm>
+            <a:off x="1337623" y="1387920"/>
+            <a:ext cx="127820" cy="195448"/>
+          </a:xfrm>
+          <a:prstGeom prst="line">
+            <a:avLst/>
+          </a:prstGeom>
+          <a:ln w="12700" cap="rnd">
+            <a:solidFill>
+              <a:schemeClr val="tx1"/>
+            </a:solidFill>
+            <a:round/>
+          </a:ln>
+        </p:spPr>
+        <p:style>
+          <a:lnRef idx="2">
+            <a:schemeClr val="accent1"/>
+          </a:lnRef>
+          <a:fillRef idx="0">
+            <a:schemeClr val="accent1"/>
+          </a:fillRef>
+          <a:effectRef idx="1">
+            <a:schemeClr val="accent1"/>
+          </a:effectRef>
+          <a:fontRef idx="minor">
+            <a:schemeClr val="tx1"/>
+          </a:fontRef>
+        </p:style>
+      </p:cxnSp>
+      <p:cxnSp>
+        <p:nvCxnSpPr>
+          <p:cNvPr id="108" name="Gerader Verbinder 107">
+            <a:extLst>
+              <a:ext uri="{FF2B5EF4-FFF2-40B4-BE49-F238E27FC236}">
+                <a16:creationId xmlns:a16="http://schemas.microsoft.com/office/drawing/2014/main" id="{2C52E869-C238-5B80-BD28-B188FFD5E0AA}"/>
+              </a:ext>
+            </a:extLst>
+          </p:cNvPr>
+          <p:cNvCxnSpPr>
+            <a:cxnSpLocks/>
+          </p:cNvCxnSpPr>
+          <p:nvPr/>
+        </p:nvCxnSpPr>
+        <p:spPr>
+          <a:xfrm>
+            <a:off x="1366206" y="1336217"/>
+            <a:ext cx="127820" cy="195448"/>
+          </a:xfrm>
+          <a:prstGeom prst="line">
+            <a:avLst/>
+          </a:prstGeom>
+          <a:ln w="12700" cap="rnd">
+            <a:solidFill>
+              <a:schemeClr val="tx1"/>
+            </a:solidFill>
+            <a:round/>
+          </a:ln>
+        </p:spPr>
+        <p:style>
+          <a:lnRef idx="2">
+            <a:schemeClr val="accent1"/>
+          </a:lnRef>
+          <a:fillRef idx="0">
+            <a:schemeClr val="accent1"/>
+          </a:fillRef>
+          <a:effectRef idx="1">
+            <a:schemeClr val="accent1"/>
+          </a:effectRef>
+          <a:fontRef idx="minor">
+            <a:schemeClr val="tx1"/>
+          </a:fontRef>
+        </p:style>
+      </p:cxnSp>
+      <p:cxnSp>
+        <p:nvCxnSpPr>
+          <p:cNvPr id="109" name="Gerader Verbinder 108">
+            <a:extLst>
+              <a:ext uri="{FF2B5EF4-FFF2-40B4-BE49-F238E27FC236}">
+                <a16:creationId xmlns:a16="http://schemas.microsoft.com/office/drawing/2014/main" id="{440FFADC-B04F-521E-8DAF-076A84A60947}"/>
+              </a:ext>
+            </a:extLst>
+          </p:cNvPr>
+          <p:cNvCxnSpPr>
+            <a:cxnSpLocks/>
+          </p:cNvCxnSpPr>
+          <p:nvPr/>
+        </p:nvCxnSpPr>
+        <p:spPr>
+          <a:xfrm>
+            <a:off x="1394789" y="1284514"/>
+            <a:ext cx="127820" cy="195448"/>
+          </a:xfrm>
+          <a:prstGeom prst="line">
+            <a:avLst/>
+          </a:prstGeom>
+          <a:ln w="12700" cap="rnd">
+            <a:solidFill>
+              <a:schemeClr val="tx1"/>
+            </a:solidFill>
+            <a:round/>
+          </a:ln>
+        </p:spPr>
+        <p:style>
+          <a:lnRef idx="2">
+            <a:schemeClr val="accent1"/>
+          </a:lnRef>
+          <a:fillRef idx="0">
+            <a:schemeClr val="accent1"/>
+          </a:fillRef>
+          <a:effectRef idx="1">
+            <a:schemeClr val="accent1"/>
+          </a:effectRef>
+          <a:fontRef idx="minor">
+            <a:schemeClr val="tx1"/>
+          </a:fontRef>
+        </p:style>
+      </p:cxnSp>
+      <p:cxnSp>
+        <p:nvCxnSpPr>
+          <p:cNvPr id="110" name="Gerader Verbinder 109">
+            <a:extLst>
+              <a:ext uri="{FF2B5EF4-FFF2-40B4-BE49-F238E27FC236}">
+                <a16:creationId xmlns:a16="http://schemas.microsoft.com/office/drawing/2014/main" id="{FC01FF9F-5BEF-E6DD-70C1-1A6DF87AB1C4}"/>
+              </a:ext>
+            </a:extLst>
+          </p:cNvPr>
+          <p:cNvCxnSpPr>
+            <a:cxnSpLocks/>
+          </p:cNvCxnSpPr>
+          <p:nvPr/>
+        </p:nvCxnSpPr>
+        <p:spPr>
+          <a:xfrm>
+            <a:off x="1419284" y="1226632"/>
+            <a:ext cx="127820" cy="195448"/>
+          </a:xfrm>
+          <a:prstGeom prst="line">
+            <a:avLst/>
+          </a:prstGeom>
+          <a:ln w="12700" cap="rnd">
+            <a:solidFill>
+              <a:schemeClr val="tx1"/>
+            </a:solidFill>
+            <a:round/>
+          </a:ln>
+        </p:spPr>
+        <p:style>
+          <a:lnRef idx="2">
+            <a:schemeClr val="accent1"/>
+          </a:lnRef>
+          <a:fillRef idx="0">
+            <a:schemeClr val="accent1"/>
+          </a:fillRef>
+          <a:effectRef idx="1">
+            <a:schemeClr val="accent1"/>
+          </a:effectRef>
+          <a:fontRef idx="minor">
+            <a:schemeClr val="tx1"/>
+          </a:fontRef>
+        </p:style>
+      </p:cxnSp>
+      <p:cxnSp>
+        <p:nvCxnSpPr>
+          <p:cNvPr id="111" name="Gerader Verbinder 110">
+            <a:extLst>
+              <a:ext uri="{FF2B5EF4-FFF2-40B4-BE49-F238E27FC236}">
+                <a16:creationId xmlns:a16="http://schemas.microsoft.com/office/drawing/2014/main" id="{492FA843-3286-8CBD-F942-164480549A06}"/>
+              </a:ext>
+            </a:extLst>
+          </p:cNvPr>
+          <p:cNvCxnSpPr>
+            <a:cxnSpLocks/>
+          </p:cNvCxnSpPr>
+          <p:nvPr/>
+        </p:nvCxnSpPr>
+        <p:spPr>
+          <a:xfrm>
+            <a:off x="1447960" y="1173784"/>
+            <a:ext cx="127820" cy="195448"/>
+          </a:xfrm>
+          <a:prstGeom prst="line">
+            <a:avLst/>
+          </a:prstGeom>
+          <a:ln w="12700" cap="rnd">
+            <a:solidFill>
+              <a:schemeClr val="tx1"/>
+            </a:solidFill>
+            <a:round/>
+          </a:ln>
+        </p:spPr>
+        <p:style>
+          <a:lnRef idx="2">
+            <a:schemeClr val="accent1"/>
+          </a:lnRef>
+          <a:fillRef idx="0">
+            <a:schemeClr val="accent1"/>
+          </a:fillRef>
+          <a:effectRef idx="1">
+            <a:schemeClr val="accent1"/>
+          </a:effectRef>
+          <a:fontRef idx="minor">
+            <a:schemeClr val="tx1"/>
+          </a:fontRef>
+        </p:style>
+      </p:cxnSp>
+      <p:cxnSp>
+        <p:nvCxnSpPr>
+          <p:cNvPr id="112" name="Gerader Verbinder 111">
+            <a:extLst>
+              <a:ext uri="{FF2B5EF4-FFF2-40B4-BE49-F238E27FC236}">
+                <a16:creationId xmlns:a16="http://schemas.microsoft.com/office/drawing/2014/main" id="{E4FDF65D-5BA3-4FC0-E9EF-2FD5C580EE9A}"/>
+              </a:ext>
+            </a:extLst>
+          </p:cNvPr>
+          <p:cNvCxnSpPr>
+            <a:cxnSpLocks/>
+          </p:cNvCxnSpPr>
+          <p:nvPr/>
+        </p:nvCxnSpPr>
+        <p:spPr>
+          <a:xfrm>
+            <a:off x="1476543" y="1122081"/>
+            <a:ext cx="127820" cy="195448"/>
+          </a:xfrm>
+          <a:prstGeom prst="line">
+            <a:avLst/>
+          </a:prstGeom>
+          <a:ln w="12700" cap="rnd">
+            <a:solidFill>
+              <a:schemeClr val="tx1"/>
+            </a:solidFill>
+            <a:round/>
+          </a:ln>
+        </p:spPr>
+        <p:style>
+          <a:lnRef idx="2">
+            <a:schemeClr val="accent1"/>
+          </a:lnRef>
+          <a:fillRef idx="0">
+            <a:schemeClr val="accent1"/>
+          </a:fillRef>
+          <a:effectRef idx="1">
+            <a:schemeClr val="accent1"/>
+          </a:effectRef>
+          <a:fontRef idx="minor">
+            <a:schemeClr val="tx1"/>
+          </a:fontRef>
+        </p:style>
+      </p:cxnSp>
+      <p:cxnSp>
+        <p:nvCxnSpPr>
+          <p:cNvPr id="113" name="Gerader Verbinder 112">
+            <a:extLst>
+              <a:ext uri="{FF2B5EF4-FFF2-40B4-BE49-F238E27FC236}">
+                <a16:creationId xmlns:a16="http://schemas.microsoft.com/office/drawing/2014/main" id="{BE7613EC-3FF0-AC7F-3920-478CBB445C62}"/>
+              </a:ext>
+            </a:extLst>
+          </p:cNvPr>
+          <p:cNvCxnSpPr>
+            <a:cxnSpLocks/>
+          </p:cNvCxnSpPr>
+          <p:nvPr/>
+        </p:nvCxnSpPr>
+        <p:spPr>
+          <a:xfrm>
+            <a:off x="1505126" y="1070378"/>
+            <a:ext cx="127820" cy="195448"/>
+          </a:xfrm>
+          <a:prstGeom prst="line">
+            <a:avLst/>
+          </a:prstGeom>
+          <a:ln w="12700" cap="rnd">
+            <a:solidFill>
+              <a:schemeClr val="tx1"/>
+            </a:solidFill>
+            <a:round/>
+          </a:ln>
+        </p:spPr>
+        <p:style>
+          <a:lnRef idx="2">
+            <a:schemeClr val="accent1"/>
+          </a:lnRef>
+          <a:fillRef idx="0">
+            <a:schemeClr val="accent1"/>
+          </a:fillRef>
+          <a:effectRef idx="1">
+            <a:schemeClr val="accent1"/>
+          </a:effectRef>
+          <a:fontRef idx="minor">
+            <a:schemeClr val="tx1"/>
+          </a:fontRef>
+        </p:style>
+      </p:cxnSp>
+      <p:cxnSp>
+        <p:nvCxnSpPr>
+          <p:cNvPr id="114" name="Gerader Verbinder 113">
+            <a:extLst>
+              <a:ext uri="{FF2B5EF4-FFF2-40B4-BE49-F238E27FC236}">
+                <a16:creationId xmlns:a16="http://schemas.microsoft.com/office/drawing/2014/main" id="{E68BABE3-CC48-6179-D625-520AEDE495E5}"/>
+              </a:ext>
+            </a:extLst>
+          </p:cNvPr>
+          <p:cNvCxnSpPr>
+            <a:cxnSpLocks/>
+          </p:cNvCxnSpPr>
+          <p:nvPr/>
+        </p:nvCxnSpPr>
+        <p:spPr>
+          <a:xfrm>
+            <a:off x="1532227" y="1014664"/>
+            <a:ext cx="127820" cy="195448"/>
+          </a:xfrm>
+          <a:prstGeom prst="line">
+            <a:avLst/>
+          </a:prstGeom>
+          <a:ln w="12700" cap="rnd">
+            <a:solidFill>
+              <a:schemeClr val="tx1"/>
+            </a:solidFill>
+            <a:round/>
+          </a:ln>
+        </p:spPr>
+        <p:style>
+          <a:lnRef idx="2">
+            <a:schemeClr val="accent1"/>
+          </a:lnRef>
+          <a:fillRef idx="0">
+            <a:schemeClr val="accent1"/>
+          </a:fillRef>
+          <a:effectRef idx="1">
+            <a:schemeClr val="accent1"/>
+          </a:effectRef>
+          <a:fontRef idx="minor">
+            <a:schemeClr val="tx1"/>
+          </a:fontRef>
+        </p:style>
+      </p:cxnSp>
+      <p:cxnSp>
+        <p:nvCxnSpPr>
+          <p:cNvPr id="115" name="Gerader Verbinder 114">
+            <a:extLst>
+              <a:ext uri="{FF2B5EF4-FFF2-40B4-BE49-F238E27FC236}">
+                <a16:creationId xmlns:a16="http://schemas.microsoft.com/office/drawing/2014/main" id="{FB62CC2F-13C7-D515-AF6C-81AE80064417}"/>
+              </a:ext>
+            </a:extLst>
+          </p:cNvPr>
+          <p:cNvCxnSpPr>
+            <a:cxnSpLocks/>
+          </p:cNvCxnSpPr>
+          <p:nvPr/>
+        </p:nvCxnSpPr>
+        <p:spPr>
+          <a:xfrm>
+            <a:off x="1560903" y="961816"/>
+            <a:ext cx="127820" cy="195448"/>
+          </a:xfrm>
+          <a:prstGeom prst="line">
+            <a:avLst/>
+          </a:prstGeom>
+          <a:ln w="12700" cap="rnd">
+            <a:solidFill>
+              <a:schemeClr val="tx1"/>
+            </a:solidFill>
+            <a:round/>
+          </a:ln>
+        </p:spPr>
+        <p:style>
+          <a:lnRef idx="2">
+            <a:schemeClr val="accent1"/>
+          </a:lnRef>
+          <a:fillRef idx="0">
+            <a:schemeClr val="accent1"/>
+          </a:fillRef>
+          <a:effectRef idx="1">
+            <a:schemeClr val="accent1"/>
+          </a:effectRef>
+          <a:fontRef idx="minor">
+            <a:schemeClr val="tx1"/>
+          </a:fontRef>
+        </p:style>
+      </p:cxnSp>
+      <p:cxnSp>
+        <p:nvCxnSpPr>
+          <p:cNvPr id="116" name="Gerader Verbinder 115">
+            <a:extLst>
+              <a:ext uri="{FF2B5EF4-FFF2-40B4-BE49-F238E27FC236}">
+                <a16:creationId xmlns:a16="http://schemas.microsoft.com/office/drawing/2014/main" id="{A8391B36-28D5-C34F-D5A0-95DDD14A388B}"/>
+              </a:ext>
+            </a:extLst>
+          </p:cNvPr>
+          <p:cNvCxnSpPr>
+            <a:cxnSpLocks/>
+          </p:cNvCxnSpPr>
+          <p:nvPr/>
+        </p:nvCxnSpPr>
+        <p:spPr>
+          <a:xfrm>
+            <a:off x="1589486" y="910113"/>
+            <a:ext cx="127820" cy="195448"/>
+          </a:xfrm>
+          <a:prstGeom prst="line">
+            <a:avLst/>
+          </a:prstGeom>
+          <a:ln w="12700" cap="rnd">
+            <a:solidFill>
+              <a:schemeClr val="tx1"/>
+            </a:solidFill>
+            <a:round/>
+          </a:ln>
+        </p:spPr>
+        <p:style>
+          <a:lnRef idx="2">
+            <a:schemeClr val="accent1"/>
+          </a:lnRef>
+          <a:fillRef idx="0">
+            <a:schemeClr val="accent1"/>
+          </a:fillRef>
+          <a:effectRef idx="1">
+            <a:schemeClr val="accent1"/>
+          </a:effectRef>
+          <a:fontRef idx="minor">
+            <a:schemeClr val="tx1"/>
+          </a:fontRef>
+        </p:style>
+      </p:cxnSp>
+      <p:sp>
+        <p:nvSpPr>
+          <p:cNvPr id="118" name="Textfeld 117">
+            <a:extLst>
+              <a:ext uri="{FF2B5EF4-FFF2-40B4-BE49-F238E27FC236}">
+                <a16:creationId xmlns:a16="http://schemas.microsoft.com/office/drawing/2014/main" id="{4A030151-91D2-127A-726F-6C77837075EC}"/>
+              </a:ext>
+            </a:extLst>
+          </p:cNvPr>
+          <p:cNvSpPr txBox="1"/>
+          <p:nvPr/>
+        </p:nvSpPr>
+        <p:spPr>
+          <a:xfrm>
+            <a:off x="1159719" y="1909239"/>
+            <a:ext cx="353054" cy="369332"/>
+          </a:xfrm>
+          <a:prstGeom prst="rect">
+            <a:avLst/>
+          </a:prstGeom>
+          <a:noFill/>
+        </p:spPr>
+        <p:txBody>
+          <a:bodyPr wrap="square" rtlCol="0">
+            <a:spAutoFit/>
+          </a:bodyPr>
+          <a:lstStyle/>
+          <a:p>
+            <a:pPr algn="ctr"/>
+            <a:r>
+              <a:rPr lang="el-GR" i="1" dirty="0">
+                <a:solidFill>
+                  <a:schemeClr val="tx1">
+                    <a:lumMod val="65000"/>
+                    <a:lumOff val="35000"/>
+                  </a:schemeClr>
+                </a:solidFill>
+                <a:latin typeface="CMU Serif" panose="02000603000000000000" pitchFamily="2" charset="0"/>
+                <a:ea typeface="CMU Serif" panose="02000603000000000000" pitchFamily="2" charset="0"/>
+                <a:cs typeface="CMU Serif" panose="02000603000000000000" pitchFamily="2" charset="0"/>
+              </a:rPr>
+              <a:t>ε</a:t>
+            </a:r>
+            <a:endParaRPr lang="de-DE" i="1" u="sng" dirty="0">
+              <a:solidFill>
+                <a:schemeClr val="tx1">
+                  <a:lumMod val="65000"/>
+                  <a:lumOff val="35000"/>
+                </a:schemeClr>
+              </a:solidFill>
+              <a:latin typeface="CMU Serif" panose="02000603000000000000" pitchFamily="2" charset="0"/>
+              <a:ea typeface="CMU Serif" panose="02000603000000000000" pitchFamily="2" charset="0"/>
+              <a:cs typeface="CMU Serif" panose="02000603000000000000" pitchFamily="2" charset="0"/>
+            </a:endParaRPr>
+          </a:p>
+        </p:txBody>
+      </p:sp>
+      <p:cxnSp>
+        <p:nvCxnSpPr>
+          <p:cNvPr id="119" name="Gerader Verbinder 118">
+            <a:extLst>
+              <a:ext uri="{FF2B5EF4-FFF2-40B4-BE49-F238E27FC236}">
+                <a16:creationId xmlns:a16="http://schemas.microsoft.com/office/drawing/2014/main" id="{2CD7C9C7-C2F8-E517-7950-93A7DF75B856}"/>
+              </a:ext>
+            </a:extLst>
+          </p:cNvPr>
+          <p:cNvCxnSpPr>
+            <a:cxnSpLocks/>
+          </p:cNvCxnSpPr>
+          <p:nvPr/>
+        </p:nvCxnSpPr>
+        <p:spPr>
+          <a:xfrm>
+            <a:off x="1102711" y="910113"/>
+            <a:ext cx="0" cy="1368994"/>
+          </a:xfrm>
+          <a:prstGeom prst="line">
+            <a:avLst/>
+          </a:prstGeom>
+          <a:ln cap="rnd">
+            <a:round/>
+            <a:headEnd type="stealth" w="lg" len="lg"/>
+          </a:ln>
+        </p:spPr>
+        <p:style>
+          <a:lnRef idx="2">
+            <a:schemeClr val="dk1"/>
+          </a:lnRef>
+          <a:fillRef idx="0">
+            <a:schemeClr val="dk1"/>
+          </a:fillRef>
+          <a:effectRef idx="1">
+            <a:schemeClr val="dk1"/>
+          </a:effectRef>
+          <a:fontRef idx="minor">
+            <a:schemeClr val="tx1"/>
+          </a:fontRef>
+        </p:style>
+      </p:cxnSp>
+      <p:sp>
+        <p:nvSpPr>
+          <p:cNvPr id="124" name="Textfeld 123">
+            <a:extLst>
+              <a:ext uri="{FF2B5EF4-FFF2-40B4-BE49-F238E27FC236}">
+                <a16:creationId xmlns:a16="http://schemas.microsoft.com/office/drawing/2014/main" id="{92985835-64DD-8636-181C-26DE247A5F75}"/>
+              </a:ext>
+            </a:extLst>
+          </p:cNvPr>
+          <p:cNvSpPr txBox="1"/>
+          <p:nvPr/>
+        </p:nvSpPr>
+        <p:spPr>
+          <a:xfrm>
+            <a:off x="662047" y="726928"/>
+            <a:ext cx="484119" cy="369332"/>
+          </a:xfrm>
+          <a:prstGeom prst="rect">
+            <a:avLst/>
+          </a:prstGeom>
+          <a:noFill/>
+        </p:spPr>
+        <p:txBody>
+          <a:bodyPr wrap="square" rtlCol="0">
+            <a:spAutoFit/>
+          </a:bodyPr>
+          <a:lstStyle/>
+          <a:p>
+            <a:pPr algn="ctr"/>
+            <a:r>
+              <a:rPr lang="de-DE" i="1" dirty="0">
+                <a:latin typeface="CMU Serif" panose="02000603000000000000" pitchFamily="2" charset="0"/>
+                <a:ea typeface="CMU Serif" panose="02000603000000000000" pitchFamily="2" charset="0"/>
+                <a:cs typeface="CMU Serif" panose="02000603000000000000" pitchFamily="2" charset="0"/>
+              </a:rPr>
+              <a:t>y</a:t>
+            </a:r>
+          </a:p>
+        </p:txBody>
+      </p:sp>
+      <p:sp>
+        <p:nvSpPr>
+          <p:cNvPr id="125" name="Freihandform: Form 124">
+            <a:extLst>
+              <a:ext uri="{FF2B5EF4-FFF2-40B4-BE49-F238E27FC236}">
+                <a16:creationId xmlns:a16="http://schemas.microsoft.com/office/drawing/2014/main" id="{49ED1080-FF97-6182-EEA9-1865DCB3C75C}"/>
+              </a:ext>
+            </a:extLst>
+          </p:cNvPr>
+          <p:cNvSpPr/>
+          <p:nvPr/>
+        </p:nvSpPr>
+        <p:spPr>
+          <a:xfrm>
+            <a:off x="1642766" y="1114816"/>
+            <a:ext cx="909413" cy="1055318"/>
+          </a:xfrm>
+          <a:custGeom>
+            <a:avLst/>
+            <a:gdLst>
+              <a:gd name="connsiteX0" fmla="*/ 345741 w 909413"/>
+              <a:gd name="connsiteY0" fmla="*/ 0 h 1055318"/>
+              <a:gd name="connsiteX1" fmla="*/ 23196 w 909413"/>
+              <a:gd name="connsiteY1" fmla="*/ 876822 h 1055318"/>
+              <a:gd name="connsiteX2" fmla="*/ 909413 w 909413"/>
+              <a:gd name="connsiteY2" fmla="*/ 1055318 h 1055318"/>
+            </a:gdLst>
+            <a:ahLst/>
+            <a:cxnLst>
+              <a:cxn ang="0">
+                <a:pos x="connsiteX0" y="connsiteY0"/>
+              </a:cxn>
+              <a:cxn ang="0">
+                <a:pos x="connsiteX1" y="connsiteY1"/>
+              </a:cxn>
+              <a:cxn ang="0">
+                <a:pos x="connsiteX2" y="connsiteY2"/>
+              </a:cxn>
+            </a:cxnLst>
+            <a:rect l="l" t="t" r="r" b="b"/>
+            <a:pathLst>
+              <a:path w="909413" h="1055318">
+                <a:moveTo>
+                  <a:pt x="345741" y="0"/>
+                </a:moveTo>
+                <a:cubicBezTo>
+                  <a:pt x="137496" y="350468"/>
+                  <a:pt x="-70749" y="700936"/>
+                  <a:pt x="23196" y="876822"/>
+                </a:cubicBezTo>
+                <a:cubicBezTo>
+                  <a:pt x="117141" y="1052708"/>
+                  <a:pt x="513277" y="1054013"/>
+                  <a:pt x="909413" y="1055318"/>
+                </a:cubicBezTo>
+              </a:path>
+            </a:pathLst>
+          </a:custGeom>
+          <a:noFill/>
+          <a:ln cap="rnd">
+            <a:solidFill>
+              <a:schemeClr val="accent1"/>
+            </a:solidFill>
+            <a:round/>
+            <a:tailEnd type="stealth" w="lg" len="lg"/>
+          </a:ln>
+        </p:spPr>
+        <p:style>
+          <a:lnRef idx="2">
+            <a:schemeClr val="accent1">
+              <a:shade val="15000"/>
+            </a:schemeClr>
+          </a:lnRef>
+          <a:fillRef idx="1">
+            <a:schemeClr val="accent1"/>
+          </a:fillRef>
+          <a:effectRef idx="0">
+            <a:schemeClr val="accent1"/>
+          </a:effectRef>
+          <a:fontRef idx="minor">
+            <a:schemeClr val="lt1"/>
+          </a:fontRef>
+        </p:style>
+        <p:txBody>
+          <a:bodyPr rtlCol="0" anchor="ctr"/>
+          <a:lstStyle/>
+          <a:p>
+            <a:pPr algn="ctr"/>
+            <a:endParaRPr lang="de-DE"/>
+          </a:p>
+        </p:txBody>
+      </p:sp>
+      <p:sp>
+        <p:nvSpPr>
+          <p:cNvPr id="126" name="Freihandform: Form 125">
+            <a:extLst>
+              <a:ext uri="{FF2B5EF4-FFF2-40B4-BE49-F238E27FC236}">
+                <a16:creationId xmlns:a16="http://schemas.microsoft.com/office/drawing/2014/main" id="{FADE99E2-CD3E-190D-EC3C-30CE0EC4AC21}"/>
+              </a:ext>
+            </a:extLst>
+          </p:cNvPr>
+          <p:cNvSpPr/>
+          <p:nvPr/>
+        </p:nvSpPr>
+        <p:spPr>
+          <a:xfrm>
+            <a:off x="1949747" y="1042787"/>
+            <a:ext cx="661932" cy="958241"/>
+          </a:xfrm>
+          <a:custGeom>
+            <a:avLst/>
+            <a:gdLst>
+              <a:gd name="connsiteX0" fmla="*/ 283019 w 661932"/>
+              <a:gd name="connsiteY0" fmla="*/ 0 h 958241"/>
+              <a:gd name="connsiteX1" fmla="*/ 13710 w 661932"/>
+              <a:gd name="connsiteY1" fmla="*/ 795403 h 958241"/>
+              <a:gd name="connsiteX2" fmla="*/ 661932 w 661932"/>
+              <a:gd name="connsiteY2" fmla="*/ 958241 h 958241"/>
+            </a:gdLst>
+            <a:ahLst/>
+            <a:cxnLst>
+              <a:cxn ang="0">
+                <a:pos x="connsiteX0" y="connsiteY0"/>
+              </a:cxn>
+              <a:cxn ang="0">
+                <a:pos x="connsiteX1" y="connsiteY1"/>
+              </a:cxn>
+              <a:cxn ang="0">
+                <a:pos x="connsiteX2" y="connsiteY2"/>
+              </a:cxn>
+            </a:cxnLst>
+            <a:rect l="l" t="t" r="r" b="b"/>
+            <a:pathLst>
+              <a:path w="661932" h="958241">
+                <a:moveTo>
+                  <a:pt x="283019" y="0"/>
+                </a:moveTo>
+                <a:cubicBezTo>
+                  <a:pt x="116788" y="317848"/>
+                  <a:pt x="-49442" y="635696"/>
+                  <a:pt x="13710" y="795403"/>
+                </a:cubicBezTo>
+                <a:cubicBezTo>
+                  <a:pt x="76862" y="955110"/>
+                  <a:pt x="524146" y="958241"/>
+                  <a:pt x="661932" y="958241"/>
+                </a:cubicBezTo>
+              </a:path>
+            </a:pathLst>
+          </a:custGeom>
+          <a:noFill/>
+          <a:ln cap="rnd">
+            <a:solidFill>
+              <a:schemeClr val="accent1"/>
+            </a:solidFill>
+            <a:round/>
+            <a:tailEnd type="stealth" w="lg" len="lg"/>
+          </a:ln>
+        </p:spPr>
+        <p:style>
+          <a:lnRef idx="2">
+            <a:schemeClr val="accent1">
+              <a:shade val="15000"/>
+            </a:schemeClr>
+          </a:lnRef>
+          <a:fillRef idx="1">
+            <a:schemeClr val="accent1"/>
+          </a:fillRef>
+          <a:effectRef idx="0">
+            <a:schemeClr val="accent1"/>
+          </a:effectRef>
+          <a:fontRef idx="minor">
+            <a:schemeClr val="lt1"/>
+          </a:fontRef>
+        </p:style>
+        <p:txBody>
+          <a:bodyPr rtlCol="0" anchor="ctr"/>
+          <a:lstStyle/>
+          <a:p>
+            <a:pPr algn="ctr"/>
+            <a:endParaRPr lang="de-DE"/>
+          </a:p>
+        </p:txBody>
+      </p:sp>
+      <p:sp>
+        <p:nvSpPr>
+          <p:cNvPr id="127" name="Freihandform: Form 126">
+            <a:extLst>
+              <a:ext uri="{FF2B5EF4-FFF2-40B4-BE49-F238E27FC236}">
+                <a16:creationId xmlns:a16="http://schemas.microsoft.com/office/drawing/2014/main" id="{B173488B-A780-50C3-CF65-B20F5F8D73AA}"/>
+              </a:ext>
+            </a:extLst>
+          </p:cNvPr>
+          <p:cNvSpPr/>
+          <p:nvPr/>
+        </p:nvSpPr>
+        <p:spPr>
+          <a:xfrm>
+            <a:off x="2241778" y="948289"/>
+            <a:ext cx="422617" cy="877513"/>
+          </a:xfrm>
+          <a:custGeom>
+            <a:avLst/>
+            <a:gdLst>
+              <a:gd name="connsiteX0" fmla="*/ 212806 w 422617"/>
+              <a:gd name="connsiteY0" fmla="*/ 0 h 877513"/>
+              <a:gd name="connsiteX1" fmla="*/ 6127 w 422617"/>
+              <a:gd name="connsiteY1" fmla="*/ 735904 h 877513"/>
+              <a:gd name="connsiteX2" fmla="*/ 422617 w 422617"/>
+              <a:gd name="connsiteY2" fmla="*/ 876822 h 877513"/>
+            </a:gdLst>
+            <a:ahLst/>
+            <a:cxnLst>
+              <a:cxn ang="0">
+                <a:pos x="connsiteX0" y="connsiteY0"/>
+              </a:cxn>
+              <a:cxn ang="0">
+                <a:pos x="connsiteX1" y="connsiteY1"/>
+              </a:cxn>
+              <a:cxn ang="0">
+                <a:pos x="connsiteX2" y="connsiteY2"/>
+              </a:cxn>
+            </a:cxnLst>
+            <a:rect l="l" t="t" r="r" b="b"/>
+            <a:pathLst>
+              <a:path w="422617" h="877513">
+                <a:moveTo>
+                  <a:pt x="212806" y="0"/>
+                </a:moveTo>
+                <a:cubicBezTo>
+                  <a:pt x="91982" y="294883"/>
+                  <a:pt x="-28842" y="589767"/>
+                  <a:pt x="6127" y="735904"/>
+                </a:cubicBezTo>
+                <a:cubicBezTo>
+                  <a:pt x="41096" y="882041"/>
+                  <a:pt x="231856" y="879431"/>
+                  <a:pt x="422617" y="876822"/>
+                </a:cubicBezTo>
+              </a:path>
+            </a:pathLst>
+          </a:custGeom>
+          <a:noFill/>
+          <a:ln cap="rnd">
+            <a:solidFill>
+              <a:schemeClr val="accent1"/>
+            </a:solidFill>
+            <a:round/>
+            <a:tailEnd type="stealth" w="lg" len="lg"/>
+          </a:ln>
+        </p:spPr>
+        <p:style>
+          <a:lnRef idx="2">
+            <a:schemeClr val="accent1">
+              <a:shade val="15000"/>
+            </a:schemeClr>
+          </a:lnRef>
+          <a:fillRef idx="1">
+            <a:schemeClr val="accent1"/>
+          </a:fillRef>
+          <a:effectRef idx="0">
+            <a:schemeClr val="accent1"/>
+          </a:effectRef>
+          <a:fontRef idx="minor">
+            <a:schemeClr val="lt1"/>
+          </a:fontRef>
+        </p:style>
+        <p:txBody>
+          <a:bodyPr rtlCol="0" anchor="ctr"/>
+          <a:lstStyle/>
+          <a:p>
+            <a:pPr algn="ctr"/>
+            <a:endParaRPr lang="de-DE"/>
+          </a:p>
+        </p:txBody>
+      </p:sp>
+      <p:cxnSp>
+        <p:nvCxnSpPr>
+          <p:cNvPr id="129" name="Gerade Verbindung mit Pfeil 128">
+            <a:extLst>
+              <a:ext uri="{FF2B5EF4-FFF2-40B4-BE49-F238E27FC236}">
+                <a16:creationId xmlns:a16="http://schemas.microsoft.com/office/drawing/2014/main" id="{EDD09EDA-BA1C-F483-0391-35781A13A50D}"/>
+              </a:ext>
+            </a:extLst>
+          </p:cNvPr>
+          <p:cNvCxnSpPr>
+            <a:cxnSpLocks/>
+          </p:cNvCxnSpPr>
+          <p:nvPr/>
+        </p:nvCxnSpPr>
+        <p:spPr>
+          <a:xfrm>
+            <a:off x="866438" y="1420994"/>
+            <a:ext cx="415330" cy="0"/>
+          </a:xfrm>
+          <a:prstGeom prst="straightConnector1">
+            <a:avLst/>
+          </a:prstGeom>
+          <a:ln cap="rnd">
+            <a:solidFill>
+              <a:schemeClr val="accent2">
+                <a:lumMod val="75000"/>
+              </a:schemeClr>
+            </a:solidFill>
+            <a:round/>
+            <a:tailEnd type="stealth" w="lg" len="lg"/>
+          </a:ln>
+        </p:spPr>
+        <p:style>
+          <a:lnRef idx="2">
+            <a:schemeClr val="accent1"/>
+          </a:lnRef>
+          <a:fillRef idx="0">
+            <a:schemeClr val="accent1"/>
+          </a:fillRef>
+          <a:effectRef idx="1">
+            <a:schemeClr val="accent1"/>
+          </a:effectRef>
+          <a:fontRef idx="minor">
+            <a:schemeClr val="tx1"/>
+          </a:fontRef>
+        </p:style>
+      </p:cxnSp>
+      <p:cxnSp>
+        <p:nvCxnSpPr>
+          <p:cNvPr id="131" name="Gerade Verbindung mit Pfeil 130">
+            <a:extLst>
+              <a:ext uri="{FF2B5EF4-FFF2-40B4-BE49-F238E27FC236}">
+                <a16:creationId xmlns:a16="http://schemas.microsoft.com/office/drawing/2014/main" id="{E8ED8D4E-BF72-01FE-4250-29958BD8AE87}"/>
+              </a:ext>
+            </a:extLst>
+          </p:cNvPr>
+          <p:cNvCxnSpPr>
+            <a:cxnSpLocks/>
+          </p:cNvCxnSpPr>
+          <p:nvPr/>
+        </p:nvCxnSpPr>
+        <p:spPr>
+          <a:xfrm flipH="1">
+            <a:off x="1627877" y="1420994"/>
+            <a:ext cx="787391" cy="0"/>
+          </a:xfrm>
+          <a:prstGeom prst="straightConnector1">
+            <a:avLst/>
+          </a:prstGeom>
+          <a:ln cap="rnd">
+            <a:solidFill>
+              <a:schemeClr val="accent2">
+                <a:lumMod val="75000"/>
+              </a:schemeClr>
+            </a:solidFill>
+            <a:round/>
+            <a:tailEnd type="stealth" w="lg" len="lg"/>
+          </a:ln>
+        </p:spPr>
+        <p:style>
+          <a:lnRef idx="2">
+            <a:schemeClr val="accent1"/>
+          </a:lnRef>
+          <a:fillRef idx="0">
+            <a:schemeClr val="accent1"/>
+          </a:fillRef>
+          <a:effectRef idx="1">
+            <a:schemeClr val="accent1"/>
+          </a:effectRef>
+          <a:fontRef idx="minor">
+            <a:schemeClr val="tx1"/>
+          </a:fontRef>
+        </p:style>
+      </p:cxnSp>
+      <p:sp>
+        <p:nvSpPr>
+          <p:cNvPr id="134" name="Textfeld 133">
+            <a:extLst>
+              <a:ext uri="{FF2B5EF4-FFF2-40B4-BE49-F238E27FC236}">
+                <a16:creationId xmlns:a16="http://schemas.microsoft.com/office/drawing/2014/main" id="{BBAB9F5C-1A2A-CE72-4D48-3579BEBFADD8}"/>
+              </a:ext>
+            </a:extLst>
+          </p:cNvPr>
+          <p:cNvSpPr txBox="1"/>
+          <p:nvPr/>
+        </p:nvSpPr>
+        <p:spPr>
+          <a:xfrm>
+            <a:off x="122057" y="1264663"/>
+            <a:ext cx="735906" cy="338554"/>
+          </a:xfrm>
+          <a:prstGeom prst="rect">
+            <a:avLst/>
+          </a:prstGeom>
+          <a:noFill/>
+        </p:spPr>
+        <p:txBody>
+          <a:bodyPr wrap="square" rtlCol="0">
+            <a:spAutoFit/>
+          </a:bodyPr>
+          <a:lstStyle/>
+          <a:p>
+            <a:pPr algn="ctr"/>
+            <a:r>
+              <a:rPr lang="de-DE" sz="1600" i="1" dirty="0">
+                <a:solidFill>
+                  <a:schemeClr val="accent2">
+                    <a:lumMod val="75000"/>
+                  </a:schemeClr>
+                </a:solidFill>
+                <a:latin typeface="CMU Serif" panose="02000603000000000000" pitchFamily="2" charset="0"/>
+                <a:ea typeface="CMU Serif" panose="02000603000000000000" pitchFamily="2" charset="0"/>
+                <a:cs typeface="CMU Serif" panose="02000603000000000000" pitchFamily="2" charset="0"/>
+              </a:rPr>
+              <a:t>C </a:t>
+            </a:r>
+            <a:r>
+              <a:rPr lang="de-DE" sz="1600" dirty="0">
+                <a:solidFill>
+                  <a:schemeClr val="accent2">
+                    <a:lumMod val="75000"/>
+                  </a:schemeClr>
+                </a:solidFill>
+                <a:latin typeface="CMU Serif" panose="02000603000000000000" pitchFamily="2" charset="0"/>
+                <a:ea typeface="CMU Serif" panose="02000603000000000000" pitchFamily="2" charset="0"/>
+                <a:cs typeface="CMU Serif" panose="02000603000000000000" pitchFamily="2" charset="0"/>
+              </a:rPr>
+              <a:t>= 0</a:t>
+            </a:r>
+          </a:p>
+        </p:txBody>
+      </p:sp>
+      <p:sp>
+        <p:nvSpPr>
+          <p:cNvPr id="135" name="Textfeld 134">
+            <a:extLst>
+              <a:ext uri="{FF2B5EF4-FFF2-40B4-BE49-F238E27FC236}">
+                <a16:creationId xmlns:a16="http://schemas.microsoft.com/office/drawing/2014/main" id="{EA48DE66-D511-9545-3756-AF20756EDFC0}"/>
+              </a:ext>
+            </a:extLst>
+          </p:cNvPr>
+          <p:cNvSpPr txBox="1"/>
+          <p:nvPr/>
+        </p:nvSpPr>
+        <p:spPr>
+          <a:xfrm>
+            <a:off x="2382052" y="1264663"/>
+            <a:ext cx="765649" cy="338554"/>
+          </a:xfrm>
+          <a:prstGeom prst="rect">
+            <a:avLst/>
+          </a:prstGeom>
+          <a:noFill/>
+        </p:spPr>
+        <p:txBody>
+          <a:bodyPr wrap="square" rtlCol="0">
+            <a:spAutoFit/>
+          </a:bodyPr>
+          <a:lstStyle/>
+          <a:p>
+            <a:pPr algn="ctr"/>
+            <a:r>
+              <a:rPr lang="de-DE" sz="1600" i="1" dirty="0">
+                <a:solidFill>
+                  <a:schemeClr val="accent2">
+                    <a:lumMod val="75000"/>
+                  </a:schemeClr>
+                </a:solidFill>
+                <a:latin typeface="CMU Serif" panose="02000603000000000000" pitchFamily="2" charset="0"/>
+                <a:ea typeface="CMU Serif" panose="02000603000000000000" pitchFamily="2" charset="0"/>
+                <a:cs typeface="CMU Serif" panose="02000603000000000000" pitchFamily="2" charset="0"/>
+              </a:rPr>
+              <a:t>C </a:t>
+            </a:r>
+            <a:r>
+              <a:rPr lang="de-DE" sz="1600" dirty="0">
+                <a:solidFill>
+                  <a:schemeClr val="accent2">
+                    <a:lumMod val="75000"/>
+                  </a:schemeClr>
+                </a:solidFill>
+                <a:latin typeface="CMU Serif" panose="02000603000000000000" pitchFamily="2" charset="0"/>
+                <a:ea typeface="CMU Serif" panose="02000603000000000000" pitchFamily="2" charset="0"/>
+                <a:cs typeface="CMU Serif" panose="02000603000000000000" pitchFamily="2" charset="0"/>
+              </a:rPr>
+              <a:t>= 0</a:t>
+            </a:r>
+          </a:p>
+        </p:txBody>
+      </p:sp>
+      <p:sp>
+        <p:nvSpPr>
+          <p:cNvPr id="142" name="Textfeld 141">
+            <a:extLst>
+              <a:ext uri="{FF2B5EF4-FFF2-40B4-BE49-F238E27FC236}">
+                <a16:creationId xmlns:a16="http://schemas.microsoft.com/office/drawing/2014/main" id="{0F1B12ED-595B-6422-8ADD-5C9A63193E47}"/>
+              </a:ext>
+            </a:extLst>
+          </p:cNvPr>
+          <p:cNvSpPr txBox="1"/>
+          <p:nvPr/>
+        </p:nvSpPr>
+        <p:spPr>
+          <a:xfrm>
+            <a:off x="852397" y="2660951"/>
+            <a:ext cx="1882421" cy="369332"/>
+          </a:xfrm>
+          <a:prstGeom prst="rect">
+            <a:avLst/>
+          </a:prstGeom>
+          <a:noFill/>
+        </p:spPr>
+        <p:txBody>
+          <a:bodyPr wrap="square" rtlCol="0">
+            <a:spAutoFit/>
+          </a:bodyPr>
+          <a:lstStyle/>
+          <a:p>
+            <a:pPr algn="ctr"/>
+            <a:r>
+              <a:rPr lang="de-DE" i="1" dirty="0">
+                <a:latin typeface="CMU Serif" panose="02000603000000000000" pitchFamily="2" charset="0"/>
+                <a:ea typeface="CMU Serif" panose="02000603000000000000" pitchFamily="2" charset="0"/>
+                <a:cs typeface="CMU Serif" panose="02000603000000000000" pitchFamily="2" charset="0"/>
+              </a:rPr>
+              <a:t>k </a:t>
+            </a:r>
+            <a:r>
+              <a:rPr lang="de-DE" dirty="0">
+                <a:latin typeface="CMU Serif" panose="02000603000000000000" pitchFamily="2" charset="0"/>
+                <a:ea typeface="CMU Serif" panose="02000603000000000000" pitchFamily="2" charset="0"/>
+                <a:cs typeface="CMU Serif" panose="02000603000000000000" pitchFamily="2" charset="0"/>
+              </a:rPr>
+              <a:t>= 0, </a:t>
+            </a:r>
+            <a:r>
+              <a:rPr lang="el-GR" i="1" dirty="0">
+                <a:latin typeface="CMU Serif Extra" panose="02000603000000000000" pitchFamily="2" charset="0"/>
+                <a:ea typeface="CMU Serif Extra" panose="02000603000000000000" pitchFamily="2" charset="0"/>
+                <a:cs typeface="CMU Serif Extra" panose="02000603000000000000" pitchFamily="2" charset="0"/>
+              </a:rPr>
+              <a:t>φ</a:t>
+            </a:r>
+            <a:r>
+              <a:rPr lang="de-DE" baseline="-25000" dirty="0">
+                <a:latin typeface="CMU Serif" panose="02000603000000000000" pitchFamily="2" charset="0"/>
+                <a:ea typeface="CMU Serif" panose="02000603000000000000" pitchFamily="2" charset="0"/>
+                <a:cs typeface="CMU Serif" panose="02000603000000000000" pitchFamily="2" charset="0"/>
+              </a:rPr>
+              <a:t>0,n</a:t>
+            </a:r>
+            <a:r>
+              <a:rPr lang="de-DE" dirty="0">
+                <a:latin typeface="CMU Serif" panose="02000603000000000000" pitchFamily="2" charset="0"/>
+                <a:ea typeface="CMU Serif" panose="02000603000000000000" pitchFamily="2" charset="0"/>
+                <a:cs typeface="CMU Serif" panose="02000603000000000000" pitchFamily="2" charset="0"/>
+              </a:rPr>
+              <a:t> = 0</a:t>
+            </a:r>
+          </a:p>
+        </p:txBody>
+      </p:sp>
+      <p:grpSp>
+        <p:nvGrpSpPr>
+          <p:cNvPr id="151" name="Gruppieren 150">
+            <a:extLst>
+              <a:ext uri="{FF2B5EF4-FFF2-40B4-BE49-F238E27FC236}">
+                <a16:creationId xmlns:a16="http://schemas.microsoft.com/office/drawing/2014/main" id="{0BF99A0C-E1FB-D5C0-C56E-8C96A7075C27}"/>
+              </a:ext>
+            </a:extLst>
+          </p:cNvPr>
+          <p:cNvGrpSpPr/>
+          <p:nvPr/>
+        </p:nvGrpSpPr>
+        <p:grpSpPr>
+          <a:xfrm>
+            <a:off x="1466944" y="391953"/>
+            <a:ext cx="1641008" cy="617699"/>
+            <a:chOff x="1110631" y="327294"/>
+            <a:chExt cx="1641008" cy="617699"/>
+          </a:xfrm>
+        </p:grpSpPr>
+        <p:sp>
+          <p:nvSpPr>
+            <p:cNvPr id="143" name="Textfeld 142">
+              <a:extLst>
+                <a:ext uri="{FF2B5EF4-FFF2-40B4-BE49-F238E27FC236}">
+                  <a16:creationId xmlns:a16="http://schemas.microsoft.com/office/drawing/2014/main" id="{98BB9CA9-BCBD-F1BA-3305-C2BD79630F0A}"/>
+                </a:ext>
+              </a:extLst>
+            </p:cNvPr>
+            <p:cNvSpPr txBox="1"/>
+            <p:nvPr/>
+          </p:nvSpPr>
+          <p:spPr>
+            <a:xfrm>
+              <a:off x="1110631" y="444945"/>
+              <a:ext cx="1496367" cy="369332"/>
+            </a:xfrm>
+            <a:prstGeom prst="rect">
+              <a:avLst/>
+            </a:prstGeom>
+            <a:noFill/>
+          </p:spPr>
+          <p:txBody>
+            <a:bodyPr wrap="square" rtlCol="0">
+              <a:spAutoFit/>
+            </a:bodyPr>
+            <a:lstStyle/>
+            <a:p>
+              <a:pPr algn="ctr"/>
+              <a:r>
+                <a:rPr lang="de-DE" i="1" dirty="0">
+                  <a:latin typeface="CMU Serif" panose="02000603000000000000" pitchFamily="2" charset="0"/>
+                  <a:ea typeface="CMU Serif" panose="02000603000000000000" pitchFamily="2" charset="0"/>
+                  <a:cs typeface="CMU Serif" panose="02000603000000000000" pitchFamily="2" charset="0"/>
+                </a:rPr>
+                <a:t>k </a:t>
+              </a:r>
+              <a:r>
+                <a:rPr lang="de-DE" dirty="0">
+                  <a:latin typeface="CMU Serif" panose="02000603000000000000" pitchFamily="2" charset="0"/>
+                  <a:ea typeface="CMU Serif" panose="02000603000000000000" pitchFamily="2" charset="0"/>
+                  <a:cs typeface="CMU Serif" panose="02000603000000000000" pitchFamily="2" charset="0"/>
+                </a:rPr>
+                <a:t>= 1, </a:t>
+              </a:r>
+              <a:r>
+                <a:rPr lang="el-GR" i="1" dirty="0">
+                  <a:latin typeface="CMU Serif Extra" panose="02000603000000000000" pitchFamily="2" charset="0"/>
+                  <a:ea typeface="CMU Serif Extra" panose="02000603000000000000" pitchFamily="2" charset="0"/>
+                  <a:cs typeface="CMU Serif Extra" panose="02000603000000000000" pitchFamily="2" charset="0"/>
+                </a:rPr>
+                <a:t>φ</a:t>
+              </a:r>
+              <a:r>
+                <a:rPr lang="de-DE" baseline="-25000" dirty="0">
+                  <a:latin typeface="CMU Serif" panose="02000603000000000000" pitchFamily="2" charset="0"/>
+                  <a:ea typeface="CMU Serif" panose="02000603000000000000" pitchFamily="2" charset="0"/>
+                  <a:cs typeface="CMU Serif" panose="02000603000000000000" pitchFamily="2" charset="0"/>
+                </a:rPr>
+                <a:t>1,n</a:t>
+              </a:r>
+              <a:r>
+                <a:rPr lang="de-DE" dirty="0">
+                  <a:latin typeface="CMU Serif" panose="02000603000000000000" pitchFamily="2" charset="0"/>
+                  <a:ea typeface="CMU Serif" panose="02000603000000000000" pitchFamily="2" charset="0"/>
+                  <a:cs typeface="CMU Serif" panose="02000603000000000000" pitchFamily="2" charset="0"/>
+                </a:rPr>
+                <a:t> =</a:t>
+              </a:r>
+            </a:p>
+          </p:txBody>
+        </p:sp>
+        <p:sp>
+          <p:nvSpPr>
+            <p:cNvPr id="144" name="Textfeld 143">
+              <a:extLst>
+                <a:ext uri="{FF2B5EF4-FFF2-40B4-BE49-F238E27FC236}">
+                  <a16:creationId xmlns:a16="http://schemas.microsoft.com/office/drawing/2014/main" id="{03E0CE5B-A924-5FF2-5236-3E085A74B926}"/>
+                </a:ext>
+              </a:extLst>
+            </p:cNvPr>
+            <p:cNvSpPr txBox="1"/>
+            <p:nvPr/>
+          </p:nvSpPr>
+          <p:spPr>
+            <a:xfrm>
+              <a:off x="2534437" y="327294"/>
+              <a:ext cx="205419" cy="369332"/>
+            </a:xfrm>
+            <a:prstGeom prst="rect">
+              <a:avLst/>
+            </a:prstGeom>
+            <a:noFill/>
+          </p:spPr>
+          <p:txBody>
+            <a:bodyPr wrap="square" rtlCol="0">
+              <a:spAutoFit/>
+            </a:bodyPr>
+            <a:lstStyle/>
+            <a:p>
+              <a:pPr algn="ctr"/>
+              <a:r>
+                <a:rPr lang="de-DE" i="1" dirty="0">
+                  <a:latin typeface="CMU Serif Extra" panose="02000603000000000000" pitchFamily="2" charset="0"/>
+                  <a:ea typeface="CMU Serif Extra" panose="02000603000000000000" pitchFamily="2" charset="0"/>
+                  <a:cs typeface="CMU Serif Extra" panose="02000603000000000000" pitchFamily="2" charset="0"/>
+                </a:rPr>
+                <a:t>π</a:t>
+              </a:r>
+            </a:p>
+          </p:txBody>
+        </p:sp>
+        <p:sp>
+          <p:nvSpPr>
+            <p:cNvPr id="145" name="Textfeld 144">
+              <a:extLst>
+                <a:ext uri="{FF2B5EF4-FFF2-40B4-BE49-F238E27FC236}">
+                  <a16:creationId xmlns:a16="http://schemas.microsoft.com/office/drawing/2014/main" id="{F2B686E0-2112-A933-24A4-59884C994244}"/>
+                </a:ext>
+              </a:extLst>
+            </p:cNvPr>
+            <p:cNvSpPr txBox="1"/>
+            <p:nvPr/>
+          </p:nvSpPr>
+          <p:spPr>
+            <a:xfrm>
+              <a:off x="2537569" y="575661"/>
+              <a:ext cx="205419" cy="369332"/>
+            </a:xfrm>
+            <a:prstGeom prst="rect">
+              <a:avLst/>
+            </a:prstGeom>
+            <a:noFill/>
+          </p:spPr>
+          <p:txBody>
+            <a:bodyPr wrap="square" rtlCol="0">
+              <a:spAutoFit/>
+            </a:bodyPr>
+            <a:lstStyle/>
+            <a:p>
+              <a:pPr algn="ctr"/>
+              <a:r>
+                <a:rPr lang="de-DE" i="1" dirty="0">
+                  <a:latin typeface="CMU Serif" panose="02000603000000000000" pitchFamily="2" charset="0"/>
+                  <a:ea typeface="CMU Serif" panose="02000603000000000000" pitchFamily="2" charset="0"/>
+                  <a:cs typeface="CMU Serif" panose="02000603000000000000" pitchFamily="2" charset="0"/>
+                </a:rPr>
+                <a:t>n</a:t>
+              </a:r>
+            </a:p>
+          </p:txBody>
+        </p:sp>
+        <p:sp>
+          <p:nvSpPr>
+            <p:cNvPr id="146" name="Textfeld 145">
+              <a:extLst>
+                <a:ext uri="{FF2B5EF4-FFF2-40B4-BE49-F238E27FC236}">
+                  <a16:creationId xmlns:a16="http://schemas.microsoft.com/office/drawing/2014/main" id="{1EBEDA95-30F9-C29D-CBDE-6AA5E52596FA}"/>
+                </a:ext>
+              </a:extLst>
+            </p:cNvPr>
+            <p:cNvSpPr txBox="1"/>
+            <p:nvPr/>
+          </p:nvSpPr>
+          <p:spPr>
+            <a:xfrm>
+              <a:off x="2546220" y="337375"/>
+              <a:ext cx="205419" cy="369332"/>
+            </a:xfrm>
+            <a:prstGeom prst="rect">
+              <a:avLst/>
+            </a:prstGeom>
+            <a:noFill/>
+          </p:spPr>
+          <p:txBody>
+            <a:bodyPr wrap="square" rtlCol="0">
+              <a:spAutoFit/>
+            </a:bodyPr>
+            <a:lstStyle/>
+            <a:p>
+              <a:pPr algn="ctr"/>
+              <a:r>
+                <a:rPr lang="de-DE" dirty="0">
+                  <a:latin typeface="CMU Serif" panose="02000603000000000000" pitchFamily="2" charset="0"/>
+                  <a:ea typeface="CMU Serif" panose="02000603000000000000" pitchFamily="2" charset="0"/>
+                  <a:cs typeface="CMU Serif" panose="02000603000000000000" pitchFamily="2" charset="0"/>
+                </a:rPr>
+                <a:t>_</a:t>
+              </a:r>
+            </a:p>
+          </p:txBody>
+        </p:sp>
+      </p:grpSp>
+      <p:cxnSp>
+        <p:nvCxnSpPr>
+          <p:cNvPr id="148" name="Gerader Verbinder 147">
+            <a:extLst>
+              <a:ext uri="{FF2B5EF4-FFF2-40B4-BE49-F238E27FC236}">
+                <a16:creationId xmlns:a16="http://schemas.microsoft.com/office/drawing/2014/main" id="{FDB225A3-50AC-282E-67C4-DADF31B4D95C}"/>
+              </a:ext>
+            </a:extLst>
+          </p:cNvPr>
+          <p:cNvCxnSpPr>
+            <a:cxnSpLocks/>
+          </p:cNvCxnSpPr>
+          <p:nvPr/>
+        </p:nvCxnSpPr>
+        <p:spPr>
+          <a:xfrm flipH="1">
+            <a:off x="1734593" y="810685"/>
+            <a:ext cx="311515" cy="279133"/>
+          </a:xfrm>
+          <a:prstGeom prst="line">
+            <a:avLst/>
+          </a:prstGeom>
+          <a:ln w="6350" cap="rnd">
+            <a:solidFill>
+              <a:schemeClr val="tx1"/>
+            </a:solidFill>
+            <a:round/>
+          </a:ln>
+        </p:spPr>
+        <p:style>
+          <a:lnRef idx="2">
+            <a:schemeClr val="accent1"/>
+          </a:lnRef>
+          <a:fillRef idx="0">
+            <a:schemeClr val="accent1"/>
+          </a:fillRef>
+          <a:effectRef idx="1">
+            <a:schemeClr val="accent1"/>
+          </a:effectRef>
+          <a:fontRef idx="minor">
+            <a:schemeClr val="tx1"/>
+          </a:fontRef>
+        </p:style>
+      </p:cxnSp>
+      <p:cxnSp>
+        <p:nvCxnSpPr>
+          <p:cNvPr id="154" name="Gerader Verbinder 153">
+            <a:extLst>
+              <a:ext uri="{FF2B5EF4-FFF2-40B4-BE49-F238E27FC236}">
+                <a16:creationId xmlns:a16="http://schemas.microsoft.com/office/drawing/2014/main" id="{043C8EDD-8FC3-E30A-3810-D39E668A897F}"/>
+              </a:ext>
+            </a:extLst>
+          </p:cNvPr>
+          <p:cNvCxnSpPr>
+            <a:cxnSpLocks/>
+          </p:cNvCxnSpPr>
+          <p:nvPr/>
+        </p:nvCxnSpPr>
+        <p:spPr>
+          <a:xfrm flipH="1">
+            <a:off x="1544267" y="2282854"/>
+            <a:ext cx="130669" cy="403979"/>
+          </a:xfrm>
+          <a:prstGeom prst="line">
+            <a:avLst/>
+          </a:prstGeom>
+          <a:ln w="6350" cap="rnd">
+            <a:solidFill>
+              <a:schemeClr val="tx1"/>
+            </a:solidFill>
+            <a:round/>
+          </a:ln>
+        </p:spPr>
+        <p:style>
+          <a:lnRef idx="2">
+            <a:schemeClr val="accent1"/>
+          </a:lnRef>
+          <a:fillRef idx="0">
+            <a:schemeClr val="accent1"/>
+          </a:fillRef>
+          <a:effectRef idx="1">
+            <a:schemeClr val="accent1"/>
+          </a:effectRef>
+          <a:fontRef idx="minor">
+            <a:schemeClr val="tx1"/>
+          </a:fontRef>
+        </p:style>
+      </p:cxnSp>
+    </p:spTree>
+    <p:extLst>
+      <p:ext uri="{BB962C8B-B14F-4D97-AF65-F5344CB8AC3E}">
+        <p14:creationId xmlns:p14="http://schemas.microsoft.com/office/powerpoint/2010/main" val="1544933527"/>
+      </p:ext>
+    </p:extLst>
+  </p:cSld>
+  <p:clrMapOvr>
+    <a:masterClrMapping/>
+  </p:clrMapOvr>
+</p:sld>
+</file>
+
 <file path=ppt/theme/theme1.xml><?xml version="1.0" encoding="utf-8"?>
 <a:theme xmlns:a="http://schemas.openxmlformats.org/drawingml/2006/main" name="Office">
   <a:themeElements>

--- a/Strömungslehre 2/images/SL2-Images.pptx
+++ b/Strömungslehre 2/images/SL2-Images.pptx
@@ -12,6 +12,9 @@
     <p:sldId id="260" r:id="rId6"/>
     <p:sldId id="261" r:id="rId7"/>
     <p:sldId id="262" r:id="rId8"/>
+    <p:sldId id="263" r:id="rId9"/>
+    <p:sldId id="264" r:id="rId10"/>
+    <p:sldId id="265" r:id="rId11"/>
   </p:sldIdLst>
   <p:sldSz cx="3600450" cy="3600450"/>
   <p:notesSz cx="6858000" cy="9144000"/>
@@ -1490,7 +1493,7 @@
           <a:p>
             <a:fld id="{6EAE28AA-0912-4DA0-8B30-7F3CA3FE6671}" type="datetimeFigureOut">
               <a:rPr lang="de-DE" smtClean="0"/>
-              <a:t>23.11.2025</a:t>
+              <a:t>30.11.2025</a:t>
             </a:fld>
             <a:endParaRPr lang="de-DE"/>
           </a:p>
@@ -1660,7 +1663,7 @@
           <a:p>
             <a:fld id="{6EAE28AA-0912-4DA0-8B30-7F3CA3FE6671}" type="datetimeFigureOut">
               <a:rPr lang="de-DE" smtClean="0"/>
-              <a:t>23.11.2025</a:t>
+              <a:t>30.11.2025</a:t>
             </a:fld>
             <a:endParaRPr lang="de-DE"/>
           </a:p>
@@ -1840,7 +1843,7 @@
           <a:p>
             <a:fld id="{6EAE28AA-0912-4DA0-8B30-7F3CA3FE6671}" type="datetimeFigureOut">
               <a:rPr lang="de-DE" smtClean="0"/>
-              <a:t>23.11.2025</a:t>
+              <a:t>30.11.2025</a:t>
             </a:fld>
             <a:endParaRPr lang="de-DE"/>
           </a:p>
@@ -2010,7 +2013,7 @@
           <a:p>
             <a:fld id="{6EAE28AA-0912-4DA0-8B30-7F3CA3FE6671}" type="datetimeFigureOut">
               <a:rPr lang="de-DE" smtClean="0"/>
-              <a:t>23.11.2025</a:t>
+              <a:t>30.11.2025</a:t>
             </a:fld>
             <a:endParaRPr lang="de-DE"/>
           </a:p>
@@ -2256,7 +2259,7 @@
           <a:p>
             <a:fld id="{6EAE28AA-0912-4DA0-8B30-7F3CA3FE6671}" type="datetimeFigureOut">
               <a:rPr lang="de-DE" smtClean="0"/>
-              <a:t>23.11.2025</a:t>
+              <a:t>30.11.2025</a:t>
             </a:fld>
             <a:endParaRPr lang="de-DE"/>
           </a:p>
@@ -2488,7 +2491,7 @@
           <a:p>
             <a:fld id="{6EAE28AA-0912-4DA0-8B30-7F3CA3FE6671}" type="datetimeFigureOut">
               <a:rPr lang="de-DE" smtClean="0"/>
-              <a:t>23.11.2025</a:t>
+              <a:t>30.11.2025</a:t>
             </a:fld>
             <a:endParaRPr lang="de-DE"/>
           </a:p>
@@ -2855,7 +2858,7 @@
           <a:p>
             <a:fld id="{6EAE28AA-0912-4DA0-8B30-7F3CA3FE6671}" type="datetimeFigureOut">
               <a:rPr lang="de-DE" smtClean="0"/>
-              <a:t>23.11.2025</a:t>
+              <a:t>30.11.2025</a:t>
             </a:fld>
             <a:endParaRPr lang="de-DE"/>
           </a:p>
@@ -2973,7 +2976,7 @@
           <a:p>
             <a:fld id="{6EAE28AA-0912-4DA0-8B30-7F3CA3FE6671}" type="datetimeFigureOut">
               <a:rPr lang="de-DE" smtClean="0"/>
-              <a:t>23.11.2025</a:t>
+              <a:t>30.11.2025</a:t>
             </a:fld>
             <a:endParaRPr lang="de-DE"/>
           </a:p>
@@ -3068,7 +3071,7 @@
           <a:p>
             <a:fld id="{6EAE28AA-0912-4DA0-8B30-7F3CA3FE6671}" type="datetimeFigureOut">
               <a:rPr lang="de-DE" smtClean="0"/>
-              <a:t>23.11.2025</a:t>
+              <a:t>30.11.2025</a:t>
             </a:fld>
             <a:endParaRPr lang="de-DE"/>
           </a:p>
@@ -3345,7 +3348,7 @@
           <a:p>
             <a:fld id="{6EAE28AA-0912-4DA0-8B30-7F3CA3FE6671}" type="datetimeFigureOut">
               <a:rPr lang="de-DE" smtClean="0"/>
-              <a:t>23.11.2025</a:t>
+              <a:t>30.11.2025</a:t>
             </a:fld>
             <a:endParaRPr lang="de-DE"/>
           </a:p>
@@ -3602,7 +3605,7 @@
           <a:p>
             <a:fld id="{6EAE28AA-0912-4DA0-8B30-7F3CA3FE6671}" type="datetimeFigureOut">
               <a:rPr lang="de-DE" smtClean="0"/>
-              <a:t>23.11.2025</a:t>
+              <a:t>30.11.2025</a:t>
             </a:fld>
             <a:endParaRPr lang="de-DE"/>
           </a:p>
@@ -3815,7 +3818,7 @@
           <a:p>
             <a:fld id="{6EAE28AA-0912-4DA0-8B30-7F3CA3FE6671}" type="datetimeFigureOut">
               <a:rPr lang="de-DE" smtClean="0"/>
-              <a:t>23.11.2025</a:t>
+              <a:t>30.11.2025</a:t>
             </a:fld>
             <a:endParaRPr lang="de-DE"/>
           </a:p>
@@ -5053,6 +5056,3805 @@
     <p:extLst>
       <p:ext uri="{BB962C8B-B14F-4D97-AF65-F5344CB8AC3E}">
         <p14:creationId xmlns:p14="http://schemas.microsoft.com/office/powerpoint/2010/main" val="2559367353"/>
+      </p:ext>
+    </p:extLst>
+  </p:cSld>
+  <p:clrMapOvr>
+    <a:masterClrMapping/>
+  </p:clrMapOvr>
+</p:sld>
+</file>
+
+<file path=ppt/slides/slide10.xml><?xml version="1.0" encoding="utf-8"?>
+<p:sld xmlns:a="http://schemas.openxmlformats.org/drawingml/2006/main" xmlns:r="http://schemas.openxmlformats.org/officeDocument/2006/relationships" xmlns:p="http://schemas.openxmlformats.org/presentationml/2006/main">
+  <p:cSld>
+    <p:spTree>
+      <p:nvGrpSpPr>
+        <p:cNvPr id="1" name="">
+          <a:extLst>
+            <a:ext uri="{FF2B5EF4-FFF2-40B4-BE49-F238E27FC236}">
+              <a16:creationId xmlns:a16="http://schemas.microsoft.com/office/drawing/2014/main" id="{8CEF0438-F8AB-D161-5E76-C8543456B34C}"/>
+            </a:ext>
+          </a:extLst>
+        </p:cNvPr>
+        <p:cNvGrpSpPr/>
+        <p:nvPr/>
+      </p:nvGrpSpPr>
+      <p:grpSpPr>
+        <a:xfrm>
+          <a:off x="0" y="0"/>
+          <a:ext cx="0" cy="0"/>
+          <a:chOff x="0" y="0"/>
+          <a:chExt cx="0" cy="0"/>
+        </a:xfrm>
+      </p:grpSpPr>
+      <p:sp>
+        <p:nvSpPr>
+          <p:cNvPr id="15" name="Textfeld 14">
+            <a:extLst>
+              <a:ext uri="{FF2B5EF4-FFF2-40B4-BE49-F238E27FC236}">
+                <a16:creationId xmlns:a16="http://schemas.microsoft.com/office/drawing/2014/main" id="{B2B288DE-A894-9D40-0A23-103C24CAB0EB}"/>
+              </a:ext>
+            </a:extLst>
+          </p:cNvPr>
+          <p:cNvSpPr txBox="1"/>
+          <p:nvPr/>
+        </p:nvSpPr>
+        <p:spPr>
+          <a:xfrm>
+            <a:off x="715687" y="1058150"/>
+            <a:ext cx="1036319" cy="261610"/>
+          </a:xfrm>
+          <a:prstGeom prst="rect">
+            <a:avLst/>
+          </a:prstGeom>
+          <a:noFill/>
+        </p:spPr>
+        <p:txBody>
+          <a:bodyPr wrap="square" rtlCol="0" anchor="ctr">
+            <a:spAutoFit/>
+          </a:bodyPr>
+          <a:lstStyle/>
+          <a:p>
+            <a:pPr algn="ctr"/>
+            <a:r>
+              <a:rPr lang="de-DE" sz="1100" i="1" dirty="0">
+                <a:latin typeface="CMU Serif" panose="02000603000000000000" pitchFamily="2" charset="0"/>
+                <a:ea typeface="CMU Serif" panose="02000603000000000000" pitchFamily="2" charset="0"/>
+                <a:cs typeface="CMU Serif" panose="02000603000000000000" pitchFamily="2" charset="0"/>
+              </a:rPr>
+              <a:t>a</a:t>
+            </a:r>
+            <a:r>
+              <a:rPr lang="de-DE" sz="1100" dirty="0">
+                <a:latin typeface="CMU Serif" panose="02000603000000000000" pitchFamily="2" charset="0"/>
+                <a:ea typeface="CMU Serif" panose="02000603000000000000" pitchFamily="2" charset="0"/>
+                <a:cs typeface="CMU Serif" panose="02000603000000000000" pitchFamily="2" charset="0"/>
+              </a:rPr>
+              <a:t> = reell:</a:t>
+            </a:r>
+          </a:p>
+        </p:txBody>
+      </p:sp>
+      <p:sp>
+        <p:nvSpPr>
+          <p:cNvPr id="16" name="Textfeld 15">
+            <a:extLst>
+              <a:ext uri="{FF2B5EF4-FFF2-40B4-BE49-F238E27FC236}">
+                <a16:creationId xmlns:a16="http://schemas.microsoft.com/office/drawing/2014/main" id="{795C13D1-C0D9-38C7-F36D-8CF6E7A1B04E}"/>
+              </a:ext>
+            </a:extLst>
+          </p:cNvPr>
+          <p:cNvSpPr txBox="1"/>
+          <p:nvPr/>
+        </p:nvSpPr>
+        <p:spPr>
+          <a:xfrm>
+            <a:off x="1724991" y="1058150"/>
+            <a:ext cx="1221723" cy="261610"/>
+          </a:xfrm>
+          <a:prstGeom prst="rect">
+            <a:avLst/>
+          </a:prstGeom>
+          <a:noFill/>
+        </p:spPr>
+        <p:txBody>
+          <a:bodyPr wrap="square" rtlCol="0" anchor="ctr">
+            <a:spAutoFit/>
+          </a:bodyPr>
+          <a:lstStyle/>
+          <a:p>
+            <a:pPr algn="ctr"/>
+            <a:r>
+              <a:rPr lang="de-DE" sz="1100" i="1" dirty="0">
+                <a:latin typeface="CMU Serif" panose="02000603000000000000" pitchFamily="2" charset="0"/>
+                <a:ea typeface="CMU Serif" panose="02000603000000000000" pitchFamily="2" charset="0"/>
+                <a:cs typeface="CMU Serif" panose="02000603000000000000" pitchFamily="2" charset="0"/>
+              </a:rPr>
+              <a:t>a</a:t>
+            </a:r>
+            <a:r>
+              <a:rPr lang="de-DE" sz="1100" dirty="0">
+                <a:latin typeface="CMU Serif" panose="02000603000000000000" pitchFamily="2" charset="0"/>
+                <a:ea typeface="CMU Serif" panose="02000603000000000000" pitchFamily="2" charset="0"/>
+                <a:cs typeface="CMU Serif" panose="02000603000000000000" pitchFamily="2" charset="0"/>
+              </a:rPr>
+              <a:t> = imaginär:</a:t>
+            </a:r>
+          </a:p>
+        </p:txBody>
+      </p:sp>
+      <p:grpSp>
+        <p:nvGrpSpPr>
+          <p:cNvPr id="29" name="Gruppieren 28">
+            <a:extLst>
+              <a:ext uri="{FF2B5EF4-FFF2-40B4-BE49-F238E27FC236}">
+                <a16:creationId xmlns:a16="http://schemas.microsoft.com/office/drawing/2014/main" id="{C65CE8CE-76E9-1EF3-85D2-5CA6AB303E34}"/>
+              </a:ext>
+            </a:extLst>
+          </p:cNvPr>
+          <p:cNvGrpSpPr/>
+          <p:nvPr/>
+        </p:nvGrpSpPr>
+        <p:grpSpPr>
+          <a:xfrm>
+            <a:off x="911267" y="1347077"/>
+            <a:ext cx="947244" cy="906983"/>
+            <a:chOff x="477520" y="1298817"/>
+            <a:chExt cx="947244" cy="906983"/>
+          </a:xfrm>
+        </p:grpSpPr>
+        <p:cxnSp>
+          <p:nvCxnSpPr>
+            <p:cNvPr id="5" name="Gerade Verbindung mit Pfeil 4">
+              <a:extLst>
+                <a:ext uri="{FF2B5EF4-FFF2-40B4-BE49-F238E27FC236}">
+                  <a16:creationId xmlns:a16="http://schemas.microsoft.com/office/drawing/2014/main" id="{2443ABA1-CC2E-A42E-51A4-E7CBD2976017}"/>
+                </a:ext>
+              </a:extLst>
+            </p:cNvPr>
+            <p:cNvCxnSpPr/>
+            <p:nvPr/>
+          </p:nvCxnSpPr>
+          <p:spPr>
+            <a:xfrm>
+              <a:off x="732807" y="1959766"/>
+              <a:ext cx="551146" cy="0"/>
+            </a:xfrm>
+            <a:prstGeom prst="straightConnector1">
+              <a:avLst/>
+            </a:prstGeom>
+            <a:ln w="12700" cap="rnd">
+              <a:solidFill>
+                <a:schemeClr val="tx1"/>
+              </a:solidFill>
+              <a:round/>
+              <a:tailEnd type="stealth"/>
+            </a:ln>
+          </p:spPr>
+          <p:style>
+            <a:lnRef idx="2">
+              <a:schemeClr val="accent1"/>
+            </a:lnRef>
+            <a:fillRef idx="0">
+              <a:schemeClr val="accent1"/>
+            </a:fillRef>
+            <a:effectRef idx="1">
+              <a:schemeClr val="accent1"/>
+            </a:effectRef>
+            <a:fontRef idx="minor">
+              <a:schemeClr val="tx1"/>
+            </a:fontRef>
+          </p:style>
+        </p:cxnSp>
+        <p:cxnSp>
+          <p:nvCxnSpPr>
+            <p:cNvPr id="6" name="Gerade Verbindung mit Pfeil 5">
+              <a:extLst>
+                <a:ext uri="{FF2B5EF4-FFF2-40B4-BE49-F238E27FC236}">
+                  <a16:creationId xmlns:a16="http://schemas.microsoft.com/office/drawing/2014/main" id="{D5A3E87A-4C91-880E-DB85-347CE722AEC8}"/>
+                </a:ext>
+              </a:extLst>
+            </p:cNvPr>
+            <p:cNvCxnSpPr>
+              <a:cxnSpLocks/>
+            </p:cNvCxnSpPr>
+            <p:nvPr/>
+          </p:nvCxnSpPr>
+          <p:spPr>
+            <a:xfrm flipV="1">
+              <a:off x="732807" y="1399618"/>
+              <a:ext cx="0" cy="560148"/>
+            </a:xfrm>
+            <a:prstGeom prst="straightConnector1">
+              <a:avLst/>
+            </a:prstGeom>
+            <a:ln w="12700" cap="rnd">
+              <a:solidFill>
+                <a:schemeClr val="tx1"/>
+              </a:solidFill>
+              <a:round/>
+              <a:tailEnd type="stealth"/>
+            </a:ln>
+          </p:spPr>
+          <p:style>
+            <a:lnRef idx="2">
+              <a:schemeClr val="accent1"/>
+            </a:lnRef>
+            <a:fillRef idx="0">
+              <a:schemeClr val="accent1"/>
+            </a:fillRef>
+            <a:effectRef idx="1">
+              <a:schemeClr val="accent1"/>
+            </a:effectRef>
+            <a:fontRef idx="minor">
+              <a:schemeClr val="tx1"/>
+            </a:fontRef>
+          </p:style>
+        </p:cxnSp>
+        <p:sp>
+          <p:nvSpPr>
+            <p:cNvPr id="9" name="Textfeld 8">
+              <a:extLst>
+                <a:ext uri="{FF2B5EF4-FFF2-40B4-BE49-F238E27FC236}">
+                  <a16:creationId xmlns:a16="http://schemas.microsoft.com/office/drawing/2014/main" id="{0802E71E-1C24-68A3-D6CF-187864337C12}"/>
+                </a:ext>
+              </a:extLst>
+            </p:cNvPr>
+            <p:cNvSpPr txBox="1"/>
+            <p:nvPr/>
+          </p:nvSpPr>
+          <p:spPr>
+            <a:xfrm>
+              <a:off x="477520" y="1298817"/>
+              <a:ext cx="289560" cy="261610"/>
+            </a:xfrm>
+            <a:prstGeom prst="rect">
+              <a:avLst/>
+            </a:prstGeom>
+            <a:noFill/>
+          </p:spPr>
+          <p:txBody>
+            <a:bodyPr wrap="square" rtlCol="0" anchor="ctr">
+              <a:spAutoFit/>
+            </a:bodyPr>
+            <a:lstStyle/>
+            <a:p>
+              <a:pPr algn="ctr"/>
+              <a:r>
+                <a:rPr lang="de-DE" sz="1100" i="1" dirty="0">
+                  <a:latin typeface="CMU Serif" panose="02000603000000000000" pitchFamily="2" charset="0"/>
+                  <a:ea typeface="CMU Serif" panose="02000603000000000000" pitchFamily="2" charset="0"/>
+                  <a:cs typeface="CMU Serif" panose="02000603000000000000" pitchFamily="2" charset="0"/>
+                </a:rPr>
+                <a:t>y</a:t>
+              </a:r>
+            </a:p>
+          </p:txBody>
+        </p:sp>
+        <p:sp>
+          <p:nvSpPr>
+            <p:cNvPr id="10" name="Textfeld 9">
+              <a:extLst>
+                <a:ext uri="{FF2B5EF4-FFF2-40B4-BE49-F238E27FC236}">
+                  <a16:creationId xmlns:a16="http://schemas.microsoft.com/office/drawing/2014/main" id="{9A54EC41-9D28-2C93-F56A-B555D277BFDD}"/>
+                </a:ext>
+              </a:extLst>
+            </p:cNvPr>
+            <p:cNvSpPr txBox="1"/>
+            <p:nvPr/>
+          </p:nvSpPr>
+          <p:spPr>
+            <a:xfrm>
+              <a:off x="1135204" y="1944190"/>
+              <a:ext cx="289560" cy="261610"/>
+            </a:xfrm>
+            <a:prstGeom prst="rect">
+              <a:avLst/>
+            </a:prstGeom>
+            <a:noFill/>
+          </p:spPr>
+          <p:txBody>
+            <a:bodyPr wrap="square" rtlCol="0" anchor="ctr">
+              <a:spAutoFit/>
+            </a:bodyPr>
+            <a:lstStyle/>
+            <a:p>
+              <a:pPr algn="ctr"/>
+              <a:r>
+                <a:rPr lang="de-DE" sz="1100" i="1" dirty="0">
+                  <a:latin typeface="CMU Serif" panose="02000603000000000000" pitchFamily="2" charset="0"/>
+                  <a:ea typeface="CMU Serif" panose="02000603000000000000" pitchFamily="2" charset="0"/>
+                  <a:cs typeface="CMU Serif" panose="02000603000000000000" pitchFamily="2" charset="0"/>
+                </a:rPr>
+                <a:t>x</a:t>
+              </a:r>
+            </a:p>
+          </p:txBody>
+        </p:sp>
+      </p:grpSp>
+      <p:grpSp>
+        <p:nvGrpSpPr>
+          <p:cNvPr id="30" name="Gruppieren 29">
+            <a:extLst>
+              <a:ext uri="{FF2B5EF4-FFF2-40B4-BE49-F238E27FC236}">
+                <a16:creationId xmlns:a16="http://schemas.microsoft.com/office/drawing/2014/main" id="{61002784-7C94-5F97-0EE7-1E29C55BDDA1}"/>
+              </a:ext>
+            </a:extLst>
+          </p:cNvPr>
+          <p:cNvGrpSpPr/>
+          <p:nvPr/>
+        </p:nvGrpSpPr>
+        <p:grpSpPr>
+          <a:xfrm>
+            <a:off x="2046293" y="1347077"/>
+            <a:ext cx="958189" cy="906983"/>
+            <a:chOff x="2316497" y="1298817"/>
+            <a:chExt cx="958189" cy="906983"/>
+          </a:xfrm>
+        </p:grpSpPr>
+        <p:cxnSp>
+          <p:nvCxnSpPr>
+            <p:cNvPr id="11" name="Gerade Verbindung mit Pfeil 10">
+              <a:extLst>
+                <a:ext uri="{FF2B5EF4-FFF2-40B4-BE49-F238E27FC236}">
+                  <a16:creationId xmlns:a16="http://schemas.microsoft.com/office/drawing/2014/main" id="{22A58A51-10F0-DEA9-2F84-E665B9570EE4}"/>
+                </a:ext>
+              </a:extLst>
+            </p:cNvPr>
+            <p:cNvCxnSpPr/>
+            <p:nvPr/>
+          </p:nvCxnSpPr>
+          <p:spPr>
+            <a:xfrm>
+              <a:off x="2571784" y="1959766"/>
+              <a:ext cx="551146" cy="0"/>
+            </a:xfrm>
+            <a:prstGeom prst="straightConnector1">
+              <a:avLst/>
+            </a:prstGeom>
+            <a:ln w="12700" cap="rnd">
+              <a:solidFill>
+                <a:schemeClr val="tx1"/>
+              </a:solidFill>
+              <a:round/>
+              <a:tailEnd type="stealth"/>
+            </a:ln>
+          </p:spPr>
+          <p:style>
+            <a:lnRef idx="2">
+              <a:schemeClr val="accent1"/>
+            </a:lnRef>
+            <a:fillRef idx="0">
+              <a:schemeClr val="accent1"/>
+            </a:fillRef>
+            <a:effectRef idx="1">
+              <a:schemeClr val="accent1"/>
+            </a:effectRef>
+            <a:fontRef idx="minor">
+              <a:schemeClr val="tx1"/>
+            </a:fontRef>
+          </p:style>
+        </p:cxnSp>
+        <p:cxnSp>
+          <p:nvCxnSpPr>
+            <p:cNvPr id="12" name="Gerade Verbindung mit Pfeil 11">
+              <a:extLst>
+                <a:ext uri="{FF2B5EF4-FFF2-40B4-BE49-F238E27FC236}">
+                  <a16:creationId xmlns:a16="http://schemas.microsoft.com/office/drawing/2014/main" id="{935ADA3E-4C5B-AF5C-A966-88356B1861D6}"/>
+                </a:ext>
+              </a:extLst>
+            </p:cNvPr>
+            <p:cNvCxnSpPr>
+              <a:cxnSpLocks/>
+            </p:cNvCxnSpPr>
+            <p:nvPr/>
+          </p:nvCxnSpPr>
+          <p:spPr>
+            <a:xfrm flipV="1">
+              <a:off x="2571784" y="1399618"/>
+              <a:ext cx="0" cy="560148"/>
+            </a:xfrm>
+            <a:prstGeom prst="straightConnector1">
+              <a:avLst/>
+            </a:prstGeom>
+            <a:ln w="12700" cap="rnd">
+              <a:solidFill>
+                <a:schemeClr val="tx1"/>
+              </a:solidFill>
+              <a:round/>
+              <a:tailEnd type="stealth"/>
+            </a:ln>
+          </p:spPr>
+          <p:style>
+            <a:lnRef idx="2">
+              <a:schemeClr val="accent1"/>
+            </a:lnRef>
+            <a:fillRef idx="0">
+              <a:schemeClr val="accent1"/>
+            </a:fillRef>
+            <a:effectRef idx="1">
+              <a:schemeClr val="accent1"/>
+            </a:effectRef>
+            <a:fontRef idx="minor">
+              <a:schemeClr val="tx1"/>
+            </a:fontRef>
+          </p:style>
+        </p:cxnSp>
+        <p:sp>
+          <p:nvSpPr>
+            <p:cNvPr id="13" name="Textfeld 12">
+              <a:extLst>
+                <a:ext uri="{FF2B5EF4-FFF2-40B4-BE49-F238E27FC236}">
+                  <a16:creationId xmlns:a16="http://schemas.microsoft.com/office/drawing/2014/main" id="{682D7BD2-2BC1-DD4D-5692-464D5E3CD691}"/>
+                </a:ext>
+              </a:extLst>
+            </p:cNvPr>
+            <p:cNvSpPr txBox="1"/>
+            <p:nvPr/>
+          </p:nvSpPr>
+          <p:spPr>
+            <a:xfrm>
+              <a:off x="2316497" y="1298817"/>
+              <a:ext cx="289560" cy="261610"/>
+            </a:xfrm>
+            <a:prstGeom prst="rect">
+              <a:avLst/>
+            </a:prstGeom>
+            <a:noFill/>
+          </p:spPr>
+          <p:txBody>
+            <a:bodyPr wrap="square" rtlCol="0" anchor="ctr">
+              <a:spAutoFit/>
+            </a:bodyPr>
+            <a:lstStyle/>
+            <a:p>
+              <a:pPr algn="ctr"/>
+              <a:r>
+                <a:rPr lang="de-DE" sz="1100" i="1" dirty="0">
+                  <a:latin typeface="CMU Serif" panose="02000603000000000000" pitchFamily="2" charset="0"/>
+                  <a:ea typeface="CMU Serif" panose="02000603000000000000" pitchFamily="2" charset="0"/>
+                  <a:cs typeface="CMU Serif" panose="02000603000000000000" pitchFamily="2" charset="0"/>
+                </a:rPr>
+                <a:t>y</a:t>
+              </a:r>
+            </a:p>
+          </p:txBody>
+        </p:sp>
+        <p:sp>
+          <p:nvSpPr>
+            <p:cNvPr id="14" name="Textfeld 13">
+              <a:extLst>
+                <a:ext uri="{FF2B5EF4-FFF2-40B4-BE49-F238E27FC236}">
+                  <a16:creationId xmlns:a16="http://schemas.microsoft.com/office/drawing/2014/main" id="{2CA9F0A4-4B19-8947-51CB-9CE0D0D6455E}"/>
+                </a:ext>
+              </a:extLst>
+            </p:cNvPr>
+            <p:cNvSpPr txBox="1"/>
+            <p:nvPr/>
+          </p:nvSpPr>
+          <p:spPr>
+            <a:xfrm>
+              <a:off x="2985126" y="1944190"/>
+              <a:ext cx="289560" cy="261610"/>
+            </a:xfrm>
+            <a:prstGeom prst="rect">
+              <a:avLst/>
+            </a:prstGeom>
+            <a:noFill/>
+          </p:spPr>
+          <p:txBody>
+            <a:bodyPr wrap="square" rtlCol="0" anchor="ctr">
+              <a:spAutoFit/>
+            </a:bodyPr>
+            <a:lstStyle/>
+            <a:p>
+              <a:pPr algn="ctr"/>
+              <a:r>
+                <a:rPr lang="de-DE" sz="1100" i="1" dirty="0">
+                  <a:latin typeface="CMU Serif" panose="02000603000000000000" pitchFamily="2" charset="0"/>
+                  <a:ea typeface="CMU Serif" panose="02000603000000000000" pitchFamily="2" charset="0"/>
+                  <a:cs typeface="CMU Serif" panose="02000603000000000000" pitchFamily="2" charset="0"/>
+                </a:rPr>
+                <a:t>x</a:t>
+              </a:r>
+            </a:p>
+          </p:txBody>
+        </p:sp>
+      </p:grpSp>
+      <p:grpSp>
+        <p:nvGrpSpPr>
+          <p:cNvPr id="26" name="Gruppieren 25">
+            <a:extLst>
+              <a:ext uri="{FF2B5EF4-FFF2-40B4-BE49-F238E27FC236}">
+                <a16:creationId xmlns:a16="http://schemas.microsoft.com/office/drawing/2014/main" id="{9E8721D0-4F3C-C193-C320-88295D761BD5}"/>
+              </a:ext>
+            </a:extLst>
+          </p:cNvPr>
+          <p:cNvGrpSpPr/>
+          <p:nvPr/>
+        </p:nvGrpSpPr>
+        <p:grpSpPr>
+          <a:xfrm>
+            <a:off x="1190624" y="1556385"/>
+            <a:ext cx="436246" cy="432432"/>
+            <a:chOff x="1190624" y="1556385"/>
+            <a:chExt cx="436246" cy="432432"/>
+          </a:xfrm>
+        </p:grpSpPr>
+        <p:sp>
+          <p:nvSpPr>
+            <p:cNvPr id="21" name="Freihandform: Form 20">
+              <a:extLst>
+                <a:ext uri="{FF2B5EF4-FFF2-40B4-BE49-F238E27FC236}">
+                  <a16:creationId xmlns:a16="http://schemas.microsoft.com/office/drawing/2014/main" id="{DF4CA1C8-C9B3-9C25-6EC2-8901AB14A88C}"/>
+                </a:ext>
+              </a:extLst>
+            </p:cNvPr>
+            <p:cNvSpPr/>
+            <p:nvPr/>
+          </p:nvSpPr>
+          <p:spPr>
+            <a:xfrm>
+              <a:off x="1190625" y="1853565"/>
+              <a:ext cx="436245" cy="135252"/>
+            </a:xfrm>
+            <a:custGeom>
+              <a:avLst/>
+              <a:gdLst>
+                <a:gd name="connsiteX0" fmla="*/ 0 w 436245"/>
+                <a:gd name="connsiteY0" fmla="*/ 0 h 145568"/>
+                <a:gd name="connsiteX1" fmla="*/ 97155 w 436245"/>
+                <a:gd name="connsiteY1" fmla="*/ 123825 h 145568"/>
+                <a:gd name="connsiteX2" fmla="*/ 436245 w 436245"/>
+                <a:gd name="connsiteY2" fmla="*/ 144780 h 145568"/>
+              </a:gdLst>
+              <a:ahLst/>
+              <a:cxnLst>
+                <a:cxn ang="0">
+                  <a:pos x="connsiteX0" y="connsiteY0"/>
+                </a:cxn>
+                <a:cxn ang="0">
+                  <a:pos x="connsiteX1" y="connsiteY1"/>
+                </a:cxn>
+                <a:cxn ang="0">
+                  <a:pos x="connsiteX2" y="connsiteY2"/>
+                </a:cxn>
+              </a:cxnLst>
+              <a:rect l="l" t="t" r="r" b="b"/>
+              <a:pathLst>
+                <a:path w="436245" h="145568">
+                  <a:moveTo>
+                    <a:pt x="0" y="0"/>
+                  </a:moveTo>
+                  <a:cubicBezTo>
+                    <a:pt x="12224" y="49847"/>
+                    <a:pt x="24448" y="99695"/>
+                    <a:pt x="97155" y="123825"/>
+                  </a:cubicBezTo>
+                  <a:cubicBezTo>
+                    <a:pt x="169863" y="147955"/>
+                    <a:pt x="303054" y="146367"/>
+                    <a:pt x="436245" y="144780"/>
+                  </a:cubicBezTo>
+                </a:path>
+              </a:pathLst>
+            </a:custGeom>
+            <a:noFill/>
+            <a:ln w="6350" cap="rnd">
+              <a:solidFill>
+                <a:schemeClr val="accent1"/>
+              </a:solidFill>
+              <a:round/>
+            </a:ln>
+          </p:spPr>
+          <p:style>
+            <a:lnRef idx="2">
+              <a:schemeClr val="accent1">
+                <a:shade val="15000"/>
+              </a:schemeClr>
+            </a:lnRef>
+            <a:fillRef idx="1">
+              <a:schemeClr val="accent1"/>
+            </a:fillRef>
+            <a:effectRef idx="0">
+              <a:schemeClr val="accent1"/>
+            </a:effectRef>
+            <a:fontRef idx="minor">
+              <a:schemeClr val="lt1"/>
+            </a:fontRef>
+          </p:style>
+          <p:txBody>
+            <a:bodyPr rtlCol="0" anchor="ctr"/>
+            <a:lstStyle/>
+            <a:p>
+              <a:pPr algn="ctr"/>
+              <a:endParaRPr lang="de-DE"/>
+            </a:p>
+          </p:txBody>
+        </p:sp>
+        <p:sp>
+          <p:nvSpPr>
+            <p:cNvPr id="22" name="Freihandform: Form 21">
+              <a:extLst>
+                <a:ext uri="{FF2B5EF4-FFF2-40B4-BE49-F238E27FC236}">
+                  <a16:creationId xmlns:a16="http://schemas.microsoft.com/office/drawing/2014/main" id="{11C53AFB-37B9-79A8-5D26-509F4D0BFBF6}"/>
+                </a:ext>
+              </a:extLst>
+            </p:cNvPr>
+            <p:cNvSpPr/>
+            <p:nvPr/>
+          </p:nvSpPr>
+          <p:spPr>
+            <a:xfrm>
+              <a:off x="1190624" y="1737360"/>
+              <a:ext cx="436243" cy="234315"/>
+            </a:xfrm>
+            <a:custGeom>
+              <a:avLst/>
+              <a:gdLst>
+                <a:gd name="connsiteX0" fmla="*/ 0 w 434340"/>
+                <a:gd name="connsiteY0" fmla="*/ 0 h 234315"/>
+                <a:gd name="connsiteX1" fmla="*/ 95250 w 434340"/>
+                <a:gd name="connsiteY1" fmla="*/ 190500 h 234315"/>
+                <a:gd name="connsiteX2" fmla="*/ 434340 w 434340"/>
+                <a:gd name="connsiteY2" fmla="*/ 234315 h 234315"/>
+              </a:gdLst>
+              <a:ahLst/>
+              <a:cxnLst>
+                <a:cxn ang="0">
+                  <a:pos x="connsiteX0" y="connsiteY0"/>
+                </a:cxn>
+                <a:cxn ang="0">
+                  <a:pos x="connsiteX1" y="connsiteY1"/>
+                </a:cxn>
+                <a:cxn ang="0">
+                  <a:pos x="connsiteX2" y="connsiteY2"/>
+                </a:cxn>
+              </a:cxnLst>
+              <a:rect l="l" t="t" r="r" b="b"/>
+              <a:pathLst>
+                <a:path w="434340" h="234315">
+                  <a:moveTo>
+                    <a:pt x="0" y="0"/>
+                  </a:moveTo>
+                  <a:cubicBezTo>
+                    <a:pt x="11430" y="75724"/>
+                    <a:pt x="22860" y="151448"/>
+                    <a:pt x="95250" y="190500"/>
+                  </a:cubicBezTo>
+                  <a:cubicBezTo>
+                    <a:pt x="167640" y="229552"/>
+                    <a:pt x="300990" y="231933"/>
+                    <a:pt x="434340" y="234315"/>
+                  </a:cubicBezTo>
+                </a:path>
+              </a:pathLst>
+            </a:custGeom>
+            <a:noFill/>
+            <a:ln w="6350" cap="rnd">
+              <a:solidFill>
+                <a:schemeClr val="accent1"/>
+              </a:solidFill>
+              <a:round/>
+            </a:ln>
+          </p:spPr>
+          <p:style>
+            <a:lnRef idx="2">
+              <a:schemeClr val="accent1">
+                <a:shade val="15000"/>
+              </a:schemeClr>
+            </a:lnRef>
+            <a:fillRef idx="1">
+              <a:schemeClr val="accent1"/>
+            </a:fillRef>
+            <a:effectRef idx="0">
+              <a:schemeClr val="accent1"/>
+            </a:effectRef>
+            <a:fontRef idx="minor">
+              <a:schemeClr val="lt1"/>
+            </a:fontRef>
+          </p:style>
+          <p:txBody>
+            <a:bodyPr rtlCol="0" anchor="ctr"/>
+            <a:lstStyle/>
+            <a:p>
+              <a:pPr algn="ctr"/>
+              <a:endParaRPr lang="de-DE"/>
+            </a:p>
+          </p:txBody>
+        </p:sp>
+        <p:sp>
+          <p:nvSpPr>
+            <p:cNvPr id="23" name="Freihandform: Form 22">
+              <a:extLst>
+                <a:ext uri="{FF2B5EF4-FFF2-40B4-BE49-F238E27FC236}">
+                  <a16:creationId xmlns:a16="http://schemas.microsoft.com/office/drawing/2014/main" id="{09A401CF-2268-E195-A654-7EEA6FD2443C}"/>
+                </a:ext>
+              </a:extLst>
+            </p:cNvPr>
+            <p:cNvSpPr/>
+            <p:nvPr/>
+          </p:nvSpPr>
+          <p:spPr>
+            <a:xfrm>
+              <a:off x="1190625" y="1556385"/>
+              <a:ext cx="436235" cy="398145"/>
+            </a:xfrm>
+            <a:custGeom>
+              <a:avLst/>
+              <a:gdLst>
+                <a:gd name="connsiteX0" fmla="*/ 0 w 438150"/>
+                <a:gd name="connsiteY0" fmla="*/ 0 h 407670"/>
+                <a:gd name="connsiteX1" fmla="*/ 104775 w 438150"/>
+                <a:gd name="connsiteY1" fmla="*/ 331470 h 407670"/>
+                <a:gd name="connsiteX2" fmla="*/ 438150 w 438150"/>
+                <a:gd name="connsiteY2" fmla="*/ 407670 h 407670"/>
+              </a:gdLst>
+              <a:ahLst/>
+              <a:cxnLst>
+                <a:cxn ang="0">
+                  <a:pos x="connsiteX0" y="connsiteY0"/>
+                </a:cxn>
+                <a:cxn ang="0">
+                  <a:pos x="connsiteX1" y="connsiteY1"/>
+                </a:cxn>
+                <a:cxn ang="0">
+                  <a:pos x="connsiteX2" y="connsiteY2"/>
+                </a:cxn>
+              </a:cxnLst>
+              <a:rect l="l" t="t" r="r" b="b"/>
+              <a:pathLst>
+                <a:path w="438150" h="407670">
+                  <a:moveTo>
+                    <a:pt x="0" y="0"/>
+                  </a:moveTo>
+                  <a:cubicBezTo>
+                    <a:pt x="15875" y="131762"/>
+                    <a:pt x="31750" y="263525"/>
+                    <a:pt x="104775" y="331470"/>
+                  </a:cubicBezTo>
+                  <a:cubicBezTo>
+                    <a:pt x="177800" y="399415"/>
+                    <a:pt x="307975" y="403542"/>
+                    <a:pt x="438150" y="407670"/>
+                  </a:cubicBezTo>
+                </a:path>
+              </a:pathLst>
+            </a:custGeom>
+            <a:noFill/>
+            <a:ln w="6350" cap="rnd">
+              <a:solidFill>
+                <a:schemeClr val="accent1"/>
+              </a:solidFill>
+              <a:round/>
+            </a:ln>
+          </p:spPr>
+          <p:style>
+            <a:lnRef idx="2">
+              <a:schemeClr val="accent1">
+                <a:shade val="15000"/>
+              </a:schemeClr>
+            </a:lnRef>
+            <a:fillRef idx="1">
+              <a:schemeClr val="accent1"/>
+            </a:fillRef>
+            <a:effectRef idx="0">
+              <a:schemeClr val="accent1"/>
+            </a:effectRef>
+            <a:fontRef idx="minor">
+              <a:schemeClr val="lt1"/>
+            </a:fontRef>
+          </p:style>
+          <p:txBody>
+            <a:bodyPr rtlCol="0" anchor="ctr"/>
+            <a:lstStyle/>
+            <a:p>
+              <a:pPr algn="ctr"/>
+              <a:endParaRPr lang="de-DE"/>
+            </a:p>
+          </p:txBody>
+        </p:sp>
+        <p:sp>
+          <p:nvSpPr>
+            <p:cNvPr id="25" name="Freihandform: Form 24">
+              <a:extLst>
+                <a:ext uri="{FF2B5EF4-FFF2-40B4-BE49-F238E27FC236}">
+                  <a16:creationId xmlns:a16="http://schemas.microsoft.com/office/drawing/2014/main" id="{00B57C40-8015-5AFD-A617-322DB5BBDE1F}"/>
+                </a:ext>
+              </a:extLst>
+            </p:cNvPr>
+            <p:cNvSpPr/>
+            <p:nvPr/>
+          </p:nvSpPr>
+          <p:spPr>
+            <a:xfrm>
+              <a:off x="1323734" y="1661082"/>
+              <a:ext cx="196215" cy="152556"/>
+            </a:xfrm>
+            <a:custGeom>
+              <a:avLst/>
+              <a:gdLst>
+                <a:gd name="connsiteX0" fmla="*/ 0 w 194310"/>
+                <a:gd name="connsiteY0" fmla="*/ 0 h 203835"/>
+                <a:gd name="connsiteX1" fmla="*/ 70485 w 194310"/>
+                <a:gd name="connsiteY1" fmla="*/ 150495 h 203835"/>
+                <a:gd name="connsiteX2" fmla="*/ 194310 w 194310"/>
+                <a:gd name="connsiteY2" fmla="*/ 203835 h 203835"/>
+              </a:gdLst>
+              <a:ahLst/>
+              <a:cxnLst>
+                <a:cxn ang="0">
+                  <a:pos x="connsiteX0" y="connsiteY0"/>
+                </a:cxn>
+                <a:cxn ang="0">
+                  <a:pos x="connsiteX1" y="connsiteY1"/>
+                </a:cxn>
+                <a:cxn ang="0">
+                  <a:pos x="connsiteX2" y="connsiteY2"/>
+                </a:cxn>
+              </a:cxnLst>
+              <a:rect l="l" t="t" r="r" b="b"/>
+              <a:pathLst>
+                <a:path w="194310" h="203835">
+                  <a:moveTo>
+                    <a:pt x="0" y="0"/>
+                  </a:moveTo>
+                  <a:cubicBezTo>
+                    <a:pt x="19050" y="58261"/>
+                    <a:pt x="38100" y="116523"/>
+                    <a:pt x="70485" y="150495"/>
+                  </a:cubicBezTo>
+                  <a:cubicBezTo>
+                    <a:pt x="102870" y="184467"/>
+                    <a:pt x="128588" y="188595"/>
+                    <a:pt x="194310" y="203835"/>
+                  </a:cubicBezTo>
+                </a:path>
+              </a:pathLst>
+            </a:custGeom>
+            <a:noFill/>
+            <a:ln w="6350" cap="rnd">
+              <a:solidFill>
+                <a:schemeClr val="accent1"/>
+              </a:solidFill>
+              <a:round/>
+              <a:tailEnd type="stealth"/>
+            </a:ln>
+          </p:spPr>
+          <p:style>
+            <a:lnRef idx="2">
+              <a:schemeClr val="accent1">
+                <a:shade val="15000"/>
+              </a:schemeClr>
+            </a:lnRef>
+            <a:fillRef idx="1">
+              <a:schemeClr val="accent1"/>
+            </a:fillRef>
+            <a:effectRef idx="0">
+              <a:schemeClr val="accent1"/>
+            </a:effectRef>
+            <a:fontRef idx="minor">
+              <a:schemeClr val="lt1"/>
+            </a:fontRef>
+          </p:style>
+          <p:txBody>
+            <a:bodyPr rtlCol="0" anchor="ctr"/>
+            <a:lstStyle/>
+            <a:p>
+              <a:pPr algn="ctr"/>
+              <a:endParaRPr lang="de-DE"/>
+            </a:p>
+          </p:txBody>
+        </p:sp>
+      </p:grpSp>
+      <p:grpSp>
+        <p:nvGrpSpPr>
+          <p:cNvPr id="27" name="Gruppieren 26">
+            <a:extLst>
+              <a:ext uri="{FF2B5EF4-FFF2-40B4-BE49-F238E27FC236}">
+                <a16:creationId xmlns:a16="http://schemas.microsoft.com/office/drawing/2014/main" id="{EF960268-0272-F838-BEFB-2766B49B87B6}"/>
+              </a:ext>
+            </a:extLst>
+          </p:cNvPr>
+          <p:cNvGrpSpPr/>
+          <p:nvPr/>
+        </p:nvGrpSpPr>
+        <p:grpSpPr>
+          <a:xfrm flipV="1">
+            <a:off x="1190624" y="2030808"/>
+            <a:ext cx="436246" cy="432432"/>
+            <a:chOff x="1190624" y="1556385"/>
+            <a:chExt cx="436246" cy="432432"/>
+          </a:xfrm>
+        </p:grpSpPr>
+        <p:sp>
+          <p:nvSpPr>
+            <p:cNvPr id="28" name="Freihandform: Form 27">
+              <a:extLst>
+                <a:ext uri="{FF2B5EF4-FFF2-40B4-BE49-F238E27FC236}">
+                  <a16:creationId xmlns:a16="http://schemas.microsoft.com/office/drawing/2014/main" id="{425AE79D-E8CA-DC9E-BDCE-756CE1C94ED7}"/>
+                </a:ext>
+              </a:extLst>
+            </p:cNvPr>
+            <p:cNvSpPr/>
+            <p:nvPr/>
+          </p:nvSpPr>
+          <p:spPr>
+            <a:xfrm>
+              <a:off x="1190625" y="1853565"/>
+              <a:ext cx="436245" cy="135252"/>
+            </a:xfrm>
+            <a:custGeom>
+              <a:avLst/>
+              <a:gdLst>
+                <a:gd name="connsiteX0" fmla="*/ 0 w 436245"/>
+                <a:gd name="connsiteY0" fmla="*/ 0 h 145568"/>
+                <a:gd name="connsiteX1" fmla="*/ 97155 w 436245"/>
+                <a:gd name="connsiteY1" fmla="*/ 123825 h 145568"/>
+                <a:gd name="connsiteX2" fmla="*/ 436245 w 436245"/>
+                <a:gd name="connsiteY2" fmla="*/ 144780 h 145568"/>
+              </a:gdLst>
+              <a:ahLst/>
+              <a:cxnLst>
+                <a:cxn ang="0">
+                  <a:pos x="connsiteX0" y="connsiteY0"/>
+                </a:cxn>
+                <a:cxn ang="0">
+                  <a:pos x="connsiteX1" y="connsiteY1"/>
+                </a:cxn>
+                <a:cxn ang="0">
+                  <a:pos x="connsiteX2" y="connsiteY2"/>
+                </a:cxn>
+              </a:cxnLst>
+              <a:rect l="l" t="t" r="r" b="b"/>
+              <a:pathLst>
+                <a:path w="436245" h="145568">
+                  <a:moveTo>
+                    <a:pt x="0" y="0"/>
+                  </a:moveTo>
+                  <a:cubicBezTo>
+                    <a:pt x="12224" y="49847"/>
+                    <a:pt x="24448" y="99695"/>
+                    <a:pt x="97155" y="123825"/>
+                  </a:cubicBezTo>
+                  <a:cubicBezTo>
+                    <a:pt x="169863" y="147955"/>
+                    <a:pt x="303054" y="146367"/>
+                    <a:pt x="436245" y="144780"/>
+                  </a:cubicBezTo>
+                </a:path>
+              </a:pathLst>
+            </a:custGeom>
+            <a:noFill/>
+            <a:ln w="6350" cap="rnd">
+              <a:solidFill>
+                <a:schemeClr val="accent1"/>
+              </a:solidFill>
+              <a:round/>
+            </a:ln>
+          </p:spPr>
+          <p:style>
+            <a:lnRef idx="2">
+              <a:schemeClr val="accent1">
+                <a:shade val="15000"/>
+              </a:schemeClr>
+            </a:lnRef>
+            <a:fillRef idx="1">
+              <a:schemeClr val="accent1"/>
+            </a:fillRef>
+            <a:effectRef idx="0">
+              <a:schemeClr val="accent1"/>
+            </a:effectRef>
+            <a:fontRef idx="minor">
+              <a:schemeClr val="lt1"/>
+            </a:fontRef>
+          </p:style>
+          <p:txBody>
+            <a:bodyPr rtlCol="0" anchor="ctr"/>
+            <a:lstStyle/>
+            <a:p>
+              <a:pPr algn="ctr"/>
+              <a:endParaRPr lang="de-DE"/>
+            </a:p>
+          </p:txBody>
+        </p:sp>
+        <p:sp>
+          <p:nvSpPr>
+            <p:cNvPr id="37" name="Freihandform: Form 36">
+              <a:extLst>
+                <a:ext uri="{FF2B5EF4-FFF2-40B4-BE49-F238E27FC236}">
+                  <a16:creationId xmlns:a16="http://schemas.microsoft.com/office/drawing/2014/main" id="{60715F13-5C4B-361A-D124-21CBDD3C9613}"/>
+                </a:ext>
+              </a:extLst>
+            </p:cNvPr>
+            <p:cNvSpPr/>
+            <p:nvPr/>
+          </p:nvSpPr>
+          <p:spPr>
+            <a:xfrm>
+              <a:off x="1190624" y="1737360"/>
+              <a:ext cx="436243" cy="234315"/>
+            </a:xfrm>
+            <a:custGeom>
+              <a:avLst/>
+              <a:gdLst>
+                <a:gd name="connsiteX0" fmla="*/ 0 w 434340"/>
+                <a:gd name="connsiteY0" fmla="*/ 0 h 234315"/>
+                <a:gd name="connsiteX1" fmla="*/ 95250 w 434340"/>
+                <a:gd name="connsiteY1" fmla="*/ 190500 h 234315"/>
+                <a:gd name="connsiteX2" fmla="*/ 434340 w 434340"/>
+                <a:gd name="connsiteY2" fmla="*/ 234315 h 234315"/>
+              </a:gdLst>
+              <a:ahLst/>
+              <a:cxnLst>
+                <a:cxn ang="0">
+                  <a:pos x="connsiteX0" y="connsiteY0"/>
+                </a:cxn>
+                <a:cxn ang="0">
+                  <a:pos x="connsiteX1" y="connsiteY1"/>
+                </a:cxn>
+                <a:cxn ang="0">
+                  <a:pos x="connsiteX2" y="connsiteY2"/>
+                </a:cxn>
+              </a:cxnLst>
+              <a:rect l="l" t="t" r="r" b="b"/>
+              <a:pathLst>
+                <a:path w="434340" h="234315">
+                  <a:moveTo>
+                    <a:pt x="0" y="0"/>
+                  </a:moveTo>
+                  <a:cubicBezTo>
+                    <a:pt x="11430" y="75724"/>
+                    <a:pt x="22860" y="151448"/>
+                    <a:pt x="95250" y="190500"/>
+                  </a:cubicBezTo>
+                  <a:cubicBezTo>
+                    <a:pt x="167640" y="229552"/>
+                    <a:pt x="300990" y="231933"/>
+                    <a:pt x="434340" y="234315"/>
+                  </a:cubicBezTo>
+                </a:path>
+              </a:pathLst>
+            </a:custGeom>
+            <a:noFill/>
+            <a:ln w="6350" cap="rnd">
+              <a:solidFill>
+                <a:schemeClr val="accent1"/>
+              </a:solidFill>
+              <a:round/>
+            </a:ln>
+          </p:spPr>
+          <p:style>
+            <a:lnRef idx="2">
+              <a:schemeClr val="accent1">
+                <a:shade val="15000"/>
+              </a:schemeClr>
+            </a:lnRef>
+            <a:fillRef idx="1">
+              <a:schemeClr val="accent1"/>
+            </a:fillRef>
+            <a:effectRef idx="0">
+              <a:schemeClr val="accent1"/>
+            </a:effectRef>
+            <a:fontRef idx="minor">
+              <a:schemeClr val="lt1"/>
+            </a:fontRef>
+          </p:style>
+          <p:txBody>
+            <a:bodyPr rtlCol="0" anchor="ctr"/>
+            <a:lstStyle/>
+            <a:p>
+              <a:pPr algn="ctr"/>
+              <a:endParaRPr lang="de-DE"/>
+            </a:p>
+          </p:txBody>
+        </p:sp>
+        <p:sp>
+          <p:nvSpPr>
+            <p:cNvPr id="38" name="Freihandform: Form 37">
+              <a:extLst>
+                <a:ext uri="{FF2B5EF4-FFF2-40B4-BE49-F238E27FC236}">
+                  <a16:creationId xmlns:a16="http://schemas.microsoft.com/office/drawing/2014/main" id="{310A84D2-02ED-BD7C-9675-712BE5C8C09B}"/>
+                </a:ext>
+              </a:extLst>
+            </p:cNvPr>
+            <p:cNvSpPr/>
+            <p:nvPr/>
+          </p:nvSpPr>
+          <p:spPr>
+            <a:xfrm>
+              <a:off x="1190625" y="1556385"/>
+              <a:ext cx="436235" cy="398145"/>
+            </a:xfrm>
+            <a:custGeom>
+              <a:avLst/>
+              <a:gdLst>
+                <a:gd name="connsiteX0" fmla="*/ 0 w 438150"/>
+                <a:gd name="connsiteY0" fmla="*/ 0 h 407670"/>
+                <a:gd name="connsiteX1" fmla="*/ 104775 w 438150"/>
+                <a:gd name="connsiteY1" fmla="*/ 331470 h 407670"/>
+                <a:gd name="connsiteX2" fmla="*/ 438150 w 438150"/>
+                <a:gd name="connsiteY2" fmla="*/ 407670 h 407670"/>
+              </a:gdLst>
+              <a:ahLst/>
+              <a:cxnLst>
+                <a:cxn ang="0">
+                  <a:pos x="connsiteX0" y="connsiteY0"/>
+                </a:cxn>
+                <a:cxn ang="0">
+                  <a:pos x="connsiteX1" y="connsiteY1"/>
+                </a:cxn>
+                <a:cxn ang="0">
+                  <a:pos x="connsiteX2" y="connsiteY2"/>
+                </a:cxn>
+              </a:cxnLst>
+              <a:rect l="l" t="t" r="r" b="b"/>
+              <a:pathLst>
+                <a:path w="438150" h="407670">
+                  <a:moveTo>
+                    <a:pt x="0" y="0"/>
+                  </a:moveTo>
+                  <a:cubicBezTo>
+                    <a:pt x="15875" y="131762"/>
+                    <a:pt x="31750" y="263525"/>
+                    <a:pt x="104775" y="331470"/>
+                  </a:cubicBezTo>
+                  <a:cubicBezTo>
+                    <a:pt x="177800" y="399415"/>
+                    <a:pt x="307975" y="403542"/>
+                    <a:pt x="438150" y="407670"/>
+                  </a:cubicBezTo>
+                </a:path>
+              </a:pathLst>
+            </a:custGeom>
+            <a:noFill/>
+            <a:ln w="6350" cap="rnd">
+              <a:solidFill>
+                <a:schemeClr val="accent1"/>
+              </a:solidFill>
+              <a:round/>
+            </a:ln>
+          </p:spPr>
+          <p:style>
+            <a:lnRef idx="2">
+              <a:schemeClr val="accent1">
+                <a:shade val="15000"/>
+              </a:schemeClr>
+            </a:lnRef>
+            <a:fillRef idx="1">
+              <a:schemeClr val="accent1"/>
+            </a:fillRef>
+            <a:effectRef idx="0">
+              <a:schemeClr val="accent1"/>
+            </a:effectRef>
+            <a:fontRef idx="minor">
+              <a:schemeClr val="lt1"/>
+            </a:fontRef>
+          </p:style>
+          <p:txBody>
+            <a:bodyPr rtlCol="0" anchor="ctr"/>
+            <a:lstStyle/>
+            <a:p>
+              <a:pPr algn="ctr"/>
+              <a:endParaRPr lang="de-DE"/>
+            </a:p>
+          </p:txBody>
+        </p:sp>
+        <p:sp>
+          <p:nvSpPr>
+            <p:cNvPr id="41" name="Freihandform: Form 40">
+              <a:extLst>
+                <a:ext uri="{FF2B5EF4-FFF2-40B4-BE49-F238E27FC236}">
+                  <a16:creationId xmlns:a16="http://schemas.microsoft.com/office/drawing/2014/main" id="{3ABE293C-5804-9516-CAF6-41F6F76A96C2}"/>
+                </a:ext>
+              </a:extLst>
+            </p:cNvPr>
+            <p:cNvSpPr/>
+            <p:nvPr/>
+          </p:nvSpPr>
+          <p:spPr>
+            <a:xfrm>
+              <a:off x="1323734" y="1661082"/>
+              <a:ext cx="196215" cy="152556"/>
+            </a:xfrm>
+            <a:custGeom>
+              <a:avLst/>
+              <a:gdLst>
+                <a:gd name="connsiteX0" fmla="*/ 0 w 194310"/>
+                <a:gd name="connsiteY0" fmla="*/ 0 h 203835"/>
+                <a:gd name="connsiteX1" fmla="*/ 70485 w 194310"/>
+                <a:gd name="connsiteY1" fmla="*/ 150495 h 203835"/>
+                <a:gd name="connsiteX2" fmla="*/ 194310 w 194310"/>
+                <a:gd name="connsiteY2" fmla="*/ 203835 h 203835"/>
+              </a:gdLst>
+              <a:ahLst/>
+              <a:cxnLst>
+                <a:cxn ang="0">
+                  <a:pos x="connsiteX0" y="connsiteY0"/>
+                </a:cxn>
+                <a:cxn ang="0">
+                  <a:pos x="connsiteX1" y="connsiteY1"/>
+                </a:cxn>
+                <a:cxn ang="0">
+                  <a:pos x="connsiteX2" y="connsiteY2"/>
+                </a:cxn>
+              </a:cxnLst>
+              <a:rect l="l" t="t" r="r" b="b"/>
+              <a:pathLst>
+                <a:path w="194310" h="203835">
+                  <a:moveTo>
+                    <a:pt x="0" y="0"/>
+                  </a:moveTo>
+                  <a:cubicBezTo>
+                    <a:pt x="19050" y="58261"/>
+                    <a:pt x="38100" y="116523"/>
+                    <a:pt x="70485" y="150495"/>
+                  </a:cubicBezTo>
+                  <a:cubicBezTo>
+                    <a:pt x="102870" y="184467"/>
+                    <a:pt x="128588" y="188595"/>
+                    <a:pt x="194310" y="203835"/>
+                  </a:cubicBezTo>
+                </a:path>
+              </a:pathLst>
+            </a:custGeom>
+            <a:noFill/>
+            <a:ln w="6350" cap="rnd">
+              <a:solidFill>
+                <a:schemeClr val="accent1"/>
+              </a:solidFill>
+              <a:round/>
+              <a:tailEnd type="stealth"/>
+            </a:ln>
+          </p:spPr>
+          <p:style>
+            <a:lnRef idx="2">
+              <a:schemeClr val="accent1">
+                <a:shade val="15000"/>
+              </a:schemeClr>
+            </a:lnRef>
+            <a:fillRef idx="1">
+              <a:schemeClr val="accent1"/>
+            </a:fillRef>
+            <a:effectRef idx="0">
+              <a:schemeClr val="accent1"/>
+            </a:effectRef>
+            <a:fontRef idx="minor">
+              <a:schemeClr val="lt1"/>
+            </a:fontRef>
+          </p:style>
+          <p:txBody>
+            <a:bodyPr rtlCol="0" anchor="ctr"/>
+            <a:lstStyle/>
+            <a:p>
+              <a:pPr algn="ctr"/>
+              <a:endParaRPr lang="de-DE"/>
+            </a:p>
+          </p:txBody>
+        </p:sp>
+      </p:grpSp>
+      <p:grpSp>
+        <p:nvGrpSpPr>
+          <p:cNvPr id="42" name="Gruppieren 41">
+            <a:extLst>
+              <a:ext uri="{FF2B5EF4-FFF2-40B4-BE49-F238E27FC236}">
+                <a16:creationId xmlns:a16="http://schemas.microsoft.com/office/drawing/2014/main" id="{78D42DD0-BDA4-6A71-E3FD-F7326E01B683}"/>
+              </a:ext>
+            </a:extLst>
+          </p:cNvPr>
+          <p:cNvGrpSpPr/>
+          <p:nvPr/>
+        </p:nvGrpSpPr>
+        <p:grpSpPr>
+          <a:xfrm flipH="1">
+            <a:off x="702595" y="1556385"/>
+            <a:ext cx="436246" cy="432432"/>
+            <a:chOff x="1190624" y="1556385"/>
+            <a:chExt cx="436246" cy="432432"/>
+          </a:xfrm>
+        </p:grpSpPr>
+        <p:sp>
+          <p:nvSpPr>
+            <p:cNvPr id="43" name="Freihandform: Form 42">
+              <a:extLst>
+                <a:ext uri="{FF2B5EF4-FFF2-40B4-BE49-F238E27FC236}">
+                  <a16:creationId xmlns:a16="http://schemas.microsoft.com/office/drawing/2014/main" id="{4F35EA65-0A24-E733-C106-4234448CB219}"/>
+                </a:ext>
+              </a:extLst>
+            </p:cNvPr>
+            <p:cNvSpPr/>
+            <p:nvPr/>
+          </p:nvSpPr>
+          <p:spPr>
+            <a:xfrm>
+              <a:off x="1190625" y="1853565"/>
+              <a:ext cx="436245" cy="135252"/>
+            </a:xfrm>
+            <a:custGeom>
+              <a:avLst/>
+              <a:gdLst>
+                <a:gd name="connsiteX0" fmla="*/ 0 w 436245"/>
+                <a:gd name="connsiteY0" fmla="*/ 0 h 145568"/>
+                <a:gd name="connsiteX1" fmla="*/ 97155 w 436245"/>
+                <a:gd name="connsiteY1" fmla="*/ 123825 h 145568"/>
+                <a:gd name="connsiteX2" fmla="*/ 436245 w 436245"/>
+                <a:gd name="connsiteY2" fmla="*/ 144780 h 145568"/>
+              </a:gdLst>
+              <a:ahLst/>
+              <a:cxnLst>
+                <a:cxn ang="0">
+                  <a:pos x="connsiteX0" y="connsiteY0"/>
+                </a:cxn>
+                <a:cxn ang="0">
+                  <a:pos x="connsiteX1" y="connsiteY1"/>
+                </a:cxn>
+                <a:cxn ang="0">
+                  <a:pos x="connsiteX2" y="connsiteY2"/>
+                </a:cxn>
+              </a:cxnLst>
+              <a:rect l="l" t="t" r="r" b="b"/>
+              <a:pathLst>
+                <a:path w="436245" h="145568">
+                  <a:moveTo>
+                    <a:pt x="0" y="0"/>
+                  </a:moveTo>
+                  <a:cubicBezTo>
+                    <a:pt x="12224" y="49847"/>
+                    <a:pt x="24448" y="99695"/>
+                    <a:pt x="97155" y="123825"/>
+                  </a:cubicBezTo>
+                  <a:cubicBezTo>
+                    <a:pt x="169863" y="147955"/>
+                    <a:pt x="303054" y="146367"/>
+                    <a:pt x="436245" y="144780"/>
+                  </a:cubicBezTo>
+                </a:path>
+              </a:pathLst>
+            </a:custGeom>
+            <a:noFill/>
+            <a:ln w="6350" cap="rnd">
+              <a:solidFill>
+                <a:schemeClr val="accent1"/>
+              </a:solidFill>
+              <a:round/>
+            </a:ln>
+          </p:spPr>
+          <p:style>
+            <a:lnRef idx="2">
+              <a:schemeClr val="accent1">
+                <a:shade val="15000"/>
+              </a:schemeClr>
+            </a:lnRef>
+            <a:fillRef idx="1">
+              <a:schemeClr val="accent1"/>
+            </a:fillRef>
+            <a:effectRef idx="0">
+              <a:schemeClr val="accent1"/>
+            </a:effectRef>
+            <a:fontRef idx="minor">
+              <a:schemeClr val="lt1"/>
+            </a:fontRef>
+          </p:style>
+          <p:txBody>
+            <a:bodyPr rtlCol="0" anchor="ctr"/>
+            <a:lstStyle/>
+            <a:p>
+              <a:pPr algn="ctr"/>
+              <a:endParaRPr lang="de-DE"/>
+            </a:p>
+          </p:txBody>
+        </p:sp>
+        <p:sp>
+          <p:nvSpPr>
+            <p:cNvPr id="44" name="Freihandform: Form 43">
+              <a:extLst>
+                <a:ext uri="{FF2B5EF4-FFF2-40B4-BE49-F238E27FC236}">
+                  <a16:creationId xmlns:a16="http://schemas.microsoft.com/office/drawing/2014/main" id="{389F81AD-5184-896F-2BCE-09EA146EF84F}"/>
+                </a:ext>
+              </a:extLst>
+            </p:cNvPr>
+            <p:cNvSpPr/>
+            <p:nvPr/>
+          </p:nvSpPr>
+          <p:spPr>
+            <a:xfrm>
+              <a:off x="1190624" y="1737360"/>
+              <a:ext cx="436243" cy="234315"/>
+            </a:xfrm>
+            <a:custGeom>
+              <a:avLst/>
+              <a:gdLst>
+                <a:gd name="connsiteX0" fmla="*/ 0 w 434340"/>
+                <a:gd name="connsiteY0" fmla="*/ 0 h 234315"/>
+                <a:gd name="connsiteX1" fmla="*/ 95250 w 434340"/>
+                <a:gd name="connsiteY1" fmla="*/ 190500 h 234315"/>
+                <a:gd name="connsiteX2" fmla="*/ 434340 w 434340"/>
+                <a:gd name="connsiteY2" fmla="*/ 234315 h 234315"/>
+              </a:gdLst>
+              <a:ahLst/>
+              <a:cxnLst>
+                <a:cxn ang="0">
+                  <a:pos x="connsiteX0" y="connsiteY0"/>
+                </a:cxn>
+                <a:cxn ang="0">
+                  <a:pos x="connsiteX1" y="connsiteY1"/>
+                </a:cxn>
+                <a:cxn ang="0">
+                  <a:pos x="connsiteX2" y="connsiteY2"/>
+                </a:cxn>
+              </a:cxnLst>
+              <a:rect l="l" t="t" r="r" b="b"/>
+              <a:pathLst>
+                <a:path w="434340" h="234315">
+                  <a:moveTo>
+                    <a:pt x="0" y="0"/>
+                  </a:moveTo>
+                  <a:cubicBezTo>
+                    <a:pt x="11430" y="75724"/>
+                    <a:pt x="22860" y="151448"/>
+                    <a:pt x="95250" y="190500"/>
+                  </a:cubicBezTo>
+                  <a:cubicBezTo>
+                    <a:pt x="167640" y="229552"/>
+                    <a:pt x="300990" y="231933"/>
+                    <a:pt x="434340" y="234315"/>
+                  </a:cubicBezTo>
+                </a:path>
+              </a:pathLst>
+            </a:custGeom>
+            <a:noFill/>
+            <a:ln w="6350" cap="rnd">
+              <a:solidFill>
+                <a:schemeClr val="accent1"/>
+              </a:solidFill>
+              <a:round/>
+            </a:ln>
+          </p:spPr>
+          <p:style>
+            <a:lnRef idx="2">
+              <a:schemeClr val="accent1">
+                <a:shade val="15000"/>
+              </a:schemeClr>
+            </a:lnRef>
+            <a:fillRef idx="1">
+              <a:schemeClr val="accent1"/>
+            </a:fillRef>
+            <a:effectRef idx="0">
+              <a:schemeClr val="accent1"/>
+            </a:effectRef>
+            <a:fontRef idx="minor">
+              <a:schemeClr val="lt1"/>
+            </a:fontRef>
+          </p:style>
+          <p:txBody>
+            <a:bodyPr rtlCol="0" anchor="ctr"/>
+            <a:lstStyle/>
+            <a:p>
+              <a:pPr algn="ctr"/>
+              <a:endParaRPr lang="de-DE"/>
+            </a:p>
+          </p:txBody>
+        </p:sp>
+        <p:sp>
+          <p:nvSpPr>
+            <p:cNvPr id="45" name="Freihandform: Form 44">
+              <a:extLst>
+                <a:ext uri="{FF2B5EF4-FFF2-40B4-BE49-F238E27FC236}">
+                  <a16:creationId xmlns:a16="http://schemas.microsoft.com/office/drawing/2014/main" id="{9658E657-7686-AFB2-BCCD-D77510B1E069}"/>
+                </a:ext>
+              </a:extLst>
+            </p:cNvPr>
+            <p:cNvSpPr/>
+            <p:nvPr/>
+          </p:nvSpPr>
+          <p:spPr>
+            <a:xfrm>
+              <a:off x="1190625" y="1556385"/>
+              <a:ext cx="436235" cy="398145"/>
+            </a:xfrm>
+            <a:custGeom>
+              <a:avLst/>
+              <a:gdLst>
+                <a:gd name="connsiteX0" fmla="*/ 0 w 438150"/>
+                <a:gd name="connsiteY0" fmla="*/ 0 h 407670"/>
+                <a:gd name="connsiteX1" fmla="*/ 104775 w 438150"/>
+                <a:gd name="connsiteY1" fmla="*/ 331470 h 407670"/>
+                <a:gd name="connsiteX2" fmla="*/ 438150 w 438150"/>
+                <a:gd name="connsiteY2" fmla="*/ 407670 h 407670"/>
+              </a:gdLst>
+              <a:ahLst/>
+              <a:cxnLst>
+                <a:cxn ang="0">
+                  <a:pos x="connsiteX0" y="connsiteY0"/>
+                </a:cxn>
+                <a:cxn ang="0">
+                  <a:pos x="connsiteX1" y="connsiteY1"/>
+                </a:cxn>
+                <a:cxn ang="0">
+                  <a:pos x="connsiteX2" y="connsiteY2"/>
+                </a:cxn>
+              </a:cxnLst>
+              <a:rect l="l" t="t" r="r" b="b"/>
+              <a:pathLst>
+                <a:path w="438150" h="407670">
+                  <a:moveTo>
+                    <a:pt x="0" y="0"/>
+                  </a:moveTo>
+                  <a:cubicBezTo>
+                    <a:pt x="15875" y="131762"/>
+                    <a:pt x="31750" y="263525"/>
+                    <a:pt x="104775" y="331470"/>
+                  </a:cubicBezTo>
+                  <a:cubicBezTo>
+                    <a:pt x="177800" y="399415"/>
+                    <a:pt x="307975" y="403542"/>
+                    <a:pt x="438150" y="407670"/>
+                  </a:cubicBezTo>
+                </a:path>
+              </a:pathLst>
+            </a:custGeom>
+            <a:noFill/>
+            <a:ln w="6350" cap="rnd">
+              <a:solidFill>
+                <a:schemeClr val="accent1"/>
+              </a:solidFill>
+              <a:round/>
+            </a:ln>
+          </p:spPr>
+          <p:style>
+            <a:lnRef idx="2">
+              <a:schemeClr val="accent1">
+                <a:shade val="15000"/>
+              </a:schemeClr>
+            </a:lnRef>
+            <a:fillRef idx="1">
+              <a:schemeClr val="accent1"/>
+            </a:fillRef>
+            <a:effectRef idx="0">
+              <a:schemeClr val="accent1"/>
+            </a:effectRef>
+            <a:fontRef idx="minor">
+              <a:schemeClr val="lt1"/>
+            </a:fontRef>
+          </p:style>
+          <p:txBody>
+            <a:bodyPr rtlCol="0" anchor="ctr"/>
+            <a:lstStyle/>
+            <a:p>
+              <a:pPr algn="ctr"/>
+              <a:endParaRPr lang="de-DE"/>
+            </a:p>
+          </p:txBody>
+        </p:sp>
+        <p:sp>
+          <p:nvSpPr>
+            <p:cNvPr id="46" name="Freihandform: Form 45">
+              <a:extLst>
+                <a:ext uri="{FF2B5EF4-FFF2-40B4-BE49-F238E27FC236}">
+                  <a16:creationId xmlns:a16="http://schemas.microsoft.com/office/drawing/2014/main" id="{0E8F58AC-6B35-94CB-DC57-8D29099FF070}"/>
+                </a:ext>
+              </a:extLst>
+            </p:cNvPr>
+            <p:cNvSpPr/>
+            <p:nvPr/>
+          </p:nvSpPr>
+          <p:spPr>
+            <a:xfrm>
+              <a:off x="1323734" y="1661082"/>
+              <a:ext cx="196215" cy="152556"/>
+            </a:xfrm>
+            <a:custGeom>
+              <a:avLst/>
+              <a:gdLst>
+                <a:gd name="connsiteX0" fmla="*/ 0 w 194310"/>
+                <a:gd name="connsiteY0" fmla="*/ 0 h 203835"/>
+                <a:gd name="connsiteX1" fmla="*/ 70485 w 194310"/>
+                <a:gd name="connsiteY1" fmla="*/ 150495 h 203835"/>
+                <a:gd name="connsiteX2" fmla="*/ 194310 w 194310"/>
+                <a:gd name="connsiteY2" fmla="*/ 203835 h 203835"/>
+              </a:gdLst>
+              <a:ahLst/>
+              <a:cxnLst>
+                <a:cxn ang="0">
+                  <a:pos x="connsiteX0" y="connsiteY0"/>
+                </a:cxn>
+                <a:cxn ang="0">
+                  <a:pos x="connsiteX1" y="connsiteY1"/>
+                </a:cxn>
+                <a:cxn ang="0">
+                  <a:pos x="connsiteX2" y="connsiteY2"/>
+                </a:cxn>
+              </a:cxnLst>
+              <a:rect l="l" t="t" r="r" b="b"/>
+              <a:pathLst>
+                <a:path w="194310" h="203835">
+                  <a:moveTo>
+                    <a:pt x="0" y="0"/>
+                  </a:moveTo>
+                  <a:cubicBezTo>
+                    <a:pt x="19050" y="58261"/>
+                    <a:pt x="38100" y="116523"/>
+                    <a:pt x="70485" y="150495"/>
+                  </a:cubicBezTo>
+                  <a:cubicBezTo>
+                    <a:pt x="102870" y="184467"/>
+                    <a:pt x="128588" y="188595"/>
+                    <a:pt x="194310" y="203835"/>
+                  </a:cubicBezTo>
+                </a:path>
+              </a:pathLst>
+            </a:custGeom>
+            <a:noFill/>
+            <a:ln w="6350" cap="rnd">
+              <a:solidFill>
+                <a:schemeClr val="accent1"/>
+              </a:solidFill>
+              <a:round/>
+              <a:tailEnd type="stealth"/>
+            </a:ln>
+          </p:spPr>
+          <p:style>
+            <a:lnRef idx="2">
+              <a:schemeClr val="accent1">
+                <a:shade val="15000"/>
+              </a:schemeClr>
+            </a:lnRef>
+            <a:fillRef idx="1">
+              <a:schemeClr val="accent1"/>
+            </a:fillRef>
+            <a:effectRef idx="0">
+              <a:schemeClr val="accent1"/>
+            </a:effectRef>
+            <a:fontRef idx="minor">
+              <a:schemeClr val="lt1"/>
+            </a:fontRef>
+          </p:style>
+          <p:txBody>
+            <a:bodyPr rtlCol="0" anchor="ctr"/>
+            <a:lstStyle/>
+            <a:p>
+              <a:pPr algn="ctr"/>
+              <a:endParaRPr lang="de-DE"/>
+            </a:p>
+          </p:txBody>
+        </p:sp>
+      </p:grpSp>
+      <p:grpSp>
+        <p:nvGrpSpPr>
+          <p:cNvPr id="47" name="Gruppieren 46">
+            <a:extLst>
+              <a:ext uri="{FF2B5EF4-FFF2-40B4-BE49-F238E27FC236}">
+                <a16:creationId xmlns:a16="http://schemas.microsoft.com/office/drawing/2014/main" id="{63FB1504-6562-9683-3823-8A713BD28B97}"/>
+              </a:ext>
+            </a:extLst>
+          </p:cNvPr>
+          <p:cNvGrpSpPr/>
+          <p:nvPr/>
+        </p:nvGrpSpPr>
+        <p:grpSpPr>
+          <a:xfrm flipH="1" flipV="1">
+            <a:off x="702595" y="2030808"/>
+            <a:ext cx="436246" cy="432432"/>
+            <a:chOff x="1190624" y="1556385"/>
+            <a:chExt cx="436246" cy="432432"/>
+          </a:xfrm>
+        </p:grpSpPr>
+        <p:sp>
+          <p:nvSpPr>
+            <p:cNvPr id="48" name="Freihandform: Form 47">
+              <a:extLst>
+                <a:ext uri="{FF2B5EF4-FFF2-40B4-BE49-F238E27FC236}">
+                  <a16:creationId xmlns:a16="http://schemas.microsoft.com/office/drawing/2014/main" id="{0A4CD2C6-C5BC-5B35-CAF0-DCE0FD034FA5}"/>
+                </a:ext>
+              </a:extLst>
+            </p:cNvPr>
+            <p:cNvSpPr/>
+            <p:nvPr/>
+          </p:nvSpPr>
+          <p:spPr>
+            <a:xfrm>
+              <a:off x="1190625" y="1853565"/>
+              <a:ext cx="436245" cy="135252"/>
+            </a:xfrm>
+            <a:custGeom>
+              <a:avLst/>
+              <a:gdLst>
+                <a:gd name="connsiteX0" fmla="*/ 0 w 436245"/>
+                <a:gd name="connsiteY0" fmla="*/ 0 h 145568"/>
+                <a:gd name="connsiteX1" fmla="*/ 97155 w 436245"/>
+                <a:gd name="connsiteY1" fmla="*/ 123825 h 145568"/>
+                <a:gd name="connsiteX2" fmla="*/ 436245 w 436245"/>
+                <a:gd name="connsiteY2" fmla="*/ 144780 h 145568"/>
+              </a:gdLst>
+              <a:ahLst/>
+              <a:cxnLst>
+                <a:cxn ang="0">
+                  <a:pos x="connsiteX0" y="connsiteY0"/>
+                </a:cxn>
+                <a:cxn ang="0">
+                  <a:pos x="connsiteX1" y="connsiteY1"/>
+                </a:cxn>
+                <a:cxn ang="0">
+                  <a:pos x="connsiteX2" y="connsiteY2"/>
+                </a:cxn>
+              </a:cxnLst>
+              <a:rect l="l" t="t" r="r" b="b"/>
+              <a:pathLst>
+                <a:path w="436245" h="145568">
+                  <a:moveTo>
+                    <a:pt x="0" y="0"/>
+                  </a:moveTo>
+                  <a:cubicBezTo>
+                    <a:pt x="12224" y="49847"/>
+                    <a:pt x="24448" y="99695"/>
+                    <a:pt x="97155" y="123825"/>
+                  </a:cubicBezTo>
+                  <a:cubicBezTo>
+                    <a:pt x="169863" y="147955"/>
+                    <a:pt x="303054" y="146367"/>
+                    <a:pt x="436245" y="144780"/>
+                  </a:cubicBezTo>
+                </a:path>
+              </a:pathLst>
+            </a:custGeom>
+            <a:noFill/>
+            <a:ln w="6350" cap="rnd">
+              <a:solidFill>
+                <a:schemeClr val="accent1"/>
+              </a:solidFill>
+              <a:round/>
+            </a:ln>
+          </p:spPr>
+          <p:style>
+            <a:lnRef idx="2">
+              <a:schemeClr val="accent1">
+                <a:shade val="15000"/>
+              </a:schemeClr>
+            </a:lnRef>
+            <a:fillRef idx="1">
+              <a:schemeClr val="accent1"/>
+            </a:fillRef>
+            <a:effectRef idx="0">
+              <a:schemeClr val="accent1"/>
+            </a:effectRef>
+            <a:fontRef idx="minor">
+              <a:schemeClr val="lt1"/>
+            </a:fontRef>
+          </p:style>
+          <p:txBody>
+            <a:bodyPr rtlCol="0" anchor="ctr"/>
+            <a:lstStyle/>
+            <a:p>
+              <a:pPr algn="ctr"/>
+              <a:endParaRPr lang="de-DE"/>
+            </a:p>
+          </p:txBody>
+        </p:sp>
+        <p:sp>
+          <p:nvSpPr>
+            <p:cNvPr id="49" name="Freihandform: Form 48">
+              <a:extLst>
+                <a:ext uri="{FF2B5EF4-FFF2-40B4-BE49-F238E27FC236}">
+                  <a16:creationId xmlns:a16="http://schemas.microsoft.com/office/drawing/2014/main" id="{7BEEA3E6-058C-66D2-5C3A-8DEDFE110F43}"/>
+                </a:ext>
+              </a:extLst>
+            </p:cNvPr>
+            <p:cNvSpPr/>
+            <p:nvPr/>
+          </p:nvSpPr>
+          <p:spPr>
+            <a:xfrm>
+              <a:off x="1190624" y="1737360"/>
+              <a:ext cx="436243" cy="234315"/>
+            </a:xfrm>
+            <a:custGeom>
+              <a:avLst/>
+              <a:gdLst>
+                <a:gd name="connsiteX0" fmla="*/ 0 w 434340"/>
+                <a:gd name="connsiteY0" fmla="*/ 0 h 234315"/>
+                <a:gd name="connsiteX1" fmla="*/ 95250 w 434340"/>
+                <a:gd name="connsiteY1" fmla="*/ 190500 h 234315"/>
+                <a:gd name="connsiteX2" fmla="*/ 434340 w 434340"/>
+                <a:gd name="connsiteY2" fmla="*/ 234315 h 234315"/>
+              </a:gdLst>
+              <a:ahLst/>
+              <a:cxnLst>
+                <a:cxn ang="0">
+                  <a:pos x="connsiteX0" y="connsiteY0"/>
+                </a:cxn>
+                <a:cxn ang="0">
+                  <a:pos x="connsiteX1" y="connsiteY1"/>
+                </a:cxn>
+                <a:cxn ang="0">
+                  <a:pos x="connsiteX2" y="connsiteY2"/>
+                </a:cxn>
+              </a:cxnLst>
+              <a:rect l="l" t="t" r="r" b="b"/>
+              <a:pathLst>
+                <a:path w="434340" h="234315">
+                  <a:moveTo>
+                    <a:pt x="0" y="0"/>
+                  </a:moveTo>
+                  <a:cubicBezTo>
+                    <a:pt x="11430" y="75724"/>
+                    <a:pt x="22860" y="151448"/>
+                    <a:pt x="95250" y="190500"/>
+                  </a:cubicBezTo>
+                  <a:cubicBezTo>
+                    <a:pt x="167640" y="229552"/>
+                    <a:pt x="300990" y="231933"/>
+                    <a:pt x="434340" y="234315"/>
+                  </a:cubicBezTo>
+                </a:path>
+              </a:pathLst>
+            </a:custGeom>
+            <a:noFill/>
+            <a:ln w="6350" cap="rnd">
+              <a:solidFill>
+                <a:schemeClr val="accent1"/>
+              </a:solidFill>
+              <a:round/>
+            </a:ln>
+          </p:spPr>
+          <p:style>
+            <a:lnRef idx="2">
+              <a:schemeClr val="accent1">
+                <a:shade val="15000"/>
+              </a:schemeClr>
+            </a:lnRef>
+            <a:fillRef idx="1">
+              <a:schemeClr val="accent1"/>
+            </a:fillRef>
+            <a:effectRef idx="0">
+              <a:schemeClr val="accent1"/>
+            </a:effectRef>
+            <a:fontRef idx="minor">
+              <a:schemeClr val="lt1"/>
+            </a:fontRef>
+          </p:style>
+          <p:txBody>
+            <a:bodyPr rtlCol="0" anchor="ctr"/>
+            <a:lstStyle/>
+            <a:p>
+              <a:pPr algn="ctr"/>
+              <a:endParaRPr lang="de-DE"/>
+            </a:p>
+          </p:txBody>
+        </p:sp>
+        <p:sp>
+          <p:nvSpPr>
+            <p:cNvPr id="50" name="Freihandform: Form 49">
+              <a:extLst>
+                <a:ext uri="{FF2B5EF4-FFF2-40B4-BE49-F238E27FC236}">
+                  <a16:creationId xmlns:a16="http://schemas.microsoft.com/office/drawing/2014/main" id="{39D08D3A-97EA-CE99-8FFA-16FEF2637A06}"/>
+                </a:ext>
+              </a:extLst>
+            </p:cNvPr>
+            <p:cNvSpPr/>
+            <p:nvPr/>
+          </p:nvSpPr>
+          <p:spPr>
+            <a:xfrm>
+              <a:off x="1190625" y="1556385"/>
+              <a:ext cx="436235" cy="398145"/>
+            </a:xfrm>
+            <a:custGeom>
+              <a:avLst/>
+              <a:gdLst>
+                <a:gd name="connsiteX0" fmla="*/ 0 w 438150"/>
+                <a:gd name="connsiteY0" fmla="*/ 0 h 407670"/>
+                <a:gd name="connsiteX1" fmla="*/ 104775 w 438150"/>
+                <a:gd name="connsiteY1" fmla="*/ 331470 h 407670"/>
+                <a:gd name="connsiteX2" fmla="*/ 438150 w 438150"/>
+                <a:gd name="connsiteY2" fmla="*/ 407670 h 407670"/>
+              </a:gdLst>
+              <a:ahLst/>
+              <a:cxnLst>
+                <a:cxn ang="0">
+                  <a:pos x="connsiteX0" y="connsiteY0"/>
+                </a:cxn>
+                <a:cxn ang="0">
+                  <a:pos x="connsiteX1" y="connsiteY1"/>
+                </a:cxn>
+                <a:cxn ang="0">
+                  <a:pos x="connsiteX2" y="connsiteY2"/>
+                </a:cxn>
+              </a:cxnLst>
+              <a:rect l="l" t="t" r="r" b="b"/>
+              <a:pathLst>
+                <a:path w="438150" h="407670">
+                  <a:moveTo>
+                    <a:pt x="0" y="0"/>
+                  </a:moveTo>
+                  <a:cubicBezTo>
+                    <a:pt x="15875" y="131762"/>
+                    <a:pt x="31750" y="263525"/>
+                    <a:pt x="104775" y="331470"/>
+                  </a:cubicBezTo>
+                  <a:cubicBezTo>
+                    <a:pt x="177800" y="399415"/>
+                    <a:pt x="307975" y="403542"/>
+                    <a:pt x="438150" y="407670"/>
+                  </a:cubicBezTo>
+                </a:path>
+              </a:pathLst>
+            </a:custGeom>
+            <a:noFill/>
+            <a:ln w="6350" cap="rnd">
+              <a:solidFill>
+                <a:schemeClr val="accent1"/>
+              </a:solidFill>
+              <a:round/>
+            </a:ln>
+          </p:spPr>
+          <p:style>
+            <a:lnRef idx="2">
+              <a:schemeClr val="accent1">
+                <a:shade val="15000"/>
+              </a:schemeClr>
+            </a:lnRef>
+            <a:fillRef idx="1">
+              <a:schemeClr val="accent1"/>
+            </a:fillRef>
+            <a:effectRef idx="0">
+              <a:schemeClr val="accent1"/>
+            </a:effectRef>
+            <a:fontRef idx="minor">
+              <a:schemeClr val="lt1"/>
+            </a:fontRef>
+          </p:style>
+          <p:txBody>
+            <a:bodyPr rtlCol="0" anchor="ctr"/>
+            <a:lstStyle/>
+            <a:p>
+              <a:pPr algn="ctr"/>
+              <a:endParaRPr lang="de-DE"/>
+            </a:p>
+          </p:txBody>
+        </p:sp>
+        <p:sp>
+          <p:nvSpPr>
+            <p:cNvPr id="51" name="Freihandform: Form 50">
+              <a:extLst>
+                <a:ext uri="{FF2B5EF4-FFF2-40B4-BE49-F238E27FC236}">
+                  <a16:creationId xmlns:a16="http://schemas.microsoft.com/office/drawing/2014/main" id="{3F962BA4-B059-888A-2E3C-1DF37687408F}"/>
+                </a:ext>
+              </a:extLst>
+            </p:cNvPr>
+            <p:cNvSpPr/>
+            <p:nvPr/>
+          </p:nvSpPr>
+          <p:spPr>
+            <a:xfrm>
+              <a:off x="1323734" y="1661082"/>
+              <a:ext cx="196215" cy="152556"/>
+            </a:xfrm>
+            <a:custGeom>
+              <a:avLst/>
+              <a:gdLst>
+                <a:gd name="connsiteX0" fmla="*/ 0 w 194310"/>
+                <a:gd name="connsiteY0" fmla="*/ 0 h 203835"/>
+                <a:gd name="connsiteX1" fmla="*/ 70485 w 194310"/>
+                <a:gd name="connsiteY1" fmla="*/ 150495 h 203835"/>
+                <a:gd name="connsiteX2" fmla="*/ 194310 w 194310"/>
+                <a:gd name="connsiteY2" fmla="*/ 203835 h 203835"/>
+              </a:gdLst>
+              <a:ahLst/>
+              <a:cxnLst>
+                <a:cxn ang="0">
+                  <a:pos x="connsiteX0" y="connsiteY0"/>
+                </a:cxn>
+                <a:cxn ang="0">
+                  <a:pos x="connsiteX1" y="connsiteY1"/>
+                </a:cxn>
+                <a:cxn ang="0">
+                  <a:pos x="connsiteX2" y="connsiteY2"/>
+                </a:cxn>
+              </a:cxnLst>
+              <a:rect l="l" t="t" r="r" b="b"/>
+              <a:pathLst>
+                <a:path w="194310" h="203835">
+                  <a:moveTo>
+                    <a:pt x="0" y="0"/>
+                  </a:moveTo>
+                  <a:cubicBezTo>
+                    <a:pt x="19050" y="58261"/>
+                    <a:pt x="38100" y="116523"/>
+                    <a:pt x="70485" y="150495"/>
+                  </a:cubicBezTo>
+                  <a:cubicBezTo>
+                    <a:pt x="102870" y="184467"/>
+                    <a:pt x="128588" y="188595"/>
+                    <a:pt x="194310" y="203835"/>
+                  </a:cubicBezTo>
+                </a:path>
+              </a:pathLst>
+            </a:custGeom>
+            <a:noFill/>
+            <a:ln w="6350" cap="rnd">
+              <a:solidFill>
+                <a:schemeClr val="accent1"/>
+              </a:solidFill>
+              <a:round/>
+              <a:tailEnd type="stealth"/>
+            </a:ln>
+          </p:spPr>
+          <p:style>
+            <a:lnRef idx="2">
+              <a:schemeClr val="accent1">
+                <a:shade val="15000"/>
+              </a:schemeClr>
+            </a:lnRef>
+            <a:fillRef idx="1">
+              <a:schemeClr val="accent1"/>
+            </a:fillRef>
+            <a:effectRef idx="0">
+              <a:schemeClr val="accent1"/>
+            </a:effectRef>
+            <a:fontRef idx="minor">
+              <a:schemeClr val="lt1"/>
+            </a:fontRef>
+          </p:style>
+          <p:txBody>
+            <a:bodyPr rtlCol="0" anchor="ctr"/>
+            <a:lstStyle/>
+            <a:p>
+              <a:pPr algn="ctr"/>
+              <a:endParaRPr lang="de-DE"/>
+            </a:p>
+          </p:txBody>
+        </p:sp>
+      </p:grpSp>
+      <p:cxnSp>
+        <p:nvCxnSpPr>
+          <p:cNvPr id="52" name="Gerade Verbindung mit Pfeil 51">
+            <a:extLst>
+              <a:ext uri="{FF2B5EF4-FFF2-40B4-BE49-F238E27FC236}">
+                <a16:creationId xmlns:a16="http://schemas.microsoft.com/office/drawing/2014/main" id="{4A260D6D-7D5F-1B0D-EBC6-36E6615E33EF}"/>
+              </a:ext>
+            </a:extLst>
+          </p:cNvPr>
+          <p:cNvCxnSpPr>
+            <a:cxnSpLocks/>
+          </p:cNvCxnSpPr>
+          <p:nvPr/>
+        </p:nvCxnSpPr>
+        <p:spPr>
+          <a:xfrm>
+            <a:off x="616686" y="2008026"/>
+            <a:ext cx="551146" cy="0"/>
+          </a:xfrm>
+          <a:prstGeom prst="straightConnector1">
+            <a:avLst/>
+          </a:prstGeom>
+          <a:ln w="6350" cap="rnd">
+            <a:solidFill>
+              <a:schemeClr val="tx1"/>
+            </a:solidFill>
+            <a:round/>
+            <a:tailEnd type="none"/>
+          </a:ln>
+        </p:spPr>
+        <p:style>
+          <a:lnRef idx="2">
+            <a:schemeClr val="accent1"/>
+          </a:lnRef>
+          <a:fillRef idx="0">
+            <a:schemeClr val="accent1"/>
+          </a:fillRef>
+          <a:effectRef idx="1">
+            <a:schemeClr val="accent1"/>
+          </a:effectRef>
+          <a:fontRef idx="minor">
+            <a:schemeClr val="tx1"/>
+          </a:fontRef>
+        </p:style>
+      </p:cxnSp>
+      <p:cxnSp>
+        <p:nvCxnSpPr>
+          <p:cNvPr id="55" name="Gerade Verbindung mit Pfeil 54">
+            <a:extLst>
+              <a:ext uri="{FF2B5EF4-FFF2-40B4-BE49-F238E27FC236}">
+                <a16:creationId xmlns:a16="http://schemas.microsoft.com/office/drawing/2014/main" id="{A24196DE-4DDE-EDC0-BC70-6475DC6A5E9D}"/>
+              </a:ext>
+            </a:extLst>
+          </p:cNvPr>
+          <p:cNvCxnSpPr>
+            <a:cxnSpLocks/>
+          </p:cNvCxnSpPr>
+          <p:nvPr/>
+        </p:nvCxnSpPr>
+        <p:spPr>
+          <a:xfrm flipV="1">
+            <a:off x="1166554" y="2002191"/>
+            <a:ext cx="0" cy="560148"/>
+          </a:xfrm>
+          <a:prstGeom prst="straightConnector1">
+            <a:avLst/>
+          </a:prstGeom>
+          <a:ln w="6350" cap="rnd">
+            <a:solidFill>
+              <a:schemeClr val="tx1"/>
+            </a:solidFill>
+            <a:round/>
+            <a:tailEnd type="none"/>
+          </a:ln>
+        </p:spPr>
+        <p:style>
+          <a:lnRef idx="2">
+            <a:schemeClr val="accent1"/>
+          </a:lnRef>
+          <a:fillRef idx="0">
+            <a:schemeClr val="accent1"/>
+          </a:fillRef>
+          <a:effectRef idx="1">
+            <a:schemeClr val="accent1"/>
+          </a:effectRef>
+          <a:fontRef idx="minor">
+            <a:schemeClr val="tx1"/>
+          </a:fontRef>
+        </p:style>
+      </p:cxnSp>
+      <p:grpSp>
+        <p:nvGrpSpPr>
+          <p:cNvPr id="95" name="Gruppieren 94">
+            <a:extLst>
+              <a:ext uri="{FF2B5EF4-FFF2-40B4-BE49-F238E27FC236}">
+                <a16:creationId xmlns:a16="http://schemas.microsoft.com/office/drawing/2014/main" id="{77B94564-C45C-80FB-AC67-F72D7616F16D}"/>
+              </a:ext>
+            </a:extLst>
+          </p:cNvPr>
+          <p:cNvGrpSpPr/>
+          <p:nvPr/>
+        </p:nvGrpSpPr>
+        <p:grpSpPr>
+          <a:xfrm rot="-2700000">
+            <a:off x="1751823" y="1455399"/>
+            <a:ext cx="1099513" cy="1108824"/>
+            <a:chOff x="1937057" y="1750695"/>
+            <a:chExt cx="1099513" cy="1108824"/>
+          </a:xfrm>
+        </p:grpSpPr>
+        <p:grpSp>
+          <p:nvGrpSpPr>
+            <p:cNvPr id="56" name="Gruppieren 55">
+              <a:extLst>
+                <a:ext uri="{FF2B5EF4-FFF2-40B4-BE49-F238E27FC236}">
+                  <a16:creationId xmlns:a16="http://schemas.microsoft.com/office/drawing/2014/main" id="{6B8F0453-BCB9-739A-6EE2-C00D9646EE1B}"/>
+                </a:ext>
+              </a:extLst>
+            </p:cNvPr>
+            <p:cNvGrpSpPr/>
+            <p:nvPr/>
+          </p:nvGrpSpPr>
+          <p:grpSpPr>
+            <a:xfrm>
+              <a:off x="2510995" y="1853565"/>
+              <a:ext cx="436246" cy="432432"/>
+              <a:chOff x="1190624" y="1556385"/>
+              <a:chExt cx="436246" cy="432432"/>
+            </a:xfrm>
+          </p:grpSpPr>
+          <p:sp>
+            <p:nvSpPr>
+              <p:cNvPr id="57" name="Freihandform: Form 56">
+                <a:extLst>
+                  <a:ext uri="{FF2B5EF4-FFF2-40B4-BE49-F238E27FC236}">
+                    <a16:creationId xmlns:a16="http://schemas.microsoft.com/office/drawing/2014/main" id="{958EC448-3B12-DD64-4BE2-45F97D165349}"/>
+                  </a:ext>
+                </a:extLst>
+              </p:cNvPr>
+              <p:cNvSpPr/>
+              <p:nvPr/>
+            </p:nvSpPr>
+            <p:spPr>
+              <a:xfrm>
+                <a:off x="1190625" y="1853565"/>
+                <a:ext cx="436245" cy="135252"/>
+              </a:xfrm>
+              <a:custGeom>
+                <a:avLst/>
+                <a:gdLst>
+                  <a:gd name="connsiteX0" fmla="*/ 0 w 436245"/>
+                  <a:gd name="connsiteY0" fmla="*/ 0 h 145568"/>
+                  <a:gd name="connsiteX1" fmla="*/ 97155 w 436245"/>
+                  <a:gd name="connsiteY1" fmla="*/ 123825 h 145568"/>
+                  <a:gd name="connsiteX2" fmla="*/ 436245 w 436245"/>
+                  <a:gd name="connsiteY2" fmla="*/ 144780 h 145568"/>
+                </a:gdLst>
+                <a:ahLst/>
+                <a:cxnLst>
+                  <a:cxn ang="0">
+                    <a:pos x="connsiteX0" y="connsiteY0"/>
+                  </a:cxn>
+                  <a:cxn ang="0">
+                    <a:pos x="connsiteX1" y="connsiteY1"/>
+                  </a:cxn>
+                  <a:cxn ang="0">
+                    <a:pos x="connsiteX2" y="connsiteY2"/>
+                  </a:cxn>
+                </a:cxnLst>
+                <a:rect l="l" t="t" r="r" b="b"/>
+                <a:pathLst>
+                  <a:path w="436245" h="145568">
+                    <a:moveTo>
+                      <a:pt x="0" y="0"/>
+                    </a:moveTo>
+                    <a:cubicBezTo>
+                      <a:pt x="12224" y="49847"/>
+                      <a:pt x="24448" y="99695"/>
+                      <a:pt x="97155" y="123825"/>
+                    </a:cubicBezTo>
+                    <a:cubicBezTo>
+                      <a:pt x="169863" y="147955"/>
+                      <a:pt x="303054" y="146367"/>
+                      <a:pt x="436245" y="144780"/>
+                    </a:cubicBezTo>
+                  </a:path>
+                </a:pathLst>
+              </a:custGeom>
+              <a:noFill/>
+              <a:ln w="6350" cap="rnd">
+                <a:solidFill>
+                  <a:schemeClr val="accent1"/>
+                </a:solidFill>
+                <a:round/>
+              </a:ln>
+            </p:spPr>
+            <p:style>
+              <a:lnRef idx="2">
+                <a:schemeClr val="accent1">
+                  <a:shade val="15000"/>
+                </a:schemeClr>
+              </a:lnRef>
+              <a:fillRef idx="1">
+                <a:schemeClr val="accent1"/>
+              </a:fillRef>
+              <a:effectRef idx="0">
+                <a:schemeClr val="accent1"/>
+              </a:effectRef>
+              <a:fontRef idx="minor">
+                <a:schemeClr val="lt1"/>
+              </a:fontRef>
+            </p:style>
+            <p:txBody>
+              <a:bodyPr rtlCol="0" anchor="ctr"/>
+              <a:lstStyle/>
+              <a:p>
+                <a:pPr algn="ctr"/>
+                <a:endParaRPr lang="de-DE"/>
+              </a:p>
+            </p:txBody>
+          </p:sp>
+          <p:sp>
+            <p:nvSpPr>
+              <p:cNvPr id="58" name="Freihandform: Form 57">
+                <a:extLst>
+                  <a:ext uri="{FF2B5EF4-FFF2-40B4-BE49-F238E27FC236}">
+                    <a16:creationId xmlns:a16="http://schemas.microsoft.com/office/drawing/2014/main" id="{E2310B88-4CEB-8A67-FBB2-3F16D5EFDAE3}"/>
+                  </a:ext>
+                </a:extLst>
+              </p:cNvPr>
+              <p:cNvSpPr/>
+              <p:nvPr/>
+            </p:nvSpPr>
+            <p:spPr>
+              <a:xfrm>
+                <a:off x="1190624" y="1737360"/>
+                <a:ext cx="436243" cy="234315"/>
+              </a:xfrm>
+              <a:custGeom>
+                <a:avLst/>
+                <a:gdLst>
+                  <a:gd name="connsiteX0" fmla="*/ 0 w 434340"/>
+                  <a:gd name="connsiteY0" fmla="*/ 0 h 234315"/>
+                  <a:gd name="connsiteX1" fmla="*/ 95250 w 434340"/>
+                  <a:gd name="connsiteY1" fmla="*/ 190500 h 234315"/>
+                  <a:gd name="connsiteX2" fmla="*/ 434340 w 434340"/>
+                  <a:gd name="connsiteY2" fmla="*/ 234315 h 234315"/>
+                </a:gdLst>
+                <a:ahLst/>
+                <a:cxnLst>
+                  <a:cxn ang="0">
+                    <a:pos x="connsiteX0" y="connsiteY0"/>
+                  </a:cxn>
+                  <a:cxn ang="0">
+                    <a:pos x="connsiteX1" y="connsiteY1"/>
+                  </a:cxn>
+                  <a:cxn ang="0">
+                    <a:pos x="connsiteX2" y="connsiteY2"/>
+                  </a:cxn>
+                </a:cxnLst>
+                <a:rect l="l" t="t" r="r" b="b"/>
+                <a:pathLst>
+                  <a:path w="434340" h="234315">
+                    <a:moveTo>
+                      <a:pt x="0" y="0"/>
+                    </a:moveTo>
+                    <a:cubicBezTo>
+                      <a:pt x="11430" y="75724"/>
+                      <a:pt x="22860" y="151448"/>
+                      <a:pt x="95250" y="190500"/>
+                    </a:cubicBezTo>
+                    <a:cubicBezTo>
+                      <a:pt x="167640" y="229552"/>
+                      <a:pt x="300990" y="231933"/>
+                      <a:pt x="434340" y="234315"/>
+                    </a:cubicBezTo>
+                  </a:path>
+                </a:pathLst>
+              </a:custGeom>
+              <a:noFill/>
+              <a:ln w="6350" cap="rnd">
+                <a:solidFill>
+                  <a:schemeClr val="accent1"/>
+                </a:solidFill>
+                <a:round/>
+              </a:ln>
+            </p:spPr>
+            <p:style>
+              <a:lnRef idx="2">
+                <a:schemeClr val="accent1">
+                  <a:shade val="15000"/>
+                </a:schemeClr>
+              </a:lnRef>
+              <a:fillRef idx="1">
+                <a:schemeClr val="accent1"/>
+              </a:fillRef>
+              <a:effectRef idx="0">
+                <a:schemeClr val="accent1"/>
+              </a:effectRef>
+              <a:fontRef idx="minor">
+                <a:schemeClr val="lt1"/>
+              </a:fontRef>
+            </p:style>
+            <p:txBody>
+              <a:bodyPr rtlCol="0" anchor="ctr"/>
+              <a:lstStyle/>
+              <a:p>
+                <a:pPr algn="ctr"/>
+                <a:endParaRPr lang="de-DE"/>
+              </a:p>
+            </p:txBody>
+          </p:sp>
+          <p:sp>
+            <p:nvSpPr>
+              <p:cNvPr id="59" name="Freihandform: Form 58">
+                <a:extLst>
+                  <a:ext uri="{FF2B5EF4-FFF2-40B4-BE49-F238E27FC236}">
+                    <a16:creationId xmlns:a16="http://schemas.microsoft.com/office/drawing/2014/main" id="{B5E62EEF-D25C-0C2B-33FE-C53410512F24}"/>
+                  </a:ext>
+                </a:extLst>
+              </p:cNvPr>
+              <p:cNvSpPr/>
+              <p:nvPr/>
+            </p:nvSpPr>
+            <p:spPr>
+              <a:xfrm>
+                <a:off x="1190625" y="1556385"/>
+                <a:ext cx="436235" cy="398145"/>
+              </a:xfrm>
+              <a:custGeom>
+                <a:avLst/>
+                <a:gdLst>
+                  <a:gd name="connsiteX0" fmla="*/ 0 w 438150"/>
+                  <a:gd name="connsiteY0" fmla="*/ 0 h 407670"/>
+                  <a:gd name="connsiteX1" fmla="*/ 104775 w 438150"/>
+                  <a:gd name="connsiteY1" fmla="*/ 331470 h 407670"/>
+                  <a:gd name="connsiteX2" fmla="*/ 438150 w 438150"/>
+                  <a:gd name="connsiteY2" fmla="*/ 407670 h 407670"/>
+                </a:gdLst>
+                <a:ahLst/>
+                <a:cxnLst>
+                  <a:cxn ang="0">
+                    <a:pos x="connsiteX0" y="connsiteY0"/>
+                  </a:cxn>
+                  <a:cxn ang="0">
+                    <a:pos x="connsiteX1" y="connsiteY1"/>
+                  </a:cxn>
+                  <a:cxn ang="0">
+                    <a:pos x="connsiteX2" y="connsiteY2"/>
+                  </a:cxn>
+                </a:cxnLst>
+                <a:rect l="l" t="t" r="r" b="b"/>
+                <a:pathLst>
+                  <a:path w="438150" h="407670">
+                    <a:moveTo>
+                      <a:pt x="0" y="0"/>
+                    </a:moveTo>
+                    <a:cubicBezTo>
+                      <a:pt x="15875" y="131762"/>
+                      <a:pt x="31750" y="263525"/>
+                      <a:pt x="104775" y="331470"/>
+                    </a:cubicBezTo>
+                    <a:cubicBezTo>
+                      <a:pt x="177800" y="399415"/>
+                      <a:pt x="307975" y="403542"/>
+                      <a:pt x="438150" y="407670"/>
+                    </a:cubicBezTo>
+                  </a:path>
+                </a:pathLst>
+              </a:custGeom>
+              <a:noFill/>
+              <a:ln w="6350" cap="rnd">
+                <a:solidFill>
+                  <a:schemeClr val="accent1"/>
+                </a:solidFill>
+                <a:round/>
+              </a:ln>
+            </p:spPr>
+            <p:style>
+              <a:lnRef idx="2">
+                <a:schemeClr val="accent1">
+                  <a:shade val="15000"/>
+                </a:schemeClr>
+              </a:lnRef>
+              <a:fillRef idx="1">
+                <a:schemeClr val="accent1"/>
+              </a:fillRef>
+              <a:effectRef idx="0">
+                <a:schemeClr val="accent1"/>
+              </a:effectRef>
+              <a:fontRef idx="minor">
+                <a:schemeClr val="lt1"/>
+              </a:fontRef>
+            </p:style>
+            <p:txBody>
+              <a:bodyPr rtlCol="0" anchor="ctr"/>
+              <a:lstStyle/>
+              <a:p>
+                <a:pPr algn="ctr"/>
+                <a:endParaRPr lang="de-DE"/>
+              </a:p>
+            </p:txBody>
+          </p:sp>
+          <p:sp>
+            <p:nvSpPr>
+              <p:cNvPr id="60" name="Freihandform: Form 59">
+                <a:extLst>
+                  <a:ext uri="{FF2B5EF4-FFF2-40B4-BE49-F238E27FC236}">
+                    <a16:creationId xmlns:a16="http://schemas.microsoft.com/office/drawing/2014/main" id="{E1B533A2-9D8C-7C81-D4F8-9696474917A6}"/>
+                  </a:ext>
+                </a:extLst>
+              </p:cNvPr>
+              <p:cNvSpPr/>
+              <p:nvPr/>
+            </p:nvSpPr>
+            <p:spPr>
+              <a:xfrm>
+                <a:off x="1323734" y="1661082"/>
+                <a:ext cx="196215" cy="152556"/>
+              </a:xfrm>
+              <a:custGeom>
+                <a:avLst/>
+                <a:gdLst>
+                  <a:gd name="connsiteX0" fmla="*/ 0 w 194310"/>
+                  <a:gd name="connsiteY0" fmla="*/ 0 h 203835"/>
+                  <a:gd name="connsiteX1" fmla="*/ 70485 w 194310"/>
+                  <a:gd name="connsiteY1" fmla="*/ 150495 h 203835"/>
+                  <a:gd name="connsiteX2" fmla="*/ 194310 w 194310"/>
+                  <a:gd name="connsiteY2" fmla="*/ 203835 h 203835"/>
+                </a:gdLst>
+                <a:ahLst/>
+                <a:cxnLst>
+                  <a:cxn ang="0">
+                    <a:pos x="connsiteX0" y="connsiteY0"/>
+                  </a:cxn>
+                  <a:cxn ang="0">
+                    <a:pos x="connsiteX1" y="connsiteY1"/>
+                  </a:cxn>
+                  <a:cxn ang="0">
+                    <a:pos x="connsiteX2" y="connsiteY2"/>
+                  </a:cxn>
+                </a:cxnLst>
+                <a:rect l="l" t="t" r="r" b="b"/>
+                <a:pathLst>
+                  <a:path w="194310" h="203835">
+                    <a:moveTo>
+                      <a:pt x="0" y="0"/>
+                    </a:moveTo>
+                    <a:cubicBezTo>
+                      <a:pt x="19050" y="58261"/>
+                      <a:pt x="38100" y="116523"/>
+                      <a:pt x="70485" y="150495"/>
+                    </a:cubicBezTo>
+                    <a:cubicBezTo>
+                      <a:pt x="102870" y="184467"/>
+                      <a:pt x="128588" y="188595"/>
+                      <a:pt x="194310" y="203835"/>
+                    </a:cubicBezTo>
+                  </a:path>
+                </a:pathLst>
+              </a:custGeom>
+              <a:noFill/>
+              <a:ln w="6350" cap="rnd">
+                <a:solidFill>
+                  <a:schemeClr val="accent1"/>
+                </a:solidFill>
+                <a:round/>
+                <a:tailEnd type="stealth"/>
+              </a:ln>
+            </p:spPr>
+            <p:style>
+              <a:lnRef idx="2">
+                <a:schemeClr val="accent1">
+                  <a:shade val="15000"/>
+                </a:schemeClr>
+              </a:lnRef>
+              <a:fillRef idx="1">
+                <a:schemeClr val="accent1"/>
+              </a:fillRef>
+              <a:effectRef idx="0">
+                <a:schemeClr val="accent1"/>
+              </a:effectRef>
+              <a:fontRef idx="minor">
+                <a:schemeClr val="lt1"/>
+              </a:fontRef>
+            </p:style>
+            <p:txBody>
+              <a:bodyPr rtlCol="0" anchor="ctr"/>
+              <a:lstStyle/>
+              <a:p>
+                <a:pPr algn="ctr"/>
+                <a:endParaRPr lang="de-DE"/>
+              </a:p>
+            </p:txBody>
+          </p:sp>
+        </p:grpSp>
+        <p:grpSp>
+          <p:nvGrpSpPr>
+            <p:cNvPr id="61" name="Gruppieren 60">
+              <a:extLst>
+                <a:ext uri="{FF2B5EF4-FFF2-40B4-BE49-F238E27FC236}">
+                  <a16:creationId xmlns:a16="http://schemas.microsoft.com/office/drawing/2014/main" id="{8A996883-6FE1-E59C-7B96-8D31586AC946}"/>
+                </a:ext>
+              </a:extLst>
+            </p:cNvPr>
+            <p:cNvGrpSpPr/>
+            <p:nvPr/>
+          </p:nvGrpSpPr>
+          <p:grpSpPr>
+            <a:xfrm flipV="1">
+              <a:off x="2510995" y="2327988"/>
+              <a:ext cx="436246" cy="432432"/>
+              <a:chOff x="1190624" y="1556385"/>
+              <a:chExt cx="436246" cy="432432"/>
+            </a:xfrm>
+          </p:grpSpPr>
+          <p:sp>
+            <p:nvSpPr>
+              <p:cNvPr id="62" name="Freihandform: Form 61">
+                <a:extLst>
+                  <a:ext uri="{FF2B5EF4-FFF2-40B4-BE49-F238E27FC236}">
+                    <a16:creationId xmlns:a16="http://schemas.microsoft.com/office/drawing/2014/main" id="{36EA589C-47AC-823D-504F-DFC2D9EE3497}"/>
+                  </a:ext>
+                </a:extLst>
+              </p:cNvPr>
+              <p:cNvSpPr/>
+              <p:nvPr/>
+            </p:nvSpPr>
+            <p:spPr>
+              <a:xfrm>
+                <a:off x="1190625" y="1853565"/>
+                <a:ext cx="436245" cy="135252"/>
+              </a:xfrm>
+              <a:custGeom>
+                <a:avLst/>
+                <a:gdLst>
+                  <a:gd name="connsiteX0" fmla="*/ 0 w 436245"/>
+                  <a:gd name="connsiteY0" fmla="*/ 0 h 145568"/>
+                  <a:gd name="connsiteX1" fmla="*/ 97155 w 436245"/>
+                  <a:gd name="connsiteY1" fmla="*/ 123825 h 145568"/>
+                  <a:gd name="connsiteX2" fmla="*/ 436245 w 436245"/>
+                  <a:gd name="connsiteY2" fmla="*/ 144780 h 145568"/>
+                </a:gdLst>
+                <a:ahLst/>
+                <a:cxnLst>
+                  <a:cxn ang="0">
+                    <a:pos x="connsiteX0" y="connsiteY0"/>
+                  </a:cxn>
+                  <a:cxn ang="0">
+                    <a:pos x="connsiteX1" y="connsiteY1"/>
+                  </a:cxn>
+                  <a:cxn ang="0">
+                    <a:pos x="connsiteX2" y="connsiteY2"/>
+                  </a:cxn>
+                </a:cxnLst>
+                <a:rect l="l" t="t" r="r" b="b"/>
+                <a:pathLst>
+                  <a:path w="436245" h="145568">
+                    <a:moveTo>
+                      <a:pt x="0" y="0"/>
+                    </a:moveTo>
+                    <a:cubicBezTo>
+                      <a:pt x="12224" y="49847"/>
+                      <a:pt x="24448" y="99695"/>
+                      <a:pt x="97155" y="123825"/>
+                    </a:cubicBezTo>
+                    <a:cubicBezTo>
+                      <a:pt x="169863" y="147955"/>
+                      <a:pt x="303054" y="146367"/>
+                      <a:pt x="436245" y="144780"/>
+                    </a:cubicBezTo>
+                  </a:path>
+                </a:pathLst>
+              </a:custGeom>
+              <a:noFill/>
+              <a:ln w="6350" cap="rnd">
+                <a:solidFill>
+                  <a:schemeClr val="accent1"/>
+                </a:solidFill>
+                <a:round/>
+              </a:ln>
+            </p:spPr>
+            <p:style>
+              <a:lnRef idx="2">
+                <a:schemeClr val="accent1">
+                  <a:shade val="15000"/>
+                </a:schemeClr>
+              </a:lnRef>
+              <a:fillRef idx="1">
+                <a:schemeClr val="accent1"/>
+              </a:fillRef>
+              <a:effectRef idx="0">
+                <a:schemeClr val="accent1"/>
+              </a:effectRef>
+              <a:fontRef idx="minor">
+                <a:schemeClr val="lt1"/>
+              </a:fontRef>
+            </p:style>
+            <p:txBody>
+              <a:bodyPr rtlCol="0" anchor="ctr"/>
+              <a:lstStyle/>
+              <a:p>
+                <a:pPr algn="ctr"/>
+                <a:endParaRPr lang="de-DE"/>
+              </a:p>
+            </p:txBody>
+          </p:sp>
+          <p:sp>
+            <p:nvSpPr>
+              <p:cNvPr id="63" name="Freihandform: Form 62">
+                <a:extLst>
+                  <a:ext uri="{FF2B5EF4-FFF2-40B4-BE49-F238E27FC236}">
+                    <a16:creationId xmlns:a16="http://schemas.microsoft.com/office/drawing/2014/main" id="{3EB89FB0-E67C-AAD3-423A-88ABF68C9747}"/>
+                  </a:ext>
+                </a:extLst>
+              </p:cNvPr>
+              <p:cNvSpPr/>
+              <p:nvPr/>
+            </p:nvSpPr>
+            <p:spPr>
+              <a:xfrm>
+                <a:off x="1190624" y="1737360"/>
+                <a:ext cx="436243" cy="234315"/>
+              </a:xfrm>
+              <a:custGeom>
+                <a:avLst/>
+                <a:gdLst>
+                  <a:gd name="connsiteX0" fmla="*/ 0 w 434340"/>
+                  <a:gd name="connsiteY0" fmla="*/ 0 h 234315"/>
+                  <a:gd name="connsiteX1" fmla="*/ 95250 w 434340"/>
+                  <a:gd name="connsiteY1" fmla="*/ 190500 h 234315"/>
+                  <a:gd name="connsiteX2" fmla="*/ 434340 w 434340"/>
+                  <a:gd name="connsiteY2" fmla="*/ 234315 h 234315"/>
+                </a:gdLst>
+                <a:ahLst/>
+                <a:cxnLst>
+                  <a:cxn ang="0">
+                    <a:pos x="connsiteX0" y="connsiteY0"/>
+                  </a:cxn>
+                  <a:cxn ang="0">
+                    <a:pos x="connsiteX1" y="connsiteY1"/>
+                  </a:cxn>
+                  <a:cxn ang="0">
+                    <a:pos x="connsiteX2" y="connsiteY2"/>
+                  </a:cxn>
+                </a:cxnLst>
+                <a:rect l="l" t="t" r="r" b="b"/>
+                <a:pathLst>
+                  <a:path w="434340" h="234315">
+                    <a:moveTo>
+                      <a:pt x="0" y="0"/>
+                    </a:moveTo>
+                    <a:cubicBezTo>
+                      <a:pt x="11430" y="75724"/>
+                      <a:pt x="22860" y="151448"/>
+                      <a:pt x="95250" y="190500"/>
+                    </a:cubicBezTo>
+                    <a:cubicBezTo>
+                      <a:pt x="167640" y="229552"/>
+                      <a:pt x="300990" y="231933"/>
+                      <a:pt x="434340" y="234315"/>
+                    </a:cubicBezTo>
+                  </a:path>
+                </a:pathLst>
+              </a:custGeom>
+              <a:noFill/>
+              <a:ln w="6350" cap="rnd">
+                <a:solidFill>
+                  <a:schemeClr val="accent1"/>
+                </a:solidFill>
+                <a:round/>
+              </a:ln>
+            </p:spPr>
+            <p:style>
+              <a:lnRef idx="2">
+                <a:schemeClr val="accent1">
+                  <a:shade val="15000"/>
+                </a:schemeClr>
+              </a:lnRef>
+              <a:fillRef idx="1">
+                <a:schemeClr val="accent1"/>
+              </a:fillRef>
+              <a:effectRef idx="0">
+                <a:schemeClr val="accent1"/>
+              </a:effectRef>
+              <a:fontRef idx="minor">
+                <a:schemeClr val="lt1"/>
+              </a:fontRef>
+            </p:style>
+            <p:txBody>
+              <a:bodyPr rtlCol="0" anchor="ctr"/>
+              <a:lstStyle/>
+              <a:p>
+                <a:pPr algn="ctr"/>
+                <a:endParaRPr lang="de-DE"/>
+              </a:p>
+            </p:txBody>
+          </p:sp>
+          <p:sp>
+            <p:nvSpPr>
+              <p:cNvPr id="64" name="Freihandform: Form 63">
+                <a:extLst>
+                  <a:ext uri="{FF2B5EF4-FFF2-40B4-BE49-F238E27FC236}">
+                    <a16:creationId xmlns:a16="http://schemas.microsoft.com/office/drawing/2014/main" id="{0B0BDBB4-CFF7-7F95-D080-07D8153590D9}"/>
+                  </a:ext>
+                </a:extLst>
+              </p:cNvPr>
+              <p:cNvSpPr/>
+              <p:nvPr/>
+            </p:nvSpPr>
+            <p:spPr>
+              <a:xfrm>
+                <a:off x="1190625" y="1556385"/>
+                <a:ext cx="436235" cy="398145"/>
+              </a:xfrm>
+              <a:custGeom>
+                <a:avLst/>
+                <a:gdLst>
+                  <a:gd name="connsiteX0" fmla="*/ 0 w 438150"/>
+                  <a:gd name="connsiteY0" fmla="*/ 0 h 407670"/>
+                  <a:gd name="connsiteX1" fmla="*/ 104775 w 438150"/>
+                  <a:gd name="connsiteY1" fmla="*/ 331470 h 407670"/>
+                  <a:gd name="connsiteX2" fmla="*/ 438150 w 438150"/>
+                  <a:gd name="connsiteY2" fmla="*/ 407670 h 407670"/>
+                </a:gdLst>
+                <a:ahLst/>
+                <a:cxnLst>
+                  <a:cxn ang="0">
+                    <a:pos x="connsiteX0" y="connsiteY0"/>
+                  </a:cxn>
+                  <a:cxn ang="0">
+                    <a:pos x="connsiteX1" y="connsiteY1"/>
+                  </a:cxn>
+                  <a:cxn ang="0">
+                    <a:pos x="connsiteX2" y="connsiteY2"/>
+                  </a:cxn>
+                </a:cxnLst>
+                <a:rect l="l" t="t" r="r" b="b"/>
+                <a:pathLst>
+                  <a:path w="438150" h="407670">
+                    <a:moveTo>
+                      <a:pt x="0" y="0"/>
+                    </a:moveTo>
+                    <a:cubicBezTo>
+                      <a:pt x="15875" y="131762"/>
+                      <a:pt x="31750" y="263525"/>
+                      <a:pt x="104775" y="331470"/>
+                    </a:cubicBezTo>
+                    <a:cubicBezTo>
+                      <a:pt x="177800" y="399415"/>
+                      <a:pt x="307975" y="403542"/>
+                      <a:pt x="438150" y="407670"/>
+                    </a:cubicBezTo>
+                  </a:path>
+                </a:pathLst>
+              </a:custGeom>
+              <a:noFill/>
+              <a:ln w="6350" cap="rnd">
+                <a:solidFill>
+                  <a:schemeClr val="accent1"/>
+                </a:solidFill>
+                <a:round/>
+              </a:ln>
+            </p:spPr>
+            <p:style>
+              <a:lnRef idx="2">
+                <a:schemeClr val="accent1">
+                  <a:shade val="15000"/>
+                </a:schemeClr>
+              </a:lnRef>
+              <a:fillRef idx="1">
+                <a:schemeClr val="accent1"/>
+              </a:fillRef>
+              <a:effectRef idx="0">
+                <a:schemeClr val="accent1"/>
+              </a:effectRef>
+              <a:fontRef idx="minor">
+                <a:schemeClr val="lt1"/>
+              </a:fontRef>
+            </p:style>
+            <p:txBody>
+              <a:bodyPr rtlCol="0" anchor="ctr"/>
+              <a:lstStyle/>
+              <a:p>
+                <a:pPr algn="ctr"/>
+                <a:endParaRPr lang="de-DE"/>
+              </a:p>
+            </p:txBody>
+          </p:sp>
+          <p:sp>
+            <p:nvSpPr>
+              <p:cNvPr id="65" name="Freihandform: Form 64">
+                <a:extLst>
+                  <a:ext uri="{FF2B5EF4-FFF2-40B4-BE49-F238E27FC236}">
+                    <a16:creationId xmlns:a16="http://schemas.microsoft.com/office/drawing/2014/main" id="{DA76A665-0927-7BC5-AAAF-86A375C403A8}"/>
+                  </a:ext>
+                </a:extLst>
+              </p:cNvPr>
+              <p:cNvSpPr/>
+              <p:nvPr/>
+            </p:nvSpPr>
+            <p:spPr>
+              <a:xfrm>
+                <a:off x="1323734" y="1661082"/>
+                <a:ext cx="196215" cy="152556"/>
+              </a:xfrm>
+              <a:custGeom>
+                <a:avLst/>
+                <a:gdLst>
+                  <a:gd name="connsiteX0" fmla="*/ 0 w 194310"/>
+                  <a:gd name="connsiteY0" fmla="*/ 0 h 203835"/>
+                  <a:gd name="connsiteX1" fmla="*/ 70485 w 194310"/>
+                  <a:gd name="connsiteY1" fmla="*/ 150495 h 203835"/>
+                  <a:gd name="connsiteX2" fmla="*/ 194310 w 194310"/>
+                  <a:gd name="connsiteY2" fmla="*/ 203835 h 203835"/>
+                </a:gdLst>
+                <a:ahLst/>
+                <a:cxnLst>
+                  <a:cxn ang="0">
+                    <a:pos x="connsiteX0" y="connsiteY0"/>
+                  </a:cxn>
+                  <a:cxn ang="0">
+                    <a:pos x="connsiteX1" y="connsiteY1"/>
+                  </a:cxn>
+                  <a:cxn ang="0">
+                    <a:pos x="connsiteX2" y="connsiteY2"/>
+                  </a:cxn>
+                </a:cxnLst>
+                <a:rect l="l" t="t" r="r" b="b"/>
+                <a:pathLst>
+                  <a:path w="194310" h="203835">
+                    <a:moveTo>
+                      <a:pt x="0" y="0"/>
+                    </a:moveTo>
+                    <a:cubicBezTo>
+                      <a:pt x="19050" y="58261"/>
+                      <a:pt x="38100" y="116523"/>
+                      <a:pt x="70485" y="150495"/>
+                    </a:cubicBezTo>
+                    <a:cubicBezTo>
+                      <a:pt x="102870" y="184467"/>
+                      <a:pt x="128588" y="188595"/>
+                      <a:pt x="194310" y="203835"/>
+                    </a:cubicBezTo>
+                  </a:path>
+                </a:pathLst>
+              </a:custGeom>
+              <a:noFill/>
+              <a:ln w="6350" cap="rnd">
+                <a:solidFill>
+                  <a:schemeClr val="accent1"/>
+                </a:solidFill>
+                <a:round/>
+                <a:tailEnd type="stealth"/>
+              </a:ln>
+            </p:spPr>
+            <p:style>
+              <a:lnRef idx="2">
+                <a:schemeClr val="accent1">
+                  <a:shade val="15000"/>
+                </a:schemeClr>
+              </a:lnRef>
+              <a:fillRef idx="1">
+                <a:schemeClr val="accent1"/>
+              </a:fillRef>
+              <a:effectRef idx="0">
+                <a:schemeClr val="accent1"/>
+              </a:effectRef>
+              <a:fontRef idx="minor">
+                <a:schemeClr val="lt1"/>
+              </a:fontRef>
+            </p:style>
+            <p:txBody>
+              <a:bodyPr rtlCol="0" anchor="ctr"/>
+              <a:lstStyle/>
+              <a:p>
+                <a:pPr algn="ctr"/>
+                <a:endParaRPr lang="de-DE"/>
+              </a:p>
+            </p:txBody>
+          </p:sp>
+        </p:grpSp>
+        <p:grpSp>
+          <p:nvGrpSpPr>
+            <p:cNvPr id="66" name="Gruppieren 65">
+              <a:extLst>
+                <a:ext uri="{FF2B5EF4-FFF2-40B4-BE49-F238E27FC236}">
+                  <a16:creationId xmlns:a16="http://schemas.microsoft.com/office/drawing/2014/main" id="{69557C7D-5118-8E4E-FC71-CBC8FA2F27C5}"/>
+                </a:ext>
+              </a:extLst>
+            </p:cNvPr>
+            <p:cNvGrpSpPr/>
+            <p:nvPr/>
+          </p:nvGrpSpPr>
+          <p:grpSpPr>
+            <a:xfrm flipH="1">
+              <a:off x="2022966" y="1853565"/>
+              <a:ext cx="436246" cy="432432"/>
+              <a:chOff x="1190624" y="1556385"/>
+              <a:chExt cx="436246" cy="432432"/>
+            </a:xfrm>
+          </p:grpSpPr>
+          <p:sp>
+            <p:nvSpPr>
+              <p:cNvPr id="67" name="Freihandform: Form 66">
+                <a:extLst>
+                  <a:ext uri="{FF2B5EF4-FFF2-40B4-BE49-F238E27FC236}">
+                    <a16:creationId xmlns:a16="http://schemas.microsoft.com/office/drawing/2014/main" id="{4FC7328E-0735-7E27-7A29-597A7159609E}"/>
+                  </a:ext>
+                </a:extLst>
+              </p:cNvPr>
+              <p:cNvSpPr/>
+              <p:nvPr/>
+            </p:nvSpPr>
+            <p:spPr>
+              <a:xfrm>
+                <a:off x="1190625" y="1853565"/>
+                <a:ext cx="436245" cy="135252"/>
+              </a:xfrm>
+              <a:custGeom>
+                <a:avLst/>
+                <a:gdLst>
+                  <a:gd name="connsiteX0" fmla="*/ 0 w 436245"/>
+                  <a:gd name="connsiteY0" fmla="*/ 0 h 145568"/>
+                  <a:gd name="connsiteX1" fmla="*/ 97155 w 436245"/>
+                  <a:gd name="connsiteY1" fmla="*/ 123825 h 145568"/>
+                  <a:gd name="connsiteX2" fmla="*/ 436245 w 436245"/>
+                  <a:gd name="connsiteY2" fmla="*/ 144780 h 145568"/>
+                </a:gdLst>
+                <a:ahLst/>
+                <a:cxnLst>
+                  <a:cxn ang="0">
+                    <a:pos x="connsiteX0" y="connsiteY0"/>
+                  </a:cxn>
+                  <a:cxn ang="0">
+                    <a:pos x="connsiteX1" y="connsiteY1"/>
+                  </a:cxn>
+                  <a:cxn ang="0">
+                    <a:pos x="connsiteX2" y="connsiteY2"/>
+                  </a:cxn>
+                </a:cxnLst>
+                <a:rect l="l" t="t" r="r" b="b"/>
+                <a:pathLst>
+                  <a:path w="436245" h="145568">
+                    <a:moveTo>
+                      <a:pt x="0" y="0"/>
+                    </a:moveTo>
+                    <a:cubicBezTo>
+                      <a:pt x="12224" y="49847"/>
+                      <a:pt x="24448" y="99695"/>
+                      <a:pt x="97155" y="123825"/>
+                    </a:cubicBezTo>
+                    <a:cubicBezTo>
+                      <a:pt x="169863" y="147955"/>
+                      <a:pt x="303054" y="146367"/>
+                      <a:pt x="436245" y="144780"/>
+                    </a:cubicBezTo>
+                  </a:path>
+                </a:pathLst>
+              </a:custGeom>
+              <a:noFill/>
+              <a:ln w="6350" cap="rnd">
+                <a:solidFill>
+                  <a:schemeClr val="accent1"/>
+                </a:solidFill>
+                <a:round/>
+              </a:ln>
+            </p:spPr>
+            <p:style>
+              <a:lnRef idx="2">
+                <a:schemeClr val="accent1">
+                  <a:shade val="15000"/>
+                </a:schemeClr>
+              </a:lnRef>
+              <a:fillRef idx="1">
+                <a:schemeClr val="accent1"/>
+              </a:fillRef>
+              <a:effectRef idx="0">
+                <a:schemeClr val="accent1"/>
+              </a:effectRef>
+              <a:fontRef idx="minor">
+                <a:schemeClr val="lt1"/>
+              </a:fontRef>
+            </p:style>
+            <p:txBody>
+              <a:bodyPr rtlCol="0" anchor="ctr"/>
+              <a:lstStyle/>
+              <a:p>
+                <a:pPr algn="ctr"/>
+                <a:endParaRPr lang="de-DE"/>
+              </a:p>
+            </p:txBody>
+          </p:sp>
+          <p:sp>
+            <p:nvSpPr>
+              <p:cNvPr id="68" name="Freihandform: Form 67">
+                <a:extLst>
+                  <a:ext uri="{FF2B5EF4-FFF2-40B4-BE49-F238E27FC236}">
+                    <a16:creationId xmlns:a16="http://schemas.microsoft.com/office/drawing/2014/main" id="{B016AF24-977F-0390-BA23-D30916E84E16}"/>
+                  </a:ext>
+                </a:extLst>
+              </p:cNvPr>
+              <p:cNvSpPr/>
+              <p:nvPr/>
+            </p:nvSpPr>
+            <p:spPr>
+              <a:xfrm>
+                <a:off x="1190624" y="1737360"/>
+                <a:ext cx="436243" cy="234315"/>
+              </a:xfrm>
+              <a:custGeom>
+                <a:avLst/>
+                <a:gdLst>
+                  <a:gd name="connsiteX0" fmla="*/ 0 w 434340"/>
+                  <a:gd name="connsiteY0" fmla="*/ 0 h 234315"/>
+                  <a:gd name="connsiteX1" fmla="*/ 95250 w 434340"/>
+                  <a:gd name="connsiteY1" fmla="*/ 190500 h 234315"/>
+                  <a:gd name="connsiteX2" fmla="*/ 434340 w 434340"/>
+                  <a:gd name="connsiteY2" fmla="*/ 234315 h 234315"/>
+                </a:gdLst>
+                <a:ahLst/>
+                <a:cxnLst>
+                  <a:cxn ang="0">
+                    <a:pos x="connsiteX0" y="connsiteY0"/>
+                  </a:cxn>
+                  <a:cxn ang="0">
+                    <a:pos x="connsiteX1" y="connsiteY1"/>
+                  </a:cxn>
+                  <a:cxn ang="0">
+                    <a:pos x="connsiteX2" y="connsiteY2"/>
+                  </a:cxn>
+                </a:cxnLst>
+                <a:rect l="l" t="t" r="r" b="b"/>
+                <a:pathLst>
+                  <a:path w="434340" h="234315">
+                    <a:moveTo>
+                      <a:pt x="0" y="0"/>
+                    </a:moveTo>
+                    <a:cubicBezTo>
+                      <a:pt x="11430" y="75724"/>
+                      <a:pt x="22860" y="151448"/>
+                      <a:pt x="95250" y="190500"/>
+                    </a:cubicBezTo>
+                    <a:cubicBezTo>
+                      <a:pt x="167640" y="229552"/>
+                      <a:pt x="300990" y="231933"/>
+                      <a:pt x="434340" y="234315"/>
+                    </a:cubicBezTo>
+                  </a:path>
+                </a:pathLst>
+              </a:custGeom>
+              <a:noFill/>
+              <a:ln w="6350" cap="rnd">
+                <a:solidFill>
+                  <a:schemeClr val="accent1"/>
+                </a:solidFill>
+                <a:round/>
+              </a:ln>
+            </p:spPr>
+            <p:style>
+              <a:lnRef idx="2">
+                <a:schemeClr val="accent1">
+                  <a:shade val="15000"/>
+                </a:schemeClr>
+              </a:lnRef>
+              <a:fillRef idx="1">
+                <a:schemeClr val="accent1"/>
+              </a:fillRef>
+              <a:effectRef idx="0">
+                <a:schemeClr val="accent1"/>
+              </a:effectRef>
+              <a:fontRef idx="minor">
+                <a:schemeClr val="lt1"/>
+              </a:fontRef>
+            </p:style>
+            <p:txBody>
+              <a:bodyPr rtlCol="0" anchor="ctr"/>
+              <a:lstStyle/>
+              <a:p>
+                <a:pPr algn="ctr"/>
+                <a:endParaRPr lang="de-DE"/>
+              </a:p>
+            </p:txBody>
+          </p:sp>
+          <p:sp>
+            <p:nvSpPr>
+              <p:cNvPr id="69" name="Freihandform: Form 68">
+                <a:extLst>
+                  <a:ext uri="{FF2B5EF4-FFF2-40B4-BE49-F238E27FC236}">
+                    <a16:creationId xmlns:a16="http://schemas.microsoft.com/office/drawing/2014/main" id="{A1B9F6DC-21D8-8E24-2D09-57B8282A8761}"/>
+                  </a:ext>
+                </a:extLst>
+              </p:cNvPr>
+              <p:cNvSpPr/>
+              <p:nvPr/>
+            </p:nvSpPr>
+            <p:spPr>
+              <a:xfrm>
+                <a:off x="1190625" y="1556385"/>
+                <a:ext cx="436235" cy="398145"/>
+              </a:xfrm>
+              <a:custGeom>
+                <a:avLst/>
+                <a:gdLst>
+                  <a:gd name="connsiteX0" fmla="*/ 0 w 438150"/>
+                  <a:gd name="connsiteY0" fmla="*/ 0 h 407670"/>
+                  <a:gd name="connsiteX1" fmla="*/ 104775 w 438150"/>
+                  <a:gd name="connsiteY1" fmla="*/ 331470 h 407670"/>
+                  <a:gd name="connsiteX2" fmla="*/ 438150 w 438150"/>
+                  <a:gd name="connsiteY2" fmla="*/ 407670 h 407670"/>
+                </a:gdLst>
+                <a:ahLst/>
+                <a:cxnLst>
+                  <a:cxn ang="0">
+                    <a:pos x="connsiteX0" y="connsiteY0"/>
+                  </a:cxn>
+                  <a:cxn ang="0">
+                    <a:pos x="connsiteX1" y="connsiteY1"/>
+                  </a:cxn>
+                  <a:cxn ang="0">
+                    <a:pos x="connsiteX2" y="connsiteY2"/>
+                  </a:cxn>
+                </a:cxnLst>
+                <a:rect l="l" t="t" r="r" b="b"/>
+                <a:pathLst>
+                  <a:path w="438150" h="407670">
+                    <a:moveTo>
+                      <a:pt x="0" y="0"/>
+                    </a:moveTo>
+                    <a:cubicBezTo>
+                      <a:pt x="15875" y="131762"/>
+                      <a:pt x="31750" y="263525"/>
+                      <a:pt x="104775" y="331470"/>
+                    </a:cubicBezTo>
+                    <a:cubicBezTo>
+                      <a:pt x="177800" y="399415"/>
+                      <a:pt x="307975" y="403542"/>
+                      <a:pt x="438150" y="407670"/>
+                    </a:cubicBezTo>
+                  </a:path>
+                </a:pathLst>
+              </a:custGeom>
+              <a:noFill/>
+              <a:ln w="6350" cap="rnd">
+                <a:solidFill>
+                  <a:schemeClr val="accent1"/>
+                </a:solidFill>
+                <a:round/>
+              </a:ln>
+            </p:spPr>
+            <p:style>
+              <a:lnRef idx="2">
+                <a:schemeClr val="accent1">
+                  <a:shade val="15000"/>
+                </a:schemeClr>
+              </a:lnRef>
+              <a:fillRef idx="1">
+                <a:schemeClr val="accent1"/>
+              </a:fillRef>
+              <a:effectRef idx="0">
+                <a:schemeClr val="accent1"/>
+              </a:effectRef>
+              <a:fontRef idx="minor">
+                <a:schemeClr val="lt1"/>
+              </a:fontRef>
+            </p:style>
+            <p:txBody>
+              <a:bodyPr rtlCol="0" anchor="ctr"/>
+              <a:lstStyle/>
+              <a:p>
+                <a:pPr algn="ctr"/>
+                <a:endParaRPr lang="de-DE"/>
+              </a:p>
+            </p:txBody>
+          </p:sp>
+          <p:sp>
+            <p:nvSpPr>
+              <p:cNvPr id="70" name="Freihandform: Form 69">
+                <a:extLst>
+                  <a:ext uri="{FF2B5EF4-FFF2-40B4-BE49-F238E27FC236}">
+                    <a16:creationId xmlns:a16="http://schemas.microsoft.com/office/drawing/2014/main" id="{63C27313-5ADF-C9E3-1D25-B61BB5DD4CA8}"/>
+                  </a:ext>
+                </a:extLst>
+              </p:cNvPr>
+              <p:cNvSpPr/>
+              <p:nvPr/>
+            </p:nvSpPr>
+            <p:spPr>
+              <a:xfrm>
+                <a:off x="1323734" y="1661082"/>
+                <a:ext cx="196215" cy="152556"/>
+              </a:xfrm>
+              <a:custGeom>
+                <a:avLst/>
+                <a:gdLst>
+                  <a:gd name="connsiteX0" fmla="*/ 0 w 194310"/>
+                  <a:gd name="connsiteY0" fmla="*/ 0 h 203835"/>
+                  <a:gd name="connsiteX1" fmla="*/ 70485 w 194310"/>
+                  <a:gd name="connsiteY1" fmla="*/ 150495 h 203835"/>
+                  <a:gd name="connsiteX2" fmla="*/ 194310 w 194310"/>
+                  <a:gd name="connsiteY2" fmla="*/ 203835 h 203835"/>
+                </a:gdLst>
+                <a:ahLst/>
+                <a:cxnLst>
+                  <a:cxn ang="0">
+                    <a:pos x="connsiteX0" y="connsiteY0"/>
+                  </a:cxn>
+                  <a:cxn ang="0">
+                    <a:pos x="connsiteX1" y="connsiteY1"/>
+                  </a:cxn>
+                  <a:cxn ang="0">
+                    <a:pos x="connsiteX2" y="connsiteY2"/>
+                  </a:cxn>
+                </a:cxnLst>
+                <a:rect l="l" t="t" r="r" b="b"/>
+                <a:pathLst>
+                  <a:path w="194310" h="203835">
+                    <a:moveTo>
+                      <a:pt x="0" y="0"/>
+                    </a:moveTo>
+                    <a:cubicBezTo>
+                      <a:pt x="19050" y="58261"/>
+                      <a:pt x="38100" y="116523"/>
+                      <a:pt x="70485" y="150495"/>
+                    </a:cubicBezTo>
+                    <a:cubicBezTo>
+                      <a:pt x="102870" y="184467"/>
+                      <a:pt x="128588" y="188595"/>
+                      <a:pt x="194310" y="203835"/>
+                    </a:cubicBezTo>
+                  </a:path>
+                </a:pathLst>
+              </a:custGeom>
+              <a:noFill/>
+              <a:ln w="6350" cap="rnd">
+                <a:solidFill>
+                  <a:schemeClr val="accent1"/>
+                </a:solidFill>
+                <a:round/>
+                <a:tailEnd type="stealth"/>
+              </a:ln>
+            </p:spPr>
+            <p:style>
+              <a:lnRef idx="2">
+                <a:schemeClr val="accent1">
+                  <a:shade val="15000"/>
+                </a:schemeClr>
+              </a:lnRef>
+              <a:fillRef idx="1">
+                <a:schemeClr val="accent1"/>
+              </a:fillRef>
+              <a:effectRef idx="0">
+                <a:schemeClr val="accent1"/>
+              </a:effectRef>
+              <a:fontRef idx="minor">
+                <a:schemeClr val="lt1"/>
+              </a:fontRef>
+            </p:style>
+            <p:txBody>
+              <a:bodyPr rtlCol="0" anchor="ctr"/>
+              <a:lstStyle/>
+              <a:p>
+                <a:pPr algn="ctr"/>
+                <a:endParaRPr lang="de-DE"/>
+              </a:p>
+            </p:txBody>
+          </p:sp>
+        </p:grpSp>
+        <p:grpSp>
+          <p:nvGrpSpPr>
+            <p:cNvPr id="71" name="Gruppieren 70">
+              <a:extLst>
+                <a:ext uri="{FF2B5EF4-FFF2-40B4-BE49-F238E27FC236}">
+                  <a16:creationId xmlns:a16="http://schemas.microsoft.com/office/drawing/2014/main" id="{67118481-431D-2487-162D-9C9010720EE8}"/>
+                </a:ext>
+              </a:extLst>
+            </p:cNvPr>
+            <p:cNvGrpSpPr/>
+            <p:nvPr/>
+          </p:nvGrpSpPr>
+          <p:grpSpPr>
+            <a:xfrm flipH="1" flipV="1">
+              <a:off x="2022966" y="2327988"/>
+              <a:ext cx="436246" cy="432432"/>
+              <a:chOff x="1190624" y="1556385"/>
+              <a:chExt cx="436246" cy="432432"/>
+            </a:xfrm>
+          </p:grpSpPr>
+          <p:sp>
+            <p:nvSpPr>
+              <p:cNvPr id="72" name="Freihandform: Form 71">
+                <a:extLst>
+                  <a:ext uri="{FF2B5EF4-FFF2-40B4-BE49-F238E27FC236}">
+                    <a16:creationId xmlns:a16="http://schemas.microsoft.com/office/drawing/2014/main" id="{77E52178-83AD-1BE9-709D-EF80657C2F6E}"/>
+                  </a:ext>
+                </a:extLst>
+              </p:cNvPr>
+              <p:cNvSpPr/>
+              <p:nvPr/>
+            </p:nvSpPr>
+            <p:spPr>
+              <a:xfrm>
+                <a:off x="1190625" y="1853565"/>
+                <a:ext cx="436245" cy="135252"/>
+              </a:xfrm>
+              <a:custGeom>
+                <a:avLst/>
+                <a:gdLst>
+                  <a:gd name="connsiteX0" fmla="*/ 0 w 436245"/>
+                  <a:gd name="connsiteY0" fmla="*/ 0 h 145568"/>
+                  <a:gd name="connsiteX1" fmla="*/ 97155 w 436245"/>
+                  <a:gd name="connsiteY1" fmla="*/ 123825 h 145568"/>
+                  <a:gd name="connsiteX2" fmla="*/ 436245 w 436245"/>
+                  <a:gd name="connsiteY2" fmla="*/ 144780 h 145568"/>
+                </a:gdLst>
+                <a:ahLst/>
+                <a:cxnLst>
+                  <a:cxn ang="0">
+                    <a:pos x="connsiteX0" y="connsiteY0"/>
+                  </a:cxn>
+                  <a:cxn ang="0">
+                    <a:pos x="connsiteX1" y="connsiteY1"/>
+                  </a:cxn>
+                  <a:cxn ang="0">
+                    <a:pos x="connsiteX2" y="connsiteY2"/>
+                  </a:cxn>
+                </a:cxnLst>
+                <a:rect l="l" t="t" r="r" b="b"/>
+                <a:pathLst>
+                  <a:path w="436245" h="145568">
+                    <a:moveTo>
+                      <a:pt x="0" y="0"/>
+                    </a:moveTo>
+                    <a:cubicBezTo>
+                      <a:pt x="12224" y="49847"/>
+                      <a:pt x="24448" y="99695"/>
+                      <a:pt x="97155" y="123825"/>
+                    </a:cubicBezTo>
+                    <a:cubicBezTo>
+                      <a:pt x="169863" y="147955"/>
+                      <a:pt x="303054" y="146367"/>
+                      <a:pt x="436245" y="144780"/>
+                    </a:cubicBezTo>
+                  </a:path>
+                </a:pathLst>
+              </a:custGeom>
+              <a:noFill/>
+              <a:ln w="6350" cap="rnd">
+                <a:solidFill>
+                  <a:schemeClr val="accent1"/>
+                </a:solidFill>
+                <a:round/>
+              </a:ln>
+            </p:spPr>
+            <p:style>
+              <a:lnRef idx="2">
+                <a:schemeClr val="accent1">
+                  <a:shade val="15000"/>
+                </a:schemeClr>
+              </a:lnRef>
+              <a:fillRef idx="1">
+                <a:schemeClr val="accent1"/>
+              </a:fillRef>
+              <a:effectRef idx="0">
+                <a:schemeClr val="accent1"/>
+              </a:effectRef>
+              <a:fontRef idx="minor">
+                <a:schemeClr val="lt1"/>
+              </a:fontRef>
+            </p:style>
+            <p:txBody>
+              <a:bodyPr rtlCol="0" anchor="ctr"/>
+              <a:lstStyle/>
+              <a:p>
+                <a:pPr algn="ctr"/>
+                <a:endParaRPr lang="de-DE"/>
+              </a:p>
+            </p:txBody>
+          </p:sp>
+          <p:sp>
+            <p:nvSpPr>
+              <p:cNvPr id="73" name="Freihandform: Form 72">
+                <a:extLst>
+                  <a:ext uri="{FF2B5EF4-FFF2-40B4-BE49-F238E27FC236}">
+                    <a16:creationId xmlns:a16="http://schemas.microsoft.com/office/drawing/2014/main" id="{A36CD181-F0DB-BADC-53BC-8C4A01379822}"/>
+                  </a:ext>
+                </a:extLst>
+              </p:cNvPr>
+              <p:cNvSpPr/>
+              <p:nvPr/>
+            </p:nvSpPr>
+            <p:spPr>
+              <a:xfrm>
+                <a:off x="1190624" y="1737360"/>
+                <a:ext cx="436243" cy="234315"/>
+              </a:xfrm>
+              <a:custGeom>
+                <a:avLst/>
+                <a:gdLst>
+                  <a:gd name="connsiteX0" fmla="*/ 0 w 434340"/>
+                  <a:gd name="connsiteY0" fmla="*/ 0 h 234315"/>
+                  <a:gd name="connsiteX1" fmla="*/ 95250 w 434340"/>
+                  <a:gd name="connsiteY1" fmla="*/ 190500 h 234315"/>
+                  <a:gd name="connsiteX2" fmla="*/ 434340 w 434340"/>
+                  <a:gd name="connsiteY2" fmla="*/ 234315 h 234315"/>
+                </a:gdLst>
+                <a:ahLst/>
+                <a:cxnLst>
+                  <a:cxn ang="0">
+                    <a:pos x="connsiteX0" y="connsiteY0"/>
+                  </a:cxn>
+                  <a:cxn ang="0">
+                    <a:pos x="connsiteX1" y="connsiteY1"/>
+                  </a:cxn>
+                  <a:cxn ang="0">
+                    <a:pos x="connsiteX2" y="connsiteY2"/>
+                  </a:cxn>
+                </a:cxnLst>
+                <a:rect l="l" t="t" r="r" b="b"/>
+                <a:pathLst>
+                  <a:path w="434340" h="234315">
+                    <a:moveTo>
+                      <a:pt x="0" y="0"/>
+                    </a:moveTo>
+                    <a:cubicBezTo>
+                      <a:pt x="11430" y="75724"/>
+                      <a:pt x="22860" y="151448"/>
+                      <a:pt x="95250" y="190500"/>
+                    </a:cubicBezTo>
+                    <a:cubicBezTo>
+                      <a:pt x="167640" y="229552"/>
+                      <a:pt x="300990" y="231933"/>
+                      <a:pt x="434340" y="234315"/>
+                    </a:cubicBezTo>
+                  </a:path>
+                </a:pathLst>
+              </a:custGeom>
+              <a:noFill/>
+              <a:ln w="6350" cap="rnd">
+                <a:solidFill>
+                  <a:schemeClr val="accent1"/>
+                </a:solidFill>
+                <a:round/>
+              </a:ln>
+            </p:spPr>
+            <p:style>
+              <a:lnRef idx="2">
+                <a:schemeClr val="accent1">
+                  <a:shade val="15000"/>
+                </a:schemeClr>
+              </a:lnRef>
+              <a:fillRef idx="1">
+                <a:schemeClr val="accent1"/>
+              </a:fillRef>
+              <a:effectRef idx="0">
+                <a:schemeClr val="accent1"/>
+              </a:effectRef>
+              <a:fontRef idx="minor">
+                <a:schemeClr val="lt1"/>
+              </a:fontRef>
+            </p:style>
+            <p:txBody>
+              <a:bodyPr rtlCol="0" anchor="ctr"/>
+              <a:lstStyle/>
+              <a:p>
+                <a:pPr algn="ctr"/>
+                <a:endParaRPr lang="de-DE"/>
+              </a:p>
+            </p:txBody>
+          </p:sp>
+          <p:sp>
+            <p:nvSpPr>
+              <p:cNvPr id="74" name="Freihandform: Form 73">
+                <a:extLst>
+                  <a:ext uri="{FF2B5EF4-FFF2-40B4-BE49-F238E27FC236}">
+                    <a16:creationId xmlns:a16="http://schemas.microsoft.com/office/drawing/2014/main" id="{5FF4BA9C-02B7-8BA3-12C2-E9FCEA334457}"/>
+                  </a:ext>
+                </a:extLst>
+              </p:cNvPr>
+              <p:cNvSpPr/>
+              <p:nvPr/>
+            </p:nvSpPr>
+            <p:spPr>
+              <a:xfrm>
+                <a:off x="1190625" y="1556385"/>
+                <a:ext cx="436235" cy="398145"/>
+              </a:xfrm>
+              <a:custGeom>
+                <a:avLst/>
+                <a:gdLst>
+                  <a:gd name="connsiteX0" fmla="*/ 0 w 438150"/>
+                  <a:gd name="connsiteY0" fmla="*/ 0 h 407670"/>
+                  <a:gd name="connsiteX1" fmla="*/ 104775 w 438150"/>
+                  <a:gd name="connsiteY1" fmla="*/ 331470 h 407670"/>
+                  <a:gd name="connsiteX2" fmla="*/ 438150 w 438150"/>
+                  <a:gd name="connsiteY2" fmla="*/ 407670 h 407670"/>
+                </a:gdLst>
+                <a:ahLst/>
+                <a:cxnLst>
+                  <a:cxn ang="0">
+                    <a:pos x="connsiteX0" y="connsiteY0"/>
+                  </a:cxn>
+                  <a:cxn ang="0">
+                    <a:pos x="connsiteX1" y="connsiteY1"/>
+                  </a:cxn>
+                  <a:cxn ang="0">
+                    <a:pos x="connsiteX2" y="connsiteY2"/>
+                  </a:cxn>
+                </a:cxnLst>
+                <a:rect l="l" t="t" r="r" b="b"/>
+                <a:pathLst>
+                  <a:path w="438150" h="407670">
+                    <a:moveTo>
+                      <a:pt x="0" y="0"/>
+                    </a:moveTo>
+                    <a:cubicBezTo>
+                      <a:pt x="15875" y="131762"/>
+                      <a:pt x="31750" y="263525"/>
+                      <a:pt x="104775" y="331470"/>
+                    </a:cubicBezTo>
+                    <a:cubicBezTo>
+                      <a:pt x="177800" y="399415"/>
+                      <a:pt x="307975" y="403542"/>
+                      <a:pt x="438150" y="407670"/>
+                    </a:cubicBezTo>
+                  </a:path>
+                </a:pathLst>
+              </a:custGeom>
+              <a:noFill/>
+              <a:ln w="6350" cap="rnd">
+                <a:solidFill>
+                  <a:schemeClr val="accent1"/>
+                </a:solidFill>
+                <a:round/>
+              </a:ln>
+            </p:spPr>
+            <p:style>
+              <a:lnRef idx="2">
+                <a:schemeClr val="accent1">
+                  <a:shade val="15000"/>
+                </a:schemeClr>
+              </a:lnRef>
+              <a:fillRef idx="1">
+                <a:schemeClr val="accent1"/>
+              </a:fillRef>
+              <a:effectRef idx="0">
+                <a:schemeClr val="accent1"/>
+              </a:effectRef>
+              <a:fontRef idx="minor">
+                <a:schemeClr val="lt1"/>
+              </a:fontRef>
+            </p:style>
+            <p:txBody>
+              <a:bodyPr rtlCol="0" anchor="ctr"/>
+              <a:lstStyle/>
+              <a:p>
+                <a:pPr algn="ctr"/>
+                <a:endParaRPr lang="de-DE"/>
+              </a:p>
+            </p:txBody>
+          </p:sp>
+          <p:sp>
+            <p:nvSpPr>
+              <p:cNvPr id="87" name="Freihandform: Form 86">
+                <a:extLst>
+                  <a:ext uri="{FF2B5EF4-FFF2-40B4-BE49-F238E27FC236}">
+                    <a16:creationId xmlns:a16="http://schemas.microsoft.com/office/drawing/2014/main" id="{89E535A2-9C10-27FE-B8AD-80D6DFCD4491}"/>
+                  </a:ext>
+                </a:extLst>
+              </p:cNvPr>
+              <p:cNvSpPr/>
+              <p:nvPr/>
+            </p:nvSpPr>
+            <p:spPr>
+              <a:xfrm>
+                <a:off x="1323734" y="1661082"/>
+                <a:ext cx="196215" cy="152556"/>
+              </a:xfrm>
+              <a:custGeom>
+                <a:avLst/>
+                <a:gdLst>
+                  <a:gd name="connsiteX0" fmla="*/ 0 w 194310"/>
+                  <a:gd name="connsiteY0" fmla="*/ 0 h 203835"/>
+                  <a:gd name="connsiteX1" fmla="*/ 70485 w 194310"/>
+                  <a:gd name="connsiteY1" fmla="*/ 150495 h 203835"/>
+                  <a:gd name="connsiteX2" fmla="*/ 194310 w 194310"/>
+                  <a:gd name="connsiteY2" fmla="*/ 203835 h 203835"/>
+                </a:gdLst>
+                <a:ahLst/>
+                <a:cxnLst>
+                  <a:cxn ang="0">
+                    <a:pos x="connsiteX0" y="connsiteY0"/>
+                  </a:cxn>
+                  <a:cxn ang="0">
+                    <a:pos x="connsiteX1" y="connsiteY1"/>
+                  </a:cxn>
+                  <a:cxn ang="0">
+                    <a:pos x="connsiteX2" y="connsiteY2"/>
+                  </a:cxn>
+                </a:cxnLst>
+                <a:rect l="l" t="t" r="r" b="b"/>
+                <a:pathLst>
+                  <a:path w="194310" h="203835">
+                    <a:moveTo>
+                      <a:pt x="0" y="0"/>
+                    </a:moveTo>
+                    <a:cubicBezTo>
+                      <a:pt x="19050" y="58261"/>
+                      <a:pt x="38100" y="116523"/>
+                      <a:pt x="70485" y="150495"/>
+                    </a:cubicBezTo>
+                    <a:cubicBezTo>
+                      <a:pt x="102870" y="184467"/>
+                      <a:pt x="128588" y="188595"/>
+                      <a:pt x="194310" y="203835"/>
+                    </a:cubicBezTo>
+                  </a:path>
+                </a:pathLst>
+              </a:custGeom>
+              <a:noFill/>
+              <a:ln w="6350" cap="rnd">
+                <a:solidFill>
+                  <a:schemeClr val="accent1"/>
+                </a:solidFill>
+                <a:round/>
+                <a:tailEnd type="stealth"/>
+              </a:ln>
+            </p:spPr>
+            <p:style>
+              <a:lnRef idx="2">
+                <a:schemeClr val="accent1">
+                  <a:shade val="15000"/>
+                </a:schemeClr>
+              </a:lnRef>
+              <a:fillRef idx="1">
+                <a:schemeClr val="accent1"/>
+              </a:fillRef>
+              <a:effectRef idx="0">
+                <a:schemeClr val="accent1"/>
+              </a:effectRef>
+              <a:fontRef idx="minor">
+                <a:schemeClr val="lt1"/>
+              </a:fontRef>
+            </p:style>
+            <p:txBody>
+              <a:bodyPr rtlCol="0" anchor="ctr"/>
+              <a:lstStyle/>
+              <a:p>
+                <a:pPr algn="ctr"/>
+                <a:endParaRPr lang="de-DE"/>
+              </a:p>
+            </p:txBody>
+          </p:sp>
+        </p:grpSp>
+        <p:cxnSp>
+          <p:nvCxnSpPr>
+            <p:cNvPr id="91" name="Gerade Verbindung mit Pfeil 90">
+              <a:extLst>
+                <a:ext uri="{FF2B5EF4-FFF2-40B4-BE49-F238E27FC236}">
+                  <a16:creationId xmlns:a16="http://schemas.microsoft.com/office/drawing/2014/main" id="{CCAE155C-48FF-627A-1849-C6BDD86E29CA}"/>
+                </a:ext>
+              </a:extLst>
+            </p:cNvPr>
+            <p:cNvCxnSpPr>
+              <a:cxnSpLocks/>
+            </p:cNvCxnSpPr>
+            <p:nvPr/>
+          </p:nvCxnSpPr>
+          <p:spPr>
+            <a:xfrm>
+              <a:off x="1937057" y="2305206"/>
+              <a:ext cx="1099513" cy="0"/>
+            </a:xfrm>
+            <a:prstGeom prst="straightConnector1">
+              <a:avLst/>
+            </a:prstGeom>
+            <a:ln w="6350" cap="rnd">
+              <a:solidFill>
+                <a:schemeClr val="tx1"/>
+              </a:solidFill>
+              <a:round/>
+              <a:tailEnd type="none"/>
+            </a:ln>
+          </p:spPr>
+          <p:style>
+            <a:lnRef idx="2">
+              <a:schemeClr val="accent1"/>
+            </a:lnRef>
+            <a:fillRef idx="0">
+              <a:schemeClr val="accent1"/>
+            </a:fillRef>
+            <a:effectRef idx="1">
+              <a:schemeClr val="accent1"/>
+            </a:effectRef>
+            <a:fontRef idx="minor">
+              <a:schemeClr val="tx1"/>
+            </a:fontRef>
+          </p:style>
+        </p:cxnSp>
+        <p:cxnSp>
+          <p:nvCxnSpPr>
+            <p:cNvPr id="92" name="Gerade Verbindung mit Pfeil 91">
+              <a:extLst>
+                <a:ext uri="{FF2B5EF4-FFF2-40B4-BE49-F238E27FC236}">
+                  <a16:creationId xmlns:a16="http://schemas.microsoft.com/office/drawing/2014/main" id="{0DE091F6-04B0-A072-01D0-7A52F7C6E895}"/>
+                </a:ext>
+              </a:extLst>
+            </p:cNvPr>
+            <p:cNvCxnSpPr>
+              <a:cxnSpLocks/>
+            </p:cNvCxnSpPr>
+            <p:nvPr/>
+          </p:nvCxnSpPr>
+          <p:spPr>
+            <a:xfrm flipV="1">
+              <a:off x="2486925" y="1750695"/>
+              <a:ext cx="0" cy="1108824"/>
+            </a:xfrm>
+            <a:prstGeom prst="straightConnector1">
+              <a:avLst/>
+            </a:prstGeom>
+            <a:ln w="6350" cap="rnd">
+              <a:solidFill>
+                <a:schemeClr val="tx1"/>
+              </a:solidFill>
+              <a:round/>
+              <a:tailEnd type="none"/>
+            </a:ln>
+          </p:spPr>
+          <p:style>
+            <a:lnRef idx="2">
+              <a:schemeClr val="accent1"/>
+            </a:lnRef>
+            <a:fillRef idx="0">
+              <a:schemeClr val="accent1"/>
+            </a:fillRef>
+            <a:effectRef idx="1">
+              <a:schemeClr val="accent1"/>
+            </a:effectRef>
+            <a:fontRef idx="minor">
+              <a:schemeClr val="tx1"/>
+            </a:fontRef>
+          </p:style>
+        </p:cxnSp>
+      </p:grpSp>
+    </p:spTree>
+    <p:extLst>
+      <p:ext uri="{BB962C8B-B14F-4D97-AF65-F5344CB8AC3E}">
+        <p14:creationId xmlns:p14="http://schemas.microsoft.com/office/powerpoint/2010/main" val="2689661887"/>
       </p:ext>
     </p:extLst>
   </p:cSld>
@@ -17759,6 +21561,2885 @@
 </p:sld>
 </file>
 
+<file path=ppt/slides/slide8.xml><?xml version="1.0" encoding="utf-8"?>
+<p:sld xmlns:a="http://schemas.openxmlformats.org/drawingml/2006/main" xmlns:r="http://schemas.openxmlformats.org/officeDocument/2006/relationships" xmlns:p="http://schemas.openxmlformats.org/presentationml/2006/main">
+  <p:cSld>
+    <p:spTree>
+      <p:nvGrpSpPr>
+        <p:cNvPr id="1" name=""/>
+        <p:cNvGrpSpPr/>
+        <p:nvPr/>
+      </p:nvGrpSpPr>
+      <p:grpSpPr>
+        <a:xfrm>
+          <a:off x="0" y="0"/>
+          <a:ext cx="0" cy="0"/>
+          <a:chOff x="0" y="0"/>
+          <a:chExt cx="0" cy="0"/>
+        </a:xfrm>
+      </p:grpSpPr>
+      <p:grpSp>
+        <p:nvGrpSpPr>
+          <p:cNvPr id="29" name="Gruppieren 28">
+            <a:extLst>
+              <a:ext uri="{FF2B5EF4-FFF2-40B4-BE49-F238E27FC236}">
+                <a16:creationId xmlns:a16="http://schemas.microsoft.com/office/drawing/2014/main" id="{C4EECDEA-03D7-6215-D7A0-819894CE5672}"/>
+              </a:ext>
+            </a:extLst>
+          </p:cNvPr>
+          <p:cNvGrpSpPr/>
+          <p:nvPr/>
+        </p:nvGrpSpPr>
+        <p:grpSpPr>
+          <a:xfrm>
+            <a:off x="477520" y="1298817"/>
+            <a:ext cx="1028700" cy="791754"/>
+            <a:chOff x="477520" y="1298817"/>
+            <a:chExt cx="1028700" cy="791754"/>
+          </a:xfrm>
+        </p:grpSpPr>
+        <p:cxnSp>
+          <p:nvCxnSpPr>
+            <p:cNvPr id="5" name="Gerade Verbindung mit Pfeil 4">
+              <a:extLst>
+                <a:ext uri="{FF2B5EF4-FFF2-40B4-BE49-F238E27FC236}">
+                  <a16:creationId xmlns:a16="http://schemas.microsoft.com/office/drawing/2014/main" id="{19C53E40-6DF3-172B-FAEF-011E20AC738D}"/>
+                </a:ext>
+              </a:extLst>
+            </p:cNvPr>
+            <p:cNvCxnSpPr/>
+            <p:nvPr/>
+          </p:nvCxnSpPr>
+          <p:spPr>
+            <a:xfrm>
+              <a:off x="732807" y="1959766"/>
+              <a:ext cx="551146" cy="0"/>
+            </a:xfrm>
+            <a:prstGeom prst="straightConnector1">
+              <a:avLst/>
+            </a:prstGeom>
+            <a:ln w="12700" cap="rnd">
+              <a:solidFill>
+                <a:schemeClr val="tx1"/>
+              </a:solidFill>
+              <a:round/>
+              <a:tailEnd type="stealth"/>
+            </a:ln>
+          </p:spPr>
+          <p:style>
+            <a:lnRef idx="2">
+              <a:schemeClr val="accent1"/>
+            </a:lnRef>
+            <a:fillRef idx="0">
+              <a:schemeClr val="accent1"/>
+            </a:fillRef>
+            <a:effectRef idx="1">
+              <a:schemeClr val="accent1"/>
+            </a:effectRef>
+            <a:fontRef idx="minor">
+              <a:schemeClr val="tx1"/>
+            </a:fontRef>
+          </p:style>
+        </p:cxnSp>
+        <p:cxnSp>
+          <p:nvCxnSpPr>
+            <p:cNvPr id="6" name="Gerade Verbindung mit Pfeil 5">
+              <a:extLst>
+                <a:ext uri="{FF2B5EF4-FFF2-40B4-BE49-F238E27FC236}">
+                  <a16:creationId xmlns:a16="http://schemas.microsoft.com/office/drawing/2014/main" id="{BD51C553-652A-8FDB-5A5C-56D6669212CA}"/>
+                </a:ext>
+              </a:extLst>
+            </p:cNvPr>
+            <p:cNvCxnSpPr>
+              <a:cxnSpLocks/>
+            </p:cNvCxnSpPr>
+            <p:nvPr/>
+          </p:nvCxnSpPr>
+          <p:spPr>
+            <a:xfrm flipV="1">
+              <a:off x="732807" y="1399618"/>
+              <a:ext cx="0" cy="560148"/>
+            </a:xfrm>
+            <a:prstGeom prst="straightConnector1">
+              <a:avLst/>
+            </a:prstGeom>
+            <a:ln w="12700" cap="rnd">
+              <a:solidFill>
+                <a:schemeClr val="tx1"/>
+              </a:solidFill>
+              <a:round/>
+              <a:tailEnd type="stealth"/>
+            </a:ln>
+          </p:spPr>
+          <p:style>
+            <a:lnRef idx="2">
+              <a:schemeClr val="accent1"/>
+            </a:lnRef>
+            <a:fillRef idx="0">
+              <a:schemeClr val="accent1"/>
+            </a:fillRef>
+            <a:effectRef idx="1">
+              <a:schemeClr val="accent1"/>
+            </a:effectRef>
+            <a:fontRef idx="minor">
+              <a:schemeClr val="tx1"/>
+            </a:fontRef>
+          </p:style>
+        </p:cxnSp>
+        <p:sp>
+          <p:nvSpPr>
+            <p:cNvPr id="9" name="Textfeld 8">
+              <a:extLst>
+                <a:ext uri="{FF2B5EF4-FFF2-40B4-BE49-F238E27FC236}">
+                  <a16:creationId xmlns:a16="http://schemas.microsoft.com/office/drawing/2014/main" id="{B8C6E286-DF21-CF8C-FCF0-90FC69FCAF71}"/>
+                </a:ext>
+              </a:extLst>
+            </p:cNvPr>
+            <p:cNvSpPr txBox="1"/>
+            <p:nvPr/>
+          </p:nvSpPr>
+          <p:spPr>
+            <a:xfrm>
+              <a:off x="477520" y="1298817"/>
+              <a:ext cx="289560" cy="261610"/>
+            </a:xfrm>
+            <a:prstGeom prst="rect">
+              <a:avLst/>
+            </a:prstGeom>
+            <a:noFill/>
+          </p:spPr>
+          <p:txBody>
+            <a:bodyPr wrap="square" rtlCol="0" anchor="ctr">
+              <a:spAutoFit/>
+            </a:bodyPr>
+            <a:lstStyle/>
+            <a:p>
+              <a:pPr algn="ctr"/>
+              <a:r>
+                <a:rPr lang="de-DE" sz="1100" i="1" dirty="0">
+                  <a:latin typeface="CMU Serif" panose="02000603000000000000" pitchFamily="2" charset="0"/>
+                  <a:ea typeface="CMU Serif" panose="02000603000000000000" pitchFamily="2" charset="0"/>
+                  <a:cs typeface="CMU Serif" panose="02000603000000000000" pitchFamily="2" charset="0"/>
+                </a:rPr>
+                <a:t>y</a:t>
+              </a:r>
+            </a:p>
+          </p:txBody>
+        </p:sp>
+        <p:sp>
+          <p:nvSpPr>
+            <p:cNvPr id="10" name="Textfeld 9">
+              <a:extLst>
+                <a:ext uri="{FF2B5EF4-FFF2-40B4-BE49-F238E27FC236}">
+                  <a16:creationId xmlns:a16="http://schemas.microsoft.com/office/drawing/2014/main" id="{49E17DF3-8810-671E-3B1B-43D2D2C6567C}"/>
+                </a:ext>
+              </a:extLst>
+            </p:cNvPr>
+            <p:cNvSpPr txBox="1"/>
+            <p:nvPr/>
+          </p:nvSpPr>
+          <p:spPr>
+            <a:xfrm>
+              <a:off x="1216660" y="1828961"/>
+              <a:ext cx="289560" cy="261610"/>
+            </a:xfrm>
+            <a:prstGeom prst="rect">
+              <a:avLst/>
+            </a:prstGeom>
+            <a:noFill/>
+          </p:spPr>
+          <p:txBody>
+            <a:bodyPr wrap="square" rtlCol="0" anchor="ctr">
+              <a:spAutoFit/>
+            </a:bodyPr>
+            <a:lstStyle/>
+            <a:p>
+              <a:pPr algn="ctr"/>
+              <a:r>
+                <a:rPr lang="de-DE" sz="1100" i="1" dirty="0">
+                  <a:latin typeface="CMU Serif" panose="02000603000000000000" pitchFamily="2" charset="0"/>
+                  <a:ea typeface="CMU Serif" panose="02000603000000000000" pitchFamily="2" charset="0"/>
+                  <a:cs typeface="CMU Serif" panose="02000603000000000000" pitchFamily="2" charset="0"/>
+                </a:rPr>
+                <a:t>x</a:t>
+              </a:r>
+            </a:p>
+          </p:txBody>
+        </p:sp>
+      </p:grpSp>
+      <p:grpSp>
+        <p:nvGrpSpPr>
+          <p:cNvPr id="30" name="Gruppieren 29">
+            <a:extLst>
+              <a:ext uri="{FF2B5EF4-FFF2-40B4-BE49-F238E27FC236}">
+                <a16:creationId xmlns:a16="http://schemas.microsoft.com/office/drawing/2014/main" id="{7E0F4244-FC3F-19B0-1914-33B46129A9AD}"/>
+              </a:ext>
+            </a:extLst>
+          </p:cNvPr>
+          <p:cNvGrpSpPr/>
+          <p:nvPr/>
+        </p:nvGrpSpPr>
+        <p:grpSpPr>
+          <a:xfrm>
+            <a:off x="2316497" y="1298817"/>
+            <a:ext cx="1028700" cy="791754"/>
+            <a:chOff x="2316497" y="1298817"/>
+            <a:chExt cx="1028700" cy="791754"/>
+          </a:xfrm>
+        </p:grpSpPr>
+        <p:cxnSp>
+          <p:nvCxnSpPr>
+            <p:cNvPr id="11" name="Gerade Verbindung mit Pfeil 10">
+              <a:extLst>
+                <a:ext uri="{FF2B5EF4-FFF2-40B4-BE49-F238E27FC236}">
+                  <a16:creationId xmlns:a16="http://schemas.microsoft.com/office/drawing/2014/main" id="{CE77EC5D-E089-D20B-7054-A3FAB8E689AC}"/>
+                </a:ext>
+              </a:extLst>
+            </p:cNvPr>
+            <p:cNvCxnSpPr/>
+            <p:nvPr/>
+          </p:nvCxnSpPr>
+          <p:spPr>
+            <a:xfrm>
+              <a:off x="2571784" y="1959766"/>
+              <a:ext cx="551146" cy="0"/>
+            </a:xfrm>
+            <a:prstGeom prst="straightConnector1">
+              <a:avLst/>
+            </a:prstGeom>
+            <a:ln w="12700" cap="rnd">
+              <a:solidFill>
+                <a:schemeClr val="tx1"/>
+              </a:solidFill>
+              <a:round/>
+              <a:tailEnd type="stealth"/>
+            </a:ln>
+          </p:spPr>
+          <p:style>
+            <a:lnRef idx="2">
+              <a:schemeClr val="accent1"/>
+            </a:lnRef>
+            <a:fillRef idx="0">
+              <a:schemeClr val="accent1"/>
+            </a:fillRef>
+            <a:effectRef idx="1">
+              <a:schemeClr val="accent1"/>
+            </a:effectRef>
+            <a:fontRef idx="minor">
+              <a:schemeClr val="tx1"/>
+            </a:fontRef>
+          </p:style>
+        </p:cxnSp>
+        <p:cxnSp>
+          <p:nvCxnSpPr>
+            <p:cNvPr id="12" name="Gerade Verbindung mit Pfeil 11">
+              <a:extLst>
+                <a:ext uri="{FF2B5EF4-FFF2-40B4-BE49-F238E27FC236}">
+                  <a16:creationId xmlns:a16="http://schemas.microsoft.com/office/drawing/2014/main" id="{AC044EB0-A099-8D03-82BE-C6775D90EE32}"/>
+                </a:ext>
+              </a:extLst>
+            </p:cNvPr>
+            <p:cNvCxnSpPr>
+              <a:cxnSpLocks/>
+            </p:cNvCxnSpPr>
+            <p:nvPr/>
+          </p:nvCxnSpPr>
+          <p:spPr>
+            <a:xfrm flipV="1">
+              <a:off x="2571784" y="1399618"/>
+              <a:ext cx="0" cy="560148"/>
+            </a:xfrm>
+            <a:prstGeom prst="straightConnector1">
+              <a:avLst/>
+            </a:prstGeom>
+            <a:ln w="12700" cap="rnd">
+              <a:solidFill>
+                <a:schemeClr val="tx1"/>
+              </a:solidFill>
+              <a:round/>
+              <a:tailEnd type="stealth"/>
+            </a:ln>
+          </p:spPr>
+          <p:style>
+            <a:lnRef idx="2">
+              <a:schemeClr val="accent1"/>
+            </a:lnRef>
+            <a:fillRef idx="0">
+              <a:schemeClr val="accent1"/>
+            </a:fillRef>
+            <a:effectRef idx="1">
+              <a:schemeClr val="accent1"/>
+            </a:effectRef>
+            <a:fontRef idx="minor">
+              <a:schemeClr val="tx1"/>
+            </a:fontRef>
+          </p:style>
+        </p:cxnSp>
+        <p:sp>
+          <p:nvSpPr>
+            <p:cNvPr id="13" name="Textfeld 12">
+              <a:extLst>
+                <a:ext uri="{FF2B5EF4-FFF2-40B4-BE49-F238E27FC236}">
+                  <a16:creationId xmlns:a16="http://schemas.microsoft.com/office/drawing/2014/main" id="{B4F47C8C-B3D4-29EA-F8A5-A986C08E57AF}"/>
+                </a:ext>
+              </a:extLst>
+            </p:cNvPr>
+            <p:cNvSpPr txBox="1"/>
+            <p:nvPr/>
+          </p:nvSpPr>
+          <p:spPr>
+            <a:xfrm>
+              <a:off x="2316497" y="1298817"/>
+              <a:ext cx="289560" cy="261610"/>
+            </a:xfrm>
+            <a:prstGeom prst="rect">
+              <a:avLst/>
+            </a:prstGeom>
+            <a:noFill/>
+          </p:spPr>
+          <p:txBody>
+            <a:bodyPr wrap="square" rtlCol="0" anchor="ctr">
+              <a:spAutoFit/>
+            </a:bodyPr>
+            <a:lstStyle/>
+            <a:p>
+              <a:pPr algn="ctr"/>
+              <a:r>
+                <a:rPr lang="de-DE" sz="1100" i="1" dirty="0">
+                  <a:latin typeface="CMU Serif" panose="02000603000000000000" pitchFamily="2" charset="0"/>
+                  <a:ea typeface="CMU Serif" panose="02000603000000000000" pitchFamily="2" charset="0"/>
+                  <a:cs typeface="CMU Serif" panose="02000603000000000000" pitchFamily="2" charset="0"/>
+                </a:rPr>
+                <a:t>y</a:t>
+              </a:r>
+            </a:p>
+          </p:txBody>
+        </p:sp>
+        <p:sp>
+          <p:nvSpPr>
+            <p:cNvPr id="14" name="Textfeld 13">
+              <a:extLst>
+                <a:ext uri="{FF2B5EF4-FFF2-40B4-BE49-F238E27FC236}">
+                  <a16:creationId xmlns:a16="http://schemas.microsoft.com/office/drawing/2014/main" id="{4F956893-0A6E-AC88-87C5-B4E694E218FC}"/>
+                </a:ext>
+              </a:extLst>
+            </p:cNvPr>
+            <p:cNvSpPr txBox="1"/>
+            <p:nvPr/>
+          </p:nvSpPr>
+          <p:spPr>
+            <a:xfrm>
+              <a:off x="3055637" y="1828961"/>
+              <a:ext cx="289560" cy="261610"/>
+            </a:xfrm>
+            <a:prstGeom prst="rect">
+              <a:avLst/>
+            </a:prstGeom>
+            <a:noFill/>
+          </p:spPr>
+          <p:txBody>
+            <a:bodyPr wrap="square" rtlCol="0" anchor="ctr">
+              <a:spAutoFit/>
+            </a:bodyPr>
+            <a:lstStyle/>
+            <a:p>
+              <a:pPr algn="ctr"/>
+              <a:r>
+                <a:rPr lang="de-DE" sz="1100" i="1" dirty="0">
+                  <a:latin typeface="CMU Serif" panose="02000603000000000000" pitchFamily="2" charset="0"/>
+                  <a:ea typeface="CMU Serif" panose="02000603000000000000" pitchFamily="2" charset="0"/>
+                  <a:cs typeface="CMU Serif" panose="02000603000000000000" pitchFamily="2" charset="0"/>
+                </a:rPr>
+                <a:t>x</a:t>
+              </a:r>
+            </a:p>
+          </p:txBody>
+        </p:sp>
+      </p:grpSp>
+      <p:sp>
+        <p:nvSpPr>
+          <p:cNvPr id="15" name="Textfeld 14">
+            <a:extLst>
+              <a:ext uri="{FF2B5EF4-FFF2-40B4-BE49-F238E27FC236}">
+                <a16:creationId xmlns:a16="http://schemas.microsoft.com/office/drawing/2014/main" id="{8AF54646-F4D4-491F-DA33-ED2F6A0A18FE}"/>
+              </a:ext>
+            </a:extLst>
+          </p:cNvPr>
+          <p:cNvSpPr txBox="1"/>
+          <p:nvPr/>
+        </p:nvSpPr>
+        <p:spPr>
+          <a:xfrm>
+            <a:off x="431800" y="1007204"/>
+            <a:ext cx="1036319" cy="261610"/>
+          </a:xfrm>
+          <a:prstGeom prst="rect">
+            <a:avLst/>
+          </a:prstGeom>
+          <a:noFill/>
+        </p:spPr>
+        <p:txBody>
+          <a:bodyPr wrap="square" rtlCol="0" anchor="ctr">
+            <a:spAutoFit/>
+          </a:bodyPr>
+          <a:lstStyle/>
+          <a:p>
+            <a:pPr algn="ctr"/>
+            <a:r>
+              <a:rPr lang="de-DE" sz="1100" i="1" dirty="0">
+                <a:latin typeface="CMU Serif" panose="02000603000000000000" pitchFamily="2" charset="0"/>
+                <a:ea typeface="CMU Serif" panose="02000603000000000000" pitchFamily="2" charset="0"/>
+                <a:cs typeface="CMU Serif" panose="02000603000000000000" pitchFamily="2" charset="0"/>
+              </a:rPr>
+              <a:t>a</a:t>
+            </a:r>
+            <a:r>
+              <a:rPr lang="de-DE" sz="1100" dirty="0">
+                <a:latin typeface="CMU Serif" panose="02000603000000000000" pitchFamily="2" charset="0"/>
+                <a:ea typeface="CMU Serif" panose="02000603000000000000" pitchFamily="2" charset="0"/>
+                <a:cs typeface="CMU Serif" panose="02000603000000000000" pitchFamily="2" charset="0"/>
+              </a:rPr>
+              <a:t> = reell:</a:t>
+            </a:r>
+          </a:p>
+        </p:txBody>
+      </p:sp>
+      <p:sp>
+        <p:nvSpPr>
+          <p:cNvPr id="16" name="Textfeld 15">
+            <a:extLst>
+              <a:ext uri="{FF2B5EF4-FFF2-40B4-BE49-F238E27FC236}">
+                <a16:creationId xmlns:a16="http://schemas.microsoft.com/office/drawing/2014/main" id="{51FB3A4B-E563-90EE-654C-3774D9BB58CD}"/>
+              </a:ext>
+            </a:extLst>
+          </p:cNvPr>
+          <p:cNvSpPr txBox="1"/>
+          <p:nvPr/>
+        </p:nvSpPr>
+        <p:spPr>
+          <a:xfrm>
+            <a:off x="2048535" y="1004157"/>
+            <a:ext cx="1221723" cy="261610"/>
+          </a:xfrm>
+          <a:prstGeom prst="rect">
+            <a:avLst/>
+          </a:prstGeom>
+          <a:noFill/>
+        </p:spPr>
+        <p:txBody>
+          <a:bodyPr wrap="square" rtlCol="0" anchor="ctr">
+            <a:spAutoFit/>
+          </a:bodyPr>
+          <a:lstStyle/>
+          <a:p>
+            <a:pPr algn="ctr"/>
+            <a:r>
+              <a:rPr lang="de-DE" sz="1100" i="1" dirty="0">
+                <a:latin typeface="CMU Serif" panose="02000603000000000000" pitchFamily="2" charset="0"/>
+                <a:ea typeface="CMU Serif" panose="02000603000000000000" pitchFamily="2" charset="0"/>
+                <a:cs typeface="CMU Serif" panose="02000603000000000000" pitchFamily="2" charset="0"/>
+              </a:rPr>
+              <a:t>a</a:t>
+            </a:r>
+            <a:r>
+              <a:rPr lang="de-DE" sz="1100" dirty="0">
+                <a:latin typeface="CMU Serif" panose="02000603000000000000" pitchFamily="2" charset="0"/>
+                <a:ea typeface="CMU Serif" panose="02000603000000000000" pitchFamily="2" charset="0"/>
+                <a:cs typeface="CMU Serif" panose="02000603000000000000" pitchFamily="2" charset="0"/>
+              </a:rPr>
+              <a:t> = imaginär:</a:t>
+            </a:r>
+          </a:p>
+        </p:txBody>
+      </p:sp>
+      <p:grpSp>
+        <p:nvGrpSpPr>
+          <p:cNvPr id="24" name="Gruppieren 23">
+            <a:extLst>
+              <a:ext uri="{FF2B5EF4-FFF2-40B4-BE49-F238E27FC236}">
+                <a16:creationId xmlns:a16="http://schemas.microsoft.com/office/drawing/2014/main" id="{709AE26E-6BA9-1592-78E6-76BD3AAA5118}"/>
+              </a:ext>
+            </a:extLst>
+          </p:cNvPr>
+          <p:cNvGrpSpPr/>
+          <p:nvPr/>
+        </p:nvGrpSpPr>
+        <p:grpSpPr>
+          <a:xfrm>
+            <a:off x="496586" y="1553366"/>
+            <a:ext cx="685800" cy="802640"/>
+            <a:chOff x="480060" y="1551940"/>
+            <a:chExt cx="685800" cy="802640"/>
+          </a:xfrm>
+        </p:grpSpPr>
+        <p:sp>
+          <p:nvSpPr>
+            <p:cNvPr id="21" name="Freihandform: Form 20">
+              <a:extLst>
+                <a:ext uri="{FF2B5EF4-FFF2-40B4-BE49-F238E27FC236}">
+                  <a16:creationId xmlns:a16="http://schemas.microsoft.com/office/drawing/2014/main" id="{2C04EA83-7C2B-4F70-CCE8-8F27006C1A41}"/>
+                </a:ext>
+              </a:extLst>
+            </p:cNvPr>
+            <p:cNvSpPr/>
+            <p:nvPr/>
+          </p:nvSpPr>
+          <p:spPr>
+            <a:xfrm>
+              <a:off x="629920" y="1826417"/>
+              <a:ext cx="535940" cy="266700"/>
+            </a:xfrm>
+            <a:custGeom>
+              <a:avLst/>
+              <a:gdLst>
+                <a:gd name="connsiteX0" fmla="*/ 533400 w 535940"/>
+                <a:gd name="connsiteY0" fmla="*/ 266700 h 266700"/>
+                <a:gd name="connsiteX1" fmla="*/ 0 w 535940"/>
+                <a:gd name="connsiteY1" fmla="*/ 132080 h 266700"/>
+                <a:gd name="connsiteX2" fmla="*/ 535940 w 535940"/>
+                <a:gd name="connsiteY2" fmla="*/ 0 h 266700"/>
+              </a:gdLst>
+              <a:ahLst/>
+              <a:cxnLst>
+                <a:cxn ang="0">
+                  <a:pos x="connsiteX0" y="connsiteY0"/>
+                </a:cxn>
+                <a:cxn ang="0">
+                  <a:pos x="connsiteX1" y="connsiteY1"/>
+                </a:cxn>
+                <a:cxn ang="0">
+                  <a:pos x="connsiteX2" y="connsiteY2"/>
+                </a:cxn>
+              </a:cxnLst>
+              <a:rect l="l" t="t" r="r" b="b"/>
+              <a:pathLst>
+                <a:path w="535940" h="266700">
+                  <a:moveTo>
+                    <a:pt x="533400" y="266700"/>
+                  </a:moveTo>
+                  <a:cubicBezTo>
+                    <a:pt x="266488" y="221615"/>
+                    <a:pt x="-423" y="176530"/>
+                    <a:pt x="0" y="132080"/>
+                  </a:cubicBezTo>
+                  <a:cubicBezTo>
+                    <a:pt x="423" y="87630"/>
+                    <a:pt x="268181" y="43815"/>
+                    <a:pt x="535940" y="0"/>
+                  </a:cubicBezTo>
+                </a:path>
+              </a:pathLst>
+            </a:custGeom>
+            <a:noFill/>
+            <a:ln w="6350" cap="rnd">
+              <a:solidFill>
+                <a:schemeClr val="accent1"/>
+              </a:solidFill>
+              <a:round/>
+              <a:tailEnd type="stealth"/>
+            </a:ln>
+          </p:spPr>
+          <p:style>
+            <a:lnRef idx="2">
+              <a:schemeClr val="accent1">
+                <a:shade val="15000"/>
+              </a:schemeClr>
+            </a:lnRef>
+            <a:fillRef idx="1">
+              <a:schemeClr val="accent1"/>
+            </a:fillRef>
+            <a:effectRef idx="0">
+              <a:schemeClr val="accent1"/>
+            </a:effectRef>
+            <a:fontRef idx="minor">
+              <a:schemeClr val="lt1"/>
+            </a:fontRef>
+          </p:style>
+          <p:txBody>
+            <a:bodyPr rtlCol="0" anchor="ctr"/>
+            <a:lstStyle/>
+            <a:p>
+              <a:pPr algn="ctr"/>
+              <a:endParaRPr lang="de-DE"/>
+            </a:p>
+          </p:txBody>
+        </p:sp>
+        <p:sp>
+          <p:nvSpPr>
+            <p:cNvPr id="22" name="Freihandform: Form 21">
+              <a:extLst>
+                <a:ext uri="{FF2B5EF4-FFF2-40B4-BE49-F238E27FC236}">
+                  <a16:creationId xmlns:a16="http://schemas.microsoft.com/office/drawing/2014/main" id="{C0F28A1D-8967-07D5-7E6F-8BA667652E3B}"/>
+                </a:ext>
+              </a:extLst>
+            </p:cNvPr>
+            <p:cNvSpPr/>
+            <p:nvPr/>
+          </p:nvSpPr>
+          <p:spPr>
+            <a:xfrm>
+              <a:off x="553719" y="1679692"/>
+              <a:ext cx="584201" cy="553720"/>
+            </a:xfrm>
+            <a:custGeom>
+              <a:avLst/>
+              <a:gdLst>
+                <a:gd name="connsiteX0" fmla="*/ 584201 w 589281"/>
+                <a:gd name="connsiteY0" fmla="*/ 553720 h 553720"/>
+                <a:gd name="connsiteX1" fmla="*/ 1 w 589281"/>
+                <a:gd name="connsiteY1" fmla="*/ 279400 h 553720"/>
+                <a:gd name="connsiteX2" fmla="*/ 589281 w 589281"/>
+                <a:gd name="connsiteY2" fmla="*/ 0 h 553720"/>
+              </a:gdLst>
+              <a:ahLst/>
+              <a:cxnLst>
+                <a:cxn ang="0">
+                  <a:pos x="connsiteX0" y="connsiteY0"/>
+                </a:cxn>
+                <a:cxn ang="0">
+                  <a:pos x="connsiteX1" y="connsiteY1"/>
+                </a:cxn>
+                <a:cxn ang="0">
+                  <a:pos x="connsiteX2" y="connsiteY2"/>
+                </a:cxn>
+              </a:cxnLst>
+              <a:rect l="l" t="t" r="r" b="b"/>
+              <a:pathLst>
+                <a:path w="589281" h="553720">
+                  <a:moveTo>
+                    <a:pt x="584201" y="553720"/>
+                  </a:moveTo>
+                  <a:cubicBezTo>
+                    <a:pt x="291677" y="462703"/>
+                    <a:pt x="-846" y="371687"/>
+                    <a:pt x="1" y="279400"/>
+                  </a:cubicBezTo>
+                  <a:cubicBezTo>
+                    <a:pt x="848" y="187113"/>
+                    <a:pt x="295064" y="93556"/>
+                    <a:pt x="589281" y="0"/>
+                  </a:cubicBezTo>
+                </a:path>
+              </a:pathLst>
+            </a:custGeom>
+            <a:noFill/>
+            <a:ln w="6350">
+              <a:solidFill>
+                <a:schemeClr val="accent1"/>
+              </a:solidFill>
+              <a:tailEnd type="stealth"/>
+            </a:ln>
+          </p:spPr>
+          <p:style>
+            <a:lnRef idx="2">
+              <a:schemeClr val="accent1">
+                <a:shade val="15000"/>
+              </a:schemeClr>
+            </a:lnRef>
+            <a:fillRef idx="1">
+              <a:schemeClr val="accent1"/>
+            </a:fillRef>
+            <a:effectRef idx="0">
+              <a:schemeClr val="accent1"/>
+            </a:effectRef>
+            <a:fontRef idx="minor">
+              <a:schemeClr val="lt1"/>
+            </a:fontRef>
+          </p:style>
+          <p:txBody>
+            <a:bodyPr rtlCol="0" anchor="ctr"/>
+            <a:lstStyle/>
+            <a:p>
+              <a:pPr algn="ctr"/>
+              <a:endParaRPr lang="de-DE"/>
+            </a:p>
+          </p:txBody>
+        </p:sp>
+        <p:sp>
+          <p:nvSpPr>
+            <p:cNvPr id="23" name="Freihandform: Form 22">
+              <a:extLst>
+                <a:ext uri="{FF2B5EF4-FFF2-40B4-BE49-F238E27FC236}">
+                  <a16:creationId xmlns:a16="http://schemas.microsoft.com/office/drawing/2014/main" id="{162E1C3E-5CB0-FE88-0CDB-AC4514A695B8}"/>
+                </a:ext>
+              </a:extLst>
+            </p:cNvPr>
+            <p:cNvSpPr/>
+            <p:nvPr/>
+          </p:nvSpPr>
+          <p:spPr>
+            <a:xfrm>
+              <a:off x="480060" y="1551940"/>
+              <a:ext cx="586740" cy="802640"/>
+            </a:xfrm>
+            <a:custGeom>
+              <a:avLst/>
+              <a:gdLst>
+                <a:gd name="connsiteX0" fmla="*/ 586740 w 586740"/>
+                <a:gd name="connsiteY0" fmla="*/ 802640 h 802640"/>
+                <a:gd name="connsiteX1" fmla="*/ 0 w 586740"/>
+                <a:gd name="connsiteY1" fmla="*/ 411480 h 802640"/>
+                <a:gd name="connsiteX2" fmla="*/ 584200 w 586740"/>
+                <a:gd name="connsiteY2" fmla="*/ 0 h 802640"/>
+              </a:gdLst>
+              <a:ahLst/>
+              <a:cxnLst>
+                <a:cxn ang="0">
+                  <a:pos x="connsiteX0" y="connsiteY0"/>
+                </a:cxn>
+                <a:cxn ang="0">
+                  <a:pos x="connsiteX1" y="connsiteY1"/>
+                </a:cxn>
+                <a:cxn ang="0">
+                  <a:pos x="connsiteX2" y="connsiteY2"/>
+                </a:cxn>
+              </a:cxnLst>
+              <a:rect l="l" t="t" r="r" b="b"/>
+              <a:pathLst>
+                <a:path w="586740" h="802640">
+                  <a:moveTo>
+                    <a:pt x="586740" y="802640"/>
+                  </a:moveTo>
+                  <a:cubicBezTo>
+                    <a:pt x="293581" y="673946"/>
+                    <a:pt x="423" y="545253"/>
+                    <a:pt x="0" y="411480"/>
+                  </a:cubicBezTo>
+                  <a:cubicBezTo>
+                    <a:pt x="-423" y="277707"/>
+                    <a:pt x="291888" y="138853"/>
+                    <a:pt x="584200" y="0"/>
+                  </a:cubicBezTo>
+                </a:path>
+              </a:pathLst>
+            </a:custGeom>
+            <a:noFill/>
+            <a:ln w="6350" cap="rnd">
+              <a:solidFill>
+                <a:schemeClr val="accent1"/>
+              </a:solidFill>
+              <a:round/>
+              <a:tailEnd type="stealth"/>
+            </a:ln>
+          </p:spPr>
+          <p:style>
+            <a:lnRef idx="2">
+              <a:schemeClr val="accent1">
+                <a:shade val="15000"/>
+              </a:schemeClr>
+            </a:lnRef>
+            <a:fillRef idx="1">
+              <a:schemeClr val="accent1"/>
+            </a:fillRef>
+            <a:effectRef idx="0">
+              <a:schemeClr val="accent1"/>
+            </a:effectRef>
+            <a:fontRef idx="minor">
+              <a:schemeClr val="lt1"/>
+            </a:fontRef>
+          </p:style>
+          <p:txBody>
+            <a:bodyPr rtlCol="0" anchor="ctr"/>
+            <a:lstStyle/>
+            <a:p>
+              <a:pPr algn="ctr"/>
+              <a:endParaRPr lang="de-DE"/>
+            </a:p>
+          </p:txBody>
+        </p:sp>
+      </p:grpSp>
+      <p:grpSp>
+        <p:nvGrpSpPr>
+          <p:cNvPr id="25" name="Gruppieren 24">
+            <a:extLst>
+              <a:ext uri="{FF2B5EF4-FFF2-40B4-BE49-F238E27FC236}">
+                <a16:creationId xmlns:a16="http://schemas.microsoft.com/office/drawing/2014/main" id="{E66D8574-2B01-8BB3-AEAB-F354152FBDC9}"/>
+              </a:ext>
+            </a:extLst>
+          </p:cNvPr>
+          <p:cNvGrpSpPr/>
+          <p:nvPr/>
+        </p:nvGrpSpPr>
+        <p:grpSpPr>
+          <a:xfrm flipH="1">
+            <a:off x="2123457" y="1553366"/>
+            <a:ext cx="685800" cy="802640"/>
+            <a:chOff x="480060" y="1551940"/>
+            <a:chExt cx="685800" cy="802640"/>
+          </a:xfrm>
+        </p:grpSpPr>
+        <p:sp>
+          <p:nvSpPr>
+            <p:cNvPr id="26" name="Freihandform: Form 25">
+              <a:extLst>
+                <a:ext uri="{FF2B5EF4-FFF2-40B4-BE49-F238E27FC236}">
+                  <a16:creationId xmlns:a16="http://schemas.microsoft.com/office/drawing/2014/main" id="{808D38E9-9A51-96B8-BB3A-D4B6C8BAADFB}"/>
+                </a:ext>
+              </a:extLst>
+            </p:cNvPr>
+            <p:cNvSpPr/>
+            <p:nvPr/>
+          </p:nvSpPr>
+          <p:spPr>
+            <a:xfrm>
+              <a:off x="629920" y="1826417"/>
+              <a:ext cx="535940" cy="266700"/>
+            </a:xfrm>
+            <a:custGeom>
+              <a:avLst/>
+              <a:gdLst>
+                <a:gd name="connsiteX0" fmla="*/ 533400 w 535940"/>
+                <a:gd name="connsiteY0" fmla="*/ 266700 h 266700"/>
+                <a:gd name="connsiteX1" fmla="*/ 0 w 535940"/>
+                <a:gd name="connsiteY1" fmla="*/ 132080 h 266700"/>
+                <a:gd name="connsiteX2" fmla="*/ 535940 w 535940"/>
+                <a:gd name="connsiteY2" fmla="*/ 0 h 266700"/>
+              </a:gdLst>
+              <a:ahLst/>
+              <a:cxnLst>
+                <a:cxn ang="0">
+                  <a:pos x="connsiteX0" y="connsiteY0"/>
+                </a:cxn>
+                <a:cxn ang="0">
+                  <a:pos x="connsiteX1" y="connsiteY1"/>
+                </a:cxn>
+                <a:cxn ang="0">
+                  <a:pos x="connsiteX2" y="connsiteY2"/>
+                </a:cxn>
+              </a:cxnLst>
+              <a:rect l="l" t="t" r="r" b="b"/>
+              <a:pathLst>
+                <a:path w="535940" h="266700">
+                  <a:moveTo>
+                    <a:pt x="533400" y="266700"/>
+                  </a:moveTo>
+                  <a:cubicBezTo>
+                    <a:pt x="266488" y="221615"/>
+                    <a:pt x="-423" y="176530"/>
+                    <a:pt x="0" y="132080"/>
+                  </a:cubicBezTo>
+                  <a:cubicBezTo>
+                    <a:pt x="423" y="87630"/>
+                    <a:pt x="268181" y="43815"/>
+                    <a:pt x="535940" y="0"/>
+                  </a:cubicBezTo>
+                </a:path>
+              </a:pathLst>
+            </a:custGeom>
+            <a:noFill/>
+            <a:ln w="6350" cap="rnd">
+              <a:solidFill>
+                <a:schemeClr val="accent1"/>
+              </a:solidFill>
+              <a:round/>
+              <a:tailEnd type="stealth"/>
+            </a:ln>
+          </p:spPr>
+          <p:style>
+            <a:lnRef idx="2">
+              <a:schemeClr val="accent1">
+                <a:shade val="15000"/>
+              </a:schemeClr>
+            </a:lnRef>
+            <a:fillRef idx="1">
+              <a:schemeClr val="accent1"/>
+            </a:fillRef>
+            <a:effectRef idx="0">
+              <a:schemeClr val="accent1"/>
+            </a:effectRef>
+            <a:fontRef idx="minor">
+              <a:schemeClr val="lt1"/>
+            </a:fontRef>
+          </p:style>
+          <p:txBody>
+            <a:bodyPr rtlCol="0" anchor="ctr"/>
+            <a:lstStyle/>
+            <a:p>
+              <a:pPr algn="ctr"/>
+              <a:endParaRPr lang="de-DE"/>
+            </a:p>
+          </p:txBody>
+        </p:sp>
+        <p:sp>
+          <p:nvSpPr>
+            <p:cNvPr id="27" name="Freihandform: Form 26">
+              <a:extLst>
+                <a:ext uri="{FF2B5EF4-FFF2-40B4-BE49-F238E27FC236}">
+                  <a16:creationId xmlns:a16="http://schemas.microsoft.com/office/drawing/2014/main" id="{67C79C51-58F6-223B-1464-A7DB8446A187}"/>
+                </a:ext>
+              </a:extLst>
+            </p:cNvPr>
+            <p:cNvSpPr/>
+            <p:nvPr/>
+          </p:nvSpPr>
+          <p:spPr>
+            <a:xfrm>
+              <a:off x="553719" y="1679692"/>
+              <a:ext cx="584201" cy="553720"/>
+            </a:xfrm>
+            <a:custGeom>
+              <a:avLst/>
+              <a:gdLst>
+                <a:gd name="connsiteX0" fmla="*/ 584201 w 589281"/>
+                <a:gd name="connsiteY0" fmla="*/ 553720 h 553720"/>
+                <a:gd name="connsiteX1" fmla="*/ 1 w 589281"/>
+                <a:gd name="connsiteY1" fmla="*/ 279400 h 553720"/>
+                <a:gd name="connsiteX2" fmla="*/ 589281 w 589281"/>
+                <a:gd name="connsiteY2" fmla="*/ 0 h 553720"/>
+              </a:gdLst>
+              <a:ahLst/>
+              <a:cxnLst>
+                <a:cxn ang="0">
+                  <a:pos x="connsiteX0" y="connsiteY0"/>
+                </a:cxn>
+                <a:cxn ang="0">
+                  <a:pos x="connsiteX1" y="connsiteY1"/>
+                </a:cxn>
+                <a:cxn ang="0">
+                  <a:pos x="connsiteX2" y="connsiteY2"/>
+                </a:cxn>
+              </a:cxnLst>
+              <a:rect l="l" t="t" r="r" b="b"/>
+              <a:pathLst>
+                <a:path w="589281" h="553720">
+                  <a:moveTo>
+                    <a:pt x="584201" y="553720"/>
+                  </a:moveTo>
+                  <a:cubicBezTo>
+                    <a:pt x="291677" y="462703"/>
+                    <a:pt x="-846" y="371687"/>
+                    <a:pt x="1" y="279400"/>
+                  </a:cubicBezTo>
+                  <a:cubicBezTo>
+                    <a:pt x="848" y="187113"/>
+                    <a:pt x="295064" y="93556"/>
+                    <a:pt x="589281" y="0"/>
+                  </a:cubicBezTo>
+                </a:path>
+              </a:pathLst>
+            </a:custGeom>
+            <a:noFill/>
+            <a:ln w="6350">
+              <a:solidFill>
+                <a:schemeClr val="accent1"/>
+              </a:solidFill>
+              <a:tailEnd type="stealth"/>
+            </a:ln>
+          </p:spPr>
+          <p:style>
+            <a:lnRef idx="2">
+              <a:schemeClr val="accent1">
+                <a:shade val="15000"/>
+              </a:schemeClr>
+            </a:lnRef>
+            <a:fillRef idx="1">
+              <a:schemeClr val="accent1"/>
+            </a:fillRef>
+            <a:effectRef idx="0">
+              <a:schemeClr val="accent1"/>
+            </a:effectRef>
+            <a:fontRef idx="minor">
+              <a:schemeClr val="lt1"/>
+            </a:fontRef>
+          </p:style>
+          <p:txBody>
+            <a:bodyPr rtlCol="0" anchor="ctr"/>
+            <a:lstStyle/>
+            <a:p>
+              <a:pPr algn="ctr"/>
+              <a:endParaRPr lang="de-DE"/>
+            </a:p>
+          </p:txBody>
+        </p:sp>
+        <p:sp>
+          <p:nvSpPr>
+            <p:cNvPr id="28" name="Freihandform: Form 27">
+              <a:extLst>
+                <a:ext uri="{FF2B5EF4-FFF2-40B4-BE49-F238E27FC236}">
+                  <a16:creationId xmlns:a16="http://schemas.microsoft.com/office/drawing/2014/main" id="{F33B5713-1459-1DF9-EF7A-D9C93BC3BFCD}"/>
+                </a:ext>
+              </a:extLst>
+            </p:cNvPr>
+            <p:cNvSpPr/>
+            <p:nvPr/>
+          </p:nvSpPr>
+          <p:spPr>
+            <a:xfrm>
+              <a:off x="480060" y="1551940"/>
+              <a:ext cx="586740" cy="802640"/>
+            </a:xfrm>
+            <a:custGeom>
+              <a:avLst/>
+              <a:gdLst>
+                <a:gd name="connsiteX0" fmla="*/ 586740 w 586740"/>
+                <a:gd name="connsiteY0" fmla="*/ 802640 h 802640"/>
+                <a:gd name="connsiteX1" fmla="*/ 0 w 586740"/>
+                <a:gd name="connsiteY1" fmla="*/ 411480 h 802640"/>
+                <a:gd name="connsiteX2" fmla="*/ 584200 w 586740"/>
+                <a:gd name="connsiteY2" fmla="*/ 0 h 802640"/>
+              </a:gdLst>
+              <a:ahLst/>
+              <a:cxnLst>
+                <a:cxn ang="0">
+                  <a:pos x="connsiteX0" y="connsiteY0"/>
+                </a:cxn>
+                <a:cxn ang="0">
+                  <a:pos x="connsiteX1" y="connsiteY1"/>
+                </a:cxn>
+                <a:cxn ang="0">
+                  <a:pos x="connsiteX2" y="connsiteY2"/>
+                </a:cxn>
+              </a:cxnLst>
+              <a:rect l="l" t="t" r="r" b="b"/>
+              <a:pathLst>
+                <a:path w="586740" h="802640">
+                  <a:moveTo>
+                    <a:pt x="586740" y="802640"/>
+                  </a:moveTo>
+                  <a:cubicBezTo>
+                    <a:pt x="293581" y="673946"/>
+                    <a:pt x="423" y="545253"/>
+                    <a:pt x="0" y="411480"/>
+                  </a:cubicBezTo>
+                  <a:cubicBezTo>
+                    <a:pt x="-423" y="277707"/>
+                    <a:pt x="291888" y="138853"/>
+                    <a:pt x="584200" y="0"/>
+                  </a:cubicBezTo>
+                </a:path>
+              </a:pathLst>
+            </a:custGeom>
+            <a:noFill/>
+            <a:ln w="6350" cap="rnd">
+              <a:solidFill>
+                <a:schemeClr val="accent1"/>
+              </a:solidFill>
+              <a:round/>
+              <a:tailEnd type="stealth"/>
+            </a:ln>
+          </p:spPr>
+          <p:style>
+            <a:lnRef idx="2">
+              <a:schemeClr val="accent1">
+                <a:shade val="15000"/>
+              </a:schemeClr>
+            </a:lnRef>
+            <a:fillRef idx="1">
+              <a:schemeClr val="accent1"/>
+            </a:fillRef>
+            <a:effectRef idx="0">
+              <a:schemeClr val="accent1"/>
+            </a:effectRef>
+            <a:fontRef idx="minor">
+              <a:schemeClr val="lt1"/>
+            </a:fontRef>
+          </p:style>
+          <p:txBody>
+            <a:bodyPr rtlCol="0" anchor="ctr"/>
+            <a:lstStyle/>
+            <a:p>
+              <a:pPr algn="ctr"/>
+              <a:endParaRPr lang="de-DE"/>
+            </a:p>
+          </p:txBody>
+        </p:sp>
+      </p:grpSp>
+    </p:spTree>
+    <p:extLst>
+      <p:ext uri="{BB962C8B-B14F-4D97-AF65-F5344CB8AC3E}">
+        <p14:creationId xmlns:p14="http://schemas.microsoft.com/office/powerpoint/2010/main" val="983019988"/>
+      </p:ext>
+    </p:extLst>
+  </p:cSld>
+  <p:clrMapOvr>
+    <a:masterClrMapping/>
+  </p:clrMapOvr>
+</p:sld>
+</file>
+
+<file path=ppt/slides/slide9.xml><?xml version="1.0" encoding="utf-8"?>
+<p:sld xmlns:a="http://schemas.openxmlformats.org/drawingml/2006/main" xmlns:r="http://schemas.openxmlformats.org/officeDocument/2006/relationships" xmlns:p="http://schemas.openxmlformats.org/presentationml/2006/main">
+  <p:cSld>
+    <p:spTree>
+      <p:nvGrpSpPr>
+        <p:cNvPr id="1" name="">
+          <a:extLst>
+            <a:ext uri="{FF2B5EF4-FFF2-40B4-BE49-F238E27FC236}">
+              <a16:creationId xmlns:a16="http://schemas.microsoft.com/office/drawing/2014/main" id="{C31E7131-23CD-AB25-7228-8B68EFD5EE09}"/>
+            </a:ext>
+          </a:extLst>
+        </p:cNvPr>
+        <p:cNvGrpSpPr/>
+        <p:nvPr/>
+      </p:nvGrpSpPr>
+      <p:grpSpPr>
+        <a:xfrm>
+          <a:off x="0" y="0"/>
+          <a:ext cx="0" cy="0"/>
+          <a:chOff x="0" y="0"/>
+          <a:chExt cx="0" cy="0"/>
+        </a:xfrm>
+      </p:grpSpPr>
+      <p:sp>
+        <p:nvSpPr>
+          <p:cNvPr id="15" name="Textfeld 14">
+            <a:extLst>
+              <a:ext uri="{FF2B5EF4-FFF2-40B4-BE49-F238E27FC236}">
+                <a16:creationId xmlns:a16="http://schemas.microsoft.com/office/drawing/2014/main" id="{F66DB576-982D-C43E-87B3-6B02565D8D52}"/>
+              </a:ext>
+            </a:extLst>
+          </p:cNvPr>
+          <p:cNvSpPr txBox="1"/>
+          <p:nvPr/>
+        </p:nvSpPr>
+        <p:spPr>
+          <a:xfrm>
+            <a:off x="715687" y="1058150"/>
+            <a:ext cx="1036319" cy="261610"/>
+          </a:xfrm>
+          <a:prstGeom prst="rect">
+            <a:avLst/>
+          </a:prstGeom>
+          <a:noFill/>
+        </p:spPr>
+        <p:txBody>
+          <a:bodyPr wrap="square" rtlCol="0" anchor="ctr">
+            <a:spAutoFit/>
+          </a:bodyPr>
+          <a:lstStyle/>
+          <a:p>
+            <a:pPr algn="ctr"/>
+            <a:r>
+              <a:rPr lang="de-DE" sz="1100" i="1" dirty="0">
+                <a:latin typeface="CMU Serif" panose="02000603000000000000" pitchFamily="2" charset="0"/>
+                <a:ea typeface="CMU Serif" panose="02000603000000000000" pitchFamily="2" charset="0"/>
+                <a:cs typeface="CMU Serif" panose="02000603000000000000" pitchFamily="2" charset="0"/>
+              </a:rPr>
+              <a:t>a</a:t>
+            </a:r>
+            <a:r>
+              <a:rPr lang="de-DE" sz="1100" dirty="0">
+                <a:latin typeface="CMU Serif" panose="02000603000000000000" pitchFamily="2" charset="0"/>
+                <a:ea typeface="CMU Serif" panose="02000603000000000000" pitchFamily="2" charset="0"/>
+                <a:cs typeface="CMU Serif" panose="02000603000000000000" pitchFamily="2" charset="0"/>
+              </a:rPr>
+              <a:t> = reell:</a:t>
+            </a:r>
+          </a:p>
+        </p:txBody>
+      </p:sp>
+      <p:sp>
+        <p:nvSpPr>
+          <p:cNvPr id="16" name="Textfeld 15">
+            <a:extLst>
+              <a:ext uri="{FF2B5EF4-FFF2-40B4-BE49-F238E27FC236}">
+                <a16:creationId xmlns:a16="http://schemas.microsoft.com/office/drawing/2014/main" id="{7220F8A9-0D6A-6F5C-3D5A-036AABCD7E4E}"/>
+              </a:ext>
+            </a:extLst>
+          </p:cNvPr>
+          <p:cNvSpPr txBox="1"/>
+          <p:nvPr/>
+        </p:nvSpPr>
+        <p:spPr>
+          <a:xfrm>
+            <a:off x="1724991" y="1058150"/>
+            <a:ext cx="1221723" cy="261610"/>
+          </a:xfrm>
+          <a:prstGeom prst="rect">
+            <a:avLst/>
+          </a:prstGeom>
+          <a:noFill/>
+        </p:spPr>
+        <p:txBody>
+          <a:bodyPr wrap="square" rtlCol="0" anchor="ctr">
+            <a:spAutoFit/>
+          </a:bodyPr>
+          <a:lstStyle/>
+          <a:p>
+            <a:pPr algn="ctr"/>
+            <a:r>
+              <a:rPr lang="de-DE" sz="1100" i="1" dirty="0">
+                <a:latin typeface="CMU Serif" panose="02000603000000000000" pitchFamily="2" charset="0"/>
+                <a:ea typeface="CMU Serif" panose="02000603000000000000" pitchFamily="2" charset="0"/>
+                <a:cs typeface="CMU Serif" panose="02000603000000000000" pitchFamily="2" charset="0"/>
+              </a:rPr>
+              <a:t>a</a:t>
+            </a:r>
+            <a:r>
+              <a:rPr lang="de-DE" sz="1100" dirty="0">
+                <a:latin typeface="CMU Serif" panose="02000603000000000000" pitchFamily="2" charset="0"/>
+                <a:ea typeface="CMU Serif" panose="02000603000000000000" pitchFamily="2" charset="0"/>
+                <a:cs typeface="CMU Serif" panose="02000603000000000000" pitchFamily="2" charset="0"/>
+              </a:rPr>
+              <a:t> = imaginär:</a:t>
+            </a:r>
+          </a:p>
+        </p:txBody>
+      </p:sp>
+      <p:grpSp>
+        <p:nvGrpSpPr>
+          <p:cNvPr id="39" name="Gruppieren 38">
+            <a:extLst>
+              <a:ext uri="{FF2B5EF4-FFF2-40B4-BE49-F238E27FC236}">
+                <a16:creationId xmlns:a16="http://schemas.microsoft.com/office/drawing/2014/main" id="{83528D01-1456-428D-3120-2ADCD7DE6708}"/>
+              </a:ext>
+            </a:extLst>
+          </p:cNvPr>
+          <p:cNvGrpSpPr/>
+          <p:nvPr/>
+        </p:nvGrpSpPr>
+        <p:grpSpPr>
+          <a:xfrm>
+            <a:off x="872789" y="1588314"/>
+            <a:ext cx="588662" cy="827993"/>
+            <a:chOff x="431800" y="2205498"/>
+            <a:chExt cx="588662" cy="827993"/>
+          </a:xfrm>
+        </p:grpSpPr>
+        <p:cxnSp>
+          <p:nvCxnSpPr>
+            <p:cNvPr id="3" name="Gerader Verbinder 2">
+              <a:extLst>
+                <a:ext uri="{FF2B5EF4-FFF2-40B4-BE49-F238E27FC236}">
+                  <a16:creationId xmlns:a16="http://schemas.microsoft.com/office/drawing/2014/main" id="{261D88D8-ECAC-AD64-17BE-5054EDB0223E}"/>
+                </a:ext>
+              </a:extLst>
+            </p:cNvPr>
+            <p:cNvCxnSpPr/>
+            <p:nvPr/>
+          </p:nvCxnSpPr>
+          <p:spPr>
+            <a:xfrm flipV="1">
+              <a:off x="726130" y="2205498"/>
+              <a:ext cx="0" cy="827993"/>
+            </a:xfrm>
+            <a:prstGeom prst="line">
+              <a:avLst/>
+            </a:prstGeom>
+            <a:ln w="2540" cap="rnd">
+              <a:solidFill>
+                <a:schemeClr val="accent1"/>
+              </a:solidFill>
+              <a:prstDash val="solid"/>
+              <a:round/>
+            </a:ln>
+          </p:spPr>
+          <p:style>
+            <a:lnRef idx="2">
+              <a:schemeClr val="accent1"/>
+            </a:lnRef>
+            <a:fillRef idx="0">
+              <a:schemeClr val="accent1"/>
+            </a:fillRef>
+            <a:effectRef idx="1">
+              <a:schemeClr val="accent1"/>
+            </a:effectRef>
+            <a:fontRef idx="minor">
+              <a:schemeClr val="tx1"/>
+            </a:fontRef>
+          </p:style>
+        </p:cxnSp>
+        <p:cxnSp>
+          <p:nvCxnSpPr>
+            <p:cNvPr id="4" name="Gerader Verbinder 3">
+              <a:extLst>
+                <a:ext uri="{FF2B5EF4-FFF2-40B4-BE49-F238E27FC236}">
+                  <a16:creationId xmlns:a16="http://schemas.microsoft.com/office/drawing/2014/main" id="{361616AA-4395-E093-CB6E-F6092E67DF24}"/>
+                </a:ext>
+              </a:extLst>
+            </p:cNvPr>
+            <p:cNvCxnSpPr/>
+            <p:nvPr/>
+          </p:nvCxnSpPr>
+          <p:spPr>
+            <a:xfrm flipV="1">
+              <a:off x="922350" y="2205498"/>
+              <a:ext cx="0" cy="827993"/>
+            </a:xfrm>
+            <a:prstGeom prst="line">
+              <a:avLst/>
+            </a:prstGeom>
+            <a:ln w="2540" cap="rnd">
+              <a:solidFill>
+                <a:schemeClr val="accent1"/>
+              </a:solidFill>
+              <a:prstDash val="solid"/>
+              <a:round/>
+            </a:ln>
+          </p:spPr>
+          <p:style>
+            <a:lnRef idx="2">
+              <a:schemeClr val="accent1"/>
+            </a:lnRef>
+            <a:fillRef idx="0">
+              <a:schemeClr val="accent1"/>
+            </a:fillRef>
+            <a:effectRef idx="1">
+              <a:schemeClr val="accent1"/>
+            </a:effectRef>
+            <a:fontRef idx="minor">
+              <a:schemeClr val="tx1"/>
+            </a:fontRef>
+          </p:style>
+        </p:cxnSp>
+        <p:cxnSp>
+          <p:nvCxnSpPr>
+            <p:cNvPr id="7" name="Gerader Verbinder 6">
+              <a:extLst>
+                <a:ext uri="{FF2B5EF4-FFF2-40B4-BE49-F238E27FC236}">
+                  <a16:creationId xmlns:a16="http://schemas.microsoft.com/office/drawing/2014/main" id="{6F42522D-A0E2-CB4F-426C-E7B0C0BC75CB}"/>
+                </a:ext>
+              </a:extLst>
+            </p:cNvPr>
+            <p:cNvCxnSpPr/>
+            <p:nvPr/>
+          </p:nvCxnSpPr>
+          <p:spPr>
+            <a:xfrm flipV="1">
+              <a:off x="824240" y="2205498"/>
+              <a:ext cx="0" cy="827993"/>
+            </a:xfrm>
+            <a:prstGeom prst="line">
+              <a:avLst/>
+            </a:prstGeom>
+            <a:ln w="2540" cap="rnd">
+              <a:solidFill>
+                <a:schemeClr val="accent1"/>
+              </a:solidFill>
+              <a:prstDash val="solid"/>
+              <a:round/>
+            </a:ln>
+          </p:spPr>
+          <p:style>
+            <a:lnRef idx="2">
+              <a:schemeClr val="accent1"/>
+            </a:lnRef>
+            <a:fillRef idx="0">
+              <a:schemeClr val="accent1"/>
+            </a:fillRef>
+            <a:effectRef idx="1">
+              <a:schemeClr val="accent1"/>
+            </a:effectRef>
+            <a:fontRef idx="minor">
+              <a:schemeClr val="tx1"/>
+            </a:fontRef>
+          </p:style>
+        </p:cxnSp>
+        <p:cxnSp>
+          <p:nvCxnSpPr>
+            <p:cNvPr id="8" name="Gerader Verbinder 7">
+              <a:extLst>
+                <a:ext uri="{FF2B5EF4-FFF2-40B4-BE49-F238E27FC236}">
+                  <a16:creationId xmlns:a16="http://schemas.microsoft.com/office/drawing/2014/main" id="{3A0289E2-64F0-A8E8-2A0F-7449ADDBF8F8}"/>
+                </a:ext>
+              </a:extLst>
+            </p:cNvPr>
+            <p:cNvCxnSpPr/>
+            <p:nvPr/>
+          </p:nvCxnSpPr>
+          <p:spPr>
+            <a:xfrm flipV="1">
+              <a:off x="1020462" y="2205498"/>
+              <a:ext cx="0" cy="827993"/>
+            </a:xfrm>
+            <a:prstGeom prst="line">
+              <a:avLst/>
+            </a:prstGeom>
+            <a:ln w="2540" cap="rnd">
+              <a:solidFill>
+                <a:schemeClr val="accent1"/>
+              </a:solidFill>
+              <a:prstDash val="solid"/>
+              <a:round/>
+            </a:ln>
+          </p:spPr>
+          <p:style>
+            <a:lnRef idx="2">
+              <a:schemeClr val="accent1"/>
+            </a:lnRef>
+            <a:fillRef idx="0">
+              <a:schemeClr val="accent1"/>
+            </a:fillRef>
+            <a:effectRef idx="1">
+              <a:schemeClr val="accent1"/>
+            </a:effectRef>
+            <a:fontRef idx="minor">
+              <a:schemeClr val="tx1"/>
+            </a:fontRef>
+          </p:style>
+        </p:cxnSp>
+        <p:cxnSp>
+          <p:nvCxnSpPr>
+            <p:cNvPr id="17" name="Gerader Verbinder 16">
+              <a:extLst>
+                <a:ext uri="{FF2B5EF4-FFF2-40B4-BE49-F238E27FC236}">
+                  <a16:creationId xmlns:a16="http://schemas.microsoft.com/office/drawing/2014/main" id="{B1C9D1AF-DBEC-3547-BF02-FAABE4ACA5A7}"/>
+                </a:ext>
+              </a:extLst>
+            </p:cNvPr>
+            <p:cNvCxnSpPr/>
+            <p:nvPr/>
+          </p:nvCxnSpPr>
+          <p:spPr>
+            <a:xfrm flipV="1">
+              <a:off x="628020" y="2205498"/>
+              <a:ext cx="0" cy="827993"/>
+            </a:xfrm>
+            <a:prstGeom prst="line">
+              <a:avLst/>
+            </a:prstGeom>
+            <a:ln w="2540" cap="rnd">
+              <a:solidFill>
+                <a:schemeClr val="accent1"/>
+              </a:solidFill>
+              <a:prstDash val="solid"/>
+              <a:round/>
+            </a:ln>
+          </p:spPr>
+          <p:style>
+            <a:lnRef idx="2">
+              <a:schemeClr val="accent1"/>
+            </a:lnRef>
+            <a:fillRef idx="0">
+              <a:schemeClr val="accent1"/>
+            </a:fillRef>
+            <a:effectRef idx="1">
+              <a:schemeClr val="accent1"/>
+            </a:effectRef>
+            <a:fontRef idx="minor">
+              <a:schemeClr val="tx1"/>
+            </a:fontRef>
+          </p:style>
+        </p:cxnSp>
+        <p:cxnSp>
+          <p:nvCxnSpPr>
+            <p:cNvPr id="18" name="Gerader Verbinder 17">
+              <a:extLst>
+                <a:ext uri="{FF2B5EF4-FFF2-40B4-BE49-F238E27FC236}">
+                  <a16:creationId xmlns:a16="http://schemas.microsoft.com/office/drawing/2014/main" id="{E6C8D854-E574-3865-085B-8A342D7FACEA}"/>
+                </a:ext>
+              </a:extLst>
+            </p:cNvPr>
+            <p:cNvCxnSpPr/>
+            <p:nvPr/>
+          </p:nvCxnSpPr>
+          <p:spPr>
+            <a:xfrm flipV="1">
+              <a:off x="529910" y="2205498"/>
+              <a:ext cx="0" cy="827993"/>
+            </a:xfrm>
+            <a:prstGeom prst="line">
+              <a:avLst/>
+            </a:prstGeom>
+            <a:ln w="2540" cap="rnd">
+              <a:solidFill>
+                <a:schemeClr val="accent1"/>
+              </a:solidFill>
+              <a:prstDash val="solid"/>
+              <a:round/>
+            </a:ln>
+          </p:spPr>
+          <p:style>
+            <a:lnRef idx="2">
+              <a:schemeClr val="accent1"/>
+            </a:lnRef>
+            <a:fillRef idx="0">
+              <a:schemeClr val="accent1"/>
+            </a:fillRef>
+            <a:effectRef idx="1">
+              <a:schemeClr val="accent1"/>
+            </a:effectRef>
+            <a:fontRef idx="minor">
+              <a:schemeClr val="tx1"/>
+            </a:fontRef>
+          </p:style>
+        </p:cxnSp>
+        <p:cxnSp>
+          <p:nvCxnSpPr>
+            <p:cNvPr id="19" name="Gerader Verbinder 18">
+              <a:extLst>
+                <a:ext uri="{FF2B5EF4-FFF2-40B4-BE49-F238E27FC236}">
+                  <a16:creationId xmlns:a16="http://schemas.microsoft.com/office/drawing/2014/main" id="{846EFE70-E0F2-8606-48B1-08E9E737BD04}"/>
+                </a:ext>
+              </a:extLst>
+            </p:cNvPr>
+            <p:cNvCxnSpPr/>
+            <p:nvPr/>
+          </p:nvCxnSpPr>
+          <p:spPr>
+            <a:xfrm flipV="1">
+              <a:off x="431800" y="2205498"/>
+              <a:ext cx="0" cy="827993"/>
+            </a:xfrm>
+            <a:prstGeom prst="line">
+              <a:avLst/>
+            </a:prstGeom>
+            <a:ln w="2540" cap="rnd">
+              <a:solidFill>
+                <a:schemeClr val="accent1"/>
+              </a:solidFill>
+              <a:prstDash val="solid"/>
+              <a:round/>
+            </a:ln>
+          </p:spPr>
+          <p:style>
+            <a:lnRef idx="2">
+              <a:schemeClr val="accent1"/>
+            </a:lnRef>
+            <a:fillRef idx="0">
+              <a:schemeClr val="accent1"/>
+            </a:fillRef>
+            <a:effectRef idx="1">
+              <a:schemeClr val="accent1"/>
+            </a:effectRef>
+            <a:fontRef idx="minor">
+              <a:schemeClr val="tx1"/>
+            </a:fontRef>
+          </p:style>
+        </p:cxnSp>
+      </p:grpSp>
+      <p:grpSp>
+        <p:nvGrpSpPr>
+          <p:cNvPr id="40" name="Gruppieren 39">
+            <a:extLst>
+              <a:ext uri="{FF2B5EF4-FFF2-40B4-BE49-F238E27FC236}">
+                <a16:creationId xmlns:a16="http://schemas.microsoft.com/office/drawing/2014/main" id="{D8288909-C23E-3CFC-2E21-5C3B55873E89}"/>
+              </a:ext>
+            </a:extLst>
+          </p:cNvPr>
+          <p:cNvGrpSpPr/>
+          <p:nvPr/>
+        </p:nvGrpSpPr>
+        <p:grpSpPr>
+          <a:xfrm>
+            <a:off x="753121" y="1714454"/>
+            <a:ext cx="852201" cy="588662"/>
+            <a:chOff x="312132" y="2331638"/>
+            <a:chExt cx="827993" cy="588662"/>
+          </a:xfrm>
+        </p:grpSpPr>
+        <p:cxnSp>
+          <p:nvCxnSpPr>
+            <p:cNvPr id="20" name="Gerader Verbinder 19">
+              <a:extLst>
+                <a:ext uri="{FF2B5EF4-FFF2-40B4-BE49-F238E27FC236}">
+                  <a16:creationId xmlns:a16="http://schemas.microsoft.com/office/drawing/2014/main" id="{36A5EA37-D808-17BA-0629-6CEB79764192}"/>
+                </a:ext>
+              </a:extLst>
+            </p:cNvPr>
+            <p:cNvCxnSpPr/>
+            <p:nvPr/>
+          </p:nvCxnSpPr>
+          <p:spPr>
+            <a:xfrm rot="5400000" flipV="1">
+              <a:off x="726129" y="2211971"/>
+              <a:ext cx="0" cy="827993"/>
+            </a:xfrm>
+            <a:prstGeom prst="line">
+              <a:avLst/>
+            </a:prstGeom>
+            <a:ln w="6350" cap="rnd">
+              <a:solidFill>
+                <a:schemeClr val="accent1"/>
+              </a:solidFill>
+              <a:prstDash val="solid"/>
+              <a:round/>
+              <a:tailEnd type="stealth"/>
+            </a:ln>
+          </p:spPr>
+          <p:style>
+            <a:lnRef idx="2">
+              <a:schemeClr val="accent1"/>
+            </a:lnRef>
+            <a:fillRef idx="0">
+              <a:schemeClr val="accent1"/>
+            </a:fillRef>
+            <a:effectRef idx="1">
+              <a:schemeClr val="accent1"/>
+            </a:effectRef>
+            <a:fontRef idx="minor">
+              <a:schemeClr val="tx1"/>
+            </a:fontRef>
+          </p:style>
+        </p:cxnSp>
+        <p:cxnSp>
+          <p:nvCxnSpPr>
+            <p:cNvPr id="31" name="Gerader Verbinder 30">
+              <a:extLst>
+                <a:ext uri="{FF2B5EF4-FFF2-40B4-BE49-F238E27FC236}">
+                  <a16:creationId xmlns:a16="http://schemas.microsoft.com/office/drawing/2014/main" id="{5ED1B3B5-DE1D-DBD4-C9CA-1BC416161124}"/>
+                </a:ext>
+              </a:extLst>
+            </p:cNvPr>
+            <p:cNvCxnSpPr/>
+            <p:nvPr/>
+          </p:nvCxnSpPr>
+          <p:spPr>
+            <a:xfrm rot="5400000" flipV="1">
+              <a:off x="726129" y="2408191"/>
+              <a:ext cx="0" cy="827993"/>
+            </a:xfrm>
+            <a:prstGeom prst="line">
+              <a:avLst/>
+            </a:prstGeom>
+            <a:ln w="6350" cap="rnd">
+              <a:solidFill>
+                <a:schemeClr val="accent1"/>
+              </a:solidFill>
+              <a:prstDash val="solid"/>
+              <a:round/>
+              <a:tailEnd type="stealth"/>
+            </a:ln>
+          </p:spPr>
+          <p:style>
+            <a:lnRef idx="2">
+              <a:schemeClr val="accent1"/>
+            </a:lnRef>
+            <a:fillRef idx="0">
+              <a:schemeClr val="accent1"/>
+            </a:fillRef>
+            <a:effectRef idx="1">
+              <a:schemeClr val="accent1"/>
+            </a:effectRef>
+            <a:fontRef idx="minor">
+              <a:schemeClr val="tx1"/>
+            </a:fontRef>
+          </p:style>
+        </p:cxnSp>
+        <p:cxnSp>
+          <p:nvCxnSpPr>
+            <p:cNvPr id="32" name="Gerader Verbinder 31">
+              <a:extLst>
+                <a:ext uri="{FF2B5EF4-FFF2-40B4-BE49-F238E27FC236}">
+                  <a16:creationId xmlns:a16="http://schemas.microsoft.com/office/drawing/2014/main" id="{E26C188D-5AE1-1005-B802-D00B37CBA22F}"/>
+                </a:ext>
+              </a:extLst>
+            </p:cNvPr>
+            <p:cNvCxnSpPr/>
+            <p:nvPr/>
+          </p:nvCxnSpPr>
+          <p:spPr>
+            <a:xfrm rot="5400000" flipV="1">
+              <a:off x="726129" y="2310081"/>
+              <a:ext cx="0" cy="827993"/>
+            </a:xfrm>
+            <a:prstGeom prst="line">
+              <a:avLst/>
+            </a:prstGeom>
+            <a:ln w="6350" cap="rnd">
+              <a:solidFill>
+                <a:schemeClr val="accent1"/>
+              </a:solidFill>
+              <a:prstDash val="solid"/>
+              <a:round/>
+              <a:tailEnd type="stealth"/>
+            </a:ln>
+          </p:spPr>
+          <p:style>
+            <a:lnRef idx="2">
+              <a:schemeClr val="accent1"/>
+            </a:lnRef>
+            <a:fillRef idx="0">
+              <a:schemeClr val="accent1"/>
+            </a:fillRef>
+            <a:effectRef idx="1">
+              <a:schemeClr val="accent1"/>
+            </a:effectRef>
+            <a:fontRef idx="minor">
+              <a:schemeClr val="tx1"/>
+            </a:fontRef>
+          </p:style>
+        </p:cxnSp>
+        <p:cxnSp>
+          <p:nvCxnSpPr>
+            <p:cNvPr id="33" name="Gerader Verbinder 32">
+              <a:extLst>
+                <a:ext uri="{FF2B5EF4-FFF2-40B4-BE49-F238E27FC236}">
+                  <a16:creationId xmlns:a16="http://schemas.microsoft.com/office/drawing/2014/main" id="{CF8E3E07-C7E8-9019-174A-0A0061456D09}"/>
+                </a:ext>
+              </a:extLst>
+            </p:cNvPr>
+            <p:cNvCxnSpPr/>
+            <p:nvPr/>
+          </p:nvCxnSpPr>
+          <p:spPr>
+            <a:xfrm rot="5400000" flipV="1">
+              <a:off x="726129" y="2506303"/>
+              <a:ext cx="0" cy="827993"/>
+            </a:xfrm>
+            <a:prstGeom prst="line">
+              <a:avLst/>
+            </a:prstGeom>
+            <a:ln w="6350" cap="rnd">
+              <a:solidFill>
+                <a:schemeClr val="accent1"/>
+              </a:solidFill>
+              <a:prstDash val="solid"/>
+              <a:round/>
+              <a:tailEnd type="stealth"/>
+            </a:ln>
+          </p:spPr>
+          <p:style>
+            <a:lnRef idx="2">
+              <a:schemeClr val="accent1"/>
+            </a:lnRef>
+            <a:fillRef idx="0">
+              <a:schemeClr val="accent1"/>
+            </a:fillRef>
+            <a:effectRef idx="1">
+              <a:schemeClr val="accent1"/>
+            </a:effectRef>
+            <a:fontRef idx="minor">
+              <a:schemeClr val="tx1"/>
+            </a:fontRef>
+          </p:style>
+        </p:cxnSp>
+        <p:cxnSp>
+          <p:nvCxnSpPr>
+            <p:cNvPr id="34" name="Gerader Verbinder 33">
+              <a:extLst>
+                <a:ext uri="{FF2B5EF4-FFF2-40B4-BE49-F238E27FC236}">
+                  <a16:creationId xmlns:a16="http://schemas.microsoft.com/office/drawing/2014/main" id="{3E84ACD5-4A8F-3E44-F816-4B2D24DEEF11}"/>
+                </a:ext>
+              </a:extLst>
+            </p:cNvPr>
+            <p:cNvCxnSpPr/>
+            <p:nvPr/>
+          </p:nvCxnSpPr>
+          <p:spPr>
+            <a:xfrm rot="5400000" flipV="1">
+              <a:off x="726129" y="2113861"/>
+              <a:ext cx="0" cy="827993"/>
+            </a:xfrm>
+            <a:prstGeom prst="line">
+              <a:avLst/>
+            </a:prstGeom>
+            <a:ln w="6350" cap="rnd">
+              <a:solidFill>
+                <a:schemeClr val="accent1"/>
+              </a:solidFill>
+              <a:prstDash val="solid"/>
+              <a:round/>
+              <a:tailEnd type="stealth"/>
+            </a:ln>
+          </p:spPr>
+          <p:style>
+            <a:lnRef idx="2">
+              <a:schemeClr val="accent1"/>
+            </a:lnRef>
+            <a:fillRef idx="0">
+              <a:schemeClr val="accent1"/>
+            </a:fillRef>
+            <a:effectRef idx="1">
+              <a:schemeClr val="accent1"/>
+            </a:effectRef>
+            <a:fontRef idx="minor">
+              <a:schemeClr val="tx1"/>
+            </a:fontRef>
+          </p:style>
+        </p:cxnSp>
+        <p:cxnSp>
+          <p:nvCxnSpPr>
+            <p:cNvPr id="35" name="Gerader Verbinder 34">
+              <a:extLst>
+                <a:ext uri="{FF2B5EF4-FFF2-40B4-BE49-F238E27FC236}">
+                  <a16:creationId xmlns:a16="http://schemas.microsoft.com/office/drawing/2014/main" id="{48CF4986-BE7C-6544-350A-D747183B26DE}"/>
+                </a:ext>
+              </a:extLst>
+            </p:cNvPr>
+            <p:cNvCxnSpPr/>
+            <p:nvPr/>
+          </p:nvCxnSpPr>
+          <p:spPr>
+            <a:xfrm rot="5400000" flipV="1">
+              <a:off x="726129" y="2015751"/>
+              <a:ext cx="0" cy="827993"/>
+            </a:xfrm>
+            <a:prstGeom prst="line">
+              <a:avLst/>
+            </a:prstGeom>
+            <a:ln w="6350" cap="rnd">
+              <a:solidFill>
+                <a:schemeClr val="accent1"/>
+              </a:solidFill>
+              <a:prstDash val="solid"/>
+              <a:round/>
+              <a:tailEnd type="stealth"/>
+            </a:ln>
+          </p:spPr>
+          <p:style>
+            <a:lnRef idx="2">
+              <a:schemeClr val="accent1"/>
+            </a:lnRef>
+            <a:fillRef idx="0">
+              <a:schemeClr val="accent1"/>
+            </a:fillRef>
+            <a:effectRef idx="1">
+              <a:schemeClr val="accent1"/>
+            </a:effectRef>
+            <a:fontRef idx="minor">
+              <a:schemeClr val="tx1"/>
+            </a:fontRef>
+          </p:style>
+        </p:cxnSp>
+        <p:cxnSp>
+          <p:nvCxnSpPr>
+            <p:cNvPr id="36" name="Gerader Verbinder 35">
+              <a:extLst>
+                <a:ext uri="{FF2B5EF4-FFF2-40B4-BE49-F238E27FC236}">
+                  <a16:creationId xmlns:a16="http://schemas.microsoft.com/office/drawing/2014/main" id="{B008E19B-7602-0A89-B27B-DDD508BCDC04}"/>
+                </a:ext>
+              </a:extLst>
+            </p:cNvPr>
+            <p:cNvCxnSpPr/>
+            <p:nvPr/>
+          </p:nvCxnSpPr>
+          <p:spPr>
+            <a:xfrm rot="5400000" flipV="1">
+              <a:off x="726129" y="1917641"/>
+              <a:ext cx="0" cy="827993"/>
+            </a:xfrm>
+            <a:prstGeom prst="line">
+              <a:avLst/>
+            </a:prstGeom>
+            <a:ln w="6350" cap="rnd">
+              <a:solidFill>
+                <a:schemeClr val="accent1"/>
+              </a:solidFill>
+              <a:prstDash val="solid"/>
+              <a:round/>
+              <a:tailEnd type="stealth"/>
+            </a:ln>
+          </p:spPr>
+          <p:style>
+            <a:lnRef idx="2">
+              <a:schemeClr val="accent1"/>
+            </a:lnRef>
+            <a:fillRef idx="0">
+              <a:schemeClr val="accent1"/>
+            </a:fillRef>
+            <a:effectRef idx="1">
+              <a:schemeClr val="accent1"/>
+            </a:effectRef>
+            <a:fontRef idx="minor">
+              <a:schemeClr val="tx1"/>
+            </a:fontRef>
+          </p:style>
+        </p:cxnSp>
+      </p:grpSp>
+      <p:grpSp>
+        <p:nvGrpSpPr>
+          <p:cNvPr id="75" name="Gruppieren 74">
+            <a:extLst>
+              <a:ext uri="{FF2B5EF4-FFF2-40B4-BE49-F238E27FC236}">
+                <a16:creationId xmlns:a16="http://schemas.microsoft.com/office/drawing/2014/main" id="{649BF2C4-C45C-58F0-FF11-B71F7D37A586}"/>
+              </a:ext>
+            </a:extLst>
+          </p:cNvPr>
+          <p:cNvGrpSpPr/>
+          <p:nvPr/>
+        </p:nvGrpSpPr>
+        <p:grpSpPr>
+          <a:xfrm rot="16200000">
+            <a:off x="2050592" y="1643848"/>
+            <a:ext cx="490550" cy="827993"/>
+            <a:chOff x="431800" y="2205498"/>
+            <a:chExt cx="490550" cy="827993"/>
+          </a:xfrm>
+        </p:grpSpPr>
+        <p:cxnSp>
+          <p:nvCxnSpPr>
+            <p:cNvPr id="84" name="Gerader Verbinder 83">
+              <a:extLst>
+                <a:ext uri="{FF2B5EF4-FFF2-40B4-BE49-F238E27FC236}">
+                  <a16:creationId xmlns:a16="http://schemas.microsoft.com/office/drawing/2014/main" id="{A84E92B4-08B8-AD1E-880E-48C4D9E07394}"/>
+                </a:ext>
+              </a:extLst>
+            </p:cNvPr>
+            <p:cNvCxnSpPr/>
+            <p:nvPr/>
+          </p:nvCxnSpPr>
+          <p:spPr>
+            <a:xfrm flipV="1">
+              <a:off x="726130" y="2205498"/>
+              <a:ext cx="0" cy="827993"/>
+            </a:xfrm>
+            <a:prstGeom prst="line">
+              <a:avLst/>
+            </a:prstGeom>
+            <a:ln w="2540" cap="rnd">
+              <a:solidFill>
+                <a:schemeClr val="accent1"/>
+              </a:solidFill>
+              <a:prstDash val="solid"/>
+              <a:round/>
+            </a:ln>
+          </p:spPr>
+          <p:style>
+            <a:lnRef idx="2">
+              <a:schemeClr val="accent1"/>
+            </a:lnRef>
+            <a:fillRef idx="0">
+              <a:schemeClr val="accent1"/>
+            </a:fillRef>
+            <a:effectRef idx="1">
+              <a:schemeClr val="accent1"/>
+            </a:effectRef>
+            <a:fontRef idx="minor">
+              <a:schemeClr val="tx1"/>
+            </a:fontRef>
+          </p:style>
+        </p:cxnSp>
+        <p:cxnSp>
+          <p:nvCxnSpPr>
+            <p:cNvPr id="85" name="Gerader Verbinder 84">
+              <a:extLst>
+                <a:ext uri="{FF2B5EF4-FFF2-40B4-BE49-F238E27FC236}">
+                  <a16:creationId xmlns:a16="http://schemas.microsoft.com/office/drawing/2014/main" id="{0647A97A-9052-FBB9-BA52-45DD0CB601DF}"/>
+                </a:ext>
+              </a:extLst>
+            </p:cNvPr>
+            <p:cNvCxnSpPr/>
+            <p:nvPr/>
+          </p:nvCxnSpPr>
+          <p:spPr>
+            <a:xfrm flipV="1">
+              <a:off x="922350" y="2205498"/>
+              <a:ext cx="0" cy="827993"/>
+            </a:xfrm>
+            <a:prstGeom prst="line">
+              <a:avLst/>
+            </a:prstGeom>
+            <a:ln w="2540" cap="rnd">
+              <a:solidFill>
+                <a:schemeClr val="accent1"/>
+              </a:solidFill>
+              <a:prstDash val="solid"/>
+              <a:round/>
+            </a:ln>
+          </p:spPr>
+          <p:style>
+            <a:lnRef idx="2">
+              <a:schemeClr val="accent1"/>
+            </a:lnRef>
+            <a:fillRef idx="0">
+              <a:schemeClr val="accent1"/>
+            </a:fillRef>
+            <a:effectRef idx="1">
+              <a:schemeClr val="accent1"/>
+            </a:effectRef>
+            <a:fontRef idx="minor">
+              <a:schemeClr val="tx1"/>
+            </a:fontRef>
+          </p:style>
+        </p:cxnSp>
+        <p:cxnSp>
+          <p:nvCxnSpPr>
+            <p:cNvPr id="86" name="Gerader Verbinder 85">
+              <a:extLst>
+                <a:ext uri="{FF2B5EF4-FFF2-40B4-BE49-F238E27FC236}">
+                  <a16:creationId xmlns:a16="http://schemas.microsoft.com/office/drawing/2014/main" id="{B976346A-BFEF-DED1-284C-BC2C923CFA91}"/>
+                </a:ext>
+              </a:extLst>
+            </p:cNvPr>
+            <p:cNvCxnSpPr/>
+            <p:nvPr/>
+          </p:nvCxnSpPr>
+          <p:spPr>
+            <a:xfrm flipV="1">
+              <a:off x="824240" y="2205498"/>
+              <a:ext cx="0" cy="827993"/>
+            </a:xfrm>
+            <a:prstGeom prst="line">
+              <a:avLst/>
+            </a:prstGeom>
+            <a:ln w="2540" cap="rnd">
+              <a:solidFill>
+                <a:schemeClr val="accent1"/>
+              </a:solidFill>
+              <a:prstDash val="solid"/>
+              <a:round/>
+            </a:ln>
+          </p:spPr>
+          <p:style>
+            <a:lnRef idx="2">
+              <a:schemeClr val="accent1"/>
+            </a:lnRef>
+            <a:fillRef idx="0">
+              <a:schemeClr val="accent1"/>
+            </a:fillRef>
+            <a:effectRef idx="1">
+              <a:schemeClr val="accent1"/>
+            </a:effectRef>
+            <a:fontRef idx="minor">
+              <a:schemeClr val="tx1"/>
+            </a:fontRef>
+          </p:style>
+        </p:cxnSp>
+        <p:cxnSp>
+          <p:nvCxnSpPr>
+            <p:cNvPr id="88" name="Gerader Verbinder 87">
+              <a:extLst>
+                <a:ext uri="{FF2B5EF4-FFF2-40B4-BE49-F238E27FC236}">
+                  <a16:creationId xmlns:a16="http://schemas.microsoft.com/office/drawing/2014/main" id="{D0F69D00-B684-A2C9-AA1C-0ED5A3F13661}"/>
+                </a:ext>
+              </a:extLst>
+            </p:cNvPr>
+            <p:cNvCxnSpPr/>
+            <p:nvPr/>
+          </p:nvCxnSpPr>
+          <p:spPr>
+            <a:xfrm flipV="1">
+              <a:off x="628020" y="2205498"/>
+              <a:ext cx="0" cy="827993"/>
+            </a:xfrm>
+            <a:prstGeom prst="line">
+              <a:avLst/>
+            </a:prstGeom>
+            <a:ln w="2540" cap="rnd">
+              <a:solidFill>
+                <a:schemeClr val="accent1"/>
+              </a:solidFill>
+              <a:prstDash val="solid"/>
+              <a:round/>
+            </a:ln>
+          </p:spPr>
+          <p:style>
+            <a:lnRef idx="2">
+              <a:schemeClr val="accent1"/>
+            </a:lnRef>
+            <a:fillRef idx="0">
+              <a:schemeClr val="accent1"/>
+            </a:fillRef>
+            <a:effectRef idx="1">
+              <a:schemeClr val="accent1"/>
+            </a:effectRef>
+            <a:fontRef idx="minor">
+              <a:schemeClr val="tx1"/>
+            </a:fontRef>
+          </p:style>
+        </p:cxnSp>
+        <p:cxnSp>
+          <p:nvCxnSpPr>
+            <p:cNvPr id="89" name="Gerader Verbinder 88">
+              <a:extLst>
+                <a:ext uri="{FF2B5EF4-FFF2-40B4-BE49-F238E27FC236}">
+                  <a16:creationId xmlns:a16="http://schemas.microsoft.com/office/drawing/2014/main" id="{FD41B36C-5B8C-30C5-9B16-B2FEDCDA7D2F}"/>
+                </a:ext>
+              </a:extLst>
+            </p:cNvPr>
+            <p:cNvCxnSpPr/>
+            <p:nvPr/>
+          </p:nvCxnSpPr>
+          <p:spPr>
+            <a:xfrm flipV="1">
+              <a:off x="529910" y="2205498"/>
+              <a:ext cx="0" cy="827993"/>
+            </a:xfrm>
+            <a:prstGeom prst="line">
+              <a:avLst/>
+            </a:prstGeom>
+            <a:ln w="2540" cap="rnd">
+              <a:solidFill>
+                <a:schemeClr val="accent1"/>
+              </a:solidFill>
+              <a:prstDash val="solid"/>
+              <a:round/>
+            </a:ln>
+          </p:spPr>
+          <p:style>
+            <a:lnRef idx="2">
+              <a:schemeClr val="accent1"/>
+            </a:lnRef>
+            <a:fillRef idx="0">
+              <a:schemeClr val="accent1"/>
+            </a:fillRef>
+            <a:effectRef idx="1">
+              <a:schemeClr val="accent1"/>
+            </a:effectRef>
+            <a:fontRef idx="minor">
+              <a:schemeClr val="tx1"/>
+            </a:fontRef>
+          </p:style>
+        </p:cxnSp>
+        <p:cxnSp>
+          <p:nvCxnSpPr>
+            <p:cNvPr id="90" name="Gerader Verbinder 89">
+              <a:extLst>
+                <a:ext uri="{FF2B5EF4-FFF2-40B4-BE49-F238E27FC236}">
+                  <a16:creationId xmlns:a16="http://schemas.microsoft.com/office/drawing/2014/main" id="{65FBA1DC-F98E-EBB3-6657-87D1A53091A3}"/>
+                </a:ext>
+              </a:extLst>
+            </p:cNvPr>
+            <p:cNvCxnSpPr/>
+            <p:nvPr/>
+          </p:nvCxnSpPr>
+          <p:spPr>
+            <a:xfrm flipV="1">
+              <a:off x="431800" y="2205498"/>
+              <a:ext cx="0" cy="827993"/>
+            </a:xfrm>
+            <a:prstGeom prst="line">
+              <a:avLst/>
+            </a:prstGeom>
+            <a:ln w="2540" cap="rnd">
+              <a:solidFill>
+                <a:schemeClr val="accent1"/>
+              </a:solidFill>
+              <a:prstDash val="solid"/>
+              <a:round/>
+            </a:ln>
+          </p:spPr>
+          <p:style>
+            <a:lnRef idx="2">
+              <a:schemeClr val="accent1"/>
+            </a:lnRef>
+            <a:fillRef idx="0">
+              <a:schemeClr val="accent1"/>
+            </a:fillRef>
+            <a:effectRef idx="1">
+              <a:schemeClr val="accent1"/>
+            </a:effectRef>
+            <a:fontRef idx="minor">
+              <a:schemeClr val="tx1"/>
+            </a:fontRef>
+          </p:style>
+        </p:cxnSp>
+      </p:grpSp>
+      <p:grpSp>
+        <p:nvGrpSpPr>
+          <p:cNvPr id="76" name="Gruppieren 75">
+            <a:extLst>
+              <a:ext uri="{FF2B5EF4-FFF2-40B4-BE49-F238E27FC236}">
+                <a16:creationId xmlns:a16="http://schemas.microsoft.com/office/drawing/2014/main" id="{97D45B21-08D0-F266-431B-765BE0FA04D3}"/>
+              </a:ext>
+            </a:extLst>
+          </p:cNvPr>
+          <p:cNvGrpSpPr/>
+          <p:nvPr/>
+        </p:nvGrpSpPr>
+        <p:grpSpPr>
+          <a:xfrm rot="16200000">
+            <a:off x="1911368" y="1739388"/>
+            <a:ext cx="778137" cy="588662"/>
+            <a:chOff x="312132" y="2331638"/>
+            <a:chExt cx="827993" cy="588662"/>
+          </a:xfrm>
+        </p:grpSpPr>
+        <p:cxnSp>
+          <p:nvCxnSpPr>
+            <p:cNvPr id="77" name="Gerader Verbinder 76">
+              <a:extLst>
+                <a:ext uri="{FF2B5EF4-FFF2-40B4-BE49-F238E27FC236}">
+                  <a16:creationId xmlns:a16="http://schemas.microsoft.com/office/drawing/2014/main" id="{8819780C-0A98-CC79-CB8E-6E66AB7FDA2D}"/>
+                </a:ext>
+              </a:extLst>
+            </p:cNvPr>
+            <p:cNvCxnSpPr>
+              <a:cxnSpLocks/>
+            </p:cNvCxnSpPr>
+            <p:nvPr/>
+          </p:nvCxnSpPr>
+          <p:spPr>
+            <a:xfrm rot="5400000" flipV="1">
+              <a:off x="726129" y="2211971"/>
+              <a:ext cx="0" cy="827993"/>
+            </a:xfrm>
+            <a:prstGeom prst="line">
+              <a:avLst/>
+            </a:prstGeom>
+            <a:ln w="6350" cap="rnd">
+              <a:solidFill>
+                <a:schemeClr val="accent1"/>
+              </a:solidFill>
+              <a:prstDash val="solid"/>
+              <a:round/>
+              <a:tailEnd type="stealth"/>
+            </a:ln>
+          </p:spPr>
+          <p:style>
+            <a:lnRef idx="2">
+              <a:schemeClr val="accent1"/>
+            </a:lnRef>
+            <a:fillRef idx="0">
+              <a:schemeClr val="accent1"/>
+            </a:fillRef>
+            <a:effectRef idx="1">
+              <a:schemeClr val="accent1"/>
+            </a:effectRef>
+            <a:fontRef idx="minor">
+              <a:schemeClr val="tx1"/>
+            </a:fontRef>
+          </p:style>
+        </p:cxnSp>
+        <p:cxnSp>
+          <p:nvCxnSpPr>
+            <p:cNvPr id="78" name="Gerader Verbinder 77">
+              <a:extLst>
+                <a:ext uri="{FF2B5EF4-FFF2-40B4-BE49-F238E27FC236}">
+                  <a16:creationId xmlns:a16="http://schemas.microsoft.com/office/drawing/2014/main" id="{9066B10F-07AB-809D-021C-2FB0E1B46EEF}"/>
+                </a:ext>
+              </a:extLst>
+            </p:cNvPr>
+            <p:cNvCxnSpPr>
+              <a:cxnSpLocks/>
+            </p:cNvCxnSpPr>
+            <p:nvPr/>
+          </p:nvCxnSpPr>
+          <p:spPr>
+            <a:xfrm rot="5400000" flipV="1">
+              <a:off x="726129" y="2408191"/>
+              <a:ext cx="0" cy="827993"/>
+            </a:xfrm>
+            <a:prstGeom prst="line">
+              <a:avLst/>
+            </a:prstGeom>
+            <a:ln w="6350" cap="rnd">
+              <a:solidFill>
+                <a:schemeClr val="accent1"/>
+              </a:solidFill>
+              <a:prstDash val="solid"/>
+              <a:round/>
+              <a:tailEnd type="stealth"/>
+            </a:ln>
+          </p:spPr>
+          <p:style>
+            <a:lnRef idx="2">
+              <a:schemeClr val="accent1"/>
+            </a:lnRef>
+            <a:fillRef idx="0">
+              <a:schemeClr val="accent1"/>
+            </a:fillRef>
+            <a:effectRef idx="1">
+              <a:schemeClr val="accent1"/>
+            </a:effectRef>
+            <a:fontRef idx="minor">
+              <a:schemeClr val="tx1"/>
+            </a:fontRef>
+          </p:style>
+        </p:cxnSp>
+        <p:cxnSp>
+          <p:nvCxnSpPr>
+            <p:cNvPr id="79" name="Gerader Verbinder 78">
+              <a:extLst>
+                <a:ext uri="{FF2B5EF4-FFF2-40B4-BE49-F238E27FC236}">
+                  <a16:creationId xmlns:a16="http://schemas.microsoft.com/office/drawing/2014/main" id="{E6CADAA6-4236-FDE6-1FDB-09675F072C3C}"/>
+                </a:ext>
+              </a:extLst>
+            </p:cNvPr>
+            <p:cNvCxnSpPr>
+              <a:cxnSpLocks/>
+            </p:cNvCxnSpPr>
+            <p:nvPr/>
+          </p:nvCxnSpPr>
+          <p:spPr>
+            <a:xfrm rot="5400000" flipV="1">
+              <a:off x="726129" y="2310081"/>
+              <a:ext cx="0" cy="827993"/>
+            </a:xfrm>
+            <a:prstGeom prst="line">
+              <a:avLst/>
+            </a:prstGeom>
+            <a:ln w="6350" cap="rnd">
+              <a:solidFill>
+                <a:schemeClr val="accent1"/>
+              </a:solidFill>
+              <a:prstDash val="solid"/>
+              <a:round/>
+              <a:tailEnd type="stealth"/>
+            </a:ln>
+          </p:spPr>
+          <p:style>
+            <a:lnRef idx="2">
+              <a:schemeClr val="accent1"/>
+            </a:lnRef>
+            <a:fillRef idx="0">
+              <a:schemeClr val="accent1"/>
+            </a:fillRef>
+            <a:effectRef idx="1">
+              <a:schemeClr val="accent1"/>
+            </a:effectRef>
+            <a:fontRef idx="minor">
+              <a:schemeClr val="tx1"/>
+            </a:fontRef>
+          </p:style>
+        </p:cxnSp>
+        <p:cxnSp>
+          <p:nvCxnSpPr>
+            <p:cNvPr id="80" name="Gerader Verbinder 79">
+              <a:extLst>
+                <a:ext uri="{FF2B5EF4-FFF2-40B4-BE49-F238E27FC236}">
+                  <a16:creationId xmlns:a16="http://schemas.microsoft.com/office/drawing/2014/main" id="{E28A1084-2D1C-B3F1-0FD8-FEF602EFA759}"/>
+                </a:ext>
+              </a:extLst>
+            </p:cNvPr>
+            <p:cNvCxnSpPr>
+              <a:cxnSpLocks/>
+            </p:cNvCxnSpPr>
+            <p:nvPr/>
+          </p:nvCxnSpPr>
+          <p:spPr>
+            <a:xfrm rot="5400000" flipV="1">
+              <a:off x="726129" y="2506303"/>
+              <a:ext cx="0" cy="827993"/>
+            </a:xfrm>
+            <a:prstGeom prst="line">
+              <a:avLst/>
+            </a:prstGeom>
+            <a:ln w="6350" cap="rnd">
+              <a:solidFill>
+                <a:schemeClr val="accent1"/>
+              </a:solidFill>
+              <a:prstDash val="solid"/>
+              <a:round/>
+              <a:tailEnd type="stealth"/>
+            </a:ln>
+          </p:spPr>
+          <p:style>
+            <a:lnRef idx="2">
+              <a:schemeClr val="accent1"/>
+            </a:lnRef>
+            <a:fillRef idx="0">
+              <a:schemeClr val="accent1"/>
+            </a:fillRef>
+            <a:effectRef idx="1">
+              <a:schemeClr val="accent1"/>
+            </a:effectRef>
+            <a:fontRef idx="minor">
+              <a:schemeClr val="tx1"/>
+            </a:fontRef>
+          </p:style>
+        </p:cxnSp>
+        <p:cxnSp>
+          <p:nvCxnSpPr>
+            <p:cNvPr id="81" name="Gerader Verbinder 80">
+              <a:extLst>
+                <a:ext uri="{FF2B5EF4-FFF2-40B4-BE49-F238E27FC236}">
+                  <a16:creationId xmlns:a16="http://schemas.microsoft.com/office/drawing/2014/main" id="{AB002695-3F18-1573-0AEB-CCD41E5CFE11}"/>
+                </a:ext>
+              </a:extLst>
+            </p:cNvPr>
+            <p:cNvCxnSpPr>
+              <a:cxnSpLocks/>
+            </p:cNvCxnSpPr>
+            <p:nvPr/>
+          </p:nvCxnSpPr>
+          <p:spPr>
+            <a:xfrm rot="5400000" flipV="1">
+              <a:off x="726129" y="2113861"/>
+              <a:ext cx="0" cy="827993"/>
+            </a:xfrm>
+            <a:prstGeom prst="line">
+              <a:avLst/>
+            </a:prstGeom>
+            <a:ln w="6350" cap="rnd">
+              <a:solidFill>
+                <a:schemeClr val="accent1"/>
+              </a:solidFill>
+              <a:prstDash val="solid"/>
+              <a:round/>
+              <a:tailEnd type="stealth"/>
+            </a:ln>
+          </p:spPr>
+          <p:style>
+            <a:lnRef idx="2">
+              <a:schemeClr val="accent1"/>
+            </a:lnRef>
+            <a:fillRef idx="0">
+              <a:schemeClr val="accent1"/>
+            </a:fillRef>
+            <a:effectRef idx="1">
+              <a:schemeClr val="accent1"/>
+            </a:effectRef>
+            <a:fontRef idx="minor">
+              <a:schemeClr val="tx1"/>
+            </a:fontRef>
+          </p:style>
+        </p:cxnSp>
+        <p:cxnSp>
+          <p:nvCxnSpPr>
+            <p:cNvPr id="82" name="Gerader Verbinder 81">
+              <a:extLst>
+                <a:ext uri="{FF2B5EF4-FFF2-40B4-BE49-F238E27FC236}">
+                  <a16:creationId xmlns:a16="http://schemas.microsoft.com/office/drawing/2014/main" id="{0A536EBA-8783-771D-6385-B558CD3B14DC}"/>
+                </a:ext>
+              </a:extLst>
+            </p:cNvPr>
+            <p:cNvCxnSpPr>
+              <a:cxnSpLocks/>
+            </p:cNvCxnSpPr>
+            <p:nvPr/>
+          </p:nvCxnSpPr>
+          <p:spPr>
+            <a:xfrm rot="5400000" flipV="1">
+              <a:off x="726129" y="2015751"/>
+              <a:ext cx="0" cy="827993"/>
+            </a:xfrm>
+            <a:prstGeom prst="line">
+              <a:avLst/>
+            </a:prstGeom>
+            <a:ln w="6350" cap="rnd">
+              <a:solidFill>
+                <a:schemeClr val="accent1"/>
+              </a:solidFill>
+              <a:prstDash val="solid"/>
+              <a:round/>
+              <a:tailEnd type="stealth"/>
+            </a:ln>
+          </p:spPr>
+          <p:style>
+            <a:lnRef idx="2">
+              <a:schemeClr val="accent1"/>
+            </a:lnRef>
+            <a:fillRef idx="0">
+              <a:schemeClr val="accent1"/>
+            </a:fillRef>
+            <a:effectRef idx="1">
+              <a:schemeClr val="accent1"/>
+            </a:effectRef>
+            <a:fontRef idx="minor">
+              <a:schemeClr val="tx1"/>
+            </a:fontRef>
+          </p:style>
+        </p:cxnSp>
+        <p:cxnSp>
+          <p:nvCxnSpPr>
+            <p:cNvPr id="83" name="Gerader Verbinder 82">
+              <a:extLst>
+                <a:ext uri="{FF2B5EF4-FFF2-40B4-BE49-F238E27FC236}">
+                  <a16:creationId xmlns:a16="http://schemas.microsoft.com/office/drawing/2014/main" id="{8262FF37-0606-D47A-59D3-5C8C689684C9}"/>
+                </a:ext>
+              </a:extLst>
+            </p:cNvPr>
+            <p:cNvCxnSpPr>
+              <a:cxnSpLocks/>
+            </p:cNvCxnSpPr>
+            <p:nvPr/>
+          </p:nvCxnSpPr>
+          <p:spPr>
+            <a:xfrm rot="5400000" flipV="1">
+              <a:off x="726129" y="1917641"/>
+              <a:ext cx="0" cy="827993"/>
+            </a:xfrm>
+            <a:prstGeom prst="line">
+              <a:avLst/>
+            </a:prstGeom>
+            <a:ln w="6350" cap="rnd">
+              <a:solidFill>
+                <a:schemeClr val="accent1"/>
+              </a:solidFill>
+              <a:prstDash val="solid"/>
+              <a:round/>
+              <a:tailEnd type="stealth"/>
+            </a:ln>
+          </p:spPr>
+          <p:style>
+            <a:lnRef idx="2">
+              <a:schemeClr val="accent1"/>
+            </a:lnRef>
+            <a:fillRef idx="0">
+              <a:schemeClr val="accent1"/>
+            </a:fillRef>
+            <a:effectRef idx="1">
+              <a:schemeClr val="accent1"/>
+            </a:effectRef>
+            <a:fontRef idx="minor">
+              <a:schemeClr val="tx1"/>
+            </a:fontRef>
+          </p:style>
+        </p:cxnSp>
+      </p:grpSp>
+      <p:grpSp>
+        <p:nvGrpSpPr>
+          <p:cNvPr id="29" name="Gruppieren 28">
+            <a:extLst>
+              <a:ext uri="{FF2B5EF4-FFF2-40B4-BE49-F238E27FC236}">
+                <a16:creationId xmlns:a16="http://schemas.microsoft.com/office/drawing/2014/main" id="{E8CAC7A6-9CF2-B9C4-8DB3-9605B41AF620}"/>
+              </a:ext>
+            </a:extLst>
+          </p:cNvPr>
+          <p:cNvGrpSpPr/>
+          <p:nvPr/>
+        </p:nvGrpSpPr>
+        <p:grpSpPr>
+          <a:xfrm>
+            <a:off x="911267" y="1347077"/>
+            <a:ext cx="947244" cy="906983"/>
+            <a:chOff x="477520" y="1298817"/>
+            <a:chExt cx="947244" cy="906983"/>
+          </a:xfrm>
+        </p:grpSpPr>
+        <p:cxnSp>
+          <p:nvCxnSpPr>
+            <p:cNvPr id="5" name="Gerade Verbindung mit Pfeil 4">
+              <a:extLst>
+                <a:ext uri="{FF2B5EF4-FFF2-40B4-BE49-F238E27FC236}">
+                  <a16:creationId xmlns:a16="http://schemas.microsoft.com/office/drawing/2014/main" id="{65742D37-0337-F904-8211-80A05EE7EDA3}"/>
+                </a:ext>
+              </a:extLst>
+            </p:cNvPr>
+            <p:cNvCxnSpPr/>
+            <p:nvPr/>
+          </p:nvCxnSpPr>
+          <p:spPr>
+            <a:xfrm>
+              <a:off x="732807" y="1959766"/>
+              <a:ext cx="551146" cy="0"/>
+            </a:xfrm>
+            <a:prstGeom prst="straightConnector1">
+              <a:avLst/>
+            </a:prstGeom>
+            <a:ln w="12700" cap="rnd">
+              <a:solidFill>
+                <a:schemeClr val="tx1"/>
+              </a:solidFill>
+              <a:round/>
+              <a:tailEnd type="stealth"/>
+            </a:ln>
+          </p:spPr>
+          <p:style>
+            <a:lnRef idx="2">
+              <a:schemeClr val="accent1"/>
+            </a:lnRef>
+            <a:fillRef idx="0">
+              <a:schemeClr val="accent1"/>
+            </a:fillRef>
+            <a:effectRef idx="1">
+              <a:schemeClr val="accent1"/>
+            </a:effectRef>
+            <a:fontRef idx="minor">
+              <a:schemeClr val="tx1"/>
+            </a:fontRef>
+          </p:style>
+        </p:cxnSp>
+        <p:cxnSp>
+          <p:nvCxnSpPr>
+            <p:cNvPr id="6" name="Gerade Verbindung mit Pfeil 5">
+              <a:extLst>
+                <a:ext uri="{FF2B5EF4-FFF2-40B4-BE49-F238E27FC236}">
+                  <a16:creationId xmlns:a16="http://schemas.microsoft.com/office/drawing/2014/main" id="{0C58706B-688C-8A93-ABC7-C3DB0312CB56}"/>
+                </a:ext>
+              </a:extLst>
+            </p:cNvPr>
+            <p:cNvCxnSpPr>
+              <a:cxnSpLocks/>
+            </p:cNvCxnSpPr>
+            <p:nvPr/>
+          </p:nvCxnSpPr>
+          <p:spPr>
+            <a:xfrm flipV="1">
+              <a:off x="732807" y="1399618"/>
+              <a:ext cx="0" cy="560148"/>
+            </a:xfrm>
+            <a:prstGeom prst="straightConnector1">
+              <a:avLst/>
+            </a:prstGeom>
+            <a:ln w="12700" cap="rnd">
+              <a:solidFill>
+                <a:schemeClr val="tx1"/>
+              </a:solidFill>
+              <a:round/>
+              <a:tailEnd type="stealth"/>
+            </a:ln>
+          </p:spPr>
+          <p:style>
+            <a:lnRef idx="2">
+              <a:schemeClr val="accent1"/>
+            </a:lnRef>
+            <a:fillRef idx="0">
+              <a:schemeClr val="accent1"/>
+            </a:fillRef>
+            <a:effectRef idx="1">
+              <a:schemeClr val="accent1"/>
+            </a:effectRef>
+            <a:fontRef idx="minor">
+              <a:schemeClr val="tx1"/>
+            </a:fontRef>
+          </p:style>
+        </p:cxnSp>
+        <p:sp>
+          <p:nvSpPr>
+            <p:cNvPr id="9" name="Textfeld 8">
+              <a:extLst>
+                <a:ext uri="{FF2B5EF4-FFF2-40B4-BE49-F238E27FC236}">
+                  <a16:creationId xmlns:a16="http://schemas.microsoft.com/office/drawing/2014/main" id="{038CB3B0-8BCB-7AA7-9DBB-C17E3EF09AD1}"/>
+                </a:ext>
+              </a:extLst>
+            </p:cNvPr>
+            <p:cNvSpPr txBox="1"/>
+            <p:nvPr/>
+          </p:nvSpPr>
+          <p:spPr>
+            <a:xfrm>
+              <a:off x="477520" y="1298817"/>
+              <a:ext cx="289560" cy="261610"/>
+            </a:xfrm>
+            <a:prstGeom prst="rect">
+              <a:avLst/>
+            </a:prstGeom>
+            <a:noFill/>
+          </p:spPr>
+          <p:txBody>
+            <a:bodyPr wrap="square" rtlCol="0" anchor="ctr">
+              <a:spAutoFit/>
+            </a:bodyPr>
+            <a:lstStyle/>
+            <a:p>
+              <a:pPr algn="ctr"/>
+              <a:r>
+                <a:rPr lang="de-DE" sz="1100" i="1" dirty="0">
+                  <a:latin typeface="CMU Serif" panose="02000603000000000000" pitchFamily="2" charset="0"/>
+                  <a:ea typeface="CMU Serif" panose="02000603000000000000" pitchFamily="2" charset="0"/>
+                  <a:cs typeface="CMU Serif" panose="02000603000000000000" pitchFamily="2" charset="0"/>
+                </a:rPr>
+                <a:t>y</a:t>
+              </a:r>
+            </a:p>
+          </p:txBody>
+        </p:sp>
+        <p:sp>
+          <p:nvSpPr>
+            <p:cNvPr id="10" name="Textfeld 9">
+              <a:extLst>
+                <a:ext uri="{FF2B5EF4-FFF2-40B4-BE49-F238E27FC236}">
+                  <a16:creationId xmlns:a16="http://schemas.microsoft.com/office/drawing/2014/main" id="{2242BBA0-B200-3A57-214A-77DFBB476033}"/>
+                </a:ext>
+              </a:extLst>
+            </p:cNvPr>
+            <p:cNvSpPr txBox="1"/>
+            <p:nvPr/>
+          </p:nvSpPr>
+          <p:spPr>
+            <a:xfrm>
+              <a:off x="1135204" y="1944190"/>
+              <a:ext cx="289560" cy="261610"/>
+            </a:xfrm>
+            <a:prstGeom prst="rect">
+              <a:avLst/>
+            </a:prstGeom>
+            <a:noFill/>
+          </p:spPr>
+          <p:txBody>
+            <a:bodyPr wrap="square" rtlCol="0" anchor="ctr">
+              <a:spAutoFit/>
+            </a:bodyPr>
+            <a:lstStyle/>
+            <a:p>
+              <a:pPr algn="ctr"/>
+              <a:r>
+                <a:rPr lang="de-DE" sz="1100" i="1" dirty="0">
+                  <a:latin typeface="CMU Serif" panose="02000603000000000000" pitchFamily="2" charset="0"/>
+                  <a:ea typeface="CMU Serif" panose="02000603000000000000" pitchFamily="2" charset="0"/>
+                  <a:cs typeface="CMU Serif" panose="02000603000000000000" pitchFamily="2" charset="0"/>
+                </a:rPr>
+                <a:t>x</a:t>
+              </a:r>
+            </a:p>
+          </p:txBody>
+        </p:sp>
+      </p:grpSp>
+      <p:grpSp>
+        <p:nvGrpSpPr>
+          <p:cNvPr id="30" name="Gruppieren 29">
+            <a:extLst>
+              <a:ext uri="{FF2B5EF4-FFF2-40B4-BE49-F238E27FC236}">
+                <a16:creationId xmlns:a16="http://schemas.microsoft.com/office/drawing/2014/main" id="{9D4CF200-4EC2-31AD-EE1C-99143AC7EA7C}"/>
+              </a:ext>
+            </a:extLst>
+          </p:cNvPr>
+          <p:cNvGrpSpPr/>
+          <p:nvPr/>
+        </p:nvGrpSpPr>
+        <p:grpSpPr>
+          <a:xfrm>
+            <a:off x="2046293" y="1347077"/>
+            <a:ext cx="958189" cy="906983"/>
+            <a:chOff x="2316497" y="1298817"/>
+            <a:chExt cx="958189" cy="906983"/>
+          </a:xfrm>
+        </p:grpSpPr>
+        <p:cxnSp>
+          <p:nvCxnSpPr>
+            <p:cNvPr id="11" name="Gerade Verbindung mit Pfeil 10">
+              <a:extLst>
+                <a:ext uri="{FF2B5EF4-FFF2-40B4-BE49-F238E27FC236}">
+                  <a16:creationId xmlns:a16="http://schemas.microsoft.com/office/drawing/2014/main" id="{2B122E88-7AE6-9618-0DB6-C02BC6F73CF1}"/>
+                </a:ext>
+              </a:extLst>
+            </p:cNvPr>
+            <p:cNvCxnSpPr/>
+            <p:nvPr/>
+          </p:nvCxnSpPr>
+          <p:spPr>
+            <a:xfrm>
+              <a:off x="2571784" y="1959766"/>
+              <a:ext cx="551146" cy="0"/>
+            </a:xfrm>
+            <a:prstGeom prst="straightConnector1">
+              <a:avLst/>
+            </a:prstGeom>
+            <a:ln w="12700" cap="rnd">
+              <a:solidFill>
+                <a:schemeClr val="tx1"/>
+              </a:solidFill>
+              <a:round/>
+              <a:tailEnd type="stealth"/>
+            </a:ln>
+          </p:spPr>
+          <p:style>
+            <a:lnRef idx="2">
+              <a:schemeClr val="accent1"/>
+            </a:lnRef>
+            <a:fillRef idx="0">
+              <a:schemeClr val="accent1"/>
+            </a:fillRef>
+            <a:effectRef idx="1">
+              <a:schemeClr val="accent1"/>
+            </a:effectRef>
+            <a:fontRef idx="minor">
+              <a:schemeClr val="tx1"/>
+            </a:fontRef>
+          </p:style>
+        </p:cxnSp>
+        <p:cxnSp>
+          <p:nvCxnSpPr>
+            <p:cNvPr id="12" name="Gerade Verbindung mit Pfeil 11">
+              <a:extLst>
+                <a:ext uri="{FF2B5EF4-FFF2-40B4-BE49-F238E27FC236}">
+                  <a16:creationId xmlns:a16="http://schemas.microsoft.com/office/drawing/2014/main" id="{F70BB46E-44F0-5057-6BD8-E1E1F9F5EF22}"/>
+                </a:ext>
+              </a:extLst>
+            </p:cNvPr>
+            <p:cNvCxnSpPr>
+              <a:cxnSpLocks/>
+            </p:cNvCxnSpPr>
+            <p:nvPr/>
+          </p:nvCxnSpPr>
+          <p:spPr>
+            <a:xfrm flipV="1">
+              <a:off x="2571784" y="1399618"/>
+              <a:ext cx="0" cy="560148"/>
+            </a:xfrm>
+            <a:prstGeom prst="straightConnector1">
+              <a:avLst/>
+            </a:prstGeom>
+            <a:ln w="12700" cap="rnd">
+              <a:solidFill>
+                <a:schemeClr val="tx1"/>
+              </a:solidFill>
+              <a:round/>
+              <a:tailEnd type="stealth"/>
+            </a:ln>
+          </p:spPr>
+          <p:style>
+            <a:lnRef idx="2">
+              <a:schemeClr val="accent1"/>
+            </a:lnRef>
+            <a:fillRef idx="0">
+              <a:schemeClr val="accent1"/>
+            </a:fillRef>
+            <a:effectRef idx="1">
+              <a:schemeClr val="accent1"/>
+            </a:effectRef>
+            <a:fontRef idx="minor">
+              <a:schemeClr val="tx1"/>
+            </a:fontRef>
+          </p:style>
+        </p:cxnSp>
+        <p:sp>
+          <p:nvSpPr>
+            <p:cNvPr id="13" name="Textfeld 12">
+              <a:extLst>
+                <a:ext uri="{FF2B5EF4-FFF2-40B4-BE49-F238E27FC236}">
+                  <a16:creationId xmlns:a16="http://schemas.microsoft.com/office/drawing/2014/main" id="{D76148AE-01D9-1CD4-C238-FF53B5B373FC}"/>
+                </a:ext>
+              </a:extLst>
+            </p:cNvPr>
+            <p:cNvSpPr txBox="1"/>
+            <p:nvPr/>
+          </p:nvSpPr>
+          <p:spPr>
+            <a:xfrm>
+              <a:off x="2316497" y="1298817"/>
+              <a:ext cx="289560" cy="261610"/>
+            </a:xfrm>
+            <a:prstGeom prst="rect">
+              <a:avLst/>
+            </a:prstGeom>
+            <a:noFill/>
+          </p:spPr>
+          <p:txBody>
+            <a:bodyPr wrap="square" rtlCol="0" anchor="ctr">
+              <a:spAutoFit/>
+            </a:bodyPr>
+            <a:lstStyle/>
+            <a:p>
+              <a:pPr algn="ctr"/>
+              <a:r>
+                <a:rPr lang="de-DE" sz="1100" i="1" dirty="0">
+                  <a:latin typeface="CMU Serif" panose="02000603000000000000" pitchFamily="2" charset="0"/>
+                  <a:ea typeface="CMU Serif" panose="02000603000000000000" pitchFamily="2" charset="0"/>
+                  <a:cs typeface="CMU Serif" panose="02000603000000000000" pitchFamily="2" charset="0"/>
+                </a:rPr>
+                <a:t>y</a:t>
+              </a:r>
+            </a:p>
+          </p:txBody>
+        </p:sp>
+        <p:sp>
+          <p:nvSpPr>
+            <p:cNvPr id="14" name="Textfeld 13">
+              <a:extLst>
+                <a:ext uri="{FF2B5EF4-FFF2-40B4-BE49-F238E27FC236}">
+                  <a16:creationId xmlns:a16="http://schemas.microsoft.com/office/drawing/2014/main" id="{4F9E8BBD-4ABD-61E7-FCA0-5E756BA8228E}"/>
+                </a:ext>
+              </a:extLst>
+            </p:cNvPr>
+            <p:cNvSpPr txBox="1"/>
+            <p:nvPr/>
+          </p:nvSpPr>
+          <p:spPr>
+            <a:xfrm>
+              <a:off x="2985126" y="1944190"/>
+              <a:ext cx="289560" cy="261610"/>
+            </a:xfrm>
+            <a:prstGeom prst="rect">
+              <a:avLst/>
+            </a:prstGeom>
+            <a:noFill/>
+          </p:spPr>
+          <p:txBody>
+            <a:bodyPr wrap="square" rtlCol="0" anchor="ctr">
+              <a:spAutoFit/>
+            </a:bodyPr>
+            <a:lstStyle/>
+            <a:p>
+              <a:pPr algn="ctr"/>
+              <a:r>
+                <a:rPr lang="de-DE" sz="1100" i="1" dirty="0">
+                  <a:latin typeface="CMU Serif" panose="02000603000000000000" pitchFamily="2" charset="0"/>
+                  <a:ea typeface="CMU Serif" panose="02000603000000000000" pitchFamily="2" charset="0"/>
+                  <a:cs typeface="CMU Serif" panose="02000603000000000000" pitchFamily="2" charset="0"/>
+                </a:rPr>
+                <a:t>x</a:t>
+              </a:r>
+            </a:p>
+          </p:txBody>
+        </p:sp>
+      </p:grpSp>
+    </p:spTree>
+    <p:extLst>
+      <p:ext uri="{BB962C8B-B14F-4D97-AF65-F5344CB8AC3E}">
+        <p14:creationId xmlns:p14="http://schemas.microsoft.com/office/powerpoint/2010/main" val="2531965461"/>
+      </p:ext>
+    </p:extLst>
+  </p:cSld>
+  <p:clrMapOvr>
+    <a:masterClrMapping/>
+  </p:clrMapOvr>
+</p:sld>
+</file>
+
 <file path=ppt/theme/theme1.xml><?xml version="1.0" encoding="utf-8"?>
 <a:theme xmlns:a="http://schemas.openxmlformats.org/drawingml/2006/main" name="Office">
   <a:themeElements>

--- a/Strömungslehre 2/images/SL2-Images.pptx
+++ b/Strömungslehre 2/images/SL2-Images.pptx
@@ -15,6 +15,13 @@
     <p:sldId id="263" r:id="rId9"/>
     <p:sldId id="264" r:id="rId10"/>
     <p:sldId id="265" r:id="rId11"/>
+    <p:sldId id="267" r:id="rId12"/>
+    <p:sldId id="266" r:id="rId13"/>
+    <p:sldId id="268" r:id="rId14"/>
+    <p:sldId id="269" r:id="rId15"/>
+    <p:sldId id="270" r:id="rId16"/>
+    <p:sldId id="271" r:id="rId17"/>
+    <p:sldId id="272" r:id="rId18"/>
   </p:sldIdLst>
   <p:sldSz cx="3600450" cy="3600450"/>
   <p:notesSz cx="6858000" cy="9144000"/>
@@ -1493,7 +1500,7 @@
           <a:p>
             <a:fld id="{6EAE28AA-0912-4DA0-8B30-7F3CA3FE6671}" type="datetimeFigureOut">
               <a:rPr lang="de-DE" smtClean="0"/>
-              <a:t>30.11.2025</a:t>
+              <a:t>23.12.2025</a:t>
             </a:fld>
             <a:endParaRPr lang="de-DE"/>
           </a:p>
@@ -1663,7 +1670,7 @@
           <a:p>
             <a:fld id="{6EAE28AA-0912-4DA0-8B30-7F3CA3FE6671}" type="datetimeFigureOut">
               <a:rPr lang="de-DE" smtClean="0"/>
-              <a:t>30.11.2025</a:t>
+              <a:t>23.12.2025</a:t>
             </a:fld>
             <a:endParaRPr lang="de-DE"/>
           </a:p>
@@ -1843,7 +1850,7 @@
           <a:p>
             <a:fld id="{6EAE28AA-0912-4DA0-8B30-7F3CA3FE6671}" type="datetimeFigureOut">
               <a:rPr lang="de-DE" smtClean="0"/>
-              <a:t>30.11.2025</a:t>
+              <a:t>23.12.2025</a:t>
             </a:fld>
             <a:endParaRPr lang="de-DE"/>
           </a:p>
@@ -2013,7 +2020,7 @@
           <a:p>
             <a:fld id="{6EAE28AA-0912-4DA0-8B30-7F3CA3FE6671}" type="datetimeFigureOut">
               <a:rPr lang="de-DE" smtClean="0"/>
-              <a:t>30.11.2025</a:t>
+              <a:t>23.12.2025</a:t>
             </a:fld>
             <a:endParaRPr lang="de-DE"/>
           </a:p>
@@ -2259,7 +2266,7 @@
           <a:p>
             <a:fld id="{6EAE28AA-0912-4DA0-8B30-7F3CA3FE6671}" type="datetimeFigureOut">
               <a:rPr lang="de-DE" smtClean="0"/>
-              <a:t>30.11.2025</a:t>
+              <a:t>23.12.2025</a:t>
             </a:fld>
             <a:endParaRPr lang="de-DE"/>
           </a:p>
@@ -2491,7 +2498,7 @@
           <a:p>
             <a:fld id="{6EAE28AA-0912-4DA0-8B30-7F3CA3FE6671}" type="datetimeFigureOut">
               <a:rPr lang="de-DE" smtClean="0"/>
-              <a:t>30.11.2025</a:t>
+              <a:t>23.12.2025</a:t>
             </a:fld>
             <a:endParaRPr lang="de-DE"/>
           </a:p>
@@ -2858,7 +2865,7 @@
           <a:p>
             <a:fld id="{6EAE28AA-0912-4DA0-8B30-7F3CA3FE6671}" type="datetimeFigureOut">
               <a:rPr lang="de-DE" smtClean="0"/>
-              <a:t>30.11.2025</a:t>
+              <a:t>23.12.2025</a:t>
             </a:fld>
             <a:endParaRPr lang="de-DE"/>
           </a:p>
@@ -2976,7 +2983,7 @@
           <a:p>
             <a:fld id="{6EAE28AA-0912-4DA0-8B30-7F3CA3FE6671}" type="datetimeFigureOut">
               <a:rPr lang="de-DE" smtClean="0"/>
-              <a:t>30.11.2025</a:t>
+              <a:t>23.12.2025</a:t>
             </a:fld>
             <a:endParaRPr lang="de-DE"/>
           </a:p>
@@ -3071,7 +3078,7 @@
           <a:p>
             <a:fld id="{6EAE28AA-0912-4DA0-8B30-7F3CA3FE6671}" type="datetimeFigureOut">
               <a:rPr lang="de-DE" smtClean="0"/>
-              <a:t>30.11.2025</a:t>
+              <a:t>23.12.2025</a:t>
             </a:fld>
             <a:endParaRPr lang="de-DE"/>
           </a:p>
@@ -3348,7 +3355,7 @@
           <a:p>
             <a:fld id="{6EAE28AA-0912-4DA0-8B30-7F3CA3FE6671}" type="datetimeFigureOut">
               <a:rPr lang="de-DE" smtClean="0"/>
-              <a:t>30.11.2025</a:t>
+              <a:t>23.12.2025</a:t>
             </a:fld>
             <a:endParaRPr lang="de-DE"/>
           </a:p>
@@ -3605,7 +3612,7 @@
           <a:p>
             <a:fld id="{6EAE28AA-0912-4DA0-8B30-7F3CA3FE6671}" type="datetimeFigureOut">
               <a:rPr lang="de-DE" smtClean="0"/>
-              <a:t>30.11.2025</a:t>
+              <a:t>23.12.2025</a:t>
             </a:fld>
             <a:endParaRPr lang="de-DE"/>
           </a:p>
@@ -3818,7 +3825,7 @@
           <a:p>
             <a:fld id="{6EAE28AA-0912-4DA0-8B30-7F3CA3FE6671}" type="datetimeFigureOut">
               <a:rPr lang="de-DE" smtClean="0"/>
-              <a:t>30.11.2025</a:t>
+              <a:t>23.12.2025</a:t>
             </a:fld>
             <a:endParaRPr lang="de-DE"/>
           </a:p>
@@ -8855,6 +8862,6647 @@
     <p:extLst>
       <p:ext uri="{BB962C8B-B14F-4D97-AF65-F5344CB8AC3E}">
         <p14:creationId xmlns:p14="http://schemas.microsoft.com/office/powerpoint/2010/main" val="2689661887"/>
+      </p:ext>
+    </p:extLst>
+  </p:cSld>
+  <p:clrMapOvr>
+    <a:masterClrMapping/>
+  </p:clrMapOvr>
+</p:sld>
+</file>
+
+<file path=ppt/slides/slide11.xml><?xml version="1.0" encoding="utf-8"?>
+<p:sld xmlns:a="http://schemas.openxmlformats.org/drawingml/2006/main" xmlns:r="http://schemas.openxmlformats.org/officeDocument/2006/relationships" xmlns:p="http://schemas.openxmlformats.org/presentationml/2006/main">
+  <p:cSld>
+    <p:spTree>
+      <p:nvGrpSpPr>
+        <p:cNvPr id="1" name="">
+          <a:extLst>
+            <a:ext uri="{FF2B5EF4-FFF2-40B4-BE49-F238E27FC236}">
+              <a16:creationId xmlns:a16="http://schemas.microsoft.com/office/drawing/2014/main" id="{8F034598-9D4B-B1DF-4F75-D1C67FE1BFA6}"/>
+            </a:ext>
+          </a:extLst>
+        </p:cNvPr>
+        <p:cNvGrpSpPr/>
+        <p:nvPr/>
+      </p:nvGrpSpPr>
+      <p:grpSpPr>
+        <a:xfrm>
+          <a:off x="0" y="0"/>
+          <a:ext cx="0" cy="0"/>
+          <a:chOff x="0" y="0"/>
+          <a:chExt cx="0" cy="0"/>
+        </a:xfrm>
+      </p:grpSpPr>
+      <p:grpSp>
+        <p:nvGrpSpPr>
+          <p:cNvPr id="12" name="Gruppieren 11">
+            <a:extLst>
+              <a:ext uri="{FF2B5EF4-FFF2-40B4-BE49-F238E27FC236}">
+                <a16:creationId xmlns:a16="http://schemas.microsoft.com/office/drawing/2014/main" id="{7A35A164-6D67-95D9-9A11-233394E5F199}"/>
+              </a:ext>
+            </a:extLst>
+          </p:cNvPr>
+          <p:cNvGrpSpPr/>
+          <p:nvPr/>
+        </p:nvGrpSpPr>
+        <p:grpSpPr>
+          <a:xfrm>
+            <a:off x="1456152" y="1556688"/>
+            <a:ext cx="712350" cy="588662"/>
+            <a:chOff x="312132" y="2331638"/>
+            <a:chExt cx="827993" cy="588662"/>
+          </a:xfrm>
+        </p:grpSpPr>
+        <p:cxnSp>
+          <p:nvCxnSpPr>
+            <p:cNvPr id="13" name="Gerader Verbinder 12">
+              <a:extLst>
+                <a:ext uri="{FF2B5EF4-FFF2-40B4-BE49-F238E27FC236}">
+                  <a16:creationId xmlns:a16="http://schemas.microsoft.com/office/drawing/2014/main" id="{A998B018-B539-4CD6-95E1-D9DFAAFBDAFB}"/>
+                </a:ext>
+              </a:extLst>
+            </p:cNvPr>
+            <p:cNvCxnSpPr/>
+            <p:nvPr/>
+          </p:nvCxnSpPr>
+          <p:spPr>
+            <a:xfrm rot="5400000" flipV="1">
+              <a:off x="726129" y="2211971"/>
+              <a:ext cx="0" cy="827993"/>
+            </a:xfrm>
+            <a:prstGeom prst="line">
+              <a:avLst/>
+            </a:prstGeom>
+            <a:ln w="6350" cap="rnd">
+              <a:solidFill>
+                <a:schemeClr val="accent1"/>
+              </a:solidFill>
+              <a:prstDash val="solid"/>
+              <a:round/>
+              <a:tailEnd type="stealth"/>
+            </a:ln>
+          </p:spPr>
+          <p:style>
+            <a:lnRef idx="2">
+              <a:schemeClr val="accent1"/>
+            </a:lnRef>
+            <a:fillRef idx="0">
+              <a:schemeClr val="accent1"/>
+            </a:fillRef>
+            <a:effectRef idx="1">
+              <a:schemeClr val="accent1"/>
+            </a:effectRef>
+            <a:fontRef idx="minor">
+              <a:schemeClr val="tx1"/>
+            </a:fontRef>
+          </p:style>
+        </p:cxnSp>
+        <p:cxnSp>
+          <p:nvCxnSpPr>
+            <p:cNvPr id="14" name="Gerader Verbinder 13">
+              <a:extLst>
+                <a:ext uri="{FF2B5EF4-FFF2-40B4-BE49-F238E27FC236}">
+                  <a16:creationId xmlns:a16="http://schemas.microsoft.com/office/drawing/2014/main" id="{1675D4FE-67FB-9EC1-C485-A56A7BA95C63}"/>
+                </a:ext>
+              </a:extLst>
+            </p:cNvPr>
+            <p:cNvCxnSpPr/>
+            <p:nvPr/>
+          </p:nvCxnSpPr>
+          <p:spPr>
+            <a:xfrm rot="5400000" flipV="1">
+              <a:off x="726129" y="2408191"/>
+              <a:ext cx="0" cy="827993"/>
+            </a:xfrm>
+            <a:prstGeom prst="line">
+              <a:avLst/>
+            </a:prstGeom>
+            <a:ln w="6350" cap="rnd">
+              <a:solidFill>
+                <a:schemeClr val="accent1"/>
+              </a:solidFill>
+              <a:prstDash val="solid"/>
+              <a:round/>
+              <a:tailEnd type="stealth"/>
+            </a:ln>
+          </p:spPr>
+          <p:style>
+            <a:lnRef idx="2">
+              <a:schemeClr val="accent1"/>
+            </a:lnRef>
+            <a:fillRef idx="0">
+              <a:schemeClr val="accent1"/>
+            </a:fillRef>
+            <a:effectRef idx="1">
+              <a:schemeClr val="accent1"/>
+            </a:effectRef>
+            <a:fontRef idx="minor">
+              <a:schemeClr val="tx1"/>
+            </a:fontRef>
+          </p:style>
+        </p:cxnSp>
+        <p:cxnSp>
+          <p:nvCxnSpPr>
+            <p:cNvPr id="15" name="Gerader Verbinder 14">
+              <a:extLst>
+                <a:ext uri="{FF2B5EF4-FFF2-40B4-BE49-F238E27FC236}">
+                  <a16:creationId xmlns:a16="http://schemas.microsoft.com/office/drawing/2014/main" id="{E36D311B-361E-8B67-14A6-6120817B1D4D}"/>
+                </a:ext>
+              </a:extLst>
+            </p:cNvPr>
+            <p:cNvCxnSpPr/>
+            <p:nvPr/>
+          </p:nvCxnSpPr>
+          <p:spPr>
+            <a:xfrm rot="5400000" flipV="1">
+              <a:off x="726129" y="2310081"/>
+              <a:ext cx="0" cy="827993"/>
+            </a:xfrm>
+            <a:prstGeom prst="line">
+              <a:avLst/>
+            </a:prstGeom>
+            <a:ln w="6350" cap="rnd">
+              <a:solidFill>
+                <a:schemeClr val="accent1"/>
+              </a:solidFill>
+              <a:prstDash val="solid"/>
+              <a:round/>
+              <a:tailEnd type="stealth"/>
+            </a:ln>
+          </p:spPr>
+          <p:style>
+            <a:lnRef idx="2">
+              <a:schemeClr val="accent1"/>
+            </a:lnRef>
+            <a:fillRef idx="0">
+              <a:schemeClr val="accent1"/>
+            </a:fillRef>
+            <a:effectRef idx="1">
+              <a:schemeClr val="accent1"/>
+            </a:effectRef>
+            <a:fontRef idx="minor">
+              <a:schemeClr val="tx1"/>
+            </a:fontRef>
+          </p:style>
+        </p:cxnSp>
+        <p:cxnSp>
+          <p:nvCxnSpPr>
+            <p:cNvPr id="16" name="Gerader Verbinder 15">
+              <a:extLst>
+                <a:ext uri="{FF2B5EF4-FFF2-40B4-BE49-F238E27FC236}">
+                  <a16:creationId xmlns:a16="http://schemas.microsoft.com/office/drawing/2014/main" id="{E11E2CA5-AF58-6F35-A81F-8419A78E226F}"/>
+                </a:ext>
+              </a:extLst>
+            </p:cNvPr>
+            <p:cNvCxnSpPr/>
+            <p:nvPr/>
+          </p:nvCxnSpPr>
+          <p:spPr>
+            <a:xfrm rot="5400000" flipV="1">
+              <a:off x="726129" y="2506303"/>
+              <a:ext cx="0" cy="827993"/>
+            </a:xfrm>
+            <a:prstGeom prst="line">
+              <a:avLst/>
+            </a:prstGeom>
+            <a:ln w="6350" cap="rnd">
+              <a:solidFill>
+                <a:schemeClr val="accent1"/>
+              </a:solidFill>
+              <a:prstDash val="solid"/>
+              <a:round/>
+              <a:tailEnd type="stealth"/>
+            </a:ln>
+          </p:spPr>
+          <p:style>
+            <a:lnRef idx="2">
+              <a:schemeClr val="accent1"/>
+            </a:lnRef>
+            <a:fillRef idx="0">
+              <a:schemeClr val="accent1"/>
+            </a:fillRef>
+            <a:effectRef idx="1">
+              <a:schemeClr val="accent1"/>
+            </a:effectRef>
+            <a:fontRef idx="minor">
+              <a:schemeClr val="tx1"/>
+            </a:fontRef>
+          </p:style>
+        </p:cxnSp>
+        <p:cxnSp>
+          <p:nvCxnSpPr>
+            <p:cNvPr id="17" name="Gerader Verbinder 16">
+              <a:extLst>
+                <a:ext uri="{FF2B5EF4-FFF2-40B4-BE49-F238E27FC236}">
+                  <a16:creationId xmlns:a16="http://schemas.microsoft.com/office/drawing/2014/main" id="{DE845E6D-5466-293E-71F5-52369C6E37DD}"/>
+                </a:ext>
+              </a:extLst>
+            </p:cNvPr>
+            <p:cNvCxnSpPr/>
+            <p:nvPr/>
+          </p:nvCxnSpPr>
+          <p:spPr>
+            <a:xfrm rot="5400000" flipV="1">
+              <a:off x="726129" y="2113861"/>
+              <a:ext cx="0" cy="827993"/>
+            </a:xfrm>
+            <a:prstGeom prst="line">
+              <a:avLst/>
+            </a:prstGeom>
+            <a:ln w="6350" cap="rnd">
+              <a:solidFill>
+                <a:schemeClr val="accent1"/>
+              </a:solidFill>
+              <a:prstDash val="solid"/>
+              <a:round/>
+              <a:tailEnd type="stealth"/>
+            </a:ln>
+          </p:spPr>
+          <p:style>
+            <a:lnRef idx="2">
+              <a:schemeClr val="accent1"/>
+            </a:lnRef>
+            <a:fillRef idx="0">
+              <a:schemeClr val="accent1"/>
+            </a:fillRef>
+            <a:effectRef idx="1">
+              <a:schemeClr val="accent1"/>
+            </a:effectRef>
+            <a:fontRef idx="minor">
+              <a:schemeClr val="tx1"/>
+            </a:fontRef>
+          </p:style>
+        </p:cxnSp>
+        <p:cxnSp>
+          <p:nvCxnSpPr>
+            <p:cNvPr id="18" name="Gerader Verbinder 17">
+              <a:extLst>
+                <a:ext uri="{FF2B5EF4-FFF2-40B4-BE49-F238E27FC236}">
+                  <a16:creationId xmlns:a16="http://schemas.microsoft.com/office/drawing/2014/main" id="{249ED894-206E-138C-5F2B-274E78287106}"/>
+                </a:ext>
+              </a:extLst>
+            </p:cNvPr>
+            <p:cNvCxnSpPr/>
+            <p:nvPr/>
+          </p:nvCxnSpPr>
+          <p:spPr>
+            <a:xfrm rot="5400000" flipV="1">
+              <a:off x="726129" y="2015751"/>
+              <a:ext cx="0" cy="827993"/>
+            </a:xfrm>
+            <a:prstGeom prst="line">
+              <a:avLst/>
+            </a:prstGeom>
+            <a:ln w="6350" cap="rnd">
+              <a:solidFill>
+                <a:schemeClr val="accent1"/>
+              </a:solidFill>
+              <a:prstDash val="solid"/>
+              <a:round/>
+              <a:tailEnd type="stealth"/>
+            </a:ln>
+          </p:spPr>
+          <p:style>
+            <a:lnRef idx="2">
+              <a:schemeClr val="accent1"/>
+            </a:lnRef>
+            <a:fillRef idx="0">
+              <a:schemeClr val="accent1"/>
+            </a:fillRef>
+            <a:effectRef idx="1">
+              <a:schemeClr val="accent1"/>
+            </a:effectRef>
+            <a:fontRef idx="minor">
+              <a:schemeClr val="tx1"/>
+            </a:fontRef>
+          </p:style>
+        </p:cxnSp>
+        <p:cxnSp>
+          <p:nvCxnSpPr>
+            <p:cNvPr id="19" name="Gerader Verbinder 18">
+              <a:extLst>
+                <a:ext uri="{FF2B5EF4-FFF2-40B4-BE49-F238E27FC236}">
+                  <a16:creationId xmlns:a16="http://schemas.microsoft.com/office/drawing/2014/main" id="{858B8E89-8231-FB78-C1EE-9130E3011583}"/>
+                </a:ext>
+              </a:extLst>
+            </p:cNvPr>
+            <p:cNvCxnSpPr/>
+            <p:nvPr/>
+          </p:nvCxnSpPr>
+          <p:spPr>
+            <a:xfrm rot="5400000" flipV="1">
+              <a:off x="726129" y="1917641"/>
+              <a:ext cx="0" cy="827993"/>
+            </a:xfrm>
+            <a:prstGeom prst="line">
+              <a:avLst/>
+            </a:prstGeom>
+            <a:ln w="6350" cap="rnd">
+              <a:solidFill>
+                <a:schemeClr val="accent1"/>
+              </a:solidFill>
+              <a:prstDash val="solid"/>
+              <a:round/>
+              <a:tailEnd type="stealth"/>
+            </a:ln>
+          </p:spPr>
+          <p:style>
+            <a:lnRef idx="2">
+              <a:schemeClr val="accent1"/>
+            </a:lnRef>
+            <a:fillRef idx="0">
+              <a:schemeClr val="accent1"/>
+            </a:fillRef>
+            <a:effectRef idx="1">
+              <a:schemeClr val="accent1"/>
+            </a:effectRef>
+            <a:fontRef idx="minor">
+              <a:schemeClr val="tx1"/>
+            </a:fontRef>
+          </p:style>
+        </p:cxnSp>
+      </p:grpSp>
+      <p:grpSp>
+        <p:nvGrpSpPr>
+          <p:cNvPr id="35" name="Gruppieren 34">
+            <a:extLst>
+              <a:ext uri="{FF2B5EF4-FFF2-40B4-BE49-F238E27FC236}">
+                <a16:creationId xmlns:a16="http://schemas.microsoft.com/office/drawing/2014/main" id="{C9090211-A0E9-ABFC-9E2B-88D2142279A3}"/>
+              </a:ext>
+            </a:extLst>
+          </p:cNvPr>
+          <p:cNvGrpSpPr/>
+          <p:nvPr/>
+        </p:nvGrpSpPr>
+        <p:grpSpPr>
+          <a:xfrm>
+            <a:off x="1544372" y="1189311"/>
+            <a:ext cx="947244" cy="906983"/>
+            <a:chOff x="477520" y="1298817"/>
+            <a:chExt cx="947244" cy="906983"/>
+          </a:xfrm>
+        </p:grpSpPr>
+        <p:cxnSp>
+          <p:nvCxnSpPr>
+            <p:cNvPr id="36" name="Gerade Verbindung mit Pfeil 35">
+              <a:extLst>
+                <a:ext uri="{FF2B5EF4-FFF2-40B4-BE49-F238E27FC236}">
+                  <a16:creationId xmlns:a16="http://schemas.microsoft.com/office/drawing/2014/main" id="{186B6213-A917-D657-6132-7308177ECA5E}"/>
+                </a:ext>
+              </a:extLst>
+            </p:cNvPr>
+            <p:cNvCxnSpPr/>
+            <p:nvPr/>
+          </p:nvCxnSpPr>
+          <p:spPr>
+            <a:xfrm>
+              <a:off x="732807" y="1959766"/>
+              <a:ext cx="551146" cy="0"/>
+            </a:xfrm>
+            <a:prstGeom prst="straightConnector1">
+              <a:avLst/>
+            </a:prstGeom>
+            <a:ln w="12700" cap="rnd">
+              <a:solidFill>
+                <a:schemeClr val="tx1"/>
+              </a:solidFill>
+              <a:round/>
+              <a:tailEnd type="stealth"/>
+            </a:ln>
+          </p:spPr>
+          <p:style>
+            <a:lnRef idx="2">
+              <a:schemeClr val="accent1"/>
+            </a:lnRef>
+            <a:fillRef idx="0">
+              <a:schemeClr val="accent1"/>
+            </a:fillRef>
+            <a:effectRef idx="1">
+              <a:schemeClr val="accent1"/>
+            </a:effectRef>
+            <a:fontRef idx="minor">
+              <a:schemeClr val="tx1"/>
+            </a:fontRef>
+          </p:style>
+        </p:cxnSp>
+        <p:cxnSp>
+          <p:nvCxnSpPr>
+            <p:cNvPr id="37" name="Gerade Verbindung mit Pfeil 36">
+              <a:extLst>
+                <a:ext uri="{FF2B5EF4-FFF2-40B4-BE49-F238E27FC236}">
+                  <a16:creationId xmlns:a16="http://schemas.microsoft.com/office/drawing/2014/main" id="{A040DDE6-D67A-9EDA-39CA-CC8F2459E073}"/>
+                </a:ext>
+              </a:extLst>
+            </p:cNvPr>
+            <p:cNvCxnSpPr>
+              <a:cxnSpLocks/>
+            </p:cNvCxnSpPr>
+            <p:nvPr/>
+          </p:nvCxnSpPr>
+          <p:spPr>
+            <a:xfrm flipV="1">
+              <a:off x="732807" y="1399618"/>
+              <a:ext cx="0" cy="560148"/>
+            </a:xfrm>
+            <a:prstGeom prst="straightConnector1">
+              <a:avLst/>
+            </a:prstGeom>
+            <a:ln w="12700" cap="rnd">
+              <a:solidFill>
+                <a:schemeClr val="tx1"/>
+              </a:solidFill>
+              <a:round/>
+              <a:tailEnd type="stealth"/>
+            </a:ln>
+          </p:spPr>
+          <p:style>
+            <a:lnRef idx="2">
+              <a:schemeClr val="accent1"/>
+            </a:lnRef>
+            <a:fillRef idx="0">
+              <a:schemeClr val="accent1"/>
+            </a:fillRef>
+            <a:effectRef idx="1">
+              <a:schemeClr val="accent1"/>
+            </a:effectRef>
+            <a:fontRef idx="minor">
+              <a:schemeClr val="tx1"/>
+            </a:fontRef>
+          </p:style>
+        </p:cxnSp>
+        <p:sp>
+          <p:nvSpPr>
+            <p:cNvPr id="38" name="Textfeld 37">
+              <a:extLst>
+                <a:ext uri="{FF2B5EF4-FFF2-40B4-BE49-F238E27FC236}">
+                  <a16:creationId xmlns:a16="http://schemas.microsoft.com/office/drawing/2014/main" id="{9AE2E586-24A5-3FD8-5D45-EFE7782E4D73}"/>
+                </a:ext>
+              </a:extLst>
+            </p:cNvPr>
+            <p:cNvSpPr txBox="1"/>
+            <p:nvPr/>
+          </p:nvSpPr>
+          <p:spPr>
+            <a:xfrm>
+              <a:off x="477520" y="1298817"/>
+              <a:ext cx="289560" cy="261610"/>
+            </a:xfrm>
+            <a:prstGeom prst="rect">
+              <a:avLst/>
+            </a:prstGeom>
+            <a:noFill/>
+          </p:spPr>
+          <p:txBody>
+            <a:bodyPr wrap="square" rtlCol="0" anchor="ctr">
+              <a:spAutoFit/>
+            </a:bodyPr>
+            <a:lstStyle/>
+            <a:p>
+              <a:pPr algn="ctr"/>
+              <a:r>
+                <a:rPr lang="de-DE" sz="1100" i="1" dirty="0">
+                  <a:latin typeface="CMU Serif" panose="02000603000000000000" pitchFamily="2" charset="0"/>
+                  <a:ea typeface="CMU Serif" panose="02000603000000000000" pitchFamily="2" charset="0"/>
+                  <a:cs typeface="CMU Serif" panose="02000603000000000000" pitchFamily="2" charset="0"/>
+                </a:rPr>
+                <a:t>y</a:t>
+              </a:r>
+            </a:p>
+          </p:txBody>
+        </p:sp>
+        <p:sp>
+          <p:nvSpPr>
+            <p:cNvPr id="39" name="Textfeld 38">
+              <a:extLst>
+                <a:ext uri="{FF2B5EF4-FFF2-40B4-BE49-F238E27FC236}">
+                  <a16:creationId xmlns:a16="http://schemas.microsoft.com/office/drawing/2014/main" id="{A2545F30-F9E3-C81B-C1EF-BEADDDB19516}"/>
+                </a:ext>
+              </a:extLst>
+            </p:cNvPr>
+            <p:cNvSpPr txBox="1"/>
+            <p:nvPr/>
+          </p:nvSpPr>
+          <p:spPr>
+            <a:xfrm>
+              <a:off x="1135204" y="1944190"/>
+              <a:ext cx="289560" cy="261610"/>
+            </a:xfrm>
+            <a:prstGeom prst="rect">
+              <a:avLst/>
+            </a:prstGeom>
+            <a:noFill/>
+          </p:spPr>
+          <p:txBody>
+            <a:bodyPr wrap="square" rtlCol="0" anchor="ctr">
+              <a:spAutoFit/>
+            </a:bodyPr>
+            <a:lstStyle/>
+            <a:p>
+              <a:pPr algn="ctr"/>
+              <a:r>
+                <a:rPr lang="de-DE" sz="1100" i="1" dirty="0">
+                  <a:latin typeface="CMU Serif" panose="02000603000000000000" pitchFamily="2" charset="0"/>
+                  <a:ea typeface="CMU Serif" panose="02000603000000000000" pitchFamily="2" charset="0"/>
+                  <a:cs typeface="CMU Serif" panose="02000603000000000000" pitchFamily="2" charset="0"/>
+                </a:rPr>
+                <a:t>x</a:t>
+              </a:r>
+            </a:p>
+          </p:txBody>
+        </p:sp>
+      </p:grpSp>
+      <p:sp>
+        <p:nvSpPr>
+          <p:cNvPr id="2" name="Textfeld 1">
+            <a:extLst>
+              <a:ext uri="{FF2B5EF4-FFF2-40B4-BE49-F238E27FC236}">
+                <a16:creationId xmlns:a16="http://schemas.microsoft.com/office/drawing/2014/main" id="{40096F58-3C07-0A87-3EBB-F8954790ABDD}"/>
+              </a:ext>
+            </a:extLst>
+          </p:cNvPr>
+          <p:cNvSpPr txBox="1"/>
+          <p:nvPr/>
+        </p:nvSpPr>
+        <p:spPr>
+          <a:xfrm>
+            <a:off x="2019201" y="1277960"/>
+            <a:ext cx="365709" cy="261610"/>
+          </a:xfrm>
+          <a:prstGeom prst="rect">
+            <a:avLst/>
+          </a:prstGeom>
+          <a:noFill/>
+        </p:spPr>
+        <p:txBody>
+          <a:bodyPr wrap="square" rtlCol="0" anchor="ctr">
+            <a:spAutoFit/>
+          </a:bodyPr>
+          <a:lstStyle/>
+          <a:p>
+            <a:pPr algn="ctr"/>
+            <a:r>
+              <a:rPr lang="de-DE" sz="1100" i="1" dirty="0">
+                <a:solidFill>
+                  <a:schemeClr val="accent1"/>
+                </a:solidFill>
+                <a:latin typeface="CMU Serif" panose="02000603000000000000" pitchFamily="2" charset="0"/>
+                <a:ea typeface="CMU Serif" panose="02000603000000000000" pitchFamily="2" charset="0"/>
+                <a:cs typeface="CMU Serif" panose="02000603000000000000" pitchFamily="2" charset="0"/>
+              </a:rPr>
+              <a:t>u</a:t>
+            </a:r>
+            <a:r>
+              <a:rPr lang="de-DE" sz="1100" baseline="-25000" dirty="0">
+                <a:solidFill>
+                  <a:schemeClr val="accent1"/>
+                </a:solidFill>
+                <a:latin typeface="Latin Modern Math" panose="02000503000000000000" pitchFamily="50" charset="0"/>
+                <a:ea typeface="Latin Modern Math" panose="02000503000000000000" pitchFamily="50" charset="0"/>
+                <a:cs typeface="CMU Serif Extra" panose="02000603000000000000" pitchFamily="2" charset="0"/>
+              </a:rPr>
+              <a:t>∞</a:t>
+            </a:r>
+            <a:endParaRPr lang="de-DE" sz="1100" i="1" baseline="-25000" dirty="0">
+              <a:solidFill>
+                <a:schemeClr val="accent1"/>
+              </a:solidFill>
+              <a:latin typeface="Latin Modern Math" panose="02000503000000000000" pitchFamily="50" charset="0"/>
+              <a:ea typeface="Latin Modern Math" panose="02000503000000000000" pitchFamily="50" charset="0"/>
+              <a:cs typeface="CMU Serif Extra" panose="02000603000000000000" pitchFamily="2" charset="0"/>
+            </a:endParaRPr>
+          </a:p>
+        </p:txBody>
+      </p:sp>
+    </p:spTree>
+    <p:extLst>
+      <p:ext uri="{BB962C8B-B14F-4D97-AF65-F5344CB8AC3E}">
+        <p14:creationId xmlns:p14="http://schemas.microsoft.com/office/powerpoint/2010/main" val="1324950987"/>
+      </p:ext>
+    </p:extLst>
+  </p:cSld>
+  <p:clrMapOvr>
+    <a:masterClrMapping/>
+  </p:clrMapOvr>
+</p:sld>
+</file>
+
+<file path=ppt/slides/slide12.xml><?xml version="1.0" encoding="utf-8"?>
+<p:sld xmlns:a="http://schemas.openxmlformats.org/drawingml/2006/main" xmlns:r="http://schemas.openxmlformats.org/officeDocument/2006/relationships" xmlns:p="http://schemas.openxmlformats.org/presentationml/2006/main">
+  <p:cSld>
+    <p:spTree>
+      <p:nvGrpSpPr>
+        <p:cNvPr id="1" name=""/>
+        <p:cNvGrpSpPr/>
+        <p:nvPr/>
+      </p:nvGrpSpPr>
+      <p:grpSpPr>
+        <a:xfrm>
+          <a:off x="0" y="0"/>
+          <a:ext cx="0" cy="0"/>
+          <a:chOff x="0" y="0"/>
+          <a:chExt cx="0" cy="0"/>
+        </a:xfrm>
+      </p:grpSpPr>
+      <p:grpSp>
+        <p:nvGrpSpPr>
+          <p:cNvPr id="27" name="Gruppieren 26">
+            <a:extLst>
+              <a:ext uri="{FF2B5EF4-FFF2-40B4-BE49-F238E27FC236}">
+                <a16:creationId xmlns:a16="http://schemas.microsoft.com/office/drawing/2014/main" id="{F85EE9EB-7D75-BCE9-1AF1-7C16A84304A1}"/>
+              </a:ext>
+            </a:extLst>
+          </p:cNvPr>
+          <p:cNvGrpSpPr/>
+          <p:nvPr/>
+        </p:nvGrpSpPr>
+        <p:grpSpPr>
+          <a:xfrm rot="16200000">
+            <a:off x="1450744" y="1541222"/>
+            <a:ext cx="702774" cy="588662"/>
+            <a:chOff x="312132" y="2331638"/>
+            <a:chExt cx="827993" cy="588662"/>
+          </a:xfrm>
+        </p:grpSpPr>
+        <p:cxnSp>
+          <p:nvCxnSpPr>
+            <p:cNvPr id="28" name="Gerader Verbinder 27">
+              <a:extLst>
+                <a:ext uri="{FF2B5EF4-FFF2-40B4-BE49-F238E27FC236}">
+                  <a16:creationId xmlns:a16="http://schemas.microsoft.com/office/drawing/2014/main" id="{311C88BC-9582-BECD-AE17-B5C193D4FF1D}"/>
+                </a:ext>
+              </a:extLst>
+            </p:cNvPr>
+            <p:cNvCxnSpPr>
+              <a:cxnSpLocks/>
+            </p:cNvCxnSpPr>
+            <p:nvPr/>
+          </p:nvCxnSpPr>
+          <p:spPr>
+            <a:xfrm rot="5400000" flipV="1">
+              <a:off x="726129" y="2211971"/>
+              <a:ext cx="0" cy="827993"/>
+            </a:xfrm>
+            <a:prstGeom prst="line">
+              <a:avLst/>
+            </a:prstGeom>
+            <a:ln w="6350" cap="rnd">
+              <a:solidFill>
+                <a:schemeClr val="accent1"/>
+              </a:solidFill>
+              <a:prstDash val="solid"/>
+              <a:round/>
+              <a:tailEnd type="stealth"/>
+            </a:ln>
+          </p:spPr>
+          <p:style>
+            <a:lnRef idx="2">
+              <a:schemeClr val="accent1"/>
+            </a:lnRef>
+            <a:fillRef idx="0">
+              <a:schemeClr val="accent1"/>
+            </a:fillRef>
+            <a:effectRef idx="1">
+              <a:schemeClr val="accent1"/>
+            </a:effectRef>
+            <a:fontRef idx="minor">
+              <a:schemeClr val="tx1"/>
+            </a:fontRef>
+          </p:style>
+        </p:cxnSp>
+        <p:cxnSp>
+          <p:nvCxnSpPr>
+            <p:cNvPr id="29" name="Gerader Verbinder 28">
+              <a:extLst>
+                <a:ext uri="{FF2B5EF4-FFF2-40B4-BE49-F238E27FC236}">
+                  <a16:creationId xmlns:a16="http://schemas.microsoft.com/office/drawing/2014/main" id="{95FF1307-3826-8DF1-CF88-E8A7BB3E6F31}"/>
+                </a:ext>
+              </a:extLst>
+            </p:cNvPr>
+            <p:cNvCxnSpPr>
+              <a:cxnSpLocks/>
+            </p:cNvCxnSpPr>
+            <p:nvPr/>
+          </p:nvCxnSpPr>
+          <p:spPr>
+            <a:xfrm rot="5400000" flipV="1">
+              <a:off x="726129" y="2408191"/>
+              <a:ext cx="0" cy="827993"/>
+            </a:xfrm>
+            <a:prstGeom prst="line">
+              <a:avLst/>
+            </a:prstGeom>
+            <a:ln w="6350" cap="rnd">
+              <a:solidFill>
+                <a:schemeClr val="accent1"/>
+              </a:solidFill>
+              <a:prstDash val="solid"/>
+              <a:round/>
+              <a:tailEnd type="stealth"/>
+            </a:ln>
+          </p:spPr>
+          <p:style>
+            <a:lnRef idx="2">
+              <a:schemeClr val="accent1"/>
+            </a:lnRef>
+            <a:fillRef idx="0">
+              <a:schemeClr val="accent1"/>
+            </a:fillRef>
+            <a:effectRef idx="1">
+              <a:schemeClr val="accent1"/>
+            </a:effectRef>
+            <a:fontRef idx="minor">
+              <a:schemeClr val="tx1"/>
+            </a:fontRef>
+          </p:style>
+        </p:cxnSp>
+        <p:cxnSp>
+          <p:nvCxnSpPr>
+            <p:cNvPr id="30" name="Gerader Verbinder 29">
+              <a:extLst>
+                <a:ext uri="{FF2B5EF4-FFF2-40B4-BE49-F238E27FC236}">
+                  <a16:creationId xmlns:a16="http://schemas.microsoft.com/office/drawing/2014/main" id="{4E770644-3176-5BC1-3D02-38420EF59981}"/>
+                </a:ext>
+              </a:extLst>
+            </p:cNvPr>
+            <p:cNvCxnSpPr>
+              <a:cxnSpLocks/>
+            </p:cNvCxnSpPr>
+            <p:nvPr/>
+          </p:nvCxnSpPr>
+          <p:spPr>
+            <a:xfrm rot="5400000" flipV="1">
+              <a:off x="726129" y="2310081"/>
+              <a:ext cx="0" cy="827993"/>
+            </a:xfrm>
+            <a:prstGeom prst="line">
+              <a:avLst/>
+            </a:prstGeom>
+            <a:ln w="6350" cap="rnd">
+              <a:solidFill>
+                <a:schemeClr val="accent1"/>
+              </a:solidFill>
+              <a:prstDash val="solid"/>
+              <a:round/>
+              <a:tailEnd type="stealth"/>
+            </a:ln>
+          </p:spPr>
+          <p:style>
+            <a:lnRef idx="2">
+              <a:schemeClr val="accent1"/>
+            </a:lnRef>
+            <a:fillRef idx="0">
+              <a:schemeClr val="accent1"/>
+            </a:fillRef>
+            <a:effectRef idx="1">
+              <a:schemeClr val="accent1"/>
+            </a:effectRef>
+            <a:fontRef idx="minor">
+              <a:schemeClr val="tx1"/>
+            </a:fontRef>
+          </p:style>
+        </p:cxnSp>
+        <p:cxnSp>
+          <p:nvCxnSpPr>
+            <p:cNvPr id="31" name="Gerader Verbinder 30">
+              <a:extLst>
+                <a:ext uri="{FF2B5EF4-FFF2-40B4-BE49-F238E27FC236}">
+                  <a16:creationId xmlns:a16="http://schemas.microsoft.com/office/drawing/2014/main" id="{6BD1F6F5-6DA5-266B-AF07-76619B4C3441}"/>
+                </a:ext>
+              </a:extLst>
+            </p:cNvPr>
+            <p:cNvCxnSpPr>
+              <a:cxnSpLocks/>
+            </p:cNvCxnSpPr>
+            <p:nvPr/>
+          </p:nvCxnSpPr>
+          <p:spPr>
+            <a:xfrm rot="5400000" flipV="1">
+              <a:off x="726129" y="2506303"/>
+              <a:ext cx="0" cy="827993"/>
+            </a:xfrm>
+            <a:prstGeom prst="line">
+              <a:avLst/>
+            </a:prstGeom>
+            <a:ln w="6350" cap="rnd">
+              <a:solidFill>
+                <a:schemeClr val="accent1"/>
+              </a:solidFill>
+              <a:prstDash val="solid"/>
+              <a:round/>
+              <a:tailEnd type="stealth"/>
+            </a:ln>
+          </p:spPr>
+          <p:style>
+            <a:lnRef idx="2">
+              <a:schemeClr val="accent1"/>
+            </a:lnRef>
+            <a:fillRef idx="0">
+              <a:schemeClr val="accent1"/>
+            </a:fillRef>
+            <a:effectRef idx="1">
+              <a:schemeClr val="accent1"/>
+            </a:effectRef>
+            <a:fontRef idx="minor">
+              <a:schemeClr val="tx1"/>
+            </a:fontRef>
+          </p:style>
+        </p:cxnSp>
+        <p:cxnSp>
+          <p:nvCxnSpPr>
+            <p:cNvPr id="32" name="Gerader Verbinder 31">
+              <a:extLst>
+                <a:ext uri="{FF2B5EF4-FFF2-40B4-BE49-F238E27FC236}">
+                  <a16:creationId xmlns:a16="http://schemas.microsoft.com/office/drawing/2014/main" id="{B362D0BD-97AC-CB5C-B1F3-3CDE72794832}"/>
+                </a:ext>
+              </a:extLst>
+            </p:cNvPr>
+            <p:cNvCxnSpPr>
+              <a:cxnSpLocks/>
+            </p:cNvCxnSpPr>
+            <p:nvPr/>
+          </p:nvCxnSpPr>
+          <p:spPr>
+            <a:xfrm rot="5400000" flipV="1">
+              <a:off x="726129" y="2113861"/>
+              <a:ext cx="0" cy="827993"/>
+            </a:xfrm>
+            <a:prstGeom prst="line">
+              <a:avLst/>
+            </a:prstGeom>
+            <a:ln w="6350" cap="rnd">
+              <a:solidFill>
+                <a:schemeClr val="accent1"/>
+              </a:solidFill>
+              <a:prstDash val="solid"/>
+              <a:round/>
+              <a:tailEnd type="stealth"/>
+            </a:ln>
+          </p:spPr>
+          <p:style>
+            <a:lnRef idx="2">
+              <a:schemeClr val="accent1"/>
+            </a:lnRef>
+            <a:fillRef idx="0">
+              <a:schemeClr val="accent1"/>
+            </a:fillRef>
+            <a:effectRef idx="1">
+              <a:schemeClr val="accent1"/>
+            </a:effectRef>
+            <a:fontRef idx="minor">
+              <a:schemeClr val="tx1"/>
+            </a:fontRef>
+          </p:style>
+        </p:cxnSp>
+        <p:cxnSp>
+          <p:nvCxnSpPr>
+            <p:cNvPr id="33" name="Gerader Verbinder 32">
+              <a:extLst>
+                <a:ext uri="{FF2B5EF4-FFF2-40B4-BE49-F238E27FC236}">
+                  <a16:creationId xmlns:a16="http://schemas.microsoft.com/office/drawing/2014/main" id="{D3EDFA18-94A6-9EB5-C473-2D4B31226E52}"/>
+                </a:ext>
+              </a:extLst>
+            </p:cNvPr>
+            <p:cNvCxnSpPr>
+              <a:cxnSpLocks/>
+            </p:cNvCxnSpPr>
+            <p:nvPr/>
+          </p:nvCxnSpPr>
+          <p:spPr>
+            <a:xfrm rot="5400000" flipV="1">
+              <a:off x="726129" y="2015751"/>
+              <a:ext cx="0" cy="827993"/>
+            </a:xfrm>
+            <a:prstGeom prst="line">
+              <a:avLst/>
+            </a:prstGeom>
+            <a:ln w="6350" cap="rnd">
+              <a:solidFill>
+                <a:schemeClr val="accent1"/>
+              </a:solidFill>
+              <a:prstDash val="solid"/>
+              <a:round/>
+              <a:tailEnd type="stealth"/>
+            </a:ln>
+          </p:spPr>
+          <p:style>
+            <a:lnRef idx="2">
+              <a:schemeClr val="accent1"/>
+            </a:lnRef>
+            <a:fillRef idx="0">
+              <a:schemeClr val="accent1"/>
+            </a:fillRef>
+            <a:effectRef idx="1">
+              <a:schemeClr val="accent1"/>
+            </a:effectRef>
+            <a:fontRef idx="minor">
+              <a:schemeClr val="tx1"/>
+            </a:fontRef>
+          </p:style>
+        </p:cxnSp>
+        <p:cxnSp>
+          <p:nvCxnSpPr>
+            <p:cNvPr id="34" name="Gerader Verbinder 33">
+              <a:extLst>
+                <a:ext uri="{FF2B5EF4-FFF2-40B4-BE49-F238E27FC236}">
+                  <a16:creationId xmlns:a16="http://schemas.microsoft.com/office/drawing/2014/main" id="{B8AFF7A7-A4ED-495F-4718-83B26E61B663}"/>
+                </a:ext>
+              </a:extLst>
+            </p:cNvPr>
+            <p:cNvCxnSpPr>
+              <a:cxnSpLocks/>
+            </p:cNvCxnSpPr>
+            <p:nvPr/>
+          </p:nvCxnSpPr>
+          <p:spPr>
+            <a:xfrm rot="5400000" flipV="1">
+              <a:off x="726129" y="1917641"/>
+              <a:ext cx="0" cy="827993"/>
+            </a:xfrm>
+            <a:prstGeom prst="line">
+              <a:avLst/>
+            </a:prstGeom>
+            <a:ln w="6350" cap="rnd">
+              <a:solidFill>
+                <a:schemeClr val="accent1"/>
+              </a:solidFill>
+              <a:prstDash val="solid"/>
+              <a:round/>
+              <a:tailEnd type="stealth"/>
+            </a:ln>
+          </p:spPr>
+          <p:style>
+            <a:lnRef idx="2">
+              <a:schemeClr val="accent1"/>
+            </a:lnRef>
+            <a:fillRef idx="0">
+              <a:schemeClr val="accent1"/>
+            </a:fillRef>
+            <a:effectRef idx="1">
+              <a:schemeClr val="accent1"/>
+            </a:effectRef>
+            <a:fontRef idx="minor">
+              <a:schemeClr val="tx1"/>
+            </a:fontRef>
+          </p:style>
+        </p:cxnSp>
+      </p:grpSp>
+      <p:grpSp>
+        <p:nvGrpSpPr>
+          <p:cNvPr id="40" name="Gruppieren 39">
+            <a:extLst>
+              <a:ext uri="{FF2B5EF4-FFF2-40B4-BE49-F238E27FC236}">
+                <a16:creationId xmlns:a16="http://schemas.microsoft.com/office/drawing/2014/main" id="{B29469E1-6730-428E-3C60-3A1D7B49FC8A}"/>
+              </a:ext>
+            </a:extLst>
+          </p:cNvPr>
+          <p:cNvGrpSpPr/>
+          <p:nvPr/>
+        </p:nvGrpSpPr>
+        <p:grpSpPr>
+          <a:xfrm>
+            <a:off x="1546082" y="1186592"/>
+            <a:ext cx="958189" cy="906983"/>
+            <a:chOff x="2316497" y="1298817"/>
+            <a:chExt cx="958189" cy="906983"/>
+          </a:xfrm>
+        </p:grpSpPr>
+        <p:cxnSp>
+          <p:nvCxnSpPr>
+            <p:cNvPr id="41" name="Gerade Verbindung mit Pfeil 40">
+              <a:extLst>
+                <a:ext uri="{FF2B5EF4-FFF2-40B4-BE49-F238E27FC236}">
+                  <a16:creationId xmlns:a16="http://schemas.microsoft.com/office/drawing/2014/main" id="{49A63C8D-1D9C-B946-EBD9-B9FEA1BBF275}"/>
+                </a:ext>
+              </a:extLst>
+            </p:cNvPr>
+            <p:cNvCxnSpPr/>
+            <p:nvPr/>
+          </p:nvCxnSpPr>
+          <p:spPr>
+            <a:xfrm>
+              <a:off x="2571784" y="1959766"/>
+              <a:ext cx="551146" cy="0"/>
+            </a:xfrm>
+            <a:prstGeom prst="straightConnector1">
+              <a:avLst/>
+            </a:prstGeom>
+            <a:ln w="12700" cap="rnd">
+              <a:solidFill>
+                <a:schemeClr val="tx1"/>
+              </a:solidFill>
+              <a:round/>
+              <a:tailEnd type="stealth"/>
+            </a:ln>
+          </p:spPr>
+          <p:style>
+            <a:lnRef idx="2">
+              <a:schemeClr val="accent1"/>
+            </a:lnRef>
+            <a:fillRef idx="0">
+              <a:schemeClr val="accent1"/>
+            </a:fillRef>
+            <a:effectRef idx="1">
+              <a:schemeClr val="accent1"/>
+            </a:effectRef>
+            <a:fontRef idx="minor">
+              <a:schemeClr val="tx1"/>
+            </a:fontRef>
+          </p:style>
+        </p:cxnSp>
+        <p:cxnSp>
+          <p:nvCxnSpPr>
+            <p:cNvPr id="42" name="Gerade Verbindung mit Pfeil 41">
+              <a:extLst>
+                <a:ext uri="{FF2B5EF4-FFF2-40B4-BE49-F238E27FC236}">
+                  <a16:creationId xmlns:a16="http://schemas.microsoft.com/office/drawing/2014/main" id="{216F5FF3-3E24-921D-FE22-D0D7294A5272}"/>
+                </a:ext>
+              </a:extLst>
+            </p:cNvPr>
+            <p:cNvCxnSpPr>
+              <a:cxnSpLocks/>
+            </p:cNvCxnSpPr>
+            <p:nvPr/>
+          </p:nvCxnSpPr>
+          <p:spPr>
+            <a:xfrm flipV="1">
+              <a:off x="2571784" y="1399618"/>
+              <a:ext cx="0" cy="560148"/>
+            </a:xfrm>
+            <a:prstGeom prst="straightConnector1">
+              <a:avLst/>
+            </a:prstGeom>
+            <a:ln w="12700" cap="rnd">
+              <a:solidFill>
+                <a:schemeClr val="tx1"/>
+              </a:solidFill>
+              <a:round/>
+              <a:tailEnd type="stealth"/>
+            </a:ln>
+          </p:spPr>
+          <p:style>
+            <a:lnRef idx="2">
+              <a:schemeClr val="accent1"/>
+            </a:lnRef>
+            <a:fillRef idx="0">
+              <a:schemeClr val="accent1"/>
+            </a:fillRef>
+            <a:effectRef idx="1">
+              <a:schemeClr val="accent1"/>
+            </a:effectRef>
+            <a:fontRef idx="minor">
+              <a:schemeClr val="tx1"/>
+            </a:fontRef>
+          </p:style>
+        </p:cxnSp>
+        <p:sp>
+          <p:nvSpPr>
+            <p:cNvPr id="43" name="Textfeld 42">
+              <a:extLst>
+                <a:ext uri="{FF2B5EF4-FFF2-40B4-BE49-F238E27FC236}">
+                  <a16:creationId xmlns:a16="http://schemas.microsoft.com/office/drawing/2014/main" id="{48C1B6A1-3350-FBE0-4153-DAA810FF4612}"/>
+                </a:ext>
+              </a:extLst>
+            </p:cNvPr>
+            <p:cNvSpPr txBox="1"/>
+            <p:nvPr/>
+          </p:nvSpPr>
+          <p:spPr>
+            <a:xfrm>
+              <a:off x="2316497" y="1298817"/>
+              <a:ext cx="289560" cy="261610"/>
+            </a:xfrm>
+            <a:prstGeom prst="rect">
+              <a:avLst/>
+            </a:prstGeom>
+            <a:noFill/>
+          </p:spPr>
+          <p:txBody>
+            <a:bodyPr wrap="square" rtlCol="0" anchor="ctr">
+              <a:spAutoFit/>
+            </a:bodyPr>
+            <a:lstStyle/>
+            <a:p>
+              <a:pPr algn="ctr"/>
+              <a:r>
+                <a:rPr lang="de-DE" sz="1100" i="1" dirty="0">
+                  <a:latin typeface="CMU Serif" panose="02000603000000000000" pitchFamily="2" charset="0"/>
+                  <a:ea typeface="CMU Serif" panose="02000603000000000000" pitchFamily="2" charset="0"/>
+                  <a:cs typeface="CMU Serif" panose="02000603000000000000" pitchFamily="2" charset="0"/>
+                </a:rPr>
+                <a:t>y</a:t>
+              </a:r>
+            </a:p>
+          </p:txBody>
+        </p:sp>
+        <p:sp>
+          <p:nvSpPr>
+            <p:cNvPr id="44" name="Textfeld 43">
+              <a:extLst>
+                <a:ext uri="{FF2B5EF4-FFF2-40B4-BE49-F238E27FC236}">
+                  <a16:creationId xmlns:a16="http://schemas.microsoft.com/office/drawing/2014/main" id="{34946943-6A77-CFF6-C854-FA7078E0B698}"/>
+                </a:ext>
+              </a:extLst>
+            </p:cNvPr>
+            <p:cNvSpPr txBox="1"/>
+            <p:nvPr/>
+          </p:nvSpPr>
+          <p:spPr>
+            <a:xfrm>
+              <a:off x="2985126" y="1944190"/>
+              <a:ext cx="289560" cy="261610"/>
+            </a:xfrm>
+            <a:prstGeom prst="rect">
+              <a:avLst/>
+            </a:prstGeom>
+            <a:noFill/>
+          </p:spPr>
+          <p:txBody>
+            <a:bodyPr wrap="square" rtlCol="0" anchor="ctr">
+              <a:spAutoFit/>
+            </a:bodyPr>
+            <a:lstStyle/>
+            <a:p>
+              <a:pPr algn="ctr"/>
+              <a:r>
+                <a:rPr lang="de-DE" sz="1100" i="1" dirty="0">
+                  <a:latin typeface="CMU Serif" panose="02000603000000000000" pitchFamily="2" charset="0"/>
+                  <a:ea typeface="CMU Serif" panose="02000603000000000000" pitchFamily="2" charset="0"/>
+                  <a:cs typeface="CMU Serif" panose="02000603000000000000" pitchFamily="2" charset="0"/>
+                </a:rPr>
+                <a:t>x</a:t>
+              </a:r>
+            </a:p>
+          </p:txBody>
+        </p:sp>
+      </p:grpSp>
+      <p:sp>
+        <p:nvSpPr>
+          <p:cNvPr id="45" name="Textfeld 44">
+            <a:extLst>
+              <a:ext uri="{FF2B5EF4-FFF2-40B4-BE49-F238E27FC236}">
+                <a16:creationId xmlns:a16="http://schemas.microsoft.com/office/drawing/2014/main" id="{ED074D3B-F15A-F8FE-83D5-3DEF0F157AF6}"/>
+              </a:ext>
+            </a:extLst>
+          </p:cNvPr>
+          <p:cNvSpPr txBox="1"/>
+          <p:nvPr/>
+        </p:nvSpPr>
+        <p:spPr>
+          <a:xfrm>
+            <a:off x="2076138" y="1339898"/>
+            <a:ext cx="365709" cy="261610"/>
+          </a:xfrm>
+          <a:prstGeom prst="rect">
+            <a:avLst/>
+          </a:prstGeom>
+          <a:noFill/>
+        </p:spPr>
+        <p:txBody>
+          <a:bodyPr wrap="square" rtlCol="0" anchor="ctr">
+            <a:spAutoFit/>
+          </a:bodyPr>
+          <a:lstStyle/>
+          <a:p>
+            <a:pPr algn="ctr"/>
+            <a:r>
+              <a:rPr lang="de-DE" sz="1100" i="1" dirty="0">
+                <a:solidFill>
+                  <a:schemeClr val="accent1"/>
+                </a:solidFill>
+                <a:latin typeface="CMU Serif" panose="02000603000000000000" pitchFamily="2" charset="0"/>
+                <a:ea typeface="CMU Serif" panose="02000603000000000000" pitchFamily="2" charset="0"/>
+                <a:cs typeface="CMU Serif" panose="02000603000000000000" pitchFamily="2" charset="0"/>
+              </a:rPr>
+              <a:t>u</a:t>
+            </a:r>
+            <a:r>
+              <a:rPr lang="de-DE" sz="1100" baseline="-25000" dirty="0">
+                <a:solidFill>
+                  <a:schemeClr val="accent1"/>
+                </a:solidFill>
+                <a:latin typeface="Latin Modern Math" panose="02000503000000000000" pitchFamily="50" charset="0"/>
+                <a:ea typeface="Latin Modern Math" panose="02000503000000000000" pitchFamily="50" charset="0"/>
+                <a:cs typeface="CMU Serif Extra" panose="02000603000000000000" pitchFamily="2" charset="0"/>
+              </a:rPr>
+              <a:t>∞</a:t>
+            </a:r>
+            <a:endParaRPr lang="de-DE" sz="1100" i="1" baseline="-25000" dirty="0">
+              <a:solidFill>
+                <a:schemeClr val="accent1"/>
+              </a:solidFill>
+              <a:latin typeface="Latin Modern Math" panose="02000503000000000000" pitchFamily="50" charset="0"/>
+              <a:ea typeface="Latin Modern Math" panose="02000503000000000000" pitchFamily="50" charset="0"/>
+              <a:cs typeface="CMU Serif Extra" panose="02000603000000000000" pitchFamily="2" charset="0"/>
+            </a:endParaRPr>
+          </a:p>
+        </p:txBody>
+      </p:sp>
+    </p:spTree>
+    <p:extLst>
+      <p:ext uri="{BB962C8B-B14F-4D97-AF65-F5344CB8AC3E}">
+        <p14:creationId xmlns:p14="http://schemas.microsoft.com/office/powerpoint/2010/main" val="1458938796"/>
+      </p:ext>
+    </p:extLst>
+  </p:cSld>
+  <p:clrMapOvr>
+    <a:masterClrMapping/>
+  </p:clrMapOvr>
+</p:sld>
+</file>
+
+<file path=ppt/slides/slide13.xml><?xml version="1.0" encoding="utf-8"?>
+<p:sld xmlns:a="http://schemas.openxmlformats.org/drawingml/2006/main" xmlns:r="http://schemas.openxmlformats.org/officeDocument/2006/relationships" xmlns:p="http://schemas.openxmlformats.org/presentationml/2006/main">
+  <p:cSld>
+    <p:spTree>
+      <p:nvGrpSpPr>
+        <p:cNvPr id="1" name="">
+          <a:extLst>
+            <a:ext uri="{FF2B5EF4-FFF2-40B4-BE49-F238E27FC236}">
+              <a16:creationId xmlns:a16="http://schemas.microsoft.com/office/drawing/2014/main" id="{33094310-05BD-F8E3-2858-B9EED62BAA68}"/>
+            </a:ext>
+          </a:extLst>
+        </p:cNvPr>
+        <p:cNvGrpSpPr/>
+        <p:nvPr/>
+      </p:nvGrpSpPr>
+      <p:grpSpPr>
+        <a:xfrm>
+          <a:off x="0" y="0"/>
+          <a:ext cx="0" cy="0"/>
+          <a:chOff x="0" y="0"/>
+          <a:chExt cx="0" cy="0"/>
+        </a:xfrm>
+      </p:grpSpPr>
+      <p:grpSp>
+        <p:nvGrpSpPr>
+          <p:cNvPr id="40" name="Gruppieren 39">
+            <a:extLst>
+              <a:ext uri="{FF2B5EF4-FFF2-40B4-BE49-F238E27FC236}">
+                <a16:creationId xmlns:a16="http://schemas.microsoft.com/office/drawing/2014/main" id="{7489F9DA-1246-5E4B-8CF1-F1267C167AA0}"/>
+              </a:ext>
+            </a:extLst>
+          </p:cNvPr>
+          <p:cNvGrpSpPr/>
+          <p:nvPr/>
+        </p:nvGrpSpPr>
+        <p:grpSpPr>
+          <a:xfrm>
+            <a:off x="1546082" y="1186592"/>
+            <a:ext cx="958189" cy="906983"/>
+            <a:chOff x="2316497" y="1298817"/>
+            <a:chExt cx="958189" cy="906983"/>
+          </a:xfrm>
+        </p:grpSpPr>
+        <p:cxnSp>
+          <p:nvCxnSpPr>
+            <p:cNvPr id="41" name="Gerade Verbindung mit Pfeil 40">
+              <a:extLst>
+                <a:ext uri="{FF2B5EF4-FFF2-40B4-BE49-F238E27FC236}">
+                  <a16:creationId xmlns:a16="http://schemas.microsoft.com/office/drawing/2014/main" id="{EF28EDA6-FD47-D969-A085-6ABB565CB94F}"/>
+                </a:ext>
+              </a:extLst>
+            </p:cNvPr>
+            <p:cNvCxnSpPr/>
+            <p:nvPr/>
+          </p:nvCxnSpPr>
+          <p:spPr>
+            <a:xfrm>
+              <a:off x="2571784" y="1959766"/>
+              <a:ext cx="551146" cy="0"/>
+            </a:xfrm>
+            <a:prstGeom prst="straightConnector1">
+              <a:avLst/>
+            </a:prstGeom>
+            <a:ln w="12700" cap="rnd">
+              <a:solidFill>
+                <a:schemeClr val="tx1"/>
+              </a:solidFill>
+              <a:round/>
+              <a:tailEnd type="stealth"/>
+            </a:ln>
+          </p:spPr>
+          <p:style>
+            <a:lnRef idx="2">
+              <a:schemeClr val="accent1"/>
+            </a:lnRef>
+            <a:fillRef idx="0">
+              <a:schemeClr val="accent1"/>
+            </a:fillRef>
+            <a:effectRef idx="1">
+              <a:schemeClr val="accent1"/>
+            </a:effectRef>
+            <a:fontRef idx="minor">
+              <a:schemeClr val="tx1"/>
+            </a:fontRef>
+          </p:style>
+        </p:cxnSp>
+        <p:cxnSp>
+          <p:nvCxnSpPr>
+            <p:cNvPr id="42" name="Gerade Verbindung mit Pfeil 41">
+              <a:extLst>
+                <a:ext uri="{FF2B5EF4-FFF2-40B4-BE49-F238E27FC236}">
+                  <a16:creationId xmlns:a16="http://schemas.microsoft.com/office/drawing/2014/main" id="{FA7BCAFE-C88E-2032-D99A-DB40FC68B8C0}"/>
+                </a:ext>
+              </a:extLst>
+            </p:cNvPr>
+            <p:cNvCxnSpPr>
+              <a:cxnSpLocks/>
+            </p:cNvCxnSpPr>
+            <p:nvPr/>
+          </p:nvCxnSpPr>
+          <p:spPr>
+            <a:xfrm flipV="1">
+              <a:off x="2571784" y="1399618"/>
+              <a:ext cx="0" cy="560148"/>
+            </a:xfrm>
+            <a:prstGeom prst="straightConnector1">
+              <a:avLst/>
+            </a:prstGeom>
+            <a:ln w="12700" cap="rnd">
+              <a:solidFill>
+                <a:schemeClr val="tx1"/>
+              </a:solidFill>
+              <a:round/>
+              <a:tailEnd type="stealth"/>
+            </a:ln>
+          </p:spPr>
+          <p:style>
+            <a:lnRef idx="2">
+              <a:schemeClr val="accent1"/>
+            </a:lnRef>
+            <a:fillRef idx="0">
+              <a:schemeClr val="accent1"/>
+            </a:fillRef>
+            <a:effectRef idx="1">
+              <a:schemeClr val="accent1"/>
+            </a:effectRef>
+            <a:fontRef idx="minor">
+              <a:schemeClr val="tx1"/>
+            </a:fontRef>
+          </p:style>
+        </p:cxnSp>
+        <p:sp>
+          <p:nvSpPr>
+            <p:cNvPr id="43" name="Textfeld 42">
+              <a:extLst>
+                <a:ext uri="{FF2B5EF4-FFF2-40B4-BE49-F238E27FC236}">
+                  <a16:creationId xmlns:a16="http://schemas.microsoft.com/office/drawing/2014/main" id="{AA868BFF-4923-B953-6793-4EEEAB10845E}"/>
+                </a:ext>
+              </a:extLst>
+            </p:cNvPr>
+            <p:cNvSpPr txBox="1"/>
+            <p:nvPr/>
+          </p:nvSpPr>
+          <p:spPr>
+            <a:xfrm>
+              <a:off x="2316497" y="1298817"/>
+              <a:ext cx="289560" cy="261610"/>
+            </a:xfrm>
+            <a:prstGeom prst="rect">
+              <a:avLst/>
+            </a:prstGeom>
+            <a:noFill/>
+          </p:spPr>
+          <p:txBody>
+            <a:bodyPr wrap="square" rtlCol="0" anchor="ctr">
+              <a:spAutoFit/>
+            </a:bodyPr>
+            <a:lstStyle/>
+            <a:p>
+              <a:pPr algn="ctr"/>
+              <a:r>
+                <a:rPr lang="de-DE" sz="1100" i="1" dirty="0">
+                  <a:latin typeface="CMU Serif" panose="02000603000000000000" pitchFamily="2" charset="0"/>
+                  <a:ea typeface="CMU Serif" panose="02000603000000000000" pitchFamily="2" charset="0"/>
+                  <a:cs typeface="CMU Serif" panose="02000603000000000000" pitchFamily="2" charset="0"/>
+                </a:rPr>
+                <a:t>y</a:t>
+              </a:r>
+            </a:p>
+          </p:txBody>
+        </p:sp>
+        <p:sp>
+          <p:nvSpPr>
+            <p:cNvPr id="44" name="Textfeld 43">
+              <a:extLst>
+                <a:ext uri="{FF2B5EF4-FFF2-40B4-BE49-F238E27FC236}">
+                  <a16:creationId xmlns:a16="http://schemas.microsoft.com/office/drawing/2014/main" id="{F29990AF-ED47-3EBF-44F7-E570A376993A}"/>
+                </a:ext>
+              </a:extLst>
+            </p:cNvPr>
+            <p:cNvSpPr txBox="1"/>
+            <p:nvPr/>
+          </p:nvSpPr>
+          <p:spPr>
+            <a:xfrm>
+              <a:off x="2985126" y="1944190"/>
+              <a:ext cx="289560" cy="261610"/>
+            </a:xfrm>
+            <a:prstGeom prst="rect">
+              <a:avLst/>
+            </a:prstGeom>
+            <a:noFill/>
+          </p:spPr>
+          <p:txBody>
+            <a:bodyPr wrap="square" rtlCol="0" anchor="ctr">
+              <a:spAutoFit/>
+            </a:bodyPr>
+            <a:lstStyle/>
+            <a:p>
+              <a:pPr algn="ctr"/>
+              <a:r>
+                <a:rPr lang="de-DE" sz="1100" i="1" dirty="0">
+                  <a:latin typeface="CMU Serif" panose="02000603000000000000" pitchFamily="2" charset="0"/>
+                  <a:ea typeface="CMU Serif" panose="02000603000000000000" pitchFamily="2" charset="0"/>
+                  <a:cs typeface="CMU Serif" panose="02000603000000000000" pitchFamily="2" charset="0"/>
+                </a:rPr>
+                <a:t>x</a:t>
+              </a:r>
+            </a:p>
+          </p:txBody>
+        </p:sp>
+      </p:grpSp>
+      <p:grpSp>
+        <p:nvGrpSpPr>
+          <p:cNvPr id="2" name="Gruppieren 1">
+            <a:extLst>
+              <a:ext uri="{FF2B5EF4-FFF2-40B4-BE49-F238E27FC236}">
+                <a16:creationId xmlns:a16="http://schemas.microsoft.com/office/drawing/2014/main" id="{0EF302D6-A023-340E-6E15-56B7852DD378}"/>
+              </a:ext>
+            </a:extLst>
+          </p:cNvPr>
+          <p:cNvGrpSpPr/>
+          <p:nvPr/>
+        </p:nvGrpSpPr>
+        <p:grpSpPr>
+          <a:xfrm>
+            <a:off x="1828867" y="1394114"/>
+            <a:ext cx="436246" cy="432432"/>
+            <a:chOff x="1190624" y="1556385"/>
+            <a:chExt cx="436246" cy="432432"/>
+          </a:xfrm>
+        </p:grpSpPr>
+        <p:sp>
+          <p:nvSpPr>
+            <p:cNvPr id="3" name="Freihandform: Form 2">
+              <a:extLst>
+                <a:ext uri="{FF2B5EF4-FFF2-40B4-BE49-F238E27FC236}">
+                  <a16:creationId xmlns:a16="http://schemas.microsoft.com/office/drawing/2014/main" id="{C052584D-3216-87B4-170F-6787B94C2FE6}"/>
+                </a:ext>
+              </a:extLst>
+            </p:cNvPr>
+            <p:cNvSpPr/>
+            <p:nvPr/>
+          </p:nvSpPr>
+          <p:spPr>
+            <a:xfrm>
+              <a:off x="1190625" y="1853565"/>
+              <a:ext cx="436245" cy="135252"/>
+            </a:xfrm>
+            <a:custGeom>
+              <a:avLst/>
+              <a:gdLst>
+                <a:gd name="connsiteX0" fmla="*/ 0 w 436245"/>
+                <a:gd name="connsiteY0" fmla="*/ 0 h 145568"/>
+                <a:gd name="connsiteX1" fmla="*/ 97155 w 436245"/>
+                <a:gd name="connsiteY1" fmla="*/ 123825 h 145568"/>
+                <a:gd name="connsiteX2" fmla="*/ 436245 w 436245"/>
+                <a:gd name="connsiteY2" fmla="*/ 144780 h 145568"/>
+              </a:gdLst>
+              <a:ahLst/>
+              <a:cxnLst>
+                <a:cxn ang="0">
+                  <a:pos x="connsiteX0" y="connsiteY0"/>
+                </a:cxn>
+                <a:cxn ang="0">
+                  <a:pos x="connsiteX1" y="connsiteY1"/>
+                </a:cxn>
+                <a:cxn ang="0">
+                  <a:pos x="connsiteX2" y="connsiteY2"/>
+                </a:cxn>
+              </a:cxnLst>
+              <a:rect l="l" t="t" r="r" b="b"/>
+              <a:pathLst>
+                <a:path w="436245" h="145568">
+                  <a:moveTo>
+                    <a:pt x="0" y="0"/>
+                  </a:moveTo>
+                  <a:cubicBezTo>
+                    <a:pt x="12224" y="49847"/>
+                    <a:pt x="24448" y="99695"/>
+                    <a:pt x="97155" y="123825"/>
+                  </a:cubicBezTo>
+                  <a:cubicBezTo>
+                    <a:pt x="169863" y="147955"/>
+                    <a:pt x="303054" y="146367"/>
+                    <a:pt x="436245" y="144780"/>
+                  </a:cubicBezTo>
+                </a:path>
+              </a:pathLst>
+            </a:custGeom>
+            <a:noFill/>
+            <a:ln w="6350" cap="rnd">
+              <a:solidFill>
+                <a:schemeClr val="accent1"/>
+              </a:solidFill>
+              <a:round/>
+            </a:ln>
+          </p:spPr>
+          <p:style>
+            <a:lnRef idx="2">
+              <a:schemeClr val="accent1">
+                <a:shade val="15000"/>
+              </a:schemeClr>
+            </a:lnRef>
+            <a:fillRef idx="1">
+              <a:schemeClr val="accent1"/>
+            </a:fillRef>
+            <a:effectRef idx="0">
+              <a:schemeClr val="accent1"/>
+            </a:effectRef>
+            <a:fontRef idx="minor">
+              <a:schemeClr val="lt1"/>
+            </a:fontRef>
+          </p:style>
+          <p:txBody>
+            <a:bodyPr rtlCol="0" anchor="ctr"/>
+            <a:lstStyle/>
+            <a:p>
+              <a:pPr algn="ctr"/>
+              <a:endParaRPr lang="de-DE"/>
+            </a:p>
+          </p:txBody>
+        </p:sp>
+        <p:sp>
+          <p:nvSpPr>
+            <p:cNvPr id="4" name="Freihandform: Form 3">
+              <a:extLst>
+                <a:ext uri="{FF2B5EF4-FFF2-40B4-BE49-F238E27FC236}">
+                  <a16:creationId xmlns:a16="http://schemas.microsoft.com/office/drawing/2014/main" id="{7A80C0E2-BA36-A4BE-98FB-9EE717040A04}"/>
+                </a:ext>
+              </a:extLst>
+            </p:cNvPr>
+            <p:cNvSpPr/>
+            <p:nvPr/>
+          </p:nvSpPr>
+          <p:spPr>
+            <a:xfrm>
+              <a:off x="1190624" y="1737360"/>
+              <a:ext cx="436243" cy="234315"/>
+            </a:xfrm>
+            <a:custGeom>
+              <a:avLst/>
+              <a:gdLst>
+                <a:gd name="connsiteX0" fmla="*/ 0 w 434340"/>
+                <a:gd name="connsiteY0" fmla="*/ 0 h 234315"/>
+                <a:gd name="connsiteX1" fmla="*/ 95250 w 434340"/>
+                <a:gd name="connsiteY1" fmla="*/ 190500 h 234315"/>
+                <a:gd name="connsiteX2" fmla="*/ 434340 w 434340"/>
+                <a:gd name="connsiteY2" fmla="*/ 234315 h 234315"/>
+              </a:gdLst>
+              <a:ahLst/>
+              <a:cxnLst>
+                <a:cxn ang="0">
+                  <a:pos x="connsiteX0" y="connsiteY0"/>
+                </a:cxn>
+                <a:cxn ang="0">
+                  <a:pos x="connsiteX1" y="connsiteY1"/>
+                </a:cxn>
+                <a:cxn ang="0">
+                  <a:pos x="connsiteX2" y="connsiteY2"/>
+                </a:cxn>
+              </a:cxnLst>
+              <a:rect l="l" t="t" r="r" b="b"/>
+              <a:pathLst>
+                <a:path w="434340" h="234315">
+                  <a:moveTo>
+                    <a:pt x="0" y="0"/>
+                  </a:moveTo>
+                  <a:cubicBezTo>
+                    <a:pt x="11430" y="75724"/>
+                    <a:pt x="22860" y="151448"/>
+                    <a:pt x="95250" y="190500"/>
+                  </a:cubicBezTo>
+                  <a:cubicBezTo>
+                    <a:pt x="167640" y="229552"/>
+                    <a:pt x="300990" y="231933"/>
+                    <a:pt x="434340" y="234315"/>
+                  </a:cubicBezTo>
+                </a:path>
+              </a:pathLst>
+            </a:custGeom>
+            <a:noFill/>
+            <a:ln w="6350" cap="rnd">
+              <a:solidFill>
+                <a:schemeClr val="accent1"/>
+              </a:solidFill>
+              <a:round/>
+            </a:ln>
+          </p:spPr>
+          <p:style>
+            <a:lnRef idx="2">
+              <a:schemeClr val="accent1">
+                <a:shade val="15000"/>
+              </a:schemeClr>
+            </a:lnRef>
+            <a:fillRef idx="1">
+              <a:schemeClr val="accent1"/>
+            </a:fillRef>
+            <a:effectRef idx="0">
+              <a:schemeClr val="accent1"/>
+            </a:effectRef>
+            <a:fontRef idx="minor">
+              <a:schemeClr val="lt1"/>
+            </a:fontRef>
+          </p:style>
+          <p:txBody>
+            <a:bodyPr rtlCol="0" anchor="ctr"/>
+            <a:lstStyle/>
+            <a:p>
+              <a:pPr algn="ctr"/>
+              <a:endParaRPr lang="de-DE"/>
+            </a:p>
+          </p:txBody>
+        </p:sp>
+        <p:sp>
+          <p:nvSpPr>
+            <p:cNvPr id="5" name="Freihandform: Form 4">
+              <a:extLst>
+                <a:ext uri="{FF2B5EF4-FFF2-40B4-BE49-F238E27FC236}">
+                  <a16:creationId xmlns:a16="http://schemas.microsoft.com/office/drawing/2014/main" id="{BB3214B7-0B61-BEA8-CF0A-43AAB3E3D91B}"/>
+                </a:ext>
+              </a:extLst>
+            </p:cNvPr>
+            <p:cNvSpPr/>
+            <p:nvPr/>
+          </p:nvSpPr>
+          <p:spPr>
+            <a:xfrm>
+              <a:off x="1190625" y="1556385"/>
+              <a:ext cx="436235" cy="398145"/>
+            </a:xfrm>
+            <a:custGeom>
+              <a:avLst/>
+              <a:gdLst>
+                <a:gd name="connsiteX0" fmla="*/ 0 w 438150"/>
+                <a:gd name="connsiteY0" fmla="*/ 0 h 407670"/>
+                <a:gd name="connsiteX1" fmla="*/ 104775 w 438150"/>
+                <a:gd name="connsiteY1" fmla="*/ 331470 h 407670"/>
+                <a:gd name="connsiteX2" fmla="*/ 438150 w 438150"/>
+                <a:gd name="connsiteY2" fmla="*/ 407670 h 407670"/>
+              </a:gdLst>
+              <a:ahLst/>
+              <a:cxnLst>
+                <a:cxn ang="0">
+                  <a:pos x="connsiteX0" y="connsiteY0"/>
+                </a:cxn>
+                <a:cxn ang="0">
+                  <a:pos x="connsiteX1" y="connsiteY1"/>
+                </a:cxn>
+                <a:cxn ang="0">
+                  <a:pos x="connsiteX2" y="connsiteY2"/>
+                </a:cxn>
+              </a:cxnLst>
+              <a:rect l="l" t="t" r="r" b="b"/>
+              <a:pathLst>
+                <a:path w="438150" h="407670">
+                  <a:moveTo>
+                    <a:pt x="0" y="0"/>
+                  </a:moveTo>
+                  <a:cubicBezTo>
+                    <a:pt x="15875" y="131762"/>
+                    <a:pt x="31750" y="263525"/>
+                    <a:pt x="104775" y="331470"/>
+                  </a:cubicBezTo>
+                  <a:cubicBezTo>
+                    <a:pt x="177800" y="399415"/>
+                    <a:pt x="307975" y="403542"/>
+                    <a:pt x="438150" y="407670"/>
+                  </a:cubicBezTo>
+                </a:path>
+              </a:pathLst>
+            </a:custGeom>
+            <a:noFill/>
+            <a:ln w="6350" cap="rnd">
+              <a:solidFill>
+                <a:schemeClr val="accent1"/>
+              </a:solidFill>
+              <a:round/>
+            </a:ln>
+          </p:spPr>
+          <p:style>
+            <a:lnRef idx="2">
+              <a:schemeClr val="accent1">
+                <a:shade val="15000"/>
+              </a:schemeClr>
+            </a:lnRef>
+            <a:fillRef idx="1">
+              <a:schemeClr val="accent1"/>
+            </a:fillRef>
+            <a:effectRef idx="0">
+              <a:schemeClr val="accent1"/>
+            </a:effectRef>
+            <a:fontRef idx="minor">
+              <a:schemeClr val="lt1"/>
+            </a:fontRef>
+          </p:style>
+          <p:txBody>
+            <a:bodyPr rtlCol="0" anchor="ctr"/>
+            <a:lstStyle/>
+            <a:p>
+              <a:pPr algn="ctr"/>
+              <a:endParaRPr lang="de-DE"/>
+            </a:p>
+          </p:txBody>
+        </p:sp>
+        <p:sp>
+          <p:nvSpPr>
+            <p:cNvPr id="6" name="Freihandform: Form 5">
+              <a:extLst>
+                <a:ext uri="{FF2B5EF4-FFF2-40B4-BE49-F238E27FC236}">
+                  <a16:creationId xmlns:a16="http://schemas.microsoft.com/office/drawing/2014/main" id="{3C90C3C4-F48C-911D-34FF-606525979060}"/>
+                </a:ext>
+              </a:extLst>
+            </p:cNvPr>
+            <p:cNvSpPr/>
+            <p:nvPr/>
+          </p:nvSpPr>
+          <p:spPr>
+            <a:xfrm>
+              <a:off x="1323734" y="1661082"/>
+              <a:ext cx="196215" cy="152556"/>
+            </a:xfrm>
+            <a:custGeom>
+              <a:avLst/>
+              <a:gdLst>
+                <a:gd name="connsiteX0" fmla="*/ 0 w 194310"/>
+                <a:gd name="connsiteY0" fmla="*/ 0 h 203835"/>
+                <a:gd name="connsiteX1" fmla="*/ 70485 w 194310"/>
+                <a:gd name="connsiteY1" fmla="*/ 150495 h 203835"/>
+                <a:gd name="connsiteX2" fmla="*/ 194310 w 194310"/>
+                <a:gd name="connsiteY2" fmla="*/ 203835 h 203835"/>
+              </a:gdLst>
+              <a:ahLst/>
+              <a:cxnLst>
+                <a:cxn ang="0">
+                  <a:pos x="connsiteX0" y="connsiteY0"/>
+                </a:cxn>
+                <a:cxn ang="0">
+                  <a:pos x="connsiteX1" y="connsiteY1"/>
+                </a:cxn>
+                <a:cxn ang="0">
+                  <a:pos x="connsiteX2" y="connsiteY2"/>
+                </a:cxn>
+              </a:cxnLst>
+              <a:rect l="l" t="t" r="r" b="b"/>
+              <a:pathLst>
+                <a:path w="194310" h="203835">
+                  <a:moveTo>
+                    <a:pt x="0" y="0"/>
+                  </a:moveTo>
+                  <a:cubicBezTo>
+                    <a:pt x="19050" y="58261"/>
+                    <a:pt x="38100" y="116523"/>
+                    <a:pt x="70485" y="150495"/>
+                  </a:cubicBezTo>
+                  <a:cubicBezTo>
+                    <a:pt x="102870" y="184467"/>
+                    <a:pt x="128588" y="188595"/>
+                    <a:pt x="194310" y="203835"/>
+                  </a:cubicBezTo>
+                </a:path>
+              </a:pathLst>
+            </a:custGeom>
+            <a:noFill/>
+            <a:ln w="6350" cap="rnd">
+              <a:solidFill>
+                <a:schemeClr val="accent1"/>
+              </a:solidFill>
+              <a:round/>
+              <a:tailEnd type="stealth"/>
+            </a:ln>
+          </p:spPr>
+          <p:style>
+            <a:lnRef idx="2">
+              <a:schemeClr val="accent1">
+                <a:shade val="15000"/>
+              </a:schemeClr>
+            </a:lnRef>
+            <a:fillRef idx="1">
+              <a:schemeClr val="accent1"/>
+            </a:fillRef>
+            <a:effectRef idx="0">
+              <a:schemeClr val="accent1"/>
+            </a:effectRef>
+            <a:fontRef idx="minor">
+              <a:schemeClr val="lt1"/>
+            </a:fontRef>
+          </p:style>
+          <p:txBody>
+            <a:bodyPr rtlCol="0" anchor="ctr"/>
+            <a:lstStyle/>
+            <a:p>
+              <a:pPr algn="ctr"/>
+              <a:endParaRPr lang="de-DE"/>
+            </a:p>
+          </p:txBody>
+        </p:sp>
+      </p:grpSp>
+      <p:grpSp>
+        <p:nvGrpSpPr>
+          <p:cNvPr id="7" name="Gruppieren 6">
+            <a:extLst>
+              <a:ext uri="{FF2B5EF4-FFF2-40B4-BE49-F238E27FC236}">
+                <a16:creationId xmlns:a16="http://schemas.microsoft.com/office/drawing/2014/main" id="{C3A7F365-657C-1E7F-5EA1-3709EE260537}"/>
+              </a:ext>
+            </a:extLst>
+          </p:cNvPr>
+          <p:cNvGrpSpPr/>
+          <p:nvPr/>
+        </p:nvGrpSpPr>
+        <p:grpSpPr>
+          <a:xfrm flipV="1">
+            <a:off x="1828867" y="1868537"/>
+            <a:ext cx="436246" cy="432432"/>
+            <a:chOff x="1190624" y="1556385"/>
+            <a:chExt cx="436246" cy="432432"/>
+          </a:xfrm>
+        </p:grpSpPr>
+        <p:sp>
+          <p:nvSpPr>
+            <p:cNvPr id="8" name="Freihandform: Form 7">
+              <a:extLst>
+                <a:ext uri="{FF2B5EF4-FFF2-40B4-BE49-F238E27FC236}">
+                  <a16:creationId xmlns:a16="http://schemas.microsoft.com/office/drawing/2014/main" id="{80B00414-493C-0EDF-FEBE-B9A13E15A712}"/>
+                </a:ext>
+              </a:extLst>
+            </p:cNvPr>
+            <p:cNvSpPr/>
+            <p:nvPr/>
+          </p:nvSpPr>
+          <p:spPr>
+            <a:xfrm>
+              <a:off x="1190625" y="1853565"/>
+              <a:ext cx="436245" cy="135252"/>
+            </a:xfrm>
+            <a:custGeom>
+              <a:avLst/>
+              <a:gdLst>
+                <a:gd name="connsiteX0" fmla="*/ 0 w 436245"/>
+                <a:gd name="connsiteY0" fmla="*/ 0 h 145568"/>
+                <a:gd name="connsiteX1" fmla="*/ 97155 w 436245"/>
+                <a:gd name="connsiteY1" fmla="*/ 123825 h 145568"/>
+                <a:gd name="connsiteX2" fmla="*/ 436245 w 436245"/>
+                <a:gd name="connsiteY2" fmla="*/ 144780 h 145568"/>
+              </a:gdLst>
+              <a:ahLst/>
+              <a:cxnLst>
+                <a:cxn ang="0">
+                  <a:pos x="connsiteX0" y="connsiteY0"/>
+                </a:cxn>
+                <a:cxn ang="0">
+                  <a:pos x="connsiteX1" y="connsiteY1"/>
+                </a:cxn>
+                <a:cxn ang="0">
+                  <a:pos x="connsiteX2" y="connsiteY2"/>
+                </a:cxn>
+              </a:cxnLst>
+              <a:rect l="l" t="t" r="r" b="b"/>
+              <a:pathLst>
+                <a:path w="436245" h="145568">
+                  <a:moveTo>
+                    <a:pt x="0" y="0"/>
+                  </a:moveTo>
+                  <a:cubicBezTo>
+                    <a:pt x="12224" y="49847"/>
+                    <a:pt x="24448" y="99695"/>
+                    <a:pt x="97155" y="123825"/>
+                  </a:cubicBezTo>
+                  <a:cubicBezTo>
+                    <a:pt x="169863" y="147955"/>
+                    <a:pt x="303054" y="146367"/>
+                    <a:pt x="436245" y="144780"/>
+                  </a:cubicBezTo>
+                </a:path>
+              </a:pathLst>
+            </a:custGeom>
+            <a:noFill/>
+            <a:ln w="6350" cap="rnd">
+              <a:solidFill>
+                <a:schemeClr val="accent1"/>
+              </a:solidFill>
+              <a:round/>
+            </a:ln>
+          </p:spPr>
+          <p:style>
+            <a:lnRef idx="2">
+              <a:schemeClr val="accent1">
+                <a:shade val="15000"/>
+              </a:schemeClr>
+            </a:lnRef>
+            <a:fillRef idx="1">
+              <a:schemeClr val="accent1"/>
+            </a:fillRef>
+            <a:effectRef idx="0">
+              <a:schemeClr val="accent1"/>
+            </a:effectRef>
+            <a:fontRef idx="minor">
+              <a:schemeClr val="lt1"/>
+            </a:fontRef>
+          </p:style>
+          <p:txBody>
+            <a:bodyPr rtlCol="0" anchor="ctr"/>
+            <a:lstStyle/>
+            <a:p>
+              <a:pPr algn="ctr"/>
+              <a:endParaRPr lang="de-DE"/>
+            </a:p>
+          </p:txBody>
+        </p:sp>
+        <p:sp>
+          <p:nvSpPr>
+            <p:cNvPr id="9" name="Freihandform: Form 8">
+              <a:extLst>
+                <a:ext uri="{FF2B5EF4-FFF2-40B4-BE49-F238E27FC236}">
+                  <a16:creationId xmlns:a16="http://schemas.microsoft.com/office/drawing/2014/main" id="{E14BBBC7-141A-8A91-8D79-CFD929C95C24}"/>
+                </a:ext>
+              </a:extLst>
+            </p:cNvPr>
+            <p:cNvSpPr/>
+            <p:nvPr/>
+          </p:nvSpPr>
+          <p:spPr>
+            <a:xfrm>
+              <a:off x="1190624" y="1737360"/>
+              <a:ext cx="436243" cy="234315"/>
+            </a:xfrm>
+            <a:custGeom>
+              <a:avLst/>
+              <a:gdLst>
+                <a:gd name="connsiteX0" fmla="*/ 0 w 434340"/>
+                <a:gd name="connsiteY0" fmla="*/ 0 h 234315"/>
+                <a:gd name="connsiteX1" fmla="*/ 95250 w 434340"/>
+                <a:gd name="connsiteY1" fmla="*/ 190500 h 234315"/>
+                <a:gd name="connsiteX2" fmla="*/ 434340 w 434340"/>
+                <a:gd name="connsiteY2" fmla="*/ 234315 h 234315"/>
+              </a:gdLst>
+              <a:ahLst/>
+              <a:cxnLst>
+                <a:cxn ang="0">
+                  <a:pos x="connsiteX0" y="connsiteY0"/>
+                </a:cxn>
+                <a:cxn ang="0">
+                  <a:pos x="connsiteX1" y="connsiteY1"/>
+                </a:cxn>
+                <a:cxn ang="0">
+                  <a:pos x="connsiteX2" y="connsiteY2"/>
+                </a:cxn>
+              </a:cxnLst>
+              <a:rect l="l" t="t" r="r" b="b"/>
+              <a:pathLst>
+                <a:path w="434340" h="234315">
+                  <a:moveTo>
+                    <a:pt x="0" y="0"/>
+                  </a:moveTo>
+                  <a:cubicBezTo>
+                    <a:pt x="11430" y="75724"/>
+                    <a:pt x="22860" y="151448"/>
+                    <a:pt x="95250" y="190500"/>
+                  </a:cubicBezTo>
+                  <a:cubicBezTo>
+                    <a:pt x="167640" y="229552"/>
+                    <a:pt x="300990" y="231933"/>
+                    <a:pt x="434340" y="234315"/>
+                  </a:cubicBezTo>
+                </a:path>
+              </a:pathLst>
+            </a:custGeom>
+            <a:noFill/>
+            <a:ln w="6350" cap="rnd">
+              <a:solidFill>
+                <a:schemeClr val="accent1"/>
+              </a:solidFill>
+              <a:round/>
+            </a:ln>
+          </p:spPr>
+          <p:style>
+            <a:lnRef idx="2">
+              <a:schemeClr val="accent1">
+                <a:shade val="15000"/>
+              </a:schemeClr>
+            </a:lnRef>
+            <a:fillRef idx="1">
+              <a:schemeClr val="accent1"/>
+            </a:fillRef>
+            <a:effectRef idx="0">
+              <a:schemeClr val="accent1"/>
+            </a:effectRef>
+            <a:fontRef idx="minor">
+              <a:schemeClr val="lt1"/>
+            </a:fontRef>
+          </p:style>
+          <p:txBody>
+            <a:bodyPr rtlCol="0" anchor="ctr"/>
+            <a:lstStyle/>
+            <a:p>
+              <a:pPr algn="ctr"/>
+              <a:endParaRPr lang="de-DE"/>
+            </a:p>
+          </p:txBody>
+        </p:sp>
+        <p:sp>
+          <p:nvSpPr>
+            <p:cNvPr id="10" name="Freihandform: Form 9">
+              <a:extLst>
+                <a:ext uri="{FF2B5EF4-FFF2-40B4-BE49-F238E27FC236}">
+                  <a16:creationId xmlns:a16="http://schemas.microsoft.com/office/drawing/2014/main" id="{195521B5-73C9-BB0F-94A7-1F3F391EF6C2}"/>
+                </a:ext>
+              </a:extLst>
+            </p:cNvPr>
+            <p:cNvSpPr/>
+            <p:nvPr/>
+          </p:nvSpPr>
+          <p:spPr>
+            <a:xfrm>
+              <a:off x="1190625" y="1556385"/>
+              <a:ext cx="436235" cy="398145"/>
+            </a:xfrm>
+            <a:custGeom>
+              <a:avLst/>
+              <a:gdLst>
+                <a:gd name="connsiteX0" fmla="*/ 0 w 438150"/>
+                <a:gd name="connsiteY0" fmla="*/ 0 h 407670"/>
+                <a:gd name="connsiteX1" fmla="*/ 104775 w 438150"/>
+                <a:gd name="connsiteY1" fmla="*/ 331470 h 407670"/>
+                <a:gd name="connsiteX2" fmla="*/ 438150 w 438150"/>
+                <a:gd name="connsiteY2" fmla="*/ 407670 h 407670"/>
+              </a:gdLst>
+              <a:ahLst/>
+              <a:cxnLst>
+                <a:cxn ang="0">
+                  <a:pos x="connsiteX0" y="connsiteY0"/>
+                </a:cxn>
+                <a:cxn ang="0">
+                  <a:pos x="connsiteX1" y="connsiteY1"/>
+                </a:cxn>
+                <a:cxn ang="0">
+                  <a:pos x="connsiteX2" y="connsiteY2"/>
+                </a:cxn>
+              </a:cxnLst>
+              <a:rect l="l" t="t" r="r" b="b"/>
+              <a:pathLst>
+                <a:path w="438150" h="407670">
+                  <a:moveTo>
+                    <a:pt x="0" y="0"/>
+                  </a:moveTo>
+                  <a:cubicBezTo>
+                    <a:pt x="15875" y="131762"/>
+                    <a:pt x="31750" y="263525"/>
+                    <a:pt x="104775" y="331470"/>
+                  </a:cubicBezTo>
+                  <a:cubicBezTo>
+                    <a:pt x="177800" y="399415"/>
+                    <a:pt x="307975" y="403542"/>
+                    <a:pt x="438150" y="407670"/>
+                  </a:cubicBezTo>
+                </a:path>
+              </a:pathLst>
+            </a:custGeom>
+            <a:noFill/>
+            <a:ln w="6350" cap="rnd">
+              <a:solidFill>
+                <a:schemeClr val="accent1"/>
+              </a:solidFill>
+              <a:round/>
+            </a:ln>
+          </p:spPr>
+          <p:style>
+            <a:lnRef idx="2">
+              <a:schemeClr val="accent1">
+                <a:shade val="15000"/>
+              </a:schemeClr>
+            </a:lnRef>
+            <a:fillRef idx="1">
+              <a:schemeClr val="accent1"/>
+            </a:fillRef>
+            <a:effectRef idx="0">
+              <a:schemeClr val="accent1"/>
+            </a:effectRef>
+            <a:fontRef idx="minor">
+              <a:schemeClr val="lt1"/>
+            </a:fontRef>
+          </p:style>
+          <p:txBody>
+            <a:bodyPr rtlCol="0" anchor="ctr"/>
+            <a:lstStyle/>
+            <a:p>
+              <a:pPr algn="ctr"/>
+              <a:endParaRPr lang="de-DE"/>
+            </a:p>
+          </p:txBody>
+        </p:sp>
+        <p:sp>
+          <p:nvSpPr>
+            <p:cNvPr id="11" name="Freihandform: Form 10">
+              <a:extLst>
+                <a:ext uri="{FF2B5EF4-FFF2-40B4-BE49-F238E27FC236}">
+                  <a16:creationId xmlns:a16="http://schemas.microsoft.com/office/drawing/2014/main" id="{33D97E10-E357-7048-19D7-1D2168982B9D}"/>
+                </a:ext>
+              </a:extLst>
+            </p:cNvPr>
+            <p:cNvSpPr/>
+            <p:nvPr/>
+          </p:nvSpPr>
+          <p:spPr>
+            <a:xfrm>
+              <a:off x="1323734" y="1661082"/>
+              <a:ext cx="196215" cy="152556"/>
+            </a:xfrm>
+            <a:custGeom>
+              <a:avLst/>
+              <a:gdLst>
+                <a:gd name="connsiteX0" fmla="*/ 0 w 194310"/>
+                <a:gd name="connsiteY0" fmla="*/ 0 h 203835"/>
+                <a:gd name="connsiteX1" fmla="*/ 70485 w 194310"/>
+                <a:gd name="connsiteY1" fmla="*/ 150495 h 203835"/>
+                <a:gd name="connsiteX2" fmla="*/ 194310 w 194310"/>
+                <a:gd name="connsiteY2" fmla="*/ 203835 h 203835"/>
+              </a:gdLst>
+              <a:ahLst/>
+              <a:cxnLst>
+                <a:cxn ang="0">
+                  <a:pos x="connsiteX0" y="connsiteY0"/>
+                </a:cxn>
+                <a:cxn ang="0">
+                  <a:pos x="connsiteX1" y="connsiteY1"/>
+                </a:cxn>
+                <a:cxn ang="0">
+                  <a:pos x="connsiteX2" y="connsiteY2"/>
+                </a:cxn>
+              </a:cxnLst>
+              <a:rect l="l" t="t" r="r" b="b"/>
+              <a:pathLst>
+                <a:path w="194310" h="203835">
+                  <a:moveTo>
+                    <a:pt x="0" y="0"/>
+                  </a:moveTo>
+                  <a:cubicBezTo>
+                    <a:pt x="19050" y="58261"/>
+                    <a:pt x="38100" y="116523"/>
+                    <a:pt x="70485" y="150495"/>
+                  </a:cubicBezTo>
+                  <a:cubicBezTo>
+                    <a:pt x="102870" y="184467"/>
+                    <a:pt x="128588" y="188595"/>
+                    <a:pt x="194310" y="203835"/>
+                  </a:cubicBezTo>
+                </a:path>
+              </a:pathLst>
+            </a:custGeom>
+            <a:noFill/>
+            <a:ln w="6350" cap="rnd">
+              <a:solidFill>
+                <a:schemeClr val="accent1"/>
+              </a:solidFill>
+              <a:round/>
+              <a:tailEnd type="stealth"/>
+            </a:ln>
+          </p:spPr>
+          <p:style>
+            <a:lnRef idx="2">
+              <a:schemeClr val="accent1">
+                <a:shade val="15000"/>
+              </a:schemeClr>
+            </a:lnRef>
+            <a:fillRef idx="1">
+              <a:schemeClr val="accent1"/>
+            </a:fillRef>
+            <a:effectRef idx="0">
+              <a:schemeClr val="accent1"/>
+            </a:effectRef>
+            <a:fontRef idx="minor">
+              <a:schemeClr val="lt1"/>
+            </a:fontRef>
+          </p:style>
+          <p:txBody>
+            <a:bodyPr rtlCol="0" anchor="ctr"/>
+            <a:lstStyle/>
+            <a:p>
+              <a:pPr algn="ctr"/>
+              <a:endParaRPr lang="de-DE"/>
+            </a:p>
+          </p:txBody>
+        </p:sp>
+      </p:grpSp>
+      <p:grpSp>
+        <p:nvGrpSpPr>
+          <p:cNvPr id="12" name="Gruppieren 11">
+            <a:extLst>
+              <a:ext uri="{FF2B5EF4-FFF2-40B4-BE49-F238E27FC236}">
+                <a16:creationId xmlns:a16="http://schemas.microsoft.com/office/drawing/2014/main" id="{EE6397AD-B34F-0F7C-52FC-5D205A61B0A2}"/>
+              </a:ext>
+            </a:extLst>
+          </p:cNvPr>
+          <p:cNvGrpSpPr/>
+          <p:nvPr/>
+        </p:nvGrpSpPr>
+        <p:grpSpPr>
+          <a:xfrm flipH="1">
+            <a:off x="1340838" y="1394114"/>
+            <a:ext cx="436246" cy="432432"/>
+            <a:chOff x="1190624" y="1556385"/>
+            <a:chExt cx="436246" cy="432432"/>
+          </a:xfrm>
+        </p:grpSpPr>
+        <p:sp>
+          <p:nvSpPr>
+            <p:cNvPr id="13" name="Freihandform: Form 12">
+              <a:extLst>
+                <a:ext uri="{FF2B5EF4-FFF2-40B4-BE49-F238E27FC236}">
+                  <a16:creationId xmlns:a16="http://schemas.microsoft.com/office/drawing/2014/main" id="{0745956E-F84B-DF60-B7F9-217E4021803E}"/>
+                </a:ext>
+              </a:extLst>
+            </p:cNvPr>
+            <p:cNvSpPr/>
+            <p:nvPr/>
+          </p:nvSpPr>
+          <p:spPr>
+            <a:xfrm>
+              <a:off x="1190625" y="1853565"/>
+              <a:ext cx="436245" cy="135252"/>
+            </a:xfrm>
+            <a:custGeom>
+              <a:avLst/>
+              <a:gdLst>
+                <a:gd name="connsiteX0" fmla="*/ 0 w 436245"/>
+                <a:gd name="connsiteY0" fmla="*/ 0 h 145568"/>
+                <a:gd name="connsiteX1" fmla="*/ 97155 w 436245"/>
+                <a:gd name="connsiteY1" fmla="*/ 123825 h 145568"/>
+                <a:gd name="connsiteX2" fmla="*/ 436245 w 436245"/>
+                <a:gd name="connsiteY2" fmla="*/ 144780 h 145568"/>
+              </a:gdLst>
+              <a:ahLst/>
+              <a:cxnLst>
+                <a:cxn ang="0">
+                  <a:pos x="connsiteX0" y="connsiteY0"/>
+                </a:cxn>
+                <a:cxn ang="0">
+                  <a:pos x="connsiteX1" y="connsiteY1"/>
+                </a:cxn>
+                <a:cxn ang="0">
+                  <a:pos x="connsiteX2" y="connsiteY2"/>
+                </a:cxn>
+              </a:cxnLst>
+              <a:rect l="l" t="t" r="r" b="b"/>
+              <a:pathLst>
+                <a:path w="436245" h="145568">
+                  <a:moveTo>
+                    <a:pt x="0" y="0"/>
+                  </a:moveTo>
+                  <a:cubicBezTo>
+                    <a:pt x="12224" y="49847"/>
+                    <a:pt x="24448" y="99695"/>
+                    <a:pt x="97155" y="123825"/>
+                  </a:cubicBezTo>
+                  <a:cubicBezTo>
+                    <a:pt x="169863" y="147955"/>
+                    <a:pt x="303054" y="146367"/>
+                    <a:pt x="436245" y="144780"/>
+                  </a:cubicBezTo>
+                </a:path>
+              </a:pathLst>
+            </a:custGeom>
+            <a:noFill/>
+            <a:ln w="6350" cap="rnd">
+              <a:solidFill>
+                <a:schemeClr val="accent1"/>
+              </a:solidFill>
+              <a:round/>
+            </a:ln>
+          </p:spPr>
+          <p:style>
+            <a:lnRef idx="2">
+              <a:schemeClr val="accent1">
+                <a:shade val="15000"/>
+              </a:schemeClr>
+            </a:lnRef>
+            <a:fillRef idx="1">
+              <a:schemeClr val="accent1"/>
+            </a:fillRef>
+            <a:effectRef idx="0">
+              <a:schemeClr val="accent1"/>
+            </a:effectRef>
+            <a:fontRef idx="minor">
+              <a:schemeClr val="lt1"/>
+            </a:fontRef>
+          </p:style>
+          <p:txBody>
+            <a:bodyPr rtlCol="0" anchor="ctr"/>
+            <a:lstStyle/>
+            <a:p>
+              <a:pPr algn="ctr"/>
+              <a:endParaRPr lang="de-DE"/>
+            </a:p>
+          </p:txBody>
+        </p:sp>
+        <p:sp>
+          <p:nvSpPr>
+            <p:cNvPr id="14" name="Freihandform: Form 13">
+              <a:extLst>
+                <a:ext uri="{FF2B5EF4-FFF2-40B4-BE49-F238E27FC236}">
+                  <a16:creationId xmlns:a16="http://schemas.microsoft.com/office/drawing/2014/main" id="{21CC5970-AE43-06C3-1C07-3E37D4AD0548}"/>
+                </a:ext>
+              </a:extLst>
+            </p:cNvPr>
+            <p:cNvSpPr/>
+            <p:nvPr/>
+          </p:nvSpPr>
+          <p:spPr>
+            <a:xfrm>
+              <a:off x="1190624" y="1737360"/>
+              <a:ext cx="436243" cy="234315"/>
+            </a:xfrm>
+            <a:custGeom>
+              <a:avLst/>
+              <a:gdLst>
+                <a:gd name="connsiteX0" fmla="*/ 0 w 434340"/>
+                <a:gd name="connsiteY0" fmla="*/ 0 h 234315"/>
+                <a:gd name="connsiteX1" fmla="*/ 95250 w 434340"/>
+                <a:gd name="connsiteY1" fmla="*/ 190500 h 234315"/>
+                <a:gd name="connsiteX2" fmla="*/ 434340 w 434340"/>
+                <a:gd name="connsiteY2" fmla="*/ 234315 h 234315"/>
+              </a:gdLst>
+              <a:ahLst/>
+              <a:cxnLst>
+                <a:cxn ang="0">
+                  <a:pos x="connsiteX0" y="connsiteY0"/>
+                </a:cxn>
+                <a:cxn ang="0">
+                  <a:pos x="connsiteX1" y="connsiteY1"/>
+                </a:cxn>
+                <a:cxn ang="0">
+                  <a:pos x="connsiteX2" y="connsiteY2"/>
+                </a:cxn>
+              </a:cxnLst>
+              <a:rect l="l" t="t" r="r" b="b"/>
+              <a:pathLst>
+                <a:path w="434340" h="234315">
+                  <a:moveTo>
+                    <a:pt x="0" y="0"/>
+                  </a:moveTo>
+                  <a:cubicBezTo>
+                    <a:pt x="11430" y="75724"/>
+                    <a:pt x="22860" y="151448"/>
+                    <a:pt x="95250" y="190500"/>
+                  </a:cubicBezTo>
+                  <a:cubicBezTo>
+                    <a:pt x="167640" y="229552"/>
+                    <a:pt x="300990" y="231933"/>
+                    <a:pt x="434340" y="234315"/>
+                  </a:cubicBezTo>
+                </a:path>
+              </a:pathLst>
+            </a:custGeom>
+            <a:noFill/>
+            <a:ln w="6350" cap="rnd">
+              <a:solidFill>
+                <a:schemeClr val="accent1"/>
+              </a:solidFill>
+              <a:round/>
+            </a:ln>
+          </p:spPr>
+          <p:style>
+            <a:lnRef idx="2">
+              <a:schemeClr val="accent1">
+                <a:shade val="15000"/>
+              </a:schemeClr>
+            </a:lnRef>
+            <a:fillRef idx="1">
+              <a:schemeClr val="accent1"/>
+            </a:fillRef>
+            <a:effectRef idx="0">
+              <a:schemeClr val="accent1"/>
+            </a:effectRef>
+            <a:fontRef idx="minor">
+              <a:schemeClr val="lt1"/>
+            </a:fontRef>
+          </p:style>
+          <p:txBody>
+            <a:bodyPr rtlCol="0" anchor="ctr"/>
+            <a:lstStyle/>
+            <a:p>
+              <a:pPr algn="ctr"/>
+              <a:endParaRPr lang="de-DE"/>
+            </a:p>
+          </p:txBody>
+        </p:sp>
+        <p:sp>
+          <p:nvSpPr>
+            <p:cNvPr id="15" name="Freihandform: Form 14">
+              <a:extLst>
+                <a:ext uri="{FF2B5EF4-FFF2-40B4-BE49-F238E27FC236}">
+                  <a16:creationId xmlns:a16="http://schemas.microsoft.com/office/drawing/2014/main" id="{AB366EC7-821A-8E09-5460-33F2F239E44A}"/>
+                </a:ext>
+              </a:extLst>
+            </p:cNvPr>
+            <p:cNvSpPr/>
+            <p:nvPr/>
+          </p:nvSpPr>
+          <p:spPr>
+            <a:xfrm>
+              <a:off x="1190625" y="1556385"/>
+              <a:ext cx="436235" cy="398145"/>
+            </a:xfrm>
+            <a:custGeom>
+              <a:avLst/>
+              <a:gdLst>
+                <a:gd name="connsiteX0" fmla="*/ 0 w 438150"/>
+                <a:gd name="connsiteY0" fmla="*/ 0 h 407670"/>
+                <a:gd name="connsiteX1" fmla="*/ 104775 w 438150"/>
+                <a:gd name="connsiteY1" fmla="*/ 331470 h 407670"/>
+                <a:gd name="connsiteX2" fmla="*/ 438150 w 438150"/>
+                <a:gd name="connsiteY2" fmla="*/ 407670 h 407670"/>
+              </a:gdLst>
+              <a:ahLst/>
+              <a:cxnLst>
+                <a:cxn ang="0">
+                  <a:pos x="connsiteX0" y="connsiteY0"/>
+                </a:cxn>
+                <a:cxn ang="0">
+                  <a:pos x="connsiteX1" y="connsiteY1"/>
+                </a:cxn>
+                <a:cxn ang="0">
+                  <a:pos x="connsiteX2" y="connsiteY2"/>
+                </a:cxn>
+              </a:cxnLst>
+              <a:rect l="l" t="t" r="r" b="b"/>
+              <a:pathLst>
+                <a:path w="438150" h="407670">
+                  <a:moveTo>
+                    <a:pt x="0" y="0"/>
+                  </a:moveTo>
+                  <a:cubicBezTo>
+                    <a:pt x="15875" y="131762"/>
+                    <a:pt x="31750" y="263525"/>
+                    <a:pt x="104775" y="331470"/>
+                  </a:cubicBezTo>
+                  <a:cubicBezTo>
+                    <a:pt x="177800" y="399415"/>
+                    <a:pt x="307975" y="403542"/>
+                    <a:pt x="438150" y="407670"/>
+                  </a:cubicBezTo>
+                </a:path>
+              </a:pathLst>
+            </a:custGeom>
+            <a:noFill/>
+            <a:ln w="6350" cap="rnd">
+              <a:solidFill>
+                <a:schemeClr val="accent1"/>
+              </a:solidFill>
+              <a:round/>
+            </a:ln>
+          </p:spPr>
+          <p:style>
+            <a:lnRef idx="2">
+              <a:schemeClr val="accent1">
+                <a:shade val="15000"/>
+              </a:schemeClr>
+            </a:lnRef>
+            <a:fillRef idx="1">
+              <a:schemeClr val="accent1"/>
+            </a:fillRef>
+            <a:effectRef idx="0">
+              <a:schemeClr val="accent1"/>
+            </a:effectRef>
+            <a:fontRef idx="minor">
+              <a:schemeClr val="lt1"/>
+            </a:fontRef>
+          </p:style>
+          <p:txBody>
+            <a:bodyPr rtlCol="0" anchor="ctr"/>
+            <a:lstStyle/>
+            <a:p>
+              <a:pPr algn="ctr"/>
+              <a:endParaRPr lang="de-DE"/>
+            </a:p>
+          </p:txBody>
+        </p:sp>
+        <p:sp>
+          <p:nvSpPr>
+            <p:cNvPr id="16" name="Freihandform: Form 15">
+              <a:extLst>
+                <a:ext uri="{FF2B5EF4-FFF2-40B4-BE49-F238E27FC236}">
+                  <a16:creationId xmlns:a16="http://schemas.microsoft.com/office/drawing/2014/main" id="{61158901-5D59-0D31-E0C8-D77B9E3849A4}"/>
+                </a:ext>
+              </a:extLst>
+            </p:cNvPr>
+            <p:cNvSpPr/>
+            <p:nvPr/>
+          </p:nvSpPr>
+          <p:spPr>
+            <a:xfrm>
+              <a:off x="1323734" y="1661082"/>
+              <a:ext cx="196215" cy="152556"/>
+            </a:xfrm>
+            <a:custGeom>
+              <a:avLst/>
+              <a:gdLst>
+                <a:gd name="connsiteX0" fmla="*/ 0 w 194310"/>
+                <a:gd name="connsiteY0" fmla="*/ 0 h 203835"/>
+                <a:gd name="connsiteX1" fmla="*/ 70485 w 194310"/>
+                <a:gd name="connsiteY1" fmla="*/ 150495 h 203835"/>
+                <a:gd name="connsiteX2" fmla="*/ 194310 w 194310"/>
+                <a:gd name="connsiteY2" fmla="*/ 203835 h 203835"/>
+              </a:gdLst>
+              <a:ahLst/>
+              <a:cxnLst>
+                <a:cxn ang="0">
+                  <a:pos x="connsiteX0" y="connsiteY0"/>
+                </a:cxn>
+                <a:cxn ang="0">
+                  <a:pos x="connsiteX1" y="connsiteY1"/>
+                </a:cxn>
+                <a:cxn ang="0">
+                  <a:pos x="connsiteX2" y="connsiteY2"/>
+                </a:cxn>
+              </a:cxnLst>
+              <a:rect l="l" t="t" r="r" b="b"/>
+              <a:pathLst>
+                <a:path w="194310" h="203835">
+                  <a:moveTo>
+                    <a:pt x="0" y="0"/>
+                  </a:moveTo>
+                  <a:cubicBezTo>
+                    <a:pt x="19050" y="58261"/>
+                    <a:pt x="38100" y="116523"/>
+                    <a:pt x="70485" y="150495"/>
+                  </a:cubicBezTo>
+                  <a:cubicBezTo>
+                    <a:pt x="102870" y="184467"/>
+                    <a:pt x="128588" y="188595"/>
+                    <a:pt x="194310" y="203835"/>
+                  </a:cubicBezTo>
+                </a:path>
+              </a:pathLst>
+            </a:custGeom>
+            <a:noFill/>
+            <a:ln w="6350" cap="rnd">
+              <a:solidFill>
+                <a:schemeClr val="accent1"/>
+              </a:solidFill>
+              <a:round/>
+              <a:tailEnd type="stealth"/>
+            </a:ln>
+          </p:spPr>
+          <p:style>
+            <a:lnRef idx="2">
+              <a:schemeClr val="accent1">
+                <a:shade val="15000"/>
+              </a:schemeClr>
+            </a:lnRef>
+            <a:fillRef idx="1">
+              <a:schemeClr val="accent1"/>
+            </a:fillRef>
+            <a:effectRef idx="0">
+              <a:schemeClr val="accent1"/>
+            </a:effectRef>
+            <a:fontRef idx="minor">
+              <a:schemeClr val="lt1"/>
+            </a:fontRef>
+          </p:style>
+          <p:txBody>
+            <a:bodyPr rtlCol="0" anchor="ctr"/>
+            <a:lstStyle/>
+            <a:p>
+              <a:pPr algn="ctr"/>
+              <a:endParaRPr lang="de-DE"/>
+            </a:p>
+          </p:txBody>
+        </p:sp>
+      </p:grpSp>
+      <p:grpSp>
+        <p:nvGrpSpPr>
+          <p:cNvPr id="17" name="Gruppieren 16">
+            <a:extLst>
+              <a:ext uri="{FF2B5EF4-FFF2-40B4-BE49-F238E27FC236}">
+                <a16:creationId xmlns:a16="http://schemas.microsoft.com/office/drawing/2014/main" id="{D1328A6E-AC7F-087B-D214-4A0EAE56D55F}"/>
+              </a:ext>
+            </a:extLst>
+          </p:cNvPr>
+          <p:cNvGrpSpPr/>
+          <p:nvPr/>
+        </p:nvGrpSpPr>
+        <p:grpSpPr>
+          <a:xfrm flipH="1" flipV="1">
+            <a:off x="1340838" y="1868537"/>
+            <a:ext cx="436246" cy="432432"/>
+            <a:chOff x="1190624" y="1556385"/>
+            <a:chExt cx="436246" cy="432432"/>
+          </a:xfrm>
+        </p:grpSpPr>
+        <p:sp>
+          <p:nvSpPr>
+            <p:cNvPr id="18" name="Freihandform: Form 17">
+              <a:extLst>
+                <a:ext uri="{FF2B5EF4-FFF2-40B4-BE49-F238E27FC236}">
+                  <a16:creationId xmlns:a16="http://schemas.microsoft.com/office/drawing/2014/main" id="{7171A209-94A7-284A-6974-7B2F63359A03}"/>
+                </a:ext>
+              </a:extLst>
+            </p:cNvPr>
+            <p:cNvSpPr/>
+            <p:nvPr/>
+          </p:nvSpPr>
+          <p:spPr>
+            <a:xfrm>
+              <a:off x="1190625" y="1853565"/>
+              <a:ext cx="436245" cy="135252"/>
+            </a:xfrm>
+            <a:custGeom>
+              <a:avLst/>
+              <a:gdLst>
+                <a:gd name="connsiteX0" fmla="*/ 0 w 436245"/>
+                <a:gd name="connsiteY0" fmla="*/ 0 h 145568"/>
+                <a:gd name="connsiteX1" fmla="*/ 97155 w 436245"/>
+                <a:gd name="connsiteY1" fmla="*/ 123825 h 145568"/>
+                <a:gd name="connsiteX2" fmla="*/ 436245 w 436245"/>
+                <a:gd name="connsiteY2" fmla="*/ 144780 h 145568"/>
+              </a:gdLst>
+              <a:ahLst/>
+              <a:cxnLst>
+                <a:cxn ang="0">
+                  <a:pos x="connsiteX0" y="connsiteY0"/>
+                </a:cxn>
+                <a:cxn ang="0">
+                  <a:pos x="connsiteX1" y="connsiteY1"/>
+                </a:cxn>
+                <a:cxn ang="0">
+                  <a:pos x="connsiteX2" y="connsiteY2"/>
+                </a:cxn>
+              </a:cxnLst>
+              <a:rect l="l" t="t" r="r" b="b"/>
+              <a:pathLst>
+                <a:path w="436245" h="145568">
+                  <a:moveTo>
+                    <a:pt x="0" y="0"/>
+                  </a:moveTo>
+                  <a:cubicBezTo>
+                    <a:pt x="12224" y="49847"/>
+                    <a:pt x="24448" y="99695"/>
+                    <a:pt x="97155" y="123825"/>
+                  </a:cubicBezTo>
+                  <a:cubicBezTo>
+                    <a:pt x="169863" y="147955"/>
+                    <a:pt x="303054" y="146367"/>
+                    <a:pt x="436245" y="144780"/>
+                  </a:cubicBezTo>
+                </a:path>
+              </a:pathLst>
+            </a:custGeom>
+            <a:noFill/>
+            <a:ln w="6350" cap="rnd">
+              <a:solidFill>
+                <a:schemeClr val="accent1"/>
+              </a:solidFill>
+              <a:round/>
+            </a:ln>
+          </p:spPr>
+          <p:style>
+            <a:lnRef idx="2">
+              <a:schemeClr val="accent1">
+                <a:shade val="15000"/>
+              </a:schemeClr>
+            </a:lnRef>
+            <a:fillRef idx="1">
+              <a:schemeClr val="accent1"/>
+            </a:fillRef>
+            <a:effectRef idx="0">
+              <a:schemeClr val="accent1"/>
+            </a:effectRef>
+            <a:fontRef idx="minor">
+              <a:schemeClr val="lt1"/>
+            </a:fontRef>
+          </p:style>
+          <p:txBody>
+            <a:bodyPr rtlCol="0" anchor="ctr"/>
+            <a:lstStyle/>
+            <a:p>
+              <a:pPr algn="ctr"/>
+              <a:endParaRPr lang="de-DE"/>
+            </a:p>
+          </p:txBody>
+        </p:sp>
+        <p:sp>
+          <p:nvSpPr>
+            <p:cNvPr id="19" name="Freihandform: Form 18">
+              <a:extLst>
+                <a:ext uri="{FF2B5EF4-FFF2-40B4-BE49-F238E27FC236}">
+                  <a16:creationId xmlns:a16="http://schemas.microsoft.com/office/drawing/2014/main" id="{896BA1B0-33EF-8B08-DEF5-0FBE74C75175}"/>
+                </a:ext>
+              </a:extLst>
+            </p:cNvPr>
+            <p:cNvSpPr/>
+            <p:nvPr/>
+          </p:nvSpPr>
+          <p:spPr>
+            <a:xfrm>
+              <a:off x="1190624" y="1737360"/>
+              <a:ext cx="436243" cy="234315"/>
+            </a:xfrm>
+            <a:custGeom>
+              <a:avLst/>
+              <a:gdLst>
+                <a:gd name="connsiteX0" fmla="*/ 0 w 434340"/>
+                <a:gd name="connsiteY0" fmla="*/ 0 h 234315"/>
+                <a:gd name="connsiteX1" fmla="*/ 95250 w 434340"/>
+                <a:gd name="connsiteY1" fmla="*/ 190500 h 234315"/>
+                <a:gd name="connsiteX2" fmla="*/ 434340 w 434340"/>
+                <a:gd name="connsiteY2" fmla="*/ 234315 h 234315"/>
+              </a:gdLst>
+              <a:ahLst/>
+              <a:cxnLst>
+                <a:cxn ang="0">
+                  <a:pos x="connsiteX0" y="connsiteY0"/>
+                </a:cxn>
+                <a:cxn ang="0">
+                  <a:pos x="connsiteX1" y="connsiteY1"/>
+                </a:cxn>
+                <a:cxn ang="0">
+                  <a:pos x="connsiteX2" y="connsiteY2"/>
+                </a:cxn>
+              </a:cxnLst>
+              <a:rect l="l" t="t" r="r" b="b"/>
+              <a:pathLst>
+                <a:path w="434340" h="234315">
+                  <a:moveTo>
+                    <a:pt x="0" y="0"/>
+                  </a:moveTo>
+                  <a:cubicBezTo>
+                    <a:pt x="11430" y="75724"/>
+                    <a:pt x="22860" y="151448"/>
+                    <a:pt x="95250" y="190500"/>
+                  </a:cubicBezTo>
+                  <a:cubicBezTo>
+                    <a:pt x="167640" y="229552"/>
+                    <a:pt x="300990" y="231933"/>
+                    <a:pt x="434340" y="234315"/>
+                  </a:cubicBezTo>
+                </a:path>
+              </a:pathLst>
+            </a:custGeom>
+            <a:noFill/>
+            <a:ln w="6350" cap="rnd">
+              <a:solidFill>
+                <a:schemeClr val="accent1"/>
+              </a:solidFill>
+              <a:round/>
+            </a:ln>
+          </p:spPr>
+          <p:style>
+            <a:lnRef idx="2">
+              <a:schemeClr val="accent1">
+                <a:shade val="15000"/>
+              </a:schemeClr>
+            </a:lnRef>
+            <a:fillRef idx="1">
+              <a:schemeClr val="accent1"/>
+            </a:fillRef>
+            <a:effectRef idx="0">
+              <a:schemeClr val="accent1"/>
+            </a:effectRef>
+            <a:fontRef idx="minor">
+              <a:schemeClr val="lt1"/>
+            </a:fontRef>
+          </p:style>
+          <p:txBody>
+            <a:bodyPr rtlCol="0" anchor="ctr"/>
+            <a:lstStyle/>
+            <a:p>
+              <a:pPr algn="ctr"/>
+              <a:endParaRPr lang="de-DE"/>
+            </a:p>
+          </p:txBody>
+        </p:sp>
+        <p:sp>
+          <p:nvSpPr>
+            <p:cNvPr id="20" name="Freihandform: Form 19">
+              <a:extLst>
+                <a:ext uri="{FF2B5EF4-FFF2-40B4-BE49-F238E27FC236}">
+                  <a16:creationId xmlns:a16="http://schemas.microsoft.com/office/drawing/2014/main" id="{D88FF233-C06B-3D72-551A-0143FEB86E7A}"/>
+                </a:ext>
+              </a:extLst>
+            </p:cNvPr>
+            <p:cNvSpPr/>
+            <p:nvPr/>
+          </p:nvSpPr>
+          <p:spPr>
+            <a:xfrm>
+              <a:off x="1190625" y="1556385"/>
+              <a:ext cx="436235" cy="398145"/>
+            </a:xfrm>
+            <a:custGeom>
+              <a:avLst/>
+              <a:gdLst>
+                <a:gd name="connsiteX0" fmla="*/ 0 w 438150"/>
+                <a:gd name="connsiteY0" fmla="*/ 0 h 407670"/>
+                <a:gd name="connsiteX1" fmla="*/ 104775 w 438150"/>
+                <a:gd name="connsiteY1" fmla="*/ 331470 h 407670"/>
+                <a:gd name="connsiteX2" fmla="*/ 438150 w 438150"/>
+                <a:gd name="connsiteY2" fmla="*/ 407670 h 407670"/>
+              </a:gdLst>
+              <a:ahLst/>
+              <a:cxnLst>
+                <a:cxn ang="0">
+                  <a:pos x="connsiteX0" y="connsiteY0"/>
+                </a:cxn>
+                <a:cxn ang="0">
+                  <a:pos x="connsiteX1" y="connsiteY1"/>
+                </a:cxn>
+                <a:cxn ang="0">
+                  <a:pos x="connsiteX2" y="connsiteY2"/>
+                </a:cxn>
+              </a:cxnLst>
+              <a:rect l="l" t="t" r="r" b="b"/>
+              <a:pathLst>
+                <a:path w="438150" h="407670">
+                  <a:moveTo>
+                    <a:pt x="0" y="0"/>
+                  </a:moveTo>
+                  <a:cubicBezTo>
+                    <a:pt x="15875" y="131762"/>
+                    <a:pt x="31750" y="263525"/>
+                    <a:pt x="104775" y="331470"/>
+                  </a:cubicBezTo>
+                  <a:cubicBezTo>
+                    <a:pt x="177800" y="399415"/>
+                    <a:pt x="307975" y="403542"/>
+                    <a:pt x="438150" y="407670"/>
+                  </a:cubicBezTo>
+                </a:path>
+              </a:pathLst>
+            </a:custGeom>
+            <a:noFill/>
+            <a:ln w="6350" cap="rnd">
+              <a:solidFill>
+                <a:schemeClr val="accent1"/>
+              </a:solidFill>
+              <a:round/>
+            </a:ln>
+          </p:spPr>
+          <p:style>
+            <a:lnRef idx="2">
+              <a:schemeClr val="accent1">
+                <a:shade val="15000"/>
+              </a:schemeClr>
+            </a:lnRef>
+            <a:fillRef idx="1">
+              <a:schemeClr val="accent1"/>
+            </a:fillRef>
+            <a:effectRef idx="0">
+              <a:schemeClr val="accent1"/>
+            </a:effectRef>
+            <a:fontRef idx="minor">
+              <a:schemeClr val="lt1"/>
+            </a:fontRef>
+          </p:style>
+          <p:txBody>
+            <a:bodyPr rtlCol="0" anchor="ctr"/>
+            <a:lstStyle/>
+            <a:p>
+              <a:pPr algn="ctr"/>
+              <a:endParaRPr lang="de-DE"/>
+            </a:p>
+          </p:txBody>
+        </p:sp>
+        <p:sp>
+          <p:nvSpPr>
+            <p:cNvPr id="21" name="Freihandform: Form 20">
+              <a:extLst>
+                <a:ext uri="{FF2B5EF4-FFF2-40B4-BE49-F238E27FC236}">
+                  <a16:creationId xmlns:a16="http://schemas.microsoft.com/office/drawing/2014/main" id="{12EF73E6-3E96-23B0-84BE-478B55C46CE5}"/>
+                </a:ext>
+              </a:extLst>
+            </p:cNvPr>
+            <p:cNvSpPr/>
+            <p:nvPr/>
+          </p:nvSpPr>
+          <p:spPr>
+            <a:xfrm>
+              <a:off x="1323734" y="1661082"/>
+              <a:ext cx="196215" cy="152556"/>
+            </a:xfrm>
+            <a:custGeom>
+              <a:avLst/>
+              <a:gdLst>
+                <a:gd name="connsiteX0" fmla="*/ 0 w 194310"/>
+                <a:gd name="connsiteY0" fmla="*/ 0 h 203835"/>
+                <a:gd name="connsiteX1" fmla="*/ 70485 w 194310"/>
+                <a:gd name="connsiteY1" fmla="*/ 150495 h 203835"/>
+                <a:gd name="connsiteX2" fmla="*/ 194310 w 194310"/>
+                <a:gd name="connsiteY2" fmla="*/ 203835 h 203835"/>
+              </a:gdLst>
+              <a:ahLst/>
+              <a:cxnLst>
+                <a:cxn ang="0">
+                  <a:pos x="connsiteX0" y="connsiteY0"/>
+                </a:cxn>
+                <a:cxn ang="0">
+                  <a:pos x="connsiteX1" y="connsiteY1"/>
+                </a:cxn>
+                <a:cxn ang="0">
+                  <a:pos x="connsiteX2" y="connsiteY2"/>
+                </a:cxn>
+              </a:cxnLst>
+              <a:rect l="l" t="t" r="r" b="b"/>
+              <a:pathLst>
+                <a:path w="194310" h="203835">
+                  <a:moveTo>
+                    <a:pt x="0" y="0"/>
+                  </a:moveTo>
+                  <a:cubicBezTo>
+                    <a:pt x="19050" y="58261"/>
+                    <a:pt x="38100" y="116523"/>
+                    <a:pt x="70485" y="150495"/>
+                  </a:cubicBezTo>
+                  <a:cubicBezTo>
+                    <a:pt x="102870" y="184467"/>
+                    <a:pt x="128588" y="188595"/>
+                    <a:pt x="194310" y="203835"/>
+                  </a:cubicBezTo>
+                </a:path>
+              </a:pathLst>
+            </a:custGeom>
+            <a:noFill/>
+            <a:ln w="6350" cap="rnd">
+              <a:solidFill>
+                <a:schemeClr val="accent1"/>
+              </a:solidFill>
+              <a:round/>
+              <a:tailEnd type="stealth"/>
+            </a:ln>
+          </p:spPr>
+          <p:style>
+            <a:lnRef idx="2">
+              <a:schemeClr val="accent1">
+                <a:shade val="15000"/>
+              </a:schemeClr>
+            </a:lnRef>
+            <a:fillRef idx="1">
+              <a:schemeClr val="accent1"/>
+            </a:fillRef>
+            <a:effectRef idx="0">
+              <a:schemeClr val="accent1"/>
+            </a:effectRef>
+            <a:fontRef idx="minor">
+              <a:schemeClr val="lt1"/>
+            </a:fontRef>
+          </p:style>
+          <p:txBody>
+            <a:bodyPr rtlCol="0" anchor="ctr"/>
+            <a:lstStyle/>
+            <a:p>
+              <a:pPr algn="ctr"/>
+              <a:endParaRPr lang="de-DE"/>
+            </a:p>
+          </p:txBody>
+        </p:sp>
+      </p:grpSp>
+      <p:cxnSp>
+        <p:nvCxnSpPr>
+          <p:cNvPr id="22" name="Gerade Verbindung mit Pfeil 21">
+            <a:extLst>
+              <a:ext uri="{FF2B5EF4-FFF2-40B4-BE49-F238E27FC236}">
+                <a16:creationId xmlns:a16="http://schemas.microsoft.com/office/drawing/2014/main" id="{D0CF2961-3A4A-E5BB-A44B-1FFBFD0690E3}"/>
+              </a:ext>
+            </a:extLst>
+          </p:cNvPr>
+          <p:cNvCxnSpPr>
+            <a:cxnSpLocks/>
+          </p:cNvCxnSpPr>
+          <p:nvPr/>
+        </p:nvCxnSpPr>
+        <p:spPr>
+          <a:xfrm>
+            <a:off x="1282065" y="1847660"/>
+            <a:ext cx="524010" cy="0"/>
+          </a:xfrm>
+          <a:prstGeom prst="straightConnector1">
+            <a:avLst/>
+          </a:prstGeom>
+          <a:ln w="6350" cap="rnd">
+            <a:solidFill>
+              <a:schemeClr val="tx1"/>
+            </a:solidFill>
+            <a:round/>
+            <a:tailEnd type="none"/>
+          </a:ln>
+        </p:spPr>
+        <p:style>
+          <a:lnRef idx="2">
+            <a:schemeClr val="accent1"/>
+          </a:lnRef>
+          <a:fillRef idx="0">
+            <a:schemeClr val="accent1"/>
+          </a:fillRef>
+          <a:effectRef idx="1">
+            <a:schemeClr val="accent1"/>
+          </a:effectRef>
+          <a:fontRef idx="minor">
+            <a:schemeClr val="tx1"/>
+          </a:fontRef>
+        </p:style>
+      </p:cxnSp>
+      <p:cxnSp>
+        <p:nvCxnSpPr>
+          <p:cNvPr id="23" name="Gerade Verbindung mit Pfeil 22">
+            <a:extLst>
+              <a:ext uri="{FF2B5EF4-FFF2-40B4-BE49-F238E27FC236}">
+                <a16:creationId xmlns:a16="http://schemas.microsoft.com/office/drawing/2014/main" id="{055EAF55-6F38-E68B-CB49-D953BA517ED2}"/>
+              </a:ext>
+            </a:extLst>
+          </p:cNvPr>
+          <p:cNvCxnSpPr>
+            <a:cxnSpLocks/>
+          </p:cNvCxnSpPr>
+          <p:nvPr/>
+        </p:nvCxnSpPr>
+        <p:spPr>
+          <a:xfrm flipV="1">
+            <a:off x="1804797" y="1839920"/>
+            <a:ext cx="0" cy="522280"/>
+          </a:xfrm>
+          <a:prstGeom prst="straightConnector1">
+            <a:avLst/>
+          </a:prstGeom>
+          <a:ln w="6350" cap="rnd">
+            <a:solidFill>
+              <a:schemeClr val="tx1"/>
+            </a:solidFill>
+            <a:round/>
+            <a:tailEnd type="none"/>
+          </a:ln>
+        </p:spPr>
+        <p:style>
+          <a:lnRef idx="2">
+            <a:schemeClr val="accent1"/>
+          </a:lnRef>
+          <a:fillRef idx="0">
+            <a:schemeClr val="accent1"/>
+          </a:fillRef>
+          <a:effectRef idx="1">
+            <a:schemeClr val="accent1"/>
+          </a:effectRef>
+          <a:fontRef idx="minor">
+            <a:schemeClr val="tx1"/>
+          </a:fontRef>
+        </p:style>
+      </p:cxnSp>
+    </p:spTree>
+    <p:extLst>
+      <p:ext uri="{BB962C8B-B14F-4D97-AF65-F5344CB8AC3E}">
+        <p14:creationId xmlns:p14="http://schemas.microsoft.com/office/powerpoint/2010/main" val="266306472"/>
+      </p:ext>
+    </p:extLst>
+  </p:cSld>
+  <p:clrMapOvr>
+    <a:masterClrMapping/>
+  </p:clrMapOvr>
+</p:sld>
+</file>
+
+<file path=ppt/slides/slide14.xml><?xml version="1.0" encoding="utf-8"?>
+<p:sld xmlns:a="http://schemas.openxmlformats.org/drawingml/2006/main" xmlns:r="http://schemas.openxmlformats.org/officeDocument/2006/relationships" xmlns:p="http://schemas.openxmlformats.org/presentationml/2006/main">
+  <p:cSld>
+    <p:spTree>
+      <p:nvGrpSpPr>
+        <p:cNvPr id="1" name="">
+          <a:extLst>
+            <a:ext uri="{FF2B5EF4-FFF2-40B4-BE49-F238E27FC236}">
+              <a16:creationId xmlns:a16="http://schemas.microsoft.com/office/drawing/2014/main" id="{24101464-25F9-0F4F-21D6-187BCCCD1EFE}"/>
+            </a:ext>
+          </a:extLst>
+        </p:cNvPr>
+        <p:cNvGrpSpPr/>
+        <p:nvPr/>
+      </p:nvGrpSpPr>
+      <p:grpSpPr>
+        <a:xfrm>
+          <a:off x="0" y="0"/>
+          <a:ext cx="0" cy="0"/>
+          <a:chOff x="0" y="0"/>
+          <a:chExt cx="0" cy="0"/>
+        </a:xfrm>
+      </p:grpSpPr>
+      <p:sp>
+        <p:nvSpPr>
+          <p:cNvPr id="2" name="Textfeld 1">
+            <a:extLst>
+              <a:ext uri="{FF2B5EF4-FFF2-40B4-BE49-F238E27FC236}">
+                <a16:creationId xmlns:a16="http://schemas.microsoft.com/office/drawing/2014/main" id="{71961B15-2948-8F83-21AB-6D7700AF1152}"/>
+              </a:ext>
+            </a:extLst>
+          </p:cNvPr>
+          <p:cNvSpPr txBox="1"/>
+          <p:nvPr/>
+        </p:nvSpPr>
+        <p:spPr>
+          <a:xfrm>
+            <a:off x="1914302" y="1291236"/>
+            <a:ext cx="577314" cy="261610"/>
+          </a:xfrm>
+          <a:prstGeom prst="rect">
+            <a:avLst/>
+          </a:prstGeom>
+          <a:noFill/>
+        </p:spPr>
+        <p:txBody>
+          <a:bodyPr wrap="square" rtlCol="0" anchor="ctr">
+            <a:spAutoFit/>
+          </a:bodyPr>
+          <a:lstStyle/>
+          <a:p>
+            <a:pPr algn="ctr"/>
+            <a:r>
+              <a:rPr lang="de-DE" sz="1100" i="1" dirty="0">
+                <a:solidFill>
+                  <a:schemeClr val="accent1"/>
+                </a:solidFill>
+                <a:latin typeface="CMU Serif" panose="02000603000000000000" pitchFamily="2" charset="0"/>
+                <a:ea typeface="CMU Serif" panose="02000603000000000000" pitchFamily="2" charset="0"/>
+                <a:cs typeface="CMU Serif" panose="02000603000000000000" pitchFamily="2" charset="0"/>
+              </a:rPr>
+              <a:t>Q </a:t>
+            </a:r>
+            <a:r>
+              <a:rPr lang="de-DE" sz="1100" dirty="0">
+                <a:solidFill>
+                  <a:schemeClr val="accent1"/>
+                </a:solidFill>
+                <a:latin typeface="CMU Serif" panose="02000603000000000000" pitchFamily="2" charset="0"/>
+                <a:ea typeface="CMU Serif" panose="02000603000000000000" pitchFamily="2" charset="0"/>
+                <a:cs typeface="CMU Serif" panose="02000603000000000000" pitchFamily="2" charset="0"/>
+              </a:rPr>
+              <a:t>&gt; 0</a:t>
+            </a:r>
+            <a:endParaRPr lang="de-DE" sz="1100" dirty="0">
+              <a:solidFill>
+                <a:schemeClr val="accent1"/>
+              </a:solidFill>
+              <a:latin typeface="Latin Modern Math" panose="02000503000000000000" pitchFamily="50" charset="0"/>
+              <a:ea typeface="Latin Modern Math" panose="02000503000000000000" pitchFamily="50" charset="0"/>
+              <a:cs typeface="CMU Serif Extra" panose="02000603000000000000" pitchFamily="2" charset="0"/>
+            </a:endParaRPr>
+          </a:p>
+        </p:txBody>
+      </p:sp>
+      <p:grpSp>
+        <p:nvGrpSpPr>
+          <p:cNvPr id="27" name="Gruppieren 26">
+            <a:extLst>
+              <a:ext uri="{FF2B5EF4-FFF2-40B4-BE49-F238E27FC236}">
+                <a16:creationId xmlns:a16="http://schemas.microsoft.com/office/drawing/2014/main" id="{8066CC60-E46A-10D4-8BF1-070BF9997F9B}"/>
+              </a:ext>
+            </a:extLst>
+          </p:cNvPr>
+          <p:cNvGrpSpPr/>
+          <p:nvPr/>
+        </p:nvGrpSpPr>
+        <p:grpSpPr>
+          <a:xfrm>
+            <a:off x="1399167" y="1447862"/>
+            <a:ext cx="804794" cy="804795"/>
+            <a:chOff x="1399167" y="1447862"/>
+            <a:chExt cx="804794" cy="804795"/>
+          </a:xfrm>
+        </p:grpSpPr>
+        <p:cxnSp>
+          <p:nvCxnSpPr>
+            <p:cNvPr id="3" name="Gerader Verbinder 2">
+              <a:extLst>
+                <a:ext uri="{FF2B5EF4-FFF2-40B4-BE49-F238E27FC236}">
+                  <a16:creationId xmlns:a16="http://schemas.microsoft.com/office/drawing/2014/main" id="{AB71DB71-B5D1-11B6-5D0A-FC8B57357DA1}"/>
+                </a:ext>
+              </a:extLst>
+            </p:cNvPr>
+            <p:cNvCxnSpPr>
+              <a:cxnSpLocks/>
+            </p:cNvCxnSpPr>
+            <p:nvPr/>
+          </p:nvCxnSpPr>
+          <p:spPr>
+            <a:xfrm>
+              <a:off x="1801564" y="1850260"/>
+              <a:ext cx="402397" cy="0"/>
+            </a:xfrm>
+            <a:prstGeom prst="line">
+              <a:avLst/>
+            </a:prstGeom>
+            <a:ln w="6350" cap="rnd">
+              <a:solidFill>
+                <a:schemeClr val="accent1"/>
+              </a:solidFill>
+              <a:prstDash val="solid"/>
+              <a:round/>
+              <a:tailEnd type="stealth"/>
+            </a:ln>
+          </p:spPr>
+          <p:style>
+            <a:lnRef idx="2">
+              <a:schemeClr val="accent1"/>
+            </a:lnRef>
+            <a:fillRef idx="0">
+              <a:schemeClr val="accent1"/>
+            </a:fillRef>
+            <a:effectRef idx="1">
+              <a:schemeClr val="accent1"/>
+            </a:effectRef>
+            <a:fontRef idx="minor">
+              <a:schemeClr val="tx1"/>
+            </a:fontRef>
+          </p:style>
+        </p:cxnSp>
+        <p:cxnSp>
+          <p:nvCxnSpPr>
+            <p:cNvPr id="6" name="Gerader Verbinder 5">
+              <a:extLst>
+                <a:ext uri="{FF2B5EF4-FFF2-40B4-BE49-F238E27FC236}">
+                  <a16:creationId xmlns:a16="http://schemas.microsoft.com/office/drawing/2014/main" id="{957A17EF-DA95-7073-6083-31ADFC9FB7ED}"/>
+                </a:ext>
+              </a:extLst>
+            </p:cNvPr>
+            <p:cNvCxnSpPr>
+              <a:cxnSpLocks/>
+            </p:cNvCxnSpPr>
+            <p:nvPr/>
+          </p:nvCxnSpPr>
+          <p:spPr>
+            <a:xfrm flipH="1">
+              <a:off x="1399167" y="1850260"/>
+              <a:ext cx="402397" cy="0"/>
+            </a:xfrm>
+            <a:prstGeom prst="line">
+              <a:avLst/>
+            </a:prstGeom>
+            <a:ln w="6350" cap="rnd">
+              <a:solidFill>
+                <a:schemeClr val="accent1"/>
+              </a:solidFill>
+              <a:prstDash val="solid"/>
+              <a:round/>
+              <a:tailEnd type="stealth"/>
+            </a:ln>
+          </p:spPr>
+          <p:style>
+            <a:lnRef idx="2">
+              <a:schemeClr val="accent1"/>
+            </a:lnRef>
+            <a:fillRef idx="0">
+              <a:schemeClr val="accent1"/>
+            </a:fillRef>
+            <a:effectRef idx="1">
+              <a:schemeClr val="accent1"/>
+            </a:effectRef>
+            <a:fontRef idx="minor">
+              <a:schemeClr val="tx1"/>
+            </a:fontRef>
+          </p:style>
+        </p:cxnSp>
+        <p:cxnSp>
+          <p:nvCxnSpPr>
+            <p:cNvPr id="9" name="Gerader Verbinder 8">
+              <a:extLst>
+                <a:ext uri="{FF2B5EF4-FFF2-40B4-BE49-F238E27FC236}">
+                  <a16:creationId xmlns:a16="http://schemas.microsoft.com/office/drawing/2014/main" id="{6D0C0DE1-877F-6D2E-1E57-0DC2E3C2FF8B}"/>
+                </a:ext>
+              </a:extLst>
+            </p:cNvPr>
+            <p:cNvCxnSpPr>
+              <a:cxnSpLocks/>
+            </p:cNvCxnSpPr>
+            <p:nvPr/>
+          </p:nvCxnSpPr>
+          <p:spPr>
+            <a:xfrm rot="5400000" flipH="1">
+              <a:off x="1598461" y="1649061"/>
+              <a:ext cx="402397" cy="0"/>
+            </a:xfrm>
+            <a:prstGeom prst="line">
+              <a:avLst/>
+            </a:prstGeom>
+            <a:ln w="6350" cap="rnd">
+              <a:solidFill>
+                <a:schemeClr val="accent1"/>
+              </a:solidFill>
+              <a:prstDash val="solid"/>
+              <a:round/>
+              <a:tailEnd type="stealth"/>
+            </a:ln>
+          </p:spPr>
+          <p:style>
+            <a:lnRef idx="2">
+              <a:schemeClr val="accent1"/>
+            </a:lnRef>
+            <a:fillRef idx="0">
+              <a:schemeClr val="accent1"/>
+            </a:fillRef>
+            <a:effectRef idx="1">
+              <a:schemeClr val="accent1"/>
+            </a:effectRef>
+            <a:fontRef idx="minor">
+              <a:schemeClr val="tx1"/>
+            </a:fontRef>
+          </p:style>
+        </p:cxnSp>
+        <p:cxnSp>
+          <p:nvCxnSpPr>
+            <p:cNvPr id="10" name="Gerader Verbinder 9">
+              <a:extLst>
+                <a:ext uri="{FF2B5EF4-FFF2-40B4-BE49-F238E27FC236}">
+                  <a16:creationId xmlns:a16="http://schemas.microsoft.com/office/drawing/2014/main" id="{AEEE3752-808D-6EAA-89DB-CBB7B4961126}"/>
+                </a:ext>
+              </a:extLst>
+            </p:cNvPr>
+            <p:cNvCxnSpPr>
+              <a:cxnSpLocks/>
+            </p:cNvCxnSpPr>
+            <p:nvPr/>
+          </p:nvCxnSpPr>
+          <p:spPr>
+            <a:xfrm rot="16200000" flipH="1">
+              <a:off x="1600366" y="2051459"/>
+              <a:ext cx="402397" cy="0"/>
+            </a:xfrm>
+            <a:prstGeom prst="line">
+              <a:avLst/>
+            </a:prstGeom>
+            <a:ln w="6350" cap="rnd">
+              <a:solidFill>
+                <a:schemeClr val="accent1"/>
+              </a:solidFill>
+              <a:prstDash val="solid"/>
+              <a:round/>
+              <a:tailEnd type="stealth"/>
+            </a:ln>
+          </p:spPr>
+          <p:style>
+            <a:lnRef idx="2">
+              <a:schemeClr val="accent1"/>
+            </a:lnRef>
+            <a:fillRef idx="0">
+              <a:schemeClr val="accent1"/>
+            </a:fillRef>
+            <a:effectRef idx="1">
+              <a:schemeClr val="accent1"/>
+            </a:effectRef>
+            <a:fontRef idx="minor">
+              <a:schemeClr val="tx1"/>
+            </a:fontRef>
+          </p:style>
+        </p:cxnSp>
+        <p:cxnSp>
+          <p:nvCxnSpPr>
+            <p:cNvPr id="11" name="Gerader Verbinder 10">
+              <a:extLst>
+                <a:ext uri="{FF2B5EF4-FFF2-40B4-BE49-F238E27FC236}">
+                  <a16:creationId xmlns:a16="http://schemas.microsoft.com/office/drawing/2014/main" id="{FEE53D4B-5037-025C-6179-E5F41F6E8A74}"/>
+                </a:ext>
+              </a:extLst>
+            </p:cNvPr>
+            <p:cNvCxnSpPr>
+              <a:cxnSpLocks/>
+            </p:cNvCxnSpPr>
+            <p:nvPr/>
+          </p:nvCxnSpPr>
+          <p:spPr>
+            <a:xfrm rot="1800000" flipH="1">
+              <a:off x="1424306" y="1746800"/>
+              <a:ext cx="403200" cy="0"/>
+            </a:xfrm>
+            <a:prstGeom prst="line">
+              <a:avLst/>
+            </a:prstGeom>
+            <a:ln w="6350" cap="rnd">
+              <a:solidFill>
+                <a:schemeClr val="accent1"/>
+              </a:solidFill>
+              <a:prstDash val="solid"/>
+              <a:round/>
+              <a:tailEnd type="stealth"/>
+            </a:ln>
+          </p:spPr>
+          <p:style>
+            <a:lnRef idx="2">
+              <a:schemeClr val="accent1"/>
+            </a:lnRef>
+            <a:fillRef idx="0">
+              <a:schemeClr val="accent1"/>
+            </a:fillRef>
+            <a:effectRef idx="1">
+              <a:schemeClr val="accent1"/>
+            </a:effectRef>
+            <a:fontRef idx="minor">
+              <a:schemeClr val="tx1"/>
+            </a:fontRef>
+          </p:style>
+        </p:cxnSp>
+        <p:cxnSp>
+          <p:nvCxnSpPr>
+            <p:cNvPr id="20" name="Gerader Verbinder 19">
+              <a:extLst>
+                <a:ext uri="{FF2B5EF4-FFF2-40B4-BE49-F238E27FC236}">
+                  <a16:creationId xmlns:a16="http://schemas.microsoft.com/office/drawing/2014/main" id="{41CA439A-E49B-7835-83C7-76047787E6D0}"/>
+                </a:ext>
+              </a:extLst>
+            </p:cNvPr>
+            <p:cNvCxnSpPr>
+              <a:cxnSpLocks/>
+            </p:cNvCxnSpPr>
+            <p:nvPr/>
+          </p:nvCxnSpPr>
+          <p:spPr>
+            <a:xfrm rot="-1800000" flipH="1">
+              <a:off x="1425144" y="1948736"/>
+              <a:ext cx="403200" cy="0"/>
+            </a:xfrm>
+            <a:prstGeom prst="line">
+              <a:avLst/>
+            </a:prstGeom>
+            <a:ln w="6350" cap="rnd">
+              <a:solidFill>
+                <a:schemeClr val="accent1"/>
+              </a:solidFill>
+              <a:prstDash val="solid"/>
+              <a:round/>
+              <a:tailEnd type="stealth"/>
+            </a:ln>
+          </p:spPr>
+          <p:style>
+            <a:lnRef idx="2">
+              <a:schemeClr val="accent1"/>
+            </a:lnRef>
+            <a:fillRef idx="0">
+              <a:schemeClr val="accent1"/>
+            </a:fillRef>
+            <a:effectRef idx="1">
+              <a:schemeClr val="accent1"/>
+            </a:effectRef>
+            <a:fontRef idx="minor">
+              <a:schemeClr val="tx1"/>
+            </a:fontRef>
+          </p:style>
+        </p:cxnSp>
+        <p:cxnSp>
+          <p:nvCxnSpPr>
+            <p:cNvPr id="21" name="Gerader Verbinder 20">
+              <a:extLst>
+                <a:ext uri="{FF2B5EF4-FFF2-40B4-BE49-F238E27FC236}">
+                  <a16:creationId xmlns:a16="http://schemas.microsoft.com/office/drawing/2014/main" id="{D95989C0-A808-5AB6-8094-A563333C097D}"/>
+                </a:ext>
+              </a:extLst>
+            </p:cNvPr>
+            <p:cNvCxnSpPr>
+              <a:cxnSpLocks/>
+            </p:cNvCxnSpPr>
+            <p:nvPr/>
+          </p:nvCxnSpPr>
+          <p:spPr>
+            <a:xfrm rot="1800000" flipH="1">
+              <a:off x="1773150" y="1948709"/>
+              <a:ext cx="403200" cy="0"/>
+            </a:xfrm>
+            <a:prstGeom prst="line">
+              <a:avLst/>
+            </a:prstGeom>
+            <a:ln w="6350" cap="rnd">
+              <a:solidFill>
+                <a:schemeClr val="accent1"/>
+              </a:solidFill>
+              <a:prstDash val="solid"/>
+              <a:round/>
+              <a:headEnd type="stealth"/>
+              <a:tailEnd type="none"/>
+            </a:ln>
+          </p:spPr>
+          <p:style>
+            <a:lnRef idx="2">
+              <a:schemeClr val="accent1"/>
+            </a:lnRef>
+            <a:fillRef idx="0">
+              <a:schemeClr val="accent1"/>
+            </a:fillRef>
+            <a:effectRef idx="1">
+              <a:schemeClr val="accent1"/>
+            </a:effectRef>
+            <a:fontRef idx="minor">
+              <a:schemeClr val="tx1"/>
+            </a:fontRef>
+          </p:style>
+        </p:cxnSp>
+        <p:cxnSp>
+          <p:nvCxnSpPr>
+            <p:cNvPr id="22" name="Gerader Verbinder 21">
+              <a:extLst>
+                <a:ext uri="{FF2B5EF4-FFF2-40B4-BE49-F238E27FC236}">
+                  <a16:creationId xmlns:a16="http://schemas.microsoft.com/office/drawing/2014/main" id="{75314965-0DCF-9F46-76B4-7653453A6891}"/>
+                </a:ext>
+              </a:extLst>
+            </p:cNvPr>
+            <p:cNvCxnSpPr>
+              <a:cxnSpLocks/>
+            </p:cNvCxnSpPr>
+            <p:nvPr/>
+          </p:nvCxnSpPr>
+          <p:spPr>
+            <a:xfrm rot="-1800000" flipH="1">
+              <a:off x="1774551" y="1748769"/>
+              <a:ext cx="403200" cy="0"/>
+            </a:xfrm>
+            <a:prstGeom prst="line">
+              <a:avLst/>
+            </a:prstGeom>
+            <a:ln w="6350" cap="rnd">
+              <a:solidFill>
+                <a:schemeClr val="accent1"/>
+              </a:solidFill>
+              <a:prstDash val="solid"/>
+              <a:round/>
+              <a:headEnd type="stealth"/>
+              <a:tailEnd type="none"/>
+            </a:ln>
+          </p:spPr>
+          <p:style>
+            <a:lnRef idx="2">
+              <a:schemeClr val="accent1"/>
+            </a:lnRef>
+            <a:fillRef idx="0">
+              <a:schemeClr val="accent1"/>
+            </a:fillRef>
+            <a:effectRef idx="1">
+              <a:schemeClr val="accent1"/>
+            </a:effectRef>
+            <a:fontRef idx="minor">
+              <a:schemeClr val="tx1"/>
+            </a:fontRef>
+          </p:style>
+        </p:cxnSp>
+        <p:cxnSp>
+          <p:nvCxnSpPr>
+            <p:cNvPr id="23" name="Gerader Verbinder 22">
+              <a:extLst>
+                <a:ext uri="{FF2B5EF4-FFF2-40B4-BE49-F238E27FC236}">
+                  <a16:creationId xmlns:a16="http://schemas.microsoft.com/office/drawing/2014/main" id="{0BC2052D-CC42-0C66-3FBA-2EF56703CB23}"/>
+                </a:ext>
+              </a:extLst>
+            </p:cNvPr>
+            <p:cNvCxnSpPr>
+              <a:cxnSpLocks/>
+            </p:cNvCxnSpPr>
+            <p:nvPr/>
+          </p:nvCxnSpPr>
+          <p:spPr>
+            <a:xfrm rot="18000000" flipH="1">
+              <a:off x="1701367" y="1674980"/>
+              <a:ext cx="403200" cy="0"/>
+            </a:xfrm>
+            <a:prstGeom prst="line">
+              <a:avLst/>
+            </a:prstGeom>
+            <a:ln w="6350" cap="rnd">
+              <a:solidFill>
+                <a:schemeClr val="accent1"/>
+              </a:solidFill>
+              <a:prstDash val="solid"/>
+              <a:round/>
+              <a:headEnd type="stealth"/>
+              <a:tailEnd type="none"/>
+            </a:ln>
+          </p:spPr>
+          <p:style>
+            <a:lnRef idx="2">
+              <a:schemeClr val="accent1"/>
+            </a:lnRef>
+            <a:fillRef idx="0">
+              <a:schemeClr val="accent1"/>
+            </a:fillRef>
+            <a:effectRef idx="1">
+              <a:schemeClr val="accent1"/>
+            </a:effectRef>
+            <a:fontRef idx="minor">
+              <a:schemeClr val="tx1"/>
+            </a:fontRef>
+          </p:style>
+        </p:cxnSp>
+        <p:cxnSp>
+          <p:nvCxnSpPr>
+            <p:cNvPr id="24" name="Gerader Verbinder 23">
+              <a:extLst>
+                <a:ext uri="{FF2B5EF4-FFF2-40B4-BE49-F238E27FC236}">
+                  <a16:creationId xmlns:a16="http://schemas.microsoft.com/office/drawing/2014/main" id="{6650193B-182A-D6BA-16BF-1CEF02DFED30}"/>
+                </a:ext>
+              </a:extLst>
+            </p:cNvPr>
+            <p:cNvCxnSpPr>
+              <a:cxnSpLocks/>
+            </p:cNvCxnSpPr>
+            <p:nvPr/>
+          </p:nvCxnSpPr>
+          <p:spPr>
+            <a:xfrm rot="-3600000" flipH="1">
+              <a:off x="1498629" y="2023811"/>
+              <a:ext cx="403200" cy="0"/>
+            </a:xfrm>
+            <a:prstGeom prst="line">
+              <a:avLst/>
+            </a:prstGeom>
+            <a:ln w="6350" cap="rnd">
+              <a:solidFill>
+                <a:schemeClr val="accent1"/>
+              </a:solidFill>
+              <a:prstDash val="solid"/>
+              <a:round/>
+              <a:tailEnd type="stealth"/>
+            </a:ln>
+          </p:spPr>
+          <p:style>
+            <a:lnRef idx="2">
+              <a:schemeClr val="accent1"/>
+            </a:lnRef>
+            <a:fillRef idx="0">
+              <a:schemeClr val="accent1"/>
+            </a:fillRef>
+            <a:effectRef idx="1">
+              <a:schemeClr val="accent1"/>
+            </a:effectRef>
+            <a:fontRef idx="minor">
+              <a:schemeClr val="tx1"/>
+            </a:fontRef>
+          </p:style>
+        </p:cxnSp>
+        <p:cxnSp>
+          <p:nvCxnSpPr>
+            <p:cNvPr id="25" name="Gerader Verbinder 24">
+              <a:extLst>
+                <a:ext uri="{FF2B5EF4-FFF2-40B4-BE49-F238E27FC236}">
+                  <a16:creationId xmlns:a16="http://schemas.microsoft.com/office/drawing/2014/main" id="{3572BD60-C56F-8538-9630-EA3CC948A223}"/>
+                </a:ext>
+              </a:extLst>
+            </p:cNvPr>
+            <p:cNvCxnSpPr>
+              <a:cxnSpLocks/>
+            </p:cNvCxnSpPr>
+            <p:nvPr/>
+          </p:nvCxnSpPr>
+          <p:spPr>
+            <a:xfrm rot="3600000" flipH="1">
+              <a:off x="1499814" y="1672548"/>
+              <a:ext cx="403200" cy="0"/>
+            </a:xfrm>
+            <a:prstGeom prst="line">
+              <a:avLst/>
+            </a:prstGeom>
+            <a:ln w="6350" cap="rnd">
+              <a:solidFill>
+                <a:schemeClr val="accent1"/>
+              </a:solidFill>
+              <a:prstDash val="solid"/>
+              <a:round/>
+              <a:tailEnd type="stealth"/>
+            </a:ln>
+          </p:spPr>
+          <p:style>
+            <a:lnRef idx="2">
+              <a:schemeClr val="accent1"/>
+            </a:lnRef>
+            <a:fillRef idx="0">
+              <a:schemeClr val="accent1"/>
+            </a:fillRef>
+            <a:effectRef idx="1">
+              <a:schemeClr val="accent1"/>
+            </a:effectRef>
+            <a:fontRef idx="minor">
+              <a:schemeClr val="tx1"/>
+            </a:fontRef>
+          </p:style>
+        </p:cxnSp>
+        <p:cxnSp>
+          <p:nvCxnSpPr>
+            <p:cNvPr id="26" name="Gerader Verbinder 25">
+              <a:extLst>
+                <a:ext uri="{FF2B5EF4-FFF2-40B4-BE49-F238E27FC236}">
+                  <a16:creationId xmlns:a16="http://schemas.microsoft.com/office/drawing/2014/main" id="{F30AE03D-BEF6-3D11-424F-E5493967644D}"/>
+                </a:ext>
+              </a:extLst>
+            </p:cNvPr>
+            <p:cNvCxnSpPr>
+              <a:cxnSpLocks/>
+            </p:cNvCxnSpPr>
+            <p:nvPr/>
+          </p:nvCxnSpPr>
+          <p:spPr>
+            <a:xfrm rot="3600000" flipH="1">
+              <a:off x="1700196" y="2023636"/>
+              <a:ext cx="403200" cy="0"/>
+            </a:xfrm>
+            <a:prstGeom prst="line">
+              <a:avLst/>
+            </a:prstGeom>
+            <a:ln w="6350" cap="rnd">
+              <a:solidFill>
+                <a:schemeClr val="accent1"/>
+              </a:solidFill>
+              <a:prstDash val="solid"/>
+              <a:round/>
+              <a:headEnd type="stealth"/>
+              <a:tailEnd type="none"/>
+            </a:ln>
+          </p:spPr>
+          <p:style>
+            <a:lnRef idx="2">
+              <a:schemeClr val="accent1"/>
+            </a:lnRef>
+            <a:fillRef idx="0">
+              <a:schemeClr val="accent1"/>
+            </a:fillRef>
+            <a:effectRef idx="1">
+              <a:schemeClr val="accent1"/>
+            </a:effectRef>
+            <a:fontRef idx="minor">
+              <a:schemeClr val="tx1"/>
+            </a:fontRef>
+          </p:style>
+        </p:cxnSp>
+      </p:grpSp>
+      <p:grpSp>
+        <p:nvGrpSpPr>
+          <p:cNvPr id="35" name="Gruppieren 34">
+            <a:extLst>
+              <a:ext uri="{FF2B5EF4-FFF2-40B4-BE49-F238E27FC236}">
+                <a16:creationId xmlns:a16="http://schemas.microsoft.com/office/drawing/2014/main" id="{6AD859B0-FF24-6C55-1C06-37B45F671BA7}"/>
+              </a:ext>
+            </a:extLst>
+          </p:cNvPr>
+          <p:cNvGrpSpPr/>
+          <p:nvPr/>
+        </p:nvGrpSpPr>
+        <p:grpSpPr>
+          <a:xfrm>
+            <a:off x="1544372" y="1189311"/>
+            <a:ext cx="947244" cy="906983"/>
+            <a:chOff x="477520" y="1298817"/>
+            <a:chExt cx="947244" cy="906983"/>
+          </a:xfrm>
+        </p:grpSpPr>
+        <p:cxnSp>
+          <p:nvCxnSpPr>
+            <p:cNvPr id="36" name="Gerade Verbindung mit Pfeil 35">
+              <a:extLst>
+                <a:ext uri="{FF2B5EF4-FFF2-40B4-BE49-F238E27FC236}">
+                  <a16:creationId xmlns:a16="http://schemas.microsoft.com/office/drawing/2014/main" id="{DC9CA4F6-2DAC-61E0-97CC-B38F305F1580}"/>
+                </a:ext>
+              </a:extLst>
+            </p:cNvPr>
+            <p:cNvCxnSpPr/>
+            <p:nvPr/>
+          </p:nvCxnSpPr>
+          <p:spPr>
+            <a:xfrm>
+              <a:off x="732807" y="1959766"/>
+              <a:ext cx="551146" cy="0"/>
+            </a:xfrm>
+            <a:prstGeom prst="straightConnector1">
+              <a:avLst/>
+            </a:prstGeom>
+            <a:ln w="12700" cap="rnd">
+              <a:solidFill>
+                <a:schemeClr val="tx1"/>
+              </a:solidFill>
+              <a:round/>
+              <a:tailEnd type="stealth"/>
+            </a:ln>
+          </p:spPr>
+          <p:style>
+            <a:lnRef idx="2">
+              <a:schemeClr val="accent1"/>
+            </a:lnRef>
+            <a:fillRef idx="0">
+              <a:schemeClr val="accent1"/>
+            </a:fillRef>
+            <a:effectRef idx="1">
+              <a:schemeClr val="accent1"/>
+            </a:effectRef>
+            <a:fontRef idx="minor">
+              <a:schemeClr val="tx1"/>
+            </a:fontRef>
+          </p:style>
+        </p:cxnSp>
+        <p:cxnSp>
+          <p:nvCxnSpPr>
+            <p:cNvPr id="37" name="Gerade Verbindung mit Pfeil 36">
+              <a:extLst>
+                <a:ext uri="{FF2B5EF4-FFF2-40B4-BE49-F238E27FC236}">
+                  <a16:creationId xmlns:a16="http://schemas.microsoft.com/office/drawing/2014/main" id="{C34E9316-27B9-1ACB-CAC3-CCA12964B6AE}"/>
+                </a:ext>
+              </a:extLst>
+            </p:cNvPr>
+            <p:cNvCxnSpPr>
+              <a:cxnSpLocks/>
+            </p:cNvCxnSpPr>
+            <p:nvPr/>
+          </p:nvCxnSpPr>
+          <p:spPr>
+            <a:xfrm flipV="1">
+              <a:off x="732807" y="1399618"/>
+              <a:ext cx="0" cy="560148"/>
+            </a:xfrm>
+            <a:prstGeom prst="straightConnector1">
+              <a:avLst/>
+            </a:prstGeom>
+            <a:ln w="12700" cap="rnd">
+              <a:solidFill>
+                <a:schemeClr val="tx1"/>
+              </a:solidFill>
+              <a:round/>
+              <a:tailEnd type="stealth"/>
+            </a:ln>
+          </p:spPr>
+          <p:style>
+            <a:lnRef idx="2">
+              <a:schemeClr val="accent1"/>
+            </a:lnRef>
+            <a:fillRef idx="0">
+              <a:schemeClr val="accent1"/>
+            </a:fillRef>
+            <a:effectRef idx="1">
+              <a:schemeClr val="accent1"/>
+            </a:effectRef>
+            <a:fontRef idx="minor">
+              <a:schemeClr val="tx1"/>
+            </a:fontRef>
+          </p:style>
+        </p:cxnSp>
+        <p:sp>
+          <p:nvSpPr>
+            <p:cNvPr id="38" name="Textfeld 37">
+              <a:extLst>
+                <a:ext uri="{FF2B5EF4-FFF2-40B4-BE49-F238E27FC236}">
+                  <a16:creationId xmlns:a16="http://schemas.microsoft.com/office/drawing/2014/main" id="{22F7C36C-D3D3-12AD-3770-D4B73B9B06F8}"/>
+                </a:ext>
+              </a:extLst>
+            </p:cNvPr>
+            <p:cNvSpPr txBox="1"/>
+            <p:nvPr/>
+          </p:nvSpPr>
+          <p:spPr>
+            <a:xfrm>
+              <a:off x="477520" y="1298817"/>
+              <a:ext cx="289560" cy="261610"/>
+            </a:xfrm>
+            <a:prstGeom prst="rect">
+              <a:avLst/>
+            </a:prstGeom>
+            <a:noFill/>
+          </p:spPr>
+          <p:txBody>
+            <a:bodyPr wrap="square" rtlCol="0" anchor="ctr">
+              <a:spAutoFit/>
+            </a:bodyPr>
+            <a:lstStyle/>
+            <a:p>
+              <a:pPr algn="ctr"/>
+              <a:r>
+                <a:rPr lang="de-DE" sz="1100" i="1" dirty="0">
+                  <a:latin typeface="CMU Serif" panose="02000603000000000000" pitchFamily="2" charset="0"/>
+                  <a:ea typeface="CMU Serif" panose="02000603000000000000" pitchFamily="2" charset="0"/>
+                  <a:cs typeface="CMU Serif" panose="02000603000000000000" pitchFamily="2" charset="0"/>
+                </a:rPr>
+                <a:t>y</a:t>
+              </a:r>
+            </a:p>
+          </p:txBody>
+        </p:sp>
+        <p:sp>
+          <p:nvSpPr>
+            <p:cNvPr id="39" name="Textfeld 38">
+              <a:extLst>
+                <a:ext uri="{FF2B5EF4-FFF2-40B4-BE49-F238E27FC236}">
+                  <a16:creationId xmlns:a16="http://schemas.microsoft.com/office/drawing/2014/main" id="{4F0424E6-E0B3-C426-5F6D-32044A854A49}"/>
+                </a:ext>
+              </a:extLst>
+            </p:cNvPr>
+            <p:cNvSpPr txBox="1"/>
+            <p:nvPr/>
+          </p:nvSpPr>
+          <p:spPr>
+            <a:xfrm>
+              <a:off x="1135204" y="1944190"/>
+              <a:ext cx="289560" cy="261610"/>
+            </a:xfrm>
+            <a:prstGeom prst="rect">
+              <a:avLst/>
+            </a:prstGeom>
+            <a:noFill/>
+          </p:spPr>
+          <p:txBody>
+            <a:bodyPr wrap="square" rtlCol="0" anchor="ctr">
+              <a:spAutoFit/>
+            </a:bodyPr>
+            <a:lstStyle/>
+            <a:p>
+              <a:pPr algn="ctr"/>
+              <a:r>
+                <a:rPr lang="de-DE" sz="1100" i="1" dirty="0">
+                  <a:latin typeface="CMU Serif" panose="02000603000000000000" pitchFamily="2" charset="0"/>
+                  <a:ea typeface="CMU Serif" panose="02000603000000000000" pitchFamily="2" charset="0"/>
+                  <a:cs typeface="CMU Serif" panose="02000603000000000000" pitchFamily="2" charset="0"/>
+                </a:rPr>
+                <a:t>x</a:t>
+              </a:r>
+            </a:p>
+          </p:txBody>
+        </p:sp>
+      </p:grpSp>
+    </p:spTree>
+    <p:extLst>
+      <p:ext uri="{BB962C8B-B14F-4D97-AF65-F5344CB8AC3E}">
+        <p14:creationId xmlns:p14="http://schemas.microsoft.com/office/powerpoint/2010/main" val="2927176723"/>
+      </p:ext>
+    </p:extLst>
+  </p:cSld>
+  <p:clrMapOvr>
+    <a:masterClrMapping/>
+  </p:clrMapOvr>
+</p:sld>
+</file>
+
+<file path=ppt/slides/slide15.xml><?xml version="1.0" encoding="utf-8"?>
+<p:sld xmlns:a="http://schemas.openxmlformats.org/drawingml/2006/main" xmlns:r="http://schemas.openxmlformats.org/officeDocument/2006/relationships" xmlns:p="http://schemas.openxmlformats.org/presentationml/2006/main">
+  <p:cSld>
+    <p:spTree>
+      <p:nvGrpSpPr>
+        <p:cNvPr id="1" name="">
+          <a:extLst>
+            <a:ext uri="{FF2B5EF4-FFF2-40B4-BE49-F238E27FC236}">
+              <a16:creationId xmlns:a16="http://schemas.microsoft.com/office/drawing/2014/main" id="{5D5109D5-453D-FFF0-7A93-B321E93E8D73}"/>
+            </a:ext>
+          </a:extLst>
+        </p:cNvPr>
+        <p:cNvGrpSpPr/>
+        <p:nvPr/>
+      </p:nvGrpSpPr>
+      <p:grpSpPr>
+        <a:xfrm>
+          <a:off x="0" y="0"/>
+          <a:ext cx="0" cy="0"/>
+          <a:chOff x="0" y="0"/>
+          <a:chExt cx="0" cy="0"/>
+        </a:xfrm>
+      </p:grpSpPr>
+      <p:sp>
+        <p:nvSpPr>
+          <p:cNvPr id="2" name="Textfeld 1">
+            <a:extLst>
+              <a:ext uri="{FF2B5EF4-FFF2-40B4-BE49-F238E27FC236}">
+                <a16:creationId xmlns:a16="http://schemas.microsoft.com/office/drawing/2014/main" id="{99F2E0C2-93F3-E52B-CCA2-667480F16EA0}"/>
+              </a:ext>
+            </a:extLst>
+          </p:cNvPr>
+          <p:cNvSpPr txBox="1"/>
+          <p:nvPr/>
+        </p:nvSpPr>
+        <p:spPr>
+          <a:xfrm>
+            <a:off x="1914302" y="1291236"/>
+            <a:ext cx="577314" cy="261610"/>
+          </a:xfrm>
+          <a:prstGeom prst="rect">
+            <a:avLst/>
+          </a:prstGeom>
+          <a:noFill/>
+        </p:spPr>
+        <p:txBody>
+          <a:bodyPr wrap="square" rtlCol="0" anchor="ctr">
+            <a:spAutoFit/>
+          </a:bodyPr>
+          <a:lstStyle/>
+          <a:p>
+            <a:pPr algn="ctr"/>
+            <a:r>
+              <a:rPr lang="de-DE" sz="1100" dirty="0">
+                <a:solidFill>
+                  <a:schemeClr val="accent1"/>
+                </a:solidFill>
+                <a:latin typeface="CMU Serif" panose="02000603000000000000" pitchFamily="2" charset="0"/>
+                <a:ea typeface="CMU Serif" panose="02000603000000000000" pitchFamily="2" charset="0"/>
+                <a:cs typeface="CMU Serif" panose="02000603000000000000" pitchFamily="2" charset="0"/>
+              </a:rPr>
+              <a:t>Γ</a:t>
+            </a:r>
+            <a:r>
+              <a:rPr lang="de-DE" sz="1100" i="1" dirty="0">
+                <a:solidFill>
+                  <a:schemeClr val="accent1"/>
+                </a:solidFill>
+                <a:latin typeface="CMU Serif" panose="02000603000000000000" pitchFamily="2" charset="0"/>
+                <a:ea typeface="CMU Serif" panose="02000603000000000000" pitchFamily="2" charset="0"/>
+                <a:cs typeface="CMU Serif" panose="02000603000000000000" pitchFamily="2" charset="0"/>
+              </a:rPr>
+              <a:t> </a:t>
+            </a:r>
+            <a:r>
+              <a:rPr lang="de-DE" sz="1100" dirty="0">
+                <a:solidFill>
+                  <a:schemeClr val="accent1"/>
+                </a:solidFill>
+                <a:latin typeface="CMU Serif" panose="02000603000000000000" pitchFamily="2" charset="0"/>
+                <a:ea typeface="CMU Serif" panose="02000603000000000000" pitchFamily="2" charset="0"/>
+                <a:cs typeface="CMU Serif" panose="02000603000000000000" pitchFamily="2" charset="0"/>
+              </a:rPr>
+              <a:t>&gt; 0</a:t>
+            </a:r>
+            <a:endParaRPr lang="de-DE" sz="1100" dirty="0">
+              <a:solidFill>
+                <a:schemeClr val="accent1"/>
+              </a:solidFill>
+              <a:latin typeface="Latin Modern Math" panose="02000503000000000000" pitchFamily="50" charset="0"/>
+              <a:ea typeface="Latin Modern Math" panose="02000503000000000000" pitchFamily="50" charset="0"/>
+              <a:cs typeface="CMU Serif Extra" panose="02000603000000000000" pitchFamily="2" charset="0"/>
+            </a:endParaRPr>
+          </a:p>
+        </p:txBody>
+      </p:sp>
+      <p:grpSp>
+        <p:nvGrpSpPr>
+          <p:cNvPr id="15" name="Gruppieren 14">
+            <a:extLst>
+              <a:ext uri="{FF2B5EF4-FFF2-40B4-BE49-F238E27FC236}">
+                <a16:creationId xmlns:a16="http://schemas.microsoft.com/office/drawing/2014/main" id="{DDEB7740-74C3-6722-2790-C07EA44F5FF8}"/>
+              </a:ext>
+            </a:extLst>
+          </p:cNvPr>
+          <p:cNvGrpSpPr/>
+          <p:nvPr/>
+        </p:nvGrpSpPr>
+        <p:grpSpPr>
+          <a:xfrm>
+            <a:off x="1397265" y="1447866"/>
+            <a:ext cx="804788" cy="804788"/>
+            <a:chOff x="1397265" y="1447866"/>
+            <a:chExt cx="804788" cy="804788"/>
+          </a:xfrm>
+        </p:grpSpPr>
+        <p:cxnSp>
+          <p:nvCxnSpPr>
+            <p:cNvPr id="20" name="Gerader Verbinder 19">
+              <a:extLst>
+                <a:ext uri="{FF2B5EF4-FFF2-40B4-BE49-F238E27FC236}">
+                  <a16:creationId xmlns:a16="http://schemas.microsoft.com/office/drawing/2014/main" id="{2C75B8F3-45C3-2FB5-9AFA-96F8644F7F39}"/>
+                </a:ext>
+              </a:extLst>
+            </p:cNvPr>
+            <p:cNvCxnSpPr>
+              <a:cxnSpLocks/>
+            </p:cNvCxnSpPr>
+            <p:nvPr/>
+          </p:nvCxnSpPr>
+          <p:spPr>
+            <a:xfrm rot="-1800000" flipH="1">
+              <a:off x="1533823" y="1714981"/>
+              <a:ext cx="30866" cy="17820"/>
+            </a:xfrm>
+            <a:prstGeom prst="line">
+              <a:avLst/>
+            </a:prstGeom>
+            <a:ln w="6350" cap="rnd">
+              <a:solidFill>
+                <a:schemeClr val="accent1"/>
+              </a:solidFill>
+              <a:prstDash val="solid"/>
+              <a:round/>
+              <a:tailEnd type="stealth"/>
+            </a:ln>
+          </p:spPr>
+          <p:style>
+            <a:lnRef idx="2">
+              <a:schemeClr val="accent1"/>
+            </a:lnRef>
+            <a:fillRef idx="0">
+              <a:schemeClr val="accent1"/>
+            </a:fillRef>
+            <a:effectRef idx="1">
+              <a:schemeClr val="accent1"/>
+            </a:effectRef>
+            <a:fontRef idx="minor">
+              <a:schemeClr val="tx1"/>
+            </a:fontRef>
+          </p:style>
+        </p:cxnSp>
+        <p:cxnSp>
+          <p:nvCxnSpPr>
+            <p:cNvPr id="5" name="Gerader Verbinder 4">
+              <a:extLst>
+                <a:ext uri="{FF2B5EF4-FFF2-40B4-BE49-F238E27FC236}">
+                  <a16:creationId xmlns:a16="http://schemas.microsoft.com/office/drawing/2014/main" id="{7DF2B9C6-AB71-9D70-FEC3-3583FA6CF683}"/>
+                </a:ext>
+              </a:extLst>
+            </p:cNvPr>
+            <p:cNvCxnSpPr>
+              <a:cxnSpLocks/>
+            </p:cNvCxnSpPr>
+            <p:nvPr/>
+          </p:nvCxnSpPr>
+          <p:spPr>
+            <a:xfrm rot="-1800000" flipH="1">
+              <a:off x="1639552" y="1775882"/>
+              <a:ext cx="30866" cy="17820"/>
+            </a:xfrm>
+            <a:prstGeom prst="line">
+              <a:avLst/>
+            </a:prstGeom>
+            <a:ln w="6350" cap="rnd">
+              <a:solidFill>
+                <a:schemeClr val="accent1"/>
+              </a:solidFill>
+              <a:prstDash val="solid"/>
+              <a:round/>
+              <a:tailEnd type="stealth"/>
+            </a:ln>
+          </p:spPr>
+          <p:style>
+            <a:lnRef idx="2">
+              <a:schemeClr val="accent1"/>
+            </a:lnRef>
+            <a:fillRef idx="0">
+              <a:schemeClr val="accent1"/>
+            </a:fillRef>
+            <a:effectRef idx="1">
+              <a:schemeClr val="accent1"/>
+            </a:effectRef>
+            <a:fontRef idx="minor">
+              <a:schemeClr val="tx1"/>
+            </a:fontRef>
+          </p:style>
+        </p:cxnSp>
+        <p:cxnSp>
+          <p:nvCxnSpPr>
+            <p:cNvPr id="7" name="Gerader Verbinder 6">
+              <a:extLst>
+                <a:ext uri="{FF2B5EF4-FFF2-40B4-BE49-F238E27FC236}">
+                  <a16:creationId xmlns:a16="http://schemas.microsoft.com/office/drawing/2014/main" id="{29DA586A-4A97-1D4C-B3CE-C2E564EF337E}"/>
+                </a:ext>
+              </a:extLst>
+            </p:cNvPr>
+            <p:cNvCxnSpPr>
+              <a:cxnSpLocks/>
+            </p:cNvCxnSpPr>
+            <p:nvPr/>
+          </p:nvCxnSpPr>
+          <p:spPr>
+            <a:xfrm rot="-1800000" flipH="1">
+              <a:off x="1428915" y="1652697"/>
+              <a:ext cx="30866" cy="17820"/>
+            </a:xfrm>
+            <a:prstGeom prst="line">
+              <a:avLst/>
+            </a:prstGeom>
+            <a:ln w="6350" cap="rnd">
+              <a:solidFill>
+                <a:schemeClr val="accent1"/>
+              </a:solidFill>
+              <a:prstDash val="solid"/>
+              <a:round/>
+              <a:tailEnd type="stealth"/>
+            </a:ln>
+          </p:spPr>
+          <p:style>
+            <a:lnRef idx="2">
+              <a:schemeClr val="accent1"/>
+            </a:lnRef>
+            <a:fillRef idx="0">
+              <a:schemeClr val="accent1"/>
+            </a:fillRef>
+            <a:effectRef idx="1">
+              <a:schemeClr val="accent1"/>
+            </a:effectRef>
+            <a:fontRef idx="minor">
+              <a:schemeClr val="tx1"/>
+            </a:fontRef>
+          </p:style>
+        </p:cxnSp>
+        <p:sp>
+          <p:nvSpPr>
+            <p:cNvPr id="8" name="Ellipse 7">
+              <a:extLst>
+                <a:ext uri="{FF2B5EF4-FFF2-40B4-BE49-F238E27FC236}">
+                  <a16:creationId xmlns:a16="http://schemas.microsoft.com/office/drawing/2014/main" id="{74C30618-ACB1-E841-5501-253C17985C5E}"/>
+                </a:ext>
+              </a:extLst>
+            </p:cNvPr>
+            <p:cNvSpPr/>
+            <p:nvPr/>
+          </p:nvSpPr>
+          <p:spPr>
+            <a:xfrm>
+              <a:off x="1397265" y="1447866"/>
+              <a:ext cx="804788" cy="804788"/>
+            </a:xfrm>
+            <a:prstGeom prst="ellipse">
+              <a:avLst/>
+            </a:prstGeom>
+            <a:noFill/>
+            <a:ln w="6350">
+              <a:solidFill>
+                <a:schemeClr val="accent1"/>
+              </a:solidFill>
+            </a:ln>
+          </p:spPr>
+          <p:style>
+            <a:lnRef idx="2">
+              <a:schemeClr val="accent1">
+                <a:shade val="15000"/>
+              </a:schemeClr>
+            </a:lnRef>
+            <a:fillRef idx="1">
+              <a:schemeClr val="accent1"/>
+            </a:fillRef>
+            <a:effectRef idx="0">
+              <a:schemeClr val="accent1"/>
+            </a:effectRef>
+            <a:fontRef idx="minor">
+              <a:schemeClr val="lt1"/>
+            </a:fontRef>
+          </p:style>
+          <p:txBody>
+            <a:bodyPr rtlCol="0" anchor="ctr"/>
+            <a:lstStyle/>
+            <a:p>
+              <a:pPr algn="ctr"/>
+              <a:endParaRPr lang="de-DE"/>
+            </a:p>
+          </p:txBody>
+        </p:sp>
+        <p:sp>
+          <p:nvSpPr>
+            <p:cNvPr id="12" name="Ellipse 11">
+              <a:extLst>
+                <a:ext uri="{FF2B5EF4-FFF2-40B4-BE49-F238E27FC236}">
+                  <a16:creationId xmlns:a16="http://schemas.microsoft.com/office/drawing/2014/main" id="{EBD24108-9B50-1D4E-C44D-7C8AA6147135}"/>
+                </a:ext>
+              </a:extLst>
+            </p:cNvPr>
+            <p:cNvSpPr/>
+            <p:nvPr/>
+          </p:nvSpPr>
+          <p:spPr>
+            <a:xfrm>
+              <a:off x="1516281" y="1566885"/>
+              <a:ext cx="566750" cy="566750"/>
+            </a:xfrm>
+            <a:prstGeom prst="ellipse">
+              <a:avLst/>
+            </a:prstGeom>
+            <a:noFill/>
+            <a:ln w="6350">
+              <a:solidFill>
+                <a:schemeClr val="accent1"/>
+              </a:solidFill>
+            </a:ln>
+          </p:spPr>
+          <p:style>
+            <a:lnRef idx="2">
+              <a:schemeClr val="accent1">
+                <a:shade val="15000"/>
+              </a:schemeClr>
+            </a:lnRef>
+            <a:fillRef idx="1">
+              <a:schemeClr val="accent1"/>
+            </a:fillRef>
+            <a:effectRef idx="0">
+              <a:schemeClr val="accent1"/>
+            </a:effectRef>
+            <a:fontRef idx="minor">
+              <a:schemeClr val="lt1"/>
+            </a:fontRef>
+          </p:style>
+          <p:txBody>
+            <a:bodyPr rtlCol="0" anchor="ctr"/>
+            <a:lstStyle/>
+            <a:p>
+              <a:pPr algn="ctr"/>
+              <a:endParaRPr lang="de-DE"/>
+            </a:p>
+          </p:txBody>
+        </p:sp>
+        <p:sp>
+          <p:nvSpPr>
+            <p:cNvPr id="13" name="Ellipse 12">
+              <a:extLst>
+                <a:ext uri="{FF2B5EF4-FFF2-40B4-BE49-F238E27FC236}">
+                  <a16:creationId xmlns:a16="http://schemas.microsoft.com/office/drawing/2014/main" id="{F42208D0-F903-AB98-E853-2D2F5FB1542B}"/>
+                </a:ext>
+              </a:extLst>
+            </p:cNvPr>
+            <p:cNvSpPr/>
+            <p:nvPr/>
+          </p:nvSpPr>
+          <p:spPr>
+            <a:xfrm>
+              <a:off x="1639073" y="1689674"/>
+              <a:ext cx="321172" cy="321172"/>
+            </a:xfrm>
+            <a:prstGeom prst="ellipse">
+              <a:avLst/>
+            </a:prstGeom>
+            <a:noFill/>
+            <a:ln w="6350">
+              <a:solidFill>
+                <a:schemeClr val="accent1"/>
+              </a:solidFill>
+            </a:ln>
+          </p:spPr>
+          <p:style>
+            <a:lnRef idx="2">
+              <a:schemeClr val="accent1">
+                <a:shade val="15000"/>
+              </a:schemeClr>
+            </a:lnRef>
+            <a:fillRef idx="1">
+              <a:schemeClr val="accent1"/>
+            </a:fillRef>
+            <a:effectRef idx="0">
+              <a:schemeClr val="accent1"/>
+            </a:effectRef>
+            <a:fontRef idx="minor">
+              <a:schemeClr val="lt1"/>
+            </a:fontRef>
+          </p:style>
+          <p:txBody>
+            <a:bodyPr rtlCol="0" anchor="ctr"/>
+            <a:lstStyle/>
+            <a:p>
+              <a:pPr algn="ctr"/>
+              <a:endParaRPr lang="de-DE" dirty="0"/>
+            </a:p>
+          </p:txBody>
+        </p:sp>
+      </p:grpSp>
+      <p:grpSp>
+        <p:nvGrpSpPr>
+          <p:cNvPr id="35" name="Gruppieren 34">
+            <a:extLst>
+              <a:ext uri="{FF2B5EF4-FFF2-40B4-BE49-F238E27FC236}">
+                <a16:creationId xmlns:a16="http://schemas.microsoft.com/office/drawing/2014/main" id="{0CA288F6-427A-CEA7-CCF2-9824300F55AA}"/>
+              </a:ext>
+            </a:extLst>
+          </p:cNvPr>
+          <p:cNvGrpSpPr/>
+          <p:nvPr/>
+        </p:nvGrpSpPr>
+        <p:grpSpPr>
+          <a:xfrm>
+            <a:off x="1544372" y="1189311"/>
+            <a:ext cx="947244" cy="906983"/>
+            <a:chOff x="477520" y="1298817"/>
+            <a:chExt cx="947244" cy="906983"/>
+          </a:xfrm>
+        </p:grpSpPr>
+        <p:cxnSp>
+          <p:nvCxnSpPr>
+            <p:cNvPr id="36" name="Gerade Verbindung mit Pfeil 35">
+              <a:extLst>
+                <a:ext uri="{FF2B5EF4-FFF2-40B4-BE49-F238E27FC236}">
+                  <a16:creationId xmlns:a16="http://schemas.microsoft.com/office/drawing/2014/main" id="{52193CAD-F186-62F6-8C3E-62189E7C1ED5}"/>
+                </a:ext>
+              </a:extLst>
+            </p:cNvPr>
+            <p:cNvCxnSpPr/>
+            <p:nvPr/>
+          </p:nvCxnSpPr>
+          <p:spPr>
+            <a:xfrm>
+              <a:off x="732807" y="1959766"/>
+              <a:ext cx="551146" cy="0"/>
+            </a:xfrm>
+            <a:prstGeom prst="straightConnector1">
+              <a:avLst/>
+            </a:prstGeom>
+            <a:ln w="12700" cap="rnd">
+              <a:solidFill>
+                <a:schemeClr val="tx1"/>
+              </a:solidFill>
+              <a:round/>
+              <a:tailEnd type="stealth"/>
+            </a:ln>
+          </p:spPr>
+          <p:style>
+            <a:lnRef idx="2">
+              <a:schemeClr val="accent1"/>
+            </a:lnRef>
+            <a:fillRef idx="0">
+              <a:schemeClr val="accent1"/>
+            </a:fillRef>
+            <a:effectRef idx="1">
+              <a:schemeClr val="accent1"/>
+            </a:effectRef>
+            <a:fontRef idx="minor">
+              <a:schemeClr val="tx1"/>
+            </a:fontRef>
+          </p:style>
+        </p:cxnSp>
+        <p:cxnSp>
+          <p:nvCxnSpPr>
+            <p:cNvPr id="37" name="Gerade Verbindung mit Pfeil 36">
+              <a:extLst>
+                <a:ext uri="{FF2B5EF4-FFF2-40B4-BE49-F238E27FC236}">
+                  <a16:creationId xmlns:a16="http://schemas.microsoft.com/office/drawing/2014/main" id="{D6E9E193-AE9F-05F3-5879-52789D0A963D}"/>
+                </a:ext>
+              </a:extLst>
+            </p:cNvPr>
+            <p:cNvCxnSpPr>
+              <a:cxnSpLocks/>
+            </p:cNvCxnSpPr>
+            <p:nvPr/>
+          </p:nvCxnSpPr>
+          <p:spPr>
+            <a:xfrm flipV="1">
+              <a:off x="732807" y="1399618"/>
+              <a:ext cx="0" cy="560148"/>
+            </a:xfrm>
+            <a:prstGeom prst="straightConnector1">
+              <a:avLst/>
+            </a:prstGeom>
+            <a:ln w="12700" cap="rnd">
+              <a:solidFill>
+                <a:schemeClr val="tx1"/>
+              </a:solidFill>
+              <a:round/>
+              <a:tailEnd type="stealth"/>
+            </a:ln>
+          </p:spPr>
+          <p:style>
+            <a:lnRef idx="2">
+              <a:schemeClr val="accent1"/>
+            </a:lnRef>
+            <a:fillRef idx="0">
+              <a:schemeClr val="accent1"/>
+            </a:fillRef>
+            <a:effectRef idx="1">
+              <a:schemeClr val="accent1"/>
+            </a:effectRef>
+            <a:fontRef idx="minor">
+              <a:schemeClr val="tx1"/>
+            </a:fontRef>
+          </p:style>
+        </p:cxnSp>
+        <p:sp>
+          <p:nvSpPr>
+            <p:cNvPr id="38" name="Textfeld 37">
+              <a:extLst>
+                <a:ext uri="{FF2B5EF4-FFF2-40B4-BE49-F238E27FC236}">
+                  <a16:creationId xmlns:a16="http://schemas.microsoft.com/office/drawing/2014/main" id="{4C2850A3-48CD-1AE0-7FDB-C195C84EBD10}"/>
+                </a:ext>
+              </a:extLst>
+            </p:cNvPr>
+            <p:cNvSpPr txBox="1"/>
+            <p:nvPr/>
+          </p:nvSpPr>
+          <p:spPr>
+            <a:xfrm>
+              <a:off x="477520" y="1298817"/>
+              <a:ext cx="289560" cy="261610"/>
+            </a:xfrm>
+            <a:prstGeom prst="rect">
+              <a:avLst/>
+            </a:prstGeom>
+            <a:noFill/>
+          </p:spPr>
+          <p:txBody>
+            <a:bodyPr wrap="square" rtlCol="0" anchor="ctr">
+              <a:spAutoFit/>
+            </a:bodyPr>
+            <a:lstStyle/>
+            <a:p>
+              <a:pPr algn="ctr"/>
+              <a:r>
+                <a:rPr lang="de-DE" sz="1100" i="1" dirty="0">
+                  <a:latin typeface="CMU Serif" panose="02000603000000000000" pitchFamily="2" charset="0"/>
+                  <a:ea typeface="CMU Serif" panose="02000603000000000000" pitchFamily="2" charset="0"/>
+                  <a:cs typeface="CMU Serif" panose="02000603000000000000" pitchFamily="2" charset="0"/>
+                </a:rPr>
+                <a:t>y</a:t>
+              </a:r>
+            </a:p>
+          </p:txBody>
+        </p:sp>
+        <p:sp>
+          <p:nvSpPr>
+            <p:cNvPr id="39" name="Textfeld 38">
+              <a:extLst>
+                <a:ext uri="{FF2B5EF4-FFF2-40B4-BE49-F238E27FC236}">
+                  <a16:creationId xmlns:a16="http://schemas.microsoft.com/office/drawing/2014/main" id="{B23E1CEF-CAC2-2BF2-54A7-7F5E28E8C33B}"/>
+                </a:ext>
+              </a:extLst>
+            </p:cNvPr>
+            <p:cNvSpPr txBox="1"/>
+            <p:nvPr/>
+          </p:nvSpPr>
+          <p:spPr>
+            <a:xfrm>
+              <a:off x="1135204" y="1944190"/>
+              <a:ext cx="289560" cy="261610"/>
+            </a:xfrm>
+            <a:prstGeom prst="rect">
+              <a:avLst/>
+            </a:prstGeom>
+            <a:noFill/>
+          </p:spPr>
+          <p:txBody>
+            <a:bodyPr wrap="square" rtlCol="0" anchor="ctr">
+              <a:spAutoFit/>
+            </a:bodyPr>
+            <a:lstStyle/>
+            <a:p>
+              <a:pPr algn="ctr"/>
+              <a:r>
+                <a:rPr lang="de-DE" sz="1100" i="1" dirty="0">
+                  <a:latin typeface="CMU Serif" panose="02000603000000000000" pitchFamily="2" charset="0"/>
+                  <a:ea typeface="CMU Serif" panose="02000603000000000000" pitchFamily="2" charset="0"/>
+                  <a:cs typeface="CMU Serif" panose="02000603000000000000" pitchFamily="2" charset="0"/>
+                </a:rPr>
+                <a:t>x</a:t>
+              </a:r>
+            </a:p>
+          </p:txBody>
+        </p:sp>
+      </p:grpSp>
+    </p:spTree>
+    <p:extLst>
+      <p:ext uri="{BB962C8B-B14F-4D97-AF65-F5344CB8AC3E}">
+        <p14:creationId xmlns:p14="http://schemas.microsoft.com/office/powerpoint/2010/main" val="3144977678"/>
+      </p:ext>
+    </p:extLst>
+  </p:cSld>
+  <p:clrMapOvr>
+    <a:masterClrMapping/>
+  </p:clrMapOvr>
+</p:sld>
+</file>
+
+<file path=ppt/slides/slide16.xml><?xml version="1.0" encoding="utf-8"?>
+<p:sld xmlns:a="http://schemas.openxmlformats.org/drawingml/2006/main" xmlns:r="http://schemas.openxmlformats.org/officeDocument/2006/relationships" xmlns:p="http://schemas.openxmlformats.org/presentationml/2006/main">
+  <p:cSld>
+    <p:spTree>
+      <p:nvGrpSpPr>
+        <p:cNvPr id="1" name="">
+          <a:extLst>
+            <a:ext uri="{FF2B5EF4-FFF2-40B4-BE49-F238E27FC236}">
+              <a16:creationId xmlns:a16="http://schemas.microsoft.com/office/drawing/2014/main" id="{2CD2402C-1695-3278-E49A-15D30E458CE3}"/>
+            </a:ext>
+          </a:extLst>
+        </p:cNvPr>
+        <p:cNvGrpSpPr/>
+        <p:nvPr/>
+      </p:nvGrpSpPr>
+      <p:grpSpPr>
+        <a:xfrm>
+          <a:off x="0" y="0"/>
+          <a:ext cx="0" cy="0"/>
+          <a:chOff x="0" y="0"/>
+          <a:chExt cx="0" cy="0"/>
+        </a:xfrm>
+      </p:grpSpPr>
+      <p:sp>
+        <p:nvSpPr>
+          <p:cNvPr id="2" name="Textfeld 1">
+            <a:extLst>
+              <a:ext uri="{FF2B5EF4-FFF2-40B4-BE49-F238E27FC236}">
+                <a16:creationId xmlns:a16="http://schemas.microsoft.com/office/drawing/2014/main" id="{804BE0DB-295B-F0C9-769F-38C0BC2175F6}"/>
+              </a:ext>
+            </a:extLst>
+          </p:cNvPr>
+          <p:cNvSpPr txBox="1"/>
+          <p:nvPr/>
+        </p:nvSpPr>
+        <p:spPr>
+          <a:xfrm>
+            <a:off x="1914302" y="1291236"/>
+            <a:ext cx="577314" cy="261610"/>
+          </a:xfrm>
+          <a:prstGeom prst="rect">
+            <a:avLst/>
+          </a:prstGeom>
+          <a:noFill/>
+        </p:spPr>
+        <p:txBody>
+          <a:bodyPr wrap="square" rtlCol="0" anchor="ctr">
+            <a:spAutoFit/>
+          </a:bodyPr>
+          <a:lstStyle/>
+          <a:p>
+            <a:pPr algn="ctr"/>
+            <a:r>
+              <a:rPr lang="de-DE" sz="1100" i="1" dirty="0">
+                <a:solidFill>
+                  <a:schemeClr val="accent1"/>
+                </a:solidFill>
+                <a:latin typeface="Latin Modern Math" panose="02000503000000000000" pitchFamily="50" charset="0"/>
+                <a:ea typeface="Latin Modern Math" panose="02000503000000000000" pitchFamily="50" charset="0"/>
+                <a:cs typeface="CMU Serif" panose="02000603000000000000" pitchFamily="2" charset="0"/>
+              </a:rPr>
+              <a:t>μ</a:t>
+            </a:r>
+            <a:r>
+              <a:rPr lang="de-DE" sz="1100" i="1" dirty="0">
+                <a:solidFill>
+                  <a:schemeClr val="accent1"/>
+                </a:solidFill>
+                <a:latin typeface="CMU Serif" panose="02000603000000000000" pitchFamily="2" charset="0"/>
+                <a:ea typeface="CMU Serif" panose="02000603000000000000" pitchFamily="2" charset="0"/>
+                <a:cs typeface="CMU Serif" panose="02000603000000000000" pitchFamily="2" charset="0"/>
+              </a:rPr>
+              <a:t> </a:t>
+            </a:r>
+            <a:r>
+              <a:rPr lang="de-DE" sz="1100" dirty="0">
+                <a:solidFill>
+                  <a:schemeClr val="accent1"/>
+                </a:solidFill>
+                <a:latin typeface="CMU Serif" panose="02000603000000000000" pitchFamily="2" charset="0"/>
+                <a:ea typeface="CMU Serif" panose="02000603000000000000" pitchFamily="2" charset="0"/>
+                <a:cs typeface="CMU Serif" panose="02000603000000000000" pitchFamily="2" charset="0"/>
+              </a:rPr>
+              <a:t>&gt; 0</a:t>
+            </a:r>
+            <a:endParaRPr lang="de-DE" sz="1100" dirty="0">
+              <a:solidFill>
+                <a:schemeClr val="accent1"/>
+              </a:solidFill>
+              <a:latin typeface="Latin Modern Math" panose="02000503000000000000" pitchFamily="50" charset="0"/>
+              <a:ea typeface="Latin Modern Math" panose="02000503000000000000" pitchFamily="50" charset="0"/>
+              <a:cs typeface="CMU Serif Extra" panose="02000603000000000000" pitchFamily="2" charset="0"/>
+            </a:endParaRPr>
+          </a:p>
+        </p:txBody>
+      </p:sp>
+      <p:grpSp>
+        <p:nvGrpSpPr>
+          <p:cNvPr id="3" name="Gruppieren 2">
+            <a:extLst>
+              <a:ext uri="{FF2B5EF4-FFF2-40B4-BE49-F238E27FC236}">
+                <a16:creationId xmlns:a16="http://schemas.microsoft.com/office/drawing/2014/main" id="{C7F96EA0-418F-5B32-1883-19E9F0706C2E}"/>
+              </a:ext>
+            </a:extLst>
+          </p:cNvPr>
+          <p:cNvGrpSpPr/>
+          <p:nvPr/>
+        </p:nvGrpSpPr>
+        <p:grpSpPr>
+          <a:xfrm>
+            <a:off x="1589136" y="1429217"/>
+            <a:ext cx="421043" cy="421043"/>
+            <a:chOff x="1589136" y="1429217"/>
+            <a:chExt cx="421043" cy="421043"/>
+          </a:xfrm>
+        </p:grpSpPr>
+        <p:cxnSp>
+          <p:nvCxnSpPr>
+            <p:cNvPr id="20" name="Gerader Verbinder 19">
+              <a:extLst>
+                <a:ext uri="{FF2B5EF4-FFF2-40B4-BE49-F238E27FC236}">
+                  <a16:creationId xmlns:a16="http://schemas.microsoft.com/office/drawing/2014/main" id="{22AD9EB0-4379-DAB5-561D-3052FEEBC5BA}"/>
+                </a:ext>
+              </a:extLst>
+            </p:cNvPr>
+            <p:cNvCxnSpPr>
+              <a:cxnSpLocks/>
+            </p:cNvCxnSpPr>
+            <p:nvPr/>
+          </p:nvCxnSpPr>
+          <p:spPr>
+            <a:xfrm rot="19800000" flipH="1">
+              <a:off x="1660579" y="1628019"/>
+              <a:ext cx="16148" cy="9323"/>
+            </a:xfrm>
+            <a:prstGeom prst="line">
+              <a:avLst/>
+            </a:prstGeom>
+            <a:ln w="6350" cap="rnd">
+              <a:solidFill>
+                <a:schemeClr val="accent1"/>
+              </a:solidFill>
+              <a:prstDash val="solid"/>
+              <a:round/>
+              <a:tailEnd type="stealth"/>
+            </a:ln>
+          </p:spPr>
+          <p:style>
+            <a:lnRef idx="2">
+              <a:schemeClr val="accent1"/>
+            </a:lnRef>
+            <a:fillRef idx="0">
+              <a:schemeClr val="accent1"/>
+            </a:fillRef>
+            <a:effectRef idx="1">
+              <a:schemeClr val="accent1"/>
+            </a:effectRef>
+            <a:fontRef idx="minor">
+              <a:schemeClr val="tx1"/>
+            </a:fontRef>
+          </p:style>
+        </p:cxnSp>
+        <p:cxnSp>
+          <p:nvCxnSpPr>
+            <p:cNvPr id="5" name="Gerader Verbinder 4">
+              <a:extLst>
+                <a:ext uri="{FF2B5EF4-FFF2-40B4-BE49-F238E27FC236}">
+                  <a16:creationId xmlns:a16="http://schemas.microsoft.com/office/drawing/2014/main" id="{05C0BF04-4598-2C45-88BC-7EC99DA5396C}"/>
+                </a:ext>
+              </a:extLst>
+            </p:cNvPr>
+            <p:cNvCxnSpPr>
+              <a:cxnSpLocks/>
+            </p:cNvCxnSpPr>
+            <p:nvPr/>
+          </p:nvCxnSpPr>
+          <p:spPr>
+            <a:xfrm rot="19800000" flipH="1">
+              <a:off x="1715894" y="1732271"/>
+              <a:ext cx="16148" cy="9323"/>
+            </a:xfrm>
+            <a:prstGeom prst="line">
+              <a:avLst/>
+            </a:prstGeom>
+            <a:ln w="6350" cap="rnd">
+              <a:solidFill>
+                <a:schemeClr val="accent1"/>
+              </a:solidFill>
+              <a:prstDash val="solid"/>
+              <a:round/>
+              <a:tailEnd type="stealth"/>
+            </a:ln>
+          </p:spPr>
+          <p:style>
+            <a:lnRef idx="2">
+              <a:schemeClr val="accent1"/>
+            </a:lnRef>
+            <a:fillRef idx="0">
+              <a:schemeClr val="accent1"/>
+            </a:fillRef>
+            <a:effectRef idx="1">
+              <a:schemeClr val="accent1"/>
+            </a:effectRef>
+            <a:fontRef idx="minor">
+              <a:schemeClr val="tx1"/>
+            </a:fontRef>
+          </p:style>
+        </p:cxnSp>
+        <p:cxnSp>
+          <p:nvCxnSpPr>
+            <p:cNvPr id="7" name="Gerader Verbinder 6">
+              <a:extLst>
+                <a:ext uri="{FF2B5EF4-FFF2-40B4-BE49-F238E27FC236}">
+                  <a16:creationId xmlns:a16="http://schemas.microsoft.com/office/drawing/2014/main" id="{EAE5463F-63DE-5034-A7B3-46D607622A05}"/>
+                </a:ext>
+              </a:extLst>
+            </p:cNvPr>
+            <p:cNvCxnSpPr>
+              <a:cxnSpLocks/>
+            </p:cNvCxnSpPr>
+            <p:nvPr/>
+          </p:nvCxnSpPr>
+          <p:spPr>
+            <a:xfrm rot="19800000" flipH="1">
+              <a:off x="1605694" y="1536379"/>
+              <a:ext cx="16148" cy="9323"/>
+            </a:xfrm>
+            <a:prstGeom prst="line">
+              <a:avLst/>
+            </a:prstGeom>
+            <a:ln w="6350" cap="rnd">
+              <a:solidFill>
+                <a:schemeClr val="accent1"/>
+              </a:solidFill>
+              <a:prstDash val="solid"/>
+              <a:round/>
+              <a:tailEnd type="stealth"/>
+            </a:ln>
+          </p:spPr>
+          <p:style>
+            <a:lnRef idx="2">
+              <a:schemeClr val="accent1"/>
+            </a:lnRef>
+            <a:fillRef idx="0">
+              <a:schemeClr val="accent1"/>
+            </a:fillRef>
+            <a:effectRef idx="1">
+              <a:schemeClr val="accent1"/>
+            </a:effectRef>
+            <a:fontRef idx="minor">
+              <a:schemeClr val="tx1"/>
+            </a:fontRef>
+          </p:style>
+        </p:cxnSp>
+        <p:sp>
+          <p:nvSpPr>
+            <p:cNvPr id="8" name="Ellipse 7">
+              <a:extLst>
+                <a:ext uri="{FF2B5EF4-FFF2-40B4-BE49-F238E27FC236}">
+                  <a16:creationId xmlns:a16="http://schemas.microsoft.com/office/drawing/2014/main" id="{C58AD796-8ACD-A6A1-5DD2-4FE9871691F9}"/>
+                </a:ext>
+              </a:extLst>
+            </p:cNvPr>
+            <p:cNvSpPr/>
+            <p:nvPr/>
+          </p:nvSpPr>
+          <p:spPr>
+            <a:xfrm>
+              <a:off x="1589136" y="1429217"/>
+              <a:ext cx="421043" cy="421043"/>
+            </a:xfrm>
+            <a:prstGeom prst="ellipse">
+              <a:avLst/>
+            </a:prstGeom>
+            <a:noFill/>
+            <a:ln w="6350">
+              <a:solidFill>
+                <a:schemeClr val="accent1"/>
+              </a:solidFill>
+            </a:ln>
+          </p:spPr>
+          <p:style>
+            <a:lnRef idx="2">
+              <a:schemeClr val="accent1">
+                <a:shade val="15000"/>
+              </a:schemeClr>
+            </a:lnRef>
+            <a:fillRef idx="1">
+              <a:schemeClr val="accent1"/>
+            </a:fillRef>
+            <a:effectRef idx="0">
+              <a:schemeClr val="accent1"/>
+            </a:effectRef>
+            <a:fontRef idx="minor">
+              <a:schemeClr val="lt1"/>
+            </a:fontRef>
+          </p:style>
+          <p:txBody>
+            <a:bodyPr rtlCol="0" anchor="ctr"/>
+            <a:lstStyle/>
+            <a:p>
+              <a:pPr algn="ctr"/>
+              <a:endParaRPr lang="de-DE"/>
+            </a:p>
+          </p:txBody>
+        </p:sp>
+        <p:sp>
+          <p:nvSpPr>
+            <p:cNvPr id="12" name="Ellipse 11">
+              <a:extLst>
+                <a:ext uri="{FF2B5EF4-FFF2-40B4-BE49-F238E27FC236}">
+                  <a16:creationId xmlns:a16="http://schemas.microsoft.com/office/drawing/2014/main" id="{84754D3A-09DF-BE61-B391-452398EDE634}"/>
+                </a:ext>
+              </a:extLst>
+            </p:cNvPr>
+            <p:cNvSpPr/>
+            <p:nvPr/>
+          </p:nvSpPr>
+          <p:spPr>
+            <a:xfrm>
+              <a:off x="1651402" y="1552444"/>
+              <a:ext cx="296508" cy="296508"/>
+            </a:xfrm>
+            <a:prstGeom prst="ellipse">
+              <a:avLst/>
+            </a:prstGeom>
+            <a:noFill/>
+            <a:ln w="6350">
+              <a:solidFill>
+                <a:schemeClr val="accent1"/>
+              </a:solidFill>
+            </a:ln>
+          </p:spPr>
+          <p:style>
+            <a:lnRef idx="2">
+              <a:schemeClr val="accent1">
+                <a:shade val="15000"/>
+              </a:schemeClr>
+            </a:lnRef>
+            <a:fillRef idx="1">
+              <a:schemeClr val="accent1"/>
+            </a:fillRef>
+            <a:effectRef idx="0">
+              <a:schemeClr val="accent1"/>
+            </a:effectRef>
+            <a:fontRef idx="minor">
+              <a:schemeClr val="lt1"/>
+            </a:fontRef>
+          </p:style>
+          <p:txBody>
+            <a:bodyPr rtlCol="0" anchor="ctr"/>
+            <a:lstStyle/>
+            <a:p>
+              <a:pPr algn="ctr"/>
+              <a:endParaRPr lang="de-DE"/>
+            </a:p>
+          </p:txBody>
+        </p:sp>
+        <p:sp>
+          <p:nvSpPr>
+            <p:cNvPr id="13" name="Ellipse 12">
+              <a:extLst>
+                <a:ext uri="{FF2B5EF4-FFF2-40B4-BE49-F238E27FC236}">
+                  <a16:creationId xmlns:a16="http://schemas.microsoft.com/office/drawing/2014/main" id="{0E6A946E-7D83-5DAA-170A-FF79D63FC0F6}"/>
+                </a:ext>
+              </a:extLst>
+            </p:cNvPr>
+            <p:cNvSpPr/>
+            <p:nvPr/>
+          </p:nvSpPr>
+          <p:spPr>
+            <a:xfrm>
+              <a:off x="1715643" y="1681454"/>
+              <a:ext cx="168028" cy="168028"/>
+            </a:xfrm>
+            <a:prstGeom prst="ellipse">
+              <a:avLst/>
+            </a:prstGeom>
+            <a:noFill/>
+            <a:ln w="6350">
+              <a:solidFill>
+                <a:schemeClr val="accent1"/>
+              </a:solidFill>
+            </a:ln>
+          </p:spPr>
+          <p:style>
+            <a:lnRef idx="2">
+              <a:schemeClr val="accent1">
+                <a:shade val="15000"/>
+              </a:schemeClr>
+            </a:lnRef>
+            <a:fillRef idx="1">
+              <a:schemeClr val="accent1"/>
+            </a:fillRef>
+            <a:effectRef idx="0">
+              <a:schemeClr val="accent1"/>
+            </a:effectRef>
+            <a:fontRef idx="minor">
+              <a:schemeClr val="lt1"/>
+            </a:fontRef>
+          </p:style>
+          <p:txBody>
+            <a:bodyPr rtlCol="0" anchor="ctr"/>
+            <a:lstStyle/>
+            <a:p>
+              <a:pPr algn="ctr"/>
+              <a:endParaRPr lang="de-DE" dirty="0"/>
+            </a:p>
+          </p:txBody>
+        </p:sp>
+      </p:grpSp>
+      <p:grpSp>
+        <p:nvGrpSpPr>
+          <p:cNvPr id="4" name="Gruppieren 3">
+            <a:extLst>
+              <a:ext uri="{FF2B5EF4-FFF2-40B4-BE49-F238E27FC236}">
+                <a16:creationId xmlns:a16="http://schemas.microsoft.com/office/drawing/2014/main" id="{98E2C121-0A3C-4CC3-5C27-144427A872FB}"/>
+              </a:ext>
+            </a:extLst>
+          </p:cNvPr>
+          <p:cNvGrpSpPr/>
+          <p:nvPr/>
+        </p:nvGrpSpPr>
+        <p:grpSpPr>
+          <a:xfrm flipV="1">
+            <a:off x="1589134" y="1848952"/>
+            <a:ext cx="421043" cy="421043"/>
+            <a:chOff x="1589136" y="1429217"/>
+            <a:chExt cx="421043" cy="421043"/>
+          </a:xfrm>
+        </p:grpSpPr>
+        <p:cxnSp>
+          <p:nvCxnSpPr>
+            <p:cNvPr id="6" name="Gerader Verbinder 5">
+              <a:extLst>
+                <a:ext uri="{FF2B5EF4-FFF2-40B4-BE49-F238E27FC236}">
+                  <a16:creationId xmlns:a16="http://schemas.microsoft.com/office/drawing/2014/main" id="{6E1B9C49-B1BF-D3B1-4763-8DE4546BC1B1}"/>
+                </a:ext>
+              </a:extLst>
+            </p:cNvPr>
+            <p:cNvCxnSpPr>
+              <a:cxnSpLocks/>
+            </p:cNvCxnSpPr>
+            <p:nvPr/>
+          </p:nvCxnSpPr>
+          <p:spPr>
+            <a:xfrm rot="19800000" flipH="1">
+              <a:off x="1660579" y="1628019"/>
+              <a:ext cx="16148" cy="9323"/>
+            </a:xfrm>
+            <a:prstGeom prst="line">
+              <a:avLst/>
+            </a:prstGeom>
+            <a:ln w="6350" cap="rnd">
+              <a:solidFill>
+                <a:schemeClr val="accent1"/>
+              </a:solidFill>
+              <a:prstDash val="solid"/>
+              <a:round/>
+              <a:tailEnd type="stealth"/>
+            </a:ln>
+          </p:spPr>
+          <p:style>
+            <a:lnRef idx="2">
+              <a:schemeClr val="accent1"/>
+            </a:lnRef>
+            <a:fillRef idx="0">
+              <a:schemeClr val="accent1"/>
+            </a:fillRef>
+            <a:effectRef idx="1">
+              <a:schemeClr val="accent1"/>
+            </a:effectRef>
+            <a:fontRef idx="minor">
+              <a:schemeClr val="tx1"/>
+            </a:fontRef>
+          </p:style>
+        </p:cxnSp>
+        <p:cxnSp>
+          <p:nvCxnSpPr>
+            <p:cNvPr id="9" name="Gerader Verbinder 8">
+              <a:extLst>
+                <a:ext uri="{FF2B5EF4-FFF2-40B4-BE49-F238E27FC236}">
+                  <a16:creationId xmlns:a16="http://schemas.microsoft.com/office/drawing/2014/main" id="{F1987D4D-00A8-02F5-F5C6-DCCD8C2901ED}"/>
+                </a:ext>
+              </a:extLst>
+            </p:cNvPr>
+            <p:cNvCxnSpPr>
+              <a:cxnSpLocks/>
+            </p:cNvCxnSpPr>
+            <p:nvPr/>
+          </p:nvCxnSpPr>
+          <p:spPr>
+            <a:xfrm rot="19800000" flipH="1">
+              <a:off x="1715894" y="1732271"/>
+              <a:ext cx="16148" cy="9323"/>
+            </a:xfrm>
+            <a:prstGeom prst="line">
+              <a:avLst/>
+            </a:prstGeom>
+            <a:ln w="6350" cap="rnd">
+              <a:solidFill>
+                <a:schemeClr val="accent1"/>
+              </a:solidFill>
+              <a:prstDash val="solid"/>
+              <a:round/>
+              <a:tailEnd type="stealth"/>
+            </a:ln>
+          </p:spPr>
+          <p:style>
+            <a:lnRef idx="2">
+              <a:schemeClr val="accent1"/>
+            </a:lnRef>
+            <a:fillRef idx="0">
+              <a:schemeClr val="accent1"/>
+            </a:fillRef>
+            <a:effectRef idx="1">
+              <a:schemeClr val="accent1"/>
+            </a:effectRef>
+            <a:fontRef idx="minor">
+              <a:schemeClr val="tx1"/>
+            </a:fontRef>
+          </p:style>
+        </p:cxnSp>
+        <p:cxnSp>
+          <p:nvCxnSpPr>
+            <p:cNvPr id="10" name="Gerader Verbinder 9">
+              <a:extLst>
+                <a:ext uri="{FF2B5EF4-FFF2-40B4-BE49-F238E27FC236}">
+                  <a16:creationId xmlns:a16="http://schemas.microsoft.com/office/drawing/2014/main" id="{94B454BC-3CDB-1FBA-DC2A-B8B51CDDFB14}"/>
+                </a:ext>
+              </a:extLst>
+            </p:cNvPr>
+            <p:cNvCxnSpPr>
+              <a:cxnSpLocks/>
+            </p:cNvCxnSpPr>
+            <p:nvPr/>
+          </p:nvCxnSpPr>
+          <p:spPr>
+            <a:xfrm rot="19800000" flipH="1">
+              <a:off x="1605694" y="1536379"/>
+              <a:ext cx="16148" cy="9323"/>
+            </a:xfrm>
+            <a:prstGeom prst="line">
+              <a:avLst/>
+            </a:prstGeom>
+            <a:ln w="6350" cap="rnd">
+              <a:solidFill>
+                <a:schemeClr val="accent1"/>
+              </a:solidFill>
+              <a:prstDash val="solid"/>
+              <a:round/>
+              <a:tailEnd type="stealth"/>
+            </a:ln>
+          </p:spPr>
+          <p:style>
+            <a:lnRef idx="2">
+              <a:schemeClr val="accent1"/>
+            </a:lnRef>
+            <a:fillRef idx="0">
+              <a:schemeClr val="accent1"/>
+            </a:fillRef>
+            <a:effectRef idx="1">
+              <a:schemeClr val="accent1"/>
+            </a:effectRef>
+            <a:fontRef idx="minor">
+              <a:schemeClr val="tx1"/>
+            </a:fontRef>
+          </p:style>
+        </p:cxnSp>
+        <p:sp>
+          <p:nvSpPr>
+            <p:cNvPr id="11" name="Ellipse 10">
+              <a:extLst>
+                <a:ext uri="{FF2B5EF4-FFF2-40B4-BE49-F238E27FC236}">
+                  <a16:creationId xmlns:a16="http://schemas.microsoft.com/office/drawing/2014/main" id="{50633780-E21D-63C8-6AD6-94FE74F569CB}"/>
+                </a:ext>
+              </a:extLst>
+            </p:cNvPr>
+            <p:cNvSpPr/>
+            <p:nvPr/>
+          </p:nvSpPr>
+          <p:spPr>
+            <a:xfrm>
+              <a:off x="1589136" y="1429217"/>
+              <a:ext cx="421043" cy="421043"/>
+            </a:xfrm>
+            <a:prstGeom prst="ellipse">
+              <a:avLst/>
+            </a:prstGeom>
+            <a:noFill/>
+            <a:ln w="6350">
+              <a:solidFill>
+                <a:schemeClr val="accent1"/>
+              </a:solidFill>
+            </a:ln>
+          </p:spPr>
+          <p:style>
+            <a:lnRef idx="2">
+              <a:schemeClr val="accent1">
+                <a:shade val="15000"/>
+              </a:schemeClr>
+            </a:lnRef>
+            <a:fillRef idx="1">
+              <a:schemeClr val="accent1"/>
+            </a:fillRef>
+            <a:effectRef idx="0">
+              <a:schemeClr val="accent1"/>
+            </a:effectRef>
+            <a:fontRef idx="minor">
+              <a:schemeClr val="lt1"/>
+            </a:fontRef>
+          </p:style>
+          <p:txBody>
+            <a:bodyPr rtlCol="0" anchor="ctr"/>
+            <a:lstStyle/>
+            <a:p>
+              <a:pPr algn="ctr"/>
+              <a:endParaRPr lang="de-DE"/>
+            </a:p>
+          </p:txBody>
+        </p:sp>
+        <p:sp>
+          <p:nvSpPr>
+            <p:cNvPr id="14" name="Ellipse 13">
+              <a:extLst>
+                <a:ext uri="{FF2B5EF4-FFF2-40B4-BE49-F238E27FC236}">
+                  <a16:creationId xmlns:a16="http://schemas.microsoft.com/office/drawing/2014/main" id="{45A86508-30C0-040E-97FC-8DE87DCFAA1C}"/>
+                </a:ext>
+              </a:extLst>
+            </p:cNvPr>
+            <p:cNvSpPr/>
+            <p:nvPr/>
+          </p:nvSpPr>
+          <p:spPr>
+            <a:xfrm>
+              <a:off x="1651402" y="1552444"/>
+              <a:ext cx="296508" cy="296508"/>
+            </a:xfrm>
+            <a:prstGeom prst="ellipse">
+              <a:avLst/>
+            </a:prstGeom>
+            <a:noFill/>
+            <a:ln w="6350">
+              <a:solidFill>
+                <a:schemeClr val="accent1"/>
+              </a:solidFill>
+            </a:ln>
+          </p:spPr>
+          <p:style>
+            <a:lnRef idx="2">
+              <a:schemeClr val="accent1">
+                <a:shade val="15000"/>
+              </a:schemeClr>
+            </a:lnRef>
+            <a:fillRef idx="1">
+              <a:schemeClr val="accent1"/>
+            </a:fillRef>
+            <a:effectRef idx="0">
+              <a:schemeClr val="accent1"/>
+            </a:effectRef>
+            <a:fontRef idx="minor">
+              <a:schemeClr val="lt1"/>
+            </a:fontRef>
+          </p:style>
+          <p:txBody>
+            <a:bodyPr rtlCol="0" anchor="ctr"/>
+            <a:lstStyle/>
+            <a:p>
+              <a:pPr algn="ctr"/>
+              <a:endParaRPr lang="de-DE"/>
+            </a:p>
+          </p:txBody>
+        </p:sp>
+        <p:sp>
+          <p:nvSpPr>
+            <p:cNvPr id="16" name="Ellipse 15">
+              <a:extLst>
+                <a:ext uri="{FF2B5EF4-FFF2-40B4-BE49-F238E27FC236}">
+                  <a16:creationId xmlns:a16="http://schemas.microsoft.com/office/drawing/2014/main" id="{95221837-E24A-A3D0-EB18-872C4063502B}"/>
+                </a:ext>
+              </a:extLst>
+            </p:cNvPr>
+            <p:cNvSpPr/>
+            <p:nvPr/>
+          </p:nvSpPr>
+          <p:spPr>
+            <a:xfrm>
+              <a:off x="1715643" y="1681454"/>
+              <a:ext cx="168028" cy="168028"/>
+            </a:xfrm>
+            <a:prstGeom prst="ellipse">
+              <a:avLst/>
+            </a:prstGeom>
+            <a:noFill/>
+            <a:ln w="6350">
+              <a:solidFill>
+                <a:schemeClr val="accent1"/>
+              </a:solidFill>
+            </a:ln>
+          </p:spPr>
+          <p:style>
+            <a:lnRef idx="2">
+              <a:schemeClr val="accent1">
+                <a:shade val="15000"/>
+              </a:schemeClr>
+            </a:lnRef>
+            <a:fillRef idx="1">
+              <a:schemeClr val="accent1"/>
+            </a:fillRef>
+            <a:effectRef idx="0">
+              <a:schemeClr val="accent1"/>
+            </a:effectRef>
+            <a:fontRef idx="minor">
+              <a:schemeClr val="lt1"/>
+            </a:fontRef>
+          </p:style>
+          <p:txBody>
+            <a:bodyPr rtlCol="0" anchor="ctr"/>
+            <a:lstStyle/>
+            <a:p>
+              <a:pPr algn="ctr"/>
+              <a:endParaRPr lang="de-DE" dirty="0"/>
+            </a:p>
+          </p:txBody>
+        </p:sp>
+      </p:grpSp>
+      <p:cxnSp>
+        <p:nvCxnSpPr>
+          <p:cNvPr id="19" name="Gerader Verbinder 18">
+            <a:extLst>
+              <a:ext uri="{FF2B5EF4-FFF2-40B4-BE49-F238E27FC236}">
+                <a16:creationId xmlns:a16="http://schemas.microsoft.com/office/drawing/2014/main" id="{E1E06790-E0A0-77A1-0870-B1DA98DAE26B}"/>
+              </a:ext>
+            </a:extLst>
+          </p:cNvPr>
+          <p:cNvCxnSpPr>
+            <a:cxnSpLocks/>
+          </p:cNvCxnSpPr>
+          <p:nvPr/>
+        </p:nvCxnSpPr>
+        <p:spPr>
+          <a:xfrm flipH="1">
+            <a:off x="1526717" y="1847660"/>
+            <a:ext cx="170553" cy="0"/>
+          </a:xfrm>
+          <a:prstGeom prst="line">
+            <a:avLst/>
+          </a:prstGeom>
+          <a:ln w="6350" cap="rnd">
+            <a:solidFill>
+              <a:schemeClr val="accent1"/>
+            </a:solidFill>
+            <a:prstDash val="solid"/>
+            <a:round/>
+            <a:headEnd type="stealth"/>
+            <a:tailEnd type="none"/>
+          </a:ln>
+        </p:spPr>
+        <p:style>
+          <a:lnRef idx="2">
+            <a:schemeClr val="accent1"/>
+          </a:lnRef>
+          <a:fillRef idx="0">
+            <a:schemeClr val="accent1"/>
+          </a:fillRef>
+          <a:effectRef idx="1">
+            <a:schemeClr val="accent1"/>
+          </a:effectRef>
+          <a:fontRef idx="minor">
+            <a:schemeClr val="tx1"/>
+          </a:fontRef>
+        </p:style>
+      </p:cxnSp>
+      <p:cxnSp>
+        <p:nvCxnSpPr>
+          <p:cNvPr id="22" name="Gerader Verbinder 21">
+            <a:extLst>
+              <a:ext uri="{FF2B5EF4-FFF2-40B4-BE49-F238E27FC236}">
+                <a16:creationId xmlns:a16="http://schemas.microsoft.com/office/drawing/2014/main" id="{025B7528-39E1-08C2-3203-70283CC04D3F}"/>
+              </a:ext>
+            </a:extLst>
+          </p:cNvPr>
+          <p:cNvCxnSpPr>
+            <a:cxnSpLocks/>
+          </p:cNvCxnSpPr>
+          <p:nvPr/>
+        </p:nvCxnSpPr>
+        <p:spPr>
+          <a:xfrm flipH="1">
+            <a:off x="1917280" y="1849565"/>
+            <a:ext cx="170553" cy="0"/>
+          </a:xfrm>
+          <a:prstGeom prst="line">
+            <a:avLst/>
+          </a:prstGeom>
+          <a:ln w="6350" cap="rnd">
+            <a:solidFill>
+              <a:schemeClr val="accent1"/>
+            </a:solidFill>
+            <a:prstDash val="solid"/>
+            <a:round/>
+            <a:headEnd type="stealth"/>
+            <a:tailEnd type="none"/>
+          </a:ln>
+        </p:spPr>
+        <p:style>
+          <a:lnRef idx="2">
+            <a:schemeClr val="accent1"/>
+          </a:lnRef>
+          <a:fillRef idx="0">
+            <a:schemeClr val="accent1"/>
+          </a:fillRef>
+          <a:effectRef idx="1">
+            <a:schemeClr val="accent1"/>
+          </a:effectRef>
+          <a:fontRef idx="minor">
+            <a:schemeClr val="tx1"/>
+          </a:fontRef>
+        </p:style>
+      </p:cxnSp>
+      <p:grpSp>
+        <p:nvGrpSpPr>
+          <p:cNvPr id="35" name="Gruppieren 34">
+            <a:extLst>
+              <a:ext uri="{FF2B5EF4-FFF2-40B4-BE49-F238E27FC236}">
+                <a16:creationId xmlns:a16="http://schemas.microsoft.com/office/drawing/2014/main" id="{FC8E4280-CA83-8E7E-C06F-7B9E165A50B9}"/>
+              </a:ext>
+            </a:extLst>
+          </p:cNvPr>
+          <p:cNvGrpSpPr/>
+          <p:nvPr/>
+        </p:nvGrpSpPr>
+        <p:grpSpPr>
+          <a:xfrm>
+            <a:off x="1544372" y="1189311"/>
+            <a:ext cx="947244" cy="906983"/>
+            <a:chOff x="477520" y="1298817"/>
+            <a:chExt cx="947244" cy="906983"/>
+          </a:xfrm>
+        </p:grpSpPr>
+        <p:cxnSp>
+          <p:nvCxnSpPr>
+            <p:cNvPr id="36" name="Gerade Verbindung mit Pfeil 35">
+              <a:extLst>
+                <a:ext uri="{FF2B5EF4-FFF2-40B4-BE49-F238E27FC236}">
+                  <a16:creationId xmlns:a16="http://schemas.microsoft.com/office/drawing/2014/main" id="{D4B9FBBE-85E1-F105-4847-F8D95337692D}"/>
+                </a:ext>
+              </a:extLst>
+            </p:cNvPr>
+            <p:cNvCxnSpPr/>
+            <p:nvPr/>
+          </p:nvCxnSpPr>
+          <p:spPr>
+            <a:xfrm>
+              <a:off x="732807" y="1959766"/>
+              <a:ext cx="551146" cy="0"/>
+            </a:xfrm>
+            <a:prstGeom prst="straightConnector1">
+              <a:avLst/>
+            </a:prstGeom>
+            <a:ln w="12700" cap="rnd">
+              <a:solidFill>
+                <a:schemeClr val="tx1"/>
+              </a:solidFill>
+              <a:round/>
+              <a:tailEnd type="stealth"/>
+            </a:ln>
+          </p:spPr>
+          <p:style>
+            <a:lnRef idx="2">
+              <a:schemeClr val="accent1"/>
+            </a:lnRef>
+            <a:fillRef idx="0">
+              <a:schemeClr val="accent1"/>
+            </a:fillRef>
+            <a:effectRef idx="1">
+              <a:schemeClr val="accent1"/>
+            </a:effectRef>
+            <a:fontRef idx="minor">
+              <a:schemeClr val="tx1"/>
+            </a:fontRef>
+          </p:style>
+        </p:cxnSp>
+        <p:cxnSp>
+          <p:nvCxnSpPr>
+            <p:cNvPr id="37" name="Gerade Verbindung mit Pfeil 36">
+              <a:extLst>
+                <a:ext uri="{FF2B5EF4-FFF2-40B4-BE49-F238E27FC236}">
+                  <a16:creationId xmlns:a16="http://schemas.microsoft.com/office/drawing/2014/main" id="{85AACF14-8544-11EB-A27B-003D467714BA}"/>
+                </a:ext>
+              </a:extLst>
+            </p:cNvPr>
+            <p:cNvCxnSpPr>
+              <a:cxnSpLocks/>
+            </p:cNvCxnSpPr>
+            <p:nvPr/>
+          </p:nvCxnSpPr>
+          <p:spPr>
+            <a:xfrm flipV="1">
+              <a:off x="732807" y="1399618"/>
+              <a:ext cx="0" cy="560148"/>
+            </a:xfrm>
+            <a:prstGeom prst="straightConnector1">
+              <a:avLst/>
+            </a:prstGeom>
+            <a:ln w="12700" cap="rnd">
+              <a:solidFill>
+                <a:schemeClr val="tx1"/>
+              </a:solidFill>
+              <a:round/>
+              <a:tailEnd type="stealth"/>
+            </a:ln>
+          </p:spPr>
+          <p:style>
+            <a:lnRef idx="2">
+              <a:schemeClr val="accent1"/>
+            </a:lnRef>
+            <a:fillRef idx="0">
+              <a:schemeClr val="accent1"/>
+            </a:fillRef>
+            <a:effectRef idx="1">
+              <a:schemeClr val="accent1"/>
+            </a:effectRef>
+            <a:fontRef idx="minor">
+              <a:schemeClr val="tx1"/>
+            </a:fontRef>
+          </p:style>
+        </p:cxnSp>
+        <p:sp>
+          <p:nvSpPr>
+            <p:cNvPr id="38" name="Textfeld 37">
+              <a:extLst>
+                <a:ext uri="{FF2B5EF4-FFF2-40B4-BE49-F238E27FC236}">
+                  <a16:creationId xmlns:a16="http://schemas.microsoft.com/office/drawing/2014/main" id="{F82613D1-CD48-D1D5-A21A-BE84CA72A8AB}"/>
+                </a:ext>
+              </a:extLst>
+            </p:cNvPr>
+            <p:cNvSpPr txBox="1"/>
+            <p:nvPr/>
+          </p:nvSpPr>
+          <p:spPr>
+            <a:xfrm>
+              <a:off x="477520" y="1298817"/>
+              <a:ext cx="289560" cy="261610"/>
+            </a:xfrm>
+            <a:prstGeom prst="rect">
+              <a:avLst/>
+            </a:prstGeom>
+            <a:noFill/>
+          </p:spPr>
+          <p:txBody>
+            <a:bodyPr wrap="square" rtlCol="0" anchor="ctr">
+              <a:spAutoFit/>
+            </a:bodyPr>
+            <a:lstStyle/>
+            <a:p>
+              <a:pPr algn="ctr"/>
+              <a:r>
+                <a:rPr lang="de-DE" sz="1100" i="1" dirty="0">
+                  <a:latin typeface="CMU Serif" panose="02000603000000000000" pitchFamily="2" charset="0"/>
+                  <a:ea typeface="CMU Serif" panose="02000603000000000000" pitchFamily="2" charset="0"/>
+                  <a:cs typeface="CMU Serif" panose="02000603000000000000" pitchFamily="2" charset="0"/>
+                </a:rPr>
+                <a:t>y</a:t>
+              </a:r>
+            </a:p>
+          </p:txBody>
+        </p:sp>
+        <p:sp>
+          <p:nvSpPr>
+            <p:cNvPr id="39" name="Textfeld 38">
+              <a:extLst>
+                <a:ext uri="{FF2B5EF4-FFF2-40B4-BE49-F238E27FC236}">
+                  <a16:creationId xmlns:a16="http://schemas.microsoft.com/office/drawing/2014/main" id="{6F3A6AD5-5346-06A5-60EE-C58D76FCCAA1}"/>
+                </a:ext>
+              </a:extLst>
+            </p:cNvPr>
+            <p:cNvSpPr txBox="1"/>
+            <p:nvPr/>
+          </p:nvSpPr>
+          <p:spPr>
+            <a:xfrm>
+              <a:off x="1135204" y="1944190"/>
+              <a:ext cx="289560" cy="261610"/>
+            </a:xfrm>
+            <a:prstGeom prst="rect">
+              <a:avLst/>
+            </a:prstGeom>
+            <a:noFill/>
+          </p:spPr>
+          <p:txBody>
+            <a:bodyPr wrap="square" rtlCol="0" anchor="ctr">
+              <a:spAutoFit/>
+            </a:bodyPr>
+            <a:lstStyle/>
+            <a:p>
+              <a:pPr algn="ctr"/>
+              <a:r>
+                <a:rPr lang="de-DE" sz="1100" i="1" dirty="0">
+                  <a:latin typeface="CMU Serif" panose="02000603000000000000" pitchFamily="2" charset="0"/>
+                  <a:ea typeface="CMU Serif" panose="02000603000000000000" pitchFamily="2" charset="0"/>
+                  <a:cs typeface="CMU Serif" panose="02000603000000000000" pitchFamily="2" charset="0"/>
+                </a:rPr>
+                <a:t>x</a:t>
+              </a:r>
+            </a:p>
+          </p:txBody>
+        </p:sp>
+      </p:grpSp>
+    </p:spTree>
+    <p:extLst>
+      <p:ext uri="{BB962C8B-B14F-4D97-AF65-F5344CB8AC3E}">
+        <p14:creationId xmlns:p14="http://schemas.microsoft.com/office/powerpoint/2010/main" val="477359473"/>
+      </p:ext>
+    </p:extLst>
+  </p:cSld>
+  <p:clrMapOvr>
+    <a:masterClrMapping/>
+  </p:clrMapOvr>
+</p:sld>
+</file>
+
+<file path=ppt/slides/slide17.xml><?xml version="1.0" encoding="utf-8"?>
+<p:sld xmlns:a="http://schemas.openxmlformats.org/drawingml/2006/main" xmlns:r="http://schemas.openxmlformats.org/officeDocument/2006/relationships" xmlns:p="http://schemas.openxmlformats.org/presentationml/2006/main">
+  <p:cSld>
+    <p:spTree>
+      <p:nvGrpSpPr>
+        <p:cNvPr id="1" name="">
+          <a:extLst>
+            <a:ext uri="{FF2B5EF4-FFF2-40B4-BE49-F238E27FC236}">
+              <a16:creationId xmlns:a16="http://schemas.microsoft.com/office/drawing/2014/main" id="{D3E6EE67-63D0-532C-CD46-69AAD565F442}"/>
+            </a:ext>
+          </a:extLst>
+        </p:cNvPr>
+        <p:cNvGrpSpPr/>
+        <p:nvPr/>
+      </p:nvGrpSpPr>
+      <p:grpSpPr>
+        <a:xfrm>
+          <a:off x="0" y="0"/>
+          <a:ext cx="0" cy="0"/>
+          <a:chOff x="0" y="0"/>
+          <a:chExt cx="0" cy="0"/>
+        </a:xfrm>
+      </p:grpSpPr>
+      <p:sp>
+        <p:nvSpPr>
+          <p:cNvPr id="2" name="Textfeld 1">
+            <a:extLst>
+              <a:ext uri="{FF2B5EF4-FFF2-40B4-BE49-F238E27FC236}">
+                <a16:creationId xmlns:a16="http://schemas.microsoft.com/office/drawing/2014/main" id="{1AB880B7-060D-4F5C-AF12-3ACD729C05B2}"/>
+              </a:ext>
+            </a:extLst>
+          </p:cNvPr>
+          <p:cNvSpPr txBox="1"/>
+          <p:nvPr/>
+        </p:nvSpPr>
+        <p:spPr>
+          <a:xfrm>
+            <a:off x="1914302" y="1291236"/>
+            <a:ext cx="577314" cy="261610"/>
+          </a:xfrm>
+          <a:prstGeom prst="rect">
+            <a:avLst/>
+          </a:prstGeom>
+          <a:noFill/>
+        </p:spPr>
+        <p:txBody>
+          <a:bodyPr wrap="square" rtlCol="0" anchor="ctr">
+            <a:spAutoFit/>
+          </a:bodyPr>
+          <a:lstStyle/>
+          <a:p>
+            <a:pPr algn="ctr"/>
+            <a:r>
+              <a:rPr lang="de-DE" sz="1100" i="1" dirty="0">
+                <a:solidFill>
+                  <a:schemeClr val="accent1"/>
+                </a:solidFill>
+                <a:latin typeface="Latin Modern Math" panose="02000503000000000000" pitchFamily="50" charset="0"/>
+                <a:ea typeface="Latin Modern Math" panose="02000503000000000000" pitchFamily="50" charset="0"/>
+                <a:cs typeface="CMU Serif" panose="02000603000000000000" pitchFamily="2" charset="0"/>
+              </a:rPr>
+              <a:t>μ</a:t>
+            </a:r>
+            <a:r>
+              <a:rPr lang="de-DE" sz="1100" i="1" dirty="0">
+                <a:solidFill>
+                  <a:schemeClr val="accent1"/>
+                </a:solidFill>
+                <a:latin typeface="CMU Serif" panose="02000603000000000000" pitchFamily="2" charset="0"/>
+                <a:ea typeface="CMU Serif" panose="02000603000000000000" pitchFamily="2" charset="0"/>
+                <a:cs typeface="CMU Serif" panose="02000603000000000000" pitchFamily="2" charset="0"/>
+              </a:rPr>
+              <a:t> </a:t>
+            </a:r>
+            <a:r>
+              <a:rPr lang="de-DE" sz="1100" dirty="0">
+                <a:solidFill>
+                  <a:schemeClr val="accent1"/>
+                </a:solidFill>
+                <a:latin typeface="CMU Serif" panose="02000603000000000000" pitchFamily="2" charset="0"/>
+                <a:ea typeface="CMU Serif" panose="02000603000000000000" pitchFamily="2" charset="0"/>
+                <a:cs typeface="CMU Serif" panose="02000603000000000000" pitchFamily="2" charset="0"/>
+              </a:rPr>
+              <a:t>&gt; 0</a:t>
+            </a:r>
+            <a:endParaRPr lang="de-DE" sz="1100" dirty="0">
+              <a:solidFill>
+                <a:schemeClr val="accent1"/>
+              </a:solidFill>
+              <a:latin typeface="Latin Modern Math" panose="02000503000000000000" pitchFamily="50" charset="0"/>
+              <a:ea typeface="Latin Modern Math" panose="02000503000000000000" pitchFamily="50" charset="0"/>
+              <a:cs typeface="CMU Serif Extra" panose="02000603000000000000" pitchFamily="2" charset="0"/>
+            </a:endParaRPr>
+          </a:p>
+        </p:txBody>
+      </p:sp>
+      <p:grpSp>
+        <p:nvGrpSpPr>
+          <p:cNvPr id="18" name="Gruppieren 17">
+            <a:extLst>
+              <a:ext uri="{FF2B5EF4-FFF2-40B4-BE49-F238E27FC236}">
+                <a16:creationId xmlns:a16="http://schemas.microsoft.com/office/drawing/2014/main" id="{23D4EB50-BB6A-EFDE-76F3-712D5F527D91}"/>
+              </a:ext>
+            </a:extLst>
+          </p:cNvPr>
+          <p:cNvGrpSpPr/>
+          <p:nvPr/>
+        </p:nvGrpSpPr>
+        <p:grpSpPr>
+          <a:xfrm rot="16200000">
+            <a:off x="1519100" y="1414295"/>
+            <a:ext cx="561116" cy="840778"/>
+            <a:chOff x="1048354" y="1473032"/>
+            <a:chExt cx="561116" cy="840778"/>
+          </a:xfrm>
+        </p:grpSpPr>
+        <p:grpSp>
+          <p:nvGrpSpPr>
+            <p:cNvPr id="3" name="Gruppieren 2">
+              <a:extLst>
+                <a:ext uri="{FF2B5EF4-FFF2-40B4-BE49-F238E27FC236}">
+                  <a16:creationId xmlns:a16="http://schemas.microsoft.com/office/drawing/2014/main" id="{0DD438EB-9FA8-6D3F-FBB6-952298959FE2}"/>
+                </a:ext>
+              </a:extLst>
+            </p:cNvPr>
+            <p:cNvGrpSpPr/>
+            <p:nvPr/>
+          </p:nvGrpSpPr>
+          <p:grpSpPr>
+            <a:xfrm>
+              <a:off x="1110773" y="1473032"/>
+              <a:ext cx="421043" cy="421043"/>
+              <a:chOff x="1589136" y="1429217"/>
+              <a:chExt cx="421043" cy="421043"/>
+            </a:xfrm>
+          </p:grpSpPr>
+          <p:cxnSp>
+            <p:nvCxnSpPr>
+              <p:cNvPr id="20" name="Gerader Verbinder 19">
+                <a:extLst>
+                  <a:ext uri="{FF2B5EF4-FFF2-40B4-BE49-F238E27FC236}">
+                    <a16:creationId xmlns:a16="http://schemas.microsoft.com/office/drawing/2014/main" id="{961439F0-3EEC-FF83-3350-440205995B80}"/>
+                  </a:ext>
+                </a:extLst>
+              </p:cNvPr>
+              <p:cNvCxnSpPr>
+                <a:cxnSpLocks/>
+              </p:cNvCxnSpPr>
+              <p:nvPr/>
+            </p:nvCxnSpPr>
+            <p:spPr>
+              <a:xfrm rot="19800000" flipH="1">
+                <a:off x="1660579" y="1628019"/>
+                <a:ext cx="16148" cy="9323"/>
+              </a:xfrm>
+              <a:prstGeom prst="line">
+                <a:avLst/>
+              </a:prstGeom>
+              <a:ln w="6350" cap="rnd">
+                <a:solidFill>
+                  <a:schemeClr val="accent1"/>
+                </a:solidFill>
+                <a:prstDash val="solid"/>
+                <a:round/>
+                <a:tailEnd type="stealth"/>
+              </a:ln>
+            </p:spPr>
+            <p:style>
+              <a:lnRef idx="2">
+                <a:schemeClr val="accent1"/>
+              </a:lnRef>
+              <a:fillRef idx="0">
+                <a:schemeClr val="accent1"/>
+              </a:fillRef>
+              <a:effectRef idx="1">
+                <a:schemeClr val="accent1"/>
+              </a:effectRef>
+              <a:fontRef idx="minor">
+                <a:schemeClr val="tx1"/>
+              </a:fontRef>
+            </p:style>
+          </p:cxnSp>
+          <p:cxnSp>
+            <p:nvCxnSpPr>
+              <p:cNvPr id="5" name="Gerader Verbinder 4">
+                <a:extLst>
+                  <a:ext uri="{FF2B5EF4-FFF2-40B4-BE49-F238E27FC236}">
+                    <a16:creationId xmlns:a16="http://schemas.microsoft.com/office/drawing/2014/main" id="{06B707A6-24A0-FA2E-58AB-9B90448BCECB}"/>
+                  </a:ext>
+                </a:extLst>
+              </p:cNvPr>
+              <p:cNvCxnSpPr>
+                <a:cxnSpLocks/>
+              </p:cNvCxnSpPr>
+              <p:nvPr/>
+            </p:nvCxnSpPr>
+            <p:spPr>
+              <a:xfrm rot="19800000" flipH="1">
+                <a:off x="1715894" y="1732271"/>
+                <a:ext cx="16148" cy="9323"/>
+              </a:xfrm>
+              <a:prstGeom prst="line">
+                <a:avLst/>
+              </a:prstGeom>
+              <a:ln w="6350" cap="rnd">
+                <a:solidFill>
+                  <a:schemeClr val="accent1"/>
+                </a:solidFill>
+                <a:prstDash val="solid"/>
+                <a:round/>
+                <a:tailEnd type="stealth"/>
+              </a:ln>
+            </p:spPr>
+            <p:style>
+              <a:lnRef idx="2">
+                <a:schemeClr val="accent1"/>
+              </a:lnRef>
+              <a:fillRef idx="0">
+                <a:schemeClr val="accent1"/>
+              </a:fillRef>
+              <a:effectRef idx="1">
+                <a:schemeClr val="accent1"/>
+              </a:effectRef>
+              <a:fontRef idx="minor">
+                <a:schemeClr val="tx1"/>
+              </a:fontRef>
+            </p:style>
+          </p:cxnSp>
+          <p:cxnSp>
+            <p:nvCxnSpPr>
+              <p:cNvPr id="7" name="Gerader Verbinder 6">
+                <a:extLst>
+                  <a:ext uri="{FF2B5EF4-FFF2-40B4-BE49-F238E27FC236}">
+                    <a16:creationId xmlns:a16="http://schemas.microsoft.com/office/drawing/2014/main" id="{8F0DC2A2-F2E6-782F-AFE4-0E37602F5EEC}"/>
+                  </a:ext>
+                </a:extLst>
+              </p:cNvPr>
+              <p:cNvCxnSpPr>
+                <a:cxnSpLocks/>
+              </p:cNvCxnSpPr>
+              <p:nvPr/>
+            </p:nvCxnSpPr>
+            <p:spPr>
+              <a:xfrm rot="19800000" flipH="1">
+                <a:off x="1605694" y="1536379"/>
+                <a:ext cx="16148" cy="9323"/>
+              </a:xfrm>
+              <a:prstGeom prst="line">
+                <a:avLst/>
+              </a:prstGeom>
+              <a:ln w="6350" cap="rnd">
+                <a:solidFill>
+                  <a:schemeClr val="accent1"/>
+                </a:solidFill>
+                <a:prstDash val="solid"/>
+                <a:round/>
+                <a:tailEnd type="stealth"/>
+              </a:ln>
+            </p:spPr>
+            <p:style>
+              <a:lnRef idx="2">
+                <a:schemeClr val="accent1"/>
+              </a:lnRef>
+              <a:fillRef idx="0">
+                <a:schemeClr val="accent1"/>
+              </a:fillRef>
+              <a:effectRef idx="1">
+                <a:schemeClr val="accent1"/>
+              </a:effectRef>
+              <a:fontRef idx="minor">
+                <a:schemeClr val="tx1"/>
+              </a:fontRef>
+            </p:style>
+          </p:cxnSp>
+          <p:sp>
+            <p:nvSpPr>
+              <p:cNvPr id="8" name="Ellipse 7">
+                <a:extLst>
+                  <a:ext uri="{FF2B5EF4-FFF2-40B4-BE49-F238E27FC236}">
+                    <a16:creationId xmlns:a16="http://schemas.microsoft.com/office/drawing/2014/main" id="{F5274D17-35AE-7BCC-76A8-195884A4BB7A}"/>
+                  </a:ext>
+                </a:extLst>
+              </p:cNvPr>
+              <p:cNvSpPr/>
+              <p:nvPr/>
+            </p:nvSpPr>
+            <p:spPr>
+              <a:xfrm>
+                <a:off x="1589136" y="1429217"/>
+                <a:ext cx="421043" cy="421043"/>
+              </a:xfrm>
+              <a:prstGeom prst="ellipse">
+                <a:avLst/>
+              </a:prstGeom>
+              <a:noFill/>
+              <a:ln w="6350">
+                <a:solidFill>
+                  <a:schemeClr val="accent1"/>
+                </a:solidFill>
+              </a:ln>
+            </p:spPr>
+            <p:style>
+              <a:lnRef idx="2">
+                <a:schemeClr val="accent1">
+                  <a:shade val="15000"/>
+                </a:schemeClr>
+              </a:lnRef>
+              <a:fillRef idx="1">
+                <a:schemeClr val="accent1"/>
+              </a:fillRef>
+              <a:effectRef idx="0">
+                <a:schemeClr val="accent1"/>
+              </a:effectRef>
+              <a:fontRef idx="minor">
+                <a:schemeClr val="lt1"/>
+              </a:fontRef>
+            </p:style>
+            <p:txBody>
+              <a:bodyPr rtlCol="0" anchor="ctr"/>
+              <a:lstStyle/>
+              <a:p>
+                <a:pPr algn="ctr"/>
+                <a:endParaRPr lang="de-DE"/>
+              </a:p>
+            </p:txBody>
+          </p:sp>
+          <p:sp>
+            <p:nvSpPr>
+              <p:cNvPr id="12" name="Ellipse 11">
+                <a:extLst>
+                  <a:ext uri="{FF2B5EF4-FFF2-40B4-BE49-F238E27FC236}">
+                    <a16:creationId xmlns:a16="http://schemas.microsoft.com/office/drawing/2014/main" id="{7D7C6743-487C-1F28-13F7-6C24253E7996}"/>
+                  </a:ext>
+                </a:extLst>
+              </p:cNvPr>
+              <p:cNvSpPr/>
+              <p:nvPr/>
+            </p:nvSpPr>
+            <p:spPr>
+              <a:xfrm>
+                <a:off x="1651402" y="1552444"/>
+                <a:ext cx="296508" cy="296508"/>
+              </a:xfrm>
+              <a:prstGeom prst="ellipse">
+                <a:avLst/>
+              </a:prstGeom>
+              <a:noFill/>
+              <a:ln w="6350">
+                <a:solidFill>
+                  <a:schemeClr val="accent1"/>
+                </a:solidFill>
+              </a:ln>
+            </p:spPr>
+            <p:style>
+              <a:lnRef idx="2">
+                <a:schemeClr val="accent1">
+                  <a:shade val="15000"/>
+                </a:schemeClr>
+              </a:lnRef>
+              <a:fillRef idx="1">
+                <a:schemeClr val="accent1"/>
+              </a:fillRef>
+              <a:effectRef idx="0">
+                <a:schemeClr val="accent1"/>
+              </a:effectRef>
+              <a:fontRef idx="minor">
+                <a:schemeClr val="lt1"/>
+              </a:fontRef>
+            </p:style>
+            <p:txBody>
+              <a:bodyPr rtlCol="0" anchor="ctr"/>
+              <a:lstStyle/>
+              <a:p>
+                <a:pPr algn="ctr"/>
+                <a:endParaRPr lang="de-DE"/>
+              </a:p>
+            </p:txBody>
+          </p:sp>
+          <p:sp>
+            <p:nvSpPr>
+              <p:cNvPr id="13" name="Ellipse 12">
+                <a:extLst>
+                  <a:ext uri="{FF2B5EF4-FFF2-40B4-BE49-F238E27FC236}">
+                    <a16:creationId xmlns:a16="http://schemas.microsoft.com/office/drawing/2014/main" id="{8490E567-483A-FC0A-28EE-8D7FDC483FB4}"/>
+                  </a:ext>
+                </a:extLst>
+              </p:cNvPr>
+              <p:cNvSpPr/>
+              <p:nvPr/>
+            </p:nvSpPr>
+            <p:spPr>
+              <a:xfrm>
+                <a:off x="1715643" y="1681454"/>
+                <a:ext cx="168028" cy="168028"/>
+              </a:xfrm>
+              <a:prstGeom prst="ellipse">
+                <a:avLst/>
+              </a:prstGeom>
+              <a:noFill/>
+              <a:ln w="6350">
+                <a:solidFill>
+                  <a:schemeClr val="accent1"/>
+                </a:solidFill>
+              </a:ln>
+            </p:spPr>
+            <p:style>
+              <a:lnRef idx="2">
+                <a:schemeClr val="accent1">
+                  <a:shade val="15000"/>
+                </a:schemeClr>
+              </a:lnRef>
+              <a:fillRef idx="1">
+                <a:schemeClr val="accent1"/>
+              </a:fillRef>
+              <a:effectRef idx="0">
+                <a:schemeClr val="accent1"/>
+              </a:effectRef>
+              <a:fontRef idx="minor">
+                <a:schemeClr val="lt1"/>
+              </a:fontRef>
+            </p:style>
+            <p:txBody>
+              <a:bodyPr rtlCol="0" anchor="ctr"/>
+              <a:lstStyle/>
+              <a:p>
+                <a:pPr algn="ctr"/>
+                <a:endParaRPr lang="de-DE" dirty="0"/>
+              </a:p>
+            </p:txBody>
+          </p:sp>
+        </p:grpSp>
+        <p:grpSp>
+          <p:nvGrpSpPr>
+            <p:cNvPr id="4" name="Gruppieren 3">
+              <a:extLst>
+                <a:ext uri="{FF2B5EF4-FFF2-40B4-BE49-F238E27FC236}">
+                  <a16:creationId xmlns:a16="http://schemas.microsoft.com/office/drawing/2014/main" id="{32D89221-E9D8-4A15-F968-2F35C1FF2BB8}"/>
+                </a:ext>
+              </a:extLst>
+            </p:cNvPr>
+            <p:cNvGrpSpPr/>
+            <p:nvPr/>
+          </p:nvGrpSpPr>
+          <p:grpSpPr>
+            <a:xfrm flipV="1">
+              <a:off x="1110771" y="1892767"/>
+              <a:ext cx="421043" cy="421043"/>
+              <a:chOff x="1589136" y="1429217"/>
+              <a:chExt cx="421043" cy="421043"/>
+            </a:xfrm>
+          </p:grpSpPr>
+          <p:cxnSp>
+            <p:nvCxnSpPr>
+              <p:cNvPr id="6" name="Gerader Verbinder 5">
+                <a:extLst>
+                  <a:ext uri="{FF2B5EF4-FFF2-40B4-BE49-F238E27FC236}">
+                    <a16:creationId xmlns:a16="http://schemas.microsoft.com/office/drawing/2014/main" id="{73D2D1B4-26C2-4106-98C5-40F2AE0115F5}"/>
+                  </a:ext>
+                </a:extLst>
+              </p:cNvPr>
+              <p:cNvCxnSpPr>
+                <a:cxnSpLocks/>
+              </p:cNvCxnSpPr>
+              <p:nvPr/>
+            </p:nvCxnSpPr>
+            <p:spPr>
+              <a:xfrm rot="19800000" flipH="1">
+                <a:off x="1660579" y="1628019"/>
+                <a:ext cx="16148" cy="9323"/>
+              </a:xfrm>
+              <a:prstGeom prst="line">
+                <a:avLst/>
+              </a:prstGeom>
+              <a:ln w="6350" cap="rnd">
+                <a:solidFill>
+                  <a:schemeClr val="accent1"/>
+                </a:solidFill>
+                <a:prstDash val="solid"/>
+                <a:round/>
+                <a:tailEnd type="stealth"/>
+              </a:ln>
+            </p:spPr>
+            <p:style>
+              <a:lnRef idx="2">
+                <a:schemeClr val="accent1"/>
+              </a:lnRef>
+              <a:fillRef idx="0">
+                <a:schemeClr val="accent1"/>
+              </a:fillRef>
+              <a:effectRef idx="1">
+                <a:schemeClr val="accent1"/>
+              </a:effectRef>
+              <a:fontRef idx="minor">
+                <a:schemeClr val="tx1"/>
+              </a:fontRef>
+            </p:style>
+          </p:cxnSp>
+          <p:cxnSp>
+            <p:nvCxnSpPr>
+              <p:cNvPr id="9" name="Gerader Verbinder 8">
+                <a:extLst>
+                  <a:ext uri="{FF2B5EF4-FFF2-40B4-BE49-F238E27FC236}">
+                    <a16:creationId xmlns:a16="http://schemas.microsoft.com/office/drawing/2014/main" id="{BA670917-C4B4-A364-3288-5D4791614AB5}"/>
+                  </a:ext>
+                </a:extLst>
+              </p:cNvPr>
+              <p:cNvCxnSpPr>
+                <a:cxnSpLocks/>
+              </p:cNvCxnSpPr>
+              <p:nvPr/>
+            </p:nvCxnSpPr>
+            <p:spPr>
+              <a:xfrm rot="19800000" flipH="1">
+                <a:off x="1715894" y="1732271"/>
+                <a:ext cx="16148" cy="9323"/>
+              </a:xfrm>
+              <a:prstGeom prst="line">
+                <a:avLst/>
+              </a:prstGeom>
+              <a:ln w="6350" cap="rnd">
+                <a:solidFill>
+                  <a:schemeClr val="accent1"/>
+                </a:solidFill>
+                <a:prstDash val="solid"/>
+                <a:round/>
+                <a:tailEnd type="stealth"/>
+              </a:ln>
+            </p:spPr>
+            <p:style>
+              <a:lnRef idx="2">
+                <a:schemeClr val="accent1"/>
+              </a:lnRef>
+              <a:fillRef idx="0">
+                <a:schemeClr val="accent1"/>
+              </a:fillRef>
+              <a:effectRef idx="1">
+                <a:schemeClr val="accent1"/>
+              </a:effectRef>
+              <a:fontRef idx="minor">
+                <a:schemeClr val="tx1"/>
+              </a:fontRef>
+            </p:style>
+          </p:cxnSp>
+          <p:cxnSp>
+            <p:nvCxnSpPr>
+              <p:cNvPr id="10" name="Gerader Verbinder 9">
+                <a:extLst>
+                  <a:ext uri="{FF2B5EF4-FFF2-40B4-BE49-F238E27FC236}">
+                    <a16:creationId xmlns:a16="http://schemas.microsoft.com/office/drawing/2014/main" id="{6DE09893-6234-3845-2C36-477D04BDF1EF}"/>
+                  </a:ext>
+                </a:extLst>
+              </p:cNvPr>
+              <p:cNvCxnSpPr>
+                <a:cxnSpLocks/>
+              </p:cNvCxnSpPr>
+              <p:nvPr/>
+            </p:nvCxnSpPr>
+            <p:spPr>
+              <a:xfrm rot="19800000" flipH="1">
+                <a:off x="1605694" y="1536379"/>
+                <a:ext cx="16148" cy="9323"/>
+              </a:xfrm>
+              <a:prstGeom prst="line">
+                <a:avLst/>
+              </a:prstGeom>
+              <a:ln w="6350" cap="rnd">
+                <a:solidFill>
+                  <a:schemeClr val="accent1"/>
+                </a:solidFill>
+                <a:prstDash val="solid"/>
+                <a:round/>
+                <a:tailEnd type="stealth"/>
+              </a:ln>
+            </p:spPr>
+            <p:style>
+              <a:lnRef idx="2">
+                <a:schemeClr val="accent1"/>
+              </a:lnRef>
+              <a:fillRef idx="0">
+                <a:schemeClr val="accent1"/>
+              </a:fillRef>
+              <a:effectRef idx="1">
+                <a:schemeClr val="accent1"/>
+              </a:effectRef>
+              <a:fontRef idx="minor">
+                <a:schemeClr val="tx1"/>
+              </a:fontRef>
+            </p:style>
+          </p:cxnSp>
+          <p:sp>
+            <p:nvSpPr>
+              <p:cNvPr id="11" name="Ellipse 10">
+                <a:extLst>
+                  <a:ext uri="{FF2B5EF4-FFF2-40B4-BE49-F238E27FC236}">
+                    <a16:creationId xmlns:a16="http://schemas.microsoft.com/office/drawing/2014/main" id="{B360FD98-E748-9970-678A-EEADC979ABD0}"/>
+                  </a:ext>
+                </a:extLst>
+              </p:cNvPr>
+              <p:cNvSpPr/>
+              <p:nvPr/>
+            </p:nvSpPr>
+            <p:spPr>
+              <a:xfrm>
+                <a:off x="1589136" y="1429217"/>
+                <a:ext cx="421043" cy="421043"/>
+              </a:xfrm>
+              <a:prstGeom prst="ellipse">
+                <a:avLst/>
+              </a:prstGeom>
+              <a:noFill/>
+              <a:ln w="6350">
+                <a:solidFill>
+                  <a:schemeClr val="accent1"/>
+                </a:solidFill>
+              </a:ln>
+            </p:spPr>
+            <p:style>
+              <a:lnRef idx="2">
+                <a:schemeClr val="accent1">
+                  <a:shade val="15000"/>
+                </a:schemeClr>
+              </a:lnRef>
+              <a:fillRef idx="1">
+                <a:schemeClr val="accent1"/>
+              </a:fillRef>
+              <a:effectRef idx="0">
+                <a:schemeClr val="accent1"/>
+              </a:effectRef>
+              <a:fontRef idx="minor">
+                <a:schemeClr val="lt1"/>
+              </a:fontRef>
+            </p:style>
+            <p:txBody>
+              <a:bodyPr rtlCol="0" anchor="ctr"/>
+              <a:lstStyle/>
+              <a:p>
+                <a:pPr algn="ctr"/>
+                <a:endParaRPr lang="de-DE"/>
+              </a:p>
+            </p:txBody>
+          </p:sp>
+          <p:sp>
+            <p:nvSpPr>
+              <p:cNvPr id="14" name="Ellipse 13">
+                <a:extLst>
+                  <a:ext uri="{FF2B5EF4-FFF2-40B4-BE49-F238E27FC236}">
+                    <a16:creationId xmlns:a16="http://schemas.microsoft.com/office/drawing/2014/main" id="{A082E2F6-9CD2-C210-91AD-67A2466FC381}"/>
+                  </a:ext>
+                </a:extLst>
+              </p:cNvPr>
+              <p:cNvSpPr/>
+              <p:nvPr/>
+            </p:nvSpPr>
+            <p:spPr>
+              <a:xfrm>
+                <a:off x="1651402" y="1552444"/>
+                <a:ext cx="296508" cy="296508"/>
+              </a:xfrm>
+              <a:prstGeom prst="ellipse">
+                <a:avLst/>
+              </a:prstGeom>
+              <a:noFill/>
+              <a:ln w="6350">
+                <a:solidFill>
+                  <a:schemeClr val="accent1"/>
+                </a:solidFill>
+              </a:ln>
+            </p:spPr>
+            <p:style>
+              <a:lnRef idx="2">
+                <a:schemeClr val="accent1">
+                  <a:shade val="15000"/>
+                </a:schemeClr>
+              </a:lnRef>
+              <a:fillRef idx="1">
+                <a:schemeClr val="accent1"/>
+              </a:fillRef>
+              <a:effectRef idx="0">
+                <a:schemeClr val="accent1"/>
+              </a:effectRef>
+              <a:fontRef idx="minor">
+                <a:schemeClr val="lt1"/>
+              </a:fontRef>
+            </p:style>
+            <p:txBody>
+              <a:bodyPr rtlCol="0" anchor="ctr"/>
+              <a:lstStyle/>
+              <a:p>
+                <a:pPr algn="ctr"/>
+                <a:endParaRPr lang="de-DE"/>
+              </a:p>
+            </p:txBody>
+          </p:sp>
+          <p:sp>
+            <p:nvSpPr>
+              <p:cNvPr id="16" name="Ellipse 15">
+                <a:extLst>
+                  <a:ext uri="{FF2B5EF4-FFF2-40B4-BE49-F238E27FC236}">
+                    <a16:creationId xmlns:a16="http://schemas.microsoft.com/office/drawing/2014/main" id="{8ADAA563-A638-A8A1-331F-10CE2A8A02A0}"/>
+                  </a:ext>
+                </a:extLst>
+              </p:cNvPr>
+              <p:cNvSpPr/>
+              <p:nvPr/>
+            </p:nvSpPr>
+            <p:spPr>
+              <a:xfrm>
+                <a:off x="1715643" y="1681454"/>
+                <a:ext cx="168028" cy="168028"/>
+              </a:xfrm>
+              <a:prstGeom prst="ellipse">
+                <a:avLst/>
+              </a:prstGeom>
+              <a:noFill/>
+              <a:ln w="6350">
+                <a:solidFill>
+                  <a:schemeClr val="accent1"/>
+                </a:solidFill>
+              </a:ln>
+            </p:spPr>
+            <p:style>
+              <a:lnRef idx="2">
+                <a:schemeClr val="accent1">
+                  <a:shade val="15000"/>
+                </a:schemeClr>
+              </a:lnRef>
+              <a:fillRef idx="1">
+                <a:schemeClr val="accent1"/>
+              </a:fillRef>
+              <a:effectRef idx="0">
+                <a:schemeClr val="accent1"/>
+              </a:effectRef>
+              <a:fontRef idx="minor">
+                <a:schemeClr val="lt1"/>
+              </a:fontRef>
+            </p:style>
+            <p:txBody>
+              <a:bodyPr rtlCol="0" anchor="ctr"/>
+              <a:lstStyle/>
+              <a:p>
+                <a:pPr algn="ctr"/>
+                <a:endParaRPr lang="de-DE" dirty="0"/>
+              </a:p>
+            </p:txBody>
+          </p:sp>
+        </p:grpSp>
+        <p:cxnSp>
+          <p:nvCxnSpPr>
+            <p:cNvPr id="19" name="Gerader Verbinder 18">
+              <a:extLst>
+                <a:ext uri="{FF2B5EF4-FFF2-40B4-BE49-F238E27FC236}">
+                  <a16:creationId xmlns:a16="http://schemas.microsoft.com/office/drawing/2014/main" id="{8EC2C7E8-90AE-4AFA-B61F-88C778F57CCE}"/>
+                </a:ext>
+              </a:extLst>
+            </p:cNvPr>
+            <p:cNvCxnSpPr>
+              <a:cxnSpLocks/>
+            </p:cNvCxnSpPr>
+            <p:nvPr/>
+          </p:nvCxnSpPr>
+          <p:spPr>
+            <a:xfrm flipH="1">
+              <a:off x="1048354" y="1891475"/>
+              <a:ext cx="170553" cy="0"/>
+            </a:xfrm>
+            <a:prstGeom prst="line">
+              <a:avLst/>
+            </a:prstGeom>
+            <a:ln w="6350" cap="rnd">
+              <a:solidFill>
+                <a:schemeClr val="accent1"/>
+              </a:solidFill>
+              <a:prstDash val="solid"/>
+              <a:round/>
+              <a:headEnd type="stealth"/>
+              <a:tailEnd type="none"/>
+            </a:ln>
+          </p:spPr>
+          <p:style>
+            <a:lnRef idx="2">
+              <a:schemeClr val="accent1"/>
+            </a:lnRef>
+            <a:fillRef idx="0">
+              <a:schemeClr val="accent1"/>
+            </a:fillRef>
+            <a:effectRef idx="1">
+              <a:schemeClr val="accent1"/>
+            </a:effectRef>
+            <a:fontRef idx="minor">
+              <a:schemeClr val="tx1"/>
+            </a:fontRef>
+          </p:style>
+        </p:cxnSp>
+        <p:cxnSp>
+          <p:nvCxnSpPr>
+            <p:cNvPr id="22" name="Gerader Verbinder 21">
+              <a:extLst>
+                <a:ext uri="{FF2B5EF4-FFF2-40B4-BE49-F238E27FC236}">
+                  <a16:creationId xmlns:a16="http://schemas.microsoft.com/office/drawing/2014/main" id="{12B03955-928D-A7AD-C32A-FD2167A1A2E8}"/>
+                </a:ext>
+              </a:extLst>
+            </p:cNvPr>
+            <p:cNvCxnSpPr>
+              <a:cxnSpLocks/>
+            </p:cNvCxnSpPr>
+            <p:nvPr/>
+          </p:nvCxnSpPr>
+          <p:spPr>
+            <a:xfrm flipH="1">
+              <a:off x="1438917" y="1893380"/>
+              <a:ext cx="170553" cy="0"/>
+            </a:xfrm>
+            <a:prstGeom prst="line">
+              <a:avLst/>
+            </a:prstGeom>
+            <a:ln w="6350" cap="rnd">
+              <a:solidFill>
+                <a:schemeClr val="accent1"/>
+              </a:solidFill>
+              <a:prstDash val="solid"/>
+              <a:round/>
+              <a:headEnd type="stealth"/>
+              <a:tailEnd type="none"/>
+            </a:ln>
+          </p:spPr>
+          <p:style>
+            <a:lnRef idx="2">
+              <a:schemeClr val="accent1"/>
+            </a:lnRef>
+            <a:fillRef idx="0">
+              <a:schemeClr val="accent1"/>
+            </a:fillRef>
+            <a:effectRef idx="1">
+              <a:schemeClr val="accent1"/>
+            </a:effectRef>
+            <a:fontRef idx="minor">
+              <a:schemeClr val="tx1"/>
+            </a:fontRef>
+          </p:style>
+        </p:cxnSp>
+      </p:grpSp>
+      <p:grpSp>
+        <p:nvGrpSpPr>
+          <p:cNvPr id="35" name="Gruppieren 34">
+            <a:extLst>
+              <a:ext uri="{FF2B5EF4-FFF2-40B4-BE49-F238E27FC236}">
+                <a16:creationId xmlns:a16="http://schemas.microsoft.com/office/drawing/2014/main" id="{B2EFFBF4-FA27-C16E-BB37-07B624BC5D9F}"/>
+              </a:ext>
+            </a:extLst>
+          </p:cNvPr>
+          <p:cNvGrpSpPr/>
+          <p:nvPr/>
+        </p:nvGrpSpPr>
+        <p:grpSpPr>
+          <a:xfrm>
+            <a:off x="1544372" y="1189311"/>
+            <a:ext cx="947244" cy="906983"/>
+            <a:chOff x="477520" y="1298817"/>
+            <a:chExt cx="947244" cy="906983"/>
+          </a:xfrm>
+        </p:grpSpPr>
+        <p:cxnSp>
+          <p:nvCxnSpPr>
+            <p:cNvPr id="36" name="Gerade Verbindung mit Pfeil 35">
+              <a:extLst>
+                <a:ext uri="{FF2B5EF4-FFF2-40B4-BE49-F238E27FC236}">
+                  <a16:creationId xmlns:a16="http://schemas.microsoft.com/office/drawing/2014/main" id="{491E27A3-C5F8-5B13-C25E-7295105A4095}"/>
+                </a:ext>
+              </a:extLst>
+            </p:cNvPr>
+            <p:cNvCxnSpPr/>
+            <p:nvPr/>
+          </p:nvCxnSpPr>
+          <p:spPr>
+            <a:xfrm>
+              <a:off x="732807" y="1959766"/>
+              <a:ext cx="551146" cy="0"/>
+            </a:xfrm>
+            <a:prstGeom prst="straightConnector1">
+              <a:avLst/>
+            </a:prstGeom>
+            <a:ln w="12700" cap="rnd">
+              <a:solidFill>
+                <a:schemeClr val="tx1"/>
+              </a:solidFill>
+              <a:round/>
+              <a:tailEnd type="stealth"/>
+            </a:ln>
+          </p:spPr>
+          <p:style>
+            <a:lnRef idx="2">
+              <a:schemeClr val="accent1"/>
+            </a:lnRef>
+            <a:fillRef idx="0">
+              <a:schemeClr val="accent1"/>
+            </a:fillRef>
+            <a:effectRef idx="1">
+              <a:schemeClr val="accent1"/>
+            </a:effectRef>
+            <a:fontRef idx="minor">
+              <a:schemeClr val="tx1"/>
+            </a:fontRef>
+          </p:style>
+        </p:cxnSp>
+        <p:cxnSp>
+          <p:nvCxnSpPr>
+            <p:cNvPr id="37" name="Gerade Verbindung mit Pfeil 36">
+              <a:extLst>
+                <a:ext uri="{FF2B5EF4-FFF2-40B4-BE49-F238E27FC236}">
+                  <a16:creationId xmlns:a16="http://schemas.microsoft.com/office/drawing/2014/main" id="{600DBCE6-5F12-1412-953E-39D6145EA26D}"/>
+                </a:ext>
+              </a:extLst>
+            </p:cNvPr>
+            <p:cNvCxnSpPr>
+              <a:cxnSpLocks/>
+            </p:cNvCxnSpPr>
+            <p:nvPr/>
+          </p:nvCxnSpPr>
+          <p:spPr>
+            <a:xfrm flipV="1">
+              <a:off x="732807" y="1399618"/>
+              <a:ext cx="0" cy="560148"/>
+            </a:xfrm>
+            <a:prstGeom prst="straightConnector1">
+              <a:avLst/>
+            </a:prstGeom>
+            <a:ln w="12700" cap="rnd">
+              <a:solidFill>
+                <a:schemeClr val="tx1"/>
+              </a:solidFill>
+              <a:round/>
+              <a:tailEnd type="stealth"/>
+            </a:ln>
+          </p:spPr>
+          <p:style>
+            <a:lnRef idx="2">
+              <a:schemeClr val="accent1"/>
+            </a:lnRef>
+            <a:fillRef idx="0">
+              <a:schemeClr val="accent1"/>
+            </a:fillRef>
+            <a:effectRef idx="1">
+              <a:schemeClr val="accent1"/>
+            </a:effectRef>
+            <a:fontRef idx="minor">
+              <a:schemeClr val="tx1"/>
+            </a:fontRef>
+          </p:style>
+        </p:cxnSp>
+        <p:sp>
+          <p:nvSpPr>
+            <p:cNvPr id="38" name="Textfeld 37">
+              <a:extLst>
+                <a:ext uri="{FF2B5EF4-FFF2-40B4-BE49-F238E27FC236}">
+                  <a16:creationId xmlns:a16="http://schemas.microsoft.com/office/drawing/2014/main" id="{DC758D2B-D260-8EBC-377D-E1EC544272C3}"/>
+                </a:ext>
+              </a:extLst>
+            </p:cNvPr>
+            <p:cNvSpPr txBox="1"/>
+            <p:nvPr/>
+          </p:nvSpPr>
+          <p:spPr>
+            <a:xfrm>
+              <a:off x="477520" y="1298817"/>
+              <a:ext cx="289560" cy="261610"/>
+            </a:xfrm>
+            <a:prstGeom prst="rect">
+              <a:avLst/>
+            </a:prstGeom>
+            <a:noFill/>
+          </p:spPr>
+          <p:txBody>
+            <a:bodyPr wrap="square" rtlCol="0" anchor="ctr">
+              <a:spAutoFit/>
+            </a:bodyPr>
+            <a:lstStyle/>
+            <a:p>
+              <a:pPr algn="ctr"/>
+              <a:r>
+                <a:rPr lang="de-DE" sz="1100" i="1" dirty="0">
+                  <a:latin typeface="CMU Serif" panose="02000603000000000000" pitchFamily="2" charset="0"/>
+                  <a:ea typeface="CMU Serif" panose="02000603000000000000" pitchFamily="2" charset="0"/>
+                  <a:cs typeface="CMU Serif" panose="02000603000000000000" pitchFamily="2" charset="0"/>
+                </a:rPr>
+                <a:t>y</a:t>
+              </a:r>
+            </a:p>
+          </p:txBody>
+        </p:sp>
+        <p:sp>
+          <p:nvSpPr>
+            <p:cNvPr id="39" name="Textfeld 38">
+              <a:extLst>
+                <a:ext uri="{FF2B5EF4-FFF2-40B4-BE49-F238E27FC236}">
+                  <a16:creationId xmlns:a16="http://schemas.microsoft.com/office/drawing/2014/main" id="{18FBEC9F-C4FC-6691-2093-CB9496C21DDA}"/>
+                </a:ext>
+              </a:extLst>
+            </p:cNvPr>
+            <p:cNvSpPr txBox="1"/>
+            <p:nvPr/>
+          </p:nvSpPr>
+          <p:spPr>
+            <a:xfrm>
+              <a:off x="1135204" y="1944190"/>
+              <a:ext cx="289560" cy="261610"/>
+            </a:xfrm>
+            <a:prstGeom prst="rect">
+              <a:avLst/>
+            </a:prstGeom>
+            <a:noFill/>
+          </p:spPr>
+          <p:txBody>
+            <a:bodyPr wrap="square" rtlCol="0" anchor="ctr">
+              <a:spAutoFit/>
+            </a:bodyPr>
+            <a:lstStyle/>
+            <a:p>
+              <a:pPr algn="ctr"/>
+              <a:r>
+                <a:rPr lang="de-DE" sz="1100" i="1" dirty="0">
+                  <a:latin typeface="CMU Serif" panose="02000603000000000000" pitchFamily="2" charset="0"/>
+                  <a:ea typeface="CMU Serif" panose="02000603000000000000" pitchFamily="2" charset="0"/>
+                  <a:cs typeface="CMU Serif" panose="02000603000000000000" pitchFamily="2" charset="0"/>
+                </a:rPr>
+                <a:t>x</a:t>
+              </a:r>
+            </a:p>
+          </p:txBody>
+        </p:sp>
+      </p:grpSp>
+    </p:spTree>
+    <p:extLst>
+      <p:ext uri="{BB962C8B-B14F-4D97-AF65-F5344CB8AC3E}">
+        <p14:creationId xmlns:p14="http://schemas.microsoft.com/office/powerpoint/2010/main" val="648381412"/>
       </p:ext>
     </p:extLst>
   </p:cSld>
@@ -22816,11 +29464,11 @@
             <a:prstGeom prst="line">
               <a:avLst/>
             </a:prstGeom>
-            <a:ln w="2540" cap="rnd">
+            <a:ln w="6350" cap="rnd">
               <a:solidFill>
                 <a:schemeClr val="accent1"/>
               </a:solidFill>
-              <a:prstDash val="solid"/>
+              <a:prstDash val="dash"/>
               <a:round/>
             </a:ln>
           </p:spPr>
@@ -22859,11 +29507,11 @@
             <a:prstGeom prst="line">
               <a:avLst/>
             </a:prstGeom>
-            <a:ln w="2540" cap="rnd">
+            <a:ln w="6350" cap="rnd">
               <a:solidFill>
                 <a:schemeClr val="accent1"/>
               </a:solidFill>
-              <a:prstDash val="solid"/>
+              <a:prstDash val="dash"/>
               <a:round/>
             </a:ln>
           </p:spPr>
@@ -22902,11 +29550,11 @@
             <a:prstGeom prst="line">
               <a:avLst/>
             </a:prstGeom>
-            <a:ln w="2540" cap="rnd">
+            <a:ln w="6350" cap="rnd">
               <a:solidFill>
                 <a:schemeClr val="accent1"/>
               </a:solidFill>
-              <a:prstDash val="solid"/>
+              <a:prstDash val="dash"/>
               <a:round/>
             </a:ln>
           </p:spPr>
@@ -22945,11 +29593,11 @@
             <a:prstGeom prst="line">
               <a:avLst/>
             </a:prstGeom>
-            <a:ln w="2540" cap="rnd">
+            <a:ln w="6350" cap="rnd">
               <a:solidFill>
                 <a:schemeClr val="accent1"/>
               </a:solidFill>
-              <a:prstDash val="solid"/>
+              <a:prstDash val="dash"/>
               <a:round/>
             </a:ln>
           </p:spPr>
@@ -22988,11 +29636,11 @@
             <a:prstGeom prst="line">
               <a:avLst/>
             </a:prstGeom>
-            <a:ln w="2540" cap="rnd">
+            <a:ln w="6350" cap="rnd">
               <a:solidFill>
                 <a:schemeClr val="accent1"/>
               </a:solidFill>
-              <a:prstDash val="solid"/>
+              <a:prstDash val="dash"/>
               <a:round/>
             </a:ln>
           </p:spPr>
@@ -23031,11 +29679,11 @@
             <a:prstGeom prst="line">
               <a:avLst/>
             </a:prstGeom>
-            <a:ln w="2540" cap="rnd">
+            <a:ln w="6350" cap="rnd">
               <a:solidFill>
                 <a:schemeClr val="accent1"/>
               </a:solidFill>
-              <a:prstDash val="solid"/>
+              <a:prstDash val="dash"/>
               <a:round/>
             </a:ln>
           </p:spPr>
@@ -23074,11 +29722,11 @@
             <a:prstGeom prst="line">
               <a:avLst/>
             </a:prstGeom>
-            <a:ln w="2540" cap="rnd">
+            <a:ln w="6350" cap="rnd">
               <a:solidFill>
                 <a:schemeClr val="accent1"/>
               </a:solidFill>
-              <a:prstDash val="solid"/>
+              <a:prstDash val="dash"/>
               <a:round/>
             </a:ln>
           </p:spPr>
@@ -23467,11 +30115,11 @@
             <a:prstGeom prst="line">
               <a:avLst/>
             </a:prstGeom>
-            <a:ln w="2540" cap="rnd">
+            <a:ln w="6350" cap="rnd">
               <a:solidFill>
                 <a:schemeClr val="accent1"/>
               </a:solidFill>
-              <a:prstDash val="solid"/>
+              <a:prstDash val="dash"/>
               <a:round/>
             </a:ln>
           </p:spPr>
@@ -23510,11 +30158,11 @@
             <a:prstGeom prst="line">
               <a:avLst/>
             </a:prstGeom>
-            <a:ln w="2540" cap="rnd">
+            <a:ln w="6350" cap="rnd">
               <a:solidFill>
                 <a:schemeClr val="accent1"/>
               </a:solidFill>
-              <a:prstDash val="solid"/>
+              <a:prstDash val="dash"/>
               <a:round/>
             </a:ln>
           </p:spPr>
@@ -23553,11 +30201,11 @@
             <a:prstGeom prst="line">
               <a:avLst/>
             </a:prstGeom>
-            <a:ln w="2540" cap="rnd">
+            <a:ln w="6350" cap="rnd">
               <a:solidFill>
                 <a:schemeClr val="accent1"/>
               </a:solidFill>
-              <a:prstDash val="solid"/>
+              <a:prstDash val="dash"/>
               <a:round/>
             </a:ln>
           </p:spPr>
@@ -23596,11 +30244,11 @@
             <a:prstGeom prst="line">
               <a:avLst/>
             </a:prstGeom>
-            <a:ln w="2540" cap="rnd">
+            <a:ln w="6350" cap="rnd">
               <a:solidFill>
                 <a:schemeClr val="accent1"/>
               </a:solidFill>
-              <a:prstDash val="solid"/>
+              <a:prstDash val="dash"/>
               <a:round/>
             </a:ln>
           </p:spPr>
@@ -23639,11 +30287,11 @@
             <a:prstGeom prst="line">
               <a:avLst/>
             </a:prstGeom>
-            <a:ln w="2540" cap="rnd">
+            <a:ln w="6350" cap="rnd">
               <a:solidFill>
                 <a:schemeClr val="accent1"/>
               </a:solidFill>
-              <a:prstDash val="solid"/>
+              <a:prstDash val="dash"/>
               <a:round/>
             </a:ln>
           </p:spPr>
@@ -23682,11 +30330,11 @@
             <a:prstGeom prst="line">
               <a:avLst/>
             </a:prstGeom>
-            <a:ln w="2540" cap="rnd">
+            <a:ln w="6350" cap="rnd">
               <a:solidFill>
                 <a:schemeClr val="accent1"/>
               </a:solidFill>
-              <a:prstDash val="solid"/>
+              <a:prstDash val="dash"/>
               <a:round/>
             </a:ln>
           </p:spPr>

--- a/Strömungslehre 2/images/SL2-Images.pptx
+++ b/Strömungslehre 2/images/SL2-Images.pptx
@@ -22,6 +22,8 @@
     <p:sldId id="270" r:id="rId16"/>
     <p:sldId id="271" r:id="rId17"/>
     <p:sldId id="272" r:id="rId18"/>
+    <p:sldId id="273" r:id="rId19"/>
+    <p:sldId id="274" r:id="rId20"/>
   </p:sldIdLst>
   <p:sldSz cx="3600450" cy="3600450"/>
   <p:notesSz cx="6858000" cy="9144000"/>
@@ -1500,7 +1502,7 @@
           <a:p>
             <a:fld id="{6EAE28AA-0912-4DA0-8B30-7F3CA3FE6671}" type="datetimeFigureOut">
               <a:rPr lang="de-DE" smtClean="0"/>
-              <a:t>23.12.2025</a:t>
+              <a:t>24.12.2025</a:t>
             </a:fld>
             <a:endParaRPr lang="de-DE"/>
           </a:p>
@@ -1670,7 +1672,7 @@
           <a:p>
             <a:fld id="{6EAE28AA-0912-4DA0-8B30-7F3CA3FE6671}" type="datetimeFigureOut">
               <a:rPr lang="de-DE" smtClean="0"/>
-              <a:t>23.12.2025</a:t>
+              <a:t>24.12.2025</a:t>
             </a:fld>
             <a:endParaRPr lang="de-DE"/>
           </a:p>
@@ -1850,7 +1852,7 @@
           <a:p>
             <a:fld id="{6EAE28AA-0912-4DA0-8B30-7F3CA3FE6671}" type="datetimeFigureOut">
               <a:rPr lang="de-DE" smtClean="0"/>
-              <a:t>23.12.2025</a:t>
+              <a:t>24.12.2025</a:t>
             </a:fld>
             <a:endParaRPr lang="de-DE"/>
           </a:p>
@@ -2020,7 +2022,7 @@
           <a:p>
             <a:fld id="{6EAE28AA-0912-4DA0-8B30-7F3CA3FE6671}" type="datetimeFigureOut">
               <a:rPr lang="de-DE" smtClean="0"/>
-              <a:t>23.12.2025</a:t>
+              <a:t>24.12.2025</a:t>
             </a:fld>
             <a:endParaRPr lang="de-DE"/>
           </a:p>
@@ -2266,7 +2268,7 @@
           <a:p>
             <a:fld id="{6EAE28AA-0912-4DA0-8B30-7F3CA3FE6671}" type="datetimeFigureOut">
               <a:rPr lang="de-DE" smtClean="0"/>
-              <a:t>23.12.2025</a:t>
+              <a:t>24.12.2025</a:t>
             </a:fld>
             <a:endParaRPr lang="de-DE"/>
           </a:p>
@@ -2498,7 +2500,7 @@
           <a:p>
             <a:fld id="{6EAE28AA-0912-4DA0-8B30-7F3CA3FE6671}" type="datetimeFigureOut">
               <a:rPr lang="de-DE" smtClean="0"/>
-              <a:t>23.12.2025</a:t>
+              <a:t>24.12.2025</a:t>
             </a:fld>
             <a:endParaRPr lang="de-DE"/>
           </a:p>
@@ -2865,7 +2867,7 @@
           <a:p>
             <a:fld id="{6EAE28AA-0912-4DA0-8B30-7F3CA3FE6671}" type="datetimeFigureOut">
               <a:rPr lang="de-DE" smtClean="0"/>
-              <a:t>23.12.2025</a:t>
+              <a:t>24.12.2025</a:t>
             </a:fld>
             <a:endParaRPr lang="de-DE"/>
           </a:p>
@@ -2983,7 +2985,7 @@
           <a:p>
             <a:fld id="{6EAE28AA-0912-4DA0-8B30-7F3CA3FE6671}" type="datetimeFigureOut">
               <a:rPr lang="de-DE" smtClean="0"/>
-              <a:t>23.12.2025</a:t>
+              <a:t>24.12.2025</a:t>
             </a:fld>
             <a:endParaRPr lang="de-DE"/>
           </a:p>
@@ -3078,7 +3080,7 @@
           <a:p>
             <a:fld id="{6EAE28AA-0912-4DA0-8B30-7F3CA3FE6671}" type="datetimeFigureOut">
               <a:rPr lang="de-DE" smtClean="0"/>
-              <a:t>23.12.2025</a:t>
+              <a:t>24.12.2025</a:t>
             </a:fld>
             <a:endParaRPr lang="de-DE"/>
           </a:p>
@@ -3355,7 +3357,7 @@
           <a:p>
             <a:fld id="{6EAE28AA-0912-4DA0-8B30-7F3CA3FE6671}" type="datetimeFigureOut">
               <a:rPr lang="de-DE" smtClean="0"/>
-              <a:t>23.12.2025</a:t>
+              <a:t>24.12.2025</a:t>
             </a:fld>
             <a:endParaRPr lang="de-DE"/>
           </a:p>
@@ -3612,7 +3614,7 @@
           <a:p>
             <a:fld id="{6EAE28AA-0912-4DA0-8B30-7F3CA3FE6671}" type="datetimeFigureOut">
               <a:rPr lang="de-DE" smtClean="0"/>
-              <a:t>23.12.2025</a:t>
+              <a:t>24.12.2025</a:t>
             </a:fld>
             <a:endParaRPr lang="de-DE"/>
           </a:p>
@@ -3825,7 +3827,7 @@
           <a:p>
             <a:fld id="{6EAE28AA-0912-4DA0-8B30-7F3CA3FE6671}" type="datetimeFigureOut">
               <a:rPr lang="de-DE" smtClean="0"/>
-              <a:t>23.12.2025</a:t>
+              <a:t>24.12.2025</a:t>
             </a:fld>
             <a:endParaRPr lang="de-DE"/>
           </a:p>
@@ -15503,6 +15505,2139 @@
     <p:extLst>
       <p:ext uri="{BB962C8B-B14F-4D97-AF65-F5344CB8AC3E}">
         <p14:creationId xmlns:p14="http://schemas.microsoft.com/office/powerpoint/2010/main" val="648381412"/>
+      </p:ext>
+    </p:extLst>
+  </p:cSld>
+  <p:clrMapOvr>
+    <a:masterClrMapping/>
+  </p:clrMapOvr>
+</p:sld>
+</file>
+
+<file path=ppt/slides/slide18.xml><?xml version="1.0" encoding="utf-8"?>
+<p:sld xmlns:a="http://schemas.openxmlformats.org/drawingml/2006/main" xmlns:r="http://schemas.openxmlformats.org/officeDocument/2006/relationships" xmlns:p="http://schemas.openxmlformats.org/presentationml/2006/main">
+  <p:cSld>
+    <p:spTree>
+      <p:nvGrpSpPr>
+        <p:cNvPr id="1" name=""/>
+        <p:cNvGrpSpPr/>
+        <p:nvPr/>
+      </p:nvGrpSpPr>
+      <p:grpSpPr>
+        <a:xfrm>
+          <a:off x="0" y="0"/>
+          <a:ext cx="0" cy="0"/>
+          <a:chOff x="0" y="0"/>
+          <a:chExt cx="0" cy="0"/>
+        </a:xfrm>
+      </p:grpSpPr>
+      <p:sp>
+        <p:nvSpPr>
+          <p:cNvPr id="19" name="Freihandform: Form 18">
+            <a:extLst>
+              <a:ext uri="{FF2B5EF4-FFF2-40B4-BE49-F238E27FC236}">
+                <a16:creationId xmlns:a16="http://schemas.microsoft.com/office/drawing/2014/main" id="{151C4441-48DD-4F2F-B447-52D7E9CB1C37}"/>
+              </a:ext>
+            </a:extLst>
+          </p:cNvPr>
+          <p:cNvSpPr/>
+          <p:nvPr/>
+        </p:nvSpPr>
+        <p:spPr>
+          <a:xfrm>
+            <a:off x="763190" y="1964676"/>
+            <a:ext cx="2024063" cy="238647"/>
+          </a:xfrm>
+          <a:custGeom>
+            <a:avLst/>
+            <a:gdLst>
+              <a:gd name="csX0" fmla="*/ 0 w 2024063"/>
+              <a:gd name="csY0" fmla="*/ 235762 h 239334"/>
+              <a:gd name="csX1" fmla="*/ 44053 w 2024063"/>
+              <a:gd name="csY1" fmla="*/ 102412 h 239334"/>
+              <a:gd name="csX2" fmla="*/ 170260 w 2024063"/>
+              <a:gd name="csY2" fmla="*/ 16687 h 239334"/>
+              <a:gd name="csX3" fmla="*/ 373856 w 2024063"/>
+              <a:gd name="csY3" fmla="*/ 1209 h 239334"/>
+              <a:gd name="csX4" fmla="*/ 834628 w 2024063"/>
+              <a:gd name="csY4" fmla="*/ 34546 h 239334"/>
+              <a:gd name="csX5" fmla="*/ 1454944 w 2024063"/>
+              <a:gd name="csY5" fmla="*/ 121462 h 239334"/>
+              <a:gd name="csX6" fmla="*/ 1796653 w 2024063"/>
+              <a:gd name="csY6" fmla="*/ 184565 h 239334"/>
+              <a:gd name="csX7" fmla="*/ 2024063 w 2024063"/>
+              <a:gd name="csY7" fmla="*/ 239334 h 239334"/>
+            </a:gdLst>
+            <a:ahLst/>
+            <a:cxnLst>
+              <a:cxn ang="0">
+                <a:pos x="csX0" y="csY0"/>
+              </a:cxn>
+              <a:cxn ang="0">
+                <a:pos x="csX1" y="csY1"/>
+              </a:cxn>
+              <a:cxn ang="0">
+                <a:pos x="csX2" y="csY2"/>
+              </a:cxn>
+              <a:cxn ang="0">
+                <a:pos x="csX3" y="csY3"/>
+              </a:cxn>
+              <a:cxn ang="0">
+                <a:pos x="csX4" y="csY4"/>
+              </a:cxn>
+              <a:cxn ang="0">
+                <a:pos x="csX5" y="csY5"/>
+              </a:cxn>
+              <a:cxn ang="0">
+                <a:pos x="csX6" y="csY6"/>
+              </a:cxn>
+              <a:cxn ang="0">
+                <a:pos x="csX7" y="csY7"/>
+              </a:cxn>
+            </a:cxnLst>
+            <a:rect l="l" t="t" r="r" b="b"/>
+            <a:pathLst>
+              <a:path w="2024063" h="239334">
+                <a:moveTo>
+                  <a:pt x="0" y="235762"/>
+                </a:moveTo>
+                <a:cubicBezTo>
+                  <a:pt x="7838" y="187343"/>
+                  <a:pt x="15676" y="138924"/>
+                  <a:pt x="44053" y="102412"/>
+                </a:cubicBezTo>
+                <a:cubicBezTo>
+                  <a:pt x="72430" y="65900"/>
+                  <a:pt x="115293" y="33554"/>
+                  <a:pt x="170260" y="16687"/>
+                </a:cubicBezTo>
+                <a:cubicBezTo>
+                  <a:pt x="225227" y="-180"/>
+                  <a:pt x="263128" y="-1768"/>
+                  <a:pt x="373856" y="1209"/>
+                </a:cubicBezTo>
+                <a:cubicBezTo>
+                  <a:pt x="484584" y="4185"/>
+                  <a:pt x="654447" y="14504"/>
+                  <a:pt x="834628" y="34546"/>
+                </a:cubicBezTo>
+                <a:cubicBezTo>
+                  <a:pt x="1014809" y="54588"/>
+                  <a:pt x="1294607" y="96459"/>
+                  <a:pt x="1454944" y="121462"/>
+                </a:cubicBezTo>
+                <a:cubicBezTo>
+                  <a:pt x="1615281" y="146465"/>
+                  <a:pt x="1701800" y="164920"/>
+                  <a:pt x="1796653" y="184565"/>
+                </a:cubicBezTo>
+                <a:cubicBezTo>
+                  <a:pt x="1891506" y="204210"/>
+                  <a:pt x="1991718" y="237151"/>
+                  <a:pt x="2024063" y="239334"/>
+                </a:cubicBezTo>
+              </a:path>
+            </a:pathLst>
+          </a:custGeom>
+          <a:noFill/>
+          <a:ln w="12700" cap="rnd">
+            <a:solidFill>
+              <a:schemeClr val="accent5"/>
+            </a:solidFill>
+            <a:round/>
+          </a:ln>
+        </p:spPr>
+        <p:style>
+          <a:lnRef idx="2">
+            <a:schemeClr val="accent1">
+              <a:shade val="15000"/>
+            </a:schemeClr>
+          </a:lnRef>
+          <a:fillRef idx="1">
+            <a:schemeClr val="accent1"/>
+          </a:fillRef>
+          <a:effectRef idx="0">
+            <a:schemeClr val="accent1"/>
+          </a:effectRef>
+          <a:fontRef idx="minor">
+            <a:schemeClr val="lt1"/>
+          </a:fontRef>
+        </p:style>
+        <p:txBody>
+          <a:bodyPr rtlCol="0" anchor="ctr"/>
+          <a:lstStyle/>
+          <a:p>
+            <a:pPr algn="ctr"/>
+            <a:endParaRPr lang="de-DE"/>
+          </a:p>
+        </p:txBody>
+      </p:sp>
+      <p:sp>
+        <p:nvSpPr>
+          <p:cNvPr id="20" name="Freihandform: Form 19">
+            <a:extLst>
+              <a:ext uri="{FF2B5EF4-FFF2-40B4-BE49-F238E27FC236}">
+                <a16:creationId xmlns:a16="http://schemas.microsoft.com/office/drawing/2014/main" id="{8B436675-3D4F-6572-5E1B-A231DCFFA578}"/>
+              </a:ext>
+            </a:extLst>
+          </p:cNvPr>
+          <p:cNvSpPr/>
+          <p:nvPr/>
+        </p:nvSpPr>
+        <p:spPr>
+          <a:xfrm flipV="1">
+            <a:off x="763190" y="2201270"/>
+            <a:ext cx="2024063" cy="238647"/>
+          </a:xfrm>
+          <a:custGeom>
+            <a:avLst/>
+            <a:gdLst>
+              <a:gd name="csX0" fmla="*/ 0 w 2024063"/>
+              <a:gd name="csY0" fmla="*/ 235762 h 239334"/>
+              <a:gd name="csX1" fmla="*/ 44053 w 2024063"/>
+              <a:gd name="csY1" fmla="*/ 102412 h 239334"/>
+              <a:gd name="csX2" fmla="*/ 170260 w 2024063"/>
+              <a:gd name="csY2" fmla="*/ 16687 h 239334"/>
+              <a:gd name="csX3" fmla="*/ 373856 w 2024063"/>
+              <a:gd name="csY3" fmla="*/ 1209 h 239334"/>
+              <a:gd name="csX4" fmla="*/ 834628 w 2024063"/>
+              <a:gd name="csY4" fmla="*/ 34546 h 239334"/>
+              <a:gd name="csX5" fmla="*/ 1454944 w 2024063"/>
+              <a:gd name="csY5" fmla="*/ 121462 h 239334"/>
+              <a:gd name="csX6" fmla="*/ 1796653 w 2024063"/>
+              <a:gd name="csY6" fmla="*/ 184565 h 239334"/>
+              <a:gd name="csX7" fmla="*/ 2024063 w 2024063"/>
+              <a:gd name="csY7" fmla="*/ 239334 h 239334"/>
+            </a:gdLst>
+            <a:ahLst/>
+            <a:cxnLst>
+              <a:cxn ang="0">
+                <a:pos x="csX0" y="csY0"/>
+              </a:cxn>
+              <a:cxn ang="0">
+                <a:pos x="csX1" y="csY1"/>
+              </a:cxn>
+              <a:cxn ang="0">
+                <a:pos x="csX2" y="csY2"/>
+              </a:cxn>
+              <a:cxn ang="0">
+                <a:pos x="csX3" y="csY3"/>
+              </a:cxn>
+              <a:cxn ang="0">
+                <a:pos x="csX4" y="csY4"/>
+              </a:cxn>
+              <a:cxn ang="0">
+                <a:pos x="csX5" y="csY5"/>
+              </a:cxn>
+              <a:cxn ang="0">
+                <a:pos x="csX6" y="csY6"/>
+              </a:cxn>
+              <a:cxn ang="0">
+                <a:pos x="csX7" y="csY7"/>
+              </a:cxn>
+            </a:cxnLst>
+            <a:rect l="l" t="t" r="r" b="b"/>
+            <a:pathLst>
+              <a:path w="2024063" h="239334">
+                <a:moveTo>
+                  <a:pt x="0" y="235762"/>
+                </a:moveTo>
+                <a:cubicBezTo>
+                  <a:pt x="7838" y="187343"/>
+                  <a:pt x="15676" y="138924"/>
+                  <a:pt x="44053" y="102412"/>
+                </a:cubicBezTo>
+                <a:cubicBezTo>
+                  <a:pt x="72430" y="65900"/>
+                  <a:pt x="115293" y="33554"/>
+                  <a:pt x="170260" y="16687"/>
+                </a:cubicBezTo>
+                <a:cubicBezTo>
+                  <a:pt x="225227" y="-180"/>
+                  <a:pt x="263128" y="-1768"/>
+                  <a:pt x="373856" y="1209"/>
+                </a:cubicBezTo>
+                <a:cubicBezTo>
+                  <a:pt x="484584" y="4185"/>
+                  <a:pt x="654447" y="14504"/>
+                  <a:pt x="834628" y="34546"/>
+                </a:cubicBezTo>
+                <a:cubicBezTo>
+                  <a:pt x="1014809" y="54588"/>
+                  <a:pt x="1294607" y="96459"/>
+                  <a:pt x="1454944" y="121462"/>
+                </a:cubicBezTo>
+                <a:cubicBezTo>
+                  <a:pt x="1615281" y="146465"/>
+                  <a:pt x="1701800" y="164920"/>
+                  <a:pt x="1796653" y="184565"/>
+                </a:cubicBezTo>
+                <a:cubicBezTo>
+                  <a:pt x="1891506" y="204210"/>
+                  <a:pt x="1991718" y="237151"/>
+                  <a:pt x="2024063" y="239334"/>
+                </a:cubicBezTo>
+              </a:path>
+            </a:pathLst>
+          </a:custGeom>
+          <a:noFill/>
+          <a:ln w="12700" cap="rnd">
+            <a:solidFill>
+              <a:schemeClr val="accent5"/>
+            </a:solidFill>
+            <a:round/>
+          </a:ln>
+        </p:spPr>
+        <p:style>
+          <a:lnRef idx="2">
+            <a:schemeClr val="accent1">
+              <a:shade val="15000"/>
+            </a:schemeClr>
+          </a:lnRef>
+          <a:fillRef idx="1">
+            <a:schemeClr val="accent1"/>
+          </a:fillRef>
+          <a:effectRef idx="0">
+            <a:schemeClr val="accent1"/>
+          </a:effectRef>
+          <a:fontRef idx="minor">
+            <a:schemeClr val="lt1"/>
+          </a:fontRef>
+        </p:style>
+        <p:txBody>
+          <a:bodyPr rtlCol="0" anchor="ctr"/>
+          <a:lstStyle/>
+          <a:p>
+            <a:pPr algn="ctr"/>
+            <a:endParaRPr lang="de-DE"/>
+          </a:p>
+        </p:txBody>
+      </p:sp>
+      <p:cxnSp>
+        <p:nvCxnSpPr>
+          <p:cNvPr id="26" name="Gerader Verbinder 25">
+            <a:extLst>
+              <a:ext uri="{FF2B5EF4-FFF2-40B4-BE49-F238E27FC236}">
+                <a16:creationId xmlns:a16="http://schemas.microsoft.com/office/drawing/2014/main" id="{5BA6A0CE-7317-7C32-A60C-3F37A86CFDE5}"/>
+              </a:ext>
+            </a:extLst>
+          </p:cNvPr>
+          <p:cNvCxnSpPr/>
+          <p:nvPr/>
+        </p:nvCxnSpPr>
+        <p:spPr>
+          <a:xfrm>
+            <a:off x="2787253" y="2130086"/>
+            <a:ext cx="0" cy="151209"/>
+          </a:xfrm>
+          <a:prstGeom prst="line">
+            <a:avLst/>
+          </a:prstGeom>
+          <a:ln w="6350" cap="rnd">
+            <a:round/>
+          </a:ln>
+        </p:spPr>
+        <p:style>
+          <a:lnRef idx="2">
+            <a:schemeClr val="dk1"/>
+          </a:lnRef>
+          <a:fillRef idx="0">
+            <a:schemeClr val="dk1"/>
+          </a:fillRef>
+          <a:effectRef idx="1">
+            <a:schemeClr val="dk1"/>
+          </a:effectRef>
+          <a:fontRef idx="minor">
+            <a:schemeClr val="tx1"/>
+          </a:fontRef>
+        </p:style>
+      </p:cxnSp>
+      <p:sp>
+        <p:nvSpPr>
+          <p:cNvPr id="27" name="Textfeld 26">
+            <a:extLst>
+              <a:ext uri="{FF2B5EF4-FFF2-40B4-BE49-F238E27FC236}">
+                <a16:creationId xmlns:a16="http://schemas.microsoft.com/office/drawing/2014/main" id="{59EC42CF-C4AD-26C2-F755-67F53B0F57FA}"/>
+              </a:ext>
+            </a:extLst>
+          </p:cNvPr>
+          <p:cNvSpPr txBox="1"/>
+          <p:nvPr/>
+        </p:nvSpPr>
+        <p:spPr>
+          <a:xfrm>
+            <a:off x="2658308" y="2287703"/>
+            <a:ext cx="233362" cy="261610"/>
+          </a:xfrm>
+          <a:prstGeom prst="rect">
+            <a:avLst/>
+          </a:prstGeom>
+          <a:noFill/>
+        </p:spPr>
+        <p:txBody>
+          <a:bodyPr wrap="square" rtlCol="0">
+            <a:spAutoFit/>
+          </a:bodyPr>
+          <a:lstStyle/>
+          <a:p>
+            <a:pPr algn="ctr"/>
+            <a:r>
+              <a:rPr lang="de-DE" sz="1100" i="1" dirty="0">
+                <a:latin typeface="CMU Serif" panose="02000603000000000000" pitchFamily="2" charset="0"/>
+                <a:ea typeface="CMU Serif" panose="02000603000000000000" pitchFamily="2" charset="0"/>
+                <a:cs typeface="CMU Serif" panose="02000603000000000000" pitchFamily="2" charset="0"/>
+              </a:rPr>
+              <a:t>l</a:t>
+            </a:r>
+          </a:p>
+        </p:txBody>
+      </p:sp>
+      <p:cxnSp>
+        <p:nvCxnSpPr>
+          <p:cNvPr id="28" name="Gerade Verbindung mit Pfeil 27">
+            <a:extLst>
+              <a:ext uri="{FF2B5EF4-FFF2-40B4-BE49-F238E27FC236}">
+                <a16:creationId xmlns:a16="http://schemas.microsoft.com/office/drawing/2014/main" id="{5AE93D75-3F67-E738-E867-40F42D1BBD2E}"/>
+              </a:ext>
+            </a:extLst>
+          </p:cNvPr>
+          <p:cNvCxnSpPr>
+            <a:cxnSpLocks/>
+          </p:cNvCxnSpPr>
+          <p:nvPr/>
+        </p:nvCxnSpPr>
+        <p:spPr>
+          <a:xfrm>
+            <a:off x="375046" y="2203323"/>
+            <a:ext cx="268725" cy="0"/>
+          </a:xfrm>
+          <a:prstGeom prst="straightConnector1">
+            <a:avLst/>
+          </a:prstGeom>
+          <a:ln w="9525" cap="rnd">
+            <a:solidFill>
+              <a:schemeClr val="accent1"/>
+            </a:solidFill>
+            <a:round/>
+            <a:tailEnd type="stealth"/>
+          </a:ln>
+        </p:spPr>
+        <p:style>
+          <a:lnRef idx="2">
+            <a:schemeClr val="dk1"/>
+          </a:lnRef>
+          <a:fillRef idx="0">
+            <a:schemeClr val="dk1"/>
+          </a:fillRef>
+          <a:effectRef idx="1">
+            <a:schemeClr val="dk1"/>
+          </a:effectRef>
+          <a:fontRef idx="minor">
+            <a:schemeClr val="tx1"/>
+          </a:fontRef>
+        </p:style>
+      </p:cxnSp>
+      <p:sp>
+        <p:nvSpPr>
+          <p:cNvPr id="31" name="Textfeld 30">
+            <a:extLst>
+              <a:ext uri="{FF2B5EF4-FFF2-40B4-BE49-F238E27FC236}">
+                <a16:creationId xmlns:a16="http://schemas.microsoft.com/office/drawing/2014/main" id="{8D06E8C5-3B24-B991-BD66-5A2C4FC48901}"/>
+              </a:ext>
+            </a:extLst>
+          </p:cNvPr>
+          <p:cNvSpPr txBox="1"/>
+          <p:nvPr/>
+        </p:nvSpPr>
+        <p:spPr>
+          <a:xfrm>
+            <a:off x="264319" y="1909539"/>
+            <a:ext cx="449699" cy="261610"/>
+          </a:xfrm>
+          <a:prstGeom prst="rect">
+            <a:avLst/>
+          </a:prstGeom>
+          <a:noFill/>
+        </p:spPr>
+        <p:txBody>
+          <a:bodyPr wrap="square" rtlCol="0">
+            <a:spAutoFit/>
+          </a:bodyPr>
+          <a:lstStyle/>
+          <a:p>
+            <a:pPr algn="ctr"/>
+            <a:r>
+              <a:rPr lang="de-DE" sz="1100" i="1" dirty="0">
+                <a:solidFill>
+                  <a:schemeClr val="accent1"/>
+                </a:solidFill>
+                <a:latin typeface="CMU Serif" panose="02000603000000000000" pitchFamily="2" charset="0"/>
+                <a:ea typeface="CMU Serif" panose="02000603000000000000" pitchFamily="2" charset="0"/>
+                <a:cs typeface="CMU Serif" panose="02000603000000000000" pitchFamily="2" charset="0"/>
+              </a:rPr>
+              <a:t>U</a:t>
+            </a:r>
+            <a:r>
+              <a:rPr lang="de-DE" sz="1100" baseline="-25000" dirty="0">
+                <a:solidFill>
+                  <a:schemeClr val="accent1"/>
+                </a:solidFill>
+                <a:latin typeface="Latin Modern Math" panose="02000503000000000000" pitchFamily="50" charset="0"/>
+                <a:ea typeface="Latin Modern Math" panose="02000503000000000000" pitchFamily="50" charset="0"/>
+                <a:cs typeface="CMU Serif" panose="02000603000000000000" pitchFamily="2" charset="0"/>
+              </a:rPr>
+              <a:t>∞</a:t>
+            </a:r>
+          </a:p>
+        </p:txBody>
+      </p:sp>
+      <p:sp>
+        <p:nvSpPr>
+          <p:cNvPr id="33" name="Textfeld 32">
+            <a:extLst>
+              <a:ext uri="{FF2B5EF4-FFF2-40B4-BE49-F238E27FC236}">
+                <a16:creationId xmlns:a16="http://schemas.microsoft.com/office/drawing/2014/main" id="{63B1CE73-CB4C-3BFE-798D-740E36BECF21}"/>
+              </a:ext>
+            </a:extLst>
+          </p:cNvPr>
+          <p:cNvSpPr txBox="1"/>
+          <p:nvPr/>
+        </p:nvSpPr>
+        <p:spPr>
+          <a:xfrm>
+            <a:off x="811672" y="1646189"/>
+            <a:ext cx="352779" cy="261610"/>
+          </a:xfrm>
+          <a:prstGeom prst="rect">
+            <a:avLst/>
+          </a:prstGeom>
+          <a:noFill/>
+        </p:spPr>
+        <p:txBody>
+          <a:bodyPr wrap="square" rtlCol="0">
+            <a:spAutoFit/>
+          </a:bodyPr>
+          <a:lstStyle/>
+          <a:p>
+            <a:pPr algn="ctr"/>
+            <a:r>
+              <a:rPr lang="de-DE" sz="1100" i="1" dirty="0" err="1">
+                <a:solidFill>
+                  <a:schemeClr val="accent5"/>
+                </a:solidFill>
+                <a:latin typeface="CMU Serif" panose="02000603000000000000" pitchFamily="2" charset="0"/>
+                <a:ea typeface="CMU Serif" panose="02000603000000000000" pitchFamily="2" charset="0"/>
+                <a:cs typeface="CMU Serif" panose="02000603000000000000" pitchFamily="2" charset="0"/>
+              </a:rPr>
+              <a:t>y</a:t>
+            </a:r>
+            <a:r>
+              <a:rPr lang="de-DE" sz="1100" baseline="-25000" dirty="0" err="1">
+                <a:solidFill>
+                  <a:schemeClr val="accent5"/>
+                </a:solidFill>
+                <a:latin typeface="CMU Serif" panose="02000603000000000000" pitchFamily="2" charset="0"/>
+                <a:ea typeface="CMU Serif" panose="02000603000000000000" pitchFamily="2" charset="0"/>
+                <a:cs typeface="CMU Serif" panose="02000603000000000000" pitchFamily="2" charset="0"/>
+              </a:rPr>
+              <a:t>t</a:t>
+            </a:r>
+            <a:endParaRPr lang="de-DE" sz="1100" baseline="-25000" dirty="0">
+              <a:solidFill>
+                <a:schemeClr val="accent5"/>
+              </a:solidFill>
+              <a:latin typeface="CMU Serif" panose="02000603000000000000" pitchFamily="2" charset="0"/>
+              <a:ea typeface="CMU Serif" panose="02000603000000000000" pitchFamily="2" charset="0"/>
+              <a:cs typeface="CMU Serif" panose="02000603000000000000" pitchFamily="2" charset="0"/>
+            </a:endParaRPr>
+          </a:p>
+        </p:txBody>
+      </p:sp>
+      <p:sp>
+        <p:nvSpPr>
+          <p:cNvPr id="34" name="Freihandform: Form 33">
+            <a:extLst>
+              <a:ext uri="{FF2B5EF4-FFF2-40B4-BE49-F238E27FC236}">
+                <a16:creationId xmlns:a16="http://schemas.microsoft.com/office/drawing/2014/main" id="{5431695A-CED1-A905-2B1F-29A6C8DEC3EB}"/>
+              </a:ext>
+            </a:extLst>
+          </p:cNvPr>
+          <p:cNvSpPr/>
+          <p:nvPr/>
+        </p:nvSpPr>
+        <p:spPr>
+          <a:xfrm>
+            <a:off x="1069381" y="1850347"/>
+            <a:ext cx="69005" cy="111398"/>
+          </a:xfrm>
+          <a:custGeom>
+            <a:avLst/>
+            <a:gdLst>
+              <a:gd name="csX0" fmla="*/ 103584 w 103584"/>
+              <a:gd name="csY0" fmla="*/ 139303 h 139303"/>
+              <a:gd name="csX1" fmla="*/ 67866 w 103584"/>
+              <a:gd name="csY1" fmla="*/ 55959 h 139303"/>
+              <a:gd name="csX2" fmla="*/ 0 w 103584"/>
+              <a:gd name="csY2" fmla="*/ 0 h 139303"/>
+            </a:gdLst>
+            <a:ahLst/>
+            <a:cxnLst>
+              <a:cxn ang="0">
+                <a:pos x="csX0" y="csY0"/>
+              </a:cxn>
+              <a:cxn ang="0">
+                <a:pos x="csX1" y="csY1"/>
+              </a:cxn>
+              <a:cxn ang="0">
+                <a:pos x="csX2" y="csY2"/>
+              </a:cxn>
+            </a:cxnLst>
+            <a:rect l="l" t="t" r="r" b="b"/>
+            <a:pathLst>
+              <a:path w="103584" h="139303">
+                <a:moveTo>
+                  <a:pt x="103584" y="139303"/>
+                </a:moveTo>
+                <a:cubicBezTo>
+                  <a:pt x="94357" y="109239"/>
+                  <a:pt x="85130" y="79176"/>
+                  <a:pt x="67866" y="55959"/>
+                </a:cubicBezTo>
+                <a:cubicBezTo>
+                  <a:pt x="50602" y="32742"/>
+                  <a:pt x="25301" y="16371"/>
+                  <a:pt x="0" y="0"/>
+                </a:cubicBezTo>
+              </a:path>
+            </a:pathLst>
+          </a:custGeom>
+          <a:ln w="6350" cap="rnd">
+            <a:round/>
+          </a:ln>
+        </p:spPr>
+        <p:style>
+          <a:lnRef idx="1">
+            <a:schemeClr val="accent5"/>
+          </a:lnRef>
+          <a:fillRef idx="0">
+            <a:schemeClr val="accent5"/>
+          </a:fillRef>
+          <a:effectRef idx="0">
+            <a:schemeClr val="accent5"/>
+          </a:effectRef>
+          <a:fontRef idx="minor">
+            <a:schemeClr val="tx1"/>
+          </a:fontRef>
+        </p:style>
+        <p:txBody>
+          <a:bodyPr rtlCol="0" anchor="ctr"/>
+          <a:lstStyle/>
+          <a:p>
+            <a:pPr algn="ctr"/>
+            <a:endParaRPr lang="de-DE"/>
+          </a:p>
+        </p:txBody>
+      </p:sp>
+      <p:cxnSp>
+        <p:nvCxnSpPr>
+          <p:cNvPr id="35" name="Gerade Verbindung mit Pfeil 34">
+            <a:extLst>
+              <a:ext uri="{FF2B5EF4-FFF2-40B4-BE49-F238E27FC236}">
+                <a16:creationId xmlns:a16="http://schemas.microsoft.com/office/drawing/2014/main" id="{7BFA5323-A8BE-A1CC-F41A-84C8A9AD367C}"/>
+              </a:ext>
+            </a:extLst>
+          </p:cNvPr>
+          <p:cNvCxnSpPr>
+            <a:cxnSpLocks/>
+          </p:cNvCxnSpPr>
+          <p:nvPr/>
+        </p:nvCxnSpPr>
+        <p:spPr>
+          <a:xfrm>
+            <a:off x="760452" y="1602349"/>
+            <a:ext cx="933808" cy="0"/>
+          </a:xfrm>
+          <a:prstGeom prst="straightConnector1">
+            <a:avLst/>
+          </a:prstGeom>
+          <a:ln w="9525" cap="rnd">
+            <a:solidFill>
+              <a:schemeClr val="tx1">
+                <a:lumMod val="50000"/>
+                <a:lumOff val="50000"/>
+              </a:schemeClr>
+            </a:solidFill>
+            <a:round/>
+            <a:headEnd type="stealth"/>
+            <a:tailEnd type="stealth"/>
+          </a:ln>
+        </p:spPr>
+        <p:style>
+          <a:lnRef idx="2">
+            <a:schemeClr val="dk1"/>
+          </a:lnRef>
+          <a:fillRef idx="0">
+            <a:schemeClr val="dk1"/>
+          </a:fillRef>
+          <a:effectRef idx="1">
+            <a:schemeClr val="dk1"/>
+          </a:effectRef>
+          <a:fontRef idx="minor">
+            <a:schemeClr val="tx1"/>
+          </a:fontRef>
+        </p:style>
+      </p:cxnSp>
+      <p:sp>
+        <p:nvSpPr>
+          <p:cNvPr id="41" name="Textfeld 40">
+            <a:extLst>
+              <a:ext uri="{FF2B5EF4-FFF2-40B4-BE49-F238E27FC236}">
+                <a16:creationId xmlns:a16="http://schemas.microsoft.com/office/drawing/2014/main" id="{65699B83-8B53-19C4-7102-59C314F87269}"/>
+              </a:ext>
+            </a:extLst>
+          </p:cNvPr>
+          <p:cNvSpPr txBox="1"/>
+          <p:nvPr/>
+        </p:nvSpPr>
+        <p:spPr>
+          <a:xfrm>
+            <a:off x="1039536" y="1382264"/>
+            <a:ext cx="352779" cy="261610"/>
+          </a:xfrm>
+          <a:prstGeom prst="rect">
+            <a:avLst/>
+          </a:prstGeom>
+          <a:noFill/>
+        </p:spPr>
+        <p:txBody>
+          <a:bodyPr wrap="square" rtlCol="0">
+            <a:spAutoFit/>
+          </a:bodyPr>
+          <a:lstStyle/>
+          <a:p>
+            <a:pPr algn="ctr"/>
+            <a:r>
+              <a:rPr lang="de-DE" sz="1100" i="1" dirty="0">
+                <a:solidFill>
+                  <a:schemeClr val="tx1">
+                    <a:lumMod val="50000"/>
+                    <a:lumOff val="50000"/>
+                  </a:schemeClr>
+                </a:solidFill>
+                <a:latin typeface="CMU Serif" panose="02000603000000000000" pitchFamily="2" charset="0"/>
+                <a:ea typeface="CMU Serif" panose="02000603000000000000" pitchFamily="2" charset="0"/>
+                <a:cs typeface="CMU Serif" panose="02000603000000000000" pitchFamily="2" charset="0"/>
+              </a:rPr>
+              <a:t>x′</a:t>
+            </a:r>
+            <a:endParaRPr lang="de-DE" sz="1100" i="1" baseline="-25000" dirty="0">
+              <a:solidFill>
+                <a:schemeClr val="tx1">
+                  <a:lumMod val="50000"/>
+                  <a:lumOff val="50000"/>
+                </a:schemeClr>
+              </a:solidFill>
+              <a:latin typeface="CMU Serif" panose="02000603000000000000" pitchFamily="2" charset="0"/>
+              <a:ea typeface="CMU Serif" panose="02000603000000000000" pitchFamily="2" charset="0"/>
+              <a:cs typeface="CMU Serif" panose="02000603000000000000" pitchFamily="2" charset="0"/>
+            </a:endParaRPr>
+          </a:p>
+        </p:txBody>
+      </p:sp>
+      <p:sp>
+        <p:nvSpPr>
+          <p:cNvPr id="42" name="Textfeld 41">
+            <a:extLst>
+              <a:ext uri="{FF2B5EF4-FFF2-40B4-BE49-F238E27FC236}">
+                <a16:creationId xmlns:a16="http://schemas.microsoft.com/office/drawing/2014/main" id="{14D86BA2-54E7-7957-00BE-04015FE7DD45}"/>
+              </a:ext>
+            </a:extLst>
+          </p:cNvPr>
+          <p:cNvSpPr txBox="1"/>
+          <p:nvPr/>
+        </p:nvSpPr>
+        <p:spPr>
+          <a:xfrm>
+            <a:off x="1052572" y="2171149"/>
+            <a:ext cx="814267" cy="261610"/>
+          </a:xfrm>
+          <a:prstGeom prst="rect">
+            <a:avLst/>
+          </a:prstGeom>
+          <a:noFill/>
+        </p:spPr>
+        <p:txBody>
+          <a:bodyPr wrap="square" rtlCol="0">
+            <a:spAutoFit/>
+          </a:bodyPr>
+          <a:lstStyle/>
+          <a:p>
+            <a:pPr algn="ctr"/>
+            <a:r>
+              <a:rPr lang="de-DE" sz="1100" dirty="0" err="1">
+                <a:solidFill>
+                  <a:schemeClr val="tx1">
+                    <a:lumMod val="50000"/>
+                    <a:lumOff val="50000"/>
+                  </a:schemeClr>
+                </a:solidFill>
+                <a:latin typeface="CMU Serif" panose="02000603000000000000" pitchFamily="2" charset="0"/>
+                <a:ea typeface="CMU Serif" panose="02000603000000000000" pitchFamily="2" charset="0"/>
+                <a:cs typeface="CMU Serif" panose="02000603000000000000" pitchFamily="2" charset="0"/>
+              </a:rPr>
+              <a:t>d</a:t>
+            </a:r>
+            <a:r>
+              <a:rPr lang="de-DE" sz="1100" i="1" dirty="0" err="1">
+                <a:solidFill>
+                  <a:schemeClr val="tx1">
+                    <a:lumMod val="50000"/>
+                    <a:lumOff val="50000"/>
+                  </a:schemeClr>
+                </a:solidFill>
+                <a:latin typeface="CMU Serif" panose="02000603000000000000" pitchFamily="2" charset="0"/>
+                <a:ea typeface="CMU Serif" panose="02000603000000000000" pitchFamily="2" charset="0"/>
+                <a:cs typeface="CMU Serif" panose="02000603000000000000" pitchFamily="2" charset="0"/>
+              </a:rPr>
+              <a:t>Q</a:t>
+            </a:r>
+            <a:r>
+              <a:rPr lang="de-DE" sz="1100" dirty="0">
+                <a:solidFill>
+                  <a:schemeClr val="tx1">
+                    <a:lumMod val="50000"/>
+                    <a:lumOff val="50000"/>
+                  </a:schemeClr>
+                </a:solidFill>
+                <a:latin typeface="CMU Serif" panose="02000603000000000000" pitchFamily="2" charset="0"/>
+                <a:ea typeface="CMU Serif" panose="02000603000000000000" pitchFamily="2" charset="0"/>
+                <a:cs typeface="CMU Serif" panose="02000603000000000000" pitchFamily="2" charset="0"/>
+              </a:rPr>
+              <a:t>(</a:t>
+            </a:r>
+            <a:r>
+              <a:rPr lang="de-DE" sz="1100" i="1" dirty="0">
+                <a:solidFill>
+                  <a:schemeClr val="tx1">
+                    <a:lumMod val="50000"/>
+                    <a:lumOff val="50000"/>
+                  </a:schemeClr>
+                </a:solidFill>
+                <a:latin typeface="CMU Serif" panose="02000603000000000000" pitchFamily="2" charset="0"/>
+                <a:ea typeface="CMU Serif" panose="02000603000000000000" pitchFamily="2" charset="0"/>
+                <a:cs typeface="CMU Serif" panose="02000603000000000000" pitchFamily="2" charset="0"/>
+              </a:rPr>
+              <a:t>x′</a:t>
+            </a:r>
+            <a:r>
+              <a:rPr lang="de-DE" sz="1100" dirty="0">
+                <a:solidFill>
+                  <a:schemeClr val="tx1">
+                    <a:lumMod val="50000"/>
+                    <a:lumOff val="50000"/>
+                  </a:schemeClr>
+                </a:solidFill>
+                <a:latin typeface="CMU Serif" panose="02000603000000000000" pitchFamily="2" charset="0"/>
+                <a:ea typeface="CMU Serif" panose="02000603000000000000" pitchFamily="2" charset="0"/>
+                <a:cs typeface="CMU Serif" panose="02000603000000000000" pitchFamily="2" charset="0"/>
+              </a:rPr>
+              <a:t>)</a:t>
+            </a:r>
+            <a:endParaRPr lang="de-DE" sz="1100" baseline="-25000" dirty="0">
+              <a:solidFill>
+                <a:schemeClr val="tx1">
+                  <a:lumMod val="50000"/>
+                  <a:lumOff val="50000"/>
+                </a:schemeClr>
+              </a:solidFill>
+              <a:latin typeface="CMU Serif" panose="02000603000000000000" pitchFamily="2" charset="0"/>
+              <a:ea typeface="CMU Serif" panose="02000603000000000000" pitchFamily="2" charset="0"/>
+              <a:cs typeface="CMU Serif" panose="02000603000000000000" pitchFamily="2" charset="0"/>
+            </a:endParaRPr>
+          </a:p>
+        </p:txBody>
+      </p:sp>
+      <p:cxnSp>
+        <p:nvCxnSpPr>
+          <p:cNvPr id="43" name="Gerader Verbinder 42">
+            <a:extLst>
+              <a:ext uri="{FF2B5EF4-FFF2-40B4-BE49-F238E27FC236}">
+                <a16:creationId xmlns:a16="http://schemas.microsoft.com/office/drawing/2014/main" id="{3FFE89FB-4F70-6F25-3598-4E3DDEBC72B0}"/>
+              </a:ext>
+            </a:extLst>
+          </p:cNvPr>
+          <p:cNvCxnSpPr>
+            <a:cxnSpLocks/>
+          </p:cNvCxnSpPr>
+          <p:nvPr/>
+        </p:nvCxnSpPr>
+        <p:spPr>
+          <a:xfrm>
+            <a:off x="2322910" y="1397127"/>
+            <a:ext cx="0" cy="804143"/>
+          </a:xfrm>
+          <a:prstGeom prst="line">
+            <a:avLst/>
+          </a:prstGeom>
+          <a:ln w="6350" cap="rnd">
+            <a:solidFill>
+              <a:schemeClr val="tx1">
+                <a:lumMod val="50000"/>
+                <a:lumOff val="50000"/>
+              </a:schemeClr>
+            </a:solidFill>
+            <a:prstDash val="dash"/>
+            <a:round/>
+          </a:ln>
+        </p:spPr>
+        <p:style>
+          <a:lnRef idx="2">
+            <a:schemeClr val="dk1"/>
+          </a:lnRef>
+          <a:fillRef idx="0">
+            <a:schemeClr val="dk1"/>
+          </a:fillRef>
+          <a:effectRef idx="1">
+            <a:schemeClr val="dk1"/>
+          </a:effectRef>
+          <a:fontRef idx="minor">
+            <a:schemeClr val="tx1"/>
+          </a:fontRef>
+        </p:style>
+      </p:cxnSp>
+      <p:cxnSp>
+        <p:nvCxnSpPr>
+          <p:cNvPr id="45" name="Gerader Verbinder 44">
+            <a:extLst>
+              <a:ext uri="{FF2B5EF4-FFF2-40B4-BE49-F238E27FC236}">
+                <a16:creationId xmlns:a16="http://schemas.microsoft.com/office/drawing/2014/main" id="{D631C3CD-45EE-DBDC-A809-E1B3EFEF049D}"/>
+              </a:ext>
+            </a:extLst>
+          </p:cNvPr>
+          <p:cNvCxnSpPr>
+            <a:cxnSpLocks/>
+          </p:cNvCxnSpPr>
+          <p:nvPr/>
+        </p:nvCxnSpPr>
+        <p:spPr>
+          <a:xfrm flipH="1">
+            <a:off x="760452" y="1401824"/>
+            <a:ext cx="1562458" cy="0"/>
+          </a:xfrm>
+          <a:prstGeom prst="line">
+            <a:avLst/>
+          </a:prstGeom>
+          <a:ln w="6350" cap="rnd">
+            <a:solidFill>
+              <a:schemeClr val="tx1">
+                <a:lumMod val="50000"/>
+                <a:lumOff val="50000"/>
+              </a:schemeClr>
+            </a:solidFill>
+            <a:prstDash val="dash"/>
+            <a:round/>
+          </a:ln>
+        </p:spPr>
+        <p:style>
+          <a:lnRef idx="2">
+            <a:schemeClr val="dk1"/>
+          </a:lnRef>
+          <a:fillRef idx="0">
+            <a:schemeClr val="dk1"/>
+          </a:fillRef>
+          <a:effectRef idx="1">
+            <a:schemeClr val="dk1"/>
+          </a:effectRef>
+          <a:fontRef idx="minor">
+            <a:schemeClr val="tx1"/>
+          </a:fontRef>
+        </p:style>
+      </p:cxnSp>
+      <p:grpSp>
+        <p:nvGrpSpPr>
+          <p:cNvPr id="24" name="Gruppieren 23">
+            <a:extLst>
+              <a:ext uri="{FF2B5EF4-FFF2-40B4-BE49-F238E27FC236}">
+                <a16:creationId xmlns:a16="http://schemas.microsoft.com/office/drawing/2014/main" id="{830F2661-0523-44C7-466F-F9F87DA62D50}"/>
+              </a:ext>
+            </a:extLst>
+          </p:cNvPr>
+          <p:cNvGrpSpPr/>
+          <p:nvPr/>
+        </p:nvGrpSpPr>
+        <p:grpSpPr>
+          <a:xfrm>
+            <a:off x="387549" y="1135517"/>
+            <a:ext cx="2891432" cy="1329416"/>
+            <a:chOff x="220862" y="872331"/>
+            <a:chExt cx="2891432" cy="1329416"/>
+          </a:xfrm>
+        </p:grpSpPr>
+        <p:cxnSp>
+          <p:nvCxnSpPr>
+            <p:cNvPr id="5" name="Gerade Verbindung mit Pfeil 4">
+              <a:extLst>
+                <a:ext uri="{FF2B5EF4-FFF2-40B4-BE49-F238E27FC236}">
+                  <a16:creationId xmlns:a16="http://schemas.microsoft.com/office/drawing/2014/main" id="{C01F3C5F-A810-80F8-4A24-8201A812AFF2}"/>
+                </a:ext>
+              </a:extLst>
+            </p:cNvPr>
+            <p:cNvCxnSpPr>
+              <a:cxnSpLocks/>
+            </p:cNvCxnSpPr>
+            <p:nvPr/>
+          </p:nvCxnSpPr>
+          <p:spPr>
+            <a:xfrm flipV="1">
+              <a:off x="593765" y="890650"/>
+              <a:ext cx="0" cy="1049778"/>
+            </a:xfrm>
+            <a:prstGeom prst="straightConnector1">
+              <a:avLst/>
+            </a:prstGeom>
+            <a:ln w="9525" cap="rnd">
+              <a:round/>
+              <a:tailEnd type="stealth"/>
+            </a:ln>
+          </p:spPr>
+          <p:style>
+            <a:lnRef idx="2">
+              <a:schemeClr val="dk1"/>
+            </a:lnRef>
+            <a:fillRef idx="0">
+              <a:schemeClr val="dk1"/>
+            </a:fillRef>
+            <a:effectRef idx="1">
+              <a:schemeClr val="dk1"/>
+            </a:effectRef>
+            <a:fontRef idx="minor">
+              <a:schemeClr val="tx1"/>
+            </a:fontRef>
+          </p:style>
+        </p:cxnSp>
+        <p:cxnSp>
+          <p:nvCxnSpPr>
+            <p:cNvPr id="7" name="Gerade Verbindung mit Pfeil 6">
+              <a:extLst>
+                <a:ext uri="{FF2B5EF4-FFF2-40B4-BE49-F238E27FC236}">
+                  <a16:creationId xmlns:a16="http://schemas.microsoft.com/office/drawing/2014/main" id="{0FA0BA1A-B5BE-8FBF-A97B-F5CBF52DD647}"/>
+                </a:ext>
+              </a:extLst>
+            </p:cNvPr>
+            <p:cNvCxnSpPr>
+              <a:cxnSpLocks/>
+            </p:cNvCxnSpPr>
+            <p:nvPr/>
+          </p:nvCxnSpPr>
+          <p:spPr>
+            <a:xfrm>
+              <a:off x="593765" y="1940428"/>
+              <a:ext cx="2449473" cy="0"/>
+            </a:xfrm>
+            <a:prstGeom prst="straightConnector1">
+              <a:avLst/>
+            </a:prstGeom>
+            <a:ln w="9525" cap="rnd">
+              <a:round/>
+              <a:tailEnd type="stealth"/>
+            </a:ln>
+          </p:spPr>
+          <p:style>
+            <a:lnRef idx="2">
+              <a:schemeClr val="dk1"/>
+            </a:lnRef>
+            <a:fillRef idx="0">
+              <a:schemeClr val="dk1"/>
+            </a:fillRef>
+            <a:effectRef idx="1">
+              <a:schemeClr val="dk1"/>
+            </a:effectRef>
+            <a:fontRef idx="minor">
+              <a:schemeClr val="tx1"/>
+            </a:fontRef>
+          </p:style>
+        </p:cxnSp>
+        <p:sp>
+          <p:nvSpPr>
+            <p:cNvPr id="21" name="Textfeld 20">
+              <a:extLst>
+                <a:ext uri="{FF2B5EF4-FFF2-40B4-BE49-F238E27FC236}">
+                  <a16:creationId xmlns:a16="http://schemas.microsoft.com/office/drawing/2014/main" id="{ECBE2A7F-1991-BE72-42D5-AEBB2839FB7A}"/>
+                </a:ext>
+              </a:extLst>
+            </p:cNvPr>
+            <p:cNvSpPr txBox="1"/>
+            <p:nvPr/>
+          </p:nvSpPr>
+          <p:spPr>
+            <a:xfrm>
+              <a:off x="220862" y="872331"/>
+              <a:ext cx="233362" cy="261610"/>
+            </a:xfrm>
+            <a:prstGeom prst="rect">
+              <a:avLst/>
+            </a:prstGeom>
+            <a:noFill/>
+          </p:spPr>
+          <p:txBody>
+            <a:bodyPr wrap="square" rtlCol="0">
+              <a:spAutoFit/>
+            </a:bodyPr>
+            <a:lstStyle/>
+            <a:p>
+              <a:pPr algn="ctr"/>
+              <a:r>
+                <a:rPr lang="de-DE" sz="1100" i="1" dirty="0">
+                  <a:latin typeface="CMU Serif" panose="02000603000000000000" pitchFamily="2" charset="0"/>
+                  <a:ea typeface="CMU Serif" panose="02000603000000000000" pitchFamily="2" charset="0"/>
+                  <a:cs typeface="CMU Serif" panose="02000603000000000000" pitchFamily="2" charset="0"/>
+                </a:rPr>
+                <a:t>y</a:t>
+              </a:r>
+            </a:p>
+          </p:txBody>
+        </p:sp>
+        <p:sp>
+          <p:nvSpPr>
+            <p:cNvPr id="22" name="Textfeld 21">
+              <a:extLst>
+                <a:ext uri="{FF2B5EF4-FFF2-40B4-BE49-F238E27FC236}">
+                  <a16:creationId xmlns:a16="http://schemas.microsoft.com/office/drawing/2014/main" id="{9347DDBC-7F31-07EB-6C5F-5121311B917D}"/>
+                </a:ext>
+              </a:extLst>
+            </p:cNvPr>
+            <p:cNvSpPr txBox="1"/>
+            <p:nvPr/>
+          </p:nvSpPr>
+          <p:spPr>
+            <a:xfrm>
+              <a:off x="2878932" y="1940137"/>
+              <a:ext cx="233362" cy="261610"/>
+            </a:xfrm>
+            <a:prstGeom prst="rect">
+              <a:avLst/>
+            </a:prstGeom>
+            <a:noFill/>
+          </p:spPr>
+          <p:txBody>
+            <a:bodyPr wrap="square" rtlCol="0">
+              <a:spAutoFit/>
+            </a:bodyPr>
+            <a:lstStyle/>
+            <a:p>
+              <a:pPr algn="ctr"/>
+              <a:r>
+                <a:rPr lang="de-DE" sz="1100" i="1" dirty="0">
+                  <a:latin typeface="CMU Serif" panose="02000603000000000000" pitchFamily="2" charset="0"/>
+                  <a:ea typeface="CMU Serif" panose="02000603000000000000" pitchFamily="2" charset="0"/>
+                  <a:cs typeface="CMU Serif" panose="02000603000000000000" pitchFamily="2" charset="0"/>
+                </a:rPr>
+                <a:t>x</a:t>
+              </a:r>
+            </a:p>
+          </p:txBody>
+        </p:sp>
+      </p:grpSp>
+      <p:sp>
+        <p:nvSpPr>
+          <p:cNvPr id="54" name="Textfeld 53">
+            <a:extLst>
+              <a:ext uri="{FF2B5EF4-FFF2-40B4-BE49-F238E27FC236}">
+                <a16:creationId xmlns:a16="http://schemas.microsoft.com/office/drawing/2014/main" id="{76482CE4-7380-C028-3AC5-FFE9EEF8C2AE}"/>
+              </a:ext>
+            </a:extLst>
+          </p:cNvPr>
+          <p:cNvSpPr txBox="1"/>
+          <p:nvPr/>
+        </p:nvSpPr>
+        <p:spPr>
+          <a:xfrm>
+            <a:off x="1365291" y="1173170"/>
+            <a:ext cx="352779" cy="261610"/>
+          </a:xfrm>
+          <a:prstGeom prst="rect">
+            <a:avLst/>
+          </a:prstGeom>
+          <a:noFill/>
+        </p:spPr>
+        <p:txBody>
+          <a:bodyPr wrap="square" rtlCol="0">
+            <a:spAutoFit/>
+          </a:bodyPr>
+          <a:lstStyle/>
+          <a:p>
+            <a:pPr algn="ctr"/>
+            <a:r>
+              <a:rPr lang="de-DE" sz="1100" i="1" dirty="0">
+                <a:solidFill>
+                  <a:schemeClr val="tx1">
+                    <a:lumMod val="50000"/>
+                    <a:lumOff val="50000"/>
+                  </a:schemeClr>
+                </a:solidFill>
+                <a:latin typeface="CMU Serif" panose="02000603000000000000" pitchFamily="2" charset="0"/>
+                <a:ea typeface="CMU Serif" panose="02000603000000000000" pitchFamily="2" charset="0"/>
+                <a:cs typeface="CMU Serif" panose="02000603000000000000" pitchFamily="2" charset="0"/>
+              </a:rPr>
+              <a:t>x</a:t>
+            </a:r>
+            <a:endParaRPr lang="de-DE" sz="1100" i="1" baseline="-25000" dirty="0">
+              <a:solidFill>
+                <a:schemeClr val="tx1">
+                  <a:lumMod val="50000"/>
+                  <a:lumOff val="50000"/>
+                </a:schemeClr>
+              </a:solidFill>
+              <a:latin typeface="CMU Serif" panose="02000603000000000000" pitchFamily="2" charset="0"/>
+              <a:ea typeface="CMU Serif" panose="02000603000000000000" pitchFamily="2" charset="0"/>
+              <a:cs typeface="CMU Serif" panose="02000603000000000000" pitchFamily="2" charset="0"/>
+            </a:endParaRPr>
+          </a:p>
+        </p:txBody>
+      </p:sp>
+      <p:sp>
+        <p:nvSpPr>
+          <p:cNvPr id="55" name="Textfeld 54">
+            <a:extLst>
+              <a:ext uri="{FF2B5EF4-FFF2-40B4-BE49-F238E27FC236}">
+                <a16:creationId xmlns:a16="http://schemas.microsoft.com/office/drawing/2014/main" id="{22C0096F-C4D5-40BC-0C8D-C14A0E492B37}"/>
+              </a:ext>
+            </a:extLst>
+          </p:cNvPr>
+          <p:cNvSpPr txBox="1"/>
+          <p:nvPr/>
+        </p:nvSpPr>
+        <p:spPr>
+          <a:xfrm>
+            <a:off x="2232809" y="1638127"/>
+            <a:ext cx="352779" cy="261610"/>
+          </a:xfrm>
+          <a:prstGeom prst="rect">
+            <a:avLst/>
+          </a:prstGeom>
+          <a:noFill/>
+        </p:spPr>
+        <p:txBody>
+          <a:bodyPr wrap="square" rtlCol="0">
+            <a:spAutoFit/>
+          </a:bodyPr>
+          <a:lstStyle/>
+          <a:p>
+            <a:pPr algn="ctr"/>
+            <a:r>
+              <a:rPr lang="de-DE" sz="1100" i="1" dirty="0">
+                <a:solidFill>
+                  <a:schemeClr val="tx1">
+                    <a:lumMod val="50000"/>
+                    <a:lumOff val="50000"/>
+                  </a:schemeClr>
+                </a:solidFill>
+                <a:latin typeface="CMU Serif" panose="02000603000000000000" pitchFamily="2" charset="0"/>
+                <a:ea typeface="CMU Serif" panose="02000603000000000000" pitchFamily="2" charset="0"/>
+                <a:cs typeface="CMU Serif" panose="02000603000000000000" pitchFamily="2" charset="0"/>
+              </a:rPr>
+              <a:t>y</a:t>
+            </a:r>
+            <a:endParaRPr lang="de-DE" sz="1100" i="1" baseline="-25000" dirty="0">
+              <a:solidFill>
+                <a:schemeClr val="tx1">
+                  <a:lumMod val="50000"/>
+                  <a:lumOff val="50000"/>
+                </a:schemeClr>
+              </a:solidFill>
+              <a:latin typeface="CMU Serif" panose="02000603000000000000" pitchFamily="2" charset="0"/>
+              <a:ea typeface="CMU Serif" panose="02000603000000000000" pitchFamily="2" charset="0"/>
+              <a:cs typeface="CMU Serif" panose="02000603000000000000" pitchFamily="2" charset="0"/>
+            </a:endParaRPr>
+          </a:p>
+        </p:txBody>
+      </p:sp>
+      <p:cxnSp>
+        <p:nvCxnSpPr>
+          <p:cNvPr id="56" name="Gerade Verbindung mit Pfeil 55">
+            <a:extLst>
+              <a:ext uri="{FF2B5EF4-FFF2-40B4-BE49-F238E27FC236}">
+                <a16:creationId xmlns:a16="http://schemas.microsoft.com/office/drawing/2014/main" id="{20F68DD5-BD91-6E2B-C9CE-C9C47955E97C}"/>
+              </a:ext>
+            </a:extLst>
+          </p:cNvPr>
+          <p:cNvCxnSpPr>
+            <a:cxnSpLocks/>
+          </p:cNvCxnSpPr>
+          <p:nvPr/>
+        </p:nvCxnSpPr>
+        <p:spPr>
+          <a:xfrm flipV="1">
+            <a:off x="1694259" y="1399509"/>
+            <a:ext cx="628650" cy="804143"/>
+          </a:xfrm>
+          <a:prstGeom prst="straightConnector1">
+            <a:avLst/>
+          </a:prstGeom>
+          <a:ln w="9525" cap="rnd">
+            <a:solidFill>
+              <a:schemeClr val="accent2"/>
+            </a:solidFill>
+            <a:round/>
+            <a:headEnd type="none"/>
+            <a:tailEnd type="stealth"/>
+          </a:ln>
+        </p:spPr>
+        <p:style>
+          <a:lnRef idx="2">
+            <a:schemeClr val="dk1"/>
+          </a:lnRef>
+          <a:fillRef idx="0">
+            <a:schemeClr val="dk1"/>
+          </a:fillRef>
+          <a:effectRef idx="1">
+            <a:schemeClr val="dk1"/>
+          </a:effectRef>
+          <a:fontRef idx="minor">
+            <a:schemeClr val="tx1"/>
+          </a:fontRef>
+        </p:style>
+      </p:cxnSp>
+      <p:sp>
+        <p:nvSpPr>
+          <p:cNvPr id="40" name="Ellipse 39">
+            <a:extLst>
+              <a:ext uri="{FF2B5EF4-FFF2-40B4-BE49-F238E27FC236}">
+                <a16:creationId xmlns:a16="http://schemas.microsoft.com/office/drawing/2014/main" id="{3FB33560-7345-FD89-79FC-CB1BDB404655}"/>
+              </a:ext>
+            </a:extLst>
+          </p:cNvPr>
+          <p:cNvSpPr/>
+          <p:nvPr/>
+        </p:nvSpPr>
+        <p:spPr>
+          <a:xfrm>
+            <a:off x="1671400" y="2179882"/>
+            <a:ext cx="45719" cy="45719"/>
+          </a:xfrm>
+          <a:prstGeom prst="ellipse">
+            <a:avLst/>
+          </a:prstGeom>
+          <a:noFill/>
+          <a:ln w="6350">
+            <a:solidFill>
+              <a:schemeClr val="tx1">
+                <a:lumMod val="50000"/>
+                <a:lumOff val="50000"/>
+              </a:schemeClr>
+            </a:solidFill>
+          </a:ln>
+        </p:spPr>
+        <p:style>
+          <a:lnRef idx="2">
+            <a:schemeClr val="accent1">
+              <a:shade val="15000"/>
+            </a:schemeClr>
+          </a:lnRef>
+          <a:fillRef idx="1">
+            <a:schemeClr val="accent1"/>
+          </a:fillRef>
+          <a:effectRef idx="0">
+            <a:schemeClr val="accent1"/>
+          </a:effectRef>
+          <a:fontRef idx="minor">
+            <a:schemeClr val="lt1"/>
+          </a:fontRef>
+        </p:style>
+        <p:txBody>
+          <a:bodyPr rtlCol="0" anchor="ctr"/>
+          <a:lstStyle/>
+          <a:p>
+            <a:pPr algn="ctr"/>
+            <a:endParaRPr lang="de-DE"/>
+          </a:p>
+        </p:txBody>
+      </p:sp>
+      <p:cxnSp>
+        <p:nvCxnSpPr>
+          <p:cNvPr id="38" name="Gerader Verbinder 37">
+            <a:extLst>
+              <a:ext uri="{FF2B5EF4-FFF2-40B4-BE49-F238E27FC236}">
+                <a16:creationId xmlns:a16="http://schemas.microsoft.com/office/drawing/2014/main" id="{D6F0D60B-E555-BCF1-9ECD-AA69379956B6}"/>
+              </a:ext>
+            </a:extLst>
+          </p:cNvPr>
+          <p:cNvCxnSpPr>
+            <a:cxnSpLocks/>
+          </p:cNvCxnSpPr>
+          <p:nvPr/>
+        </p:nvCxnSpPr>
+        <p:spPr>
+          <a:xfrm>
+            <a:off x="1694260" y="1545449"/>
+            <a:ext cx="0" cy="723941"/>
+          </a:xfrm>
+          <a:prstGeom prst="line">
+            <a:avLst/>
+          </a:prstGeom>
+          <a:ln w="6350" cap="rnd">
+            <a:solidFill>
+              <a:schemeClr val="tx1">
+                <a:lumMod val="50000"/>
+                <a:lumOff val="50000"/>
+              </a:schemeClr>
+            </a:solidFill>
+            <a:round/>
+          </a:ln>
+        </p:spPr>
+        <p:style>
+          <a:lnRef idx="2">
+            <a:schemeClr val="dk1"/>
+          </a:lnRef>
+          <a:fillRef idx="0">
+            <a:schemeClr val="dk1"/>
+          </a:fillRef>
+          <a:effectRef idx="1">
+            <a:schemeClr val="dk1"/>
+          </a:effectRef>
+          <a:fontRef idx="minor">
+            <a:schemeClr val="tx1"/>
+          </a:fontRef>
+        </p:style>
+      </p:cxnSp>
+      <p:cxnSp>
+        <p:nvCxnSpPr>
+          <p:cNvPr id="61" name="Gerade Verbindung mit Pfeil 60">
+            <a:extLst>
+              <a:ext uri="{FF2B5EF4-FFF2-40B4-BE49-F238E27FC236}">
+                <a16:creationId xmlns:a16="http://schemas.microsoft.com/office/drawing/2014/main" id="{622465F8-FDD1-EB3C-4B85-B27CD986FCE7}"/>
+              </a:ext>
+            </a:extLst>
+          </p:cNvPr>
+          <p:cNvCxnSpPr>
+            <a:cxnSpLocks/>
+          </p:cNvCxnSpPr>
+          <p:nvPr/>
+        </p:nvCxnSpPr>
+        <p:spPr>
+          <a:xfrm flipV="1">
+            <a:off x="2321716" y="977920"/>
+            <a:ext cx="331218" cy="423680"/>
+          </a:xfrm>
+          <a:prstGeom prst="straightConnector1">
+            <a:avLst/>
+          </a:prstGeom>
+          <a:ln w="9525" cap="rnd">
+            <a:solidFill>
+              <a:schemeClr val="accent2"/>
+            </a:solidFill>
+            <a:round/>
+            <a:headEnd type="none"/>
+            <a:tailEnd type="stealth"/>
+          </a:ln>
+        </p:spPr>
+        <p:style>
+          <a:lnRef idx="2">
+            <a:schemeClr val="dk1"/>
+          </a:lnRef>
+          <a:fillRef idx="0">
+            <a:schemeClr val="dk1"/>
+          </a:fillRef>
+          <a:effectRef idx="1">
+            <a:schemeClr val="dk1"/>
+          </a:effectRef>
+          <a:fontRef idx="minor">
+            <a:schemeClr val="tx1"/>
+          </a:fontRef>
+        </p:style>
+      </p:cxnSp>
+      <p:cxnSp>
+        <p:nvCxnSpPr>
+          <p:cNvPr id="50" name="Gerade Verbindung mit Pfeil 49">
+            <a:extLst>
+              <a:ext uri="{FF2B5EF4-FFF2-40B4-BE49-F238E27FC236}">
+                <a16:creationId xmlns:a16="http://schemas.microsoft.com/office/drawing/2014/main" id="{6BF261DB-C6A6-B1F8-81BE-29EF554B1111}"/>
+              </a:ext>
+            </a:extLst>
+          </p:cNvPr>
+          <p:cNvCxnSpPr>
+            <a:cxnSpLocks/>
+          </p:cNvCxnSpPr>
+          <p:nvPr/>
+        </p:nvCxnSpPr>
+        <p:spPr>
+          <a:xfrm>
+            <a:off x="2322909" y="1401533"/>
+            <a:ext cx="362347" cy="0"/>
+          </a:xfrm>
+          <a:prstGeom prst="straightConnector1">
+            <a:avLst/>
+          </a:prstGeom>
+          <a:ln w="9525" cap="rnd">
+            <a:solidFill>
+              <a:schemeClr val="tx1">
+                <a:lumMod val="50000"/>
+                <a:lumOff val="50000"/>
+              </a:schemeClr>
+            </a:solidFill>
+            <a:round/>
+            <a:headEnd type="none"/>
+            <a:tailEnd type="stealth"/>
+          </a:ln>
+        </p:spPr>
+        <p:style>
+          <a:lnRef idx="2">
+            <a:schemeClr val="dk1"/>
+          </a:lnRef>
+          <a:fillRef idx="0">
+            <a:schemeClr val="dk1"/>
+          </a:fillRef>
+          <a:effectRef idx="1">
+            <a:schemeClr val="dk1"/>
+          </a:effectRef>
+          <a:fontRef idx="minor">
+            <a:schemeClr val="tx1"/>
+          </a:fontRef>
+        </p:style>
+      </p:cxnSp>
+      <p:cxnSp>
+        <p:nvCxnSpPr>
+          <p:cNvPr id="53" name="Gerade Verbindung mit Pfeil 52">
+            <a:extLst>
+              <a:ext uri="{FF2B5EF4-FFF2-40B4-BE49-F238E27FC236}">
+                <a16:creationId xmlns:a16="http://schemas.microsoft.com/office/drawing/2014/main" id="{55619D61-7B52-1515-6B1D-51C42D3C2F7D}"/>
+              </a:ext>
+            </a:extLst>
+          </p:cNvPr>
+          <p:cNvCxnSpPr>
+            <a:cxnSpLocks/>
+          </p:cNvCxnSpPr>
+          <p:nvPr/>
+        </p:nvCxnSpPr>
+        <p:spPr>
+          <a:xfrm rot="-5400000">
+            <a:off x="2141735" y="1220359"/>
+            <a:ext cx="362347" cy="0"/>
+          </a:xfrm>
+          <a:prstGeom prst="straightConnector1">
+            <a:avLst/>
+          </a:prstGeom>
+          <a:ln w="9525" cap="rnd">
+            <a:solidFill>
+              <a:schemeClr val="tx1">
+                <a:lumMod val="50000"/>
+                <a:lumOff val="50000"/>
+              </a:schemeClr>
+            </a:solidFill>
+            <a:round/>
+            <a:headEnd type="none"/>
+            <a:tailEnd type="stealth"/>
+          </a:ln>
+        </p:spPr>
+        <p:style>
+          <a:lnRef idx="2">
+            <a:schemeClr val="dk1"/>
+          </a:lnRef>
+          <a:fillRef idx="0">
+            <a:schemeClr val="dk1"/>
+          </a:fillRef>
+          <a:effectRef idx="1">
+            <a:schemeClr val="dk1"/>
+          </a:effectRef>
+          <a:fontRef idx="minor">
+            <a:schemeClr val="tx1"/>
+          </a:fontRef>
+        </p:style>
+      </p:cxnSp>
+      <p:sp>
+        <p:nvSpPr>
+          <p:cNvPr id="64" name="Textfeld 63">
+            <a:extLst>
+              <a:ext uri="{FF2B5EF4-FFF2-40B4-BE49-F238E27FC236}">
+                <a16:creationId xmlns:a16="http://schemas.microsoft.com/office/drawing/2014/main" id="{A4A26152-63D9-152C-1A8C-81837453F0B1}"/>
+              </a:ext>
+            </a:extLst>
+          </p:cNvPr>
+          <p:cNvSpPr txBox="1"/>
+          <p:nvPr/>
+        </p:nvSpPr>
+        <p:spPr>
+          <a:xfrm>
+            <a:off x="2481327" y="1403944"/>
+            <a:ext cx="352779" cy="261610"/>
+          </a:xfrm>
+          <a:prstGeom prst="rect">
+            <a:avLst/>
+          </a:prstGeom>
+          <a:noFill/>
+        </p:spPr>
+        <p:txBody>
+          <a:bodyPr wrap="square" rtlCol="0">
+            <a:spAutoFit/>
+          </a:bodyPr>
+          <a:lstStyle/>
+          <a:p>
+            <a:pPr algn="ctr"/>
+            <a:r>
+              <a:rPr lang="de-DE" sz="1100" dirty="0">
+                <a:solidFill>
+                  <a:schemeClr val="tx1">
+                    <a:lumMod val="50000"/>
+                    <a:lumOff val="50000"/>
+                  </a:schemeClr>
+                </a:solidFill>
+                <a:latin typeface="CMU Serif" panose="02000603000000000000" pitchFamily="2" charset="0"/>
+                <a:ea typeface="CMU Serif" panose="02000603000000000000" pitchFamily="2" charset="0"/>
+                <a:cs typeface="CMU Serif" panose="02000603000000000000" pitchFamily="2" charset="0"/>
+              </a:rPr>
+              <a:t>d</a:t>
+            </a:r>
+            <a:r>
+              <a:rPr lang="de-DE" sz="1100" i="1" dirty="0">
+                <a:solidFill>
+                  <a:schemeClr val="tx1">
+                    <a:lumMod val="50000"/>
+                    <a:lumOff val="50000"/>
+                  </a:schemeClr>
+                </a:solidFill>
+                <a:latin typeface="CMU Serif" panose="02000603000000000000" pitchFamily="2" charset="0"/>
+                <a:ea typeface="CMU Serif" panose="02000603000000000000" pitchFamily="2" charset="0"/>
+                <a:cs typeface="CMU Serif" panose="02000603000000000000" pitchFamily="2" charset="0"/>
+              </a:rPr>
+              <a:t>u</a:t>
+            </a:r>
+            <a:endParaRPr lang="de-DE" sz="1100" i="1" baseline="-25000" dirty="0">
+              <a:solidFill>
+                <a:schemeClr val="tx1">
+                  <a:lumMod val="50000"/>
+                  <a:lumOff val="50000"/>
+                </a:schemeClr>
+              </a:solidFill>
+              <a:latin typeface="CMU Serif" panose="02000603000000000000" pitchFamily="2" charset="0"/>
+              <a:ea typeface="CMU Serif" panose="02000603000000000000" pitchFamily="2" charset="0"/>
+              <a:cs typeface="CMU Serif" panose="02000603000000000000" pitchFamily="2" charset="0"/>
+            </a:endParaRPr>
+          </a:p>
+        </p:txBody>
+      </p:sp>
+      <p:sp>
+        <p:nvSpPr>
+          <p:cNvPr id="65" name="Textfeld 64">
+            <a:extLst>
+              <a:ext uri="{FF2B5EF4-FFF2-40B4-BE49-F238E27FC236}">
+                <a16:creationId xmlns:a16="http://schemas.microsoft.com/office/drawing/2014/main" id="{BE435B40-5057-1274-527D-5E19682BA74B}"/>
+              </a:ext>
+            </a:extLst>
+          </p:cNvPr>
+          <p:cNvSpPr txBox="1"/>
+          <p:nvPr/>
+        </p:nvSpPr>
+        <p:spPr>
+          <a:xfrm>
+            <a:off x="2000728" y="906895"/>
+            <a:ext cx="352779" cy="261610"/>
+          </a:xfrm>
+          <a:prstGeom prst="rect">
+            <a:avLst/>
+          </a:prstGeom>
+          <a:noFill/>
+        </p:spPr>
+        <p:txBody>
+          <a:bodyPr wrap="square" rtlCol="0">
+            <a:spAutoFit/>
+          </a:bodyPr>
+          <a:lstStyle/>
+          <a:p>
+            <a:pPr algn="ctr"/>
+            <a:r>
+              <a:rPr lang="de-DE" sz="1100" dirty="0">
+                <a:solidFill>
+                  <a:schemeClr val="tx1">
+                    <a:lumMod val="50000"/>
+                    <a:lumOff val="50000"/>
+                  </a:schemeClr>
+                </a:solidFill>
+                <a:latin typeface="CMU Serif" panose="02000603000000000000" pitchFamily="2" charset="0"/>
+                <a:ea typeface="CMU Serif" panose="02000603000000000000" pitchFamily="2" charset="0"/>
+                <a:cs typeface="CMU Serif" panose="02000603000000000000" pitchFamily="2" charset="0"/>
+              </a:rPr>
+              <a:t>d</a:t>
+            </a:r>
+            <a:r>
+              <a:rPr lang="de-DE" sz="1100" i="1" dirty="0">
+                <a:solidFill>
+                  <a:schemeClr val="tx1">
+                    <a:lumMod val="50000"/>
+                    <a:lumOff val="50000"/>
+                  </a:schemeClr>
+                </a:solidFill>
+                <a:latin typeface="CMU Serif" panose="02000603000000000000" pitchFamily="2" charset="0"/>
+                <a:ea typeface="CMU Serif" panose="02000603000000000000" pitchFamily="2" charset="0"/>
+                <a:cs typeface="CMU Serif" panose="02000603000000000000" pitchFamily="2" charset="0"/>
+              </a:rPr>
+              <a:t>v</a:t>
+            </a:r>
+            <a:endParaRPr lang="de-DE" sz="1100" i="1" baseline="-25000" dirty="0">
+              <a:solidFill>
+                <a:schemeClr val="tx1">
+                  <a:lumMod val="50000"/>
+                  <a:lumOff val="50000"/>
+                </a:schemeClr>
+              </a:solidFill>
+              <a:latin typeface="CMU Serif" panose="02000603000000000000" pitchFamily="2" charset="0"/>
+              <a:ea typeface="CMU Serif" panose="02000603000000000000" pitchFamily="2" charset="0"/>
+              <a:cs typeface="CMU Serif" panose="02000603000000000000" pitchFamily="2" charset="0"/>
+            </a:endParaRPr>
+          </a:p>
+        </p:txBody>
+      </p:sp>
+      <p:sp>
+        <p:nvSpPr>
+          <p:cNvPr id="66" name="Textfeld 65">
+            <a:extLst>
+              <a:ext uri="{FF2B5EF4-FFF2-40B4-BE49-F238E27FC236}">
+                <a16:creationId xmlns:a16="http://schemas.microsoft.com/office/drawing/2014/main" id="{E17A8616-A10C-02A7-F4E3-E879625814BB}"/>
+              </a:ext>
+            </a:extLst>
+          </p:cNvPr>
+          <p:cNvSpPr txBox="1"/>
+          <p:nvPr/>
+        </p:nvSpPr>
+        <p:spPr>
+          <a:xfrm>
+            <a:off x="2556973" y="979522"/>
+            <a:ext cx="429336" cy="261610"/>
+          </a:xfrm>
+          <a:prstGeom prst="rect">
+            <a:avLst/>
+          </a:prstGeom>
+          <a:noFill/>
+        </p:spPr>
+        <p:txBody>
+          <a:bodyPr wrap="square" rtlCol="0">
+            <a:spAutoFit/>
+          </a:bodyPr>
+          <a:lstStyle/>
+          <a:p>
+            <a:pPr algn="ctr"/>
+            <a:r>
+              <a:rPr lang="de-DE" sz="1100" dirty="0" err="1">
+                <a:solidFill>
+                  <a:schemeClr val="accent2"/>
+                </a:solidFill>
+                <a:latin typeface="CMU Serif" panose="02000603000000000000" pitchFamily="2" charset="0"/>
+                <a:ea typeface="CMU Serif" panose="02000603000000000000" pitchFamily="2" charset="0"/>
+                <a:cs typeface="CMU Serif" panose="02000603000000000000" pitchFamily="2" charset="0"/>
+              </a:rPr>
+              <a:t>d</a:t>
+            </a:r>
+            <a:r>
+              <a:rPr lang="de-DE" sz="1100" i="1" dirty="0" err="1">
+                <a:solidFill>
+                  <a:schemeClr val="accent2"/>
+                </a:solidFill>
+                <a:latin typeface="CMU Serif" panose="02000603000000000000" pitchFamily="2" charset="0"/>
+                <a:ea typeface="CMU Serif" panose="02000603000000000000" pitchFamily="2" charset="0"/>
+                <a:cs typeface="CMU Serif" panose="02000603000000000000" pitchFamily="2" charset="0"/>
+              </a:rPr>
+              <a:t>v</a:t>
+            </a:r>
+            <a:r>
+              <a:rPr lang="de-DE" sz="1100" i="1" baseline="-25000" dirty="0" err="1">
+                <a:solidFill>
+                  <a:schemeClr val="accent2"/>
+                </a:solidFill>
+                <a:latin typeface="CMU Serif" panose="02000603000000000000" pitchFamily="2" charset="0"/>
+                <a:ea typeface="CMU Serif" panose="02000603000000000000" pitchFamily="2" charset="0"/>
+                <a:cs typeface="CMU Serif" panose="02000603000000000000" pitchFamily="2" charset="0"/>
+              </a:rPr>
+              <a:t>r</a:t>
+            </a:r>
+            <a:endParaRPr lang="de-DE" sz="1100" i="1" baseline="-25000" dirty="0">
+              <a:solidFill>
+                <a:schemeClr val="accent2"/>
+              </a:solidFill>
+              <a:latin typeface="CMU Serif" panose="02000603000000000000" pitchFamily="2" charset="0"/>
+              <a:ea typeface="CMU Serif" panose="02000603000000000000" pitchFamily="2" charset="0"/>
+              <a:cs typeface="CMU Serif" panose="02000603000000000000" pitchFamily="2" charset="0"/>
+            </a:endParaRPr>
+          </a:p>
+        </p:txBody>
+      </p:sp>
+      <p:sp>
+        <p:nvSpPr>
+          <p:cNvPr id="67" name="Textfeld 66">
+            <a:extLst>
+              <a:ext uri="{FF2B5EF4-FFF2-40B4-BE49-F238E27FC236}">
+                <a16:creationId xmlns:a16="http://schemas.microsoft.com/office/drawing/2014/main" id="{4D85C809-E44D-B771-1DDA-0F3DB1AE9532}"/>
+              </a:ext>
+            </a:extLst>
+          </p:cNvPr>
+          <p:cNvSpPr txBox="1"/>
+          <p:nvPr/>
+        </p:nvSpPr>
+        <p:spPr>
+          <a:xfrm>
+            <a:off x="1908631" y="1649102"/>
+            <a:ext cx="429336" cy="261610"/>
+          </a:xfrm>
+          <a:prstGeom prst="rect">
+            <a:avLst/>
+          </a:prstGeom>
+          <a:noFill/>
+        </p:spPr>
+        <p:txBody>
+          <a:bodyPr wrap="square" rtlCol="0">
+            <a:spAutoFit/>
+          </a:bodyPr>
+          <a:lstStyle/>
+          <a:p>
+            <a:pPr algn="ctr"/>
+            <a:r>
+              <a:rPr lang="de-DE" sz="1100" i="1" dirty="0">
+                <a:solidFill>
+                  <a:schemeClr val="accent2"/>
+                </a:solidFill>
+                <a:latin typeface="CMU Serif" panose="02000603000000000000" pitchFamily="2" charset="0"/>
+                <a:ea typeface="CMU Serif" panose="02000603000000000000" pitchFamily="2" charset="0"/>
+                <a:cs typeface="CMU Serif" panose="02000603000000000000" pitchFamily="2" charset="0"/>
+              </a:rPr>
+              <a:t>r</a:t>
+            </a:r>
+            <a:endParaRPr lang="de-DE" sz="1100" i="1" baseline="-25000" dirty="0">
+              <a:solidFill>
+                <a:schemeClr val="accent2"/>
+              </a:solidFill>
+              <a:latin typeface="CMU Serif" panose="02000603000000000000" pitchFamily="2" charset="0"/>
+              <a:ea typeface="CMU Serif" panose="02000603000000000000" pitchFamily="2" charset="0"/>
+              <a:cs typeface="CMU Serif" panose="02000603000000000000" pitchFamily="2" charset="0"/>
+            </a:endParaRPr>
+          </a:p>
+        </p:txBody>
+      </p:sp>
+      <p:sp>
+        <p:nvSpPr>
+          <p:cNvPr id="68" name="Bogen 67">
+            <a:extLst>
+              <a:ext uri="{FF2B5EF4-FFF2-40B4-BE49-F238E27FC236}">
+                <a16:creationId xmlns:a16="http://schemas.microsoft.com/office/drawing/2014/main" id="{488935CF-E48C-ABDB-2635-5978560ED574}"/>
+              </a:ext>
+            </a:extLst>
+          </p:cNvPr>
+          <p:cNvSpPr/>
+          <p:nvPr/>
+        </p:nvSpPr>
+        <p:spPr>
+          <a:xfrm>
+            <a:off x="1316325" y="1822527"/>
+            <a:ext cx="758068" cy="758064"/>
+          </a:xfrm>
+          <a:prstGeom prst="arc">
+            <a:avLst>
+              <a:gd name="adj1" fmla="val 18497828"/>
+              <a:gd name="adj2" fmla="val 0"/>
+            </a:avLst>
+          </a:prstGeom>
+          <a:ln w="9525" cap="rnd">
+            <a:solidFill>
+              <a:schemeClr val="accent2"/>
+            </a:solidFill>
+            <a:round/>
+            <a:headEnd type="stealth"/>
+            <a:tailEnd type="none"/>
+          </a:ln>
+        </p:spPr>
+        <p:style>
+          <a:lnRef idx="2">
+            <a:schemeClr val="accent1"/>
+          </a:lnRef>
+          <a:fillRef idx="0">
+            <a:schemeClr val="accent1"/>
+          </a:fillRef>
+          <a:effectRef idx="1">
+            <a:schemeClr val="accent1"/>
+          </a:effectRef>
+          <a:fontRef idx="minor">
+            <a:schemeClr val="tx1"/>
+          </a:fontRef>
+        </p:style>
+        <p:txBody>
+          <a:bodyPr rtlCol="0" anchor="ctr"/>
+          <a:lstStyle/>
+          <a:p>
+            <a:pPr algn="ctr"/>
+            <a:endParaRPr lang="de-DE"/>
+          </a:p>
+        </p:txBody>
+      </p:sp>
+      <p:sp>
+        <p:nvSpPr>
+          <p:cNvPr id="69" name="Textfeld 68">
+            <a:extLst>
+              <a:ext uri="{FF2B5EF4-FFF2-40B4-BE49-F238E27FC236}">
+                <a16:creationId xmlns:a16="http://schemas.microsoft.com/office/drawing/2014/main" id="{5B435A81-80E5-5619-4595-F83D7F13CA91}"/>
+              </a:ext>
+            </a:extLst>
+          </p:cNvPr>
+          <p:cNvSpPr txBox="1"/>
+          <p:nvPr/>
+        </p:nvSpPr>
+        <p:spPr>
+          <a:xfrm>
+            <a:off x="1685571" y="2000610"/>
+            <a:ext cx="429336" cy="261610"/>
+          </a:xfrm>
+          <a:prstGeom prst="rect">
+            <a:avLst/>
+          </a:prstGeom>
+          <a:noFill/>
+        </p:spPr>
+        <p:txBody>
+          <a:bodyPr wrap="square" rtlCol="0">
+            <a:spAutoFit/>
+          </a:bodyPr>
+          <a:lstStyle/>
+          <a:p>
+            <a:pPr algn="ctr"/>
+            <a:r>
+              <a:rPr lang="de-DE" sz="1100" i="1" dirty="0">
+                <a:solidFill>
+                  <a:schemeClr val="accent2"/>
+                </a:solidFill>
+                <a:latin typeface="Latin Modern Math" panose="02000503000000000000" pitchFamily="50" charset="0"/>
+                <a:ea typeface="Latin Modern Math" panose="02000503000000000000" pitchFamily="50" charset="0"/>
+                <a:cs typeface="CMU Serif" panose="02000603000000000000" pitchFamily="2" charset="0"/>
+              </a:rPr>
+              <a:t>φ</a:t>
+            </a:r>
+            <a:endParaRPr lang="de-DE" sz="1100" i="1" baseline="-25000" dirty="0">
+              <a:solidFill>
+                <a:schemeClr val="accent2"/>
+              </a:solidFill>
+              <a:latin typeface="Latin Modern Math" panose="02000503000000000000" pitchFamily="50" charset="0"/>
+              <a:ea typeface="Latin Modern Math" panose="02000503000000000000" pitchFamily="50" charset="0"/>
+              <a:cs typeface="CMU Serif" panose="02000603000000000000" pitchFamily="2" charset="0"/>
+            </a:endParaRPr>
+          </a:p>
+        </p:txBody>
+      </p:sp>
+      <p:sp>
+        <p:nvSpPr>
+          <p:cNvPr id="70" name="Ellipse 69">
+            <a:extLst>
+              <a:ext uri="{FF2B5EF4-FFF2-40B4-BE49-F238E27FC236}">
+                <a16:creationId xmlns:a16="http://schemas.microsoft.com/office/drawing/2014/main" id="{E5269625-BBF3-6DE4-4099-C3A3F90518A2}"/>
+              </a:ext>
+            </a:extLst>
+          </p:cNvPr>
+          <p:cNvSpPr/>
+          <p:nvPr/>
+        </p:nvSpPr>
+        <p:spPr>
+          <a:xfrm>
+            <a:off x="2301478" y="1379882"/>
+            <a:ext cx="45719" cy="45719"/>
+          </a:xfrm>
+          <a:prstGeom prst="ellipse">
+            <a:avLst/>
+          </a:prstGeom>
+          <a:solidFill>
+            <a:schemeClr val="tx1">
+              <a:lumMod val="50000"/>
+              <a:lumOff val="50000"/>
+            </a:schemeClr>
+          </a:solidFill>
+          <a:ln>
+            <a:noFill/>
+          </a:ln>
+        </p:spPr>
+        <p:style>
+          <a:lnRef idx="2">
+            <a:schemeClr val="accent1">
+              <a:shade val="15000"/>
+            </a:schemeClr>
+          </a:lnRef>
+          <a:fillRef idx="1">
+            <a:schemeClr val="accent1"/>
+          </a:fillRef>
+          <a:effectRef idx="0">
+            <a:schemeClr val="accent1"/>
+          </a:effectRef>
+          <a:fontRef idx="minor">
+            <a:schemeClr val="lt1"/>
+          </a:fontRef>
+        </p:style>
+        <p:txBody>
+          <a:bodyPr rtlCol="0" anchor="ctr"/>
+          <a:lstStyle/>
+          <a:p>
+            <a:pPr algn="ctr"/>
+            <a:endParaRPr lang="de-DE"/>
+          </a:p>
+        </p:txBody>
+      </p:sp>
+      <p:sp>
+        <p:nvSpPr>
+          <p:cNvPr id="71" name="Textfeld 70">
+            <a:extLst>
+              <a:ext uri="{FF2B5EF4-FFF2-40B4-BE49-F238E27FC236}">
+                <a16:creationId xmlns:a16="http://schemas.microsoft.com/office/drawing/2014/main" id="{4452D4F9-41A3-D6B6-ADF1-3384F2E8C3E9}"/>
+              </a:ext>
+            </a:extLst>
+          </p:cNvPr>
+          <p:cNvSpPr txBox="1"/>
+          <p:nvPr/>
+        </p:nvSpPr>
+        <p:spPr>
+          <a:xfrm>
+            <a:off x="1800225" y="1183368"/>
+            <a:ext cx="594068" cy="261610"/>
+          </a:xfrm>
+          <a:prstGeom prst="rect">
+            <a:avLst/>
+          </a:prstGeom>
+          <a:noFill/>
+        </p:spPr>
+        <p:txBody>
+          <a:bodyPr wrap="square" rtlCol="0">
+            <a:spAutoFit/>
+          </a:bodyPr>
+          <a:lstStyle/>
+          <a:p>
+            <a:pPr algn="ctr"/>
+            <a:r>
+              <a:rPr lang="de-DE" sz="1100" i="1" dirty="0">
+                <a:solidFill>
+                  <a:schemeClr val="tx1">
+                    <a:lumMod val="50000"/>
+                    <a:lumOff val="50000"/>
+                  </a:schemeClr>
+                </a:solidFill>
+                <a:latin typeface="Latin Modern Math" panose="02000503000000000000" pitchFamily="50" charset="0"/>
+                <a:ea typeface="Latin Modern Math" panose="02000503000000000000" pitchFamily="50" charset="0"/>
+                <a:cs typeface="CMU Serif" panose="02000603000000000000" pitchFamily="2" charset="0"/>
+              </a:rPr>
+              <a:t>P</a:t>
+            </a:r>
+            <a:r>
+              <a:rPr lang="de-DE" sz="1100" dirty="0">
+                <a:solidFill>
+                  <a:schemeClr val="tx1">
+                    <a:lumMod val="50000"/>
+                    <a:lumOff val="50000"/>
+                  </a:schemeClr>
+                </a:solidFill>
+                <a:latin typeface="CMU Serif" panose="02000603000000000000" pitchFamily="2" charset="0"/>
+                <a:ea typeface="CMU Serif" panose="02000603000000000000" pitchFamily="2" charset="0"/>
+                <a:cs typeface="CMU Serif" panose="02000603000000000000" pitchFamily="2" charset="0"/>
+              </a:rPr>
+              <a:t>(</a:t>
+            </a:r>
+            <a:r>
+              <a:rPr lang="de-DE" sz="1100" i="1" dirty="0" err="1">
+                <a:solidFill>
+                  <a:schemeClr val="tx1">
+                    <a:lumMod val="50000"/>
+                    <a:lumOff val="50000"/>
+                  </a:schemeClr>
+                </a:solidFill>
+                <a:latin typeface="CMU Serif" panose="02000603000000000000" pitchFamily="2" charset="0"/>
+                <a:ea typeface="CMU Serif" panose="02000603000000000000" pitchFamily="2" charset="0"/>
+                <a:cs typeface="CMU Serif" panose="02000603000000000000" pitchFamily="2" charset="0"/>
+              </a:rPr>
+              <a:t>x</a:t>
+            </a:r>
+            <a:r>
+              <a:rPr lang="de-DE" sz="1100" dirty="0" err="1">
+                <a:solidFill>
+                  <a:schemeClr val="tx1">
+                    <a:lumMod val="50000"/>
+                    <a:lumOff val="50000"/>
+                  </a:schemeClr>
+                </a:solidFill>
+                <a:latin typeface="CMU Serif" panose="02000603000000000000" pitchFamily="2" charset="0"/>
+                <a:ea typeface="CMU Serif" panose="02000603000000000000" pitchFamily="2" charset="0"/>
+                <a:cs typeface="CMU Serif" panose="02000603000000000000" pitchFamily="2" charset="0"/>
+              </a:rPr>
+              <a:t>,</a:t>
+            </a:r>
+            <a:r>
+              <a:rPr lang="de-DE" sz="1100" i="1" dirty="0" err="1">
+                <a:solidFill>
+                  <a:schemeClr val="tx1">
+                    <a:lumMod val="50000"/>
+                    <a:lumOff val="50000"/>
+                  </a:schemeClr>
+                </a:solidFill>
+                <a:latin typeface="CMU Serif" panose="02000603000000000000" pitchFamily="2" charset="0"/>
+                <a:ea typeface="CMU Serif" panose="02000603000000000000" pitchFamily="2" charset="0"/>
+                <a:cs typeface="CMU Serif" panose="02000603000000000000" pitchFamily="2" charset="0"/>
+              </a:rPr>
+              <a:t>y</a:t>
+            </a:r>
+            <a:r>
+              <a:rPr lang="de-DE" sz="1100" dirty="0">
+                <a:solidFill>
+                  <a:schemeClr val="tx1">
+                    <a:lumMod val="50000"/>
+                    <a:lumOff val="50000"/>
+                  </a:schemeClr>
+                </a:solidFill>
+                <a:latin typeface="CMU Serif" panose="02000603000000000000" pitchFamily="2" charset="0"/>
+                <a:ea typeface="CMU Serif" panose="02000603000000000000" pitchFamily="2" charset="0"/>
+                <a:cs typeface="CMU Serif" panose="02000603000000000000" pitchFamily="2" charset="0"/>
+              </a:rPr>
+              <a:t>)</a:t>
+            </a:r>
+            <a:endParaRPr lang="de-DE" sz="1100" i="1" baseline="-25000" dirty="0">
+              <a:solidFill>
+                <a:schemeClr val="tx1">
+                  <a:lumMod val="50000"/>
+                  <a:lumOff val="50000"/>
+                </a:schemeClr>
+              </a:solidFill>
+              <a:latin typeface="CMU Serif" panose="02000603000000000000" pitchFamily="2" charset="0"/>
+              <a:ea typeface="CMU Serif" panose="02000603000000000000" pitchFamily="2" charset="0"/>
+              <a:cs typeface="CMU Serif" panose="02000603000000000000" pitchFamily="2" charset="0"/>
+            </a:endParaRPr>
+          </a:p>
+        </p:txBody>
+      </p:sp>
+    </p:spTree>
+    <p:extLst>
+      <p:ext uri="{BB962C8B-B14F-4D97-AF65-F5344CB8AC3E}">
+        <p14:creationId xmlns:p14="http://schemas.microsoft.com/office/powerpoint/2010/main" val="71039971"/>
+      </p:ext>
+    </p:extLst>
+  </p:cSld>
+  <p:clrMapOvr>
+    <a:masterClrMapping/>
+  </p:clrMapOvr>
+</p:sld>
+</file>
+
+<file path=ppt/slides/slide19.xml><?xml version="1.0" encoding="utf-8"?>
+<p:sld xmlns:a="http://schemas.openxmlformats.org/drawingml/2006/main" xmlns:r="http://schemas.openxmlformats.org/officeDocument/2006/relationships" xmlns:p="http://schemas.openxmlformats.org/presentationml/2006/main">
+  <p:cSld>
+    <p:spTree>
+      <p:nvGrpSpPr>
+        <p:cNvPr id="1" name="">
+          <a:extLst>
+            <a:ext uri="{FF2B5EF4-FFF2-40B4-BE49-F238E27FC236}">
+              <a16:creationId xmlns:a16="http://schemas.microsoft.com/office/drawing/2014/main" id="{94FBE98C-843E-F8D8-04BB-4AA2E57FAB13}"/>
+            </a:ext>
+          </a:extLst>
+        </p:cNvPr>
+        <p:cNvGrpSpPr/>
+        <p:nvPr/>
+      </p:nvGrpSpPr>
+      <p:grpSpPr>
+        <a:xfrm>
+          <a:off x="0" y="0"/>
+          <a:ext cx="0" cy="0"/>
+          <a:chOff x="0" y="0"/>
+          <a:chExt cx="0" cy="0"/>
+        </a:xfrm>
+      </p:grpSpPr>
+    </p:spTree>
+    <p:extLst>
+      <p:ext uri="{BB962C8B-B14F-4D97-AF65-F5344CB8AC3E}">
+        <p14:creationId xmlns:p14="http://schemas.microsoft.com/office/powerpoint/2010/main" val="3709859894"/>
       </p:ext>
     </p:extLst>
   </p:cSld>

--- a/Strömungslehre 2/images/SL2-Images.pptx
+++ b/Strömungslehre 2/images/SL2-Images.pptx
@@ -24,6 +24,7 @@
     <p:sldId id="272" r:id="rId18"/>
     <p:sldId id="273" r:id="rId19"/>
     <p:sldId id="274" r:id="rId20"/>
+    <p:sldId id="275" r:id="rId21"/>
   </p:sldIdLst>
   <p:sldSz cx="3600450" cy="3600450"/>
   <p:notesSz cx="6858000" cy="9144000"/>
@@ -1502,7 +1503,7 @@
           <a:p>
             <a:fld id="{6EAE28AA-0912-4DA0-8B30-7F3CA3FE6671}" type="datetimeFigureOut">
               <a:rPr lang="de-DE" smtClean="0"/>
-              <a:t>24.12.2025</a:t>
+              <a:t>11.01.2026</a:t>
             </a:fld>
             <a:endParaRPr lang="de-DE"/>
           </a:p>
@@ -1672,7 +1673,7 @@
           <a:p>
             <a:fld id="{6EAE28AA-0912-4DA0-8B30-7F3CA3FE6671}" type="datetimeFigureOut">
               <a:rPr lang="de-DE" smtClean="0"/>
-              <a:t>24.12.2025</a:t>
+              <a:t>11.01.2026</a:t>
             </a:fld>
             <a:endParaRPr lang="de-DE"/>
           </a:p>
@@ -1852,7 +1853,7 @@
           <a:p>
             <a:fld id="{6EAE28AA-0912-4DA0-8B30-7F3CA3FE6671}" type="datetimeFigureOut">
               <a:rPr lang="de-DE" smtClean="0"/>
-              <a:t>24.12.2025</a:t>
+              <a:t>11.01.2026</a:t>
             </a:fld>
             <a:endParaRPr lang="de-DE"/>
           </a:p>
@@ -2022,7 +2023,7 @@
           <a:p>
             <a:fld id="{6EAE28AA-0912-4DA0-8B30-7F3CA3FE6671}" type="datetimeFigureOut">
               <a:rPr lang="de-DE" smtClean="0"/>
-              <a:t>24.12.2025</a:t>
+              <a:t>11.01.2026</a:t>
             </a:fld>
             <a:endParaRPr lang="de-DE"/>
           </a:p>
@@ -2268,7 +2269,7 @@
           <a:p>
             <a:fld id="{6EAE28AA-0912-4DA0-8B30-7F3CA3FE6671}" type="datetimeFigureOut">
               <a:rPr lang="de-DE" smtClean="0"/>
-              <a:t>24.12.2025</a:t>
+              <a:t>11.01.2026</a:t>
             </a:fld>
             <a:endParaRPr lang="de-DE"/>
           </a:p>
@@ -2500,7 +2501,7 @@
           <a:p>
             <a:fld id="{6EAE28AA-0912-4DA0-8B30-7F3CA3FE6671}" type="datetimeFigureOut">
               <a:rPr lang="de-DE" smtClean="0"/>
-              <a:t>24.12.2025</a:t>
+              <a:t>11.01.2026</a:t>
             </a:fld>
             <a:endParaRPr lang="de-DE"/>
           </a:p>
@@ -2867,7 +2868,7 @@
           <a:p>
             <a:fld id="{6EAE28AA-0912-4DA0-8B30-7F3CA3FE6671}" type="datetimeFigureOut">
               <a:rPr lang="de-DE" smtClean="0"/>
-              <a:t>24.12.2025</a:t>
+              <a:t>11.01.2026</a:t>
             </a:fld>
             <a:endParaRPr lang="de-DE"/>
           </a:p>
@@ -2985,7 +2986,7 @@
           <a:p>
             <a:fld id="{6EAE28AA-0912-4DA0-8B30-7F3CA3FE6671}" type="datetimeFigureOut">
               <a:rPr lang="de-DE" smtClean="0"/>
-              <a:t>24.12.2025</a:t>
+              <a:t>11.01.2026</a:t>
             </a:fld>
             <a:endParaRPr lang="de-DE"/>
           </a:p>
@@ -3080,7 +3081,7 @@
           <a:p>
             <a:fld id="{6EAE28AA-0912-4DA0-8B30-7F3CA3FE6671}" type="datetimeFigureOut">
               <a:rPr lang="de-DE" smtClean="0"/>
-              <a:t>24.12.2025</a:t>
+              <a:t>11.01.2026</a:t>
             </a:fld>
             <a:endParaRPr lang="de-DE"/>
           </a:p>
@@ -3357,7 +3358,7 @@
           <a:p>
             <a:fld id="{6EAE28AA-0912-4DA0-8B30-7F3CA3FE6671}" type="datetimeFigureOut">
               <a:rPr lang="de-DE" smtClean="0"/>
-              <a:t>24.12.2025</a:t>
+              <a:t>11.01.2026</a:t>
             </a:fld>
             <a:endParaRPr lang="de-DE"/>
           </a:p>
@@ -3614,7 +3615,7 @@
           <a:p>
             <a:fld id="{6EAE28AA-0912-4DA0-8B30-7F3CA3FE6671}" type="datetimeFigureOut">
               <a:rPr lang="de-DE" smtClean="0"/>
-              <a:t>24.12.2025</a:t>
+              <a:t>11.01.2026</a:t>
             </a:fld>
             <a:endParaRPr lang="de-DE"/>
           </a:p>
@@ -3827,7 +3828,7 @@
           <a:p>
             <a:fld id="{6EAE28AA-0912-4DA0-8B30-7F3CA3FE6671}" type="datetimeFigureOut">
               <a:rPr lang="de-DE" smtClean="0"/>
-              <a:t>24.12.2025</a:t>
+              <a:t>11.01.2026</a:t>
             </a:fld>
             <a:endParaRPr lang="de-DE"/>
           </a:p>
@@ -17634,6 +17635,955 @@
           <a:chExt cx="0" cy="0"/>
         </a:xfrm>
       </p:grpSpPr>
+      <p:cxnSp>
+        <p:nvCxnSpPr>
+          <p:cNvPr id="23" name="Gerade Verbindung mit Pfeil 22">
+            <a:extLst>
+              <a:ext uri="{FF2B5EF4-FFF2-40B4-BE49-F238E27FC236}">
+                <a16:creationId xmlns:a16="http://schemas.microsoft.com/office/drawing/2014/main" id="{1B787AF4-4EDE-6B6A-B022-1274C28501AA}"/>
+              </a:ext>
+            </a:extLst>
+          </p:cNvPr>
+          <p:cNvCxnSpPr>
+            <a:cxnSpLocks/>
+          </p:cNvCxnSpPr>
+          <p:nvPr/>
+        </p:nvCxnSpPr>
+        <p:spPr>
+          <a:xfrm flipV="1">
+            <a:off x="1333065" y="1881782"/>
+            <a:ext cx="0" cy="372981"/>
+          </a:xfrm>
+          <a:prstGeom prst="straightConnector1">
+            <a:avLst/>
+          </a:prstGeom>
+          <a:ln w="6350" cap="rnd">
+            <a:solidFill>
+              <a:schemeClr val="accent2"/>
+            </a:solidFill>
+            <a:round/>
+            <a:tailEnd type="none"/>
+          </a:ln>
+        </p:spPr>
+        <p:style>
+          <a:lnRef idx="2">
+            <a:schemeClr val="accent1"/>
+          </a:lnRef>
+          <a:fillRef idx="0">
+            <a:schemeClr val="accent1"/>
+          </a:fillRef>
+          <a:effectRef idx="1">
+            <a:schemeClr val="accent1"/>
+          </a:effectRef>
+          <a:fontRef idx="minor">
+            <a:schemeClr val="tx1"/>
+          </a:fontRef>
+        </p:style>
+      </p:cxnSp>
+      <p:cxnSp>
+        <p:nvCxnSpPr>
+          <p:cNvPr id="10" name="Gerade Verbindung mit Pfeil 9">
+            <a:extLst>
+              <a:ext uri="{FF2B5EF4-FFF2-40B4-BE49-F238E27FC236}">
+                <a16:creationId xmlns:a16="http://schemas.microsoft.com/office/drawing/2014/main" id="{D41348B6-3970-371A-951B-6F1FC0D1568E}"/>
+              </a:ext>
+            </a:extLst>
+          </p:cNvPr>
+          <p:cNvCxnSpPr>
+            <a:cxnSpLocks/>
+          </p:cNvCxnSpPr>
+          <p:nvPr/>
+        </p:nvCxnSpPr>
+        <p:spPr>
+          <a:xfrm>
+            <a:off x="860186" y="1844208"/>
+            <a:ext cx="268725" cy="0"/>
+          </a:xfrm>
+          <a:prstGeom prst="straightConnector1">
+            <a:avLst/>
+          </a:prstGeom>
+          <a:ln w="9525" cap="rnd">
+            <a:solidFill>
+              <a:schemeClr val="accent1"/>
+            </a:solidFill>
+            <a:round/>
+            <a:tailEnd type="stealth"/>
+          </a:ln>
+        </p:spPr>
+        <p:style>
+          <a:lnRef idx="2">
+            <a:schemeClr val="dk1"/>
+          </a:lnRef>
+          <a:fillRef idx="0">
+            <a:schemeClr val="dk1"/>
+          </a:fillRef>
+          <a:effectRef idx="1">
+            <a:schemeClr val="dk1"/>
+          </a:effectRef>
+          <a:fontRef idx="minor">
+            <a:schemeClr val="tx1"/>
+          </a:fontRef>
+        </p:style>
+      </p:cxnSp>
+      <p:sp>
+        <p:nvSpPr>
+          <p:cNvPr id="11" name="Textfeld 10">
+            <a:extLst>
+              <a:ext uri="{FF2B5EF4-FFF2-40B4-BE49-F238E27FC236}">
+                <a16:creationId xmlns:a16="http://schemas.microsoft.com/office/drawing/2014/main" id="{35E21D1E-781D-5CAD-09E6-BCF363D538C4}"/>
+              </a:ext>
+            </a:extLst>
+          </p:cNvPr>
+          <p:cNvSpPr txBox="1"/>
+          <p:nvPr/>
+        </p:nvSpPr>
+        <p:spPr>
+          <a:xfrm>
+            <a:off x="749459" y="1550424"/>
+            <a:ext cx="449699" cy="261610"/>
+          </a:xfrm>
+          <a:prstGeom prst="rect">
+            <a:avLst/>
+          </a:prstGeom>
+          <a:noFill/>
+        </p:spPr>
+        <p:txBody>
+          <a:bodyPr wrap="square" rtlCol="0">
+            <a:spAutoFit/>
+          </a:bodyPr>
+          <a:lstStyle/>
+          <a:p>
+            <a:pPr algn="ctr"/>
+            <a:r>
+              <a:rPr lang="de-DE" sz="1100" i="1" dirty="0">
+                <a:solidFill>
+                  <a:schemeClr val="accent1"/>
+                </a:solidFill>
+                <a:latin typeface="CMU Serif" panose="02000603000000000000" pitchFamily="2" charset="0"/>
+                <a:ea typeface="CMU Serif" panose="02000603000000000000" pitchFamily="2" charset="0"/>
+                <a:cs typeface="CMU Serif" panose="02000603000000000000" pitchFamily="2" charset="0"/>
+              </a:rPr>
+              <a:t>U</a:t>
+            </a:r>
+            <a:r>
+              <a:rPr lang="de-DE" sz="1100" baseline="-25000" dirty="0">
+                <a:solidFill>
+                  <a:schemeClr val="accent1"/>
+                </a:solidFill>
+                <a:latin typeface="Latin Modern Math" panose="02000503000000000000" pitchFamily="50" charset="0"/>
+                <a:ea typeface="Latin Modern Math" panose="02000503000000000000" pitchFamily="50" charset="0"/>
+                <a:cs typeface="CMU Serif" panose="02000603000000000000" pitchFamily="2" charset="0"/>
+              </a:rPr>
+              <a:t>∞</a:t>
+            </a:r>
+          </a:p>
+        </p:txBody>
+      </p:sp>
+      <p:sp>
+        <p:nvSpPr>
+          <p:cNvPr id="12" name="Bogen 11">
+            <a:extLst>
+              <a:ext uri="{FF2B5EF4-FFF2-40B4-BE49-F238E27FC236}">
+                <a16:creationId xmlns:a16="http://schemas.microsoft.com/office/drawing/2014/main" id="{5994CC41-8538-C05E-4E0E-CFCD336FA37C}"/>
+              </a:ext>
+            </a:extLst>
+          </p:cNvPr>
+          <p:cNvSpPr/>
+          <p:nvPr/>
+        </p:nvSpPr>
+        <p:spPr>
+          <a:xfrm>
+            <a:off x="1333065" y="1398890"/>
+            <a:ext cx="890635" cy="890635"/>
+          </a:xfrm>
+          <a:prstGeom prst="arc">
+            <a:avLst>
+              <a:gd name="adj1" fmla="val 10777018"/>
+              <a:gd name="adj2" fmla="val 27204"/>
+            </a:avLst>
+          </a:prstGeom>
+          <a:ln w="6350" cap="rnd">
+            <a:solidFill>
+              <a:schemeClr val="accent5"/>
+            </a:solidFill>
+            <a:round/>
+          </a:ln>
+        </p:spPr>
+        <p:style>
+          <a:lnRef idx="2">
+            <a:schemeClr val="accent1"/>
+          </a:lnRef>
+          <a:fillRef idx="0">
+            <a:schemeClr val="accent1"/>
+          </a:fillRef>
+          <a:effectRef idx="1">
+            <a:schemeClr val="accent1"/>
+          </a:effectRef>
+          <a:fontRef idx="minor">
+            <a:schemeClr val="tx1"/>
+          </a:fontRef>
+        </p:style>
+        <p:txBody>
+          <a:bodyPr rtlCol="0" anchor="ctr"/>
+          <a:lstStyle/>
+          <a:p>
+            <a:pPr algn="ctr"/>
+            <a:endParaRPr lang="de-DE"/>
+          </a:p>
+        </p:txBody>
+      </p:sp>
+      <p:cxnSp>
+        <p:nvCxnSpPr>
+          <p:cNvPr id="14" name="Gerader Verbinder 13">
+            <a:extLst>
+              <a:ext uri="{FF2B5EF4-FFF2-40B4-BE49-F238E27FC236}">
+                <a16:creationId xmlns:a16="http://schemas.microsoft.com/office/drawing/2014/main" id="{BA8BCE43-7994-DEE6-0C03-5AC483CE1AC0}"/>
+              </a:ext>
+            </a:extLst>
+          </p:cNvPr>
+          <p:cNvCxnSpPr/>
+          <p:nvPr/>
+        </p:nvCxnSpPr>
+        <p:spPr>
+          <a:xfrm flipV="1">
+            <a:off x="1778382" y="1363223"/>
+            <a:ext cx="348251" cy="480984"/>
+          </a:xfrm>
+          <a:prstGeom prst="line">
+            <a:avLst/>
+          </a:prstGeom>
+          <a:ln w="6350" cap="rnd">
+            <a:solidFill>
+              <a:schemeClr val="accent5"/>
+            </a:solidFill>
+            <a:round/>
+          </a:ln>
+        </p:spPr>
+        <p:style>
+          <a:lnRef idx="2">
+            <a:schemeClr val="accent1"/>
+          </a:lnRef>
+          <a:fillRef idx="0">
+            <a:schemeClr val="accent1"/>
+          </a:fillRef>
+          <a:effectRef idx="1">
+            <a:schemeClr val="accent1"/>
+          </a:effectRef>
+          <a:fontRef idx="minor">
+            <a:schemeClr val="tx1"/>
+          </a:fontRef>
+        </p:style>
+      </p:cxnSp>
+      <p:cxnSp>
+        <p:nvCxnSpPr>
+          <p:cNvPr id="15" name="Gerader Verbinder 14">
+            <a:extLst>
+              <a:ext uri="{FF2B5EF4-FFF2-40B4-BE49-F238E27FC236}">
+                <a16:creationId xmlns:a16="http://schemas.microsoft.com/office/drawing/2014/main" id="{2AEB9A8B-3F8C-B7C2-D4FE-A2C0A519EE7F}"/>
+              </a:ext>
+            </a:extLst>
+          </p:cNvPr>
+          <p:cNvCxnSpPr>
+            <a:cxnSpLocks/>
+          </p:cNvCxnSpPr>
+          <p:nvPr/>
+        </p:nvCxnSpPr>
+        <p:spPr>
+          <a:xfrm flipV="1">
+            <a:off x="2038145" y="1306245"/>
+            <a:ext cx="0" cy="544658"/>
+          </a:xfrm>
+          <a:prstGeom prst="line">
+            <a:avLst/>
+          </a:prstGeom>
+          <a:ln w="6350" cap="rnd">
+            <a:solidFill>
+              <a:schemeClr val="accent5"/>
+            </a:solidFill>
+            <a:prstDash val="sysDash"/>
+            <a:round/>
+          </a:ln>
+        </p:spPr>
+        <p:style>
+          <a:lnRef idx="2">
+            <a:schemeClr val="accent1"/>
+          </a:lnRef>
+          <a:fillRef idx="0">
+            <a:schemeClr val="accent1"/>
+          </a:fillRef>
+          <a:effectRef idx="1">
+            <a:schemeClr val="accent1"/>
+          </a:effectRef>
+          <a:fontRef idx="minor">
+            <a:schemeClr val="tx1"/>
+          </a:fontRef>
+        </p:style>
+      </p:cxnSp>
+      <p:cxnSp>
+        <p:nvCxnSpPr>
+          <p:cNvPr id="19" name="Gerader Verbinder 18">
+            <a:extLst>
+              <a:ext uri="{FF2B5EF4-FFF2-40B4-BE49-F238E27FC236}">
+                <a16:creationId xmlns:a16="http://schemas.microsoft.com/office/drawing/2014/main" id="{91AA22E6-CB18-5949-0239-133636A40DD3}"/>
+              </a:ext>
+            </a:extLst>
+          </p:cNvPr>
+          <p:cNvCxnSpPr>
+            <a:cxnSpLocks/>
+          </p:cNvCxnSpPr>
+          <p:nvPr/>
+        </p:nvCxnSpPr>
+        <p:spPr>
+          <a:xfrm flipV="1">
+            <a:off x="1775619" y="1245113"/>
+            <a:ext cx="0" cy="599094"/>
+          </a:xfrm>
+          <a:prstGeom prst="line">
+            <a:avLst/>
+          </a:prstGeom>
+          <a:ln w="6350" cap="rnd">
+            <a:solidFill>
+              <a:schemeClr val="accent5"/>
+            </a:solidFill>
+            <a:prstDash val="sysDash"/>
+            <a:round/>
+          </a:ln>
+        </p:spPr>
+        <p:style>
+          <a:lnRef idx="2">
+            <a:schemeClr val="accent1"/>
+          </a:lnRef>
+          <a:fillRef idx="0">
+            <a:schemeClr val="accent1"/>
+          </a:fillRef>
+          <a:effectRef idx="1">
+            <a:schemeClr val="accent1"/>
+          </a:effectRef>
+          <a:fontRef idx="minor">
+            <a:schemeClr val="tx1"/>
+          </a:fontRef>
+        </p:style>
+      </p:cxnSp>
+      <p:sp>
+        <p:nvSpPr>
+          <p:cNvPr id="21" name="Bogen 20">
+            <a:extLst>
+              <a:ext uri="{FF2B5EF4-FFF2-40B4-BE49-F238E27FC236}">
+                <a16:creationId xmlns:a16="http://schemas.microsoft.com/office/drawing/2014/main" id="{7D85494F-38BB-2869-73A2-F19C4157E974}"/>
+              </a:ext>
+            </a:extLst>
+          </p:cNvPr>
+          <p:cNvSpPr/>
+          <p:nvPr/>
+        </p:nvSpPr>
+        <p:spPr>
+          <a:xfrm>
+            <a:off x="1481568" y="1548530"/>
+            <a:ext cx="589820" cy="589818"/>
+          </a:xfrm>
+          <a:prstGeom prst="arc">
+            <a:avLst>
+              <a:gd name="adj1" fmla="val 18402390"/>
+              <a:gd name="adj2" fmla="val 27204"/>
+            </a:avLst>
+          </a:prstGeom>
+          <a:ln w="9525" cap="rnd">
+            <a:solidFill>
+              <a:schemeClr val="accent5"/>
+            </a:solidFill>
+            <a:round/>
+            <a:headEnd type="stealth" w="med" len="med"/>
+            <a:tailEnd type="none"/>
+          </a:ln>
+        </p:spPr>
+        <p:style>
+          <a:lnRef idx="2">
+            <a:schemeClr val="accent1"/>
+          </a:lnRef>
+          <a:fillRef idx="0">
+            <a:schemeClr val="accent1"/>
+          </a:fillRef>
+          <a:effectRef idx="1">
+            <a:schemeClr val="accent1"/>
+          </a:effectRef>
+          <a:fontRef idx="minor">
+            <a:schemeClr val="tx1"/>
+          </a:fontRef>
+        </p:style>
+        <p:txBody>
+          <a:bodyPr rtlCol="0" anchor="ctr"/>
+          <a:lstStyle/>
+          <a:p>
+            <a:pPr algn="ctr"/>
+            <a:endParaRPr lang="de-DE"/>
+          </a:p>
+        </p:txBody>
+      </p:sp>
+      <p:sp>
+        <p:nvSpPr>
+          <p:cNvPr id="22" name="Textfeld 21">
+            <a:extLst>
+              <a:ext uri="{FF2B5EF4-FFF2-40B4-BE49-F238E27FC236}">
+                <a16:creationId xmlns:a16="http://schemas.microsoft.com/office/drawing/2014/main" id="{7C377C8E-A6AE-21EB-3880-C2F51BCF55CE}"/>
+              </a:ext>
+            </a:extLst>
+          </p:cNvPr>
+          <p:cNvSpPr txBox="1"/>
+          <p:nvPr/>
+        </p:nvSpPr>
+        <p:spPr>
+          <a:xfrm>
+            <a:off x="1975142" y="1618571"/>
+            <a:ext cx="289560" cy="261610"/>
+          </a:xfrm>
+          <a:prstGeom prst="rect">
+            <a:avLst/>
+          </a:prstGeom>
+          <a:noFill/>
+        </p:spPr>
+        <p:txBody>
+          <a:bodyPr wrap="square" rtlCol="0" anchor="ctr">
+            <a:spAutoFit/>
+          </a:bodyPr>
+          <a:lstStyle/>
+          <a:p>
+            <a:pPr algn="ctr"/>
+            <a:r>
+              <a:rPr lang="de-DE" sz="1100" i="1" dirty="0">
+                <a:solidFill>
+                  <a:schemeClr val="accent5"/>
+                </a:solidFill>
+                <a:latin typeface="Latin Modern Math" panose="02000503000000000000" pitchFamily="50" charset="0"/>
+                <a:ea typeface="Latin Modern Math" panose="02000503000000000000" pitchFamily="50" charset="0"/>
+                <a:cs typeface="CMU Serif" panose="02000603000000000000" pitchFamily="2" charset="0"/>
+              </a:rPr>
+              <a:t>φ</a:t>
+            </a:r>
+          </a:p>
+        </p:txBody>
+      </p:sp>
+      <p:cxnSp>
+        <p:nvCxnSpPr>
+          <p:cNvPr id="25" name="Gerade Verbindung mit Pfeil 24">
+            <a:extLst>
+              <a:ext uri="{FF2B5EF4-FFF2-40B4-BE49-F238E27FC236}">
+                <a16:creationId xmlns:a16="http://schemas.microsoft.com/office/drawing/2014/main" id="{50560DFD-CFAA-468C-6BC0-8079F941D9B7}"/>
+              </a:ext>
+            </a:extLst>
+          </p:cNvPr>
+          <p:cNvCxnSpPr>
+            <a:cxnSpLocks/>
+          </p:cNvCxnSpPr>
+          <p:nvPr/>
+        </p:nvCxnSpPr>
+        <p:spPr>
+          <a:xfrm flipV="1">
+            <a:off x="2224517" y="1843439"/>
+            <a:ext cx="0" cy="411324"/>
+          </a:xfrm>
+          <a:prstGeom prst="straightConnector1">
+            <a:avLst/>
+          </a:prstGeom>
+          <a:ln w="6350" cap="rnd">
+            <a:solidFill>
+              <a:schemeClr val="accent2"/>
+            </a:solidFill>
+            <a:round/>
+            <a:tailEnd type="none"/>
+          </a:ln>
+        </p:spPr>
+        <p:style>
+          <a:lnRef idx="2">
+            <a:schemeClr val="accent1"/>
+          </a:lnRef>
+          <a:fillRef idx="0">
+            <a:schemeClr val="accent1"/>
+          </a:fillRef>
+          <a:effectRef idx="1">
+            <a:schemeClr val="accent1"/>
+          </a:effectRef>
+          <a:fontRef idx="minor">
+            <a:schemeClr val="tx1"/>
+          </a:fontRef>
+        </p:style>
+      </p:cxnSp>
+      <p:cxnSp>
+        <p:nvCxnSpPr>
+          <p:cNvPr id="27" name="Gerade Verbindung mit Pfeil 26">
+            <a:extLst>
+              <a:ext uri="{FF2B5EF4-FFF2-40B4-BE49-F238E27FC236}">
+                <a16:creationId xmlns:a16="http://schemas.microsoft.com/office/drawing/2014/main" id="{534F6FC0-083C-DDC0-ADA3-2FD112EF19E7}"/>
+              </a:ext>
+            </a:extLst>
+          </p:cNvPr>
+          <p:cNvCxnSpPr>
+            <a:cxnSpLocks/>
+          </p:cNvCxnSpPr>
+          <p:nvPr/>
+        </p:nvCxnSpPr>
+        <p:spPr>
+          <a:xfrm>
+            <a:off x="1333065" y="2086143"/>
+            <a:ext cx="705080" cy="0"/>
+          </a:xfrm>
+          <a:prstGeom prst="straightConnector1">
+            <a:avLst/>
+          </a:prstGeom>
+          <a:ln w="9525" cap="rnd">
+            <a:solidFill>
+              <a:schemeClr val="accent2"/>
+            </a:solidFill>
+            <a:round/>
+            <a:tailEnd type="stealth"/>
+          </a:ln>
+        </p:spPr>
+        <p:style>
+          <a:lnRef idx="2">
+            <a:schemeClr val="dk1"/>
+          </a:lnRef>
+          <a:fillRef idx="0">
+            <a:schemeClr val="dk1"/>
+          </a:fillRef>
+          <a:effectRef idx="1">
+            <a:schemeClr val="dk1"/>
+          </a:effectRef>
+          <a:fontRef idx="minor">
+            <a:schemeClr val="tx1"/>
+          </a:fontRef>
+        </p:style>
+      </p:cxnSp>
+      <p:cxnSp>
+        <p:nvCxnSpPr>
+          <p:cNvPr id="29" name="Gerade Verbindung mit Pfeil 28">
+            <a:extLst>
+              <a:ext uri="{FF2B5EF4-FFF2-40B4-BE49-F238E27FC236}">
+                <a16:creationId xmlns:a16="http://schemas.microsoft.com/office/drawing/2014/main" id="{79FC342B-3C9A-3D26-3D1C-1EC2E7ADB4BF}"/>
+              </a:ext>
+            </a:extLst>
+          </p:cNvPr>
+          <p:cNvCxnSpPr>
+            <a:cxnSpLocks/>
+          </p:cNvCxnSpPr>
+          <p:nvPr/>
+        </p:nvCxnSpPr>
+        <p:spPr>
+          <a:xfrm>
+            <a:off x="1333065" y="2211873"/>
+            <a:ext cx="890635" cy="0"/>
+          </a:xfrm>
+          <a:prstGeom prst="straightConnector1">
+            <a:avLst/>
+          </a:prstGeom>
+          <a:ln w="9525" cap="rnd">
+            <a:solidFill>
+              <a:schemeClr val="accent2"/>
+            </a:solidFill>
+            <a:round/>
+            <a:tailEnd type="stealth"/>
+          </a:ln>
+        </p:spPr>
+        <p:style>
+          <a:lnRef idx="2">
+            <a:schemeClr val="dk1"/>
+          </a:lnRef>
+          <a:fillRef idx="0">
+            <a:schemeClr val="dk1"/>
+          </a:fillRef>
+          <a:effectRef idx="1">
+            <a:schemeClr val="dk1"/>
+          </a:effectRef>
+          <a:fontRef idx="minor">
+            <a:schemeClr val="tx1"/>
+          </a:fontRef>
+        </p:style>
+      </p:cxnSp>
+      <p:sp>
+        <p:nvSpPr>
+          <p:cNvPr id="31" name="Textfeld 30">
+            <a:extLst>
+              <a:ext uri="{FF2B5EF4-FFF2-40B4-BE49-F238E27FC236}">
+                <a16:creationId xmlns:a16="http://schemas.microsoft.com/office/drawing/2014/main" id="{575912BE-BFE9-F87F-E4AD-1527B327110A}"/>
+              </a:ext>
+            </a:extLst>
+          </p:cNvPr>
+          <p:cNvSpPr txBox="1"/>
+          <p:nvPr/>
+        </p:nvSpPr>
+        <p:spPr>
+          <a:xfrm>
+            <a:off x="1100290" y="2246557"/>
+            <a:ext cx="463915" cy="261610"/>
+          </a:xfrm>
+          <a:prstGeom prst="rect">
+            <a:avLst/>
+          </a:prstGeom>
+          <a:noFill/>
+        </p:spPr>
+        <p:txBody>
+          <a:bodyPr wrap="square" rtlCol="0" anchor="ctr">
+            <a:spAutoFit/>
+          </a:bodyPr>
+          <a:lstStyle/>
+          <a:p>
+            <a:pPr algn="ctr"/>
+            <a:r>
+              <a:rPr lang="de-DE" sz="1100" i="1" dirty="0">
+                <a:solidFill>
+                  <a:schemeClr val="accent2"/>
+                </a:solidFill>
+                <a:latin typeface="CMU Serif" panose="02000603000000000000" pitchFamily="2" charset="0"/>
+                <a:ea typeface="CMU Serif" panose="02000603000000000000" pitchFamily="2" charset="0"/>
+                <a:cs typeface="CMU Serif" panose="02000603000000000000" pitchFamily="2" charset="0"/>
+              </a:rPr>
+              <a:t>X</a:t>
+            </a:r>
+            <a:r>
+              <a:rPr lang="de-DE" sz="1100" dirty="0">
+                <a:solidFill>
+                  <a:schemeClr val="accent2"/>
+                </a:solidFill>
+                <a:latin typeface="CMU Serif" panose="02000603000000000000" pitchFamily="2" charset="0"/>
+                <a:ea typeface="CMU Serif" panose="02000603000000000000" pitchFamily="2" charset="0"/>
+                <a:cs typeface="CMU Serif" panose="02000603000000000000" pitchFamily="2" charset="0"/>
+              </a:rPr>
+              <a:t>=0</a:t>
+            </a:r>
+          </a:p>
+        </p:txBody>
+      </p:sp>
+      <p:sp>
+        <p:nvSpPr>
+          <p:cNvPr id="35" name="Textfeld 34">
+            <a:extLst>
+              <a:ext uri="{FF2B5EF4-FFF2-40B4-BE49-F238E27FC236}">
+                <a16:creationId xmlns:a16="http://schemas.microsoft.com/office/drawing/2014/main" id="{412BD581-8DE2-52D4-DCDA-81BDCCFA6A5D}"/>
+              </a:ext>
+            </a:extLst>
+          </p:cNvPr>
+          <p:cNvSpPr txBox="1"/>
+          <p:nvPr/>
+        </p:nvSpPr>
+        <p:spPr>
+          <a:xfrm>
+            <a:off x="1677053" y="2032274"/>
+            <a:ext cx="289560" cy="261610"/>
+          </a:xfrm>
+          <a:prstGeom prst="rect">
+            <a:avLst/>
+          </a:prstGeom>
+          <a:noFill/>
+        </p:spPr>
+        <p:txBody>
+          <a:bodyPr wrap="square" rtlCol="0" anchor="ctr">
+            <a:spAutoFit/>
+          </a:bodyPr>
+          <a:lstStyle/>
+          <a:p>
+            <a:pPr algn="ctr"/>
+            <a:r>
+              <a:rPr lang="de-DE" sz="1100" i="1" dirty="0">
+                <a:solidFill>
+                  <a:schemeClr val="accent2"/>
+                </a:solidFill>
+                <a:latin typeface="CMU Serif" panose="02000603000000000000" pitchFamily="2" charset="0"/>
+                <a:ea typeface="CMU Serif" panose="02000603000000000000" pitchFamily="2" charset="0"/>
+                <a:cs typeface="CMU Serif" panose="02000603000000000000" pitchFamily="2" charset="0"/>
+              </a:rPr>
+              <a:t>X</a:t>
+            </a:r>
+          </a:p>
+        </p:txBody>
+      </p:sp>
+      <p:sp>
+        <p:nvSpPr>
+          <p:cNvPr id="36" name="Textfeld 35">
+            <a:extLst>
+              <a:ext uri="{FF2B5EF4-FFF2-40B4-BE49-F238E27FC236}">
+                <a16:creationId xmlns:a16="http://schemas.microsoft.com/office/drawing/2014/main" id="{4C7467F5-D539-9B84-2589-DE0F4A18DC62}"/>
+              </a:ext>
+            </a:extLst>
+          </p:cNvPr>
+          <p:cNvSpPr txBox="1"/>
+          <p:nvPr/>
+        </p:nvSpPr>
+        <p:spPr>
+          <a:xfrm>
+            <a:off x="1989385" y="2246557"/>
+            <a:ext cx="463915" cy="261610"/>
+          </a:xfrm>
+          <a:prstGeom prst="rect">
+            <a:avLst/>
+          </a:prstGeom>
+          <a:noFill/>
+        </p:spPr>
+        <p:txBody>
+          <a:bodyPr wrap="square" rtlCol="0" anchor="ctr">
+            <a:spAutoFit/>
+          </a:bodyPr>
+          <a:lstStyle/>
+          <a:p>
+            <a:pPr algn="ctr"/>
+            <a:r>
+              <a:rPr lang="de-DE" sz="1100" i="1" dirty="0">
+                <a:solidFill>
+                  <a:schemeClr val="accent2"/>
+                </a:solidFill>
+                <a:latin typeface="CMU Serif" panose="02000603000000000000" pitchFamily="2" charset="0"/>
+                <a:ea typeface="CMU Serif" panose="02000603000000000000" pitchFamily="2" charset="0"/>
+                <a:cs typeface="CMU Serif" panose="02000603000000000000" pitchFamily="2" charset="0"/>
+              </a:rPr>
+              <a:t>X</a:t>
+            </a:r>
+            <a:r>
+              <a:rPr lang="de-DE" sz="1100" dirty="0">
+                <a:solidFill>
+                  <a:schemeClr val="accent2"/>
+                </a:solidFill>
+                <a:latin typeface="CMU Serif" panose="02000603000000000000" pitchFamily="2" charset="0"/>
+                <a:ea typeface="CMU Serif" panose="02000603000000000000" pitchFamily="2" charset="0"/>
+                <a:cs typeface="CMU Serif" panose="02000603000000000000" pitchFamily="2" charset="0"/>
+              </a:rPr>
+              <a:t>=1</a:t>
+            </a:r>
+          </a:p>
+        </p:txBody>
+      </p:sp>
+      <p:cxnSp>
+        <p:nvCxnSpPr>
+          <p:cNvPr id="39" name="Gerader Verbinder 38">
+            <a:extLst>
+              <a:ext uri="{FF2B5EF4-FFF2-40B4-BE49-F238E27FC236}">
+                <a16:creationId xmlns:a16="http://schemas.microsoft.com/office/drawing/2014/main" id="{3C01385C-4EC2-3A86-23CF-B3382F04FDC1}"/>
+              </a:ext>
+            </a:extLst>
+          </p:cNvPr>
+          <p:cNvCxnSpPr>
+            <a:cxnSpLocks/>
+          </p:cNvCxnSpPr>
+          <p:nvPr/>
+        </p:nvCxnSpPr>
+        <p:spPr>
+          <a:xfrm flipV="1">
+            <a:off x="2038145" y="1850903"/>
+            <a:ext cx="0" cy="280035"/>
+          </a:xfrm>
+          <a:prstGeom prst="line">
+            <a:avLst/>
+          </a:prstGeom>
+          <a:ln w="6350" cap="rnd">
+            <a:solidFill>
+              <a:schemeClr val="accent2"/>
+            </a:solidFill>
+            <a:prstDash val="sysDash"/>
+            <a:round/>
+          </a:ln>
+        </p:spPr>
+        <p:style>
+          <a:lnRef idx="2">
+            <a:schemeClr val="accent1"/>
+          </a:lnRef>
+          <a:fillRef idx="0">
+            <a:schemeClr val="accent1"/>
+          </a:fillRef>
+          <a:effectRef idx="1">
+            <a:schemeClr val="accent1"/>
+          </a:effectRef>
+          <a:fontRef idx="minor">
+            <a:schemeClr val="tx1"/>
+          </a:fontRef>
+        </p:style>
+      </p:cxnSp>
+      <p:grpSp>
+        <p:nvGrpSpPr>
+          <p:cNvPr id="2" name="Gruppieren 1">
+            <a:extLst>
+              <a:ext uri="{FF2B5EF4-FFF2-40B4-BE49-F238E27FC236}">
+                <a16:creationId xmlns:a16="http://schemas.microsoft.com/office/drawing/2014/main" id="{77136F27-3B80-62FE-7A8B-25344E500F79}"/>
+              </a:ext>
+            </a:extLst>
+          </p:cNvPr>
+          <p:cNvGrpSpPr/>
+          <p:nvPr/>
+        </p:nvGrpSpPr>
+        <p:grpSpPr>
+          <a:xfrm>
+            <a:off x="1065252" y="1136075"/>
+            <a:ext cx="1703731" cy="972663"/>
+            <a:chOff x="464994" y="1248713"/>
+            <a:chExt cx="1703731" cy="972663"/>
+          </a:xfrm>
+        </p:grpSpPr>
+        <p:cxnSp>
+          <p:nvCxnSpPr>
+            <p:cNvPr id="3" name="Gerade Verbindung mit Pfeil 2">
+              <a:extLst>
+                <a:ext uri="{FF2B5EF4-FFF2-40B4-BE49-F238E27FC236}">
+                  <a16:creationId xmlns:a16="http://schemas.microsoft.com/office/drawing/2014/main" id="{2CF6EE66-CE60-833C-C0B0-3E28FEFCA627}"/>
+                </a:ext>
+              </a:extLst>
+            </p:cNvPr>
+            <p:cNvCxnSpPr>
+              <a:cxnSpLocks/>
+            </p:cNvCxnSpPr>
+            <p:nvPr/>
+          </p:nvCxnSpPr>
+          <p:spPr>
+            <a:xfrm>
+              <a:off x="622300" y="1959766"/>
+              <a:ext cx="1401645" cy="0"/>
+            </a:xfrm>
+            <a:prstGeom prst="straightConnector1">
+              <a:avLst/>
+            </a:prstGeom>
+            <a:ln w="12700" cap="rnd">
+              <a:solidFill>
+                <a:schemeClr val="tx1"/>
+              </a:solidFill>
+              <a:round/>
+              <a:tailEnd type="stealth"/>
+            </a:ln>
+          </p:spPr>
+          <p:style>
+            <a:lnRef idx="2">
+              <a:schemeClr val="accent1"/>
+            </a:lnRef>
+            <a:fillRef idx="0">
+              <a:schemeClr val="accent1"/>
+            </a:fillRef>
+            <a:effectRef idx="1">
+              <a:schemeClr val="accent1"/>
+            </a:effectRef>
+            <a:fontRef idx="minor">
+              <a:schemeClr val="tx1"/>
+            </a:fontRef>
+          </p:style>
+        </p:cxnSp>
+        <p:cxnSp>
+          <p:nvCxnSpPr>
+            <p:cNvPr id="4" name="Gerade Verbindung mit Pfeil 3">
+              <a:extLst>
+                <a:ext uri="{FF2B5EF4-FFF2-40B4-BE49-F238E27FC236}">
+                  <a16:creationId xmlns:a16="http://schemas.microsoft.com/office/drawing/2014/main" id="{AD6E332C-3347-074B-50CF-9E4E1C15D76B}"/>
+                </a:ext>
+              </a:extLst>
+            </p:cNvPr>
+            <p:cNvCxnSpPr>
+              <a:cxnSpLocks/>
+            </p:cNvCxnSpPr>
+            <p:nvPr/>
+          </p:nvCxnSpPr>
+          <p:spPr>
+            <a:xfrm flipV="1">
+              <a:off x="732807" y="1399618"/>
+              <a:ext cx="0" cy="623239"/>
+            </a:xfrm>
+            <a:prstGeom prst="straightConnector1">
+              <a:avLst/>
+            </a:prstGeom>
+            <a:ln w="12700" cap="rnd">
+              <a:solidFill>
+                <a:schemeClr val="tx1"/>
+              </a:solidFill>
+              <a:round/>
+              <a:tailEnd type="stealth"/>
+            </a:ln>
+          </p:spPr>
+          <p:style>
+            <a:lnRef idx="2">
+              <a:schemeClr val="accent1"/>
+            </a:lnRef>
+            <a:fillRef idx="0">
+              <a:schemeClr val="accent1"/>
+            </a:fillRef>
+            <a:effectRef idx="1">
+              <a:schemeClr val="accent1"/>
+            </a:effectRef>
+            <a:fontRef idx="minor">
+              <a:schemeClr val="tx1"/>
+            </a:fontRef>
+          </p:style>
+        </p:cxnSp>
+        <p:sp>
+          <p:nvSpPr>
+            <p:cNvPr id="5" name="Textfeld 4">
+              <a:extLst>
+                <a:ext uri="{FF2B5EF4-FFF2-40B4-BE49-F238E27FC236}">
+                  <a16:creationId xmlns:a16="http://schemas.microsoft.com/office/drawing/2014/main" id="{A375E3C8-B22A-6154-6933-DE6183B9AD7A}"/>
+                </a:ext>
+              </a:extLst>
+            </p:cNvPr>
+            <p:cNvSpPr txBox="1"/>
+            <p:nvPr/>
+          </p:nvSpPr>
+          <p:spPr>
+            <a:xfrm>
+              <a:off x="464994" y="1248713"/>
+              <a:ext cx="289560" cy="261610"/>
+            </a:xfrm>
+            <a:prstGeom prst="rect">
+              <a:avLst/>
+            </a:prstGeom>
+            <a:noFill/>
+          </p:spPr>
+          <p:txBody>
+            <a:bodyPr wrap="square" rtlCol="0" anchor="ctr">
+              <a:spAutoFit/>
+            </a:bodyPr>
+            <a:lstStyle/>
+            <a:p>
+              <a:pPr algn="ctr"/>
+              <a:r>
+                <a:rPr lang="de-DE" sz="1100" i="1" dirty="0">
+                  <a:latin typeface="CMU Serif" panose="02000603000000000000" pitchFamily="2" charset="0"/>
+                  <a:ea typeface="CMU Serif" panose="02000603000000000000" pitchFamily="2" charset="0"/>
+                  <a:cs typeface="CMU Serif" panose="02000603000000000000" pitchFamily="2" charset="0"/>
+                </a:rPr>
+                <a:t>y</a:t>
+              </a:r>
+            </a:p>
+          </p:txBody>
+        </p:sp>
+        <p:sp>
+          <p:nvSpPr>
+            <p:cNvPr id="6" name="Textfeld 5">
+              <a:extLst>
+                <a:ext uri="{FF2B5EF4-FFF2-40B4-BE49-F238E27FC236}">
+                  <a16:creationId xmlns:a16="http://schemas.microsoft.com/office/drawing/2014/main" id="{5A146153-4DFC-DD06-A3AA-B21F4C776819}"/>
+                </a:ext>
+              </a:extLst>
+            </p:cNvPr>
+            <p:cNvSpPr txBox="1"/>
+            <p:nvPr/>
+          </p:nvSpPr>
+          <p:spPr>
+            <a:xfrm>
+              <a:off x="1879165" y="1959766"/>
+              <a:ext cx="289560" cy="261610"/>
+            </a:xfrm>
+            <a:prstGeom prst="rect">
+              <a:avLst/>
+            </a:prstGeom>
+            <a:noFill/>
+          </p:spPr>
+          <p:txBody>
+            <a:bodyPr wrap="square" rtlCol="0" anchor="ctr">
+              <a:spAutoFit/>
+            </a:bodyPr>
+            <a:lstStyle/>
+            <a:p>
+              <a:pPr algn="ctr"/>
+              <a:r>
+                <a:rPr lang="de-DE" sz="1100" i="1" dirty="0">
+                  <a:latin typeface="CMU Serif" panose="02000603000000000000" pitchFamily="2" charset="0"/>
+                  <a:ea typeface="CMU Serif" panose="02000603000000000000" pitchFamily="2" charset="0"/>
+                  <a:cs typeface="CMU Serif" panose="02000603000000000000" pitchFamily="2" charset="0"/>
+                </a:rPr>
+                <a:t>x</a:t>
+              </a:r>
+            </a:p>
+          </p:txBody>
+        </p:sp>
+      </p:grpSp>
     </p:spTree>
     <p:extLst>
       <p:ext uri="{BB962C8B-B14F-4D97-AF65-F5344CB8AC3E}">
@@ -20277,6 +21227,42 @@
 </p:sld>
 </file>
 
+<file path=ppt/slides/slide20.xml><?xml version="1.0" encoding="utf-8"?>
+<p:sld xmlns:a="http://schemas.openxmlformats.org/drawingml/2006/main" xmlns:r="http://schemas.openxmlformats.org/officeDocument/2006/relationships" xmlns:p="http://schemas.openxmlformats.org/presentationml/2006/main">
+  <p:cSld>
+    <p:spTree>
+      <p:nvGrpSpPr>
+        <p:cNvPr id="1" name="">
+          <a:extLst>
+            <a:ext uri="{FF2B5EF4-FFF2-40B4-BE49-F238E27FC236}">
+              <a16:creationId xmlns:a16="http://schemas.microsoft.com/office/drawing/2014/main" id="{59D62E64-36F2-15EF-3828-8A4565B1B1FA}"/>
+            </a:ext>
+          </a:extLst>
+        </p:cNvPr>
+        <p:cNvGrpSpPr/>
+        <p:nvPr/>
+      </p:nvGrpSpPr>
+      <p:grpSpPr>
+        <a:xfrm>
+          <a:off x="0" y="0"/>
+          <a:ext cx="0" cy="0"/>
+          <a:chOff x="0" y="0"/>
+          <a:chExt cx="0" cy="0"/>
+        </a:xfrm>
+      </p:grpSpPr>
+    </p:spTree>
+    <p:extLst>
+      <p:ext uri="{BB962C8B-B14F-4D97-AF65-F5344CB8AC3E}">
+        <p14:creationId xmlns:p14="http://schemas.microsoft.com/office/powerpoint/2010/main" val="2888971463"/>
+      </p:ext>
+    </p:extLst>
+  </p:cSld>
+  <p:clrMapOvr>
+    <a:masterClrMapping/>
+  </p:clrMapOvr>
+</p:sld>
+</file>
+
 <file path=ppt/slides/slide3.xml><?xml version="1.0" encoding="utf-8"?>
 <p:sld xmlns:a="http://schemas.openxmlformats.org/drawingml/2006/main" xmlns:r="http://schemas.openxmlformats.org/officeDocument/2006/relationships" xmlns:p="http://schemas.openxmlformats.org/presentationml/2006/main">
   <p:cSld>

--- a/Strömungslehre 2/images/SL2-Images.pptx
+++ b/Strömungslehre 2/images/SL2-Images.pptx
@@ -25,6 +25,7 @@
     <p:sldId id="273" r:id="rId19"/>
     <p:sldId id="274" r:id="rId20"/>
     <p:sldId id="275" r:id="rId21"/>
+    <p:sldId id="276" r:id="rId22"/>
   </p:sldIdLst>
   <p:sldSz cx="3600450" cy="3600450"/>
   <p:notesSz cx="6858000" cy="9144000"/>
@@ -1503,7 +1504,7 @@
           <a:p>
             <a:fld id="{6EAE28AA-0912-4DA0-8B30-7F3CA3FE6671}" type="datetimeFigureOut">
               <a:rPr lang="de-DE" smtClean="0"/>
-              <a:t>11.01.2026</a:t>
+              <a:t>14.01.2026</a:t>
             </a:fld>
             <a:endParaRPr lang="de-DE"/>
           </a:p>
@@ -1673,7 +1674,7 @@
           <a:p>
             <a:fld id="{6EAE28AA-0912-4DA0-8B30-7F3CA3FE6671}" type="datetimeFigureOut">
               <a:rPr lang="de-DE" smtClean="0"/>
-              <a:t>11.01.2026</a:t>
+              <a:t>14.01.2026</a:t>
             </a:fld>
             <a:endParaRPr lang="de-DE"/>
           </a:p>
@@ -1853,7 +1854,7 @@
           <a:p>
             <a:fld id="{6EAE28AA-0912-4DA0-8B30-7F3CA3FE6671}" type="datetimeFigureOut">
               <a:rPr lang="de-DE" smtClean="0"/>
-              <a:t>11.01.2026</a:t>
+              <a:t>14.01.2026</a:t>
             </a:fld>
             <a:endParaRPr lang="de-DE"/>
           </a:p>
@@ -2023,7 +2024,7 @@
           <a:p>
             <a:fld id="{6EAE28AA-0912-4DA0-8B30-7F3CA3FE6671}" type="datetimeFigureOut">
               <a:rPr lang="de-DE" smtClean="0"/>
-              <a:t>11.01.2026</a:t>
+              <a:t>14.01.2026</a:t>
             </a:fld>
             <a:endParaRPr lang="de-DE"/>
           </a:p>
@@ -2269,7 +2270,7 @@
           <a:p>
             <a:fld id="{6EAE28AA-0912-4DA0-8B30-7F3CA3FE6671}" type="datetimeFigureOut">
               <a:rPr lang="de-DE" smtClean="0"/>
-              <a:t>11.01.2026</a:t>
+              <a:t>14.01.2026</a:t>
             </a:fld>
             <a:endParaRPr lang="de-DE"/>
           </a:p>
@@ -2501,7 +2502,7 @@
           <a:p>
             <a:fld id="{6EAE28AA-0912-4DA0-8B30-7F3CA3FE6671}" type="datetimeFigureOut">
               <a:rPr lang="de-DE" smtClean="0"/>
-              <a:t>11.01.2026</a:t>
+              <a:t>14.01.2026</a:t>
             </a:fld>
             <a:endParaRPr lang="de-DE"/>
           </a:p>
@@ -2868,7 +2869,7 @@
           <a:p>
             <a:fld id="{6EAE28AA-0912-4DA0-8B30-7F3CA3FE6671}" type="datetimeFigureOut">
               <a:rPr lang="de-DE" smtClean="0"/>
-              <a:t>11.01.2026</a:t>
+              <a:t>14.01.2026</a:t>
             </a:fld>
             <a:endParaRPr lang="de-DE"/>
           </a:p>
@@ -2986,7 +2987,7 @@
           <a:p>
             <a:fld id="{6EAE28AA-0912-4DA0-8B30-7F3CA3FE6671}" type="datetimeFigureOut">
               <a:rPr lang="de-DE" smtClean="0"/>
-              <a:t>11.01.2026</a:t>
+              <a:t>14.01.2026</a:t>
             </a:fld>
             <a:endParaRPr lang="de-DE"/>
           </a:p>
@@ -3081,7 +3082,7 @@
           <a:p>
             <a:fld id="{6EAE28AA-0912-4DA0-8B30-7F3CA3FE6671}" type="datetimeFigureOut">
               <a:rPr lang="de-DE" smtClean="0"/>
-              <a:t>11.01.2026</a:t>
+              <a:t>14.01.2026</a:t>
             </a:fld>
             <a:endParaRPr lang="de-DE"/>
           </a:p>
@@ -3358,7 +3359,7 @@
           <a:p>
             <a:fld id="{6EAE28AA-0912-4DA0-8B30-7F3CA3FE6671}" type="datetimeFigureOut">
               <a:rPr lang="de-DE" smtClean="0"/>
-              <a:t>11.01.2026</a:t>
+              <a:t>14.01.2026</a:t>
             </a:fld>
             <a:endParaRPr lang="de-DE"/>
           </a:p>
@@ -3615,7 +3616,7 @@
           <a:p>
             <a:fld id="{6EAE28AA-0912-4DA0-8B30-7F3CA3FE6671}" type="datetimeFigureOut">
               <a:rPr lang="de-DE" smtClean="0"/>
-              <a:t>11.01.2026</a:t>
+              <a:t>14.01.2026</a:t>
             </a:fld>
             <a:endParaRPr lang="de-DE"/>
           </a:p>
@@ -3828,7 +3829,7 @@
           <a:p>
             <a:fld id="{6EAE28AA-0912-4DA0-8B30-7F3CA3FE6671}" type="datetimeFigureOut">
               <a:rPr lang="de-DE" smtClean="0"/>
-              <a:t>11.01.2026</a:t>
+              <a:t>14.01.2026</a:t>
             </a:fld>
             <a:endParaRPr lang="de-DE"/>
           </a:p>
@@ -21250,10 +21251,1856 @@
           <a:chExt cx="0" cy="0"/>
         </a:xfrm>
       </p:grpSpPr>
+      <p:cxnSp>
+        <p:nvCxnSpPr>
+          <p:cNvPr id="11" name="Gerader Verbinder 10">
+            <a:extLst>
+              <a:ext uri="{FF2B5EF4-FFF2-40B4-BE49-F238E27FC236}">
+                <a16:creationId xmlns:a16="http://schemas.microsoft.com/office/drawing/2014/main" id="{33BB54C9-D3B3-A302-2180-789EC15869FE}"/>
+              </a:ext>
+            </a:extLst>
+          </p:cNvPr>
+          <p:cNvCxnSpPr/>
+          <p:nvPr/>
+        </p:nvCxnSpPr>
+        <p:spPr>
+          <a:xfrm>
+            <a:off x="1035711" y="1476644"/>
+            <a:ext cx="1407160" cy="0"/>
+          </a:xfrm>
+          <a:prstGeom prst="line">
+            <a:avLst/>
+          </a:prstGeom>
+          <a:ln w="9525" cap="rnd">
+            <a:solidFill>
+              <a:srgbClr val="C00000"/>
+            </a:solidFill>
+            <a:prstDash val="sysDash"/>
+            <a:round/>
+          </a:ln>
+        </p:spPr>
+        <p:style>
+          <a:lnRef idx="2">
+            <a:schemeClr val="accent1"/>
+          </a:lnRef>
+          <a:fillRef idx="0">
+            <a:schemeClr val="accent1"/>
+          </a:fillRef>
+          <a:effectRef idx="1">
+            <a:schemeClr val="accent1"/>
+          </a:effectRef>
+          <a:fontRef idx="minor">
+            <a:schemeClr val="tx1"/>
+          </a:fontRef>
+        </p:style>
+      </p:cxnSp>
+      <p:sp>
+        <p:nvSpPr>
+          <p:cNvPr id="12" name="Freihandform: Form 11">
+            <a:extLst>
+              <a:ext uri="{FF2B5EF4-FFF2-40B4-BE49-F238E27FC236}">
+                <a16:creationId xmlns:a16="http://schemas.microsoft.com/office/drawing/2014/main" id="{56E875B8-9C59-C771-CED4-AA65714D7556}"/>
+              </a:ext>
+            </a:extLst>
+          </p:cNvPr>
+          <p:cNvSpPr/>
+          <p:nvPr/>
+        </p:nvSpPr>
+        <p:spPr>
+          <a:xfrm rot="254866">
+            <a:off x="1492840" y="1334334"/>
+            <a:ext cx="220980" cy="695960"/>
+          </a:xfrm>
+          <a:custGeom>
+            <a:avLst/>
+            <a:gdLst>
+              <a:gd name="csX0" fmla="*/ 0 w 220980"/>
+              <a:gd name="csY0" fmla="*/ 0 h 695960"/>
+              <a:gd name="csX1" fmla="*/ 45720 w 220980"/>
+              <a:gd name="csY1" fmla="*/ 322580 h 695960"/>
+              <a:gd name="csX2" fmla="*/ 172720 w 220980"/>
+              <a:gd name="csY2" fmla="*/ 472440 h 695960"/>
+              <a:gd name="csX3" fmla="*/ 220980 w 220980"/>
+              <a:gd name="csY3" fmla="*/ 695960 h 695960"/>
+            </a:gdLst>
+            <a:ahLst/>
+            <a:cxnLst>
+              <a:cxn ang="0">
+                <a:pos x="csX0" y="csY0"/>
+              </a:cxn>
+              <a:cxn ang="0">
+                <a:pos x="csX1" y="csY1"/>
+              </a:cxn>
+              <a:cxn ang="0">
+                <a:pos x="csX2" y="csY2"/>
+              </a:cxn>
+              <a:cxn ang="0">
+                <a:pos x="csX3" y="csY3"/>
+              </a:cxn>
+            </a:cxnLst>
+            <a:rect l="l" t="t" r="r" b="b"/>
+            <a:pathLst>
+              <a:path w="220980" h="695960">
+                <a:moveTo>
+                  <a:pt x="0" y="0"/>
+                </a:moveTo>
+                <a:cubicBezTo>
+                  <a:pt x="8466" y="121920"/>
+                  <a:pt x="16933" y="243840"/>
+                  <a:pt x="45720" y="322580"/>
+                </a:cubicBezTo>
+                <a:cubicBezTo>
+                  <a:pt x="74507" y="401320"/>
+                  <a:pt x="143510" y="410210"/>
+                  <a:pt x="172720" y="472440"/>
+                </a:cubicBezTo>
+                <a:cubicBezTo>
+                  <a:pt x="201930" y="534670"/>
+                  <a:pt x="211455" y="615315"/>
+                  <a:pt x="220980" y="695960"/>
+                </a:cubicBezTo>
+              </a:path>
+            </a:pathLst>
+          </a:custGeom>
+          <a:noFill/>
+          <a:ln w="9525" cap="rnd">
+            <a:solidFill>
+              <a:srgbClr val="C00000"/>
+            </a:solidFill>
+            <a:round/>
+          </a:ln>
+        </p:spPr>
+        <p:style>
+          <a:lnRef idx="2">
+            <a:schemeClr val="accent1">
+              <a:shade val="15000"/>
+            </a:schemeClr>
+          </a:lnRef>
+          <a:fillRef idx="1">
+            <a:schemeClr val="accent1"/>
+          </a:fillRef>
+          <a:effectRef idx="0">
+            <a:schemeClr val="accent1"/>
+          </a:effectRef>
+          <a:fontRef idx="minor">
+            <a:schemeClr val="lt1"/>
+          </a:fontRef>
+        </p:style>
+        <p:txBody>
+          <a:bodyPr rtlCol="0" anchor="ctr"/>
+          <a:lstStyle/>
+          <a:p>
+            <a:pPr algn="ctr"/>
+            <a:endParaRPr lang="de-DE"/>
+          </a:p>
+        </p:txBody>
+      </p:sp>
+      <p:sp>
+        <p:nvSpPr>
+          <p:cNvPr id="13" name="Textfeld 12">
+            <a:extLst>
+              <a:ext uri="{FF2B5EF4-FFF2-40B4-BE49-F238E27FC236}">
+                <a16:creationId xmlns:a16="http://schemas.microsoft.com/office/drawing/2014/main" id="{4FC41459-7F4A-5C66-929D-29F5BA1DC9A3}"/>
+              </a:ext>
+            </a:extLst>
+          </p:cNvPr>
+          <p:cNvSpPr txBox="1"/>
+          <p:nvPr/>
+        </p:nvSpPr>
+        <p:spPr>
+          <a:xfrm>
+            <a:off x="2402389" y="1345839"/>
+            <a:ext cx="348236" cy="261610"/>
+          </a:xfrm>
+          <a:prstGeom prst="rect">
+            <a:avLst/>
+          </a:prstGeom>
+          <a:noFill/>
+        </p:spPr>
+        <p:txBody>
+          <a:bodyPr wrap="square" rtlCol="0" anchor="ctr">
+            <a:spAutoFit/>
+          </a:bodyPr>
+          <a:lstStyle/>
+          <a:p>
+            <a:pPr algn="ctr"/>
+            <a:r>
+              <a:rPr lang="de-DE" sz="1100" i="1" dirty="0">
+                <a:solidFill>
+                  <a:srgbClr val="C00000"/>
+                </a:solidFill>
+                <a:latin typeface="CMU Serif" panose="02000603000000000000" pitchFamily="2" charset="0"/>
+                <a:ea typeface="CMU Serif" panose="02000603000000000000" pitchFamily="2" charset="0"/>
+                <a:cs typeface="CMU Serif" panose="02000603000000000000" pitchFamily="2" charset="0"/>
+              </a:rPr>
+              <a:t>T</a:t>
+            </a:r>
+            <a:r>
+              <a:rPr lang="de-DE" sz="1100" baseline="-25000" dirty="0">
+                <a:solidFill>
+                  <a:srgbClr val="C00000"/>
+                </a:solidFill>
+                <a:latin typeface="CMU Serif" panose="02000603000000000000" pitchFamily="2" charset="0"/>
+                <a:ea typeface="CMU Serif" panose="02000603000000000000" pitchFamily="2" charset="0"/>
+                <a:cs typeface="CMU Serif" panose="02000603000000000000" pitchFamily="2" charset="0"/>
+              </a:rPr>
+              <a:t>e</a:t>
+            </a:r>
+          </a:p>
+        </p:txBody>
+      </p:sp>
+      <p:cxnSp>
+        <p:nvCxnSpPr>
+          <p:cNvPr id="14" name="Gerader Verbinder 13">
+            <a:extLst>
+              <a:ext uri="{FF2B5EF4-FFF2-40B4-BE49-F238E27FC236}">
+                <a16:creationId xmlns:a16="http://schemas.microsoft.com/office/drawing/2014/main" id="{8F1AE19F-7F4B-D77D-372B-8CB9F2F76387}"/>
+              </a:ext>
+            </a:extLst>
+          </p:cNvPr>
+          <p:cNvCxnSpPr>
+            <a:cxnSpLocks/>
+          </p:cNvCxnSpPr>
+          <p:nvPr/>
+        </p:nvCxnSpPr>
+        <p:spPr>
+          <a:xfrm>
+            <a:off x="1685316" y="1643183"/>
+            <a:ext cx="0" cy="394340"/>
+          </a:xfrm>
+          <a:prstGeom prst="line">
+            <a:avLst/>
+          </a:prstGeom>
+          <a:ln w="9525" cap="rnd">
+            <a:solidFill>
+              <a:srgbClr val="C00000"/>
+            </a:solidFill>
+            <a:prstDash val="sysDot"/>
+            <a:round/>
+          </a:ln>
+        </p:spPr>
+        <p:style>
+          <a:lnRef idx="2">
+            <a:schemeClr val="accent1"/>
+          </a:lnRef>
+          <a:fillRef idx="0">
+            <a:schemeClr val="accent1"/>
+          </a:fillRef>
+          <a:effectRef idx="1">
+            <a:schemeClr val="accent1"/>
+          </a:effectRef>
+          <a:fontRef idx="minor">
+            <a:schemeClr val="tx1"/>
+          </a:fontRef>
+        </p:style>
+      </p:cxnSp>
+      <p:cxnSp>
+        <p:nvCxnSpPr>
+          <p:cNvPr id="18" name="Gerader Verbinder 17">
+            <a:extLst>
+              <a:ext uri="{FF2B5EF4-FFF2-40B4-BE49-F238E27FC236}">
+                <a16:creationId xmlns:a16="http://schemas.microsoft.com/office/drawing/2014/main" id="{15CB2621-6967-0F9F-6FCC-F380F5C22CE0}"/>
+              </a:ext>
+            </a:extLst>
+          </p:cNvPr>
+          <p:cNvCxnSpPr>
+            <a:cxnSpLocks/>
+          </p:cNvCxnSpPr>
+          <p:nvPr/>
+        </p:nvCxnSpPr>
+        <p:spPr>
+          <a:xfrm>
+            <a:off x="1473082" y="1669133"/>
+            <a:ext cx="319405" cy="550545"/>
+          </a:xfrm>
+          <a:prstGeom prst="line">
+            <a:avLst/>
+          </a:prstGeom>
+          <a:ln w="9525" cap="rnd">
+            <a:solidFill>
+              <a:srgbClr val="C00000"/>
+            </a:solidFill>
+            <a:prstDash val="sysDot"/>
+            <a:round/>
+          </a:ln>
+        </p:spPr>
+        <p:style>
+          <a:lnRef idx="2">
+            <a:schemeClr val="accent1"/>
+          </a:lnRef>
+          <a:fillRef idx="0">
+            <a:schemeClr val="accent1"/>
+          </a:fillRef>
+          <a:effectRef idx="1">
+            <a:schemeClr val="accent1"/>
+          </a:effectRef>
+          <a:fontRef idx="minor">
+            <a:schemeClr val="tx1"/>
+          </a:fontRef>
+        </p:style>
+      </p:cxnSp>
+      <p:cxnSp>
+        <p:nvCxnSpPr>
+          <p:cNvPr id="20" name="Gerader Verbinder 19">
+            <a:extLst>
+              <a:ext uri="{FF2B5EF4-FFF2-40B4-BE49-F238E27FC236}">
+                <a16:creationId xmlns:a16="http://schemas.microsoft.com/office/drawing/2014/main" id="{ACDCF34F-97E8-A424-F451-B41048D827FC}"/>
+              </a:ext>
+            </a:extLst>
+          </p:cNvPr>
+          <p:cNvCxnSpPr>
+            <a:cxnSpLocks/>
+          </p:cNvCxnSpPr>
+          <p:nvPr/>
+        </p:nvCxnSpPr>
+        <p:spPr>
+          <a:xfrm flipH="1">
+            <a:off x="1578121" y="1669132"/>
+            <a:ext cx="330966" cy="548641"/>
+          </a:xfrm>
+          <a:prstGeom prst="line">
+            <a:avLst/>
+          </a:prstGeom>
+          <a:ln w="9525" cap="rnd">
+            <a:solidFill>
+              <a:srgbClr val="C00000"/>
+            </a:solidFill>
+            <a:prstDash val="sysDot"/>
+            <a:round/>
+          </a:ln>
+        </p:spPr>
+        <p:style>
+          <a:lnRef idx="2">
+            <a:schemeClr val="accent1"/>
+          </a:lnRef>
+          <a:fillRef idx="0">
+            <a:schemeClr val="accent1"/>
+          </a:fillRef>
+          <a:effectRef idx="1">
+            <a:schemeClr val="accent1"/>
+          </a:effectRef>
+          <a:fontRef idx="minor">
+            <a:schemeClr val="tx1"/>
+          </a:fontRef>
+        </p:style>
+      </p:cxnSp>
+      <p:grpSp>
+        <p:nvGrpSpPr>
+          <p:cNvPr id="2" name="Gruppieren 1">
+            <a:extLst>
+              <a:ext uri="{FF2B5EF4-FFF2-40B4-BE49-F238E27FC236}">
+                <a16:creationId xmlns:a16="http://schemas.microsoft.com/office/drawing/2014/main" id="{A4639B3A-F621-849E-816F-AB2133F8C94B}"/>
+              </a:ext>
+            </a:extLst>
+          </p:cNvPr>
+          <p:cNvGrpSpPr/>
+          <p:nvPr/>
+        </p:nvGrpSpPr>
+        <p:grpSpPr>
+          <a:xfrm>
+            <a:off x="860712" y="1118038"/>
+            <a:ext cx="1697469" cy="1196755"/>
+            <a:chOff x="474388" y="1040281"/>
+            <a:chExt cx="1697469" cy="1196755"/>
+          </a:xfrm>
+        </p:grpSpPr>
+        <p:cxnSp>
+          <p:nvCxnSpPr>
+            <p:cNvPr id="3" name="Gerade Verbindung mit Pfeil 2">
+              <a:extLst>
+                <a:ext uri="{FF2B5EF4-FFF2-40B4-BE49-F238E27FC236}">
+                  <a16:creationId xmlns:a16="http://schemas.microsoft.com/office/drawing/2014/main" id="{10C8E4D8-E352-E169-4B52-CAA1AFA283DA}"/>
+                </a:ext>
+              </a:extLst>
+            </p:cNvPr>
+            <p:cNvCxnSpPr>
+              <a:cxnSpLocks/>
+            </p:cNvCxnSpPr>
+            <p:nvPr/>
+          </p:nvCxnSpPr>
+          <p:spPr>
+            <a:xfrm>
+              <a:off x="732807" y="1959766"/>
+              <a:ext cx="1291138" cy="0"/>
+            </a:xfrm>
+            <a:prstGeom prst="straightConnector1">
+              <a:avLst/>
+            </a:prstGeom>
+            <a:ln w="12700" cap="rnd">
+              <a:solidFill>
+                <a:schemeClr val="tx1"/>
+              </a:solidFill>
+              <a:round/>
+              <a:tailEnd type="stealth"/>
+            </a:ln>
+          </p:spPr>
+          <p:style>
+            <a:lnRef idx="2">
+              <a:schemeClr val="accent1"/>
+            </a:lnRef>
+            <a:fillRef idx="0">
+              <a:schemeClr val="accent1"/>
+            </a:fillRef>
+            <a:effectRef idx="1">
+              <a:schemeClr val="accent1"/>
+            </a:effectRef>
+            <a:fontRef idx="minor">
+              <a:schemeClr val="tx1"/>
+            </a:fontRef>
+          </p:style>
+        </p:cxnSp>
+        <p:cxnSp>
+          <p:nvCxnSpPr>
+            <p:cNvPr id="4" name="Gerade Verbindung mit Pfeil 3">
+              <a:extLst>
+                <a:ext uri="{FF2B5EF4-FFF2-40B4-BE49-F238E27FC236}">
+                  <a16:creationId xmlns:a16="http://schemas.microsoft.com/office/drawing/2014/main" id="{2D85DCBA-65BC-2E78-D4B1-20E649AA97F4}"/>
+                </a:ext>
+              </a:extLst>
+            </p:cNvPr>
+            <p:cNvCxnSpPr>
+              <a:cxnSpLocks/>
+            </p:cNvCxnSpPr>
+            <p:nvPr/>
+          </p:nvCxnSpPr>
+          <p:spPr>
+            <a:xfrm flipV="1">
+              <a:off x="732807" y="1171087"/>
+              <a:ext cx="0" cy="788679"/>
+            </a:xfrm>
+            <a:prstGeom prst="straightConnector1">
+              <a:avLst/>
+            </a:prstGeom>
+            <a:ln w="12700" cap="rnd">
+              <a:solidFill>
+                <a:schemeClr val="tx1"/>
+              </a:solidFill>
+              <a:round/>
+              <a:tailEnd type="stealth"/>
+            </a:ln>
+          </p:spPr>
+          <p:style>
+            <a:lnRef idx="2">
+              <a:schemeClr val="accent1"/>
+            </a:lnRef>
+            <a:fillRef idx="0">
+              <a:schemeClr val="accent1"/>
+            </a:fillRef>
+            <a:effectRef idx="1">
+              <a:schemeClr val="accent1"/>
+            </a:effectRef>
+            <a:fontRef idx="minor">
+              <a:schemeClr val="tx1"/>
+            </a:fontRef>
+          </p:style>
+        </p:cxnSp>
+        <p:sp>
+          <p:nvSpPr>
+            <p:cNvPr id="5" name="Textfeld 4">
+              <a:extLst>
+                <a:ext uri="{FF2B5EF4-FFF2-40B4-BE49-F238E27FC236}">
+                  <a16:creationId xmlns:a16="http://schemas.microsoft.com/office/drawing/2014/main" id="{109AFDE5-48C2-AC9A-FEB5-8E454718E173}"/>
+                </a:ext>
+              </a:extLst>
+            </p:cNvPr>
+            <p:cNvSpPr txBox="1"/>
+            <p:nvPr/>
+          </p:nvSpPr>
+          <p:spPr>
+            <a:xfrm>
+              <a:off x="474388" y="1040281"/>
+              <a:ext cx="289560" cy="261610"/>
+            </a:xfrm>
+            <a:prstGeom prst="rect">
+              <a:avLst/>
+            </a:prstGeom>
+            <a:noFill/>
+          </p:spPr>
+          <p:txBody>
+            <a:bodyPr wrap="square" rtlCol="0" anchor="ctr">
+              <a:spAutoFit/>
+            </a:bodyPr>
+            <a:lstStyle/>
+            <a:p>
+              <a:pPr algn="ctr"/>
+              <a:r>
+                <a:rPr lang="de-DE" sz="1100" i="1" dirty="0">
+                  <a:latin typeface="CMU Serif" panose="02000603000000000000" pitchFamily="2" charset="0"/>
+                  <a:ea typeface="CMU Serif" panose="02000603000000000000" pitchFamily="2" charset="0"/>
+                  <a:cs typeface="CMU Serif" panose="02000603000000000000" pitchFamily="2" charset="0"/>
+                </a:rPr>
+                <a:t>y</a:t>
+              </a:r>
+            </a:p>
+          </p:txBody>
+        </p:sp>
+        <p:sp>
+          <p:nvSpPr>
+            <p:cNvPr id="6" name="Textfeld 5">
+              <a:extLst>
+                <a:ext uri="{FF2B5EF4-FFF2-40B4-BE49-F238E27FC236}">
+                  <a16:creationId xmlns:a16="http://schemas.microsoft.com/office/drawing/2014/main" id="{19C21B21-D4C5-3B24-BE46-7C8C834D2711}"/>
+                </a:ext>
+              </a:extLst>
+            </p:cNvPr>
+            <p:cNvSpPr txBox="1"/>
+            <p:nvPr/>
+          </p:nvSpPr>
+          <p:spPr>
+            <a:xfrm>
+              <a:off x="1882297" y="1975426"/>
+              <a:ext cx="289560" cy="261610"/>
+            </a:xfrm>
+            <a:prstGeom prst="rect">
+              <a:avLst/>
+            </a:prstGeom>
+            <a:noFill/>
+          </p:spPr>
+          <p:txBody>
+            <a:bodyPr wrap="square" rtlCol="0" anchor="ctr">
+              <a:spAutoFit/>
+            </a:bodyPr>
+            <a:lstStyle/>
+            <a:p>
+              <a:pPr algn="ctr"/>
+              <a:r>
+                <a:rPr lang="de-DE" sz="1100" i="1" dirty="0">
+                  <a:latin typeface="CMU Serif" panose="02000603000000000000" pitchFamily="2" charset="0"/>
+                  <a:ea typeface="CMU Serif" panose="02000603000000000000" pitchFamily="2" charset="0"/>
+                  <a:cs typeface="CMU Serif" panose="02000603000000000000" pitchFamily="2" charset="0"/>
+                </a:rPr>
+                <a:t>T</a:t>
+              </a:r>
+            </a:p>
+          </p:txBody>
+        </p:sp>
+      </p:grpSp>
+      <p:sp>
+        <p:nvSpPr>
+          <p:cNvPr id="25" name="Textfeld 24">
+            <a:extLst>
+              <a:ext uri="{FF2B5EF4-FFF2-40B4-BE49-F238E27FC236}">
+                <a16:creationId xmlns:a16="http://schemas.microsoft.com/office/drawing/2014/main" id="{EF438DE3-C634-2A37-3F71-2F7A54F2DDF2}"/>
+              </a:ext>
+            </a:extLst>
+          </p:cNvPr>
+          <p:cNvSpPr txBox="1"/>
+          <p:nvPr/>
+        </p:nvSpPr>
+        <p:spPr>
+          <a:xfrm>
+            <a:off x="1421727" y="2251343"/>
+            <a:ext cx="517018" cy="261610"/>
+          </a:xfrm>
+          <a:prstGeom prst="rect">
+            <a:avLst/>
+          </a:prstGeom>
+          <a:noFill/>
+        </p:spPr>
+        <p:txBody>
+          <a:bodyPr wrap="square" rtlCol="0" anchor="ctr">
+            <a:spAutoFit/>
+          </a:bodyPr>
+          <a:lstStyle/>
+          <a:p>
+            <a:pPr algn="ctr"/>
+            <a:r>
+              <a:rPr lang="de-DE" sz="1100" i="1" dirty="0" err="1">
+                <a:latin typeface="CMU Serif" panose="02000603000000000000" pitchFamily="2" charset="0"/>
+                <a:ea typeface="CMU Serif" panose="02000603000000000000" pitchFamily="2" charset="0"/>
+                <a:cs typeface="CMU Serif" panose="02000603000000000000" pitchFamily="2" charset="0"/>
+              </a:rPr>
+              <a:t>T</a:t>
+            </a:r>
+            <a:r>
+              <a:rPr lang="de-DE" sz="1100" baseline="-25000" dirty="0" err="1">
+                <a:latin typeface="CMU Serif" panose="02000603000000000000" pitchFamily="2" charset="0"/>
+                <a:ea typeface="CMU Serif" panose="02000603000000000000" pitchFamily="2" charset="0"/>
+                <a:cs typeface="CMU Serif" panose="02000603000000000000" pitchFamily="2" charset="0"/>
+              </a:rPr>
+              <a:t>aW</a:t>
+            </a:r>
+            <a:endParaRPr lang="de-DE" sz="1100" baseline="-25000" dirty="0">
+              <a:latin typeface="CMU Serif" panose="02000603000000000000" pitchFamily="2" charset="0"/>
+              <a:ea typeface="CMU Serif" panose="02000603000000000000" pitchFamily="2" charset="0"/>
+              <a:cs typeface="CMU Serif" panose="02000603000000000000" pitchFamily="2" charset="0"/>
+            </a:endParaRPr>
+          </a:p>
+        </p:txBody>
+      </p:sp>
+      <p:cxnSp>
+        <p:nvCxnSpPr>
+          <p:cNvPr id="27" name="Gerader Verbinder 26">
+            <a:extLst>
+              <a:ext uri="{FF2B5EF4-FFF2-40B4-BE49-F238E27FC236}">
+                <a16:creationId xmlns:a16="http://schemas.microsoft.com/office/drawing/2014/main" id="{0509C855-7E24-4457-84DC-8C9B5AF2E2DF}"/>
+              </a:ext>
+            </a:extLst>
+          </p:cNvPr>
+          <p:cNvCxnSpPr>
+            <a:cxnSpLocks/>
+          </p:cNvCxnSpPr>
+          <p:nvPr/>
+        </p:nvCxnSpPr>
+        <p:spPr>
+          <a:xfrm>
+            <a:off x="1685316" y="2037523"/>
+            <a:ext cx="0" cy="236681"/>
+          </a:xfrm>
+          <a:prstGeom prst="line">
+            <a:avLst/>
+          </a:prstGeom>
+          <a:ln w="9525" cap="rnd">
+            <a:solidFill>
+              <a:schemeClr val="tx1"/>
+            </a:solidFill>
+            <a:prstDash val="solid"/>
+            <a:round/>
+          </a:ln>
+        </p:spPr>
+        <p:style>
+          <a:lnRef idx="2">
+            <a:schemeClr val="accent1"/>
+          </a:lnRef>
+          <a:fillRef idx="0">
+            <a:schemeClr val="accent1"/>
+          </a:fillRef>
+          <a:effectRef idx="1">
+            <a:schemeClr val="accent1"/>
+          </a:effectRef>
+          <a:fontRef idx="minor">
+            <a:schemeClr val="tx1"/>
+          </a:fontRef>
+        </p:style>
+      </p:cxnSp>
+      <p:sp>
+        <p:nvSpPr>
+          <p:cNvPr id="31" name="Freihandform: Form 30">
+            <a:extLst>
+              <a:ext uri="{FF2B5EF4-FFF2-40B4-BE49-F238E27FC236}">
+                <a16:creationId xmlns:a16="http://schemas.microsoft.com/office/drawing/2014/main" id="{EEEBE9A4-BBA0-DD3C-0010-2171A986C518}"/>
+              </a:ext>
+            </a:extLst>
+          </p:cNvPr>
+          <p:cNvSpPr/>
+          <p:nvPr/>
+        </p:nvSpPr>
+        <p:spPr>
+          <a:xfrm>
+            <a:off x="1698078" y="1407428"/>
+            <a:ext cx="253439" cy="284079"/>
+          </a:xfrm>
+          <a:custGeom>
+            <a:avLst/>
+            <a:gdLst>
+              <a:gd name="csX0" fmla="*/ 0 w 220980"/>
+              <a:gd name="csY0" fmla="*/ 422910 h 422910"/>
+              <a:gd name="csX1" fmla="*/ 131445 w 220980"/>
+              <a:gd name="csY1" fmla="*/ 283845 h 422910"/>
+              <a:gd name="csX2" fmla="*/ 220980 w 220980"/>
+              <a:gd name="csY2" fmla="*/ 0 h 422910"/>
+            </a:gdLst>
+            <a:ahLst/>
+            <a:cxnLst>
+              <a:cxn ang="0">
+                <a:pos x="csX0" y="csY0"/>
+              </a:cxn>
+              <a:cxn ang="0">
+                <a:pos x="csX1" y="csY1"/>
+              </a:cxn>
+              <a:cxn ang="0">
+                <a:pos x="csX2" y="csY2"/>
+              </a:cxn>
+            </a:cxnLst>
+            <a:rect l="l" t="t" r="r" b="b"/>
+            <a:pathLst>
+              <a:path w="220980" h="422910">
+                <a:moveTo>
+                  <a:pt x="0" y="422910"/>
+                </a:moveTo>
+                <a:cubicBezTo>
+                  <a:pt x="47307" y="388620"/>
+                  <a:pt x="94615" y="354330"/>
+                  <a:pt x="131445" y="283845"/>
+                </a:cubicBezTo>
+                <a:cubicBezTo>
+                  <a:pt x="168275" y="213360"/>
+                  <a:pt x="194627" y="106680"/>
+                  <a:pt x="220980" y="0"/>
+                </a:cubicBezTo>
+              </a:path>
+            </a:pathLst>
+          </a:custGeom>
+          <a:noFill/>
+          <a:ln w="6350" cap="rnd">
+            <a:round/>
+            <a:headEnd type="stealth" w="sm" len="sm"/>
+          </a:ln>
+        </p:spPr>
+        <p:style>
+          <a:lnRef idx="2">
+            <a:schemeClr val="accent1">
+              <a:shade val="15000"/>
+            </a:schemeClr>
+          </a:lnRef>
+          <a:fillRef idx="1">
+            <a:schemeClr val="accent1"/>
+          </a:fillRef>
+          <a:effectRef idx="0">
+            <a:schemeClr val="accent1"/>
+          </a:effectRef>
+          <a:fontRef idx="minor">
+            <a:schemeClr val="lt1"/>
+          </a:fontRef>
+        </p:style>
+        <p:txBody>
+          <a:bodyPr rtlCol="0" anchor="ctr"/>
+          <a:lstStyle/>
+          <a:p>
+            <a:pPr algn="ctr"/>
+            <a:endParaRPr lang="de-DE"/>
+          </a:p>
+        </p:txBody>
+      </p:sp>
+      <p:sp>
+        <p:nvSpPr>
+          <p:cNvPr id="32" name="Freihandform: Form 31">
+            <a:extLst>
+              <a:ext uri="{FF2B5EF4-FFF2-40B4-BE49-F238E27FC236}">
+                <a16:creationId xmlns:a16="http://schemas.microsoft.com/office/drawing/2014/main" id="{6F7D5A64-8C14-9966-C943-FC327A0CB537}"/>
+              </a:ext>
+            </a:extLst>
+          </p:cNvPr>
+          <p:cNvSpPr/>
+          <p:nvPr/>
+        </p:nvSpPr>
+        <p:spPr>
+          <a:xfrm>
+            <a:off x="1871310" y="1744042"/>
+            <a:ext cx="759521" cy="68796"/>
+          </a:xfrm>
+          <a:custGeom>
+            <a:avLst/>
+            <a:gdLst>
+              <a:gd name="csX0" fmla="*/ 0 w 432435"/>
+              <a:gd name="csY0" fmla="*/ 0 h 68796"/>
+              <a:gd name="csX1" fmla="*/ 209550 w 432435"/>
+              <a:gd name="csY1" fmla="*/ 66675 h 68796"/>
+              <a:gd name="csX2" fmla="*/ 432435 w 432435"/>
+              <a:gd name="csY2" fmla="*/ 45720 h 68796"/>
+            </a:gdLst>
+            <a:ahLst/>
+            <a:cxnLst>
+              <a:cxn ang="0">
+                <a:pos x="csX0" y="csY0"/>
+              </a:cxn>
+              <a:cxn ang="0">
+                <a:pos x="csX1" y="csY1"/>
+              </a:cxn>
+              <a:cxn ang="0">
+                <a:pos x="csX2" y="csY2"/>
+              </a:cxn>
+            </a:cxnLst>
+            <a:rect l="l" t="t" r="r" b="b"/>
+            <a:pathLst>
+              <a:path w="432435" h="68796">
+                <a:moveTo>
+                  <a:pt x="0" y="0"/>
+                </a:moveTo>
+                <a:cubicBezTo>
+                  <a:pt x="68739" y="29527"/>
+                  <a:pt x="137478" y="59055"/>
+                  <a:pt x="209550" y="66675"/>
+                </a:cubicBezTo>
+                <a:cubicBezTo>
+                  <a:pt x="281622" y="74295"/>
+                  <a:pt x="357028" y="60007"/>
+                  <a:pt x="432435" y="45720"/>
+                </a:cubicBezTo>
+              </a:path>
+            </a:pathLst>
+          </a:custGeom>
+          <a:noFill/>
+          <a:ln w="6350" cap="rnd">
+            <a:round/>
+            <a:headEnd type="stealth" w="sm" len="sm"/>
+          </a:ln>
+        </p:spPr>
+        <p:style>
+          <a:lnRef idx="2">
+            <a:schemeClr val="accent1">
+              <a:shade val="15000"/>
+            </a:schemeClr>
+          </a:lnRef>
+          <a:fillRef idx="1">
+            <a:schemeClr val="accent1"/>
+          </a:fillRef>
+          <a:effectRef idx="0">
+            <a:schemeClr val="accent1"/>
+          </a:effectRef>
+          <a:fontRef idx="minor">
+            <a:schemeClr val="lt1"/>
+          </a:fontRef>
+        </p:style>
+        <p:txBody>
+          <a:bodyPr rtlCol="0" anchor="ctr"/>
+          <a:lstStyle/>
+          <a:p>
+            <a:pPr algn="ctr"/>
+            <a:endParaRPr lang="de-DE"/>
+          </a:p>
+        </p:txBody>
+      </p:sp>
+      <p:sp>
+        <p:nvSpPr>
+          <p:cNvPr id="33" name="Freihandform: Form 32">
+            <a:extLst>
+              <a:ext uri="{FF2B5EF4-FFF2-40B4-BE49-F238E27FC236}">
+                <a16:creationId xmlns:a16="http://schemas.microsoft.com/office/drawing/2014/main" id="{3753FA15-808B-70C6-6A22-BC941D396861}"/>
+              </a:ext>
+            </a:extLst>
+          </p:cNvPr>
+          <p:cNvSpPr/>
+          <p:nvPr/>
+        </p:nvSpPr>
+        <p:spPr>
+          <a:xfrm>
+            <a:off x="978751" y="1755559"/>
+            <a:ext cx="529590" cy="73194"/>
+          </a:xfrm>
+          <a:custGeom>
+            <a:avLst/>
+            <a:gdLst>
+              <a:gd name="csX0" fmla="*/ 529590 w 529590"/>
+              <a:gd name="csY0" fmla="*/ 0 h 73194"/>
+              <a:gd name="csX1" fmla="*/ 308610 w 529590"/>
+              <a:gd name="csY1" fmla="*/ 72390 h 73194"/>
+              <a:gd name="csX2" fmla="*/ 0 w 529590"/>
+              <a:gd name="csY2" fmla="*/ 32385 h 73194"/>
+            </a:gdLst>
+            <a:ahLst/>
+            <a:cxnLst>
+              <a:cxn ang="0">
+                <a:pos x="csX0" y="csY0"/>
+              </a:cxn>
+              <a:cxn ang="0">
+                <a:pos x="csX1" y="csY1"/>
+              </a:cxn>
+              <a:cxn ang="0">
+                <a:pos x="csX2" y="csY2"/>
+              </a:cxn>
+            </a:cxnLst>
+            <a:rect l="l" t="t" r="r" b="b"/>
+            <a:pathLst>
+              <a:path w="529590" h="73194">
+                <a:moveTo>
+                  <a:pt x="529590" y="0"/>
+                </a:moveTo>
+                <a:cubicBezTo>
+                  <a:pt x="463232" y="33496"/>
+                  <a:pt x="396875" y="66993"/>
+                  <a:pt x="308610" y="72390"/>
+                </a:cubicBezTo>
+                <a:cubicBezTo>
+                  <a:pt x="220345" y="77788"/>
+                  <a:pt x="110172" y="55086"/>
+                  <a:pt x="0" y="32385"/>
+                </a:cubicBezTo>
+              </a:path>
+            </a:pathLst>
+          </a:custGeom>
+          <a:noFill/>
+          <a:ln w="6350" cap="rnd">
+            <a:round/>
+            <a:headEnd type="stealth" w="sm" len="sm"/>
+          </a:ln>
+        </p:spPr>
+        <p:style>
+          <a:lnRef idx="2">
+            <a:schemeClr val="accent1">
+              <a:shade val="15000"/>
+            </a:schemeClr>
+          </a:lnRef>
+          <a:fillRef idx="1">
+            <a:schemeClr val="accent1"/>
+          </a:fillRef>
+          <a:effectRef idx="0">
+            <a:schemeClr val="accent1"/>
+          </a:effectRef>
+          <a:fontRef idx="minor">
+            <a:schemeClr val="lt1"/>
+          </a:fontRef>
+        </p:style>
+        <p:txBody>
+          <a:bodyPr rtlCol="0" anchor="ctr"/>
+          <a:lstStyle/>
+          <a:p>
+            <a:pPr algn="ctr"/>
+            <a:endParaRPr lang="de-DE"/>
+          </a:p>
+        </p:txBody>
+      </p:sp>
+      <p:grpSp>
+        <p:nvGrpSpPr>
+          <p:cNvPr id="45" name="Gruppieren 44">
+            <a:extLst>
+              <a:ext uri="{FF2B5EF4-FFF2-40B4-BE49-F238E27FC236}">
+                <a16:creationId xmlns:a16="http://schemas.microsoft.com/office/drawing/2014/main" id="{9A7B0511-C6AB-4FE3-4225-88BCFF6573CB}"/>
+              </a:ext>
+            </a:extLst>
+          </p:cNvPr>
+          <p:cNvGrpSpPr/>
+          <p:nvPr/>
+        </p:nvGrpSpPr>
+        <p:grpSpPr>
+          <a:xfrm>
+            <a:off x="2536647" y="1613614"/>
+            <a:ext cx="667908" cy="398447"/>
+            <a:chOff x="2530973" y="2112252"/>
+            <a:chExt cx="667908" cy="398447"/>
+          </a:xfrm>
+        </p:grpSpPr>
+        <p:sp>
+          <p:nvSpPr>
+            <p:cNvPr id="34" name="Textfeld 33">
+              <a:extLst>
+                <a:ext uri="{FF2B5EF4-FFF2-40B4-BE49-F238E27FC236}">
+                  <a16:creationId xmlns:a16="http://schemas.microsoft.com/office/drawing/2014/main" id="{5528FCF3-8D65-3E5F-5762-0EE35B7F9BF3}"/>
+                </a:ext>
+              </a:extLst>
+            </p:cNvPr>
+            <p:cNvSpPr txBox="1"/>
+            <p:nvPr/>
+          </p:nvSpPr>
+          <p:spPr>
+            <a:xfrm>
+              <a:off x="2534783" y="2112252"/>
+              <a:ext cx="477022" cy="246221"/>
+            </a:xfrm>
+            <a:prstGeom prst="rect">
+              <a:avLst/>
+            </a:prstGeom>
+            <a:noFill/>
+          </p:spPr>
+          <p:txBody>
+            <a:bodyPr wrap="square" rtlCol="0" anchor="ctr">
+              <a:spAutoFit/>
+            </a:bodyPr>
+            <a:lstStyle/>
+            <a:p>
+              <a:pPr algn="ctr"/>
+              <a:r>
+                <a:rPr lang="de-DE" sz="1000" i="1" dirty="0">
+                  <a:latin typeface="Latin Modern Math" panose="02000503000000000000" pitchFamily="50" charset="0"/>
+                  <a:ea typeface="Latin Modern Math" panose="02000503000000000000" pitchFamily="50" charset="0"/>
+                  <a:cs typeface="CMU Serif" panose="02000603000000000000" pitchFamily="2" charset="0"/>
+                </a:rPr>
+                <a:t>∂</a:t>
+              </a:r>
+              <a:r>
+                <a:rPr lang="de-DE" sz="1000" i="1" dirty="0">
+                  <a:latin typeface="CMU Serif" panose="02000603000000000000" pitchFamily="2" charset="0"/>
+                  <a:ea typeface="CMU Serif" panose="02000603000000000000" pitchFamily="2" charset="0"/>
+                  <a:cs typeface="CMU Serif" panose="02000603000000000000" pitchFamily="2" charset="0"/>
+                </a:rPr>
+                <a:t>T</a:t>
+              </a:r>
+            </a:p>
+          </p:txBody>
+        </p:sp>
+        <p:sp>
+          <p:nvSpPr>
+            <p:cNvPr id="35" name="Textfeld 34">
+              <a:extLst>
+                <a:ext uri="{FF2B5EF4-FFF2-40B4-BE49-F238E27FC236}">
+                  <a16:creationId xmlns:a16="http://schemas.microsoft.com/office/drawing/2014/main" id="{D32BF64A-7291-0B01-F95C-9165327D1FA5}"/>
+                </a:ext>
+              </a:extLst>
+            </p:cNvPr>
+            <p:cNvSpPr txBox="1"/>
+            <p:nvPr/>
+          </p:nvSpPr>
+          <p:spPr>
+            <a:xfrm>
+              <a:off x="2530973" y="2264478"/>
+              <a:ext cx="477022" cy="246221"/>
+            </a:xfrm>
+            <a:prstGeom prst="rect">
+              <a:avLst/>
+            </a:prstGeom>
+            <a:noFill/>
+          </p:spPr>
+          <p:txBody>
+            <a:bodyPr wrap="square" rtlCol="0" anchor="ctr">
+              <a:spAutoFit/>
+            </a:bodyPr>
+            <a:lstStyle/>
+            <a:p>
+              <a:pPr algn="ctr"/>
+              <a:r>
+                <a:rPr lang="de-DE" sz="1000" i="1" dirty="0">
+                  <a:latin typeface="Latin Modern Math" panose="02000503000000000000" pitchFamily="50" charset="0"/>
+                  <a:ea typeface="Latin Modern Math" panose="02000503000000000000" pitchFamily="50" charset="0"/>
+                  <a:cs typeface="CMU Serif" panose="02000603000000000000" pitchFamily="2" charset="0"/>
+                </a:rPr>
+                <a:t>∂</a:t>
+              </a:r>
+              <a:r>
+                <a:rPr lang="de-DE" sz="200" i="1" dirty="0">
+                  <a:latin typeface="Latin Modern Math" panose="02000503000000000000" pitchFamily="50" charset="0"/>
+                  <a:ea typeface="Latin Modern Math" panose="02000503000000000000" pitchFamily="50" charset="0"/>
+                  <a:cs typeface="CMU Serif" panose="02000603000000000000" pitchFamily="2" charset="0"/>
+                </a:rPr>
+                <a:t> </a:t>
+              </a:r>
+              <a:r>
+                <a:rPr lang="de-DE" sz="1000" i="1" dirty="0">
+                  <a:latin typeface="CMU Serif" panose="02000603000000000000" pitchFamily="2" charset="0"/>
+                  <a:ea typeface="CMU Serif" panose="02000603000000000000" pitchFamily="2" charset="0"/>
+                  <a:cs typeface="CMU Serif" panose="02000603000000000000" pitchFamily="2" charset="0"/>
+                </a:rPr>
+                <a:t>y</a:t>
+              </a:r>
+            </a:p>
+          </p:txBody>
+        </p:sp>
+        <p:cxnSp>
+          <p:nvCxnSpPr>
+            <p:cNvPr id="37" name="Gerader Verbinder 36">
+              <a:extLst>
+                <a:ext uri="{FF2B5EF4-FFF2-40B4-BE49-F238E27FC236}">
+                  <a16:creationId xmlns:a16="http://schemas.microsoft.com/office/drawing/2014/main" id="{4B6526F8-F1AF-7423-7232-E5108C1813FD}"/>
+                </a:ext>
+              </a:extLst>
+            </p:cNvPr>
+            <p:cNvCxnSpPr>
+              <a:cxnSpLocks/>
+            </p:cNvCxnSpPr>
+            <p:nvPr/>
+          </p:nvCxnSpPr>
+          <p:spPr>
+            <a:xfrm flipH="1">
+              <a:off x="2686050" y="2285433"/>
+              <a:ext cx="203835" cy="0"/>
+            </a:xfrm>
+            <a:prstGeom prst="line">
+              <a:avLst/>
+            </a:prstGeom>
+            <a:ln w="6350">
+              <a:solidFill>
+                <a:schemeClr val="tx1"/>
+              </a:solidFill>
+            </a:ln>
+          </p:spPr>
+          <p:style>
+            <a:lnRef idx="2">
+              <a:schemeClr val="accent1"/>
+            </a:lnRef>
+            <a:fillRef idx="0">
+              <a:schemeClr val="accent1"/>
+            </a:fillRef>
+            <a:effectRef idx="1">
+              <a:schemeClr val="accent1"/>
+            </a:effectRef>
+            <a:fontRef idx="minor">
+              <a:schemeClr val="tx1"/>
+            </a:fontRef>
+          </p:style>
+        </p:cxnSp>
+        <p:cxnSp>
+          <p:nvCxnSpPr>
+            <p:cNvPr id="41" name="Gerader Verbinder 40">
+              <a:extLst>
+                <a:ext uri="{FF2B5EF4-FFF2-40B4-BE49-F238E27FC236}">
+                  <a16:creationId xmlns:a16="http://schemas.microsoft.com/office/drawing/2014/main" id="{6E8DA53B-08B2-2027-135C-BD15D971B3BC}"/>
+                </a:ext>
+              </a:extLst>
+            </p:cNvPr>
+            <p:cNvCxnSpPr>
+              <a:cxnSpLocks/>
+            </p:cNvCxnSpPr>
+            <p:nvPr/>
+          </p:nvCxnSpPr>
+          <p:spPr>
+            <a:xfrm flipV="1">
+              <a:off x="2916555" y="2154555"/>
+              <a:ext cx="0" cy="266700"/>
+            </a:xfrm>
+            <a:prstGeom prst="line">
+              <a:avLst/>
+            </a:prstGeom>
+            <a:ln w="6350">
+              <a:solidFill>
+                <a:schemeClr val="tx1"/>
+              </a:solidFill>
+            </a:ln>
+          </p:spPr>
+          <p:style>
+            <a:lnRef idx="2">
+              <a:schemeClr val="accent1"/>
+            </a:lnRef>
+            <a:fillRef idx="0">
+              <a:schemeClr val="accent1"/>
+            </a:fillRef>
+            <a:effectRef idx="1">
+              <a:schemeClr val="accent1"/>
+            </a:effectRef>
+            <a:fontRef idx="minor">
+              <a:schemeClr val="tx1"/>
+            </a:fontRef>
+          </p:style>
+        </p:cxnSp>
+        <p:sp>
+          <p:nvSpPr>
+            <p:cNvPr id="44" name="Textfeld 43">
+              <a:extLst>
+                <a:ext uri="{FF2B5EF4-FFF2-40B4-BE49-F238E27FC236}">
+                  <a16:creationId xmlns:a16="http://schemas.microsoft.com/office/drawing/2014/main" id="{E0E47520-6160-4A02-A30A-AACA075AAAC0}"/>
+                </a:ext>
+              </a:extLst>
+            </p:cNvPr>
+            <p:cNvSpPr txBox="1"/>
+            <p:nvPr/>
+          </p:nvSpPr>
+          <p:spPr>
+            <a:xfrm>
+              <a:off x="2721859" y="2303168"/>
+              <a:ext cx="477022" cy="200055"/>
+            </a:xfrm>
+            <a:prstGeom prst="rect">
+              <a:avLst/>
+            </a:prstGeom>
+            <a:noFill/>
+          </p:spPr>
+          <p:txBody>
+            <a:bodyPr wrap="square" rtlCol="0" anchor="ctr">
+              <a:spAutoFit/>
+            </a:bodyPr>
+            <a:lstStyle/>
+            <a:p>
+              <a:pPr algn="ctr"/>
+              <a:r>
+                <a:rPr lang="de-DE" sz="700" dirty="0">
+                  <a:latin typeface="CMU Serif" panose="02000603000000000000" pitchFamily="2" charset="0"/>
+                  <a:ea typeface="CMU Serif" panose="02000603000000000000" pitchFamily="2" charset="0"/>
+                  <a:cs typeface="CMU Serif" panose="02000603000000000000" pitchFamily="2" charset="0"/>
+                </a:rPr>
+                <a:t>0</a:t>
+              </a:r>
+            </a:p>
+          </p:txBody>
+        </p:sp>
+      </p:grpSp>
+      <p:grpSp>
+        <p:nvGrpSpPr>
+          <p:cNvPr id="46" name="Gruppieren 45">
+            <a:extLst>
+              <a:ext uri="{FF2B5EF4-FFF2-40B4-BE49-F238E27FC236}">
+                <a16:creationId xmlns:a16="http://schemas.microsoft.com/office/drawing/2014/main" id="{24AC1AA9-549C-FB6A-D0B7-205A2449DB5D}"/>
+              </a:ext>
+            </a:extLst>
+          </p:cNvPr>
+          <p:cNvGrpSpPr/>
+          <p:nvPr/>
+        </p:nvGrpSpPr>
+        <p:grpSpPr>
+          <a:xfrm>
+            <a:off x="1749253" y="1037075"/>
+            <a:ext cx="667908" cy="398447"/>
+            <a:chOff x="2530973" y="2112252"/>
+            <a:chExt cx="667908" cy="398447"/>
+          </a:xfrm>
+        </p:grpSpPr>
+        <p:sp>
+          <p:nvSpPr>
+            <p:cNvPr id="47" name="Textfeld 46">
+              <a:extLst>
+                <a:ext uri="{FF2B5EF4-FFF2-40B4-BE49-F238E27FC236}">
+                  <a16:creationId xmlns:a16="http://schemas.microsoft.com/office/drawing/2014/main" id="{D6D8D75D-3291-E455-539F-8A221ED39D91}"/>
+                </a:ext>
+              </a:extLst>
+            </p:cNvPr>
+            <p:cNvSpPr txBox="1"/>
+            <p:nvPr/>
+          </p:nvSpPr>
+          <p:spPr>
+            <a:xfrm>
+              <a:off x="2534783" y="2112252"/>
+              <a:ext cx="477022" cy="246221"/>
+            </a:xfrm>
+            <a:prstGeom prst="rect">
+              <a:avLst/>
+            </a:prstGeom>
+            <a:noFill/>
+          </p:spPr>
+          <p:txBody>
+            <a:bodyPr wrap="square" rtlCol="0" anchor="ctr">
+              <a:spAutoFit/>
+            </a:bodyPr>
+            <a:lstStyle/>
+            <a:p>
+              <a:pPr algn="ctr"/>
+              <a:r>
+                <a:rPr lang="de-DE" sz="1000" i="1" dirty="0">
+                  <a:latin typeface="Latin Modern Math" panose="02000503000000000000" pitchFamily="50" charset="0"/>
+                  <a:ea typeface="Latin Modern Math" panose="02000503000000000000" pitchFamily="50" charset="0"/>
+                  <a:cs typeface="CMU Serif" panose="02000603000000000000" pitchFamily="2" charset="0"/>
+                </a:rPr>
+                <a:t>∂</a:t>
+              </a:r>
+              <a:r>
+                <a:rPr lang="de-DE" sz="1000" i="1" dirty="0">
+                  <a:latin typeface="CMU Serif" panose="02000603000000000000" pitchFamily="2" charset="0"/>
+                  <a:ea typeface="CMU Serif" panose="02000603000000000000" pitchFamily="2" charset="0"/>
+                  <a:cs typeface="CMU Serif" panose="02000603000000000000" pitchFamily="2" charset="0"/>
+                </a:rPr>
+                <a:t>T</a:t>
+              </a:r>
+            </a:p>
+          </p:txBody>
+        </p:sp>
+        <p:sp>
+          <p:nvSpPr>
+            <p:cNvPr id="48" name="Textfeld 47">
+              <a:extLst>
+                <a:ext uri="{FF2B5EF4-FFF2-40B4-BE49-F238E27FC236}">
+                  <a16:creationId xmlns:a16="http://schemas.microsoft.com/office/drawing/2014/main" id="{EEEFBA25-1F6A-6B34-63F0-A389C6B5ECEF}"/>
+                </a:ext>
+              </a:extLst>
+            </p:cNvPr>
+            <p:cNvSpPr txBox="1"/>
+            <p:nvPr/>
+          </p:nvSpPr>
+          <p:spPr>
+            <a:xfrm>
+              <a:off x="2530973" y="2264478"/>
+              <a:ext cx="477022" cy="246221"/>
+            </a:xfrm>
+            <a:prstGeom prst="rect">
+              <a:avLst/>
+            </a:prstGeom>
+            <a:noFill/>
+          </p:spPr>
+          <p:txBody>
+            <a:bodyPr wrap="square" rtlCol="0" anchor="ctr">
+              <a:spAutoFit/>
+            </a:bodyPr>
+            <a:lstStyle/>
+            <a:p>
+              <a:pPr algn="ctr"/>
+              <a:r>
+                <a:rPr lang="de-DE" sz="1000" i="1" dirty="0">
+                  <a:latin typeface="Latin Modern Math" panose="02000503000000000000" pitchFamily="50" charset="0"/>
+                  <a:ea typeface="Latin Modern Math" panose="02000503000000000000" pitchFamily="50" charset="0"/>
+                  <a:cs typeface="CMU Serif" panose="02000603000000000000" pitchFamily="2" charset="0"/>
+                </a:rPr>
+                <a:t>∂</a:t>
+              </a:r>
+              <a:r>
+                <a:rPr lang="de-DE" sz="200" i="1" dirty="0">
+                  <a:latin typeface="Latin Modern Math" panose="02000503000000000000" pitchFamily="50" charset="0"/>
+                  <a:ea typeface="Latin Modern Math" panose="02000503000000000000" pitchFamily="50" charset="0"/>
+                  <a:cs typeface="CMU Serif" panose="02000603000000000000" pitchFamily="2" charset="0"/>
+                </a:rPr>
+                <a:t> </a:t>
+              </a:r>
+              <a:r>
+                <a:rPr lang="de-DE" sz="1000" i="1" dirty="0">
+                  <a:latin typeface="CMU Serif" panose="02000603000000000000" pitchFamily="2" charset="0"/>
+                  <a:ea typeface="CMU Serif" panose="02000603000000000000" pitchFamily="2" charset="0"/>
+                  <a:cs typeface="CMU Serif" panose="02000603000000000000" pitchFamily="2" charset="0"/>
+                </a:rPr>
+                <a:t>y</a:t>
+              </a:r>
+            </a:p>
+          </p:txBody>
+        </p:sp>
+        <p:cxnSp>
+          <p:nvCxnSpPr>
+            <p:cNvPr id="49" name="Gerader Verbinder 48">
+              <a:extLst>
+                <a:ext uri="{FF2B5EF4-FFF2-40B4-BE49-F238E27FC236}">
+                  <a16:creationId xmlns:a16="http://schemas.microsoft.com/office/drawing/2014/main" id="{D65FEF15-CE78-5184-F472-95AC23CB67F8}"/>
+                </a:ext>
+              </a:extLst>
+            </p:cNvPr>
+            <p:cNvCxnSpPr>
+              <a:cxnSpLocks/>
+            </p:cNvCxnSpPr>
+            <p:nvPr/>
+          </p:nvCxnSpPr>
+          <p:spPr>
+            <a:xfrm flipH="1">
+              <a:off x="2686050" y="2285433"/>
+              <a:ext cx="203835" cy="0"/>
+            </a:xfrm>
+            <a:prstGeom prst="line">
+              <a:avLst/>
+            </a:prstGeom>
+            <a:ln w="6350">
+              <a:solidFill>
+                <a:schemeClr val="tx1"/>
+              </a:solidFill>
+            </a:ln>
+          </p:spPr>
+          <p:style>
+            <a:lnRef idx="2">
+              <a:schemeClr val="accent1"/>
+            </a:lnRef>
+            <a:fillRef idx="0">
+              <a:schemeClr val="accent1"/>
+            </a:fillRef>
+            <a:effectRef idx="1">
+              <a:schemeClr val="accent1"/>
+            </a:effectRef>
+            <a:fontRef idx="minor">
+              <a:schemeClr val="tx1"/>
+            </a:fontRef>
+          </p:style>
+        </p:cxnSp>
+        <p:cxnSp>
+          <p:nvCxnSpPr>
+            <p:cNvPr id="50" name="Gerader Verbinder 49">
+              <a:extLst>
+                <a:ext uri="{FF2B5EF4-FFF2-40B4-BE49-F238E27FC236}">
+                  <a16:creationId xmlns:a16="http://schemas.microsoft.com/office/drawing/2014/main" id="{EC1ECEBE-AD95-3CB2-2CB0-AE04267E114B}"/>
+                </a:ext>
+              </a:extLst>
+            </p:cNvPr>
+            <p:cNvCxnSpPr>
+              <a:cxnSpLocks/>
+            </p:cNvCxnSpPr>
+            <p:nvPr/>
+          </p:nvCxnSpPr>
+          <p:spPr>
+            <a:xfrm flipV="1">
+              <a:off x="2916555" y="2154555"/>
+              <a:ext cx="0" cy="266700"/>
+            </a:xfrm>
+            <a:prstGeom prst="line">
+              <a:avLst/>
+            </a:prstGeom>
+            <a:ln w="6350">
+              <a:solidFill>
+                <a:schemeClr val="tx1"/>
+              </a:solidFill>
+            </a:ln>
+          </p:spPr>
+          <p:style>
+            <a:lnRef idx="2">
+              <a:schemeClr val="accent1"/>
+            </a:lnRef>
+            <a:fillRef idx="0">
+              <a:schemeClr val="accent1"/>
+            </a:fillRef>
+            <a:effectRef idx="1">
+              <a:schemeClr val="accent1"/>
+            </a:effectRef>
+            <a:fontRef idx="minor">
+              <a:schemeClr val="tx1"/>
+            </a:fontRef>
+          </p:style>
+        </p:cxnSp>
+        <p:sp>
+          <p:nvSpPr>
+            <p:cNvPr id="51" name="Textfeld 50">
+              <a:extLst>
+                <a:ext uri="{FF2B5EF4-FFF2-40B4-BE49-F238E27FC236}">
+                  <a16:creationId xmlns:a16="http://schemas.microsoft.com/office/drawing/2014/main" id="{6937A435-4A69-5BF4-7DF6-2408ABB1FF88}"/>
+                </a:ext>
+              </a:extLst>
+            </p:cNvPr>
+            <p:cNvSpPr txBox="1"/>
+            <p:nvPr/>
+          </p:nvSpPr>
+          <p:spPr>
+            <a:xfrm>
+              <a:off x="2721859" y="2303168"/>
+              <a:ext cx="477022" cy="200055"/>
+            </a:xfrm>
+            <a:prstGeom prst="rect">
+              <a:avLst/>
+            </a:prstGeom>
+            <a:noFill/>
+          </p:spPr>
+          <p:txBody>
+            <a:bodyPr wrap="square" rtlCol="0" anchor="ctr">
+              <a:spAutoFit/>
+            </a:bodyPr>
+            <a:lstStyle/>
+            <a:p>
+              <a:pPr algn="ctr"/>
+              <a:r>
+                <a:rPr lang="de-DE" sz="700" dirty="0">
+                  <a:latin typeface="CMU Serif" panose="02000603000000000000" pitchFamily="2" charset="0"/>
+                  <a:ea typeface="CMU Serif" panose="02000603000000000000" pitchFamily="2" charset="0"/>
+                  <a:cs typeface="CMU Serif" panose="02000603000000000000" pitchFamily="2" charset="0"/>
+                </a:rPr>
+                <a:t>0</a:t>
+              </a:r>
+            </a:p>
+          </p:txBody>
+        </p:sp>
+      </p:grpSp>
+      <p:grpSp>
+        <p:nvGrpSpPr>
+          <p:cNvPr id="52" name="Gruppieren 51">
+            <a:extLst>
+              <a:ext uri="{FF2B5EF4-FFF2-40B4-BE49-F238E27FC236}">
+                <a16:creationId xmlns:a16="http://schemas.microsoft.com/office/drawing/2014/main" id="{E4CD542F-FDBE-E92B-3822-15CBDAB55C04}"/>
+              </a:ext>
+            </a:extLst>
+          </p:cNvPr>
+          <p:cNvGrpSpPr/>
+          <p:nvPr/>
+        </p:nvGrpSpPr>
+        <p:grpSpPr>
+          <a:xfrm>
+            <a:off x="245784" y="1607449"/>
+            <a:ext cx="667908" cy="398447"/>
+            <a:chOff x="2530973" y="2112252"/>
+            <a:chExt cx="667908" cy="398447"/>
+          </a:xfrm>
+        </p:grpSpPr>
+        <p:sp>
+          <p:nvSpPr>
+            <p:cNvPr id="53" name="Textfeld 52">
+              <a:extLst>
+                <a:ext uri="{FF2B5EF4-FFF2-40B4-BE49-F238E27FC236}">
+                  <a16:creationId xmlns:a16="http://schemas.microsoft.com/office/drawing/2014/main" id="{9054B167-D562-20BB-6D26-4AFB35A0B14A}"/>
+                </a:ext>
+              </a:extLst>
+            </p:cNvPr>
+            <p:cNvSpPr txBox="1"/>
+            <p:nvPr/>
+          </p:nvSpPr>
+          <p:spPr>
+            <a:xfrm>
+              <a:off x="2534783" y="2112252"/>
+              <a:ext cx="477022" cy="246221"/>
+            </a:xfrm>
+            <a:prstGeom prst="rect">
+              <a:avLst/>
+            </a:prstGeom>
+            <a:noFill/>
+          </p:spPr>
+          <p:txBody>
+            <a:bodyPr wrap="square" rtlCol="0" anchor="ctr">
+              <a:spAutoFit/>
+            </a:bodyPr>
+            <a:lstStyle/>
+            <a:p>
+              <a:pPr algn="ctr"/>
+              <a:r>
+                <a:rPr lang="de-DE" sz="1000" i="1" dirty="0">
+                  <a:latin typeface="Latin Modern Math" panose="02000503000000000000" pitchFamily="50" charset="0"/>
+                  <a:ea typeface="Latin Modern Math" panose="02000503000000000000" pitchFamily="50" charset="0"/>
+                  <a:cs typeface="CMU Serif" panose="02000603000000000000" pitchFamily="2" charset="0"/>
+                </a:rPr>
+                <a:t>∂</a:t>
+              </a:r>
+              <a:r>
+                <a:rPr lang="de-DE" sz="1000" i="1" dirty="0">
+                  <a:latin typeface="CMU Serif" panose="02000603000000000000" pitchFamily="2" charset="0"/>
+                  <a:ea typeface="CMU Serif" panose="02000603000000000000" pitchFamily="2" charset="0"/>
+                  <a:cs typeface="CMU Serif" panose="02000603000000000000" pitchFamily="2" charset="0"/>
+                </a:rPr>
+                <a:t>T</a:t>
+              </a:r>
+            </a:p>
+          </p:txBody>
+        </p:sp>
+        <p:sp>
+          <p:nvSpPr>
+            <p:cNvPr id="54" name="Textfeld 53">
+              <a:extLst>
+                <a:ext uri="{FF2B5EF4-FFF2-40B4-BE49-F238E27FC236}">
+                  <a16:creationId xmlns:a16="http://schemas.microsoft.com/office/drawing/2014/main" id="{81D4DCE6-96A3-5474-0440-EF63A52F5953}"/>
+                </a:ext>
+              </a:extLst>
+            </p:cNvPr>
+            <p:cNvSpPr txBox="1"/>
+            <p:nvPr/>
+          </p:nvSpPr>
+          <p:spPr>
+            <a:xfrm>
+              <a:off x="2530973" y="2264478"/>
+              <a:ext cx="477022" cy="246221"/>
+            </a:xfrm>
+            <a:prstGeom prst="rect">
+              <a:avLst/>
+            </a:prstGeom>
+            <a:noFill/>
+          </p:spPr>
+          <p:txBody>
+            <a:bodyPr wrap="square" rtlCol="0" anchor="ctr">
+              <a:spAutoFit/>
+            </a:bodyPr>
+            <a:lstStyle/>
+            <a:p>
+              <a:pPr algn="ctr"/>
+              <a:r>
+                <a:rPr lang="de-DE" sz="1000" i="1" dirty="0">
+                  <a:latin typeface="Latin Modern Math" panose="02000503000000000000" pitchFamily="50" charset="0"/>
+                  <a:ea typeface="Latin Modern Math" panose="02000503000000000000" pitchFamily="50" charset="0"/>
+                  <a:cs typeface="CMU Serif" panose="02000603000000000000" pitchFamily="2" charset="0"/>
+                </a:rPr>
+                <a:t>∂</a:t>
+              </a:r>
+              <a:r>
+                <a:rPr lang="de-DE" sz="200" i="1" dirty="0">
+                  <a:latin typeface="Latin Modern Math" panose="02000503000000000000" pitchFamily="50" charset="0"/>
+                  <a:ea typeface="Latin Modern Math" panose="02000503000000000000" pitchFamily="50" charset="0"/>
+                  <a:cs typeface="CMU Serif" panose="02000603000000000000" pitchFamily="2" charset="0"/>
+                </a:rPr>
+                <a:t> </a:t>
+              </a:r>
+              <a:r>
+                <a:rPr lang="de-DE" sz="1000" i="1" dirty="0">
+                  <a:latin typeface="CMU Serif" panose="02000603000000000000" pitchFamily="2" charset="0"/>
+                  <a:ea typeface="CMU Serif" panose="02000603000000000000" pitchFamily="2" charset="0"/>
+                  <a:cs typeface="CMU Serif" panose="02000603000000000000" pitchFamily="2" charset="0"/>
+                </a:rPr>
+                <a:t>y</a:t>
+              </a:r>
+            </a:p>
+          </p:txBody>
+        </p:sp>
+        <p:cxnSp>
+          <p:nvCxnSpPr>
+            <p:cNvPr id="55" name="Gerader Verbinder 54">
+              <a:extLst>
+                <a:ext uri="{FF2B5EF4-FFF2-40B4-BE49-F238E27FC236}">
+                  <a16:creationId xmlns:a16="http://schemas.microsoft.com/office/drawing/2014/main" id="{77BBACE8-B6DB-2552-9E9B-52F19E135557}"/>
+                </a:ext>
+              </a:extLst>
+            </p:cNvPr>
+            <p:cNvCxnSpPr>
+              <a:cxnSpLocks/>
+            </p:cNvCxnSpPr>
+            <p:nvPr/>
+          </p:nvCxnSpPr>
+          <p:spPr>
+            <a:xfrm flipH="1">
+              <a:off x="2686050" y="2285433"/>
+              <a:ext cx="203835" cy="0"/>
+            </a:xfrm>
+            <a:prstGeom prst="line">
+              <a:avLst/>
+            </a:prstGeom>
+            <a:ln w="6350">
+              <a:solidFill>
+                <a:schemeClr val="tx1"/>
+              </a:solidFill>
+            </a:ln>
+          </p:spPr>
+          <p:style>
+            <a:lnRef idx="2">
+              <a:schemeClr val="accent1"/>
+            </a:lnRef>
+            <a:fillRef idx="0">
+              <a:schemeClr val="accent1"/>
+            </a:fillRef>
+            <a:effectRef idx="1">
+              <a:schemeClr val="accent1"/>
+            </a:effectRef>
+            <a:fontRef idx="minor">
+              <a:schemeClr val="tx1"/>
+            </a:fontRef>
+          </p:style>
+        </p:cxnSp>
+        <p:cxnSp>
+          <p:nvCxnSpPr>
+            <p:cNvPr id="56" name="Gerader Verbinder 55">
+              <a:extLst>
+                <a:ext uri="{FF2B5EF4-FFF2-40B4-BE49-F238E27FC236}">
+                  <a16:creationId xmlns:a16="http://schemas.microsoft.com/office/drawing/2014/main" id="{82ACB7C6-67A2-B615-0B4F-E39E48DAEA02}"/>
+                </a:ext>
+              </a:extLst>
+            </p:cNvPr>
+            <p:cNvCxnSpPr>
+              <a:cxnSpLocks/>
+            </p:cNvCxnSpPr>
+            <p:nvPr/>
+          </p:nvCxnSpPr>
+          <p:spPr>
+            <a:xfrm flipV="1">
+              <a:off x="2916555" y="2154555"/>
+              <a:ext cx="0" cy="266700"/>
+            </a:xfrm>
+            <a:prstGeom prst="line">
+              <a:avLst/>
+            </a:prstGeom>
+            <a:ln w="6350">
+              <a:solidFill>
+                <a:schemeClr val="tx1"/>
+              </a:solidFill>
+            </a:ln>
+          </p:spPr>
+          <p:style>
+            <a:lnRef idx="2">
+              <a:schemeClr val="accent1"/>
+            </a:lnRef>
+            <a:fillRef idx="0">
+              <a:schemeClr val="accent1"/>
+            </a:fillRef>
+            <a:effectRef idx="1">
+              <a:schemeClr val="accent1"/>
+            </a:effectRef>
+            <a:fontRef idx="minor">
+              <a:schemeClr val="tx1"/>
+            </a:fontRef>
+          </p:style>
+        </p:cxnSp>
+        <p:sp>
+          <p:nvSpPr>
+            <p:cNvPr id="57" name="Textfeld 56">
+              <a:extLst>
+                <a:ext uri="{FF2B5EF4-FFF2-40B4-BE49-F238E27FC236}">
+                  <a16:creationId xmlns:a16="http://schemas.microsoft.com/office/drawing/2014/main" id="{69A3B320-B61B-53C0-B9A0-0C27BB13EA6C}"/>
+                </a:ext>
+              </a:extLst>
+            </p:cNvPr>
+            <p:cNvSpPr txBox="1"/>
+            <p:nvPr/>
+          </p:nvSpPr>
+          <p:spPr>
+            <a:xfrm>
+              <a:off x="2721859" y="2303168"/>
+              <a:ext cx="477022" cy="200055"/>
+            </a:xfrm>
+            <a:prstGeom prst="rect">
+              <a:avLst/>
+            </a:prstGeom>
+            <a:noFill/>
+          </p:spPr>
+          <p:txBody>
+            <a:bodyPr wrap="square" rtlCol="0" anchor="ctr">
+              <a:spAutoFit/>
+            </a:bodyPr>
+            <a:lstStyle/>
+            <a:p>
+              <a:pPr algn="ctr"/>
+              <a:r>
+                <a:rPr lang="de-DE" sz="700" dirty="0">
+                  <a:latin typeface="CMU Serif" panose="02000603000000000000" pitchFamily="2" charset="0"/>
+                  <a:ea typeface="CMU Serif" panose="02000603000000000000" pitchFamily="2" charset="0"/>
+                  <a:cs typeface="CMU Serif" panose="02000603000000000000" pitchFamily="2" charset="0"/>
+                </a:rPr>
+                <a:t>0</a:t>
+              </a:r>
+            </a:p>
+          </p:txBody>
+        </p:sp>
+      </p:grpSp>
+      <p:sp>
+        <p:nvSpPr>
+          <p:cNvPr id="64" name="Textfeld 63">
+            <a:extLst>
+              <a:ext uri="{FF2B5EF4-FFF2-40B4-BE49-F238E27FC236}">
+                <a16:creationId xmlns:a16="http://schemas.microsoft.com/office/drawing/2014/main" id="{6685FF83-70AA-E4B3-7404-A4AB17DD008E}"/>
+              </a:ext>
+            </a:extLst>
+          </p:cNvPr>
+          <p:cNvSpPr txBox="1"/>
+          <p:nvPr/>
+        </p:nvSpPr>
+        <p:spPr>
+          <a:xfrm>
+            <a:off x="599522" y="1649752"/>
+            <a:ext cx="437063" cy="261610"/>
+          </a:xfrm>
+          <a:prstGeom prst="rect">
+            <a:avLst/>
+          </a:prstGeom>
+          <a:noFill/>
+        </p:spPr>
+        <p:txBody>
+          <a:bodyPr wrap="square" rtlCol="0" anchor="ctr">
+            <a:spAutoFit/>
+          </a:bodyPr>
+          <a:lstStyle/>
+          <a:p>
+            <a:pPr algn="ctr"/>
+            <a:r>
+              <a:rPr lang="de-DE" sz="1100" dirty="0">
+                <a:latin typeface="CMU Serif" panose="02000603000000000000" pitchFamily="2" charset="0"/>
+                <a:ea typeface="CMU Serif" panose="02000603000000000000" pitchFamily="2" charset="0"/>
+                <a:cs typeface="CMU Serif" panose="02000603000000000000" pitchFamily="2" charset="0"/>
+              </a:rPr>
+              <a:t>&lt;</a:t>
+            </a:r>
+            <a:r>
+              <a:rPr lang="de-DE" sz="600" dirty="0">
+                <a:latin typeface="CMU Serif" panose="02000603000000000000" pitchFamily="2" charset="0"/>
+                <a:ea typeface="CMU Serif" panose="02000603000000000000" pitchFamily="2" charset="0"/>
+                <a:cs typeface="CMU Serif" panose="02000603000000000000" pitchFamily="2" charset="0"/>
+              </a:rPr>
+              <a:t> </a:t>
+            </a:r>
+            <a:r>
+              <a:rPr lang="de-DE" sz="1100" dirty="0">
+                <a:latin typeface="CMU Serif" panose="02000603000000000000" pitchFamily="2" charset="0"/>
+                <a:ea typeface="CMU Serif" panose="02000603000000000000" pitchFamily="2" charset="0"/>
+                <a:cs typeface="CMU Serif" panose="02000603000000000000" pitchFamily="2" charset="0"/>
+              </a:rPr>
+              <a:t>0</a:t>
+            </a:r>
+          </a:p>
+        </p:txBody>
+      </p:sp>
+      <p:sp>
+        <p:nvSpPr>
+          <p:cNvPr id="65" name="Textfeld 64">
+            <a:extLst>
+              <a:ext uri="{FF2B5EF4-FFF2-40B4-BE49-F238E27FC236}">
+                <a16:creationId xmlns:a16="http://schemas.microsoft.com/office/drawing/2014/main" id="{7A0C94AA-7C6D-E54A-48A7-87F481C459B7}"/>
+              </a:ext>
+            </a:extLst>
+          </p:cNvPr>
+          <p:cNvSpPr txBox="1"/>
+          <p:nvPr/>
+        </p:nvSpPr>
+        <p:spPr>
+          <a:xfrm>
+            <a:off x="2898394" y="1655990"/>
+            <a:ext cx="437063" cy="261610"/>
+          </a:xfrm>
+          <a:prstGeom prst="rect">
+            <a:avLst/>
+          </a:prstGeom>
+          <a:noFill/>
+        </p:spPr>
+        <p:txBody>
+          <a:bodyPr wrap="square" rtlCol="0" anchor="ctr">
+            <a:spAutoFit/>
+          </a:bodyPr>
+          <a:lstStyle/>
+          <a:p>
+            <a:pPr algn="ctr"/>
+            <a:r>
+              <a:rPr lang="de-DE" sz="1100" dirty="0">
+                <a:latin typeface="CMU Serif" panose="02000603000000000000" pitchFamily="2" charset="0"/>
+                <a:ea typeface="CMU Serif" panose="02000603000000000000" pitchFamily="2" charset="0"/>
+                <a:cs typeface="CMU Serif" panose="02000603000000000000" pitchFamily="2" charset="0"/>
+              </a:rPr>
+              <a:t>&gt;</a:t>
+            </a:r>
+            <a:r>
+              <a:rPr lang="de-DE" sz="600" dirty="0">
+                <a:latin typeface="CMU Serif" panose="02000603000000000000" pitchFamily="2" charset="0"/>
+                <a:ea typeface="CMU Serif" panose="02000603000000000000" pitchFamily="2" charset="0"/>
+                <a:cs typeface="CMU Serif" panose="02000603000000000000" pitchFamily="2" charset="0"/>
+              </a:rPr>
+              <a:t> </a:t>
+            </a:r>
+            <a:r>
+              <a:rPr lang="de-DE" sz="1100" dirty="0">
+                <a:latin typeface="CMU Serif" panose="02000603000000000000" pitchFamily="2" charset="0"/>
+                <a:ea typeface="CMU Serif" panose="02000603000000000000" pitchFamily="2" charset="0"/>
+                <a:cs typeface="CMU Serif" panose="02000603000000000000" pitchFamily="2" charset="0"/>
+              </a:rPr>
+              <a:t>0</a:t>
+            </a:r>
+          </a:p>
+        </p:txBody>
+      </p:sp>
+      <p:sp>
+        <p:nvSpPr>
+          <p:cNvPr id="66" name="Textfeld 65">
+            <a:extLst>
+              <a:ext uri="{FF2B5EF4-FFF2-40B4-BE49-F238E27FC236}">
+                <a16:creationId xmlns:a16="http://schemas.microsoft.com/office/drawing/2014/main" id="{98DA9D43-93D6-D4C9-72FD-4599A62A9586}"/>
+              </a:ext>
+            </a:extLst>
+          </p:cNvPr>
+          <p:cNvSpPr txBox="1"/>
+          <p:nvPr/>
+        </p:nvSpPr>
+        <p:spPr>
+          <a:xfrm>
+            <a:off x="2101282" y="1071990"/>
+            <a:ext cx="437063" cy="261610"/>
+          </a:xfrm>
+          <a:prstGeom prst="rect">
+            <a:avLst/>
+          </a:prstGeom>
+          <a:noFill/>
+        </p:spPr>
+        <p:txBody>
+          <a:bodyPr wrap="square" rtlCol="0" anchor="ctr">
+            <a:spAutoFit/>
+          </a:bodyPr>
+          <a:lstStyle/>
+          <a:p>
+            <a:pPr algn="ctr"/>
+            <a:r>
+              <a:rPr lang="de-DE" sz="1100" dirty="0">
+                <a:latin typeface="CMU Serif" panose="02000603000000000000" pitchFamily="2" charset="0"/>
+                <a:ea typeface="CMU Serif" panose="02000603000000000000" pitchFamily="2" charset="0"/>
+                <a:cs typeface="CMU Serif" panose="02000603000000000000" pitchFamily="2" charset="0"/>
+              </a:rPr>
+              <a:t>=</a:t>
+            </a:r>
+            <a:r>
+              <a:rPr lang="de-DE" sz="400" dirty="0">
+                <a:latin typeface="CMU Serif" panose="02000603000000000000" pitchFamily="2" charset="0"/>
+                <a:ea typeface="CMU Serif" panose="02000603000000000000" pitchFamily="2" charset="0"/>
+                <a:cs typeface="CMU Serif" panose="02000603000000000000" pitchFamily="2" charset="0"/>
+              </a:rPr>
+              <a:t> </a:t>
+            </a:r>
+            <a:r>
+              <a:rPr lang="de-DE" sz="1100" dirty="0">
+                <a:latin typeface="CMU Serif" panose="02000603000000000000" pitchFamily="2" charset="0"/>
+                <a:ea typeface="CMU Serif" panose="02000603000000000000" pitchFamily="2" charset="0"/>
+                <a:cs typeface="CMU Serif" panose="02000603000000000000" pitchFamily="2" charset="0"/>
+              </a:rPr>
+              <a:t>0</a:t>
+            </a:r>
+          </a:p>
+        </p:txBody>
+      </p:sp>
     </p:spTree>
     <p:extLst>
       <p:ext uri="{BB962C8B-B14F-4D97-AF65-F5344CB8AC3E}">
         <p14:creationId xmlns:p14="http://schemas.microsoft.com/office/powerpoint/2010/main" val="2888971463"/>
+      </p:ext>
+    </p:extLst>
+  </p:cSld>
+  <p:clrMapOvr>
+    <a:masterClrMapping/>
+  </p:clrMapOvr>
+</p:sld>
+</file>
+
+<file path=ppt/slides/slide21.xml><?xml version="1.0" encoding="utf-8"?>
+<p:sld xmlns:a="http://schemas.openxmlformats.org/drawingml/2006/main" xmlns:r="http://schemas.openxmlformats.org/officeDocument/2006/relationships" xmlns:p="http://schemas.openxmlformats.org/presentationml/2006/main">
+  <p:cSld>
+    <p:spTree>
+      <p:nvGrpSpPr>
+        <p:cNvPr id="1" name="">
+          <a:extLst>
+            <a:ext uri="{FF2B5EF4-FFF2-40B4-BE49-F238E27FC236}">
+              <a16:creationId xmlns:a16="http://schemas.microsoft.com/office/drawing/2014/main" id="{570FDEEB-AEB3-2357-8179-899994449936}"/>
+            </a:ext>
+          </a:extLst>
+        </p:cNvPr>
+        <p:cNvGrpSpPr/>
+        <p:nvPr/>
+      </p:nvGrpSpPr>
+      <p:grpSpPr>
+        <a:xfrm>
+          <a:off x="0" y="0"/>
+          <a:ext cx="0" cy="0"/>
+          <a:chOff x="0" y="0"/>
+          <a:chExt cx="0" cy="0"/>
+        </a:xfrm>
+      </p:grpSpPr>
+    </p:spTree>
+    <p:extLst>
+      <p:ext uri="{BB962C8B-B14F-4D97-AF65-F5344CB8AC3E}">
+        <p14:creationId xmlns:p14="http://schemas.microsoft.com/office/powerpoint/2010/main" val="2318391520"/>
       </p:ext>
     </p:extLst>
   </p:cSld>

--- a/Strömungslehre 2/images/SL2-Images.pptx
+++ b/Strömungslehre 2/images/SL2-Images.pptx
@@ -25,7 +25,9 @@
     <p:sldId id="273" r:id="rId19"/>
     <p:sldId id="274" r:id="rId20"/>
     <p:sldId id="275" r:id="rId21"/>
-    <p:sldId id="276" r:id="rId22"/>
+    <p:sldId id="277" r:id="rId22"/>
+    <p:sldId id="276" r:id="rId23"/>
+    <p:sldId id="278" r:id="rId24"/>
   </p:sldIdLst>
   <p:sldSz cx="3600450" cy="3600450"/>
   <p:notesSz cx="6858000" cy="9144000"/>
@@ -1504,7 +1506,7 @@
           <a:p>
             <a:fld id="{6EAE28AA-0912-4DA0-8B30-7F3CA3FE6671}" type="datetimeFigureOut">
               <a:rPr lang="de-DE" smtClean="0"/>
-              <a:t>14.01.2026</a:t>
+              <a:t>16.01.2026</a:t>
             </a:fld>
             <a:endParaRPr lang="de-DE"/>
           </a:p>
@@ -1674,7 +1676,7 @@
           <a:p>
             <a:fld id="{6EAE28AA-0912-4DA0-8B30-7F3CA3FE6671}" type="datetimeFigureOut">
               <a:rPr lang="de-DE" smtClean="0"/>
-              <a:t>14.01.2026</a:t>
+              <a:t>16.01.2026</a:t>
             </a:fld>
             <a:endParaRPr lang="de-DE"/>
           </a:p>
@@ -1854,7 +1856,7 @@
           <a:p>
             <a:fld id="{6EAE28AA-0912-4DA0-8B30-7F3CA3FE6671}" type="datetimeFigureOut">
               <a:rPr lang="de-DE" smtClean="0"/>
-              <a:t>14.01.2026</a:t>
+              <a:t>16.01.2026</a:t>
             </a:fld>
             <a:endParaRPr lang="de-DE"/>
           </a:p>
@@ -2024,7 +2026,7 @@
           <a:p>
             <a:fld id="{6EAE28AA-0912-4DA0-8B30-7F3CA3FE6671}" type="datetimeFigureOut">
               <a:rPr lang="de-DE" smtClean="0"/>
-              <a:t>14.01.2026</a:t>
+              <a:t>16.01.2026</a:t>
             </a:fld>
             <a:endParaRPr lang="de-DE"/>
           </a:p>
@@ -2270,7 +2272,7 @@
           <a:p>
             <a:fld id="{6EAE28AA-0912-4DA0-8B30-7F3CA3FE6671}" type="datetimeFigureOut">
               <a:rPr lang="de-DE" smtClean="0"/>
-              <a:t>14.01.2026</a:t>
+              <a:t>16.01.2026</a:t>
             </a:fld>
             <a:endParaRPr lang="de-DE"/>
           </a:p>
@@ -2502,7 +2504,7 @@
           <a:p>
             <a:fld id="{6EAE28AA-0912-4DA0-8B30-7F3CA3FE6671}" type="datetimeFigureOut">
               <a:rPr lang="de-DE" smtClean="0"/>
-              <a:t>14.01.2026</a:t>
+              <a:t>16.01.2026</a:t>
             </a:fld>
             <a:endParaRPr lang="de-DE"/>
           </a:p>
@@ -2869,7 +2871,7 @@
           <a:p>
             <a:fld id="{6EAE28AA-0912-4DA0-8B30-7F3CA3FE6671}" type="datetimeFigureOut">
               <a:rPr lang="de-DE" smtClean="0"/>
-              <a:t>14.01.2026</a:t>
+              <a:t>16.01.2026</a:t>
             </a:fld>
             <a:endParaRPr lang="de-DE"/>
           </a:p>
@@ -2987,7 +2989,7 @@
           <a:p>
             <a:fld id="{6EAE28AA-0912-4DA0-8B30-7F3CA3FE6671}" type="datetimeFigureOut">
               <a:rPr lang="de-DE" smtClean="0"/>
-              <a:t>14.01.2026</a:t>
+              <a:t>16.01.2026</a:t>
             </a:fld>
             <a:endParaRPr lang="de-DE"/>
           </a:p>
@@ -3082,7 +3084,7 @@
           <a:p>
             <a:fld id="{6EAE28AA-0912-4DA0-8B30-7F3CA3FE6671}" type="datetimeFigureOut">
               <a:rPr lang="de-DE" smtClean="0"/>
-              <a:t>14.01.2026</a:t>
+              <a:t>16.01.2026</a:t>
             </a:fld>
             <a:endParaRPr lang="de-DE"/>
           </a:p>
@@ -3359,7 +3361,7 @@
           <a:p>
             <a:fld id="{6EAE28AA-0912-4DA0-8B30-7F3CA3FE6671}" type="datetimeFigureOut">
               <a:rPr lang="de-DE" smtClean="0"/>
-              <a:t>14.01.2026</a:t>
+              <a:t>16.01.2026</a:t>
             </a:fld>
             <a:endParaRPr lang="de-DE"/>
           </a:p>
@@ -3616,7 +3618,7 @@
           <a:p>
             <a:fld id="{6EAE28AA-0912-4DA0-8B30-7F3CA3FE6671}" type="datetimeFigureOut">
               <a:rPr lang="de-DE" smtClean="0"/>
-              <a:t>14.01.2026</a:t>
+              <a:t>16.01.2026</a:t>
             </a:fld>
             <a:endParaRPr lang="de-DE"/>
           </a:p>
@@ -3829,7 +3831,7 @@
           <a:p>
             <a:fld id="{6EAE28AA-0912-4DA0-8B30-7F3CA3FE6671}" type="datetimeFigureOut">
               <a:rPr lang="de-DE" smtClean="0"/>
-              <a:t>14.01.2026</a:t>
+              <a:t>16.01.2026</a:t>
             </a:fld>
             <a:endParaRPr lang="de-DE"/>
           </a:p>
@@ -23082,7 +23084,5641 @@
         <p:cNvPr id="1" name="">
           <a:extLst>
             <a:ext uri="{FF2B5EF4-FFF2-40B4-BE49-F238E27FC236}">
+              <a16:creationId xmlns:a16="http://schemas.microsoft.com/office/drawing/2014/main" id="{B424A7D1-CD85-4B85-B0AE-CB58A654BB99}"/>
+            </a:ext>
+          </a:extLst>
+        </p:cNvPr>
+        <p:cNvGrpSpPr/>
+        <p:nvPr/>
+      </p:nvGrpSpPr>
+      <p:grpSpPr>
+        <a:xfrm>
+          <a:off x="0" y="0"/>
+          <a:ext cx="0" cy="0"/>
+          <a:chOff x="0" y="0"/>
+          <a:chExt cx="0" cy="0"/>
+        </a:xfrm>
+      </p:grpSpPr>
+      <p:cxnSp>
+        <p:nvCxnSpPr>
+          <p:cNvPr id="3" name="Gerader Verbinder 2">
+            <a:extLst>
+              <a:ext uri="{FF2B5EF4-FFF2-40B4-BE49-F238E27FC236}">
+                <a16:creationId xmlns:a16="http://schemas.microsoft.com/office/drawing/2014/main" id="{017CC7E7-4429-4A6E-33F8-DEC0122AF91F}"/>
+              </a:ext>
+            </a:extLst>
+          </p:cNvPr>
+          <p:cNvCxnSpPr>
+            <a:cxnSpLocks/>
+          </p:cNvCxnSpPr>
+          <p:nvPr/>
+        </p:nvCxnSpPr>
+        <p:spPr>
+          <a:xfrm>
+            <a:off x="413454" y="1312101"/>
+            <a:ext cx="2867797" cy="0"/>
+          </a:xfrm>
+          <a:prstGeom prst="line">
+            <a:avLst/>
+          </a:prstGeom>
+          <a:ln w="12700" cap="rnd">
+            <a:solidFill>
+              <a:schemeClr val="tx1"/>
+            </a:solidFill>
+            <a:round/>
+          </a:ln>
+        </p:spPr>
+        <p:style>
+          <a:lnRef idx="2">
+            <a:schemeClr val="accent1"/>
+          </a:lnRef>
+          <a:fillRef idx="0">
+            <a:schemeClr val="accent1"/>
+          </a:fillRef>
+          <a:effectRef idx="1">
+            <a:schemeClr val="accent1"/>
+          </a:effectRef>
+          <a:fontRef idx="minor">
+            <a:schemeClr val="tx1"/>
+          </a:fontRef>
+        </p:style>
+      </p:cxnSp>
+      <p:cxnSp>
+        <p:nvCxnSpPr>
+          <p:cNvPr id="4" name="Gerader Verbinder 3">
+            <a:extLst>
+              <a:ext uri="{FF2B5EF4-FFF2-40B4-BE49-F238E27FC236}">
+                <a16:creationId xmlns:a16="http://schemas.microsoft.com/office/drawing/2014/main" id="{3504846D-5E05-682C-49BD-49CE4E49DE18}"/>
+              </a:ext>
+            </a:extLst>
+          </p:cNvPr>
+          <p:cNvCxnSpPr>
+            <a:cxnSpLocks/>
+          </p:cNvCxnSpPr>
+          <p:nvPr/>
+        </p:nvCxnSpPr>
+        <p:spPr>
+          <a:xfrm>
+            <a:off x="398371" y="1949885"/>
+            <a:ext cx="2882880" cy="0"/>
+          </a:xfrm>
+          <a:prstGeom prst="line">
+            <a:avLst/>
+          </a:prstGeom>
+          <a:ln w="12700" cap="rnd">
+            <a:solidFill>
+              <a:schemeClr val="tx1"/>
+            </a:solidFill>
+            <a:round/>
+          </a:ln>
+        </p:spPr>
+        <p:style>
+          <a:lnRef idx="2">
+            <a:schemeClr val="accent1"/>
+          </a:lnRef>
+          <a:fillRef idx="0">
+            <a:schemeClr val="accent1"/>
+          </a:fillRef>
+          <a:effectRef idx="1">
+            <a:schemeClr val="accent1"/>
+          </a:effectRef>
+          <a:fontRef idx="minor">
+            <a:schemeClr val="tx1"/>
+          </a:fontRef>
+        </p:style>
+      </p:cxnSp>
+      <p:cxnSp>
+        <p:nvCxnSpPr>
+          <p:cNvPr id="5" name="Gerader Verbinder 4">
+            <a:extLst>
+              <a:ext uri="{FF2B5EF4-FFF2-40B4-BE49-F238E27FC236}">
+                <a16:creationId xmlns:a16="http://schemas.microsoft.com/office/drawing/2014/main" id="{1A00BD13-BC23-8D3B-4219-3A3738951BE3}"/>
+              </a:ext>
+            </a:extLst>
+          </p:cNvPr>
+          <p:cNvCxnSpPr>
+            <a:cxnSpLocks/>
+          </p:cNvCxnSpPr>
+          <p:nvPr/>
+        </p:nvCxnSpPr>
+        <p:spPr>
+          <a:xfrm rot="-2700000">
+            <a:off x="-85171" y="1037019"/>
+            <a:ext cx="778049" cy="0"/>
+          </a:xfrm>
+          <a:prstGeom prst="line">
+            <a:avLst/>
+          </a:prstGeom>
+          <a:ln w="9525" cap="rnd">
+            <a:solidFill>
+              <a:schemeClr val="tx1"/>
+            </a:solidFill>
+            <a:round/>
+          </a:ln>
+        </p:spPr>
+        <p:style>
+          <a:lnRef idx="2">
+            <a:schemeClr val="accent1"/>
+          </a:lnRef>
+          <a:fillRef idx="0">
+            <a:schemeClr val="accent1"/>
+          </a:fillRef>
+          <a:effectRef idx="1">
+            <a:schemeClr val="accent1"/>
+          </a:effectRef>
+          <a:fontRef idx="minor">
+            <a:schemeClr val="tx1"/>
+          </a:fontRef>
+        </p:style>
+      </p:cxnSp>
+      <p:cxnSp>
+        <p:nvCxnSpPr>
+          <p:cNvPr id="7" name="Gerader Verbinder 6">
+            <a:extLst>
+              <a:ext uri="{FF2B5EF4-FFF2-40B4-BE49-F238E27FC236}">
+                <a16:creationId xmlns:a16="http://schemas.microsoft.com/office/drawing/2014/main" id="{66F45D2A-EB23-C815-6356-7B41CDDCD569}"/>
+              </a:ext>
+            </a:extLst>
+          </p:cNvPr>
+          <p:cNvCxnSpPr>
+            <a:cxnSpLocks/>
+          </p:cNvCxnSpPr>
+          <p:nvPr/>
+        </p:nvCxnSpPr>
+        <p:spPr>
+          <a:xfrm rot="-2700000">
+            <a:off x="-11251" y="1037020"/>
+            <a:ext cx="778049" cy="0"/>
+          </a:xfrm>
+          <a:prstGeom prst="line">
+            <a:avLst/>
+          </a:prstGeom>
+          <a:ln w="9525" cap="rnd">
+            <a:solidFill>
+              <a:schemeClr val="tx1"/>
+            </a:solidFill>
+            <a:round/>
+          </a:ln>
+        </p:spPr>
+        <p:style>
+          <a:lnRef idx="2">
+            <a:schemeClr val="accent1"/>
+          </a:lnRef>
+          <a:fillRef idx="0">
+            <a:schemeClr val="accent1"/>
+          </a:fillRef>
+          <a:effectRef idx="1">
+            <a:schemeClr val="accent1"/>
+          </a:effectRef>
+          <a:fontRef idx="minor">
+            <a:schemeClr val="tx1"/>
+          </a:fontRef>
+        </p:style>
+      </p:cxnSp>
+      <p:cxnSp>
+        <p:nvCxnSpPr>
+          <p:cNvPr id="8" name="Gerader Verbinder 7">
+            <a:extLst>
+              <a:ext uri="{FF2B5EF4-FFF2-40B4-BE49-F238E27FC236}">
+                <a16:creationId xmlns:a16="http://schemas.microsoft.com/office/drawing/2014/main" id="{B0CFC68A-9BF7-7F95-260E-515452DE5E82}"/>
+              </a:ext>
+            </a:extLst>
+          </p:cNvPr>
+          <p:cNvCxnSpPr>
+            <a:cxnSpLocks/>
+          </p:cNvCxnSpPr>
+          <p:nvPr/>
+        </p:nvCxnSpPr>
+        <p:spPr>
+          <a:xfrm rot="18900000">
+            <a:off x="62669" y="1037018"/>
+            <a:ext cx="778049" cy="0"/>
+          </a:xfrm>
+          <a:prstGeom prst="line">
+            <a:avLst/>
+          </a:prstGeom>
+          <a:ln w="9525" cap="rnd">
+            <a:solidFill>
+              <a:schemeClr val="tx1"/>
+            </a:solidFill>
+            <a:round/>
+          </a:ln>
+        </p:spPr>
+        <p:style>
+          <a:lnRef idx="2">
+            <a:schemeClr val="accent1"/>
+          </a:lnRef>
+          <a:fillRef idx="0">
+            <a:schemeClr val="accent1"/>
+          </a:fillRef>
+          <a:effectRef idx="1">
+            <a:schemeClr val="accent1"/>
+          </a:effectRef>
+          <a:fontRef idx="minor">
+            <a:schemeClr val="tx1"/>
+          </a:fontRef>
+        </p:style>
+      </p:cxnSp>
+      <p:cxnSp>
+        <p:nvCxnSpPr>
+          <p:cNvPr id="9" name="Gerader Verbinder 8">
+            <a:extLst>
+              <a:ext uri="{FF2B5EF4-FFF2-40B4-BE49-F238E27FC236}">
+                <a16:creationId xmlns:a16="http://schemas.microsoft.com/office/drawing/2014/main" id="{31679AF2-5226-F247-4781-B5C9443C4899}"/>
+              </a:ext>
+            </a:extLst>
+          </p:cNvPr>
+          <p:cNvCxnSpPr>
+            <a:cxnSpLocks/>
+          </p:cNvCxnSpPr>
+          <p:nvPr/>
+        </p:nvCxnSpPr>
+        <p:spPr>
+          <a:xfrm rot="18900000">
+            <a:off x="136589" y="1037019"/>
+            <a:ext cx="778049" cy="0"/>
+          </a:xfrm>
+          <a:prstGeom prst="line">
+            <a:avLst/>
+          </a:prstGeom>
+          <a:ln w="9525" cap="rnd">
+            <a:solidFill>
+              <a:schemeClr val="tx1"/>
+            </a:solidFill>
+            <a:round/>
+          </a:ln>
+        </p:spPr>
+        <p:style>
+          <a:lnRef idx="2">
+            <a:schemeClr val="accent1"/>
+          </a:lnRef>
+          <a:fillRef idx="0">
+            <a:schemeClr val="accent1"/>
+          </a:fillRef>
+          <a:effectRef idx="1">
+            <a:schemeClr val="accent1"/>
+          </a:effectRef>
+          <a:fontRef idx="minor">
+            <a:schemeClr val="tx1"/>
+          </a:fontRef>
+        </p:style>
+      </p:cxnSp>
+      <p:cxnSp>
+        <p:nvCxnSpPr>
+          <p:cNvPr id="10" name="Gerader Verbinder 9">
+            <a:extLst>
+              <a:ext uri="{FF2B5EF4-FFF2-40B4-BE49-F238E27FC236}">
+                <a16:creationId xmlns:a16="http://schemas.microsoft.com/office/drawing/2014/main" id="{6270AAC6-0481-C14C-7719-D70C6752D2FB}"/>
+              </a:ext>
+            </a:extLst>
+          </p:cNvPr>
+          <p:cNvCxnSpPr>
+            <a:cxnSpLocks/>
+          </p:cNvCxnSpPr>
+          <p:nvPr/>
+        </p:nvCxnSpPr>
+        <p:spPr>
+          <a:xfrm rot="18900000">
+            <a:off x="210509" y="1037018"/>
+            <a:ext cx="778049" cy="0"/>
+          </a:xfrm>
+          <a:prstGeom prst="line">
+            <a:avLst/>
+          </a:prstGeom>
+          <a:ln w="9525" cap="rnd">
+            <a:solidFill>
+              <a:schemeClr val="tx1"/>
+            </a:solidFill>
+            <a:round/>
+          </a:ln>
+        </p:spPr>
+        <p:style>
+          <a:lnRef idx="2">
+            <a:schemeClr val="accent1"/>
+          </a:lnRef>
+          <a:fillRef idx="0">
+            <a:schemeClr val="accent1"/>
+          </a:fillRef>
+          <a:effectRef idx="1">
+            <a:schemeClr val="accent1"/>
+          </a:effectRef>
+          <a:fontRef idx="minor">
+            <a:schemeClr val="tx1"/>
+          </a:fontRef>
+        </p:style>
+      </p:cxnSp>
+      <p:cxnSp>
+        <p:nvCxnSpPr>
+          <p:cNvPr id="11" name="Gerader Verbinder 10">
+            <a:extLst>
+              <a:ext uri="{FF2B5EF4-FFF2-40B4-BE49-F238E27FC236}">
+                <a16:creationId xmlns:a16="http://schemas.microsoft.com/office/drawing/2014/main" id="{688085A8-5B8C-F1A7-2A7D-3B4CDD5E60AA}"/>
+              </a:ext>
+            </a:extLst>
+          </p:cNvPr>
+          <p:cNvCxnSpPr>
+            <a:cxnSpLocks/>
+          </p:cNvCxnSpPr>
+          <p:nvPr/>
+        </p:nvCxnSpPr>
+        <p:spPr>
+          <a:xfrm rot="18900000">
+            <a:off x="284429" y="1037018"/>
+            <a:ext cx="778049" cy="0"/>
+          </a:xfrm>
+          <a:prstGeom prst="line">
+            <a:avLst/>
+          </a:prstGeom>
+          <a:ln w="9525" cap="rnd">
+            <a:solidFill>
+              <a:schemeClr val="tx1"/>
+            </a:solidFill>
+            <a:round/>
+          </a:ln>
+        </p:spPr>
+        <p:style>
+          <a:lnRef idx="2">
+            <a:schemeClr val="accent1"/>
+          </a:lnRef>
+          <a:fillRef idx="0">
+            <a:schemeClr val="accent1"/>
+          </a:fillRef>
+          <a:effectRef idx="1">
+            <a:schemeClr val="accent1"/>
+          </a:effectRef>
+          <a:fontRef idx="minor">
+            <a:schemeClr val="tx1"/>
+          </a:fontRef>
+        </p:style>
+      </p:cxnSp>
+      <p:cxnSp>
+        <p:nvCxnSpPr>
+          <p:cNvPr id="12" name="Gerader Verbinder 11">
+            <a:extLst>
+              <a:ext uri="{FF2B5EF4-FFF2-40B4-BE49-F238E27FC236}">
+                <a16:creationId xmlns:a16="http://schemas.microsoft.com/office/drawing/2014/main" id="{CDF745F6-F6AA-26A9-8CB8-D7585CCA9BD6}"/>
+              </a:ext>
+            </a:extLst>
+          </p:cNvPr>
+          <p:cNvCxnSpPr>
+            <a:cxnSpLocks/>
+          </p:cNvCxnSpPr>
+          <p:nvPr/>
+        </p:nvCxnSpPr>
+        <p:spPr>
+          <a:xfrm rot="18900000">
+            <a:off x="358349" y="1037016"/>
+            <a:ext cx="778049" cy="0"/>
+          </a:xfrm>
+          <a:prstGeom prst="line">
+            <a:avLst/>
+          </a:prstGeom>
+          <a:ln w="9525" cap="rnd">
+            <a:solidFill>
+              <a:schemeClr val="tx1"/>
+            </a:solidFill>
+            <a:round/>
+          </a:ln>
+        </p:spPr>
+        <p:style>
+          <a:lnRef idx="2">
+            <a:schemeClr val="accent1"/>
+          </a:lnRef>
+          <a:fillRef idx="0">
+            <a:schemeClr val="accent1"/>
+          </a:fillRef>
+          <a:effectRef idx="1">
+            <a:schemeClr val="accent1"/>
+          </a:effectRef>
+          <a:fontRef idx="minor">
+            <a:schemeClr val="tx1"/>
+          </a:fontRef>
+        </p:style>
+      </p:cxnSp>
+      <p:cxnSp>
+        <p:nvCxnSpPr>
+          <p:cNvPr id="13" name="Gerader Verbinder 12">
+            <a:extLst>
+              <a:ext uri="{FF2B5EF4-FFF2-40B4-BE49-F238E27FC236}">
+                <a16:creationId xmlns:a16="http://schemas.microsoft.com/office/drawing/2014/main" id="{FBD322B7-DA0D-4174-46A6-59086357BED3}"/>
+              </a:ext>
+            </a:extLst>
+          </p:cNvPr>
+          <p:cNvCxnSpPr>
+            <a:cxnSpLocks/>
+          </p:cNvCxnSpPr>
+          <p:nvPr/>
+        </p:nvCxnSpPr>
+        <p:spPr>
+          <a:xfrm rot="18900000">
+            <a:off x="432269" y="1037013"/>
+            <a:ext cx="778049" cy="0"/>
+          </a:xfrm>
+          <a:prstGeom prst="line">
+            <a:avLst/>
+          </a:prstGeom>
+          <a:ln w="9525" cap="rnd">
+            <a:solidFill>
+              <a:schemeClr val="tx1"/>
+            </a:solidFill>
+            <a:round/>
+          </a:ln>
+        </p:spPr>
+        <p:style>
+          <a:lnRef idx="2">
+            <a:schemeClr val="accent1"/>
+          </a:lnRef>
+          <a:fillRef idx="0">
+            <a:schemeClr val="accent1"/>
+          </a:fillRef>
+          <a:effectRef idx="1">
+            <a:schemeClr val="accent1"/>
+          </a:effectRef>
+          <a:fontRef idx="minor">
+            <a:schemeClr val="tx1"/>
+          </a:fontRef>
+        </p:style>
+      </p:cxnSp>
+      <p:cxnSp>
+        <p:nvCxnSpPr>
+          <p:cNvPr id="14" name="Gerader Verbinder 13">
+            <a:extLst>
+              <a:ext uri="{FF2B5EF4-FFF2-40B4-BE49-F238E27FC236}">
+                <a16:creationId xmlns:a16="http://schemas.microsoft.com/office/drawing/2014/main" id="{23CE1148-295F-62F7-F054-1AE9845EAC20}"/>
+              </a:ext>
+            </a:extLst>
+          </p:cNvPr>
+          <p:cNvCxnSpPr>
+            <a:cxnSpLocks/>
+          </p:cNvCxnSpPr>
+          <p:nvPr/>
+        </p:nvCxnSpPr>
+        <p:spPr>
+          <a:xfrm rot="18900000">
+            <a:off x="506189" y="1037006"/>
+            <a:ext cx="778049" cy="0"/>
+          </a:xfrm>
+          <a:prstGeom prst="line">
+            <a:avLst/>
+          </a:prstGeom>
+          <a:ln w="9525" cap="rnd">
+            <a:solidFill>
+              <a:schemeClr val="tx1"/>
+            </a:solidFill>
+            <a:round/>
+          </a:ln>
+        </p:spPr>
+        <p:style>
+          <a:lnRef idx="2">
+            <a:schemeClr val="accent1"/>
+          </a:lnRef>
+          <a:fillRef idx="0">
+            <a:schemeClr val="accent1"/>
+          </a:fillRef>
+          <a:effectRef idx="1">
+            <a:schemeClr val="accent1"/>
+          </a:effectRef>
+          <a:fontRef idx="minor">
+            <a:schemeClr val="tx1"/>
+          </a:fontRef>
+        </p:style>
+      </p:cxnSp>
+      <p:cxnSp>
+        <p:nvCxnSpPr>
+          <p:cNvPr id="15" name="Gerader Verbinder 14">
+            <a:extLst>
+              <a:ext uri="{FF2B5EF4-FFF2-40B4-BE49-F238E27FC236}">
+                <a16:creationId xmlns:a16="http://schemas.microsoft.com/office/drawing/2014/main" id="{8F801564-8FA4-7BEE-2FCE-E57D9871BC96}"/>
+              </a:ext>
+            </a:extLst>
+          </p:cNvPr>
+          <p:cNvCxnSpPr>
+            <a:cxnSpLocks/>
+          </p:cNvCxnSpPr>
+          <p:nvPr/>
+        </p:nvCxnSpPr>
+        <p:spPr>
+          <a:xfrm rot="18900000">
+            <a:off x="580109" y="1036993"/>
+            <a:ext cx="778049" cy="0"/>
+          </a:xfrm>
+          <a:prstGeom prst="line">
+            <a:avLst/>
+          </a:prstGeom>
+          <a:ln w="9525" cap="rnd">
+            <a:solidFill>
+              <a:schemeClr val="tx1"/>
+            </a:solidFill>
+            <a:round/>
+          </a:ln>
+        </p:spPr>
+        <p:style>
+          <a:lnRef idx="2">
+            <a:schemeClr val="accent1"/>
+          </a:lnRef>
+          <a:fillRef idx="0">
+            <a:schemeClr val="accent1"/>
+          </a:fillRef>
+          <a:effectRef idx="1">
+            <a:schemeClr val="accent1"/>
+          </a:effectRef>
+          <a:fontRef idx="minor">
+            <a:schemeClr val="tx1"/>
+          </a:fontRef>
+        </p:style>
+      </p:cxnSp>
+      <p:cxnSp>
+        <p:nvCxnSpPr>
+          <p:cNvPr id="16" name="Gerader Verbinder 15">
+            <a:extLst>
+              <a:ext uri="{FF2B5EF4-FFF2-40B4-BE49-F238E27FC236}">
+                <a16:creationId xmlns:a16="http://schemas.microsoft.com/office/drawing/2014/main" id="{9140F54E-1C37-A179-08CE-C4764C081E36}"/>
+              </a:ext>
+            </a:extLst>
+          </p:cNvPr>
+          <p:cNvCxnSpPr>
+            <a:cxnSpLocks/>
+          </p:cNvCxnSpPr>
+          <p:nvPr/>
+        </p:nvCxnSpPr>
+        <p:spPr>
+          <a:xfrm rot="18900000">
+            <a:off x="654029" y="1036994"/>
+            <a:ext cx="778049" cy="0"/>
+          </a:xfrm>
+          <a:prstGeom prst="line">
+            <a:avLst/>
+          </a:prstGeom>
+          <a:ln w="9525" cap="rnd">
+            <a:solidFill>
+              <a:schemeClr val="tx1"/>
+            </a:solidFill>
+            <a:round/>
+          </a:ln>
+        </p:spPr>
+        <p:style>
+          <a:lnRef idx="2">
+            <a:schemeClr val="accent1"/>
+          </a:lnRef>
+          <a:fillRef idx="0">
+            <a:schemeClr val="accent1"/>
+          </a:fillRef>
+          <a:effectRef idx="1">
+            <a:schemeClr val="accent1"/>
+          </a:effectRef>
+          <a:fontRef idx="minor">
+            <a:schemeClr val="tx1"/>
+          </a:fontRef>
+        </p:style>
+      </p:cxnSp>
+      <p:cxnSp>
+        <p:nvCxnSpPr>
+          <p:cNvPr id="17" name="Gerader Verbinder 16">
+            <a:extLst>
+              <a:ext uri="{FF2B5EF4-FFF2-40B4-BE49-F238E27FC236}">
+                <a16:creationId xmlns:a16="http://schemas.microsoft.com/office/drawing/2014/main" id="{63AF7F34-DE20-3E10-CD25-6288FD6C3B60}"/>
+              </a:ext>
+            </a:extLst>
+          </p:cNvPr>
+          <p:cNvCxnSpPr>
+            <a:cxnSpLocks/>
+          </p:cNvCxnSpPr>
+          <p:nvPr/>
+        </p:nvCxnSpPr>
+        <p:spPr>
+          <a:xfrm rot="18900000">
+            <a:off x="727949" y="1036968"/>
+            <a:ext cx="778049" cy="0"/>
+          </a:xfrm>
+          <a:prstGeom prst="line">
+            <a:avLst/>
+          </a:prstGeom>
+          <a:ln w="9525" cap="rnd">
+            <a:solidFill>
+              <a:schemeClr val="tx1"/>
+            </a:solidFill>
+            <a:round/>
+          </a:ln>
+        </p:spPr>
+        <p:style>
+          <a:lnRef idx="2">
+            <a:schemeClr val="accent1"/>
+          </a:lnRef>
+          <a:fillRef idx="0">
+            <a:schemeClr val="accent1"/>
+          </a:fillRef>
+          <a:effectRef idx="1">
+            <a:schemeClr val="accent1"/>
+          </a:effectRef>
+          <a:fontRef idx="minor">
+            <a:schemeClr val="tx1"/>
+          </a:fontRef>
+        </p:style>
+      </p:cxnSp>
+      <p:cxnSp>
+        <p:nvCxnSpPr>
+          <p:cNvPr id="18" name="Gerader Verbinder 17">
+            <a:extLst>
+              <a:ext uri="{FF2B5EF4-FFF2-40B4-BE49-F238E27FC236}">
+                <a16:creationId xmlns:a16="http://schemas.microsoft.com/office/drawing/2014/main" id="{61424284-F5FB-DAF4-BF0C-469A6F105167}"/>
+              </a:ext>
+            </a:extLst>
+          </p:cNvPr>
+          <p:cNvCxnSpPr>
+            <a:cxnSpLocks/>
+          </p:cNvCxnSpPr>
+          <p:nvPr/>
+        </p:nvCxnSpPr>
+        <p:spPr>
+          <a:xfrm rot="18900000">
+            <a:off x="801869" y="1036967"/>
+            <a:ext cx="778049" cy="0"/>
+          </a:xfrm>
+          <a:prstGeom prst="line">
+            <a:avLst/>
+          </a:prstGeom>
+          <a:ln w="9525" cap="rnd">
+            <a:solidFill>
+              <a:schemeClr val="tx1"/>
+            </a:solidFill>
+            <a:round/>
+          </a:ln>
+        </p:spPr>
+        <p:style>
+          <a:lnRef idx="2">
+            <a:schemeClr val="accent1"/>
+          </a:lnRef>
+          <a:fillRef idx="0">
+            <a:schemeClr val="accent1"/>
+          </a:fillRef>
+          <a:effectRef idx="1">
+            <a:schemeClr val="accent1"/>
+          </a:effectRef>
+          <a:fontRef idx="minor">
+            <a:schemeClr val="tx1"/>
+          </a:fontRef>
+        </p:style>
+      </p:cxnSp>
+      <p:cxnSp>
+        <p:nvCxnSpPr>
+          <p:cNvPr id="19" name="Gerader Verbinder 18">
+            <a:extLst>
+              <a:ext uri="{FF2B5EF4-FFF2-40B4-BE49-F238E27FC236}">
+                <a16:creationId xmlns:a16="http://schemas.microsoft.com/office/drawing/2014/main" id="{577D9DD5-6A98-D0A6-E6F6-F71EBE5D4B6A}"/>
+              </a:ext>
+            </a:extLst>
+          </p:cNvPr>
+          <p:cNvCxnSpPr>
+            <a:cxnSpLocks/>
+          </p:cNvCxnSpPr>
+          <p:nvPr/>
+        </p:nvCxnSpPr>
+        <p:spPr>
+          <a:xfrm rot="18900000">
+            <a:off x="875789" y="1036968"/>
+            <a:ext cx="778049" cy="0"/>
+          </a:xfrm>
+          <a:prstGeom prst="line">
+            <a:avLst/>
+          </a:prstGeom>
+          <a:ln w="9525" cap="rnd">
+            <a:solidFill>
+              <a:schemeClr val="tx1"/>
+            </a:solidFill>
+            <a:round/>
+          </a:ln>
+        </p:spPr>
+        <p:style>
+          <a:lnRef idx="2">
+            <a:schemeClr val="accent1"/>
+          </a:lnRef>
+          <a:fillRef idx="0">
+            <a:schemeClr val="accent1"/>
+          </a:fillRef>
+          <a:effectRef idx="1">
+            <a:schemeClr val="accent1"/>
+          </a:effectRef>
+          <a:fontRef idx="minor">
+            <a:schemeClr val="tx1"/>
+          </a:fontRef>
+        </p:style>
+      </p:cxnSp>
+      <p:cxnSp>
+        <p:nvCxnSpPr>
+          <p:cNvPr id="20" name="Gerader Verbinder 19">
+            <a:extLst>
+              <a:ext uri="{FF2B5EF4-FFF2-40B4-BE49-F238E27FC236}">
+                <a16:creationId xmlns:a16="http://schemas.microsoft.com/office/drawing/2014/main" id="{B113899D-C4C1-FA92-B79B-ED5C56F94A71}"/>
+              </a:ext>
+            </a:extLst>
+          </p:cNvPr>
+          <p:cNvCxnSpPr>
+            <a:cxnSpLocks/>
+          </p:cNvCxnSpPr>
+          <p:nvPr/>
+        </p:nvCxnSpPr>
+        <p:spPr>
+          <a:xfrm rot="18900000">
+            <a:off x="949709" y="1036966"/>
+            <a:ext cx="778049" cy="0"/>
+          </a:xfrm>
+          <a:prstGeom prst="line">
+            <a:avLst/>
+          </a:prstGeom>
+          <a:ln w="9525" cap="rnd">
+            <a:solidFill>
+              <a:schemeClr val="tx1"/>
+            </a:solidFill>
+            <a:round/>
+          </a:ln>
+        </p:spPr>
+        <p:style>
+          <a:lnRef idx="2">
+            <a:schemeClr val="accent1"/>
+          </a:lnRef>
+          <a:fillRef idx="0">
+            <a:schemeClr val="accent1"/>
+          </a:fillRef>
+          <a:effectRef idx="1">
+            <a:schemeClr val="accent1"/>
+          </a:effectRef>
+          <a:fontRef idx="minor">
+            <a:schemeClr val="tx1"/>
+          </a:fontRef>
+        </p:style>
+      </p:cxnSp>
+      <p:cxnSp>
+        <p:nvCxnSpPr>
+          <p:cNvPr id="21" name="Gerader Verbinder 20">
+            <a:extLst>
+              <a:ext uri="{FF2B5EF4-FFF2-40B4-BE49-F238E27FC236}">
+                <a16:creationId xmlns:a16="http://schemas.microsoft.com/office/drawing/2014/main" id="{CE506781-42D6-D7C5-A440-205E7C6A95F5}"/>
+              </a:ext>
+            </a:extLst>
+          </p:cNvPr>
+          <p:cNvCxnSpPr>
+            <a:cxnSpLocks/>
+          </p:cNvCxnSpPr>
+          <p:nvPr/>
+        </p:nvCxnSpPr>
+        <p:spPr>
+          <a:xfrm rot="18900000">
+            <a:off x="1023629" y="1036967"/>
+            <a:ext cx="778049" cy="0"/>
+          </a:xfrm>
+          <a:prstGeom prst="line">
+            <a:avLst/>
+          </a:prstGeom>
+          <a:ln w="9525" cap="rnd">
+            <a:solidFill>
+              <a:schemeClr val="tx1"/>
+            </a:solidFill>
+            <a:round/>
+          </a:ln>
+        </p:spPr>
+        <p:style>
+          <a:lnRef idx="2">
+            <a:schemeClr val="accent1"/>
+          </a:lnRef>
+          <a:fillRef idx="0">
+            <a:schemeClr val="accent1"/>
+          </a:fillRef>
+          <a:effectRef idx="1">
+            <a:schemeClr val="accent1"/>
+          </a:effectRef>
+          <a:fontRef idx="minor">
+            <a:schemeClr val="tx1"/>
+          </a:fontRef>
+        </p:style>
+      </p:cxnSp>
+      <p:cxnSp>
+        <p:nvCxnSpPr>
+          <p:cNvPr id="22" name="Gerader Verbinder 21">
+            <a:extLst>
+              <a:ext uri="{FF2B5EF4-FFF2-40B4-BE49-F238E27FC236}">
+                <a16:creationId xmlns:a16="http://schemas.microsoft.com/office/drawing/2014/main" id="{68736ECD-A533-B8D7-4BDA-476DC4A40865}"/>
+              </a:ext>
+            </a:extLst>
+          </p:cNvPr>
+          <p:cNvCxnSpPr>
+            <a:cxnSpLocks/>
+          </p:cNvCxnSpPr>
+          <p:nvPr/>
+        </p:nvCxnSpPr>
+        <p:spPr>
+          <a:xfrm rot="18900000">
+            <a:off x="1097549" y="1036966"/>
+            <a:ext cx="778049" cy="0"/>
+          </a:xfrm>
+          <a:prstGeom prst="line">
+            <a:avLst/>
+          </a:prstGeom>
+          <a:ln w="9525" cap="rnd">
+            <a:solidFill>
+              <a:schemeClr val="tx1"/>
+            </a:solidFill>
+            <a:round/>
+          </a:ln>
+        </p:spPr>
+        <p:style>
+          <a:lnRef idx="2">
+            <a:schemeClr val="accent1"/>
+          </a:lnRef>
+          <a:fillRef idx="0">
+            <a:schemeClr val="accent1"/>
+          </a:fillRef>
+          <a:effectRef idx="1">
+            <a:schemeClr val="accent1"/>
+          </a:effectRef>
+          <a:fontRef idx="minor">
+            <a:schemeClr val="tx1"/>
+          </a:fontRef>
+        </p:style>
+      </p:cxnSp>
+      <p:cxnSp>
+        <p:nvCxnSpPr>
+          <p:cNvPr id="23" name="Gerader Verbinder 22">
+            <a:extLst>
+              <a:ext uri="{FF2B5EF4-FFF2-40B4-BE49-F238E27FC236}">
+                <a16:creationId xmlns:a16="http://schemas.microsoft.com/office/drawing/2014/main" id="{C0C4D374-8C54-08EB-0C3C-4175164D4521}"/>
+              </a:ext>
+            </a:extLst>
+          </p:cNvPr>
+          <p:cNvCxnSpPr>
+            <a:cxnSpLocks/>
+          </p:cNvCxnSpPr>
+          <p:nvPr/>
+        </p:nvCxnSpPr>
+        <p:spPr>
+          <a:xfrm rot="18900000">
+            <a:off x="1171469" y="1036966"/>
+            <a:ext cx="778049" cy="0"/>
+          </a:xfrm>
+          <a:prstGeom prst="line">
+            <a:avLst/>
+          </a:prstGeom>
+          <a:ln w="9525" cap="rnd">
+            <a:solidFill>
+              <a:schemeClr val="tx1"/>
+            </a:solidFill>
+            <a:round/>
+          </a:ln>
+        </p:spPr>
+        <p:style>
+          <a:lnRef idx="2">
+            <a:schemeClr val="accent1"/>
+          </a:lnRef>
+          <a:fillRef idx="0">
+            <a:schemeClr val="accent1"/>
+          </a:fillRef>
+          <a:effectRef idx="1">
+            <a:schemeClr val="accent1"/>
+          </a:effectRef>
+          <a:fontRef idx="minor">
+            <a:schemeClr val="tx1"/>
+          </a:fontRef>
+        </p:style>
+      </p:cxnSp>
+      <p:cxnSp>
+        <p:nvCxnSpPr>
+          <p:cNvPr id="24" name="Gerader Verbinder 23">
+            <a:extLst>
+              <a:ext uri="{FF2B5EF4-FFF2-40B4-BE49-F238E27FC236}">
+                <a16:creationId xmlns:a16="http://schemas.microsoft.com/office/drawing/2014/main" id="{C91A6192-F180-1501-F109-608A0755DE77}"/>
+              </a:ext>
+            </a:extLst>
+          </p:cNvPr>
+          <p:cNvCxnSpPr>
+            <a:cxnSpLocks/>
+          </p:cNvCxnSpPr>
+          <p:nvPr/>
+        </p:nvCxnSpPr>
+        <p:spPr>
+          <a:xfrm rot="18900000">
+            <a:off x="1245389" y="1036964"/>
+            <a:ext cx="778049" cy="0"/>
+          </a:xfrm>
+          <a:prstGeom prst="line">
+            <a:avLst/>
+          </a:prstGeom>
+          <a:ln w="9525" cap="rnd">
+            <a:solidFill>
+              <a:schemeClr val="tx1"/>
+            </a:solidFill>
+            <a:round/>
+          </a:ln>
+        </p:spPr>
+        <p:style>
+          <a:lnRef idx="2">
+            <a:schemeClr val="accent1"/>
+          </a:lnRef>
+          <a:fillRef idx="0">
+            <a:schemeClr val="accent1"/>
+          </a:fillRef>
+          <a:effectRef idx="1">
+            <a:schemeClr val="accent1"/>
+          </a:effectRef>
+          <a:fontRef idx="minor">
+            <a:schemeClr val="tx1"/>
+          </a:fontRef>
+        </p:style>
+      </p:cxnSp>
+      <p:cxnSp>
+        <p:nvCxnSpPr>
+          <p:cNvPr id="25" name="Gerader Verbinder 24">
+            <a:extLst>
+              <a:ext uri="{FF2B5EF4-FFF2-40B4-BE49-F238E27FC236}">
+                <a16:creationId xmlns:a16="http://schemas.microsoft.com/office/drawing/2014/main" id="{0908842F-C0E6-6930-7E89-377F62434304}"/>
+              </a:ext>
+            </a:extLst>
+          </p:cNvPr>
+          <p:cNvCxnSpPr>
+            <a:cxnSpLocks/>
+          </p:cNvCxnSpPr>
+          <p:nvPr/>
+        </p:nvCxnSpPr>
+        <p:spPr>
+          <a:xfrm rot="18900000">
+            <a:off x="1319309" y="1036961"/>
+            <a:ext cx="778049" cy="0"/>
+          </a:xfrm>
+          <a:prstGeom prst="line">
+            <a:avLst/>
+          </a:prstGeom>
+          <a:ln w="9525" cap="rnd">
+            <a:solidFill>
+              <a:schemeClr val="tx1"/>
+            </a:solidFill>
+            <a:round/>
+          </a:ln>
+        </p:spPr>
+        <p:style>
+          <a:lnRef idx="2">
+            <a:schemeClr val="accent1"/>
+          </a:lnRef>
+          <a:fillRef idx="0">
+            <a:schemeClr val="accent1"/>
+          </a:fillRef>
+          <a:effectRef idx="1">
+            <a:schemeClr val="accent1"/>
+          </a:effectRef>
+          <a:fontRef idx="minor">
+            <a:schemeClr val="tx1"/>
+          </a:fontRef>
+        </p:style>
+      </p:cxnSp>
+      <p:cxnSp>
+        <p:nvCxnSpPr>
+          <p:cNvPr id="26" name="Gerader Verbinder 25">
+            <a:extLst>
+              <a:ext uri="{FF2B5EF4-FFF2-40B4-BE49-F238E27FC236}">
+                <a16:creationId xmlns:a16="http://schemas.microsoft.com/office/drawing/2014/main" id="{127ABD75-DDCD-40E9-5CDC-5484C2B176CC}"/>
+              </a:ext>
+            </a:extLst>
+          </p:cNvPr>
+          <p:cNvCxnSpPr>
+            <a:cxnSpLocks/>
+          </p:cNvCxnSpPr>
+          <p:nvPr/>
+        </p:nvCxnSpPr>
+        <p:spPr>
+          <a:xfrm rot="18900000">
+            <a:off x="1393229" y="1036954"/>
+            <a:ext cx="778049" cy="0"/>
+          </a:xfrm>
+          <a:prstGeom prst="line">
+            <a:avLst/>
+          </a:prstGeom>
+          <a:ln w="9525" cap="rnd">
+            <a:solidFill>
+              <a:schemeClr val="tx1"/>
+            </a:solidFill>
+            <a:round/>
+          </a:ln>
+        </p:spPr>
+        <p:style>
+          <a:lnRef idx="2">
+            <a:schemeClr val="accent1"/>
+          </a:lnRef>
+          <a:fillRef idx="0">
+            <a:schemeClr val="accent1"/>
+          </a:fillRef>
+          <a:effectRef idx="1">
+            <a:schemeClr val="accent1"/>
+          </a:effectRef>
+          <a:fontRef idx="minor">
+            <a:schemeClr val="tx1"/>
+          </a:fontRef>
+        </p:style>
+      </p:cxnSp>
+      <p:cxnSp>
+        <p:nvCxnSpPr>
+          <p:cNvPr id="27" name="Gerader Verbinder 26">
+            <a:extLst>
+              <a:ext uri="{FF2B5EF4-FFF2-40B4-BE49-F238E27FC236}">
+                <a16:creationId xmlns:a16="http://schemas.microsoft.com/office/drawing/2014/main" id="{577E3B49-602F-2AF8-BF10-EB3AA3961A37}"/>
+              </a:ext>
+            </a:extLst>
+          </p:cNvPr>
+          <p:cNvCxnSpPr>
+            <a:cxnSpLocks/>
+          </p:cNvCxnSpPr>
+          <p:nvPr/>
+        </p:nvCxnSpPr>
+        <p:spPr>
+          <a:xfrm rot="18900000">
+            <a:off x="1467149" y="1036941"/>
+            <a:ext cx="778049" cy="0"/>
+          </a:xfrm>
+          <a:prstGeom prst="line">
+            <a:avLst/>
+          </a:prstGeom>
+          <a:ln w="9525" cap="rnd">
+            <a:solidFill>
+              <a:schemeClr val="tx1"/>
+            </a:solidFill>
+            <a:round/>
+          </a:ln>
+        </p:spPr>
+        <p:style>
+          <a:lnRef idx="2">
+            <a:schemeClr val="accent1"/>
+          </a:lnRef>
+          <a:fillRef idx="0">
+            <a:schemeClr val="accent1"/>
+          </a:fillRef>
+          <a:effectRef idx="1">
+            <a:schemeClr val="accent1"/>
+          </a:effectRef>
+          <a:fontRef idx="minor">
+            <a:schemeClr val="tx1"/>
+          </a:fontRef>
+        </p:style>
+      </p:cxnSp>
+      <p:cxnSp>
+        <p:nvCxnSpPr>
+          <p:cNvPr id="28" name="Gerader Verbinder 27">
+            <a:extLst>
+              <a:ext uri="{FF2B5EF4-FFF2-40B4-BE49-F238E27FC236}">
+                <a16:creationId xmlns:a16="http://schemas.microsoft.com/office/drawing/2014/main" id="{EEF6DDC4-FACE-3426-D79C-263E4300B50F}"/>
+              </a:ext>
+            </a:extLst>
+          </p:cNvPr>
+          <p:cNvCxnSpPr>
+            <a:cxnSpLocks/>
+          </p:cNvCxnSpPr>
+          <p:nvPr/>
+        </p:nvCxnSpPr>
+        <p:spPr>
+          <a:xfrm rot="18900000">
+            <a:off x="1541069" y="1036942"/>
+            <a:ext cx="778049" cy="0"/>
+          </a:xfrm>
+          <a:prstGeom prst="line">
+            <a:avLst/>
+          </a:prstGeom>
+          <a:ln w="9525" cap="rnd">
+            <a:solidFill>
+              <a:schemeClr val="tx1"/>
+            </a:solidFill>
+            <a:round/>
+          </a:ln>
+        </p:spPr>
+        <p:style>
+          <a:lnRef idx="2">
+            <a:schemeClr val="accent1"/>
+          </a:lnRef>
+          <a:fillRef idx="0">
+            <a:schemeClr val="accent1"/>
+          </a:fillRef>
+          <a:effectRef idx="1">
+            <a:schemeClr val="accent1"/>
+          </a:effectRef>
+          <a:fontRef idx="minor">
+            <a:schemeClr val="tx1"/>
+          </a:fontRef>
+        </p:style>
+      </p:cxnSp>
+      <p:cxnSp>
+        <p:nvCxnSpPr>
+          <p:cNvPr id="29" name="Gerader Verbinder 28">
+            <a:extLst>
+              <a:ext uri="{FF2B5EF4-FFF2-40B4-BE49-F238E27FC236}">
+                <a16:creationId xmlns:a16="http://schemas.microsoft.com/office/drawing/2014/main" id="{FD681F28-F088-7754-A3EF-EBD8695312D3}"/>
+              </a:ext>
+            </a:extLst>
+          </p:cNvPr>
+          <p:cNvCxnSpPr>
+            <a:cxnSpLocks/>
+          </p:cNvCxnSpPr>
+          <p:nvPr/>
+        </p:nvCxnSpPr>
+        <p:spPr>
+          <a:xfrm rot="18900000">
+            <a:off x="1614989" y="1036916"/>
+            <a:ext cx="778049" cy="0"/>
+          </a:xfrm>
+          <a:prstGeom prst="line">
+            <a:avLst/>
+          </a:prstGeom>
+          <a:ln w="9525" cap="rnd">
+            <a:solidFill>
+              <a:schemeClr val="tx1"/>
+            </a:solidFill>
+            <a:round/>
+          </a:ln>
+        </p:spPr>
+        <p:style>
+          <a:lnRef idx="2">
+            <a:schemeClr val="accent1"/>
+          </a:lnRef>
+          <a:fillRef idx="0">
+            <a:schemeClr val="accent1"/>
+          </a:fillRef>
+          <a:effectRef idx="1">
+            <a:schemeClr val="accent1"/>
+          </a:effectRef>
+          <a:fontRef idx="minor">
+            <a:schemeClr val="tx1"/>
+          </a:fontRef>
+        </p:style>
+      </p:cxnSp>
+      <p:cxnSp>
+        <p:nvCxnSpPr>
+          <p:cNvPr id="30" name="Gerader Verbinder 29">
+            <a:extLst>
+              <a:ext uri="{FF2B5EF4-FFF2-40B4-BE49-F238E27FC236}">
+                <a16:creationId xmlns:a16="http://schemas.microsoft.com/office/drawing/2014/main" id="{58F4F587-778F-E405-B894-271F0DF889D2}"/>
+              </a:ext>
+            </a:extLst>
+          </p:cNvPr>
+          <p:cNvCxnSpPr>
+            <a:cxnSpLocks/>
+          </p:cNvCxnSpPr>
+          <p:nvPr/>
+        </p:nvCxnSpPr>
+        <p:spPr>
+          <a:xfrm rot="18900000">
+            <a:off x="1688909" y="1036863"/>
+            <a:ext cx="778049" cy="0"/>
+          </a:xfrm>
+          <a:prstGeom prst="line">
+            <a:avLst/>
+          </a:prstGeom>
+          <a:ln w="9525" cap="rnd">
+            <a:solidFill>
+              <a:schemeClr val="tx1"/>
+            </a:solidFill>
+            <a:round/>
+          </a:ln>
+        </p:spPr>
+        <p:style>
+          <a:lnRef idx="2">
+            <a:schemeClr val="accent1"/>
+          </a:lnRef>
+          <a:fillRef idx="0">
+            <a:schemeClr val="accent1"/>
+          </a:fillRef>
+          <a:effectRef idx="1">
+            <a:schemeClr val="accent1"/>
+          </a:effectRef>
+          <a:fontRef idx="minor">
+            <a:schemeClr val="tx1"/>
+          </a:fontRef>
+        </p:style>
+      </p:cxnSp>
+      <p:cxnSp>
+        <p:nvCxnSpPr>
+          <p:cNvPr id="31" name="Gerader Verbinder 30">
+            <a:extLst>
+              <a:ext uri="{FF2B5EF4-FFF2-40B4-BE49-F238E27FC236}">
+                <a16:creationId xmlns:a16="http://schemas.microsoft.com/office/drawing/2014/main" id="{390C77D8-91C6-C8D8-8A0A-1464812398D6}"/>
+              </a:ext>
+            </a:extLst>
+          </p:cNvPr>
+          <p:cNvCxnSpPr>
+            <a:cxnSpLocks/>
+          </p:cNvCxnSpPr>
+          <p:nvPr/>
+        </p:nvCxnSpPr>
+        <p:spPr>
+          <a:xfrm rot="18900000">
+            <a:off x="1762829" y="1036864"/>
+            <a:ext cx="778049" cy="0"/>
+          </a:xfrm>
+          <a:prstGeom prst="line">
+            <a:avLst/>
+          </a:prstGeom>
+          <a:ln w="9525" cap="rnd">
+            <a:solidFill>
+              <a:schemeClr val="tx1"/>
+            </a:solidFill>
+            <a:round/>
+          </a:ln>
+        </p:spPr>
+        <p:style>
+          <a:lnRef idx="2">
+            <a:schemeClr val="accent1"/>
+          </a:lnRef>
+          <a:fillRef idx="0">
+            <a:schemeClr val="accent1"/>
+          </a:fillRef>
+          <a:effectRef idx="1">
+            <a:schemeClr val="accent1"/>
+          </a:effectRef>
+          <a:fontRef idx="minor">
+            <a:schemeClr val="tx1"/>
+          </a:fontRef>
+        </p:style>
+      </p:cxnSp>
+      <p:cxnSp>
+        <p:nvCxnSpPr>
+          <p:cNvPr id="32" name="Gerader Verbinder 31">
+            <a:extLst>
+              <a:ext uri="{FF2B5EF4-FFF2-40B4-BE49-F238E27FC236}">
+                <a16:creationId xmlns:a16="http://schemas.microsoft.com/office/drawing/2014/main" id="{B71DB089-E01C-8184-3306-84D677CF2B08}"/>
+              </a:ext>
+            </a:extLst>
+          </p:cNvPr>
+          <p:cNvCxnSpPr>
+            <a:cxnSpLocks/>
+          </p:cNvCxnSpPr>
+          <p:nvPr/>
+        </p:nvCxnSpPr>
+        <p:spPr>
+          <a:xfrm rot="18900000">
+            <a:off x="1836749" y="1036862"/>
+            <a:ext cx="778049" cy="0"/>
+          </a:xfrm>
+          <a:prstGeom prst="line">
+            <a:avLst/>
+          </a:prstGeom>
+          <a:ln w="9525" cap="rnd">
+            <a:solidFill>
+              <a:schemeClr val="tx1"/>
+            </a:solidFill>
+            <a:round/>
+          </a:ln>
+        </p:spPr>
+        <p:style>
+          <a:lnRef idx="2">
+            <a:schemeClr val="accent1"/>
+          </a:lnRef>
+          <a:fillRef idx="0">
+            <a:schemeClr val="accent1"/>
+          </a:fillRef>
+          <a:effectRef idx="1">
+            <a:schemeClr val="accent1"/>
+          </a:effectRef>
+          <a:fontRef idx="minor">
+            <a:schemeClr val="tx1"/>
+          </a:fontRef>
+        </p:style>
+      </p:cxnSp>
+      <p:cxnSp>
+        <p:nvCxnSpPr>
+          <p:cNvPr id="33" name="Gerader Verbinder 32">
+            <a:extLst>
+              <a:ext uri="{FF2B5EF4-FFF2-40B4-BE49-F238E27FC236}">
+                <a16:creationId xmlns:a16="http://schemas.microsoft.com/office/drawing/2014/main" id="{9675AE37-F32B-FA09-75C7-CF7BE1EBDFD0}"/>
+              </a:ext>
+            </a:extLst>
+          </p:cNvPr>
+          <p:cNvCxnSpPr>
+            <a:cxnSpLocks/>
+          </p:cNvCxnSpPr>
+          <p:nvPr/>
+        </p:nvCxnSpPr>
+        <p:spPr>
+          <a:xfrm rot="18900000">
+            <a:off x="1910669" y="1036863"/>
+            <a:ext cx="778049" cy="0"/>
+          </a:xfrm>
+          <a:prstGeom prst="line">
+            <a:avLst/>
+          </a:prstGeom>
+          <a:ln w="9525" cap="rnd">
+            <a:solidFill>
+              <a:schemeClr val="tx1"/>
+            </a:solidFill>
+            <a:round/>
+          </a:ln>
+        </p:spPr>
+        <p:style>
+          <a:lnRef idx="2">
+            <a:schemeClr val="accent1"/>
+          </a:lnRef>
+          <a:fillRef idx="0">
+            <a:schemeClr val="accent1"/>
+          </a:fillRef>
+          <a:effectRef idx="1">
+            <a:schemeClr val="accent1"/>
+          </a:effectRef>
+          <a:fontRef idx="minor">
+            <a:schemeClr val="tx1"/>
+          </a:fontRef>
+        </p:style>
+      </p:cxnSp>
+      <p:cxnSp>
+        <p:nvCxnSpPr>
+          <p:cNvPr id="34" name="Gerader Verbinder 33">
+            <a:extLst>
+              <a:ext uri="{FF2B5EF4-FFF2-40B4-BE49-F238E27FC236}">
+                <a16:creationId xmlns:a16="http://schemas.microsoft.com/office/drawing/2014/main" id="{143404C7-EF04-F8D2-AA6C-3C05637ACBB4}"/>
+              </a:ext>
+            </a:extLst>
+          </p:cNvPr>
+          <p:cNvCxnSpPr>
+            <a:cxnSpLocks/>
+          </p:cNvCxnSpPr>
+          <p:nvPr/>
+        </p:nvCxnSpPr>
+        <p:spPr>
+          <a:xfrm rot="18900000">
+            <a:off x="1984589" y="1036862"/>
+            <a:ext cx="778049" cy="0"/>
+          </a:xfrm>
+          <a:prstGeom prst="line">
+            <a:avLst/>
+          </a:prstGeom>
+          <a:ln w="9525" cap="rnd">
+            <a:solidFill>
+              <a:schemeClr val="tx1"/>
+            </a:solidFill>
+            <a:round/>
+          </a:ln>
+        </p:spPr>
+        <p:style>
+          <a:lnRef idx="2">
+            <a:schemeClr val="accent1"/>
+          </a:lnRef>
+          <a:fillRef idx="0">
+            <a:schemeClr val="accent1"/>
+          </a:fillRef>
+          <a:effectRef idx="1">
+            <a:schemeClr val="accent1"/>
+          </a:effectRef>
+          <a:fontRef idx="minor">
+            <a:schemeClr val="tx1"/>
+          </a:fontRef>
+        </p:style>
+      </p:cxnSp>
+      <p:cxnSp>
+        <p:nvCxnSpPr>
+          <p:cNvPr id="35" name="Gerader Verbinder 34">
+            <a:extLst>
+              <a:ext uri="{FF2B5EF4-FFF2-40B4-BE49-F238E27FC236}">
+                <a16:creationId xmlns:a16="http://schemas.microsoft.com/office/drawing/2014/main" id="{77FB55BC-D3C2-BD4C-D773-30A3F8CF3A77}"/>
+              </a:ext>
+            </a:extLst>
+          </p:cNvPr>
+          <p:cNvCxnSpPr>
+            <a:cxnSpLocks/>
+          </p:cNvCxnSpPr>
+          <p:nvPr/>
+        </p:nvCxnSpPr>
+        <p:spPr>
+          <a:xfrm rot="18900000">
+            <a:off x="2058509" y="1036862"/>
+            <a:ext cx="778049" cy="0"/>
+          </a:xfrm>
+          <a:prstGeom prst="line">
+            <a:avLst/>
+          </a:prstGeom>
+          <a:ln w="9525" cap="rnd">
+            <a:solidFill>
+              <a:schemeClr val="tx1"/>
+            </a:solidFill>
+            <a:round/>
+          </a:ln>
+        </p:spPr>
+        <p:style>
+          <a:lnRef idx="2">
+            <a:schemeClr val="accent1"/>
+          </a:lnRef>
+          <a:fillRef idx="0">
+            <a:schemeClr val="accent1"/>
+          </a:fillRef>
+          <a:effectRef idx="1">
+            <a:schemeClr val="accent1"/>
+          </a:effectRef>
+          <a:fontRef idx="minor">
+            <a:schemeClr val="tx1"/>
+          </a:fontRef>
+        </p:style>
+      </p:cxnSp>
+      <p:cxnSp>
+        <p:nvCxnSpPr>
+          <p:cNvPr id="36" name="Gerader Verbinder 35">
+            <a:extLst>
+              <a:ext uri="{FF2B5EF4-FFF2-40B4-BE49-F238E27FC236}">
+                <a16:creationId xmlns:a16="http://schemas.microsoft.com/office/drawing/2014/main" id="{A861DFCF-8E0A-A3A9-6046-0C4BF8AB4C65}"/>
+              </a:ext>
+            </a:extLst>
+          </p:cNvPr>
+          <p:cNvCxnSpPr>
+            <a:cxnSpLocks/>
+          </p:cNvCxnSpPr>
+          <p:nvPr/>
+        </p:nvCxnSpPr>
+        <p:spPr>
+          <a:xfrm rot="18900000">
+            <a:off x="2132429" y="1036860"/>
+            <a:ext cx="778049" cy="0"/>
+          </a:xfrm>
+          <a:prstGeom prst="line">
+            <a:avLst/>
+          </a:prstGeom>
+          <a:ln w="9525" cap="rnd">
+            <a:solidFill>
+              <a:schemeClr val="tx1"/>
+            </a:solidFill>
+            <a:round/>
+          </a:ln>
+        </p:spPr>
+        <p:style>
+          <a:lnRef idx="2">
+            <a:schemeClr val="accent1"/>
+          </a:lnRef>
+          <a:fillRef idx="0">
+            <a:schemeClr val="accent1"/>
+          </a:fillRef>
+          <a:effectRef idx="1">
+            <a:schemeClr val="accent1"/>
+          </a:effectRef>
+          <a:fontRef idx="minor">
+            <a:schemeClr val="tx1"/>
+          </a:fontRef>
+        </p:style>
+      </p:cxnSp>
+      <p:cxnSp>
+        <p:nvCxnSpPr>
+          <p:cNvPr id="37" name="Gerader Verbinder 36">
+            <a:extLst>
+              <a:ext uri="{FF2B5EF4-FFF2-40B4-BE49-F238E27FC236}">
+                <a16:creationId xmlns:a16="http://schemas.microsoft.com/office/drawing/2014/main" id="{295093CB-0E62-BBC8-F104-4080ECE685AC}"/>
+              </a:ext>
+            </a:extLst>
+          </p:cNvPr>
+          <p:cNvCxnSpPr>
+            <a:cxnSpLocks/>
+          </p:cNvCxnSpPr>
+          <p:nvPr/>
+        </p:nvCxnSpPr>
+        <p:spPr>
+          <a:xfrm rot="18900000">
+            <a:off x="2206349" y="1036857"/>
+            <a:ext cx="778049" cy="0"/>
+          </a:xfrm>
+          <a:prstGeom prst="line">
+            <a:avLst/>
+          </a:prstGeom>
+          <a:ln w="9525" cap="rnd">
+            <a:solidFill>
+              <a:schemeClr val="tx1"/>
+            </a:solidFill>
+            <a:round/>
+          </a:ln>
+        </p:spPr>
+        <p:style>
+          <a:lnRef idx="2">
+            <a:schemeClr val="accent1"/>
+          </a:lnRef>
+          <a:fillRef idx="0">
+            <a:schemeClr val="accent1"/>
+          </a:fillRef>
+          <a:effectRef idx="1">
+            <a:schemeClr val="accent1"/>
+          </a:effectRef>
+          <a:fontRef idx="minor">
+            <a:schemeClr val="tx1"/>
+          </a:fontRef>
+        </p:style>
+      </p:cxnSp>
+      <p:cxnSp>
+        <p:nvCxnSpPr>
+          <p:cNvPr id="38" name="Gerader Verbinder 37">
+            <a:extLst>
+              <a:ext uri="{FF2B5EF4-FFF2-40B4-BE49-F238E27FC236}">
+                <a16:creationId xmlns:a16="http://schemas.microsoft.com/office/drawing/2014/main" id="{D0BAE0C1-7601-D10D-DE43-02FF5E24442D}"/>
+              </a:ext>
+            </a:extLst>
+          </p:cNvPr>
+          <p:cNvCxnSpPr>
+            <a:cxnSpLocks/>
+          </p:cNvCxnSpPr>
+          <p:nvPr/>
+        </p:nvCxnSpPr>
+        <p:spPr>
+          <a:xfrm rot="18900000">
+            <a:off x="2280269" y="1036850"/>
+            <a:ext cx="778049" cy="0"/>
+          </a:xfrm>
+          <a:prstGeom prst="line">
+            <a:avLst/>
+          </a:prstGeom>
+          <a:ln w="9525" cap="rnd">
+            <a:solidFill>
+              <a:schemeClr val="tx1"/>
+            </a:solidFill>
+            <a:round/>
+          </a:ln>
+        </p:spPr>
+        <p:style>
+          <a:lnRef idx="2">
+            <a:schemeClr val="accent1"/>
+          </a:lnRef>
+          <a:fillRef idx="0">
+            <a:schemeClr val="accent1"/>
+          </a:fillRef>
+          <a:effectRef idx="1">
+            <a:schemeClr val="accent1"/>
+          </a:effectRef>
+          <a:fontRef idx="minor">
+            <a:schemeClr val="tx1"/>
+          </a:fontRef>
+        </p:style>
+      </p:cxnSp>
+      <p:cxnSp>
+        <p:nvCxnSpPr>
+          <p:cNvPr id="39" name="Gerader Verbinder 38">
+            <a:extLst>
+              <a:ext uri="{FF2B5EF4-FFF2-40B4-BE49-F238E27FC236}">
+                <a16:creationId xmlns:a16="http://schemas.microsoft.com/office/drawing/2014/main" id="{E7AC587A-CC35-1037-9601-9CE88438F2EF}"/>
+              </a:ext>
+            </a:extLst>
+          </p:cNvPr>
+          <p:cNvCxnSpPr>
+            <a:cxnSpLocks/>
+          </p:cNvCxnSpPr>
+          <p:nvPr/>
+        </p:nvCxnSpPr>
+        <p:spPr>
+          <a:xfrm rot="18900000">
+            <a:off x="2354189" y="1036837"/>
+            <a:ext cx="778049" cy="0"/>
+          </a:xfrm>
+          <a:prstGeom prst="line">
+            <a:avLst/>
+          </a:prstGeom>
+          <a:ln w="9525" cap="rnd">
+            <a:solidFill>
+              <a:schemeClr val="tx1"/>
+            </a:solidFill>
+            <a:round/>
+          </a:ln>
+        </p:spPr>
+        <p:style>
+          <a:lnRef idx="2">
+            <a:schemeClr val="accent1"/>
+          </a:lnRef>
+          <a:fillRef idx="0">
+            <a:schemeClr val="accent1"/>
+          </a:fillRef>
+          <a:effectRef idx="1">
+            <a:schemeClr val="accent1"/>
+          </a:effectRef>
+          <a:fontRef idx="minor">
+            <a:schemeClr val="tx1"/>
+          </a:fontRef>
+        </p:style>
+      </p:cxnSp>
+      <p:cxnSp>
+        <p:nvCxnSpPr>
+          <p:cNvPr id="40" name="Gerader Verbinder 39">
+            <a:extLst>
+              <a:ext uri="{FF2B5EF4-FFF2-40B4-BE49-F238E27FC236}">
+                <a16:creationId xmlns:a16="http://schemas.microsoft.com/office/drawing/2014/main" id="{92AA2034-8931-9AD8-1A20-0DC1DD0AE816}"/>
+              </a:ext>
+            </a:extLst>
+          </p:cNvPr>
+          <p:cNvCxnSpPr>
+            <a:cxnSpLocks/>
+          </p:cNvCxnSpPr>
+          <p:nvPr/>
+        </p:nvCxnSpPr>
+        <p:spPr>
+          <a:xfrm rot="18900000">
+            <a:off x="2428109" y="1036838"/>
+            <a:ext cx="778049" cy="0"/>
+          </a:xfrm>
+          <a:prstGeom prst="line">
+            <a:avLst/>
+          </a:prstGeom>
+          <a:ln w="9525" cap="rnd">
+            <a:solidFill>
+              <a:schemeClr val="tx1"/>
+            </a:solidFill>
+            <a:round/>
+          </a:ln>
+        </p:spPr>
+        <p:style>
+          <a:lnRef idx="2">
+            <a:schemeClr val="accent1"/>
+          </a:lnRef>
+          <a:fillRef idx="0">
+            <a:schemeClr val="accent1"/>
+          </a:fillRef>
+          <a:effectRef idx="1">
+            <a:schemeClr val="accent1"/>
+          </a:effectRef>
+          <a:fontRef idx="minor">
+            <a:schemeClr val="tx1"/>
+          </a:fontRef>
+        </p:style>
+      </p:cxnSp>
+      <p:cxnSp>
+        <p:nvCxnSpPr>
+          <p:cNvPr id="41" name="Gerader Verbinder 40">
+            <a:extLst>
+              <a:ext uri="{FF2B5EF4-FFF2-40B4-BE49-F238E27FC236}">
+                <a16:creationId xmlns:a16="http://schemas.microsoft.com/office/drawing/2014/main" id="{300D69B2-774D-BD36-E237-355FCD0D291F}"/>
+              </a:ext>
+            </a:extLst>
+          </p:cNvPr>
+          <p:cNvCxnSpPr>
+            <a:cxnSpLocks/>
+          </p:cNvCxnSpPr>
+          <p:nvPr/>
+        </p:nvCxnSpPr>
+        <p:spPr>
+          <a:xfrm rot="18900000">
+            <a:off x="2502029" y="1036812"/>
+            <a:ext cx="778049" cy="0"/>
+          </a:xfrm>
+          <a:prstGeom prst="line">
+            <a:avLst/>
+          </a:prstGeom>
+          <a:ln w="9525" cap="rnd">
+            <a:solidFill>
+              <a:schemeClr val="tx1"/>
+            </a:solidFill>
+            <a:round/>
+          </a:ln>
+        </p:spPr>
+        <p:style>
+          <a:lnRef idx="2">
+            <a:schemeClr val="accent1"/>
+          </a:lnRef>
+          <a:fillRef idx="0">
+            <a:schemeClr val="accent1"/>
+          </a:fillRef>
+          <a:effectRef idx="1">
+            <a:schemeClr val="accent1"/>
+          </a:effectRef>
+          <a:fontRef idx="minor">
+            <a:schemeClr val="tx1"/>
+          </a:fontRef>
+        </p:style>
+      </p:cxnSp>
+      <p:cxnSp>
+        <p:nvCxnSpPr>
+          <p:cNvPr id="42" name="Gerader Verbinder 41">
+            <a:extLst>
+              <a:ext uri="{FF2B5EF4-FFF2-40B4-BE49-F238E27FC236}">
+                <a16:creationId xmlns:a16="http://schemas.microsoft.com/office/drawing/2014/main" id="{317A849F-35A0-F69E-45F7-2A19617657D1}"/>
+              </a:ext>
+            </a:extLst>
+          </p:cNvPr>
+          <p:cNvCxnSpPr>
+            <a:cxnSpLocks/>
+          </p:cNvCxnSpPr>
+          <p:nvPr/>
+        </p:nvCxnSpPr>
+        <p:spPr>
+          <a:xfrm rot="18900000">
+            <a:off x="2575949" y="1036656"/>
+            <a:ext cx="778049" cy="0"/>
+          </a:xfrm>
+          <a:prstGeom prst="line">
+            <a:avLst/>
+          </a:prstGeom>
+          <a:ln w="9525" cap="rnd">
+            <a:solidFill>
+              <a:schemeClr val="tx1"/>
+            </a:solidFill>
+            <a:round/>
+          </a:ln>
+        </p:spPr>
+        <p:style>
+          <a:lnRef idx="2">
+            <a:schemeClr val="accent1"/>
+          </a:lnRef>
+          <a:fillRef idx="0">
+            <a:schemeClr val="accent1"/>
+          </a:fillRef>
+          <a:effectRef idx="1">
+            <a:schemeClr val="accent1"/>
+          </a:effectRef>
+          <a:fontRef idx="minor">
+            <a:schemeClr val="tx1"/>
+          </a:fontRef>
+        </p:style>
+      </p:cxnSp>
+      <p:cxnSp>
+        <p:nvCxnSpPr>
+          <p:cNvPr id="43" name="Gerader Verbinder 42">
+            <a:extLst>
+              <a:ext uri="{FF2B5EF4-FFF2-40B4-BE49-F238E27FC236}">
+                <a16:creationId xmlns:a16="http://schemas.microsoft.com/office/drawing/2014/main" id="{9F9543AA-0A80-E9CE-1116-F16173DD2453}"/>
+              </a:ext>
+            </a:extLst>
+          </p:cNvPr>
+          <p:cNvCxnSpPr>
+            <a:cxnSpLocks/>
+          </p:cNvCxnSpPr>
+          <p:nvPr/>
+        </p:nvCxnSpPr>
+        <p:spPr>
+          <a:xfrm rot="18900000">
+            <a:off x="2649869" y="1036657"/>
+            <a:ext cx="778049" cy="0"/>
+          </a:xfrm>
+          <a:prstGeom prst="line">
+            <a:avLst/>
+          </a:prstGeom>
+          <a:ln w="9525" cap="rnd">
+            <a:solidFill>
+              <a:schemeClr val="tx1"/>
+            </a:solidFill>
+            <a:round/>
+          </a:ln>
+        </p:spPr>
+        <p:style>
+          <a:lnRef idx="2">
+            <a:schemeClr val="accent1"/>
+          </a:lnRef>
+          <a:fillRef idx="0">
+            <a:schemeClr val="accent1"/>
+          </a:fillRef>
+          <a:effectRef idx="1">
+            <a:schemeClr val="accent1"/>
+          </a:effectRef>
+          <a:fontRef idx="minor">
+            <a:schemeClr val="tx1"/>
+          </a:fontRef>
+        </p:style>
+      </p:cxnSp>
+      <p:cxnSp>
+        <p:nvCxnSpPr>
+          <p:cNvPr id="44" name="Gerader Verbinder 43">
+            <a:extLst>
+              <a:ext uri="{FF2B5EF4-FFF2-40B4-BE49-F238E27FC236}">
+                <a16:creationId xmlns:a16="http://schemas.microsoft.com/office/drawing/2014/main" id="{065DCCD1-E3E1-EA3C-3483-10355EEBFF0B}"/>
+              </a:ext>
+            </a:extLst>
+          </p:cNvPr>
+          <p:cNvCxnSpPr>
+            <a:cxnSpLocks/>
+          </p:cNvCxnSpPr>
+          <p:nvPr/>
+        </p:nvCxnSpPr>
+        <p:spPr>
+          <a:xfrm rot="18900000">
+            <a:off x="2723789" y="1036655"/>
+            <a:ext cx="778049" cy="0"/>
+          </a:xfrm>
+          <a:prstGeom prst="line">
+            <a:avLst/>
+          </a:prstGeom>
+          <a:ln w="9525" cap="rnd">
+            <a:solidFill>
+              <a:schemeClr val="tx1"/>
+            </a:solidFill>
+            <a:round/>
+          </a:ln>
+        </p:spPr>
+        <p:style>
+          <a:lnRef idx="2">
+            <a:schemeClr val="accent1"/>
+          </a:lnRef>
+          <a:fillRef idx="0">
+            <a:schemeClr val="accent1"/>
+          </a:fillRef>
+          <a:effectRef idx="1">
+            <a:schemeClr val="accent1"/>
+          </a:effectRef>
+          <a:fontRef idx="minor">
+            <a:schemeClr val="tx1"/>
+          </a:fontRef>
+        </p:style>
+      </p:cxnSp>
+      <p:cxnSp>
+        <p:nvCxnSpPr>
+          <p:cNvPr id="45" name="Gerader Verbinder 44">
+            <a:extLst>
+              <a:ext uri="{FF2B5EF4-FFF2-40B4-BE49-F238E27FC236}">
+                <a16:creationId xmlns:a16="http://schemas.microsoft.com/office/drawing/2014/main" id="{59BB875D-FE40-5D9C-9616-563FE9F0CAFB}"/>
+              </a:ext>
+            </a:extLst>
+          </p:cNvPr>
+          <p:cNvCxnSpPr>
+            <a:cxnSpLocks/>
+          </p:cNvCxnSpPr>
+          <p:nvPr/>
+        </p:nvCxnSpPr>
+        <p:spPr>
+          <a:xfrm rot="18900000">
+            <a:off x="2797709" y="1036656"/>
+            <a:ext cx="778049" cy="0"/>
+          </a:xfrm>
+          <a:prstGeom prst="line">
+            <a:avLst/>
+          </a:prstGeom>
+          <a:ln w="9525" cap="rnd">
+            <a:solidFill>
+              <a:schemeClr val="tx1"/>
+            </a:solidFill>
+            <a:round/>
+          </a:ln>
+        </p:spPr>
+        <p:style>
+          <a:lnRef idx="2">
+            <a:schemeClr val="accent1"/>
+          </a:lnRef>
+          <a:fillRef idx="0">
+            <a:schemeClr val="accent1"/>
+          </a:fillRef>
+          <a:effectRef idx="1">
+            <a:schemeClr val="accent1"/>
+          </a:effectRef>
+          <a:fontRef idx="minor">
+            <a:schemeClr val="tx1"/>
+          </a:fontRef>
+        </p:style>
+      </p:cxnSp>
+      <p:cxnSp>
+        <p:nvCxnSpPr>
+          <p:cNvPr id="46" name="Gerader Verbinder 45">
+            <a:extLst>
+              <a:ext uri="{FF2B5EF4-FFF2-40B4-BE49-F238E27FC236}">
+                <a16:creationId xmlns:a16="http://schemas.microsoft.com/office/drawing/2014/main" id="{A38946A7-2ECB-5255-3E8B-8AB83911EA4E}"/>
+              </a:ext>
+            </a:extLst>
+          </p:cNvPr>
+          <p:cNvCxnSpPr>
+            <a:cxnSpLocks/>
+          </p:cNvCxnSpPr>
+          <p:nvPr/>
+        </p:nvCxnSpPr>
+        <p:spPr>
+          <a:xfrm rot="18900000">
+            <a:off x="2871629" y="1036655"/>
+            <a:ext cx="778049" cy="0"/>
+          </a:xfrm>
+          <a:prstGeom prst="line">
+            <a:avLst/>
+          </a:prstGeom>
+          <a:ln w="9525" cap="rnd">
+            <a:solidFill>
+              <a:schemeClr val="tx1"/>
+            </a:solidFill>
+            <a:round/>
+          </a:ln>
+        </p:spPr>
+        <p:style>
+          <a:lnRef idx="2">
+            <a:schemeClr val="accent1"/>
+          </a:lnRef>
+          <a:fillRef idx="0">
+            <a:schemeClr val="accent1"/>
+          </a:fillRef>
+          <a:effectRef idx="1">
+            <a:schemeClr val="accent1"/>
+          </a:effectRef>
+          <a:fontRef idx="minor">
+            <a:schemeClr val="tx1"/>
+          </a:fontRef>
+        </p:style>
+      </p:cxnSp>
+      <p:cxnSp>
+        <p:nvCxnSpPr>
+          <p:cNvPr id="47" name="Gerader Verbinder 46">
+            <a:extLst>
+              <a:ext uri="{FF2B5EF4-FFF2-40B4-BE49-F238E27FC236}">
+                <a16:creationId xmlns:a16="http://schemas.microsoft.com/office/drawing/2014/main" id="{EBA06136-8504-EF19-48C2-99FD7E5646FC}"/>
+              </a:ext>
+            </a:extLst>
+          </p:cNvPr>
+          <p:cNvCxnSpPr>
+            <a:cxnSpLocks/>
+          </p:cNvCxnSpPr>
+          <p:nvPr/>
+        </p:nvCxnSpPr>
+        <p:spPr>
+          <a:xfrm rot="18900000">
+            <a:off x="2945549" y="1036655"/>
+            <a:ext cx="778049" cy="0"/>
+          </a:xfrm>
+          <a:prstGeom prst="line">
+            <a:avLst/>
+          </a:prstGeom>
+          <a:ln w="9525" cap="rnd">
+            <a:solidFill>
+              <a:schemeClr val="tx1"/>
+            </a:solidFill>
+            <a:round/>
+          </a:ln>
+        </p:spPr>
+        <p:style>
+          <a:lnRef idx="2">
+            <a:schemeClr val="accent1"/>
+          </a:lnRef>
+          <a:fillRef idx="0">
+            <a:schemeClr val="accent1"/>
+          </a:fillRef>
+          <a:effectRef idx="1">
+            <a:schemeClr val="accent1"/>
+          </a:effectRef>
+          <a:fontRef idx="minor">
+            <a:schemeClr val="tx1"/>
+          </a:fontRef>
+        </p:style>
+      </p:cxnSp>
+      <p:cxnSp>
+        <p:nvCxnSpPr>
+          <p:cNvPr id="68" name="Gerader Verbinder 67">
+            <a:extLst>
+              <a:ext uri="{FF2B5EF4-FFF2-40B4-BE49-F238E27FC236}">
+                <a16:creationId xmlns:a16="http://schemas.microsoft.com/office/drawing/2014/main" id="{9EB4A64B-E936-47F7-1C5B-93ACB39EBCEF}"/>
+              </a:ext>
+            </a:extLst>
+          </p:cNvPr>
+          <p:cNvCxnSpPr>
+            <a:cxnSpLocks/>
+          </p:cNvCxnSpPr>
+          <p:nvPr/>
+        </p:nvCxnSpPr>
+        <p:spPr>
+          <a:xfrm rot="18900000">
+            <a:off x="-144008" y="2224965"/>
+            <a:ext cx="778049" cy="0"/>
+          </a:xfrm>
+          <a:prstGeom prst="line">
+            <a:avLst/>
+          </a:prstGeom>
+          <a:ln w="9525" cap="rnd">
+            <a:solidFill>
+              <a:schemeClr val="tx1"/>
+            </a:solidFill>
+            <a:round/>
+          </a:ln>
+        </p:spPr>
+        <p:style>
+          <a:lnRef idx="2">
+            <a:schemeClr val="accent1"/>
+          </a:lnRef>
+          <a:fillRef idx="0">
+            <a:schemeClr val="accent1"/>
+          </a:fillRef>
+          <a:effectRef idx="1">
+            <a:schemeClr val="accent1"/>
+          </a:effectRef>
+          <a:fontRef idx="minor">
+            <a:schemeClr val="tx1"/>
+          </a:fontRef>
+        </p:style>
+      </p:cxnSp>
+      <p:cxnSp>
+        <p:nvCxnSpPr>
+          <p:cNvPr id="69" name="Gerader Verbinder 68">
+            <a:extLst>
+              <a:ext uri="{FF2B5EF4-FFF2-40B4-BE49-F238E27FC236}">
+                <a16:creationId xmlns:a16="http://schemas.microsoft.com/office/drawing/2014/main" id="{524003E5-6893-98D3-D3E1-5EB08C68701C}"/>
+              </a:ext>
+            </a:extLst>
+          </p:cNvPr>
+          <p:cNvCxnSpPr>
+            <a:cxnSpLocks/>
+          </p:cNvCxnSpPr>
+          <p:nvPr/>
+        </p:nvCxnSpPr>
+        <p:spPr>
+          <a:xfrm rot="18900000">
+            <a:off x="-70088" y="2224966"/>
+            <a:ext cx="778049" cy="0"/>
+          </a:xfrm>
+          <a:prstGeom prst="line">
+            <a:avLst/>
+          </a:prstGeom>
+          <a:ln w="9525" cap="rnd">
+            <a:solidFill>
+              <a:schemeClr val="tx1"/>
+            </a:solidFill>
+            <a:round/>
+          </a:ln>
+        </p:spPr>
+        <p:style>
+          <a:lnRef idx="2">
+            <a:schemeClr val="accent1"/>
+          </a:lnRef>
+          <a:fillRef idx="0">
+            <a:schemeClr val="accent1"/>
+          </a:fillRef>
+          <a:effectRef idx="1">
+            <a:schemeClr val="accent1"/>
+          </a:effectRef>
+          <a:fontRef idx="minor">
+            <a:schemeClr val="tx1"/>
+          </a:fontRef>
+        </p:style>
+      </p:cxnSp>
+      <p:cxnSp>
+        <p:nvCxnSpPr>
+          <p:cNvPr id="70" name="Gerader Verbinder 69">
+            <a:extLst>
+              <a:ext uri="{FF2B5EF4-FFF2-40B4-BE49-F238E27FC236}">
+                <a16:creationId xmlns:a16="http://schemas.microsoft.com/office/drawing/2014/main" id="{8C187BAC-F4C3-B205-6C0A-38310FCFF885}"/>
+              </a:ext>
+            </a:extLst>
+          </p:cNvPr>
+          <p:cNvCxnSpPr>
+            <a:cxnSpLocks/>
+          </p:cNvCxnSpPr>
+          <p:nvPr/>
+        </p:nvCxnSpPr>
+        <p:spPr>
+          <a:xfrm rot="18900000">
+            <a:off x="3832" y="2224965"/>
+            <a:ext cx="778049" cy="0"/>
+          </a:xfrm>
+          <a:prstGeom prst="line">
+            <a:avLst/>
+          </a:prstGeom>
+          <a:ln w="9525" cap="rnd">
+            <a:solidFill>
+              <a:schemeClr val="tx1"/>
+            </a:solidFill>
+            <a:round/>
+          </a:ln>
+        </p:spPr>
+        <p:style>
+          <a:lnRef idx="2">
+            <a:schemeClr val="accent1"/>
+          </a:lnRef>
+          <a:fillRef idx="0">
+            <a:schemeClr val="accent1"/>
+          </a:fillRef>
+          <a:effectRef idx="1">
+            <a:schemeClr val="accent1"/>
+          </a:effectRef>
+          <a:fontRef idx="minor">
+            <a:schemeClr val="tx1"/>
+          </a:fontRef>
+        </p:style>
+      </p:cxnSp>
+      <p:cxnSp>
+        <p:nvCxnSpPr>
+          <p:cNvPr id="71" name="Gerader Verbinder 70">
+            <a:extLst>
+              <a:ext uri="{FF2B5EF4-FFF2-40B4-BE49-F238E27FC236}">
+                <a16:creationId xmlns:a16="http://schemas.microsoft.com/office/drawing/2014/main" id="{CC1F271E-C71B-971E-A818-356B0B0C0A72}"/>
+              </a:ext>
+            </a:extLst>
+          </p:cNvPr>
+          <p:cNvCxnSpPr>
+            <a:cxnSpLocks/>
+          </p:cNvCxnSpPr>
+          <p:nvPr/>
+        </p:nvCxnSpPr>
+        <p:spPr>
+          <a:xfrm rot="18900000">
+            <a:off x="77752" y="2224965"/>
+            <a:ext cx="778049" cy="0"/>
+          </a:xfrm>
+          <a:prstGeom prst="line">
+            <a:avLst/>
+          </a:prstGeom>
+          <a:ln w="9525" cap="rnd">
+            <a:solidFill>
+              <a:schemeClr val="tx1"/>
+            </a:solidFill>
+            <a:round/>
+          </a:ln>
+        </p:spPr>
+        <p:style>
+          <a:lnRef idx="2">
+            <a:schemeClr val="accent1"/>
+          </a:lnRef>
+          <a:fillRef idx="0">
+            <a:schemeClr val="accent1"/>
+          </a:fillRef>
+          <a:effectRef idx="1">
+            <a:schemeClr val="accent1"/>
+          </a:effectRef>
+          <a:fontRef idx="minor">
+            <a:schemeClr val="tx1"/>
+          </a:fontRef>
+        </p:style>
+      </p:cxnSp>
+      <p:cxnSp>
+        <p:nvCxnSpPr>
+          <p:cNvPr id="72" name="Gerader Verbinder 71">
+            <a:extLst>
+              <a:ext uri="{FF2B5EF4-FFF2-40B4-BE49-F238E27FC236}">
+                <a16:creationId xmlns:a16="http://schemas.microsoft.com/office/drawing/2014/main" id="{CD7BE19B-AA3B-A2F1-DF0C-561FA22B74F7}"/>
+              </a:ext>
+            </a:extLst>
+          </p:cNvPr>
+          <p:cNvCxnSpPr>
+            <a:cxnSpLocks/>
+          </p:cNvCxnSpPr>
+          <p:nvPr/>
+        </p:nvCxnSpPr>
+        <p:spPr>
+          <a:xfrm rot="18900000">
+            <a:off x="151672" y="2224963"/>
+            <a:ext cx="778049" cy="0"/>
+          </a:xfrm>
+          <a:prstGeom prst="line">
+            <a:avLst/>
+          </a:prstGeom>
+          <a:ln w="9525" cap="rnd">
+            <a:solidFill>
+              <a:schemeClr val="tx1"/>
+            </a:solidFill>
+            <a:round/>
+          </a:ln>
+        </p:spPr>
+        <p:style>
+          <a:lnRef idx="2">
+            <a:schemeClr val="accent1"/>
+          </a:lnRef>
+          <a:fillRef idx="0">
+            <a:schemeClr val="accent1"/>
+          </a:fillRef>
+          <a:effectRef idx="1">
+            <a:schemeClr val="accent1"/>
+          </a:effectRef>
+          <a:fontRef idx="minor">
+            <a:schemeClr val="tx1"/>
+          </a:fontRef>
+        </p:style>
+      </p:cxnSp>
+      <p:cxnSp>
+        <p:nvCxnSpPr>
+          <p:cNvPr id="73" name="Gerader Verbinder 72">
+            <a:extLst>
+              <a:ext uri="{FF2B5EF4-FFF2-40B4-BE49-F238E27FC236}">
+                <a16:creationId xmlns:a16="http://schemas.microsoft.com/office/drawing/2014/main" id="{2B052DF2-4693-F58D-C0F6-1DAC7B820079}"/>
+              </a:ext>
+            </a:extLst>
+          </p:cNvPr>
+          <p:cNvCxnSpPr>
+            <a:cxnSpLocks/>
+          </p:cNvCxnSpPr>
+          <p:nvPr/>
+        </p:nvCxnSpPr>
+        <p:spPr>
+          <a:xfrm rot="18900000">
+            <a:off x="225592" y="2224960"/>
+            <a:ext cx="778049" cy="0"/>
+          </a:xfrm>
+          <a:prstGeom prst="line">
+            <a:avLst/>
+          </a:prstGeom>
+          <a:ln w="9525" cap="rnd">
+            <a:solidFill>
+              <a:schemeClr val="tx1"/>
+            </a:solidFill>
+            <a:round/>
+          </a:ln>
+        </p:spPr>
+        <p:style>
+          <a:lnRef idx="2">
+            <a:schemeClr val="accent1"/>
+          </a:lnRef>
+          <a:fillRef idx="0">
+            <a:schemeClr val="accent1"/>
+          </a:fillRef>
+          <a:effectRef idx="1">
+            <a:schemeClr val="accent1"/>
+          </a:effectRef>
+          <a:fontRef idx="minor">
+            <a:schemeClr val="tx1"/>
+          </a:fontRef>
+        </p:style>
+      </p:cxnSp>
+      <p:cxnSp>
+        <p:nvCxnSpPr>
+          <p:cNvPr id="74" name="Gerader Verbinder 73">
+            <a:extLst>
+              <a:ext uri="{FF2B5EF4-FFF2-40B4-BE49-F238E27FC236}">
+                <a16:creationId xmlns:a16="http://schemas.microsoft.com/office/drawing/2014/main" id="{73059F70-3B77-8E0F-0924-06F1E94757B1}"/>
+              </a:ext>
+            </a:extLst>
+          </p:cNvPr>
+          <p:cNvCxnSpPr>
+            <a:cxnSpLocks/>
+          </p:cNvCxnSpPr>
+          <p:nvPr/>
+        </p:nvCxnSpPr>
+        <p:spPr>
+          <a:xfrm rot="18900000">
+            <a:off x="299512" y="2224953"/>
+            <a:ext cx="778049" cy="0"/>
+          </a:xfrm>
+          <a:prstGeom prst="line">
+            <a:avLst/>
+          </a:prstGeom>
+          <a:ln w="9525" cap="rnd">
+            <a:solidFill>
+              <a:schemeClr val="tx1"/>
+            </a:solidFill>
+            <a:round/>
+          </a:ln>
+        </p:spPr>
+        <p:style>
+          <a:lnRef idx="2">
+            <a:schemeClr val="accent1"/>
+          </a:lnRef>
+          <a:fillRef idx="0">
+            <a:schemeClr val="accent1"/>
+          </a:fillRef>
+          <a:effectRef idx="1">
+            <a:schemeClr val="accent1"/>
+          </a:effectRef>
+          <a:fontRef idx="minor">
+            <a:schemeClr val="tx1"/>
+          </a:fontRef>
+        </p:style>
+      </p:cxnSp>
+      <p:cxnSp>
+        <p:nvCxnSpPr>
+          <p:cNvPr id="75" name="Gerader Verbinder 74">
+            <a:extLst>
+              <a:ext uri="{FF2B5EF4-FFF2-40B4-BE49-F238E27FC236}">
+                <a16:creationId xmlns:a16="http://schemas.microsoft.com/office/drawing/2014/main" id="{6E720DDD-BA44-0A67-2A54-F88867A3ABBC}"/>
+              </a:ext>
+            </a:extLst>
+          </p:cNvPr>
+          <p:cNvCxnSpPr>
+            <a:cxnSpLocks/>
+          </p:cNvCxnSpPr>
+          <p:nvPr/>
+        </p:nvCxnSpPr>
+        <p:spPr>
+          <a:xfrm rot="18900000">
+            <a:off x="373432" y="2224940"/>
+            <a:ext cx="778049" cy="0"/>
+          </a:xfrm>
+          <a:prstGeom prst="line">
+            <a:avLst/>
+          </a:prstGeom>
+          <a:ln w="9525" cap="rnd">
+            <a:solidFill>
+              <a:schemeClr val="tx1"/>
+            </a:solidFill>
+            <a:round/>
+          </a:ln>
+        </p:spPr>
+        <p:style>
+          <a:lnRef idx="2">
+            <a:schemeClr val="accent1"/>
+          </a:lnRef>
+          <a:fillRef idx="0">
+            <a:schemeClr val="accent1"/>
+          </a:fillRef>
+          <a:effectRef idx="1">
+            <a:schemeClr val="accent1"/>
+          </a:effectRef>
+          <a:fontRef idx="minor">
+            <a:schemeClr val="tx1"/>
+          </a:fontRef>
+        </p:style>
+      </p:cxnSp>
+      <p:cxnSp>
+        <p:nvCxnSpPr>
+          <p:cNvPr id="76" name="Gerader Verbinder 75">
+            <a:extLst>
+              <a:ext uri="{FF2B5EF4-FFF2-40B4-BE49-F238E27FC236}">
+                <a16:creationId xmlns:a16="http://schemas.microsoft.com/office/drawing/2014/main" id="{ECCFC2A3-7289-3A0D-53C5-C79D3A1E38D9}"/>
+              </a:ext>
+            </a:extLst>
+          </p:cNvPr>
+          <p:cNvCxnSpPr>
+            <a:cxnSpLocks/>
+          </p:cNvCxnSpPr>
+          <p:nvPr/>
+        </p:nvCxnSpPr>
+        <p:spPr>
+          <a:xfrm rot="18900000">
+            <a:off x="447352" y="2224941"/>
+            <a:ext cx="778049" cy="0"/>
+          </a:xfrm>
+          <a:prstGeom prst="line">
+            <a:avLst/>
+          </a:prstGeom>
+          <a:ln w="9525" cap="rnd">
+            <a:solidFill>
+              <a:schemeClr val="tx1"/>
+            </a:solidFill>
+            <a:round/>
+          </a:ln>
+        </p:spPr>
+        <p:style>
+          <a:lnRef idx="2">
+            <a:schemeClr val="accent1"/>
+          </a:lnRef>
+          <a:fillRef idx="0">
+            <a:schemeClr val="accent1"/>
+          </a:fillRef>
+          <a:effectRef idx="1">
+            <a:schemeClr val="accent1"/>
+          </a:effectRef>
+          <a:fontRef idx="minor">
+            <a:schemeClr val="tx1"/>
+          </a:fontRef>
+        </p:style>
+      </p:cxnSp>
+      <p:cxnSp>
+        <p:nvCxnSpPr>
+          <p:cNvPr id="77" name="Gerader Verbinder 76">
+            <a:extLst>
+              <a:ext uri="{FF2B5EF4-FFF2-40B4-BE49-F238E27FC236}">
+                <a16:creationId xmlns:a16="http://schemas.microsoft.com/office/drawing/2014/main" id="{A556B875-7F05-FD16-20F3-201CB8D79955}"/>
+              </a:ext>
+            </a:extLst>
+          </p:cNvPr>
+          <p:cNvCxnSpPr>
+            <a:cxnSpLocks/>
+          </p:cNvCxnSpPr>
+          <p:nvPr/>
+        </p:nvCxnSpPr>
+        <p:spPr>
+          <a:xfrm rot="18900000">
+            <a:off x="521272" y="2224915"/>
+            <a:ext cx="778049" cy="0"/>
+          </a:xfrm>
+          <a:prstGeom prst="line">
+            <a:avLst/>
+          </a:prstGeom>
+          <a:ln w="9525" cap="rnd">
+            <a:solidFill>
+              <a:schemeClr val="tx1"/>
+            </a:solidFill>
+            <a:round/>
+          </a:ln>
+        </p:spPr>
+        <p:style>
+          <a:lnRef idx="2">
+            <a:schemeClr val="accent1"/>
+          </a:lnRef>
+          <a:fillRef idx="0">
+            <a:schemeClr val="accent1"/>
+          </a:fillRef>
+          <a:effectRef idx="1">
+            <a:schemeClr val="accent1"/>
+          </a:effectRef>
+          <a:fontRef idx="minor">
+            <a:schemeClr val="tx1"/>
+          </a:fontRef>
+        </p:style>
+      </p:cxnSp>
+      <p:cxnSp>
+        <p:nvCxnSpPr>
+          <p:cNvPr id="78" name="Gerader Verbinder 77">
+            <a:extLst>
+              <a:ext uri="{FF2B5EF4-FFF2-40B4-BE49-F238E27FC236}">
+                <a16:creationId xmlns:a16="http://schemas.microsoft.com/office/drawing/2014/main" id="{2F8B0BC2-06BF-4276-4FF2-8ADF7ACA1C6E}"/>
+              </a:ext>
+            </a:extLst>
+          </p:cNvPr>
+          <p:cNvCxnSpPr>
+            <a:cxnSpLocks/>
+          </p:cNvCxnSpPr>
+          <p:nvPr/>
+        </p:nvCxnSpPr>
+        <p:spPr>
+          <a:xfrm rot="18900000">
+            <a:off x="595192" y="2224914"/>
+            <a:ext cx="778049" cy="0"/>
+          </a:xfrm>
+          <a:prstGeom prst="line">
+            <a:avLst/>
+          </a:prstGeom>
+          <a:ln w="9525" cap="rnd">
+            <a:solidFill>
+              <a:schemeClr val="tx1"/>
+            </a:solidFill>
+            <a:round/>
+          </a:ln>
+        </p:spPr>
+        <p:style>
+          <a:lnRef idx="2">
+            <a:schemeClr val="accent1"/>
+          </a:lnRef>
+          <a:fillRef idx="0">
+            <a:schemeClr val="accent1"/>
+          </a:fillRef>
+          <a:effectRef idx="1">
+            <a:schemeClr val="accent1"/>
+          </a:effectRef>
+          <a:fontRef idx="minor">
+            <a:schemeClr val="tx1"/>
+          </a:fontRef>
+        </p:style>
+      </p:cxnSp>
+      <p:cxnSp>
+        <p:nvCxnSpPr>
+          <p:cNvPr id="79" name="Gerader Verbinder 78">
+            <a:extLst>
+              <a:ext uri="{FF2B5EF4-FFF2-40B4-BE49-F238E27FC236}">
+                <a16:creationId xmlns:a16="http://schemas.microsoft.com/office/drawing/2014/main" id="{C08F05BA-E8CD-C2AC-05BA-2C9AE66BAA6A}"/>
+              </a:ext>
+            </a:extLst>
+          </p:cNvPr>
+          <p:cNvCxnSpPr>
+            <a:cxnSpLocks/>
+          </p:cNvCxnSpPr>
+          <p:nvPr/>
+        </p:nvCxnSpPr>
+        <p:spPr>
+          <a:xfrm rot="18900000">
+            <a:off x="669112" y="2224915"/>
+            <a:ext cx="778049" cy="0"/>
+          </a:xfrm>
+          <a:prstGeom prst="line">
+            <a:avLst/>
+          </a:prstGeom>
+          <a:ln w="9525" cap="rnd">
+            <a:solidFill>
+              <a:schemeClr val="tx1"/>
+            </a:solidFill>
+            <a:round/>
+          </a:ln>
+        </p:spPr>
+        <p:style>
+          <a:lnRef idx="2">
+            <a:schemeClr val="accent1"/>
+          </a:lnRef>
+          <a:fillRef idx="0">
+            <a:schemeClr val="accent1"/>
+          </a:fillRef>
+          <a:effectRef idx="1">
+            <a:schemeClr val="accent1"/>
+          </a:effectRef>
+          <a:fontRef idx="minor">
+            <a:schemeClr val="tx1"/>
+          </a:fontRef>
+        </p:style>
+      </p:cxnSp>
+      <p:cxnSp>
+        <p:nvCxnSpPr>
+          <p:cNvPr id="80" name="Gerader Verbinder 79">
+            <a:extLst>
+              <a:ext uri="{FF2B5EF4-FFF2-40B4-BE49-F238E27FC236}">
+                <a16:creationId xmlns:a16="http://schemas.microsoft.com/office/drawing/2014/main" id="{A4DAA243-7E74-8297-9041-DE88F599A123}"/>
+              </a:ext>
+            </a:extLst>
+          </p:cNvPr>
+          <p:cNvCxnSpPr>
+            <a:cxnSpLocks/>
+          </p:cNvCxnSpPr>
+          <p:nvPr/>
+        </p:nvCxnSpPr>
+        <p:spPr>
+          <a:xfrm rot="18900000">
+            <a:off x="743032" y="2224913"/>
+            <a:ext cx="778049" cy="0"/>
+          </a:xfrm>
+          <a:prstGeom prst="line">
+            <a:avLst/>
+          </a:prstGeom>
+          <a:ln w="9525" cap="rnd">
+            <a:solidFill>
+              <a:schemeClr val="tx1"/>
+            </a:solidFill>
+            <a:round/>
+          </a:ln>
+        </p:spPr>
+        <p:style>
+          <a:lnRef idx="2">
+            <a:schemeClr val="accent1"/>
+          </a:lnRef>
+          <a:fillRef idx="0">
+            <a:schemeClr val="accent1"/>
+          </a:fillRef>
+          <a:effectRef idx="1">
+            <a:schemeClr val="accent1"/>
+          </a:effectRef>
+          <a:fontRef idx="minor">
+            <a:schemeClr val="tx1"/>
+          </a:fontRef>
+        </p:style>
+      </p:cxnSp>
+      <p:cxnSp>
+        <p:nvCxnSpPr>
+          <p:cNvPr id="81" name="Gerader Verbinder 80">
+            <a:extLst>
+              <a:ext uri="{FF2B5EF4-FFF2-40B4-BE49-F238E27FC236}">
+                <a16:creationId xmlns:a16="http://schemas.microsoft.com/office/drawing/2014/main" id="{7DB1A4B4-0F28-4BC0-BA3A-33E136696786}"/>
+              </a:ext>
+            </a:extLst>
+          </p:cNvPr>
+          <p:cNvCxnSpPr>
+            <a:cxnSpLocks/>
+          </p:cNvCxnSpPr>
+          <p:nvPr/>
+        </p:nvCxnSpPr>
+        <p:spPr>
+          <a:xfrm rot="18900000">
+            <a:off x="816952" y="2224914"/>
+            <a:ext cx="778049" cy="0"/>
+          </a:xfrm>
+          <a:prstGeom prst="line">
+            <a:avLst/>
+          </a:prstGeom>
+          <a:ln w="9525" cap="rnd">
+            <a:solidFill>
+              <a:schemeClr val="tx1"/>
+            </a:solidFill>
+            <a:round/>
+          </a:ln>
+        </p:spPr>
+        <p:style>
+          <a:lnRef idx="2">
+            <a:schemeClr val="accent1"/>
+          </a:lnRef>
+          <a:fillRef idx="0">
+            <a:schemeClr val="accent1"/>
+          </a:fillRef>
+          <a:effectRef idx="1">
+            <a:schemeClr val="accent1"/>
+          </a:effectRef>
+          <a:fontRef idx="minor">
+            <a:schemeClr val="tx1"/>
+          </a:fontRef>
+        </p:style>
+      </p:cxnSp>
+      <p:cxnSp>
+        <p:nvCxnSpPr>
+          <p:cNvPr id="82" name="Gerader Verbinder 81">
+            <a:extLst>
+              <a:ext uri="{FF2B5EF4-FFF2-40B4-BE49-F238E27FC236}">
+                <a16:creationId xmlns:a16="http://schemas.microsoft.com/office/drawing/2014/main" id="{E01E06E4-85DA-3847-288C-EB658CF06AC9}"/>
+              </a:ext>
+            </a:extLst>
+          </p:cNvPr>
+          <p:cNvCxnSpPr>
+            <a:cxnSpLocks/>
+          </p:cNvCxnSpPr>
+          <p:nvPr/>
+        </p:nvCxnSpPr>
+        <p:spPr>
+          <a:xfrm rot="18900000">
+            <a:off x="890872" y="2224913"/>
+            <a:ext cx="778049" cy="0"/>
+          </a:xfrm>
+          <a:prstGeom prst="line">
+            <a:avLst/>
+          </a:prstGeom>
+          <a:ln w="9525" cap="rnd">
+            <a:solidFill>
+              <a:schemeClr val="tx1"/>
+            </a:solidFill>
+            <a:round/>
+          </a:ln>
+        </p:spPr>
+        <p:style>
+          <a:lnRef idx="2">
+            <a:schemeClr val="accent1"/>
+          </a:lnRef>
+          <a:fillRef idx="0">
+            <a:schemeClr val="accent1"/>
+          </a:fillRef>
+          <a:effectRef idx="1">
+            <a:schemeClr val="accent1"/>
+          </a:effectRef>
+          <a:fontRef idx="minor">
+            <a:schemeClr val="tx1"/>
+          </a:fontRef>
+        </p:style>
+      </p:cxnSp>
+      <p:cxnSp>
+        <p:nvCxnSpPr>
+          <p:cNvPr id="83" name="Gerader Verbinder 82">
+            <a:extLst>
+              <a:ext uri="{FF2B5EF4-FFF2-40B4-BE49-F238E27FC236}">
+                <a16:creationId xmlns:a16="http://schemas.microsoft.com/office/drawing/2014/main" id="{AE766037-D521-3BCE-D449-C394B60DD74F}"/>
+              </a:ext>
+            </a:extLst>
+          </p:cNvPr>
+          <p:cNvCxnSpPr>
+            <a:cxnSpLocks/>
+          </p:cNvCxnSpPr>
+          <p:nvPr/>
+        </p:nvCxnSpPr>
+        <p:spPr>
+          <a:xfrm rot="18900000">
+            <a:off x="964792" y="2224913"/>
+            <a:ext cx="778049" cy="0"/>
+          </a:xfrm>
+          <a:prstGeom prst="line">
+            <a:avLst/>
+          </a:prstGeom>
+          <a:ln w="9525" cap="rnd">
+            <a:solidFill>
+              <a:schemeClr val="tx1"/>
+            </a:solidFill>
+            <a:round/>
+          </a:ln>
+        </p:spPr>
+        <p:style>
+          <a:lnRef idx="2">
+            <a:schemeClr val="accent1"/>
+          </a:lnRef>
+          <a:fillRef idx="0">
+            <a:schemeClr val="accent1"/>
+          </a:fillRef>
+          <a:effectRef idx="1">
+            <a:schemeClr val="accent1"/>
+          </a:effectRef>
+          <a:fontRef idx="minor">
+            <a:schemeClr val="tx1"/>
+          </a:fontRef>
+        </p:style>
+      </p:cxnSp>
+      <p:cxnSp>
+        <p:nvCxnSpPr>
+          <p:cNvPr id="84" name="Gerader Verbinder 83">
+            <a:extLst>
+              <a:ext uri="{FF2B5EF4-FFF2-40B4-BE49-F238E27FC236}">
+                <a16:creationId xmlns:a16="http://schemas.microsoft.com/office/drawing/2014/main" id="{B1CF7104-3185-B763-01B7-D2FE7D04D206}"/>
+              </a:ext>
+            </a:extLst>
+          </p:cNvPr>
+          <p:cNvCxnSpPr>
+            <a:cxnSpLocks/>
+          </p:cNvCxnSpPr>
+          <p:nvPr/>
+        </p:nvCxnSpPr>
+        <p:spPr>
+          <a:xfrm rot="18900000">
+            <a:off x="1038712" y="2224911"/>
+            <a:ext cx="778049" cy="0"/>
+          </a:xfrm>
+          <a:prstGeom prst="line">
+            <a:avLst/>
+          </a:prstGeom>
+          <a:ln w="9525" cap="rnd">
+            <a:solidFill>
+              <a:schemeClr val="tx1"/>
+            </a:solidFill>
+            <a:round/>
+          </a:ln>
+        </p:spPr>
+        <p:style>
+          <a:lnRef idx="2">
+            <a:schemeClr val="accent1"/>
+          </a:lnRef>
+          <a:fillRef idx="0">
+            <a:schemeClr val="accent1"/>
+          </a:fillRef>
+          <a:effectRef idx="1">
+            <a:schemeClr val="accent1"/>
+          </a:effectRef>
+          <a:fontRef idx="minor">
+            <a:schemeClr val="tx1"/>
+          </a:fontRef>
+        </p:style>
+      </p:cxnSp>
+      <p:cxnSp>
+        <p:nvCxnSpPr>
+          <p:cNvPr id="85" name="Gerader Verbinder 84">
+            <a:extLst>
+              <a:ext uri="{FF2B5EF4-FFF2-40B4-BE49-F238E27FC236}">
+                <a16:creationId xmlns:a16="http://schemas.microsoft.com/office/drawing/2014/main" id="{6102A169-8823-5B9B-BD0E-8F6ECC7FEFEC}"/>
+              </a:ext>
+            </a:extLst>
+          </p:cNvPr>
+          <p:cNvCxnSpPr>
+            <a:cxnSpLocks/>
+          </p:cNvCxnSpPr>
+          <p:nvPr/>
+        </p:nvCxnSpPr>
+        <p:spPr>
+          <a:xfrm rot="18900000">
+            <a:off x="1112632" y="2224908"/>
+            <a:ext cx="778049" cy="0"/>
+          </a:xfrm>
+          <a:prstGeom prst="line">
+            <a:avLst/>
+          </a:prstGeom>
+          <a:ln w="9525" cap="rnd">
+            <a:solidFill>
+              <a:schemeClr val="tx1"/>
+            </a:solidFill>
+            <a:round/>
+          </a:ln>
+        </p:spPr>
+        <p:style>
+          <a:lnRef idx="2">
+            <a:schemeClr val="accent1"/>
+          </a:lnRef>
+          <a:fillRef idx="0">
+            <a:schemeClr val="accent1"/>
+          </a:fillRef>
+          <a:effectRef idx="1">
+            <a:schemeClr val="accent1"/>
+          </a:effectRef>
+          <a:fontRef idx="minor">
+            <a:schemeClr val="tx1"/>
+          </a:fontRef>
+        </p:style>
+      </p:cxnSp>
+      <p:cxnSp>
+        <p:nvCxnSpPr>
+          <p:cNvPr id="86" name="Gerader Verbinder 85">
+            <a:extLst>
+              <a:ext uri="{FF2B5EF4-FFF2-40B4-BE49-F238E27FC236}">
+                <a16:creationId xmlns:a16="http://schemas.microsoft.com/office/drawing/2014/main" id="{D918E2E2-684E-A3A0-295B-2B4A676006A3}"/>
+              </a:ext>
+            </a:extLst>
+          </p:cNvPr>
+          <p:cNvCxnSpPr>
+            <a:cxnSpLocks/>
+          </p:cNvCxnSpPr>
+          <p:nvPr/>
+        </p:nvCxnSpPr>
+        <p:spPr>
+          <a:xfrm rot="18900000">
+            <a:off x="1186552" y="2224901"/>
+            <a:ext cx="778049" cy="0"/>
+          </a:xfrm>
+          <a:prstGeom prst="line">
+            <a:avLst/>
+          </a:prstGeom>
+          <a:ln w="9525" cap="rnd">
+            <a:solidFill>
+              <a:schemeClr val="tx1"/>
+            </a:solidFill>
+            <a:round/>
+          </a:ln>
+        </p:spPr>
+        <p:style>
+          <a:lnRef idx="2">
+            <a:schemeClr val="accent1"/>
+          </a:lnRef>
+          <a:fillRef idx="0">
+            <a:schemeClr val="accent1"/>
+          </a:fillRef>
+          <a:effectRef idx="1">
+            <a:schemeClr val="accent1"/>
+          </a:effectRef>
+          <a:fontRef idx="minor">
+            <a:schemeClr val="tx1"/>
+          </a:fontRef>
+        </p:style>
+      </p:cxnSp>
+      <p:cxnSp>
+        <p:nvCxnSpPr>
+          <p:cNvPr id="87" name="Gerader Verbinder 86">
+            <a:extLst>
+              <a:ext uri="{FF2B5EF4-FFF2-40B4-BE49-F238E27FC236}">
+                <a16:creationId xmlns:a16="http://schemas.microsoft.com/office/drawing/2014/main" id="{9CAECC48-D62C-D64E-7CBC-B5600336A632}"/>
+              </a:ext>
+            </a:extLst>
+          </p:cNvPr>
+          <p:cNvCxnSpPr>
+            <a:cxnSpLocks/>
+          </p:cNvCxnSpPr>
+          <p:nvPr/>
+        </p:nvCxnSpPr>
+        <p:spPr>
+          <a:xfrm rot="18900000">
+            <a:off x="1260472" y="2224888"/>
+            <a:ext cx="778049" cy="0"/>
+          </a:xfrm>
+          <a:prstGeom prst="line">
+            <a:avLst/>
+          </a:prstGeom>
+          <a:ln w="9525" cap="rnd">
+            <a:solidFill>
+              <a:schemeClr val="tx1"/>
+            </a:solidFill>
+            <a:round/>
+          </a:ln>
+        </p:spPr>
+        <p:style>
+          <a:lnRef idx="2">
+            <a:schemeClr val="accent1"/>
+          </a:lnRef>
+          <a:fillRef idx="0">
+            <a:schemeClr val="accent1"/>
+          </a:fillRef>
+          <a:effectRef idx="1">
+            <a:schemeClr val="accent1"/>
+          </a:effectRef>
+          <a:fontRef idx="minor">
+            <a:schemeClr val="tx1"/>
+          </a:fontRef>
+        </p:style>
+      </p:cxnSp>
+      <p:cxnSp>
+        <p:nvCxnSpPr>
+          <p:cNvPr id="88" name="Gerader Verbinder 87">
+            <a:extLst>
+              <a:ext uri="{FF2B5EF4-FFF2-40B4-BE49-F238E27FC236}">
+                <a16:creationId xmlns:a16="http://schemas.microsoft.com/office/drawing/2014/main" id="{2AAAA27D-A743-66B1-D562-D3843B216907}"/>
+              </a:ext>
+            </a:extLst>
+          </p:cNvPr>
+          <p:cNvCxnSpPr>
+            <a:cxnSpLocks/>
+          </p:cNvCxnSpPr>
+          <p:nvPr/>
+        </p:nvCxnSpPr>
+        <p:spPr>
+          <a:xfrm rot="18900000">
+            <a:off x="1334392" y="2224889"/>
+            <a:ext cx="778049" cy="0"/>
+          </a:xfrm>
+          <a:prstGeom prst="line">
+            <a:avLst/>
+          </a:prstGeom>
+          <a:ln w="9525" cap="rnd">
+            <a:solidFill>
+              <a:schemeClr val="tx1"/>
+            </a:solidFill>
+            <a:round/>
+          </a:ln>
+        </p:spPr>
+        <p:style>
+          <a:lnRef idx="2">
+            <a:schemeClr val="accent1"/>
+          </a:lnRef>
+          <a:fillRef idx="0">
+            <a:schemeClr val="accent1"/>
+          </a:fillRef>
+          <a:effectRef idx="1">
+            <a:schemeClr val="accent1"/>
+          </a:effectRef>
+          <a:fontRef idx="minor">
+            <a:schemeClr val="tx1"/>
+          </a:fontRef>
+        </p:style>
+      </p:cxnSp>
+      <p:cxnSp>
+        <p:nvCxnSpPr>
+          <p:cNvPr id="89" name="Gerader Verbinder 88">
+            <a:extLst>
+              <a:ext uri="{FF2B5EF4-FFF2-40B4-BE49-F238E27FC236}">
+                <a16:creationId xmlns:a16="http://schemas.microsoft.com/office/drawing/2014/main" id="{4CA7FFC3-253A-3766-D4E6-B14AA22BD5BB}"/>
+              </a:ext>
+            </a:extLst>
+          </p:cNvPr>
+          <p:cNvCxnSpPr>
+            <a:cxnSpLocks/>
+          </p:cNvCxnSpPr>
+          <p:nvPr/>
+        </p:nvCxnSpPr>
+        <p:spPr>
+          <a:xfrm rot="18900000">
+            <a:off x="1408312" y="2224863"/>
+            <a:ext cx="778049" cy="0"/>
+          </a:xfrm>
+          <a:prstGeom prst="line">
+            <a:avLst/>
+          </a:prstGeom>
+          <a:ln w="9525" cap="rnd">
+            <a:solidFill>
+              <a:schemeClr val="tx1"/>
+            </a:solidFill>
+            <a:round/>
+          </a:ln>
+        </p:spPr>
+        <p:style>
+          <a:lnRef idx="2">
+            <a:schemeClr val="accent1"/>
+          </a:lnRef>
+          <a:fillRef idx="0">
+            <a:schemeClr val="accent1"/>
+          </a:fillRef>
+          <a:effectRef idx="1">
+            <a:schemeClr val="accent1"/>
+          </a:effectRef>
+          <a:fontRef idx="minor">
+            <a:schemeClr val="tx1"/>
+          </a:fontRef>
+        </p:style>
+      </p:cxnSp>
+      <p:cxnSp>
+        <p:nvCxnSpPr>
+          <p:cNvPr id="90" name="Gerader Verbinder 89">
+            <a:extLst>
+              <a:ext uri="{FF2B5EF4-FFF2-40B4-BE49-F238E27FC236}">
+                <a16:creationId xmlns:a16="http://schemas.microsoft.com/office/drawing/2014/main" id="{BA500A41-7942-6E7E-E5FA-86CCF6857C0B}"/>
+              </a:ext>
+            </a:extLst>
+          </p:cNvPr>
+          <p:cNvCxnSpPr>
+            <a:cxnSpLocks/>
+          </p:cNvCxnSpPr>
+          <p:nvPr/>
+        </p:nvCxnSpPr>
+        <p:spPr>
+          <a:xfrm rot="18900000">
+            <a:off x="1482232" y="2224810"/>
+            <a:ext cx="778049" cy="0"/>
+          </a:xfrm>
+          <a:prstGeom prst="line">
+            <a:avLst/>
+          </a:prstGeom>
+          <a:ln w="9525" cap="rnd">
+            <a:solidFill>
+              <a:schemeClr val="tx1"/>
+            </a:solidFill>
+            <a:round/>
+          </a:ln>
+        </p:spPr>
+        <p:style>
+          <a:lnRef idx="2">
+            <a:schemeClr val="accent1"/>
+          </a:lnRef>
+          <a:fillRef idx="0">
+            <a:schemeClr val="accent1"/>
+          </a:fillRef>
+          <a:effectRef idx="1">
+            <a:schemeClr val="accent1"/>
+          </a:effectRef>
+          <a:fontRef idx="minor">
+            <a:schemeClr val="tx1"/>
+          </a:fontRef>
+        </p:style>
+      </p:cxnSp>
+      <p:cxnSp>
+        <p:nvCxnSpPr>
+          <p:cNvPr id="91" name="Gerader Verbinder 90">
+            <a:extLst>
+              <a:ext uri="{FF2B5EF4-FFF2-40B4-BE49-F238E27FC236}">
+                <a16:creationId xmlns:a16="http://schemas.microsoft.com/office/drawing/2014/main" id="{3BB5EF17-9952-234B-783C-E2E9A3A939AE}"/>
+              </a:ext>
+            </a:extLst>
+          </p:cNvPr>
+          <p:cNvCxnSpPr>
+            <a:cxnSpLocks/>
+          </p:cNvCxnSpPr>
+          <p:nvPr/>
+        </p:nvCxnSpPr>
+        <p:spPr>
+          <a:xfrm rot="18900000">
+            <a:off x="1556152" y="2224811"/>
+            <a:ext cx="778049" cy="0"/>
+          </a:xfrm>
+          <a:prstGeom prst="line">
+            <a:avLst/>
+          </a:prstGeom>
+          <a:ln w="9525" cap="rnd">
+            <a:solidFill>
+              <a:schemeClr val="tx1"/>
+            </a:solidFill>
+            <a:round/>
+          </a:ln>
+        </p:spPr>
+        <p:style>
+          <a:lnRef idx="2">
+            <a:schemeClr val="accent1"/>
+          </a:lnRef>
+          <a:fillRef idx="0">
+            <a:schemeClr val="accent1"/>
+          </a:fillRef>
+          <a:effectRef idx="1">
+            <a:schemeClr val="accent1"/>
+          </a:effectRef>
+          <a:fontRef idx="minor">
+            <a:schemeClr val="tx1"/>
+          </a:fontRef>
+        </p:style>
+      </p:cxnSp>
+      <p:cxnSp>
+        <p:nvCxnSpPr>
+          <p:cNvPr id="92" name="Gerader Verbinder 91">
+            <a:extLst>
+              <a:ext uri="{FF2B5EF4-FFF2-40B4-BE49-F238E27FC236}">
+                <a16:creationId xmlns:a16="http://schemas.microsoft.com/office/drawing/2014/main" id="{34C907E5-3949-603E-95D0-1963FDD2B840}"/>
+              </a:ext>
+            </a:extLst>
+          </p:cNvPr>
+          <p:cNvCxnSpPr>
+            <a:cxnSpLocks/>
+          </p:cNvCxnSpPr>
+          <p:nvPr/>
+        </p:nvCxnSpPr>
+        <p:spPr>
+          <a:xfrm rot="18900000">
+            <a:off x="1630072" y="2224809"/>
+            <a:ext cx="778049" cy="0"/>
+          </a:xfrm>
+          <a:prstGeom prst="line">
+            <a:avLst/>
+          </a:prstGeom>
+          <a:ln w="9525" cap="rnd">
+            <a:solidFill>
+              <a:schemeClr val="tx1"/>
+            </a:solidFill>
+            <a:round/>
+          </a:ln>
+        </p:spPr>
+        <p:style>
+          <a:lnRef idx="2">
+            <a:schemeClr val="accent1"/>
+          </a:lnRef>
+          <a:fillRef idx="0">
+            <a:schemeClr val="accent1"/>
+          </a:fillRef>
+          <a:effectRef idx="1">
+            <a:schemeClr val="accent1"/>
+          </a:effectRef>
+          <a:fontRef idx="minor">
+            <a:schemeClr val="tx1"/>
+          </a:fontRef>
+        </p:style>
+      </p:cxnSp>
+      <p:cxnSp>
+        <p:nvCxnSpPr>
+          <p:cNvPr id="93" name="Gerader Verbinder 92">
+            <a:extLst>
+              <a:ext uri="{FF2B5EF4-FFF2-40B4-BE49-F238E27FC236}">
+                <a16:creationId xmlns:a16="http://schemas.microsoft.com/office/drawing/2014/main" id="{1725B203-51E6-AE47-1C11-705EF2424F4D}"/>
+              </a:ext>
+            </a:extLst>
+          </p:cNvPr>
+          <p:cNvCxnSpPr>
+            <a:cxnSpLocks/>
+          </p:cNvCxnSpPr>
+          <p:nvPr/>
+        </p:nvCxnSpPr>
+        <p:spPr>
+          <a:xfrm rot="18900000">
+            <a:off x="1703992" y="2224810"/>
+            <a:ext cx="778049" cy="0"/>
+          </a:xfrm>
+          <a:prstGeom prst="line">
+            <a:avLst/>
+          </a:prstGeom>
+          <a:ln w="9525" cap="rnd">
+            <a:solidFill>
+              <a:schemeClr val="tx1"/>
+            </a:solidFill>
+            <a:round/>
+          </a:ln>
+        </p:spPr>
+        <p:style>
+          <a:lnRef idx="2">
+            <a:schemeClr val="accent1"/>
+          </a:lnRef>
+          <a:fillRef idx="0">
+            <a:schemeClr val="accent1"/>
+          </a:fillRef>
+          <a:effectRef idx="1">
+            <a:schemeClr val="accent1"/>
+          </a:effectRef>
+          <a:fontRef idx="minor">
+            <a:schemeClr val="tx1"/>
+          </a:fontRef>
+        </p:style>
+      </p:cxnSp>
+      <p:cxnSp>
+        <p:nvCxnSpPr>
+          <p:cNvPr id="94" name="Gerader Verbinder 93">
+            <a:extLst>
+              <a:ext uri="{FF2B5EF4-FFF2-40B4-BE49-F238E27FC236}">
+                <a16:creationId xmlns:a16="http://schemas.microsoft.com/office/drawing/2014/main" id="{E9BBDD28-BB2A-0BD6-D7E1-FABD3A4EAD07}"/>
+              </a:ext>
+            </a:extLst>
+          </p:cNvPr>
+          <p:cNvCxnSpPr>
+            <a:cxnSpLocks/>
+          </p:cNvCxnSpPr>
+          <p:nvPr/>
+        </p:nvCxnSpPr>
+        <p:spPr>
+          <a:xfrm rot="18900000">
+            <a:off x="1777912" y="2224809"/>
+            <a:ext cx="778049" cy="0"/>
+          </a:xfrm>
+          <a:prstGeom prst="line">
+            <a:avLst/>
+          </a:prstGeom>
+          <a:ln w="9525" cap="rnd">
+            <a:solidFill>
+              <a:schemeClr val="tx1"/>
+            </a:solidFill>
+            <a:round/>
+          </a:ln>
+        </p:spPr>
+        <p:style>
+          <a:lnRef idx="2">
+            <a:schemeClr val="accent1"/>
+          </a:lnRef>
+          <a:fillRef idx="0">
+            <a:schemeClr val="accent1"/>
+          </a:fillRef>
+          <a:effectRef idx="1">
+            <a:schemeClr val="accent1"/>
+          </a:effectRef>
+          <a:fontRef idx="minor">
+            <a:schemeClr val="tx1"/>
+          </a:fontRef>
+        </p:style>
+      </p:cxnSp>
+      <p:cxnSp>
+        <p:nvCxnSpPr>
+          <p:cNvPr id="95" name="Gerader Verbinder 94">
+            <a:extLst>
+              <a:ext uri="{FF2B5EF4-FFF2-40B4-BE49-F238E27FC236}">
+                <a16:creationId xmlns:a16="http://schemas.microsoft.com/office/drawing/2014/main" id="{2A1EA76B-0DA5-E35E-2990-E6DB4C248242}"/>
+              </a:ext>
+            </a:extLst>
+          </p:cNvPr>
+          <p:cNvCxnSpPr>
+            <a:cxnSpLocks/>
+          </p:cNvCxnSpPr>
+          <p:nvPr/>
+        </p:nvCxnSpPr>
+        <p:spPr>
+          <a:xfrm rot="18900000">
+            <a:off x="1851832" y="2224809"/>
+            <a:ext cx="778049" cy="0"/>
+          </a:xfrm>
+          <a:prstGeom prst="line">
+            <a:avLst/>
+          </a:prstGeom>
+          <a:ln w="9525" cap="rnd">
+            <a:solidFill>
+              <a:schemeClr val="tx1"/>
+            </a:solidFill>
+            <a:round/>
+          </a:ln>
+        </p:spPr>
+        <p:style>
+          <a:lnRef idx="2">
+            <a:schemeClr val="accent1"/>
+          </a:lnRef>
+          <a:fillRef idx="0">
+            <a:schemeClr val="accent1"/>
+          </a:fillRef>
+          <a:effectRef idx="1">
+            <a:schemeClr val="accent1"/>
+          </a:effectRef>
+          <a:fontRef idx="minor">
+            <a:schemeClr val="tx1"/>
+          </a:fontRef>
+        </p:style>
+      </p:cxnSp>
+      <p:cxnSp>
+        <p:nvCxnSpPr>
+          <p:cNvPr id="96" name="Gerader Verbinder 95">
+            <a:extLst>
+              <a:ext uri="{FF2B5EF4-FFF2-40B4-BE49-F238E27FC236}">
+                <a16:creationId xmlns:a16="http://schemas.microsoft.com/office/drawing/2014/main" id="{62D89B5D-E9D0-BC1B-4146-D1AA2C8F4067}"/>
+              </a:ext>
+            </a:extLst>
+          </p:cNvPr>
+          <p:cNvCxnSpPr>
+            <a:cxnSpLocks/>
+          </p:cNvCxnSpPr>
+          <p:nvPr/>
+        </p:nvCxnSpPr>
+        <p:spPr>
+          <a:xfrm rot="18900000">
+            <a:off x="1925752" y="2224807"/>
+            <a:ext cx="778049" cy="0"/>
+          </a:xfrm>
+          <a:prstGeom prst="line">
+            <a:avLst/>
+          </a:prstGeom>
+          <a:ln w="9525" cap="rnd">
+            <a:solidFill>
+              <a:schemeClr val="tx1"/>
+            </a:solidFill>
+            <a:round/>
+          </a:ln>
+        </p:spPr>
+        <p:style>
+          <a:lnRef idx="2">
+            <a:schemeClr val="accent1"/>
+          </a:lnRef>
+          <a:fillRef idx="0">
+            <a:schemeClr val="accent1"/>
+          </a:fillRef>
+          <a:effectRef idx="1">
+            <a:schemeClr val="accent1"/>
+          </a:effectRef>
+          <a:fontRef idx="minor">
+            <a:schemeClr val="tx1"/>
+          </a:fontRef>
+        </p:style>
+      </p:cxnSp>
+      <p:cxnSp>
+        <p:nvCxnSpPr>
+          <p:cNvPr id="97" name="Gerader Verbinder 96">
+            <a:extLst>
+              <a:ext uri="{FF2B5EF4-FFF2-40B4-BE49-F238E27FC236}">
+                <a16:creationId xmlns:a16="http://schemas.microsoft.com/office/drawing/2014/main" id="{54010AAD-6C85-1FD0-DF55-8ED791588A28}"/>
+              </a:ext>
+            </a:extLst>
+          </p:cNvPr>
+          <p:cNvCxnSpPr>
+            <a:cxnSpLocks/>
+          </p:cNvCxnSpPr>
+          <p:nvPr/>
+        </p:nvCxnSpPr>
+        <p:spPr>
+          <a:xfrm rot="18900000">
+            <a:off x="1999672" y="2224804"/>
+            <a:ext cx="778049" cy="0"/>
+          </a:xfrm>
+          <a:prstGeom prst="line">
+            <a:avLst/>
+          </a:prstGeom>
+          <a:ln w="9525" cap="rnd">
+            <a:solidFill>
+              <a:schemeClr val="tx1"/>
+            </a:solidFill>
+            <a:round/>
+          </a:ln>
+        </p:spPr>
+        <p:style>
+          <a:lnRef idx="2">
+            <a:schemeClr val="accent1"/>
+          </a:lnRef>
+          <a:fillRef idx="0">
+            <a:schemeClr val="accent1"/>
+          </a:fillRef>
+          <a:effectRef idx="1">
+            <a:schemeClr val="accent1"/>
+          </a:effectRef>
+          <a:fontRef idx="minor">
+            <a:schemeClr val="tx1"/>
+          </a:fontRef>
+        </p:style>
+      </p:cxnSp>
+      <p:cxnSp>
+        <p:nvCxnSpPr>
+          <p:cNvPr id="98" name="Gerader Verbinder 97">
+            <a:extLst>
+              <a:ext uri="{FF2B5EF4-FFF2-40B4-BE49-F238E27FC236}">
+                <a16:creationId xmlns:a16="http://schemas.microsoft.com/office/drawing/2014/main" id="{FBB29BBC-42A2-A381-9C6A-8DBFF9979B8C}"/>
+              </a:ext>
+            </a:extLst>
+          </p:cNvPr>
+          <p:cNvCxnSpPr>
+            <a:cxnSpLocks/>
+          </p:cNvCxnSpPr>
+          <p:nvPr/>
+        </p:nvCxnSpPr>
+        <p:spPr>
+          <a:xfrm rot="18900000">
+            <a:off x="2073592" y="2224797"/>
+            <a:ext cx="778049" cy="0"/>
+          </a:xfrm>
+          <a:prstGeom prst="line">
+            <a:avLst/>
+          </a:prstGeom>
+          <a:ln w="9525" cap="rnd">
+            <a:solidFill>
+              <a:schemeClr val="tx1"/>
+            </a:solidFill>
+            <a:round/>
+          </a:ln>
+        </p:spPr>
+        <p:style>
+          <a:lnRef idx="2">
+            <a:schemeClr val="accent1"/>
+          </a:lnRef>
+          <a:fillRef idx="0">
+            <a:schemeClr val="accent1"/>
+          </a:fillRef>
+          <a:effectRef idx="1">
+            <a:schemeClr val="accent1"/>
+          </a:effectRef>
+          <a:fontRef idx="minor">
+            <a:schemeClr val="tx1"/>
+          </a:fontRef>
+        </p:style>
+      </p:cxnSp>
+      <p:cxnSp>
+        <p:nvCxnSpPr>
+          <p:cNvPr id="99" name="Gerader Verbinder 98">
+            <a:extLst>
+              <a:ext uri="{FF2B5EF4-FFF2-40B4-BE49-F238E27FC236}">
+                <a16:creationId xmlns:a16="http://schemas.microsoft.com/office/drawing/2014/main" id="{2E023CE7-CAD1-7AD8-143E-30E018A53243}"/>
+              </a:ext>
+            </a:extLst>
+          </p:cNvPr>
+          <p:cNvCxnSpPr>
+            <a:cxnSpLocks/>
+          </p:cNvCxnSpPr>
+          <p:nvPr/>
+        </p:nvCxnSpPr>
+        <p:spPr>
+          <a:xfrm rot="18900000">
+            <a:off x="2147512" y="2224784"/>
+            <a:ext cx="778049" cy="0"/>
+          </a:xfrm>
+          <a:prstGeom prst="line">
+            <a:avLst/>
+          </a:prstGeom>
+          <a:ln w="9525" cap="rnd">
+            <a:solidFill>
+              <a:schemeClr val="tx1"/>
+            </a:solidFill>
+            <a:round/>
+          </a:ln>
+        </p:spPr>
+        <p:style>
+          <a:lnRef idx="2">
+            <a:schemeClr val="accent1"/>
+          </a:lnRef>
+          <a:fillRef idx="0">
+            <a:schemeClr val="accent1"/>
+          </a:fillRef>
+          <a:effectRef idx="1">
+            <a:schemeClr val="accent1"/>
+          </a:effectRef>
+          <a:fontRef idx="minor">
+            <a:schemeClr val="tx1"/>
+          </a:fontRef>
+        </p:style>
+      </p:cxnSp>
+      <p:cxnSp>
+        <p:nvCxnSpPr>
+          <p:cNvPr id="100" name="Gerader Verbinder 99">
+            <a:extLst>
+              <a:ext uri="{FF2B5EF4-FFF2-40B4-BE49-F238E27FC236}">
+                <a16:creationId xmlns:a16="http://schemas.microsoft.com/office/drawing/2014/main" id="{78CEE577-511C-6758-65DC-0E2BCA68A7D7}"/>
+              </a:ext>
+            </a:extLst>
+          </p:cNvPr>
+          <p:cNvCxnSpPr>
+            <a:cxnSpLocks/>
+          </p:cNvCxnSpPr>
+          <p:nvPr/>
+        </p:nvCxnSpPr>
+        <p:spPr>
+          <a:xfrm rot="18900000">
+            <a:off x="2221432" y="2224785"/>
+            <a:ext cx="778049" cy="0"/>
+          </a:xfrm>
+          <a:prstGeom prst="line">
+            <a:avLst/>
+          </a:prstGeom>
+          <a:ln w="9525" cap="rnd">
+            <a:solidFill>
+              <a:schemeClr val="tx1"/>
+            </a:solidFill>
+            <a:round/>
+          </a:ln>
+        </p:spPr>
+        <p:style>
+          <a:lnRef idx="2">
+            <a:schemeClr val="accent1"/>
+          </a:lnRef>
+          <a:fillRef idx="0">
+            <a:schemeClr val="accent1"/>
+          </a:fillRef>
+          <a:effectRef idx="1">
+            <a:schemeClr val="accent1"/>
+          </a:effectRef>
+          <a:fontRef idx="minor">
+            <a:schemeClr val="tx1"/>
+          </a:fontRef>
+        </p:style>
+      </p:cxnSp>
+      <p:cxnSp>
+        <p:nvCxnSpPr>
+          <p:cNvPr id="101" name="Gerader Verbinder 100">
+            <a:extLst>
+              <a:ext uri="{FF2B5EF4-FFF2-40B4-BE49-F238E27FC236}">
+                <a16:creationId xmlns:a16="http://schemas.microsoft.com/office/drawing/2014/main" id="{B750CEBF-FDF1-58AE-ACAA-5B2F1FFF44A9}"/>
+              </a:ext>
+            </a:extLst>
+          </p:cNvPr>
+          <p:cNvCxnSpPr>
+            <a:cxnSpLocks/>
+          </p:cNvCxnSpPr>
+          <p:nvPr/>
+        </p:nvCxnSpPr>
+        <p:spPr>
+          <a:xfrm rot="18900000">
+            <a:off x="2295352" y="2224759"/>
+            <a:ext cx="778049" cy="0"/>
+          </a:xfrm>
+          <a:prstGeom prst="line">
+            <a:avLst/>
+          </a:prstGeom>
+          <a:ln w="9525" cap="rnd">
+            <a:solidFill>
+              <a:schemeClr val="tx1"/>
+            </a:solidFill>
+            <a:round/>
+          </a:ln>
+        </p:spPr>
+        <p:style>
+          <a:lnRef idx="2">
+            <a:schemeClr val="accent1"/>
+          </a:lnRef>
+          <a:fillRef idx="0">
+            <a:schemeClr val="accent1"/>
+          </a:fillRef>
+          <a:effectRef idx="1">
+            <a:schemeClr val="accent1"/>
+          </a:effectRef>
+          <a:fontRef idx="minor">
+            <a:schemeClr val="tx1"/>
+          </a:fontRef>
+        </p:style>
+      </p:cxnSp>
+      <p:cxnSp>
+        <p:nvCxnSpPr>
+          <p:cNvPr id="102" name="Gerader Verbinder 101">
+            <a:extLst>
+              <a:ext uri="{FF2B5EF4-FFF2-40B4-BE49-F238E27FC236}">
+                <a16:creationId xmlns:a16="http://schemas.microsoft.com/office/drawing/2014/main" id="{CFFCAFF9-D86B-FAA5-8529-CBA6906AAFB4}"/>
+              </a:ext>
+            </a:extLst>
+          </p:cNvPr>
+          <p:cNvCxnSpPr>
+            <a:cxnSpLocks/>
+          </p:cNvCxnSpPr>
+          <p:nvPr/>
+        </p:nvCxnSpPr>
+        <p:spPr>
+          <a:xfrm rot="18900000">
+            <a:off x="2369272" y="2224603"/>
+            <a:ext cx="778049" cy="0"/>
+          </a:xfrm>
+          <a:prstGeom prst="line">
+            <a:avLst/>
+          </a:prstGeom>
+          <a:ln w="9525" cap="rnd">
+            <a:solidFill>
+              <a:schemeClr val="tx1"/>
+            </a:solidFill>
+            <a:round/>
+          </a:ln>
+        </p:spPr>
+        <p:style>
+          <a:lnRef idx="2">
+            <a:schemeClr val="accent1"/>
+          </a:lnRef>
+          <a:fillRef idx="0">
+            <a:schemeClr val="accent1"/>
+          </a:fillRef>
+          <a:effectRef idx="1">
+            <a:schemeClr val="accent1"/>
+          </a:effectRef>
+          <a:fontRef idx="minor">
+            <a:schemeClr val="tx1"/>
+          </a:fontRef>
+        </p:style>
+      </p:cxnSp>
+      <p:cxnSp>
+        <p:nvCxnSpPr>
+          <p:cNvPr id="103" name="Gerader Verbinder 102">
+            <a:extLst>
+              <a:ext uri="{FF2B5EF4-FFF2-40B4-BE49-F238E27FC236}">
+                <a16:creationId xmlns:a16="http://schemas.microsoft.com/office/drawing/2014/main" id="{04EAF030-42D5-6696-6908-73F2E2F4DFFF}"/>
+              </a:ext>
+            </a:extLst>
+          </p:cNvPr>
+          <p:cNvCxnSpPr>
+            <a:cxnSpLocks/>
+          </p:cNvCxnSpPr>
+          <p:nvPr/>
+        </p:nvCxnSpPr>
+        <p:spPr>
+          <a:xfrm rot="18900000">
+            <a:off x="2443192" y="2224604"/>
+            <a:ext cx="778049" cy="0"/>
+          </a:xfrm>
+          <a:prstGeom prst="line">
+            <a:avLst/>
+          </a:prstGeom>
+          <a:ln w="9525" cap="rnd">
+            <a:solidFill>
+              <a:schemeClr val="tx1"/>
+            </a:solidFill>
+            <a:round/>
+          </a:ln>
+        </p:spPr>
+        <p:style>
+          <a:lnRef idx="2">
+            <a:schemeClr val="accent1"/>
+          </a:lnRef>
+          <a:fillRef idx="0">
+            <a:schemeClr val="accent1"/>
+          </a:fillRef>
+          <a:effectRef idx="1">
+            <a:schemeClr val="accent1"/>
+          </a:effectRef>
+          <a:fontRef idx="minor">
+            <a:schemeClr val="tx1"/>
+          </a:fontRef>
+        </p:style>
+      </p:cxnSp>
+      <p:cxnSp>
+        <p:nvCxnSpPr>
+          <p:cNvPr id="104" name="Gerader Verbinder 103">
+            <a:extLst>
+              <a:ext uri="{FF2B5EF4-FFF2-40B4-BE49-F238E27FC236}">
+                <a16:creationId xmlns:a16="http://schemas.microsoft.com/office/drawing/2014/main" id="{05063A53-911E-5767-23CD-BE0463AAC749}"/>
+              </a:ext>
+            </a:extLst>
+          </p:cNvPr>
+          <p:cNvCxnSpPr>
+            <a:cxnSpLocks/>
+          </p:cNvCxnSpPr>
+          <p:nvPr/>
+        </p:nvCxnSpPr>
+        <p:spPr>
+          <a:xfrm rot="18900000">
+            <a:off x="2517112" y="2224602"/>
+            <a:ext cx="778049" cy="0"/>
+          </a:xfrm>
+          <a:prstGeom prst="line">
+            <a:avLst/>
+          </a:prstGeom>
+          <a:ln w="9525" cap="rnd">
+            <a:solidFill>
+              <a:schemeClr val="tx1"/>
+            </a:solidFill>
+            <a:round/>
+          </a:ln>
+        </p:spPr>
+        <p:style>
+          <a:lnRef idx="2">
+            <a:schemeClr val="accent1"/>
+          </a:lnRef>
+          <a:fillRef idx="0">
+            <a:schemeClr val="accent1"/>
+          </a:fillRef>
+          <a:effectRef idx="1">
+            <a:schemeClr val="accent1"/>
+          </a:effectRef>
+          <a:fontRef idx="minor">
+            <a:schemeClr val="tx1"/>
+          </a:fontRef>
+        </p:style>
+      </p:cxnSp>
+      <p:cxnSp>
+        <p:nvCxnSpPr>
+          <p:cNvPr id="105" name="Gerader Verbinder 104">
+            <a:extLst>
+              <a:ext uri="{FF2B5EF4-FFF2-40B4-BE49-F238E27FC236}">
+                <a16:creationId xmlns:a16="http://schemas.microsoft.com/office/drawing/2014/main" id="{B47535CD-2D9C-5CF2-27F6-651885A517AA}"/>
+              </a:ext>
+            </a:extLst>
+          </p:cNvPr>
+          <p:cNvCxnSpPr>
+            <a:cxnSpLocks/>
+          </p:cNvCxnSpPr>
+          <p:nvPr/>
+        </p:nvCxnSpPr>
+        <p:spPr>
+          <a:xfrm rot="18900000">
+            <a:off x="2591032" y="2224603"/>
+            <a:ext cx="778049" cy="0"/>
+          </a:xfrm>
+          <a:prstGeom prst="line">
+            <a:avLst/>
+          </a:prstGeom>
+          <a:ln w="9525" cap="rnd">
+            <a:solidFill>
+              <a:schemeClr val="tx1"/>
+            </a:solidFill>
+            <a:round/>
+          </a:ln>
+        </p:spPr>
+        <p:style>
+          <a:lnRef idx="2">
+            <a:schemeClr val="accent1"/>
+          </a:lnRef>
+          <a:fillRef idx="0">
+            <a:schemeClr val="accent1"/>
+          </a:fillRef>
+          <a:effectRef idx="1">
+            <a:schemeClr val="accent1"/>
+          </a:effectRef>
+          <a:fontRef idx="minor">
+            <a:schemeClr val="tx1"/>
+          </a:fontRef>
+        </p:style>
+      </p:cxnSp>
+      <p:cxnSp>
+        <p:nvCxnSpPr>
+          <p:cNvPr id="106" name="Gerader Verbinder 105">
+            <a:extLst>
+              <a:ext uri="{FF2B5EF4-FFF2-40B4-BE49-F238E27FC236}">
+                <a16:creationId xmlns:a16="http://schemas.microsoft.com/office/drawing/2014/main" id="{F7F873E4-2AFE-E624-E230-F8A99E14A0FE}"/>
+              </a:ext>
+            </a:extLst>
+          </p:cNvPr>
+          <p:cNvCxnSpPr>
+            <a:cxnSpLocks/>
+          </p:cNvCxnSpPr>
+          <p:nvPr/>
+        </p:nvCxnSpPr>
+        <p:spPr>
+          <a:xfrm rot="18900000">
+            <a:off x="2664952" y="2224602"/>
+            <a:ext cx="778049" cy="0"/>
+          </a:xfrm>
+          <a:prstGeom prst="line">
+            <a:avLst/>
+          </a:prstGeom>
+          <a:ln w="9525" cap="rnd">
+            <a:solidFill>
+              <a:schemeClr val="tx1"/>
+            </a:solidFill>
+            <a:round/>
+          </a:ln>
+        </p:spPr>
+        <p:style>
+          <a:lnRef idx="2">
+            <a:schemeClr val="accent1"/>
+          </a:lnRef>
+          <a:fillRef idx="0">
+            <a:schemeClr val="accent1"/>
+          </a:fillRef>
+          <a:effectRef idx="1">
+            <a:schemeClr val="accent1"/>
+          </a:effectRef>
+          <a:fontRef idx="minor">
+            <a:schemeClr val="tx1"/>
+          </a:fontRef>
+        </p:style>
+      </p:cxnSp>
+      <p:cxnSp>
+        <p:nvCxnSpPr>
+          <p:cNvPr id="107" name="Gerader Verbinder 106">
+            <a:extLst>
+              <a:ext uri="{FF2B5EF4-FFF2-40B4-BE49-F238E27FC236}">
+                <a16:creationId xmlns:a16="http://schemas.microsoft.com/office/drawing/2014/main" id="{60FF6139-E4C2-D5DA-848D-54DEA3039129}"/>
+              </a:ext>
+            </a:extLst>
+          </p:cNvPr>
+          <p:cNvCxnSpPr>
+            <a:cxnSpLocks/>
+          </p:cNvCxnSpPr>
+          <p:nvPr/>
+        </p:nvCxnSpPr>
+        <p:spPr>
+          <a:xfrm rot="18900000">
+            <a:off x="2738872" y="2224602"/>
+            <a:ext cx="778049" cy="0"/>
+          </a:xfrm>
+          <a:prstGeom prst="line">
+            <a:avLst/>
+          </a:prstGeom>
+          <a:ln w="9525" cap="rnd">
+            <a:solidFill>
+              <a:schemeClr val="tx1"/>
+            </a:solidFill>
+            <a:round/>
+          </a:ln>
+        </p:spPr>
+        <p:style>
+          <a:lnRef idx="2">
+            <a:schemeClr val="accent1"/>
+          </a:lnRef>
+          <a:fillRef idx="0">
+            <a:schemeClr val="accent1"/>
+          </a:fillRef>
+          <a:effectRef idx="1">
+            <a:schemeClr val="accent1"/>
+          </a:effectRef>
+          <a:fontRef idx="minor">
+            <a:schemeClr val="tx1"/>
+          </a:fontRef>
+        </p:style>
+      </p:cxnSp>
+      <p:cxnSp>
+        <p:nvCxnSpPr>
+          <p:cNvPr id="108" name="Gerader Verbinder 107">
+            <a:extLst>
+              <a:ext uri="{FF2B5EF4-FFF2-40B4-BE49-F238E27FC236}">
+                <a16:creationId xmlns:a16="http://schemas.microsoft.com/office/drawing/2014/main" id="{57FBEBA2-C9BE-6696-CE54-AF2F73A56F80}"/>
+              </a:ext>
+            </a:extLst>
+          </p:cNvPr>
+          <p:cNvCxnSpPr>
+            <a:cxnSpLocks/>
+          </p:cNvCxnSpPr>
+          <p:nvPr/>
+        </p:nvCxnSpPr>
+        <p:spPr>
+          <a:xfrm rot="18900000">
+            <a:off x="2812792" y="2224600"/>
+            <a:ext cx="778049" cy="0"/>
+          </a:xfrm>
+          <a:prstGeom prst="line">
+            <a:avLst/>
+          </a:prstGeom>
+          <a:ln w="9525" cap="rnd">
+            <a:solidFill>
+              <a:schemeClr val="tx1"/>
+            </a:solidFill>
+            <a:round/>
+          </a:ln>
+        </p:spPr>
+        <p:style>
+          <a:lnRef idx="2">
+            <a:schemeClr val="accent1"/>
+          </a:lnRef>
+          <a:fillRef idx="0">
+            <a:schemeClr val="accent1"/>
+          </a:fillRef>
+          <a:effectRef idx="1">
+            <a:schemeClr val="accent1"/>
+          </a:effectRef>
+          <a:fontRef idx="minor">
+            <a:schemeClr val="tx1"/>
+          </a:fontRef>
+        </p:style>
+      </p:cxnSp>
+      <p:cxnSp>
+        <p:nvCxnSpPr>
+          <p:cNvPr id="109" name="Gerader Verbinder 108">
+            <a:extLst>
+              <a:ext uri="{FF2B5EF4-FFF2-40B4-BE49-F238E27FC236}">
+                <a16:creationId xmlns:a16="http://schemas.microsoft.com/office/drawing/2014/main" id="{EDD7330B-CCD1-5693-741D-3088EFF96F0E}"/>
+              </a:ext>
+            </a:extLst>
+          </p:cNvPr>
+          <p:cNvCxnSpPr>
+            <a:cxnSpLocks/>
+          </p:cNvCxnSpPr>
+          <p:nvPr/>
+        </p:nvCxnSpPr>
+        <p:spPr>
+          <a:xfrm rot="18900000">
+            <a:off x="2886712" y="2224597"/>
+            <a:ext cx="778049" cy="0"/>
+          </a:xfrm>
+          <a:prstGeom prst="line">
+            <a:avLst/>
+          </a:prstGeom>
+          <a:ln w="9525" cap="rnd">
+            <a:solidFill>
+              <a:schemeClr val="tx1"/>
+            </a:solidFill>
+            <a:round/>
+          </a:ln>
+        </p:spPr>
+        <p:style>
+          <a:lnRef idx="2">
+            <a:schemeClr val="accent1"/>
+          </a:lnRef>
+          <a:fillRef idx="0">
+            <a:schemeClr val="accent1"/>
+          </a:fillRef>
+          <a:effectRef idx="1">
+            <a:schemeClr val="accent1"/>
+          </a:effectRef>
+          <a:fontRef idx="minor">
+            <a:schemeClr val="tx1"/>
+          </a:fontRef>
+        </p:style>
+      </p:cxnSp>
+      <p:cxnSp>
+        <p:nvCxnSpPr>
+          <p:cNvPr id="110" name="Gerader Verbinder 109">
+            <a:extLst>
+              <a:ext uri="{FF2B5EF4-FFF2-40B4-BE49-F238E27FC236}">
+                <a16:creationId xmlns:a16="http://schemas.microsoft.com/office/drawing/2014/main" id="{2A784D3C-4B28-ED7B-5128-D40374FA3C62}"/>
+              </a:ext>
+            </a:extLst>
+          </p:cNvPr>
+          <p:cNvCxnSpPr>
+            <a:cxnSpLocks/>
+          </p:cNvCxnSpPr>
+          <p:nvPr/>
+        </p:nvCxnSpPr>
+        <p:spPr>
+          <a:xfrm rot="18900000">
+            <a:off x="2960632" y="2224590"/>
+            <a:ext cx="778049" cy="0"/>
+          </a:xfrm>
+          <a:prstGeom prst="line">
+            <a:avLst/>
+          </a:prstGeom>
+          <a:ln w="9525" cap="rnd">
+            <a:solidFill>
+              <a:schemeClr val="tx1"/>
+            </a:solidFill>
+            <a:round/>
+          </a:ln>
+        </p:spPr>
+        <p:style>
+          <a:lnRef idx="2">
+            <a:schemeClr val="accent1"/>
+          </a:lnRef>
+          <a:fillRef idx="0">
+            <a:schemeClr val="accent1"/>
+          </a:fillRef>
+          <a:effectRef idx="1">
+            <a:schemeClr val="accent1"/>
+          </a:effectRef>
+          <a:fontRef idx="minor">
+            <a:schemeClr val="tx1"/>
+          </a:fontRef>
+        </p:style>
+      </p:cxnSp>
+      <p:sp>
+        <p:nvSpPr>
+          <p:cNvPr id="119" name="Rechteck 118">
+            <a:extLst>
+              <a:ext uri="{FF2B5EF4-FFF2-40B4-BE49-F238E27FC236}">
+                <a16:creationId xmlns:a16="http://schemas.microsoft.com/office/drawing/2014/main" id="{70EE6998-5CE7-58BE-B95E-91E62B896AE8}"/>
+              </a:ext>
+            </a:extLst>
+          </p:cNvPr>
+          <p:cNvSpPr/>
+          <p:nvPr/>
+        </p:nvSpPr>
+        <p:spPr>
+          <a:xfrm>
+            <a:off x="219514" y="548014"/>
+            <a:ext cx="3168383" cy="2157608"/>
+          </a:xfrm>
+          <a:prstGeom prst="rect">
+            <a:avLst/>
+          </a:prstGeom>
+          <a:noFill/>
+          <a:ln w="508000">
+            <a:solidFill>
+              <a:schemeClr val="bg1"/>
+            </a:solidFill>
+          </a:ln>
+        </p:spPr>
+        <p:style>
+          <a:lnRef idx="2">
+            <a:schemeClr val="accent1">
+              <a:shade val="15000"/>
+            </a:schemeClr>
+          </a:lnRef>
+          <a:fillRef idx="1">
+            <a:schemeClr val="accent1"/>
+          </a:fillRef>
+          <a:effectRef idx="0">
+            <a:schemeClr val="accent1"/>
+          </a:effectRef>
+          <a:fontRef idx="minor">
+            <a:schemeClr val="lt1"/>
+          </a:fontRef>
+        </p:style>
+        <p:txBody>
+          <a:bodyPr rtlCol="0" anchor="ctr"/>
+          <a:lstStyle/>
+          <a:p>
+            <a:pPr algn="ctr"/>
+            <a:endParaRPr lang="de-DE"/>
+          </a:p>
+        </p:txBody>
+      </p:sp>
+      <p:cxnSp>
+        <p:nvCxnSpPr>
+          <p:cNvPr id="120" name="Gerader Verbinder 119">
+            <a:extLst>
+              <a:ext uri="{FF2B5EF4-FFF2-40B4-BE49-F238E27FC236}">
+                <a16:creationId xmlns:a16="http://schemas.microsoft.com/office/drawing/2014/main" id="{483F9436-D8EA-B3C4-D0C4-0D1AC44BB2C1}"/>
+              </a:ext>
+            </a:extLst>
+          </p:cNvPr>
+          <p:cNvCxnSpPr>
+            <a:cxnSpLocks/>
+          </p:cNvCxnSpPr>
+          <p:nvPr/>
+        </p:nvCxnSpPr>
+        <p:spPr>
+          <a:xfrm>
+            <a:off x="1924579" y="1311725"/>
+            <a:ext cx="0" cy="638002"/>
+          </a:xfrm>
+          <a:prstGeom prst="line">
+            <a:avLst/>
+          </a:prstGeom>
+          <a:ln w="12700" cap="rnd">
+            <a:solidFill>
+              <a:schemeClr val="tx1"/>
+            </a:solidFill>
+            <a:round/>
+          </a:ln>
+        </p:spPr>
+        <p:style>
+          <a:lnRef idx="2">
+            <a:schemeClr val="accent1"/>
+          </a:lnRef>
+          <a:fillRef idx="0">
+            <a:schemeClr val="accent1"/>
+          </a:fillRef>
+          <a:effectRef idx="1">
+            <a:schemeClr val="accent1"/>
+          </a:effectRef>
+          <a:fontRef idx="minor">
+            <a:schemeClr val="tx1"/>
+          </a:fontRef>
+        </p:style>
+      </p:cxnSp>
+      <p:sp>
+        <p:nvSpPr>
+          <p:cNvPr id="387" name="Textfeld 386">
+            <a:extLst>
+              <a:ext uri="{FF2B5EF4-FFF2-40B4-BE49-F238E27FC236}">
+                <a16:creationId xmlns:a16="http://schemas.microsoft.com/office/drawing/2014/main" id="{9F5B7C7A-C0DF-F532-7F9B-334542C4B1D5}"/>
+              </a:ext>
+            </a:extLst>
+          </p:cNvPr>
+          <p:cNvSpPr txBox="1"/>
+          <p:nvPr/>
+        </p:nvSpPr>
+        <p:spPr>
+          <a:xfrm>
+            <a:off x="1919851" y="1292270"/>
+            <a:ext cx="289560" cy="338554"/>
+          </a:xfrm>
+          <a:prstGeom prst="rect">
+            <a:avLst/>
+          </a:prstGeom>
+          <a:noFill/>
+        </p:spPr>
+        <p:txBody>
+          <a:bodyPr wrap="square" rtlCol="0" anchor="ctr">
+            <a:spAutoFit/>
+          </a:bodyPr>
+          <a:lstStyle/>
+          <a:p>
+            <a:pPr algn="ctr"/>
+            <a:r>
+              <a:rPr lang="de-DE" sz="1600" dirty="0">
+                <a:latin typeface="CMU Serif" panose="02000603000000000000" pitchFamily="2" charset="0"/>
+                <a:ea typeface="CMU Serif" panose="02000603000000000000" pitchFamily="2" charset="0"/>
+                <a:cs typeface="CMU Serif" panose="02000603000000000000" pitchFamily="2" charset="0"/>
+              </a:rPr>
+              <a:t>2</a:t>
+            </a:r>
+          </a:p>
+        </p:txBody>
+      </p:sp>
+      <p:sp>
+        <p:nvSpPr>
+          <p:cNvPr id="388" name="Textfeld 387">
+            <a:extLst>
+              <a:ext uri="{FF2B5EF4-FFF2-40B4-BE49-F238E27FC236}">
+                <a16:creationId xmlns:a16="http://schemas.microsoft.com/office/drawing/2014/main" id="{F7E3EB8B-7203-E116-BDB5-B215220E5E2E}"/>
+              </a:ext>
+            </a:extLst>
+          </p:cNvPr>
+          <p:cNvSpPr txBox="1"/>
+          <p:nvPr/>
+        </p:nvSpPr>
+        <p:spPr>
+          <a:xfrm>
+            <a:off x="1636770" y="1292282"/>
+            <a:ext cx="289560" cy="338554"/>
+          </a:xfrm>
+          <a:prstGeom prst="rect">
+            <a:avLst/>
+          </a:prstGeom>
+          <a:noFill/>
+        </p:spPr>
+        <p:txBody>
+          <a:bodyPr wrap="square" rtlCol="0" anchor="ctr">
+            <a:spAutoFit/>
+          </a:bodyPr>
+          <a:lstStyle/>
+          <a:p>
+            <a:pPr algn="ctr"/>
+            <a:r>
+              <a:rPr lang="de-DE" sz="1600" dirty="0">
+                <a:latin typeface="CMU Serif" panose="02000603000000000000" pitchFamily="2" charset="0"/>
+                <a:ea typeface="CMU Serif" panose="02000603000000000000" pitchFamily="2" charset="0"/>
+                <a:cs typeface="CMU Serif" panose="02000603000000000000" pitchFamily="2" charset="0"/>
+              </a:rPr>
+              <a:t>1</a:t>
+            </a:r>
+          </a:p>
+        </p:txBody>
+      </p:sp>
+      <p:cxnSp>
+        <p:nvCxnSpPr>
+          <p:cNvPr id="389" name="Gerade Verbindung mit Pfeil 388">
+            <a:extLst>
+              <a:ext uri="{FF2B5EF4-FFF2-40B4-BE49-F238E27FC236}">
+                <a16:creationId xmlns:a16="http://schemas.microsoft.com/office/drawing/2014/main" id="{867CDF9B-D81E-DF1F-7612-D0242AF2F198}"/>
+              </a:ext>
+            </a:extLst>
+          </p:cNvPr>
+          <p:cNvCxnSpPr>
+            <a:cxnSpLocks/>
+          </p:cNvCxnSpPr>
+          <p:nvPr/>
+        </p:nvCxnSpPr>
+        <p:spPr>
+          <a:xfrm>
+            <a:off x="853160" y="1631265"/>
+            <a:ext cx="368757" cy="0"/>
+          </a:xfrm>
+          <a:prstGeom prst="straightConnector1">
+            <a:avLst/>
+          </a:prstGeom>
+          <a:ln w="15875" cap="rnd">
+            <a:solidFill>
+              <a:schemeClr val="accent1"/>
+            </a:solidFill>
+            <a:round/>
+            <a:headEnd w="med" len="med"/>
+            <a:tailEnd type="stealth" w="lg" len="lg"/>
+          </a:ln>
+        </p:spPr>
+        <p:style>
+          <a:lnRef idx="2">
+            <a:schemeClr val="dk1"/>
+          </a:lnRef>
+          <a:fillRef idx="0">
+            <a:schemeClr val="dk1"/>
+          </a:fillRef>
+          <a:effectRef idx="1">
+            <a:schemeClr val="dk1"/>
+          </a:effectRef>
+          <a:fontRef idx="minor">
+            <a:schemeClr val="tx1"/>
+          </a:fontRef>
+        </p:style>
+      </p:cxnSp>
+      <p:cxnSp>
+        <p:nvCxnSpPr>
+          <p:cNvPr id="391" name="Gerade Verbindung mit Pfeil 390">
+            <a:extLst>
+              <a:ext uri="{FF2B5EF4-FFF2-40B4-BE49-F238E27FC236}">
+                <a16:creationId xmlns:a16="http://schemas.microsoft.com/office/drawing/2014/main" id="{D5BCBE6E-7F02-C20F-7C91-82464238C6E5}"/>
+              </a:ext>
+            </a:extLst>
+          </p:cNvPr>
+          <p:cNvCxnSpPr>
+            <a:cxnSpLocks/>
+          </p:cNvCxnSpPr>
+          <p:nvPr/>
+        </p:nvCxnSpPr>
+        <p:spPr>
+          <a:xfrm>
+            <a:off x="2331560" y="1636485"/>
+            <a:ext cx="368757" cy="0"/>
+          </a:xfrm>
+          <a:prstGeom prst="straightConnector1">
+            <a:avLst/>
+          </a:prstGeom>
+          <a:ln w="15875" cap="rnd">
+            <a:solidFill>
+              <a:schemeClr val="accent1"/>
+            </a:solidFill>
+            <a:round/>
+            <a:headEnd w="med" len="med"/>
+            <a:tailEnd type="stealth" w="lg" len="lg"/>
+          </a:ln>
+        </p:spPr>
+        <p:style>
+          <a:lnRef idx="2">
+            <a:schemeClr val="dk1"/>
+          </a:lnRef>
+          <a:fillRef idx="0">
+            <a:schemeClr val="dk1"/>
+          </a:fillRef>
+          <a:effectRef idx="1">
+            <a:schemeClr val="dk1"/>
+          </a:effectRef>
+          <a:fontRef idx="minor">
+            <a:schemeClr val="tx1"/>
+          </a:fontRef>
+        </p:style>
+      </p:cxnSp>
+      <p:sp>
+        <p:nvSpPr>
+          <p:cNvPr id="392" name="Freihandform: Form 391">
+            <a:extLst>
+              <a:ext uri="{FF2B5EF4-FFF2-40B4-BE49-F238E27FC236}">
+                <a16:creationId xmlns:a16="http://schemas.microsoft.com/office/drawing/2014/main" id="{252EBB8A-18F0-2F23-2F0E-54D56FDC660C}"/>
+              </a:ext>
+            </a:extLst>
+          </p:cNvPr>
+          <p:cNvSpPr/>
+          <p:nvPr/>
+        </p:nvSpPr>
+        <p:spPr>
+          <a:xfrm>
+            <a:off x="1925878" y="1784960"/>
+            <a:ext cx="468334" cy="764086"/>
+          </a:xfrm>
+          <a:custGeom>
+            <a:avLst/>
+            <a:gdLst>
+              <a:gd name="csX0" fmla="*/ 0 w 598118"/>
+              <a:gd name="csY0" fmla="*/ 0 h 1086633"/>
+              <a:gd name="csX1" fmla="*/ 382044 w 598118"/>
+              <a:gd name="csY1" fmla="*/ 413359 h 1086633"/>
+              <a:gd name="csX2" fmla="*/ 598118 w 598118"/>
+              <a:gd name="csY2" fmla="*/ 1086633 h 1086633"/>
+            </a:gdLst>
+            <a:ahLst/>
+            <a:cxnLst>
+              <a:cxn ang="0">
+                <a:pos x="csX0" y="csY0"/>
+              </a:cxn>
+              <a:cxn ang="0">
+                <a:pos x="csX1" y="csY1"/>
+              </a:cxn>
+              <a:cxn ang="0">
+                <a:pos x="csX2" y="csY2"/>
+              </a:cxn>
+            </a:cxnLst>
+            <a:rect l="l" t="t" r="r" b="b"/>
+            <a:pathLst>
+              <a:path w="598118" h="1086633">
+                <a:moveTo>
+                  <a:pt x="0" y="0"/>
+                </a:moveTo>
+                <a:cubicBezTo>
+                  <a:pt x="141179" y="116126"/>
+                  <a:pt x="282358" y="232253"/>
+                  <a:pt x="382044" y="413359"/>
+                </a:cubicBezTo>
+                <a:cubicBezTo>
+                  <a:pt x="481730" y="594465"/>
+                  <a:pt x="539924" y="840549"/>
+                  <a:pt x="598118" y="1086633"/>
+                </a:cubicBezTo>
+              </a:path>
+            </a:pathLst>
+          </a:custGeom>
+          <a:noFill/>
+          <a:ln w="6350" cap="rnd">
+            <a:round/>
+          </a:ln>
+        </p:spPr>
+        <p:style>
+          <a:lnRef idx="2">
+            <a:schemeClr val="accent1">
+              <a:shade val="15000"/>
+            </a:schemeClr>
+          </a:lnRef>
+          <a:fillRef idx="1">
+            <a:schemeClr val="accent1"/>
+          </a:fillRef>
+          <a:effectRef idx="0">
+            <a:schemeClr val="accent1"/>
+          </a:effectRef>
+          <a:fontRef idx="minor">
+            <a:schemeClr val="lt1"/>
+          </a:fontRef>
+        </p:style>
+        <p:txBody>
+          <a:bodyPr rtlCol="0" anchor="ctr"/>
+          <a:lstStyle/>
+          <a:p>
+            <a:pPr algn="ctr"/>
+            <a:endParaRPr lang="de-DE"/>
+          </a:p>
+        </p:txBody>
+      </p:sp>
+      <p:sp>
+        <p:nvSpPr>
+          <p:cNvPr id="393" name="Textfeld 392">
+            <a:extLst>
+              <a:ext uri="{FF2B5EF4-FFF2-40B4-BE49-F238E27FC236}">
+                <a16:creationId xmlns:a16="http://schemas.microsoft.com/office/drawing/2014/main" id="{BB472CC7-7DB7-473C-1F37-D36AACDCAFD4}"/>
+              </a:ext>
+            </a:extLst>
+          </p:cNvPr>
+          <p:cNvSpPr txBox="1"/>
+          <p:nvPr/>
+        </p:nvSpPr>
+        <p:spPr>
+          <a:xfrm>
+            <a:off x="2082446" y="2500036"/>
+            <a:ext cx="665280" cy="338554"/>
+          </a:xfrm>
+          <a:prstGeom prst="rect">
+            <a:avLst/>
+          </a:prstGeom>
+          <a:noFill/>
+        </p:spPr>
+        <p:txBody>
+          <a:bodyPr wrap="square" rtlCol="0" anchor="ctr">
+            <a:spAutoFit/>
+          </a:bodyPr>
+          <a:lstStyle/>
+          <a:p>
+            <a:pPr algn="ctr"/>
+            <a:r>
+              <a:rPr lang="de-DE" sz="1600" dirty="0">
+                <a:latin typeface="CMU Serif" panose="02000603000000000000" pitchFamily="2" charset="0"/>
+                <a:ea typeface="CMU Serif" panose="02000603000000000000" pitchFamily="2" charset="0"/>
+                <a:cs typeface="CMU Serif" panose="02000603000000000000" pitchFamily="2" charset="0"/>
+              </a:rPr>
+              <a:t>Stoß</a:t>
+            </a:r>
+          </a:p>
+        </p:txBody>
+      </p:sp>
+    </p:spTree>
+    <p:extLst>
+      <p:ext uri="{BB962C8B-B14F-4D97-AF65-F5344CB8AC3E}">
+        <p14:creationId xmlns:p14="http://schemas.microsoft.com/office/powerpoint/2010/main" val="4051486901"/>
+      </p:ext>
+    </p:extLst>
+  </p:cSld>
+  <p:clrMapOvr>
+    <a:masterClrMapping/>
+  </p:clrMapOvr>
+</p:sld>
+</file>
+
+<file path=ppt/slides/slide22.xml><?xml version="1.0" encoding="utf-8"?>
+<p:sld xmlns:a="http://schemas.openxmlformats.org/drawingml/2006/main" xmlns:r="http://schemas.openxmlformats.org/officeDocument/2006/relationships" xmlns:p="http://schemas.openxmlformats.org/presentationml/2006/main">
+  <p:cSld>
+    <p:spTree>
+      <p:nvGrpSpPr>
+        <p:cNvPr id="1" name="">
+          <a:extLst>
+            <a:ext uri="{FF2B5EF4-FFF2-40B4-BE49-F238E27FC236}">
               <a16:creationId xmlns:a16="http://schemas.microsoft.com/office/drawing/2014/main" id="{570FDEEB-AEB3-2357-8179-899994449936}"/>
+            </a:ext>
+          </a:extLst>
+        </p:cNvPr>
+        <p:cNvGrpSpPr/>
+        <p:nvPr/>
+      </p:nvGrpSpPr>
+      <p:grpSpPr>
+        <a:xfrm>
+          <a:off x="0" y="0"/>
+          <a:ext cx="0" cy="0"/>
+          <a:chOff x="0" y="0"/>
+          <a:chExt cx="0" cy="0"/>
+        </a:xfrm>
+      </p:grpSpPr>
+      <p:grpSp>
+        <p:nvGrpSpPr>
+          <p:cNvPr id="49" name="Gruppieren 48">
+            <a:extLst>
+              <a:ext uri="{FF2B5EF4-FFF2-40B4-BE49-F238E27FC236}">
+                <a16:creationId xmlns:a16="http://schemas.microsoft.com/office/drawing/2014/main" id="{EA1D6029-E445-0C55-0200-C806F3C3A168}"/>
+              </a:ext>
+            </a:extLst>
+          </p:cNvPr>
+          <p:cNvGrpSpPr/>
+          <p:nvPr/>
+        </p:nvGrpSpPr>
+        <p:grpSpPr>
+          <a:xfrm>
+            <a:off x="508697" y="837428"/>
+            <a:ext cx="2541205" cy="2109161"/>
+            <a:chOff x="508697" y="837428"/>
+            <a:chExt cx="2541205" cy="2109161"/>
+          </a:xfrm>
+        </p:grpSpPr>
+        <p:cxnSp>
+          <p:nvCxnSpPr>
+            <p:cNvPr id="3" name="Gerade Verbindung mit Pfeil 2">
+              <a:extLst>
+                <a:ext uri="{FF2B5EF4-FFF2-40B4-BE49-F238E27FC236}">
+                  <a16:creationId xmlns:a16="http://schemas.microsoft.com/office/drawing/2014/main" id="{5640878E-ADAD-E2FE-691D-2FE6F4C87CFF}"/>
+                </a:ext>
+              </a:extLst>
+            </p:cNvPr>
+            <p:cNvCxnSpPr>
+              <a:cxnSpLocks/>
+            </p:cNvCxnSpPr>
+            <p:nvPr/>
+          </p:nvCxnSpPr>
+          <p:spPr>
+            <a:xfrm>
+              <a:off x="864905" y="2528788"/>
+              <a:ext cx="1727321" cy="0"/>
+            </a:xfrm>
+            <a:prstGeom prst="straightConnector1">
+              <a:avLst/>
+            </a:prstGeom>
+            <a:ln w="12700" cap="rnd">
+              <a:solidFill>
+                <a:schemeClr val="tx1"/>
+              </a:solidFill>
+              <a:round/>
+              <a:tailEnd type="stealth"/>
+            </a:ln>
+          </p:spPr>
+          <p:style>
+            <a:lnRef idx="2">
+              <a:schemeClr val="accent1"/>
+            </a:lnRef>
+            <a:fillRef idx="0">
+              <a:schemeClr val="accent1"/>
+            </a:fillRef>
+            <a:effectRef idx="1">
+              <a:schemeClr val="accent1"/>
+            </a:effectRef>
+            <a:fontRef idx="minor">
+              <a:schemeClr val="tx1"/>
+            </a:fontRef>
+          </p:style>
+        </p:cxnSp>
+        <p:cxnSp>
+          <p:nvCxnSpPr>
+            <p:cNvPr id="4" name="Gerade Verbindung mit Pfeil 3">
+              <a:extLst>
+                <a:ext uri="{FF2B5EF4-FFF2-40B4-BE49-F238E27FC236}">
+                  <a16:creationId xmlns:a16="http://schemas.microsoft.com/office/drawing/2014/main" id="{5752F034-9D0E-0E09-43A7-56229FF78E05}"/>
+                </a:ext>
+              </a:extLst>
+            </p:cNvPr>
+            <p:cNvCxnSpPr>
+              <a:cxnSpLocks/>
+            </p:cNvCxnSpPr>
+            <p:nvPr/>
+          </p:nvCxnSpPr>
+          <p:spPr>
+            <a:xfrm flipV="1">
+              <a:off x="975412" y="892479"/>
+              <a:ext cx="0" cy="1699400"/>
+            </a:xfrm>
+            <a:prstGeom prst="straightConnector1">
+              <a:avLst/>
+            </a:prstGeom>
+            <a:ln w="12700" cap="rnd">
+              <a:solidFill>
+                <a:schemeClr val="tx1"/>
+              </a:solidFill>
+              <a:round/>
+              <a:tailEnd type="stealth"/>
+            </a:ln>
+          </p:spPr>
+          <p:style>
+            <a:lnRef idx="2">
+              <a:schemeClr val="accent1"/>
+            </a:lnRef>
+            <a:fillRef idx="0">
+              <a:schemeClr val="accent1"/>
+            </a:fillRef>
+            <a:effectRef idx="1">
+              <a:schemeClr val="accent1"/>
+            </a:effectRef>
+            <a:fontRef idx="minor">
+              <a:schemeClr val="tx1"/>
+            </a:fontRef>
+          </p:style>
+        </p:cxnSp>
+        <p:grpSp>
+          <p:nvGrpSpPr>
+            <p:cNvPr id="12" name="Gruppieren 11">
+              <a:extLst>
+                <a:ext uri="{FF2B5EF4-FFF2-40B4-BE49-F238E27FC236}">
+                  <a16:creationId xmlns:a16="http://schemas.microsoft.com/office/drawing/2014/main" id="{01043070-E88A-C152-6970-7F88B1E8431D}"/>
+                </a:ext>
+              </a:extLst>
+            </p:cNvPr>
+            <p:cNvGrpSpPr/>
+            <p:nvPr/>
+          </p:nvGrpSpPr>
+          <p:grpSpPr>
+            <a:xfrm>
+              <a:off x="508697" y="837428"/>
+              <a:ext cx="507425" cy="430887"/>
+              <a:chOff x="555670" y="846823"/>
+              <a:chExt cx="507425" cy="430887"/>
+            </a:xfrm>
+          </p:grpSpPr>
+          <p:sp>
+            <p:nvSpPr>
+              <p:cNvPr id="5" name="Textfeld 4">
+                <a:extLst>
+                  <a:ext uri="{FF2B5EF4-FFF2-40B4-BE49-F238E27FC236}">
+                    <a16:creationId xmlns:a16="http://schemas.microsoft.com/office/drawing/2014/main" id="{2D448731-853D-CE88-99A6-4ACF4EA02E3D}"/>
+                  </a:ext>
+                </a:extLst>
+              </p:cNvPr>
+              <p:cNvSpPr txBox="1"/>
+              <p:nvPr/>
+            </p:nvSpPr>
+            <p:spPr>
+              <a:xfrm>
+                <a:off x="555670" y="846823"/>
+                <a:ext cx="507425" cy="430887"/>
+              </a:xfrm>
+              <a:prstGeom prst="rect">
+                <a:avLst/>
+              </a:prstGeom>
+              <a:noFill/>
+            </p:spPr>
+            <p:txBody>
+              <a:bodyPr wrap="square" rtlCol="0" anchor="ctr">
+                <a:spAutoFit/>
+              </a:bodyPr>
+              <a:lstStyle/>
+              <a:p>
+                <a:pPr algn="ctr"/>
+                <a:r>
+                  <a:rPr lang="de-DE" sz="1100" i="1" dirty="0">
+                    <a:latin typeface="CMU Serif" panose="02000603000000000000" pitchFamily="2" charset="0"/>
+                    <a:ea typeface="CMU Serif" panose="02000603000000000000" pitchFamily="2" charset="0"/>
+                    <a:cs typeface="CMU Serif" panose="02000603000000000000" pitchFamily="2" charset="0"/>
+                  </a:rPr>
+                  <a:t>p</a:t>
+                </a:r>
+                <a:r>
+                  <a:rPr lang="de-DE" sz="1100" baseline="-25000" dirty="0">
+                    <a:latin typeface="CMU Serif" panose="02000603000000000000" pitchFamily="2" charset="0"/>
+                    <a:ea typeface="CMU Serif" panose="02000603000000000000" pitchFamily="2" charset="0"/>
+                    <a:cs typeface="CMU Serif" panose="02000603000000000000" pitchFamily="2" charset="0"/>
+                  </a:rPr>
+                  <a:t>2</a:t>
+                </a:r>
+              </a:p>
+              <a:p>
+                <a:pPr algn="ctr"/>
+                <a:r>
+                  <a:rPr lang="de-DE" sz="1100" i="1" dirty="0">
+                    <a:latin typeface="CMU Serif" panose="02000603000000000000" pitchFamily="2" charset="0"/>
+                    <a:ea typeface="CMU Serif" panose="02000603000000000000" pitchFamily="2" charset="0"/>
+                    <a:cs typeface="CMU Serif" panose="02000603000000000000" pitchFamily="2" charset="0"/>
+                  </a:rPr>
+                  <a:t>p</a:t>
+                </a:r>
+                <a:r>
+                  <a:rPr lang="de-DE" sz="1100" baseline="-25000" dirty="0">
+                    <a:latin typeface="CMU Serif" panose="02000603000000000000" pitchFamily="2" charset="0"/>
+                    <a:ea typeface="CMU Serif" panose="02000603000000000000" pitchFamily="2" charset="0"/>
+                    <a:cs typeface="CMU Serif" panose="02000603000000000000" pitchFamily="2" charset="0"/>
+                  </a:rPr>
+                  <a:t>1</a:t>
+                </a:r>
+              </a:p>
+            </p:txBody>
+          </p:sp>
+          <p:cxnSp>
+            <p:nvCxnSpPr>
+              <p:cNvPr id="11" name="Gerader Verbinder 10">
+                <a:extLst>
+                  <a:ext uri="{FF2B5EF4-FFF2-40B4-BE49-F238E27FC236}">
+                    <a16:creationId xmlns:a16="http://schemas.microsoft.com/office/drawing/2014/main" id="{9D90DD4D-75E0-9150-16D1-C98384DA004F}"/>
+                  </a:ext>
+                </a:extLst>
+              </p:cNvPr>
+              <p:cNvCxnSpPr/>
+              <p:nvPr/>
+            </p:nvCxnSpPr>
+            <p:spPr>
+              <a:xfrm>
+                <a:off x="718894" y="1083221"/>
+                <a:ext cx="180975" cy="0"/>
+              </a:xfrm>
+              <a:prstGeom prst="line">
+                <a:avLst/>
+              </a:prstGeom>
+              <a:ln w="6350"/>
+            </p:spPr>
+            <p:style>
+              <a:lnRef idx="2">
+                <a:schemeClr val="dk1"/>
+              </a:lnRef>
+              <a:fillRef idx="0">
+                <a:schemeClr val="dk1"/>
+              </a:fillRef>
+              <a:effectRef idx="1">
+                <a:schemeClr val="dk1"/>
+              </a:effectRef>
+              <a:fontRef idx="minor">
+                <a:schemeClr val="tx1"/>
+              </a:fontRef>
+            </p:style>
+          </p:cxnSp>
+        </p:grpSp>
+        <p:grpSp>
+          <p:nvGrpSpPr>
+            <p:cNvPr id="13" name="Gruppieren 12">
+              <a:extLst>
+                <a:ext uri="{FF2B5EF4-FFF2-40B4-BE49-F238E27FC236}">
+                  <a16:creationId xmlns:a16="http://schemas.microsoft.com/office/drawing/2014/main" id="{332B37F2-16F8-D3E1-8052-35AC12BD6CEA}"/>
+                </a:ext>
+              </a:extLst>
+            </p:cNvPr>
+            <p:cNvGrpSpPr/>
+            <p:nvPr/>
+          </p:nvGrpSpPr>
+          <p:grpSpPr>
+            <a:xfrm>
+              <a:off x="816344" y="2577257"/>
+              <a:ext cx="708229" cy="369332"/>
+              <a:chOff x="555670" y="877600"/>
+              <a:chExt cx="507425" cy="369332"/>
+            </a:xfrm>
+          </p:grpSpPr>
+          <p:sp>
+            <p:nvSpPr>
+              <p:cNvPr id="14" name="Textfeld 13">
+                <a:extLst>
+                  <a:ext uri="{FF2B5EF4-FFF2-40B4-BE49-F238E27FC236}">
+                    <a16:creationId xmlns:a16="http://schemas.microsoft.com/office/drawing/2014/main" id="{BF35FF89-2DC3-4798-34EB-15EAD0F58985}"/>
+                  </a:ext>
+                </a:extLst>
+              </p:cNvPr>
+              <p:cNvSpPr txBox="1"/>
+              <p:nvPr/>
+            </p:nvSpPr>
+            <p:spPr>
+              <a:xfrm>
+                <a:off x="555670" y="877600"/>
+                <a:ext cx="507425" cy="369332"/>
+              </a:xfrm>
+              <a:prstGeom prst="rect">
+                <a:avLst/>
+              </a:prstGeom>
+              <a:noFill/>
+            </p:spPr>
+            <p:txBody>
+              <a:bodyPr wrap="square" rtlCol="0" anchor="ctr">
+                <a:spAutoFit/>
+              </a:bodyPr>
+              <a:lstStyle/>
+              <a:p>
+                <a:pPr algn="ctr"/>
+                <a:r>
+                  <a:rPr lang="de-DE" sz="900" i="1" dirty="0">
+                    <a:latin typeface="Latin Modern Math" panose="02000503000000000000" pitchFamily="50" charset="0"/>
+                    <a:ea typeface="Latin Modern Math" panose="02000503000000000000" pitchFamily="50" charset="0"/>
+                    <a:cs typeface="CMU Serif" panose="02000603000000000000" pitchFamily="2" charset="0"/>
+                  </a:rPr>
+                  <a:t>κ</a:t>
+                </a:r>
+                <a:r>
+                  <a:rPr lang="de-DE" sz="900" baseline="-25000" dirty="0">
+                    <a:latin typeface="CMU Serif" panose="02000603000000000000" pitchFamily="2" charset="0"/>
+                    <a:ea typeface="CMU Serif" panose="02000603000000000000" pitchFamily="2" charset="0"/>
+                    <a:cs typeface="CMU Serif" panose="02000603000000000000" pitchFamily="2" charset="0"/>
+                  </a:rPr>
+                  <a:t> </a:t>
+                </a:r>
+                <a:r>
+                  <a:rPr lang="de-DE" sz="900" dirty="0">
+                    <a:latin typeface="CMU Serif" panose="02000603000000000000" pitchFamily="2" charset="0"/>
+                    <a:ea typeface="CMU Serif" panose="02000603000000000000" pitchFamily="2" charset="0"/>
+                    <a:cs typeface="CMU Serif" panose="02000603000000000000" pitchFamily="2" charset="0"/>
+                  </a:rPr>
+                  <a:t>+</a:t>
+                </a:r>
+                <a:r>
+                  <a:rPr lang="de-DE" sz="900" dirty="0">
+                    <a:latin typeface="Latin Modern Math" panose="02000503000000000000" pitchFamily="50" charset="0"/>
+                    <a:ea typeface="Latin Modern Math" panose="02000503000000000000" pitchFamily="50" charset="0"/>
+                    <a:cs typeface="CMU Serif" panose="02000603000000000000" pitchFamily="2" charset="0"/>
+                  </a:rPr>
+                  <a:t>1</a:t>
+                </a:r>
+                <a:endParaRPr lang="de-DE" sz="900" baseline="-25000" dirty="0">
+                  <a:latin typeface="CMU Serif" panose="02000603000000000000" pitchFamily="2" charset="0"/>
+                  <a:ea typeface="CMU Serif" panose="02000603000000000000" pitchFamily="2" charset="0"/>
+                  <a:cs typeface="CMU Serif" panose="02000603000000000000" pitchFamily="2" charset="0"/>
+                </a:endParaRPr>
+              </a:p>
+              <a:p>
+                <a:pPr algn="ctr"/>
+                <a:r>
+                  <a:rPr lang="de-DE" sz="900" i="1" dirty="0">
+                    <a:latin typeface="Latin Modern Math" panose="02000503000000000000" pitchFamily="50" charset="0"/>
+                    <a:ea typeface="Latin Modern Math" panose="02000503000000000000" pitchFamily="50" charset="0"/>
+                    <a:cs typeface="CMU Serif" panose="02000603000000000000" pitchFamily="2" charset="0"/>
+                  </a:rPr>
+                  <a:t>κ</a:t>
+                </a:r>
+                <a:r>
+                  <a:rPr lang="de-DE" sz="900" baseline="-25000" dirty="0">
+                    <a:latin typeface="CMU Serif" panose="02000603000000000000" pitchFamily="2" charset="0"/>
+                    <a:ea typeface="CMU Serif" panose="02000603000000000000" pitchFamily="2" charset="0"/>
+                    <a:cs typeface="CMU Serif" panose="02000603000000000000" pitchFamily="2" charset="0"/>
+                  </a:rPr>
+                  <a:t> </a:t>
+                </a:r>
+                <a:r>
+                  <a:rPr lang="de-DE" sz="900" dirty="0">
+                    <a:latin typeface="Latin Modern Math" panose="02000503000000000000" pitchFamily="50" charset="0"/>
+                    <a:ea typeface="Latin Modern Math" panose="02000503000000000000" pitchFamily="50" charset="0"/>
+                    <a:cs typeface="CMU Serif" panose="02000603000000000000" pitchFamily="2" charset="0"/>
+                  </a:rPr>
+                  <a:t>−1</a:t>
+                </a:r>
+                <a:endParaRPr lang="de-DE" sz="900" baseline="-25000" dirty="0">
+                  <a:latin typeface="CMU Serif" panose="02000603000000000000" pitchFamily="2" charset="0"/>
+                  <a:ea typeface="CMU Serif" panose="02000603000000000000" pitchFamily="2" charset="0"/>
+                  <a:cs typeface="CMU Serif" panose="02000603000000000000" pitchFamily="2" charset="0"/>
+                </a:endParaRPr>
+              </a:p>
+            </p:txBody>
+          </p:sp>
+          <p:cxnSp>
+            <p:nvCxnSpPr>
+              <p:cNvPr id="15" name="Gerader Verbinder 14">
+                <a:extLst>
+                  <a:ext uri="{FF2B5EF4-FFF2-40B4-BE49-F238E27FC236}">
+                    <a16:creationId xmlns:a16="http://schemas.microsoft.com/office/drawing/2014/main" id="{C8756E81-31D9-2F85-AEB1-48E597DB6CE4}"/>
+                  </a:ext>
+                </a:extLst>
+              </p:cNvPr>
+              <p:cNvCxnSpPr>
+                <a:cxnSpLocks/>
+              </p:cNvCxnSpPr>
+              <p:nvPr/>
+            </p:nvCxnSpPr>
+            <p:spPr>
+              <a:xfrm>
+                <a:off x="712701" y="1043216"/>
+                <a:ext cx="190704" cy="0"/>
+              </a:xfrm>
+              <a:prstGeom prst="line">
+                <a:avLst/>
+              </a:prstGeom>
+              <a:ln w="6350"/>
+            </p:spPr>
+            <p:style>
+              <a:lnRef idx="2">
+                <a:schemeClr val="dk1"/>
+              </a:lnRef>
+              <a:fillRef idx="0">
+                <a:schemeClr val="dk1"/>
+              </a:fillRef>
+              <a:effectRef idx="1">
+                <a:schemeClr val="dk1"/>
+              </a:effectRef>
+              <a:fontRef idx="minor">
+                <a:schemeClr val="tx1"/>
+              </a:fontRef>
+            </p:style>
+          </p:cxnSp>
+        </p:grpSp>
+        <p:cxnSp>
+          <p:nvCxnSpPr>
+            <p:cNvPr id="18" name="Gerader Verbinder 17">
+              <a:extLst>
+                <a:ext uri="{FF2B5EF4-FFF2-40B4-BE49-F238E27FC236}">
+                  <a16:creationId xmlns:a16="http://schemas.microsoft.com/office/drawing/2014/main" id="{14D0670E-12A3-0AD9-6CF4-B996EDB9325B}"/>
+                </a:ext>
+              </a:extLst>
+            </p:cNvPr>
+            <p:cNvCxnSpPr/>
+            <p:nvPr/>
+          </p:nvCxnSpPr>
+          <p:spPr>
+            <a:xfrm>
+              <a:off x="2425717" y="2463295"/>
+              <a:ext cx="0" cy="128584"/>
+            </a:xfrm>
+            <a:prstGeom prst="line">
+              <a:avLst/>
+            </a:prstGeom>
+            <a:ln w="12700" cap="rnd">
+              <a:solidFill>
+                <a:schemeClr val="tx1"/>
+              </a:solidFill>
+              <a:round/>
+            </a:ln>
+          </p:spPr>
+          <p:style>
+            <a:lnRef idx="2">
+              <a:schemeClr val="accent1"/>
+            </a:lnRef>
+            <a:fillRef idx="0">
+              <a:schemeClr val="accent1"/>
+            </a:fillRef>
+            <a:effectRef idx="1">
+              <a:schemeClr val="accent1"/>
+            </a:effectRef>
+            <a:fontRef idx="minor">
+              <a:schemeClr val="tx1"/>
+            </a:fontRef>
+          </p:style>
+        </p:cxnSp>
+        <p:cxnSp>
+          <p:nvCxnSpPr>
+            <p:cNvPr id="19" name="Gerader Verbinder 18">
+              <a:extLst>
+                <a:ext uri="{FF2B5EF4-FFF2-40B4-BE49-F238E27FC236}">
+                  <a16:creationId xmlns:a16="http://schemas.microsoft.com/office/drawing/2014/main" id="{F3C3CD1D-54D0-AF45-3B5D-9B5940FC4920}"/>
+                </a:ext>
+              </a:extLst>
+            </p:cNvPr>
+            <p:cNvCxnSpPr>
+              <a:cxnSpLocks/>
+            </p:cNvCxnSpPr>
+            <p:nvPr/>
+          </p:nvCxnSpPr>
+          <p:spPr>
+            <a:xfrm>
+              <a:off x="915404" y="2275649"/>
+              <a:ext cx="120015" cy="0"/>
+            </a:xfrm>
+            <a:prstGeom prst="line">
+              <a:avLst/>
+            </a:prstGeom>
+            <a:ln w="12700" cap="rnd">
+              <a:solidFill>
+                <a:schemeClr val="tx1"/>
+              </a:solidFill>
+              <a:round/>
+            </a:ln>
+          </p:spPr>
+          <p:style>
+            <a:lnRef idx="2">
+              <a:schemeClr val="accent1"/>
+            </a:lnRef>
+            <a:fillRef idx="0">
+              <a:schemeClr val="accent1"/>
+            </a:fillRef>
+            <a:effectRef idx="1">
+              <a:schemeClr val="accent1"/>
+            </a:effectRef>
+            <a:fontRef idx="minor">
+              <a:schemeClr val="tx1"/>
+            </a:fontRef>
+          </p:style>
+        </p:cxnSp>
+        <p:cxnSp>
+          <p:nvCxnSpPr>
+            <p:cNvPr id="21" name="Gerader Verbinder 20">
+              <a:extLst>
+                <a:ext uri="{FF2B5EF4-FFF2-40B4-BE49-F238E27FC236}">
+                  <a16:creationId xmlns:a16="http://schemas.microsoft.com/office/drawing/2014/main" id="{964F2D4A-51CF-4118-8495-C6E28BFAC038}"/>
+                </a:ext>
+              </a:extLst>
+            </p:cNvPr>
+            <p:cNvCxnSpPr/>
+            <p:nvPr/>
+          </p:nvCxnSpPr>
+          <p:spPr>
+            <a:xfrm>
+              <a:off x="1172227" y="2462590"/>
+              <a:ext cx="0" cy="128584"/>
+            </a:xfrm>
+            <a:prstGeom prst="line">
+              <a:avLst/>
+            </a:prstGeom>
+            <a:ln w="12700" cap="rnd">
+              <a:solidFill>
+                <a:schemeClr val="tx1"/>
+              </a:solidFill>
+              <a:round/>
+            </a:ln>
+          </p:spPr>
+          <p:style>
+            <a:lnRef idx="2">
+              <a:schemeClr val="accent1"/>
+            </a:lnRef>
+            <a:fillRef idx="0">
+              <a:schemeClr val="accent1"/>
+            </a:fillRef>
+            <a:effectRef idx="1">
+              <a:schemeClr val="accent1"/>
+            </a:effectRef>
+            <a:fontRef idx="minor">
+              <a:schemeClr val="tx1"/>
+            </a:fontRef>
+          </p:style>
+        </p:cxnSp>
+        <p:cxnSp>
+          <p:nvCxnSpPr>
+            <p:cNvPr id="22" name="Gerader Verbinder 21">
+              <a:extLst>
+                <a:ext uri="{FF2B5EF4-FFF2-40B4-BE49-F238E27FC236}">
+                  <a16:creationId xmlns:a16="http://schemas.microsoft.com/office/drawing/2014/main" id="{424303FB-20ED-3E03-F34D-14FF26182B35}"/>
+                </a:ext>
+              </a:extLst>
+            </p:cNvPr>
+            <p:cNvCxnSpPr>
+              <a:cxnSpLocks/>
+            </p:cNvCxnSpPr>
+            <p:nvPr/>
+          </p:nvCxnSpPr>
+          <p:spPr>
+            <a:xfrm>
+              <a:off x="975411" y="2275649"/>
+              <a:ext cx="1450306" cy="0"/>
+            </a:xfrm>
+            <a:prstGeom prst="line">
+              <a:avLst/>
+            </a:prstGeom>
+            <a:ln w="6350" cap="rnd">
+              <a:solidFill>
+                <a:schemeClr val="tx1"/>
+              </a:solidFill>
+              <a:prstDash val="sysDash"/>
+              <a:round/>
+            </a:ln>
+          </p:spPr>
+          <p:style>
+            <a:lnRef idx="2">
+              <a:schemeClr val="accent1"/>
+            </a:lnRef>
+            <a:fillRef idx="0">
+              <a:schemeClr val="accent1"/>
+            </a:fillRef>
+            <a:effectRef idx="1">
+              <a:schemeClr val="accent1"/>
+            </a:effectRef>
+            <a:fontRef idx="minor">
+              <a:schemeClr val="tx1"/>
+            </a:fontRef>
+          </p:style>
+        </p:cxnSp>
+        <p:sp>
+          <p:nvSpPr>
+            <p:cNvPr id="24" name="Freihandform: Form 23">
+              <a:extLst>
+                <a:ext uri="{FF2B5EF4-FFF2-40B4-BE49-F238E27FC236}">
+                  <a16:creationId xmlns:a16="http://schemas.microsoft.com/office/drawing/2014/main" id="{1C72756B-A290-53DF-2E07-FEDDE4012CDE}"/>
+                </a:ext>
+              </a:extLst>
+            </p:cNvPr>
+            <p:cNvSpPr/>
+            <p:nvPr/>
+          </p:nvSpPr>
+          <p:spPr>
+            <a:xfrm>
+              <a:off x="1325516" y="992635"/>
+              <a:ext cx="1100202" cy="1280160"/>
+            </a:xfrm>
+            <a:custGeom>
+              <a:avLst/>
+              <a:gdLst>
+                <a:gd name="csX0" fmla="*/ 0 w 1064895"/>
+                <a:gd name="csY0" fmla="*/ 0 h 1280160"/>
+                <a:gd name="csX1" fmla="*/ 232410 w 1064895"/>
+                <a:gd name="csY1" fmla="*/ 889635 h 1280160"/>
+                <a:gd name="csX2" fmla="*/ 1064895 w 1064895"/>
+                <a:gd name="csY2" fmla="*/ 1280160 h 1280160"/>
+              </a:gdLst>
+              <a:ahLst/>
+              <a:cxnLst>
+                <a:cxn ang="0">
+                  <a:pos x="csX0" y="csY0"/>
+                </a:cxn>
+                <a:cxn ang="0">
+                  <a:pos x="csX1" y="csY1"/>
+                </a:cxn>
+                <a:cxn ang="0">
+                  <a:pos x="csX2" y="csY2"/>
+                </a:cxn>
+              </a:cxnLst>
+              <a:rect l="l" t="t" r="r" b="b"/>
+              <a:pathLst>
+                <a:path w="1064895" h="1280160">
+                  <a:moveTo>
+                    <a:pt x="0" y="0"/>
+                  </a:moveTo>
+                  <a:cubicBezTo>
+                    <a:pt x="27464" y="338137"/>
+                    <a:pt x="54928" y="676275"/>
+                    <a:pt x="232410" y="889635"/>
+                  </a:cubicBezTo>
+                  <a:cubicBezTo>
+                    <a:pt x="409892" y="1102995"/>
+                    <a:pt x="737393" y="1191577"/>
+                    <a:pt x="1064895" y="1280160"/>
+                  </a:cubicBezTo>
+                </a:path>
+              </a:pathLst>
+            </a:custGeom>
+            <a:noFill/>
+            <a:ln w="12700" cap="rnd">
+              <a:solidFill>
+                <a:schemeClr val="accent3"/>
+              </a:solidFill>
+              <a:round/>
+            </a:ln>
+          </p:spPr>
+          <p:style>
+            <a:lnRef idx="2">
+              <a:schemeClr val="accent1">
+                <a:shade val="15000"/>
+              </a:schemeClr>
+            </a:lnRef>
+            <a:fillRef idx="1">
+              <a:schemeClr val="accent1"/>
+            </a:fillRef>
+            <a:effectRef idx="0">
+              <a:schemeClr val="accent1"/>
+            </a:effectRef>
+            <a:fontRef idx="minor">
+              <a:schemeClr val="lt1"/>
+            </a:fontRef>
+          </p:style>
+          <p:txBody>
+            <a:bodyPr rtlCol="0" anchor="ctr"/>
+            <a:lstStyle/>
+            <a:p>
+              <a:pPr algn="ctr"/>
+              <a:endParaRPr lang="de-DE"/>
+            </a:p>
+          </p:txBody>
+        </p:sp>
+        <p:sp>
+          <p:nvSpPr>
+            <p:cNvPr id="25" name="Freihandform: Form 24">
+              <a:extLst>
+                <a:ext uri="{FF2B5EF4-FFF2-40B4-BE49-F238E27FC236}">
+                  <a16:creationId xmlns:a16="http://schemas.microsoft.com/office/drawing/2014/main" id="{DE98003F-57D2-C158-B58D-7CB1086E1B0E}"/>
+                </a:ext>
+              </a:extLst>
+            </p:cNvPr>
+            <p:cNvSpPr/>
+            <p:nvPr/>
+          </p:nvSpPr>
+          <p:spPr>
+            <a:xfrm>
+              <a:off x="1233012" y="1192659"/>
+              <a:ext cx="1192705" cy="1080135"/>
+            </a:xfrm>
+            <a:custGeom>
+              <a:avLst/>
+              <a:gdLst>
+                <a:gd name="csX0" fmla="*/ 0 w 1064895"/>
+                <a:gd name="csY0" fmla="*/ 0 h 1280160"/>
+                <a:gd name="csX1" fmla="*/ 232410 w 1064895"/>
+                <a:gd name="csY1" fmla="*/ 889635 h 1280160"/>
+                <a:gd name="csX2" fmla="*/ 1064895 w 1064895"/>
+                <a:gd name="csY2" fmla="*/ 1280160 h 1280160"/>
+              </a:gdLst>
+              <a:ahLst/>
+              <a:cxnLst>
+                <a:cxn ang="0">
+                  <a:pos x="csX0" y="csY0"/>
+                </a:cxn>
+                <a:cxn ang="0">
+                  <a:pos x="csX1" y="csY1"/>
+                </a:cxn>
+                <a:cxn ang="0">
+                  <a:pos x="csX2" y="csY2"/>
+                </a:cxn>
+              </a:cxnLst>
+              <a:rect l="l" t="t" r="r" b="b"/>
+              <a:pathLst>
+                <a:path w="1064895" h="1280160">
+                  <a:moveTo>
+                    <a:pt x="0" y="0"/>
+                  </a:moveTo>
+                  <a:cubicBezTo>
+                    <a:pt x="27464" y="338137"/>
+                    <a:pt x="54928" y="676275"/>
+                    <a:pt x="232410" y="889635"/>
+                  </a:cubicBezTo>
+                  <a:cubicBezTo>
+                    <a:pt x="409892" y="1102995"/>
+                    <a:pt x="737393" y="1191577"/>
+                    <a:pt x="1064895" y="1280160"/>
+                  </a:cubicBezTo>
+                </a:path>
+              </a:pathLst>
+            </a:custGeom>
+            <a:noFill/>
+            <a:ln w="12700" cap="rnd">
+              <a:solidFill>
+                <a:schemeClr val="accent3"/>
+              </a:solidFill>
+              <a:round/>
+            </a:ln>
+          </p:spPr>
+          <p:style>
+            <a:lnRef idx="2">
+              <a:schemeClr val="accent1">
+                <a:shade val="15000"/>
+              </a:schemeClr>
+            </a:lnRef>
+            <a:fillRef idx="1">
+              <a:schemeClr val="accent1"/>
+            </a:fillRef>
+            <a:effectRef idx="0">
+              <a:schemeClr val="accent1"/>
+            </a:effectRef>
+            <a:fontRef idx="minor">
+              <a:schemeClr val="lt1"/>
+            </a:fontRef>
+          </p:style>
+          <p:txBody>
+            <a:bodyPr rtlCol="0" anchor="ctr"/>
+            <a:lstStyle/>
+            <a:p>
+              <a:pPr algn="ctr"/>
+              <a:endParaRPr lang="de-DE"/>
+            </a:p>
+          </p:txBody>
+        </p:sp>
+        <p:cxnSp>
+          <p:nvCxnSpPr>
+            <p:cNvPr id="27" name="Gerader Verbinder 26">
+              <a:extLst>
+                <a:ext uri="{FF2B5EF4-FFF2-40B4-BE49-F238E27FC236}">
+                  <a16:creationId xmlns:a16="http://schemas.microsoft.com/office/drawing/2014/main" id="{F4B204BE-8A6B-9C83-8653-36476FA299B2}"/>
+                </a:ext>
+              </a:extLst>
+            </p:cNvPr>
+            <p:cNvCxnSpPr>
+              <a:cxnSpLocks/>
+              <a:stCxn id="25" idx="2"/>
+            </p:cNvCxnSpPr>
+            <p:nvPr/>
+          </p:nvCxnSpPr>
+          <p:spPr>
+            <a:xfrm flipH="1" flipV="1">
+              <a:off x="1370600" y="1389830"/>
+              <a:ext cx="1055117" cy="882964"/>
+            </a:xfrm>
+            <a:prstGeom prst="line">
+              <a:avLst/>
+            </a:prstGeom>
+            <a:ln w="9525" cap="rnd">
+              <a:solidFill>
+                <a:schemeClr val="accent3"/>
+              </a:solidFill>
+              <a:round/>
+            </a:ln>
+          </p:spPr>
+          <p:style>
+            <a:lnRef idx="2">
+              <a:schemeClr val="accent1"/>
+            </a:lnRef>
+            <a:fillRef idx="0">
+              <a:schemeClr val="accent1"/>
+            </a:fillRef>
+            <a:effectRef idx="1">
+              <a:schemeClr val="accent1"/>
+            </a:effectRef>
+            <a:fontRef idx="minor">
+              <a:schemeClr val="tx1"/>
+            </a:fontRef>
+          </p:style>
+        </p:cxnSp>
+        <p:sp>
+          <p:nvSpPr>
+            <p:cNvPr id="28" name="Ellipse 27">
+              <a:extLst>
+                <a:ext uri="{FF2B5EF4-FFF2-40B4-BE49-F238E27FC236}">
+                  <a16:creationId xmlns:a16="http://schemas.microsoft.com/office/drawing/2014/main" id="{111498CE-1783-4131-5734-6A4AFFE19AAC}"/>
+                </a:ext>
+              </a:extLst>
+            </p:cNvPr>
+            <p:cNvSpPr/>
+            <p:nvPr/>
+          </p:nvSpPr>
+          <p:spPr>
+            <a:xfrm>
+              <a:off x="1350247" y="1372385"/>
+              <a:ext cx="45719" cy="45719"/>
+            </a:xfrm>
+            <a:prstGeom prst="ellipse">
+              <a:avLst/>
+            </a:prstGeom>
+            <a:noFill/>
+            <a:ln w="6350">
+              <a:solidFill>
+                <a:schemeClr val="accent3"/>
+              </a:solidFill>
+            </a:ln>
+          </p:spPr>
+          <p:style>
+            <a:lnRef idx="2">
+              <a:schemeClr val="accent1">
+                <a:shade val="15000"/>
+              </a:schemeClr>
+            </a:lnRef>
+            <a:fillRef idx="1">
+              <a:schemeClr val="accent1"/>
+            </a:fillRef>
+            <a:effectRef idx="0">
+              <a:schemeClr val="accent1"/>
+            </a:effectRef>
+            <a:fontRef idx="minor">
+              <a:schemeClr val="lt1"/>
+            </a:fontRef>
+          </p:style>
+          <p:txBody>
+            <a:bodyPr rtlCol="0" anchor="ctr"/>
+            <a:lstStyle/>
+            <a:p>
+              <a:pPr algn="ctr"/>
+              <a:endParaRPr lang="de-DE"/>
+            </a:p>
+          </p:txBody>
+        </p:sp>
+        <p:sp>
+          <p:nvSpPr>
+            <p:cNvPr id="29" name="Ellipse 28">
+              <a:extLst>
+                <a:ext uri="{FF2B5EF4-FFF2-40B4-BE49-F238E27FC236}">
+                  <a16:creationId xmlns:a16="http://schemas.microsoft.com/office/drawing/2014/main" id="{78EDA269-2594-692B-F34D-07E633DC53D9}"/>
+                </a:ext>
+              </a:extLst>
+            </p:cNvPr>
+            <p:cNvSpPr/>
+            <p:nvPr/>
+          </p:nvSpPr>
+          <p:spPr>
+            <a:xfrm>
+              <a:off x="2400352" y="2249935"/>
+              <a:ext cx="45719" cy="45719"/>
+            </a:xfrm>
+            <a:prstGeom prst="ellipse">
+              <a:avLst/>
+            </a:prstGeom>
+            <a:noFill/>
+            <a:ln w="6350">
+              <a:solidFill>
+                <a:schemeClr val="accent3"/>
+              </a:solidFill>
+            </a:ln>
+          </p:spPr>
+          <p:style>
+            <a:lnRef idx="2">
+              <a:schemeClr val="accent1">
+                <a:shade val="15000"/>
+              </a:schemeClr>
+            </a:lnRef>
+            <a:fillRef idx="1">
+              <a:schemeClr val="accent1"/>
+            </a:fillRef>
+            <a:effectRef idx="0">
+              <a:schemeClr val="accent1"/>
+            </a:effectRef>
+            <a:fontRef idx="minor">
+              <a:schemeClr val="lt1"/>
+            </a:fontRef>
+          </p:style>
+          <p:txBody>
+            <a:bodyPr rtlCol="0" anchor="ctr"/>
+            <a:lstStyle/>
+            <a:p>
+              <a:pPr algn="ctr"/>
+              <a:endParaRPr lang="de-DE"/>
+            </a:p>
+          </p:txBody>
+        </p:sp>
+        <p:cxnSp>
+          <p:nvCxnSpPr>
+            <p:cNvPr id="30" name="Gerader Verbinder 29">
+              <a:extLst>
+                <a:ext uri="{FF2B5EF4-FFF2-40B4-BE49-F238E27FC236}">
+                  <a16:creationId xmlns:a16="http://schemas.microsoft.com/office/drawing/2014/main" id="{42B33C77-69E2-08C2-AB2B-662AAC3ACF13}"/>
+                </a:ext>
+              </a:extLst>
+            </p:cNvPr>
+            <p:cNvCxnSpPr>
+              <a:cxnSpLocks/>
+            </p:cNvCxnSpPr>
+            <p:nvPr/>
+          </p:nvCxnSpPr>
+          <p:spPr>
+            <a:xfrm flipV="1">
+              <a:off x="1173006" y="935485"/>
+              <a:ext cx="0" cy="1600922"/>
+            </a:xfrm>
+            <a:prstGeom prst="line">
+              <a:avLst/>
+            </a:prstGeom>
+            <a:ln w="6350" cap="rnd">
+              <a:solidFill>
+                <a:schemeClr val="tx1"/>
+              </a:solidFill>
+              <a:prstDash val="sysDash"/>
+              <a:round/>
+            </a:ln>
+          </p:spPr>
+          <p:style>
+            <a:lnRef idx="2">
+              <a:schemeClr val="accent1"/>
+            </a:lnRef>
+            <a:fillRef idx="0">
+              <a:schemeClr val="accent1"/>
+            </a:fillRef>
+            <a:effectRef idx="1">
+              <a:schemeClr val="accent1"/>
+            </a:effectRef>
+            <a:fontRef idx="minor">
+              <a:schemeClr val="tx1"/>
+            </a:fontRef>
+          </p:style>
+        </p:cxnSp>
+        <p:grpSp>
+          <p:nvGrpSpPr>
+            <p:cNvPr id="37" name="Gruppieren 36">
+              <a:extLst>
+                <a:ext uri="{FF2B5EF4-FFF2-40B4-BE49-F238E27FC236}">
+                  <a16:creationId xmlns:a16="http://schemas.microsoft.com/office/drawing/2014/main" id="{2DD600D6-7CE4-B4C6-96DD-F9216B7823CF}"/>
+                </a:ext>
+              </a:extLst>
+            </p:cNvPr>
+            <p:cNvGrpSpPr/>
+            <p:nvPr/>
+          </p:nvGrpSpPr>
+          <p:grpSpPr>
+            <a:xfrm>
+              <a:off x="2485842" y="2320963"/>
+              <a:ext cx="507425" cy="430887"/>
+              <a:chOff x="555670" y="846823"/>
+              <a:chExt cx="507425" cy="430887"/>
+            </a:xfrm>
+          </p:grpSpPr>
+          <p:sp>
+            <p:nvSpPr>
+              <p:cNvPr id="38" name="Textfeld 37">
+                <a:extLst>
+                  <a:ext uri="{FF2B5EF4-FFF2-40B4-BE49-F238E27FC236}">
+                    <a16:creationId xmlns:a16="http://schemas.microsoft.com/office/drawing/2014/main" id="{B26A0A4E-C70A-907D-C11E-58DEB83576CA}"/>
+                  </a:ext>
+                </a:extLst>
+              </p:cNvPr>
+              <p:cNvSpPr txBox="1"/>
+              <p:nvPr/>
+            </p:nvSpPr>
+            <p:spPr>
+              <a:xfrm>
+                <a:off x="555670" y="846823"/>
+                <a:ext cx="507425" cy="430887"/>
+              </a:xfrm>
+              <a:prstGeom prst="rect">
+                <a:avLst/>
+              </a:prstGeom>
+              <a:noFill/>
+            </p:spPr>
+            <p:txBody>
+              <a:bodyPr wrap="square" rtlCol="0" anchor="ctr">
+                <a:spAutoFit/>
+              </a:bodyPr>
+              <a:lstStyle/>
+              <a:p>
+                <a:pPr algn="ctr"/>
+                <a:r>
+                  <a:rPr lang="de-DE" sz="1100" i="1" dirty="0">
+                    <a:latin typeface="Latin Modern Math" panose="02000503000000000000" pitchFamily="50" charset="0"/>
+                    <a:ea typeface="Latin Modern Math" panose="02000503000000000000" pitchFamily="50" charset="0"/>
+                    <a:cs typeface="CMU Serif" panose="02000603000000000000" pitchFamily="2" charset="0"/>
+                  </a:rPr>
+                  <a:t>ρ</a:t>
+                </a:r>
+                <a:r>
+                  <a:rPr lang="de-DE" sz="1100" baseline="-25000" dirty="0">
+                    <a:latin typeface="CMU Serif" panose="02000603000000000000" pitchFamily="2" charset="0"/>
+                    <a:ea typeface="CMU Serif" panose="02000603000000000000" pitchFamily="2" charset="0"/>
+                    <a:cs typeface="CMU Serif" panose="02000603000000000000" pitchFamily="2" charset="0"/>
+                  </a:rPr>
+                  <a:t>2</a:t>
+                </a:r>
+              </a:p>
+              <a:p>
+                <a:pPr algn="ctr"/>
+                <a:r>
+                  <a:rPr lang="de-DE" sz="1100" i="1" dirty="0">
+                    <a:latin typeface="Latin Modern Math" panose="02000503000000000000" pitchFamily="50" charset="0"/>
+                    <a:ea typeface="Latin Modern Math" panose="02000503000000000000" pitchFamily="50" charset="0"/>
+                    <a:cs typeface="CMU Serif" panose="02000603000000000000" pitchFamily="2" charset="0"/>
+                  </a:rPr>
+                  <a:t>ρ</a:t>
+                </a:r>
+                <a:r>
+                  <a:rPr lang="de-DE" sz="1100" baseline="-25000" dirty="0">
+                    <a:latin typeface="CMU Serif" panose="02000603000000000000" pitchFamily="2" charset="0"/>
+                    <a:ea typeface="CMU Serif" panose="02000603000000000000" pitchFamily="2" charset="0"/>
+                    <a:cs typeface="CMU Serif" panose="02000603000000000000" pitchFamily="2" charset="0"/>
+                  </a:rPr>
+                  <a:t>1</a:t>
+                </a:r>
+              </a:p>
+            </p:txBody>
+          </p:sp>
+          <p:cxnSp>
+            <p:nvCxnSpPr>
+              <p:cNvPr id="39" name="Gerader Verbinder 38">
+                <a:extLst>
+                  <a:ext uri="{FF2B5EF4-FFF2-40B4-BE49-F238E27FC236}">
+                    <a16:creationId xmlns:a16="http://schemas.microsoft.com/office/drawing/2014/main" id="{B3635BFE-6922-0BE3-6000-6FBDB38776A8}"/>
+                  </a:ext>
+                </a:extLst>
+              </p:cNvPr>
+              <p:cNvCxnSpPr>
+                <a:cxnSpLocks/>
+              </p:cNvCxnSpPr>
+              <p:nvPr/>
+            </p:nvCxnSpPr>
+            <p:spPr>
+              <a:xfrm>
+                <a:off x="726514" y="1052741"/>
+                <a:ext cx="159311" cy="0"/>
+              </a:xfrm>
+              <a:prstGeom prst="line">
+                <a:avLst/>
+              </a:prstGeom>
+              <a:ln w="6350"/>
+            </p:spPr>
+            <p:style>
+              <a:lnRef idx="2">
+                <a:schemeClr val="dk1"/>
+              </a:lnRef>
+              <a:fillRef idx="0">
+                <a:schemeClr val="dk1"/>
+              </a:fillRef>
+              <a:effectRef idx="1">
+                <a:schemeClr val="dk1"/>
+              </a:effectRef>
+              <a:fontRef idx="minor">
+                <a:schemeClr val="tx1"/>
+              </a:fontRef>
+            </p:style>
+          </p:cxnSp>
+        </p:grpSp>
+        <p:sp>
+          <p:nvSpPr>
+            <p:cNvPr id="42" name="Textfeld 41">
+              <a:extLst>
+                <a:ext uri="{FF2B5EF4-FFF2-40B4-BE49-F238E27FC236}">
+                  <a16:creationId xmlns:a16="http://schemas.microsoft.com/office/drawing/2014/main" id="{2CFC0B4F-5839-5A0B-96DC-569005CB23B8}"/>
+                </a:ext>
+              </a:extLst>
+            </p:cNvPr>
+            <p:cNvSpPr txBox="1"/>
+            <p:nvPr/>
+          </p:nvSpPr>
+          <p:spPr>
+            <a:xfrm>
+              <a:off x="1175190" y="983811"/>
+              <a:ext cx="1874712" cy="246221"/>
+            </a:xfrm>
+            <a:prstGeom prst="rect">
+              <a:avLst/>
+            </a:prstGeom>
+            <a:noFill/>
+          </p:spPr>
+          <p:txBody>
+            <a:bodyPr wrap="square" rtlCol="0" anchor="ctr">
+              <a:spAutoFit/>
+            </a:bodyPr>
+            <a:lstStyle/>
+            <a:p>
+              <a:pPr algn="ctr"/>
+              <a:r>
+                <a:rPr lang="de-DE" sz="1000" dirty="0">
+                  <a:latin typeface="CMU Serif" panose="02000603000000000000" pitchFamily="2" charset="0"/>
+                  <a:ea typeface="CMU Serif" panose="02000603000000000000" pitchFamily="2" charset="0"/>
+                  <a:cs typeface="CMU Serif" panose="02000603000000000000" pitchFamily="2" charset="0"/>
+                </a:rPr>
+                <a:t>Rankine-</a:t>
+              </a:r>
+              <a:r>
+                <a:rPr lang="de-DE" sz="1000" dirty="0" err="1">
+                  <a:latin typeface="CMU Serif" panose="02000603000000000000" pitchFamily="2" charset="0"/>
+                  <a:ea typeface="CMU Serif" panose="02000603000000000000" pitchFamily="2" charset="0"/>
+                  <a:cs typeface="CMU Serif" panose="02000603000000000000" pitchFamily="2" charset="0"/>
+                </a:rPr>
+                <a:t>Hugoniot</a:t>
+              </a:r>
+              <a:r>
+                <a:rPr lang="de-DE" sz="1000" dirty="0">
+                  <a:latin typeface="CMU Serif" panose="02000603000000000000" pitchFamily="2" charset="0"/>
+                  <a:ea typeface="CMU Serif" panose="02000603000000000000" pitchFamily="2" charset="0"/>
+                  <a:cs typeface="CMU Serif" panose="02000603000000000000" pitchFamily="2" charset="0"/>
+                </a:rPr>
+                <a:t>-Kurve</a:t>
+              </a:r>
+              <a:endParaRPr lang="de-DE" sz="1000" baseline="-25000" dirty="0">
+                <a:latin typeface="CMU Serif" panose="02000603000000000000" pitchFamily="2" charset="0"/>
+                <a:ea typeface="CMU Serif" panose="02000603000000000000" pitchFamily="2" charset="0"/>
+                <a:cs typeface="CMU Serif" panose="02000603000000000000" pitchFamily="2" charset="0"/>
+              </a:endParaRPr>
+            </a:p>
+          </p:txBody>
+        </p:sp>
+        <p:sp>
+          <p:nvSpPr>
+            <p:cNvPr id="45" name="Textfeld 44">
+              <a:extLst>
+                <a:ext uri="{FF2B5EF4-FFF2-40B4-BE49-F238E27FC236}">
+                  <a16:creationId xmlns:a16="http://schemas.microsoft.com/office/drawing/2014/main" id="{CD924D3F-B605-3067-A0B9-4B539D65670F}"/>
+                </a:ext>
+              </a:extLst>
+            </p:cNvPr>
+            <p:cNvSpPr txBox="1"/>
+            <p:nvPr/>
+          </p:nvSpPr>
+          <p:spPr>
+            <a:xfrm>
+              <a:off x="1329891" y="1218452"/>
+              <a:ext cx="379360" cy="246221"/>
+            </a:xfrm>
+            <a:prstGeom prst="rect">
+              <a:avLst/>
+            </a:prstGeom>
+            <a:noFill/>
+          </p:spPr>
+          <p:txBody>
+            <a:bodyPr wrap="square" rtlCol="0" anchor="ctr">
+              <a:spAutoFit/>
+            </a:bodyPr>
+            <a:lstStyle/>
+            <a:p>
+              <a:pPr algn="ctr"/>
+              <a:r>
+                <a:rPr lang="de-DE" sz="1000" dirty="0">
+                  <a:solidFill>
+                    <a:schemeClr val="accent3"/>
+                  </a:solidFill>
+                  <a:latin typeface="CMU Serif" panose="02000603000000000000" pitchFamily="2" charset="0"/>
+                  <a:ea typeface="CMU Serif" panose="02000603000000000000" pitchFamily="2" charset="0"/>
+                  <a:cs typeface="CMU Serif" panose="02000603000000000000" pitchFamily="2" charset="0"/>
+                </a:rPr>
+                <a:t>(2)</a:t>
+              </a:r>
+              <a:endParaRPr lang="de-DE" sz="1000" baseline="-25000" dirty="0">
+                <a:solidFill>
+                  <a:schemeClr val="accent3"/>
+                </a:solidFill>
+                <a:latin typeface="CMU Serif" panose="02000603000000000000" pitchFamily="2" charset="0"/>
+                <a:ea typeface="CMU Serif" panose="02000603000000000000" pitchFamily="2" charset="0"/>
+                <a:cs typeface="CMU Serif" panose="02000603000000000000" pitchFamily="2" charset="0"/>
+              </a:endParaRPr>
+            </a:p>
+          </p:txBody>
+        </p:sp>
+        <p:sp>
+          <p:nvSpPr>
+            <p:cNvPr id="46" name="Textfeld 45">
+              <a:extLst>
+                <a:ext uri="{FF2B5EF4-FFF2-40B4-BE49-F238E27FC236}">
+                  <a16:creationId xmlns:a16="http://schemas.microsoft.com/office/drawing/2014/main" id="{82FABDD5-E0DA-EBBB-9DA1-9209B9A9E392}"/>
+                </a:ext>
+              </a:extLst>
+            </p:cNvPr>
+            <p:cNvSpPr txBox="1"/>
+            <p:nvPr/>
+          </p:nvSpPr>
+          <p:spPr>
+            <a:xfrm>
+              <a:off x="2328541" y="2026573"/>
+              <a:ext cx="379360" cy="246221"/>
+            </a:xfrm>
+            <a:prstGeom prst="rect">
+              <a:avLst/>
+            </a:prstGeom>
+            <a:noFill/>
+          </p:spPr>
+          <p:txBody>
+            <a:bodyPr wrap="square" rtlCol="0" anchor="ctr">
+              <a:spAutoFit/>
+            </a:bodyPr>
+            <a:lstStyle/>
+            <a:p>
+              <a:pPr algn="ctr"/>
+              <a:r>
+                <a:rPr lang="de-DE" sz="1000" dirty="0">
+                  <a:solidFill>
+                    <a:schemeClr val="accent3"/>
+                  </a:solidFill>
+                  <a:latin typeface="CMU Serif" panose="02000603000000000000" pitchFamily="2" charset="0"/>
+                  <a:ea typeface="CMU Serif" panose="02000603000000000000" pitchFamily="2" charset="0"/>
+                  <a:cs typeface="CMU Serif" panose="02000603000000000000" pitchFamily="2" charset="0"/>
+                </a:rPr>
+                <a:t>(1)</a:t>
+              </a:r>
+              <a:endParaRPr lang="de-DE" sz="1000" baseline="-25000" dirty="0">
+                <a:solidFill>
+                  <a:schemeClr val="accent3"/>
+                </a:solidFill>
+                <a:latin typeface="CMU Serif" panose="02000603000000000000" pitchFamily="2" charset="0"/>
+                <a:ea typeface="CMU Serif" panose="02000603000000000000" pitchFamily="2" charset="0"/>
+                <a:cs typeface="CMU Serif" panose="02000603000000000000" pitchFamily="2" charset="0"/>
+              </a:endParaRPr>
+            </a:p>
+          </p:txBody>
+        </p:sp>
+        <p:sp>
+          <p:nvSpPr>
+            <p:cNvPr id="47" name="Textfeld 46">
+              <a:extLst>
+                <a:ext uri="{FF2B5EF4-FFF2-40B4-BE49-F238E27FC236}">
+                  <a16:creationId xmlns:a16="http://schemas.microsoft.com/office/drawing/2014/main" id="{DF73C847-88BD-E249-D958-BA95B73E02BF}"/>
+                </a:ext>
+              </a:extLst>
+            </p:cNvPr>
+            <p:cNvSpPr txBox="1"/>
+            <p:nvPr/>
+          </p:nvSpPr>
+          <p:spPr>
+            <a:xfrm>
+              <a:off x="1049742" y="2030205"/>
+              <a:ext cx="881133" cy="230832"/>
+            </a:xfrm>
+            <a:prstGeom prst="rect">
+              <a:avLst/>
+            </a:prstGeom>
+            <a:noFill/>
+          </p:spPr>
+          <p:txBody>
+            <a:bodyPr wrap="square" rtlCol="0" anchor="ctr">
+              <a:spAutoFit/>
+            </a:bodyPr>
+            <a:lstStyle/>
+            <a:p>
+              <a:pPr algn="ctr"/>
+              <a:r>
+                <a:rPr lang="de-DE" sz="900" dirty="0">
+                  <a:solidFill>
+                    <a:schemeClr val="accent3"/>
+                  </a:solidFill>
+                  <a:latin typeface="CMU Serif" panose="02000603000000000000" pitchFamily="2" charset="0"/>
+                  <a:ea typeface="CMU Serif" panose="02000603000000000000" pitchFamily="2" charset="0"/>
+                  <a:cs typeface="CMU Serif" panose="02000603000000000000" pitchFamily="2" charset="0"/>
+                </a:rPr>
+                <a:t>Isentrope</a:t>
+              </a:r>
+              <a:endParaRPr lang="de-DE" sz="900" baseline="-25000" dirty="0">
+                <a:solidFill>
+                  <a:schemeClr val="accent3"/>
+                </a:solidFill>
+                <a:latin typeface="CMU Serif" panose="02000603000000000000" pitchFamily="2" charset="0"/>
+                <a:ea typeface="CMU Serif" panose="02000603000000000000" pitchFamily="2" charset="0"/>
+                <a:cs typeface="CMU Serif" panose="02000603000000000000" pitchFamily="2" charset="0"/>
+              </a:endParaRPr>
+            </a:p>
+          </p:txBody>
+        </p:sp>
+        <p:sp>
+          <p:nvSpPr>
+            <p:cNvPr id="48" name="Textfeld 47">
+              <a:extLst>
+                <a:ext uri="{FF2B5EF4-FFF2-40B4-BE49-F238E27FC236}">
+                  <a16:creationId xmlns:a16="http://schemas.microsoft.com/office/drawing/2014/main" id="{58FAB947-2BC6-F1B6-3353-06E1A367A223}"/>
+                </a:ext>
+              </a:extLst>
+            </p:cNvPr>
+            <p:cNvSpPr txBox="1"/>
+            <p:nvPr/>
+          </p:nvSpPr>
+          <p:spPr>
+            <a:xfrm rot="2376176">
+              <a:off x="1451368" y="1607582"/>
+              <a:ext cx="1122045" cy="230832"/>
+            </a:xfrm>
+            <a:prstGeom prst="rect">
+              <a:avLst/>
+            </a:prstGeom>
+            <a:noFill/>
+          </p:spPr>
+          <p:txBody>
+            <a:bodyPr wrap="square" rtlCol="0" anchor="ctr">
+              <a:spAutoFit/>
+            </a:bodyPr>
+            <a:lstStyle/>
+            <a:p>
+              <a:pPr algn="ctr"/>
+              <a:r>
+                <a:rPr lang="de-DE" sz="900" dirty="0">
+                  <a:solidFill>
+                    <a:schemeClr val="accent3"/>
+                  </a:solidFill>
+                  <a:latin typeface="CMU Serif" panose="02000603000000000000" pitchFamily="2" charset="0"/>
+                  <a:ea typeface="CMU Serif" panose="02000603000000000000" pitchFamily="2" charset="0"/>
+                  <a:cs typeface="CMU Serif" panose="02000603000000000000" pitchFamily="2" charset="0"/>
+                </a:rPr>
+                <a:t>Rayleigh-Gerade</a:t>
+              </a:r>
+              <a:endParaRPr lang="de-DE" sz="900" baseline="-25000" dirty="0">
+                <a:solidFill>
+                  <a:schemeClr val="accent3"/>
+                </a:solidFill>
+                <a:latin typeface="CMU Serif" panose="02000603000000000000" pitchFamily="2" charset="0"/>
+                <a:ea typeface="CMU Serif" panose="02000603000000000000" pitchFamily="2" charset="0"/>
+                <a:cs typeface="CMU Serif" panose="02000603000000000000" pitchFamily="2" charset="0"/>
+              </a:endParaRPr>
+            </a:p>
+          </p:txBody>
+        </p:sp>
+      </p:grpSp>
+    </p:spTree>
+    <p:extLst>
+      <p:ext uri="{BB962C8B-B14F-4D97-AF65-F5344CB8AC3E}">
+        <p14:creationId xmlns:p14="http://schemas.microsoft.com/office/powerpoint/2010/main" val="2318391520"/>
+      </p:ext>
+    </p:extLst>
+  </p:cSld>
+  <p:clrMapOvr>
+    <a:masterClrMapping/>
+  </p:clrMapOvr>
+</p:sld>
+</file>
+
+<file path=ppt/slides/slide23.xml><?xml version="1.0" encoding="utf-8"?>
+<p:sld xmlns:a="http://schemas.openxmlformats.org/drawingml/2006/main" xmlns:r="http://schemas.openxmlformats.org/officeDocument/2006/relationships" xmlns:p="http://schemas.openxmlformats.org/presentationml/2006/main">
+  <p:cSld>
+    <p:spTree>
+      <p:nvGrpSpPr>
+        <p:cNvPr id="1" name="">
+          <a:extLst>
+            <a:ext uri="{FF2B5EF4-FFF2-40B4-BE49-F238E27FC236}">
+              <a16:creationId xmlns:a16="http://schemas.microsoft.com/office/drawing/2014/main" id="{B26A5652-B6F8-67DA-700C-9E81718096AD}"/>
             </a:ext>
           </a:extLst>
         </p:cNvPr>
@@ -23100,7 +28736,7 @@
     </p:spTree>
     <p:extLst>
       <p:ext uri="{BB962C8B-B14F-4D97-AF65-F5344CB8AC3E}">
-        <p14:creationId xmlns:p14="http://schemas.microsoft.com/office/powerpoint/2010/main" val="2318391520"/>
+        <p14:creationId xmlns:p14="http://schemas.microsoft.com/office/powerpoint/2010/main" val="833253166"/>
       </p:ext>
     </p:extLst>
   </p:cSld>
